--- a/src/Final Project Presentation.pptx
+++ b/src/Final Project Presentation.pptx
@@ -8,14 +8,23 @@
     <p:sldId id="256" r:id="rId2"/>
     <p:sldId id="258" r:id="rId3"/>
     <p:sldId id="259" r:id="rId4"/>
-    <p:sldId id="257" r:id="rId5"/>
-    <p:sldId id="261" r:id="rId6"/>
-    <p:sldId id="265" r:id="rId7"/>
-    <p:sldId id="266" r:id="rId8"/>
-    <p:sldId id="262" r:id="rId9"/>
-    <p:sldId id="263" r:id="rId10"/>
-    <p:sldId id="264" r:id="rId11"/>
-    <p:sldId id="260" r:id="rId12"/>
+    <p:sldId id="271" r:id="rId5"/>
+    <p:sldId id="257" r:id="rId6"/>
+    <p:sldId id="261" r:id="rId7"/>
+    <p:sldId id="274" r:id="rId8"/>
+    <p:sldId id="265" r:id="rId9"/>
+    <p:sldId id="267" r:id="rId10"/>
+    <p:sldId id="270" r:id="rId11"/>
+    <p:sldId id="272" r:id="rId12"/>
+    <p:sldId id="266" r:id="rId13"/>
+    <p:sldId id="262" r:id="rId14"/>
+    <p:sldId id="275" r:id="rId15"/>
+    <p:sldId id="276" r:id="rId16"/>
+    <p:sldId id="278" r:id="rId17"/>
+    <p:sldId id="277" r:id="rId18"/>
+    <p:sldId id="263" r:id="rId19"/>
+    <p:sldId id="264" r:id="rId20"/>
+    <p:sldId id="273" r:id="rId21"/>
   </p:sldIdLst>
   <p:sldSz cx="12192000" cy="6858000"/>
   <p:notesSz cx="6858000" cy="9144000"/>
@@ -269,7 +278,7 @@
           <a:p>
             <a:fld id="{2D0B15E7-0F5E-4AF9-8FAD-4329F98176F1}" type="datetimeFigureOut">
               <a:rPr lang="en-US" smtClean="0"/>
-              <a:t>5/1/2019</a:t>
+              <a:t>6/6/2019</a:t>
             </a:fld>
             <a:endParaRPr lang="en-US"/>
           </a:p>
@@ -467,7 +476,7 @@
           <a:p>
             <a:fld id="{2D0B15E7-0F5E-4AF9-8FAD-4329F98176F1}" type="datetimeFigureOut">
               <a:rPr lang="en-US" smtClean="0"/>
-              <a:t>5/1/2019</a:t>
+              <a:t>6/6/2019</a:t>
             </a:fld>
             <a:endParaRPr lang="en-US"/>
           </a:p>
@@ -675,7 +684,7 @@
           <a:p>
             <a:fld id="{2D0B15E7-0F5E-4AF9-8FAD-4329F98176F1}" type="datetimeFigureOut">
               <a:rPr lang="en-US" smtClean="0"/>
-              <a:t>5/1/2019</a:t>
+              <a:t>6/6/2019</a:t>
             </a:fld>
             <a:endParaRPr lang="en-US"/>
           </a:p>
@@ -873,7 +882,7 @@
           <a:p>
             <a:fld id="{2D0B15E7-0F5E-4AF9-8FAD-4329F98176F1}" type="datetimeFigureOut">
               <a:rPr lang="en-US" smtClean="0"/>
-              <a:t>5/1/2019</a:t>
+              <a:t>6/6/2019</a:t>
             </a:fld>
             <a:endParaRPr lang="en-US"/>
           </a:p>
@@ -1148,7 +1157,7 @@
           <a:p>
             <a:fld id="{2D0B15E7-0F5E-4AF9-8FAD-4329F98176F1}" type="datetimeFigureOut">
               <a:rPr lang="en-US" smtClean="0"/>
-              <a:t>5/1/2019</a:t>
+              <a:t>6/6/2019</a:t>
             </a:fld>
             <a:endParaRPr lang="en-US"/>
           </a:p>
@@ -1413,7 +1422,7 @@
           <a:p>
             <a:fld id="{2D0B15E7-0F5E-4AF9-8FAD-4329F98176F1}" type="datetimeFigureOut">
               <a:rPr lang="en-US" smtClean="0"/>
-              <a:t>5/1/2019</a:t>
+              <a:t>6/6/2019</a:t>
             </a:fld>
             <a:endParaRPr lang="en-US"/>
           </a:p>
@@ -1825,7 +1834,7 @@
           <a:p>
             <a:fld id="{2D0B15E7-0F5E-4AF9-8FAD-4329F98176F1}" type="datetimeFigureOut">
               <a:rPr lang="en-US" smtClean="0"/>
-              <a:t>5/1/2019</a:t>
+              <a:t>6/6/2019</a:t>
             </a:fld>
             <a:endParaRPr lang="en-US"/>
           </a:p>
@@ -1966,7 +1975,7 @@
           <a:p>
             <a:fld id="{2D0B15E7-0F5E-4AF9-8FAD-4329F98176F1}" type="datetimeFigureOut">
               <a:rPr lang="en-US" smtClean="0"/>
-              <a:t>5/1/2019</a:t>
+              <a:t>6/6/2019</a:t>
             </a:fld>
             <a:endParaRPr lang="en-US"/>
           </a:p>
@@ -2079,7 +2088,7 @@
           <a:p>
             <a:fld id="{2D0B15E7-0F5E-4AF9-8FAD-4329F98176F1}" type="datetimeFigureOut">
               <a:rPr lang="en-US" smtClean="0"/>
-              <a:t>5/1/2019</a:t>
+              <a:t>6/6/2019</a:t>
             </a:fld>
             <a:endParaRPr lang="en-US"/>
           </a:p>
@@ -2390,7 +2399,7 @@
           <a:p>
             <a:fld id="{2D0B15E7-0F5E-4AF9-8FAD-4329F98176F1}" type="datetimeFigureOut">
               <a:rPr lang="en-US" smtClean="0"/>
-              <a:t>5/1/2019</a:t>
+              <a:t>6/6/2019</a:t>
             </a:fld>
             <a:endParaRPr lang="en-US"/>
           </a:p>
@@ -2678,7 +2687,7 @@
           <a:p>
             <a:fld id="{2D0B15E7-0F5E-4AF9-8FAD-4329F98176F1}" type="datetimeFigureOut">
               <a:rPr lang="en-US" smtClean="0"/>
-              <a:t>5/1/2019</a:t>
+              <a:t>6/6/2019</a:t>
             </a:fld>
             <a:endParaRPr lang="en-US"/>
           </a:p>
@@ -2919,7 +2928,7 @@
           <a:p>
             <a:fld id="{2D0B15E7-0F5E-4AF9-8FAD-4329F98176F1}" type="datetimeFigureOut">
               <a:rPr lang="en-US" smtClean="0"/>
-              <a:t>5/1/2019</a:t>
+              <a:t>6/6/2019</a:t>
             </a:fld>
             <a:endParaRPr lang="en-US"/>
           </a:p>
@@ -3352,13 +3361,35 @@
             <p:ph type="ctrTitle"/>
           </p:nvPr>
         </p:nvSpPr>
-        <p:spPr/>
-        <p:txBody>
-          <a:bodyPr/>
-          <a:lstStyle/>
-          <a:p>
-            <a:r>
-              <a:rPr lang="en-US" dirty="0"/>
+        <p:spPr>
+          <a:xfrm>
+            <a:off x="2832682" y="733759"/>
+            <a:ext cx="6864991" cy="1920526"/>
+          </a:xfrm>
+          <a:solidFill>
+            <a:schemeClr val="tx1"/>
+          </a:solidFill>
+          <a:ln>
+            <a:solidFill>
+              <a:schemeClr val="tx1"/>
+            </a:solidFill>
+          </a:ln>
+        </p:spPr>
+        <p:txBody>
+          <a:bodyPr wrap="square" rtlCol="0">
+            <a:spAutoFit/>
+          </a:bodyPr>
+          <a:lstStyle/>
+          <a:p>
+            <a:r>
+              <a:rPr lang="en-US" sz="6600" b="1" dirty="0">
+                <a:solidFill>
+                  <a:schemeClr val="bg1"/>
+                </a:solidFill>
+                <a:latin typeface="+mn-lt"/>
+                <a:ea typeface="+mn-ea"/>
+                <a:cs typeface="+mn-cs"/>
+              </a:rPr>
               <a:t>Modular of Aspects </a:t>
             </a:r>
           </a:p>
@@ -3380,42 +3411,143 @@
             <p:ph type="subTitle" idx="1"/>
           </p:nvPr>
         </p:nvSpPr>
-        <p:spPr/>
-        <p:txBody>
-          <a:bodyPr/>
-          <a:lstStyle/>
-          <a:p>
-            <a:r>
-              <a:rPr lang="en-US" dirty="0"/>
+        <p:spPr>
+          <a:xfrm>
+            <a:off x="4378354" y="3109532"/>
+            <a:ext cx="3435292" cy="923330"/>
+          </a:xfrm>
+          <a:solidFill>
+            <a:srgbClr val="FF0000"/>
+          </a:solidFill>
+          <a:ln>
+            <a:solidFill>
+              <a:schemeClr val="tx1"/>
+            </a:solidFill>
+          </a:ln>
+        </p:spPr>
+        <p:txBody>
+          <a:bodyPr vert="horz" wrap="square" lIns="91440" tIns="45720" rIns="91440" bIns="45720" rtlCol="0" anchor="b">
+            <a:spAutoFit/>
+          </a:bodyPr>
+          <a:lstStyle/>
+          <a:p>
+            <a:pPr>
+              <a:spcBef>
+                <a:spcPct val="0"/>
+              </a:spcBef>
+            </a:pPr>
+            <a:r>
+              <a:rPr lang="en-US" sz="2000" b="1" dirty="0">
+                <a:solidFill>
+                  <a:schemeClr val="bg1"/>
+                </a:solidFill>
+              </a:rPr>
               <a:t>Final Project,</a:t>
             </a:r>
           </a:p>
           <a:p>
-            <a:r>
-              <a:rPr lang="en-US" dirty="0" err="1"/>
+            <a:pPr>
+              <a:spcBef>
+                <a:spcPct val="0"/>
+              </a:spcBef>
+            </a:pPr>
+            <a:r>
+              <a:rPr lang="en-US" sz="2000" b="1" dirty="0" err="1">
+                <a:solidFill>
+                  <a:schemeClr val="bg1"/>
+                </a:solidFill>
+              </a:rPr>
               <a:t>SpaceWars</a:t>
             </a:r>
             <a:r>
-              <a:rPr lang="en-US" dirty="0"/>
+              <a:rPr lang="en-US" sz="2000" b="1" dirty="0">
+                <a:solidFill>
+                  <a:schemeClr val="bg1"/>
+                </a:solidFill>
+              </a:rPr>
               <a:t> AOP</a:t>
             </a:r>
           </a:p>
           <a:p>
-            <a:r>
-              <a:rPr lang="en-US" dirty="0"/>
+            <a:pPr>
+              <a:spcBef>
+                <a:spcPct val="0"/>
+              </a:spcBef>
+            </a:pPr>
+            <a:r>
+              <a:rPr lang="en-US" sz="2000" b="1" dirty="0">
+                <a:solidFill>
+                  <a:schemeClr val="bg1"/>
+                </a:solidFill>
+              </a:rPr>
               <a:t>Aviv Kotek, </a:t>
             </a:r>
             <a:r>
-              <a:rPr lang="en-US" dirty="0" err="1"/>
+              <a:rPr lang="en-US" sz="2000" b="1" dirty="0" err="1">
+                <a:solidFill>
+                  <a:schemeClr val="bg1"/>
+                </a:solidFill>
+              </a:rPr>
               <a:t>Raz</a:t>
             </a:r>
             <a:r>
-              <a:rPr lang="en-US" dirty="0"/>
+              <a:rPr lang="en-US" sz="2000" b="1" dirty="0">
+                <a:solidFill>
+                  <a:schemeClr val="bg1"/>
+                </a:solidFill>
+              </a:rPr>
               <a:t> Warman</a:t>
             </a:r>
           </a:p>
         </p:txBody>
       </p:sp>
+      <p:pic>
+        <p:nvPicPr>
+          <p:cNvPr id="5" name="Picture 4" descr="Image result for SpaceWars">
+            <a:extLst>
+              <a:ext uri="{FF2B5EF4-FFF2-40B4-BE49-F238E27FC236}">
+                <a16:creationId xmlns:a16="http://schemas.microsoft.com/office/drawing/2014/main" id="{858CEAA4-FAA1-4308-AE15-943315ACB100}"/>
+              </a:ext>
+            </a:extLst>
+          </p:cNvPr>
+          <p:cNvPicPr>
+            <a:picLocks noChangeAspect="1" noChangeArrowheads="1"/>
+          </p:cNvPicPr>
+          <p:nvPr/>
+        </p:nvPicPr>
+        <p:blipFill>
+          <a:blip r:embed="rId2">
+            <a:extLst>
+              <a:ext uri="{28A0092B-C50C-407E-A947-70E740481C1C}">
+                <a14:useLocalDpi xmlns:a14="http://schemas.microsoft.com/office/drawing/2010/main" val="0"/>
+              </a:ext>
+            </a:extLst>
+          </a:blip>
+          <a:srcRect/>
+          <a:stretch>
+            <a:fillRect/>
+          </a:stretch>
+        </p:blipFill>
+        <p:spPr bwMode="auto">
+          <a:xfrm>
+            <a:off x="4378354" y="4621780"/>
+            <a:ext cx="3654933" cy="1786856"/>
+          </a:xfrm>
+          <a:prstGeom prst="rect">
+            <a:avLst/>
+          </a:prstGeom>
+          <a:noFill/>
+          <a:extLst>
+            <a:ext uri="{909E8E84-426E-40DD-AFC4-6F175D3DCCD1}">
+              <a14:hiddenFill xmlns:a14="http://schemas.microsoft.com/office/drawing/2010/main">
+                <a:solidFill>
+                  <a:srgbClr val="FFFFFF"/>
+                </a:solidFill>
+              </a14:hiddenFill>
+            </a:ext>
+          </a:extLst>
+        </p:spPr>
+      </p:pic>
     </p:spTree>
     <p:extLst>
       <p:ext uri="{BB962C8B-B14F-4D97-AF65-F5344CB8AC3E}">
@@ -3473,69 +3605,48 @@
           <a:lstStyle/>
           <a:p>
             <a:r>
-              <a:rPr lang="en-US" b="1" dirty="0"/>
-              <a:t>Testing our aspects</a:t>
-            </a:r>
-          </a:p>
-        </p:txBody>
-      </p:sp>
-      <p:sp>
-        <p:nvSpPr>
-          <p:cNvPr id="5" name="Content Placeholder 2">
-            <a:extLst>
-              <a:ext uri="{FF2B5EF4-FFF2-40B4-BE49-F238E27FC236}">
-                <a16:creationId xmlns:a16="http://schemas.microsoft.com/office/drawing/2014/main" id="{507F342C-C331-44DB-ACF0-C06FE2A5C3FB}"/>
-              </a:ext>
-            </a:extLst>
-          </p:cNvPr>
-          <p:cNvSpPr>
-            <a:spLocks noGrp="1"/>
-          </p:cNvSpPr>
-          <p:nvPr>
-            <p:ph idx="1"/>
-          </p:nvPr>
-        </p:nvSpPr>
+              <a:rPr lang="en-US" b="1" dirty="0">
+                <a:latin typeface="+mn-lt"/>
+              </a:rPr>
+              <a:t>Log4j2 config file</a:t>
+            </a:r>
+          </a:p>
+        </p:txBody>
+      </p:sp>
+      <p:pic>
+        <p:nvPicPr>
+          <p:cNvPr id="2" name="Picture 1">
+            <a:extLst>
+              <a:ext uri="{FF2B5EF4-FFF2-40B4-BE49-F238E27FC236}">
+                <a16:creationId xmlns:a16="http://schemas.microsoft.com/office/drawing/2014/main" id="{21495854-2231-451D-8BDB-968E0C1EC822}"/>
+              </a:ext>
+            </a:extLst>
+          </p:cNvPr>
+          <p:cNvPicPr>
+            <a:picLocks noChangeAspect="1"/>
+          </p:cNvPicPr>
+          <p:nvPr/>
+        </p:nvPicPr>
+        <p:blipFill>
+          <a:blip r:embed="rId2"/>
+          <a:stretch>
+            <a:fillRect/>
+          </a:stretch>
+        </p:blipFill>
         <p:spPr>
           <a:xfrm>
-            <a:off x="400594" y="1201783"/>
-            <a:ext cx="11495315" cy="5468983"/>
+            <a:off x="2755172" y="1676138"/>
+            <a:ext cx="7067550" cy="3790950"/>
           </a:xfrm>
+          <a:prstGeom prst="rect">
+            <a:avLst/>
+          </a:prstGeom>
         </p:spPr>
-        <p:txBody>
-          <a:bodyPr>
-            <a:normAutofit/>
-          </a:bodyPr>
-          <a:lstStyle/>
-          <a:p>
-            <a:pPr>
-              <a:lnSpc>
-                <a:spcPct val="150000"/>
-              </a:lnSpc>
-            </a:pPr>
-            <a:r>
-              <a:rPr lang="en-US" b="1" dirty="0"/>
-              <a:t>Logging Aspect – just by checking the written files. If have time &lt;write </a:t>
-            </a:r>
-            <a:r>
-              <a:rPr lang="en-US" b="1" dirty="0" err="1"/>
-              <a:t>uni</a:t>
-            </a:r>
-            <a:r>
-              <a:rPr lang="en-US" b="1" dirty="0"/>
-              <a:t> test </a:t>
-            </a:r>
-            <a:r>
-              <a:rPr lang="en-US" b="1"/>
-              <a:t>to check file&gt;</a:t>
-            </a:r>
-            <a:endParaRPr lang="en-US" b="1" dirty="0"/>
-          </a:p>
-        </p:txBody>
-      </p:sp>
+      </p:pic>
     </p:spTree>
     <p:extLst>
       <p:ext uri="{BB962C8B-B14F-4D97-AF65-F5344CB8AC3E}">
-        <p14:creationId xmlns:p14="http://schemas.microsoft.com/office/powerpoint/2010/main" val="3605706162"/>
+        <p14:creationId xmlns:p14="http://schemas.microsoft.com/office/powerpoint/2010/main" val="1215285995"/>
       </p:ext>
     </p:extLst>
   </p:cSld>
@@ -3589,8 +3700,422 @@
           <a:lstStyle/>
           <a:p>
             <a:r>
+              <a:rPr lang="en-US" b="1" dirty="0">
+                <a:latin typeface="+mn-lt"/>
+              </a:rPr>
+              <a:t>Game Logging Aspect:</a:t>
+            </a:r>
+          </a:p>
+        </p:txBody>
+      </p:sp>
+      <p:sp>
+        <p:nvSpPr>
+          <p:cNvPr id="5" name="Content Placeholder 2">
+            <a:extLst>
+              <a:ext uri="{FF2B5EF4-FFF2-40B4-BE49-F238E27FC236}">
+                <a16:creationId xmlns:a16="http://schemas.microsoft.com/office/drawing/2014/main" id="{507F342C-C331-44DB-ACF0-C06FE2A5C3FB}"/>
+              </a:ext>
+            </a:extLst>
+          </p:cNvPr>
+          <p:cNvSpPr>
+            <a:spLocks noGrp="1"/>
+          </p:cNvSpPr>
+          <p:nvPr>
+            <p:ph idx="1"/>
+          </p:nvPr>
+        </p:nvSpPr>
+        <p:spPr>
+          <a:xfrm>
+            <a:off x="218114" y="1201783"/>
+            <a:ext cx="11677795" cy="5468983"/>
+          </a:xfrm>
+        </p:spPr>
+        <p:txBody>
+          <a:bodyPr>
+            <a:normAutofit/>
+          </a:bodyPr>
+          <a:lstStyle/>
+          <a:p>
+            <a:pPr marL="0" indent="0">
+              <a:lnSpc>
+                <a:spcPct val="150000"/>
+              </a:lnSpc>
+              <a:buNone/>
+            </a:pPr>
+            <a:r>
+              <a:rPr lang="en-US" b="1" i="1" dirty="0"/>
+              <a:t>Instead of scattering the use of logger object (logger.log(type, </a:t>
+            </a:r>
+            <a:r>
+              <a:rPr lang="en-US" b="1" i="1" dirty="0" err="1"/>
+              <a:t>msg</a:t>
+            </a:r>
+            <a:r>
+              <a:rPr lang="en-US" b="1" i="1" dirty="0"/>
+              <a:t>)) in all of our program, we use an aspect to control logging.</a:t>
+            </a:r>
+          </a:p>
+          <a:p>
+            <a:pPr>
+              <a:lnSpc>
+                <a:spcPct val="150000"/>
+              </a:lnSpc>
+            </a:pPr>
+            <a:r>
+              <a:rPr lang="en-US" b="1" dirty="0">
+                <a:solidFill>
+                  <a:srgbClr val="FF0000"/>
+                </a:solidFill>
+              </a:rPr>
+              <a:t>Pointcut: </a:t>
+            </a:r>
+          </a:p>
+          <a:p>
+            <a:pPr lvl="1">
+              <a:lnSpc>
+                <a:spcPct val="150000"/>
+              </a:lnSpc>
+            </a:pPr>
+            <a:r>
+              <a:rPr lang="en-US" b="1" u="sng" dirty="0"/>
+              <a:t>Game analysis - </a:t>
+            </a:r>
+            <a:r>
               <a:rPr lang="en-US" b="1" dirty="0"/>
-              <a:t>TODO:</a:t>
+              <a:t> total time game took, total shoots made, total collisions.</a:t>
+            </a:r>
+            <a:endParaRPr lang="en-US" b="1" u="sng" dirty="0"/>
+          </a:p>
+          <a:p>
+            <a:pPr lvl="1">
+              <a:lnSpc>
+                <a:spcPct val="150000"/>
+              </a:lnSpc>
+            </a:pPr>
+            <a:r>
+              <a:rPr lang="en-US" b="1" u="sng" dirty="0"/>
+              <a:t>Main game events </a:t>
+            </a:r>
+            <a:r>
+              <a:rPr lang="en-US" b="1" dirty="0"/>
+              <a:t>– use custom annotation - @</a:t>
+            </a:r>
+            <a:r>
+              <a:rPr lang="en-US" b="1" dirty="0" err="1"/>
+              <a:t>Loggable</a:t>
+            </a:r>
+            <a:r>
+              <a:rPr lang="en-US" b="1" dirty="0"/>
+              <a:t> annotation to use in methods that do not conform with wildcard pattern. Log them to file and print to STDOUT to inform player.</a:t>
+            </a:r>
+          </a:p>
+          <a:p>
+            <a:pPr>
+              <a:lnSpc>
+                <a:spcPct val="150000"/>
+              </a:lnSpc>
+            </a:pPr>
+            <a:r>
+              <a:rPr lang="en-US" b="1" dirty="0">
+                <a:solidFill>
+                  <a:srgbClr val="FF0000"/>
+                </a:solidFill>
+              </a:rPr>
+              <a:t>Advice: </a:t>
+            </a:r>
+            <a:r>
+              <a:rPr lang="en-US" b="1" dirty="0"/>
+              <a:t>Log code into logs/app.log file depends on annotation in runtime.</a:t>
+            </a:r>
+          </a:p>
+        </p:txBody>
+      </p:sp>
+    </p:spTree>
+    <p:extLst>
+      <p:ext uri="{BB962C8B-B14F-4D97-AF65-F5344CB8AC3E}">
+        <p14:creationId xmlns:p14="http://schemas.microsoft.com/office/powerpoint/2010/main" val="1180477055"/>
+      </p:ext>
+    </p:extLst>
+  </p:cSld>
+  <p:clrMapOvr>
+    <a:masterClrMapping/>
+  </p:clrMapOvr>
+</p:sld>
+</file>
+
+<file path=ppt/slides/slide12.xml><?xml version="1.0" encoding="utf-8"?>
+<p:sld xmlns:a="http://schemas.openxmlformats.org/drawingml/2006/main" xmlns:r="http://schemas.openxmlformats.org/officeDocument/2006/relationships" xmlns:p="http://schemas.openxmlformats.org/presentationml/2006/main">
+  <p:cSld>
+    <p:spTree>
+      <p:nvGrpSpPr>
+        <p:cNvPr id="1" name=""/>
+        <p:cNvGrpSpPr/>
+        <p:nvPr/>
+      </p:nvGrpSpPr>
+      <p:grpSpPr>
+        <a:xfrm>
+          <a:off x="0" y="0"/>
+          <a:ext cx="0" cy="0"/>
+          <a:chOff x="0" y="0"/>
+          <a:chExt cx="0" cy="0"/>
+        </a:xfrm>
+      </p:grpSpPr>
+      <p:sp>
+        <p:nvSpPr>
+          <p:cNvPr id="4" name="Title 1">
+            <a:extLst>
+              <a:ext uri="{FF2B5EF4-FFF2-40B4-BE49-F238E27FC236}">
+                <a16:creationId xmlns:a16="http://schemas.microsoft.com/office/drawing/2014/main" id="{CAC17C8E-3677-4E33-AD1C-BB70137513FC}"/>
+              </a:ext>
+            </a:extLst>
+          </p:cNvPr>
+          <p:cNvSpPr>
+            <a:spLocks noGrp="1"/>
+          </p:cNvSpPr>
+          <p:nvPr>
+            <p:ph type="title"/>
+          </p:nvPr>
+        </p:nvSpPr>
+        <p:spPr>
+          <a:xfrm>
+            <a:off x="400594" y="86450"/>
+            <a:ext cx="10515600" cy="1325563"/>
+          </a:xfrm>
+        </p:spPr>
+        <p:txBody>
+          <a:bodyPr/>
+          <a:lstStyle/>
+          <a:p>
+            <a:r>
+              <a:rPr lang="en-US" b="1" dirty="0">
+                <a:latin typeface="+mn-lt"/>
+              </a:rPr>
+              <a:t>@</a:t>
+            </a:r>
+            <a:r>
+              <a:rPr lang="en-US" b="1" dirty="0" err="1">
+                <a:latin typeface="+mn-lt"/>
+              </a:rPr>
+              <a:t>Loggable</a:t>
+            </a:r>
+            <a:endParaRPr lang="en-US" b="1" dirty="0">
+              <a:latin typeface="+mn-lt"/>
+            </a:endParaRPr>
+          </a:p>
+        </p:txBody>
+      </p:sp>
+      <p:sp>
+        <p:nvSpPr>
+          <p:cNvPr id="5" name="Content Placeholder 2">
+            <a:extLst>
+              <a:ext uri="{FF2B5EF4-FFF2-40B4-BE49-F238E27FC236}">
+                <a16:creationId xmlns:a16="http://schemas.microsoft.com/office/drawing/2014/main" id="{507F342C-C331-44DB-ACF0-C06FE2A5C3FB}"/>
+              </a:ext>
+            </a:extLst>
+          </p:cNvPr>
+          <p:cNvSpPr>
+            <a:spLocks noGrp="1"/>
+          </p:cNvSpPr>
+          <p:nvPr>
+            <p:ph idx="1"/>
+          </p:nvPr>
+        </p:nvSpPr>
+        <p:spPr>
+          <a:xfrm>
+            <a:off x="400594" y="1201783"/>
+            <a:ext cx="6855883" cy="5468983"/>
+          </a:xfrm>
+        </p:spPr>
+        <p:txBody>
+          <a:bodyPr>
+            <a:normAutofit/>
+          </a:bodyPr>
+          <a:lstStyle/>
+          <a:p>
+            <a:pPr>
+              <a:lnSpc>
+                <a:spcPct val="150000"/>
+              </a:lnSpc>
+            </a:pPr>
+            <a:r>
+              <a:rPr lang="en-US" b="1" dirty="0"/>
+              <a:t>Custom made annotation</a:t>
+            </a:r>
+          </a:p>
+          <a:p>
+            <a:pPr>
+              <a:lnSpc>
+                <a:spcPct val="150000"/>
+              </a:lnSpc>
+            </a:pPr>
+            <a:r>
+              <a:rPr lang="en-US" b="1" dirty="0"/>
+              <a:t>Programmer marks method with @</a:t>
+            </a:r>
+            <a:r>
+              <a:rPr lang="en-US" b="1" dirty="0" err="1"/>
+              <a:t>Loggable</a:t>
+            </a:r>
+            <a:r>
+              <a:rPr lang="en-US" b="1" dirty="0"/>
+              <a:t> annotation AND it </a:t>
+            </a:r>
+            <a:r>
+              <a:rPr lang="en-US" b="1" dirty="0" err="1"/>
+              <a:t>typeLevel</a:t>
+            </a:r>
+            <a:r>
+              <a:rPr lang="en-US" b="1" dirty="0"/>
+              <a:t>!</a:t>
+            </a:r>
+          </a:p>
+          <a:p>
+            <a:pPr>
+              <a:lnSpc>
+                <a:spcPct val="150000"/>
+              </a:lnSpc>
+            </a:pPr>
+            <a:r>
+              <a:rPr lang="en-US" b="1" dirty="0">
+                <a:solidFill>
+                  <a:srgbClr val="FF0000"/>
+                </a:solidFill>
+              </a:rPr>
+              <a:t>Retention</a:t>
+            </a:r>
+            <a:r>
+              <a:rPr lang="en-US" b="1" dirty="0"/>
+              <a:t>: Source/Runtime </a:t>
+            </a:r>
+            <a:r>
+              <a:rPr lang="en-US" i="1" dirty="0"/>
+              <a:t>– not-</a:t>
+            </a:r>
+            <a:r>
+              <a:rPr lang="en-US" dirty="0"/>
+              <a:t>visible/visible by the compiler.</a:t>
+            </a:r>
+          </a:p>
+          <a:p>
+            <a:pPr>
+              <a:lnSpc>
+                <a:spcPct val="150000"/>
+              </a:lnSpc>
+            </a:pPr>
+            <a:r>
+              <a:rPr lang="en-US" b="1" dirty="0">
+                <a:solidFill>
+                  <a:srgbClr val="FF0000"/>
+                </a:solidFill>
+              </a:rPr>
+              <a:t>Target</a:t>
+            </a:r>
+            <a:r>
+              <a:rPr lang="en-US" b="1" dirty="0"/>
+              <a:t>: Method – use this </a:t>
+            </a:r>
+            <a:r>
+              <a:rPr lang="en-US" b="1" dirty="0" err="1"/>
+              <a:t>annot</a:t>
+            </a:r>
+            <a:r>
+              <a:rPr lang="en-US" b="1" dirty="0"/>
+              <a:t> only on methods.</a:t>
+            </a:r>
+          </a:p>
+        </p:txBody>
+      </p:sp>
+      <p:pic>
+        <p:nvPicPr>
+          <p:cNvPr id="7" name="Picture 6">
+            <a:extLst>
+              <a:ext uri="{FF2B5EF4-FFF2-40B4-BE49-F238E27FC236}">
+                <a16:creationId xmlns:a16="http://schemas.microsoft.com/office/drawing/2014/main" id="{14AECD1B-51AE-47AB-819E-3AEFF061E6C0}"/>
+              </a:ext>
+            </a:extLst>
+          </p:cNvPr>
+          <p:cNvPicPr>
+            <a:picLocks noChangeAspect="1"/>
+          </p:cNvPicPr>
+          <p:nvPr/>
+        </p:nvPicPr>
+        <p:blipFill>
+          <a:blip r:embed="rId2"/>
+          <a:stretch>
+            <a:fillRect/>
+          </a:stretch>
+        </p:blipFill>
+        <p:spPr>
+          <a:xfrm>
+            <a:off x="7221230" y="900233"/>
+            <a:ext cx="4360208" cy="1834578"/>
+          </a:xfrm>
+          <a:prstGeom prst="rect">
+            <a:avLst/>
+          </a:prstGeom>
+        </p:spPr>
+      </p:pic>
+    </p:spTree>
+    <p:extLst>
+      <p:ext uri="{BB962C8B-B14F-4D97-AF65-F5344CB8AC3E}">
+        <p14:creationId xmlns:p14="http://schemas.microsoft.com/office/powerpoint/2010/main" val="360368061"/>
+      </p:ext>
+    </p:extLst>
+  </p:cSld>
+  <p:clrMapOvr>
+    <a:masterClrMapping/>
+  </p:clrMapOvr>
+</p:sld>
+</file>
+
+<file path=ppt/slides/slide13.xml><?xml version="1.0" encoding="utf-8"?>
+<p:sld xmlns:a="http://schemas.openxmlformats.org/drawingml/2006/main" xmlns:r="http://schemas.openxmlformats.org/officeDocument/2006/relationships" xmlns:p="http://schemas.openxmlformats.org/presentationml/2006/main">
+  <p:cSld>
+    <p:spTree>
+      <p:nvGrpSpPr>
+        <p:cNvPr id="1" name=""/>
+        <p:cNvGrpSpPr/>
+        <p:nvPr/>
+      </p:nvGrpSpPr>
+      <p:grpSpPr>
+        <a:xfrm>
+          <a:off x="0" y="0"/>
+          <a:ext cx="0" cy="0"/>
+          <a:chOff x="0" y="0"/>
+          <a:chExt cx="0" cy="0"/>
+        </a:xfrm>
+      </p:grpSpPr>
+      <p:sp>
+        <p:nvSpPr>
+          <p:cNvPr id="4" name="Title 1">
+            <a:extLst>
+              <a:ext uri="{FF2B5EF4-FFF2-40B4-BE49-F238E27FC236}">
+                <a16:creationId xmlns:a16="http://schemas.microsoft.com/office/drawing/2014/main" id="{CAC17C8E-3677-4E33-AD1C-BB70137513FC}"/>
+              </a:ext>
+            </a:extLst>
+          </p:cNvPr>
+          <p:cNvSpPr>
+            <a:spLocks noGrp="1"/>
+          </p:cNvSpPr>
+          <p:nvPr>
+            <p:ph type="title"/>
+          </p:nvPr>
+        </p:nvSpPr>
+        <p:spPr>
+          <a:xfrm>
+            <a:off x="400594" y="86450"/>
+            <a:ext cx="10515600" cy="1325563"/>
+          </a:xfrm>
+        </p:spPr>
+        <p:txBody>
+          <a:bodyPr/>
+          <a:lstStyle/>
+          <a:p>
+            <a:r>
+              <a:rPr lang="en-US" b="1" dirty="0">
+                <a:latin typeface="+mn-lt"/>
+              </a:rPr>
+              <a:t>Audit Aspect:</a:t>
             </a:r>
           </a:p>
         </p:txBody>
@@ -3630,7 +4155,7 @@
             </a:pPr>
             <a:r>
               <a:rPr lang="en-US" b="1" dirty="0"/>
-              <a:t>Improve PPT</a:t>
+              <a:t>Logs (audits) data to file, for later analysis and security. (in real application we would like to log this to RDBMS).</a:t>
             </a:r>
           </a:p>
           <a:p>
@@ -3640,8 +4165,71 @@
               </a:lnSpc>
             </a:pPr>
             <a:r>
+              <a:rPr lang="en-US" b="1" dirty="0">
+                <a:solidFill>
+                  <a:srgbClr val="FF0000"/>
+                </a:solidFill>
+              </a:rPr>
+              <a:t>Pointcut: </a:t>
+            </a:r>
+          </a:p>
+          <a:p>
+            <a:pPr lvl="1">
+              <a:lnSpc>
+                <a:spcPct val="150000"/>
+              </a:lnSpc>
+            </a:pPr>
+            <a:r>
+              <a:rPr lang="en-US" b="1" u="sng" dirty="0"/>
+              <a:t>Set/get operations </a:t>
+            </a:r>
+            <a:r>
               <a:rPr lang="en-US" b="1" dirty="0"/>
-              <a:t>Finish aspects</a:t>
+              <a:t>(after).</a:t>
+            </a:r>
+            <a:endParaRPr lang="en-US" b="1" u="sng" dirty="0"/>
+          </a:p>
+          <a:p>
+            <a:pPr lvl="1">
+              <a:lnSpc>
+                <a:spcPct val="150000"/>
+              </a:lnSpc>
+            </a:pPr>
+            <a:r>
+              <a:rPr lang="en-US" b="1" u="sng" dirty="0"/>
+              <a:t>Do (interface)</a:t>
+            </a:r>
+            <a:r>
+              <a:rPr lang="en-US" b="1" dirty="0"/>
+              <a:t> </a:t>
+            </a:r>
+            <a:r>
+              <a:rPr lang="en-US" b="1" u="sng" dirty="0"/>
+              <a:t>operations</a:t>
+            </a:r>
+            <a:r>
+              <a:rPr lang="en-US" b="1" dirty="0"/>
+              <a:t> (after).</a:t>
+            </a:r>
+            <a:endParaRPr lang="en-US" b="1" u="sng" dirty="0"/>
+          </a:p>
+          <a:p>
+            <a:pPr>
+              <a:lnSpc>
+                <a:spcPct val="150000"/>
+              </a:lnSpc>
+            </a:pPr>
+            <a:r>
+              <a:rPr lang="en-US" b="1" dirty="0">
+                <a:solidFill>
+                  <a:srgbClr val="FF0000"/>
+                </a:solidFill>
+              </a:rPr>
+              <a:t>Advice: </a:t>
+            </a:r>
+            <a:r>
+              <a:rPr lang="en-US" b="1" dirty="0"/>
+              <a:t>Log code into logs/app.log file depends on annotation in runtime.</a:t>
             </a:r>
           </a:p>
         </p:txBody>
@@ -3649,7 +4237,762 @@
     </p:spTree>
     <p:extLst>
       <p:ext uri="{BB962C8B-B14F-4D97-AF65-F5344CB8AC3E}">
-        <p14:creationId xmlns:p14="http://schemas.microsoft.com/office/powerpoint/2010/main" val="2288071191"/>
+        <p14:creationId xmlns:p14="http://schemas.microsoft.com/office/powerpoint/2010/main" val="139909693"/>
+      </p:ext>
+    </p:extLst>
+  </p:cSld>
+  <p:clrMapOvr>
+    <a:masterClrMapping/>
+  </p:clrMapOvr>
+</p:sld>
+</file>
+
+<file path=ppt/slides/slide14.xml><?xml version="1.0" encoding="utf-8"?>
+<p:sld xmlns:a="http://schemas.openxmlformats.org/drawingml/2006/main" xmlns:r="http://schemas.openxmlformats.org/officeDocument/2006/relationships" xmlns:p="http://schemas.openxmlformats.org/presentationml/2006/main">
+  <p:cSld>
+    <p:spTree>
+      <p:nvGrpSpPr>
+        <p:cNvPr id="1" name=""/>
+        <p:cNvGrpSpPr/>
+        <p:nvPr/>
+      </p:nvGrpSpPr>
+      <p:grpSpPr>
+        <a:xfrm>
+          <a:off x="0" y="0"/>
+          <a:ext cx="0" cy="0"/>
+          <a:chOff x="0" y="0"/>
+          <a:chExt cx="0" cy="0"/>
+        </a:xfrm>
+      </p:grpSpPr>
+      <p:sp>
+        <p:nvSpPr>
+          <p:cNvPr id="3" name="TextBox 2">
+            <a:extLst>
+              <a:ext uri="{FF2B5EF4-FFF2-40B4-BE49-F238E27FC236}">
+                <a16:creationId xmlns:a16="http://schemas.microsoft.com/office/drawing/2014/main" id="{77462736-FE3A-4BAB-8C7B-E597C0C00E8D}"/>
+              </a:ext>
+            </a:extLst>
+          </p:cNvPr>
+          <p:cNvSpPr txBox="1"/>
+          <p:nvPr/>
+        </p:nvSpPr>
+        <p:spPr>
+          <a:xfrm>
+            <a:off x="3848087" y="2334074"/>
+            <a:ext cx="4495826" cy="1754326"/>
+          </a:xfrm>
+          <a:prstGeom prst="rect">
+            <a:avLst/>
+          </a:prstGeom>
+          <a:solidFill>
+            <a:schemeClr val="tx1"/>
+          </a:solidFill>
+          <a:ln>
+            <a:solidFill>
+              <a:schemeClr val="tx1"/>
+            </a:solidFill>
+          </a:ln>
+        </p:spPr>
+        <p:txBody>
+          <a:bodyPr wrap="square" rtlCol="0">
+            <a:spAutoFit/>
+          </a:bodyPr>
+          <a:lstStyle/>
+          <a:p>
+            <a:pPr algn="ctr"/>
+            <a:r>
+              <a:rPr lang="en-US" sz="5400" b="1" dirty="0">
+                <a:solidFill>
+                  <a:schemeClr val="bg1"/>
+                </a:solidFill>
+              </a:rPr>
+              <a:t>Regulative Aspects</a:t>
+            </a:r>
+            <a:endParaRPr lang="en-US" sz="4800" b="1" dirty="0">
+              <a:solidFill>
+                <a:schemeClr val="bg1"/>
+              </a:solidFill>
+            </a:endParaRPr>
+          </a:p>
+        </p:txBody>
+      </p:sp>
+    </p:spTree>
+    <p:extLst>
+      <p:ext uri="{BB962C8B-B14F-4D97-AF65-F5344CB8AC3E}">
+        <p14:creationId xmlns:p14="http://schemas.microsoft.com/office/powerpoint/2010/main" val="721595628"/>
+      </p:ext>
+    </p:extLst>
+  </p:cSld>
+  <p:clrMapOvr>
+    <a:masterClrMapping/>
+  </p:clrMapOvr>
+</p:sld>
+</file>
+
+<file path=ppt/slides/slide15.xml><?xml version="1.0" encoding="utf-8"?>
+<p:sld xmlns:a="http://schemas.openxmlformats.org/drawingml/2006/main" xmlns:r="http://schemas.openxmlformats.org/officeDocument/2006/relationships" xmlns:p="http://schemas.openxmlformats.org/presentationml/2006/main">
+  <p:cSld>
+    <p:spTree>
+      <p:nvGrpSpPr>
+        <p:cNvPr id="1" name=""/>
+        <p:cNvGrpSpPr/>
+        <p:nvPr/>
+      </p:nvGrpSpPr>
+      <p:grpSpPr>
+        <a:xfrm>
+          <a:off x="0" y="0"/>
+          <a:ext cx="0" cy="0"/>
+          <a:chOff x="0" y="0"/>
+          <a:chExt cx="0" cy="0"/>
+        </a:xfrm>
+      </p:grpSpPr>
+      <p:sp>
+        <p:nvSpPr>
+          <p:cNvPr id="3" name="TextBox 2">
+            <a:extLst>
+              <a:ext uri="{FF2B5EF4-FFF2-40B4-BE49-F238E27FC236}">
+                <a16:creationId xmlns:a16="http://schemas.microsoft.com/office/drawing/2014/main" id="{77462736-FE3A-4BAB-8C7B-E597C0C00E8D}"/>
+              </a:ext>
+            </a:extLst>
+          </p:cNvPr>
+          <p:cNvSpPr txBox="1"/>
+          <p:nvPr/>
+        </p:nvSpPr>
+        <p:spPr>
+          <a:xfrm>
+            <a:off x="3848087" y="2334074"/>
+            <a:ext cx="4495826" cy="1754326"/>
+          </a:xfrm>
+          <a:prstGeom prst="rect">
+            <a:avLst/>
+          </a:prstGeom>
+          <a:solidFill>
+            <a:schemeClr val="tx1"/>
+          </a:solidFill>
+          <a:ln>
+            <a:solidFill>
+              <a:schemeClr val="tx1"/>
+            </a:solidFill>
+          </a:ln>
+        </p:spPr>
+        <p:txBody>
+          <a:bodyPr wrap="square" rtlCol="0">
+            <a:spAutoFit/>
+          </a:bodyPr>
+          <a:lstStyle/>
+          <a:p>
+            <a:pPr algn="ctr"/>
+            <a:r>
+              <a:rPr lang="en-US" sz="5400" b="1" dirty="0">
+                <a:solidFill>
+                  <a:schemeClr val="bg1"/>
+                </a:solidFill>
+              </a:rPr>
+              <a:t>Invasive Aspects</a:t>
+            </a:r>
+            <a:endParaRPr lang="en-US" sz="4800" b="1" dirty="0">
+              <a:solidFill>
+                <a:schemeClr val="bg1"/>
+              </a:solidFill>
+            </a:endParaRPr>
+          </a:p>
+        </p:txBody>
+      </p:sp>
+    </p:spTree>
+    <p:extLst>
+      <p:ext uri="{BB962C8B-B14F-4D97-AF65-F5344CB8AC3E}">
+        <p14:creationId xmlns:p14="http://schemas.microsoft.com/office/powerpoint/2010/main" val="3739079832"/>
+      </p:ext>
+    </p:extLst>
+  </p:cSld>
+  <p:clrMapOvr>
+    <a:masterClrMapping/>
+  </p:clrMapOvr>
+</p:sld>
+</file>
+
+<file path=ppt/slides/slide16.xml><?xml version="1.0" encoding="utf-8"?>
+<p:sld xmlns:a="http://schemas.openxmlformats.org/drawingml/2006/main" xmlns:r="http://schemas.openxmlformats.org/officeDocument/2006/relationships" xmlns:p="http://schemas.openxmlformats.org/presentationml/2006/main">
+  <p:cSld>
+    <p:spTree>
+      <p:nvGrpSpPr>
+        <p:cNvPr id="1" name=""/>
+        <p:cNvGrpSpPr/>
+        <p:nvPr/>
+      </p:nvGrpSpPr>
+      <p:grpSpPr>
+        <a:xfrm>
+          <a:off x="0" y="0"/>
+          <a:ext cx="0" cy="0"/>
+          <a:chOff x="0" y="0"/>
+          <a:chExt cx="0" cy="0"/>
+        </a:xfrm>
+      </p:grpSpPr>
+      <p:sp>
+        <p:nvSpPr>
+          <p:cNvPr id="4" name="Title 1">
+            <a:extLst>
+              <a:ext uri="{FF2B5EF4-FFF2-40B4-BE49-F238E27FC236}">
+                <a16:creationId xmlns:a16="http://schemas.microsoft.com/office/drawing/2014/main" id="{CAC17C8E-3677-4E33-AD1C-BB70137513FC}"/>
+              </a:ext>
+            </a:extLst>
+          </p:cNvPr>
+          <p:cNvSpPr>
+            <a:spLocks noGrp="1"/>
+          </p:cNvSpPr>
+          <p:nvPr>
+            <p:ph type="title"/>
+          </p:nvPr>
+        </p:nvSpPr>
+        <p:spPr>
+          <a:xfrm>
+            <a:off x="400594" y="86450"/>
+            <a:ext cx="10515600" cy="1325563"/>
+          </a:xfrm>
+        </p:spPr>
+        <p:txBody>
+          <a:bodyPr/>
+          <a:lstStyle/>
+          <a:p>
+            <a:r>
+              <a:rPr lang="en-US" b="1" dirty="0">
+                <a:latin typeface="+mn-lt"/>
+              </a:rPr>
+              <a:t>Invasive Aspects:</a:t>
+            </a:r>
+          </a:p>
+        </p:txBody>
+      </p:sp>
+      <p:sp>
+        <p:nvSpPr>
+          <p:cNvPr id="5" name="Content Placeholder 2">
+            <a:extLst>
+              <a:ext uri="{FF2B5EF4-FFF2-40B4-BE49-F238E27FC236}">
+                <a16:creationId xmlns:a16="http://schemas.microsoft.com/office/drawing/2014/main" id="{507F342C-C331-44DB-ACF0-C06FE2A5C3FB}"/>
+              </a:ext>
+            </a:extLst>
+          </p:cNvPr>
+          <p:cNvSpPr>
+            <a:spLocks noGrp="1"/>
+          </p:cNvSpPr>
+          <p:nvPr>
+            <p:ph idx="1"/>
+          </p:nvPr>
+        </p:nvSpPr>
+        <p:spPr>
+          <a:xfrm>
+            <a:off x="218114" y="1201784"/>
+            <a:ext cx="11677795" cy="2162202"/>
+          </a:xfrm>
+        </p:spPr>
+        <p:txBody>
+          <a:bodyPr>
+            <a:normAutofit/>
+          </a:bodyPr>
+          <a:lstStyle/>
+          <a:p>
+            <a:pPr marL="0" indent="0">
+              <a:lnSpc>
+                <a:spcPct val="150000"/>
+              </a:lnSpc>
+              <a:buNone/>
+            </a:pPr>
+            <a:r>
+              <a:rPr lang="en-US" b="1" i="1" dirty="0"/>
+              <a:t>Instead of…</a:t>
+            </a:r>
+          </a:p>
+          <a:p>
+            <a:pPr marL="0" indent="0">
+              <a:lnSpc>
+                <a:spcPct val="150000"/>
+              </a:lnSpc>
+              <a:buNone/>
+            </a:pPr>
+            <a:endParaRPr lang="en-US" b="1" dirty="0">
+              <a:solidFill>
+                <a:srgbClr val="FF0000"/>
+              </a:solidFill>
+            </a:endParaRPr>
+          </a:p>
+        </p:txBody>
+      </p:sp>
+      <p:sp>
+        <p:nvSpPr>
+          <p:cNvPr id="2" name="Oval 1">
+            <a:extLst>
+              <a:ext uri="{FF2B5EF4-FFF2-40B4-BE49-F238E27FC236}">
+                <a16:creationId xmlns:a16="http://schemas.microsoft.com/office/drawing/2014/main" id="{BCF2E675-C3F4-427A-A354-973D66CCA7AF}"/>
+              </a:ext>
+            </a:extLst>
+          </p:cNvPr>
+          <p:cNvSpPr/>
+          <p:nvPr/>
+        </p:nvSpPr>
+        <p:spPr>
+          <a:xfrm>
+            <a:off x="1655745" y="3363986"/>
+            <a:ext cx="1602138" cy="1536585"/>
+          </a:xfrm>
+          <a:prstGeom prst="ellipse">
+            <a:avLst/>
+          </a:prstGeom>
+          <a:solidFill>
+            <a:schemeClr val="tx1"/>
+          </a:solidFill>
+          <a:ln>
+            <a:solidFill>
+              <a:schemeClr val="bg1"/>
+            </a:solidFill>
+          </a:ln>
+        </p:spPr>
+        <p:style>
+          <a:lnRef idx="2">
+            <a:schemeClr val="accent1">
+              <a:shade val="50000"/>
+            </a:schemeClr>
+          </a:lnRef>
+          <a:fillRef idx="1">
+            <a:schemeClr val="accent1"/>
+          </a:fillRef>
+          <a:effectRef idx="0">
+            <a:schemeClr val="accent1"/>
+          </a:effectRef>
+          <a:fontRef idx="minor">
+            <a:schemeClr val="lt1"/>
+          </a:fontRef>
+        </p:style>
+        <p:txBody>
+          <a:bodyPr rtlCol="0" anchor="ctr"/>
+          <a:lstStyle/>
+          <a:p>
+            <a:pPr algn="ctr"/>
+            <a:r>
+              <a:rPr lang="en-US" sz="1600" b="1" dirty="0" err="1"/>
+              <a:t>ExceptionHandler</a:t>
+            </a:r>
+            <a:r>
+              <a:rPr lang="en-US" sz="1600" b="1" dirty="0"/>
+              <a:t> Aspect</a:t>
+            </a:r>
+          </a:p>
+        </p:txBody>
+      </p:sp>
+      <p:sp>
+        <p:nvSpPr>
+          <p:cNvPr id="6" name="Oval 5">
+            <a:extLst>
+              <a:ext uri="{FF2B5EF4-FFF2-40B4-BE49-F238E27FC236}">
+                <a16:creationId xmlns:a16="http://schemas.microsoft.com/office/drawing/2014/main" id="{7F4FCC0E-5A9D-4984-A1C0-594C48631B84}"/>
+              </a:ext>
+            </a:extLst>
+          </p:cNvPr>
+          <p:cNvSpPr/>
+          <p:nvPr/>
+        </p:nvSpPr>
+        <p:spPr>
+          <a:xfrm>
+            <a:off x="4603157" y="3363986"/>
+            <a:ext cx="1602138" cy="1536585"/>
+          </a:xfrm>
+          <a:prstGeom prst="ellipse">
+            <a:avLst/>
+          </a:prstGeom>
+          <a:solidFill>
+            <a:schemeClr val="tx1"/>
+          </a:solidFill>
+          <a:ln>
+            <a:solidFill>
+              <a:schemeClr val="bg1"/>
+            </a:solidFill>
+          </a:ln>
+        </p:spPr>
+        <p:style>
+          <a:lnRef idx="2">
+            <a:schemeClr val="accent1">
+              <a:shade val="50000"/>
+            </a:schemeClr>
+          </a:lnRef>
+          <a:fillRef idx="1">
+            <a:schemeClr val="accent1"/>
+          </a:fillRef>
+          <a:effectRef idx="0">
+            <a:schemeClr val="accent1"/>
+          </a:effectRef>
+          <a:fontRef idx="minor">
+            <a:schemeClr val="lt1"/>
+          </a:fontRef>
+        </p:style>
+        <p:txBody>
+          <a:bodyPr rtlCol="0" anchor="ctr"/>
+          <a:lstStyle/>
+          <a:p>
+            <a:pPr algn="ctr"/>
+            <a:endParaRPr lang="en-US" sz="1600" b="1" dirty="0"/>
+          </a:p>
+        </p:txBody>
+      </p:sp>
+      <p:sp>
+        <p:nvSpPr>
+          <p:cNvPr id="7" name="Oval 6">
+            <a:extLst>
+              <a:ext uri="{FF2B5EF4-FFF2-40B4-BE49-F238E27FC236}">
+                <a16:creationId xmlns:a16="http://schemas.microsoft.com/office/drawing/2014/main" id="{E2B9C561-C78F-4056-AE7A-9CB3495FFDD1}"/>
+              </a:ext>
+            </a:extLst>
+          </p:cNvPr>
+          <p:cNvSpPr/>
+          <p:nvPr/>
+        </p:nvSpPr>
+        <p:spPr>
+          <a:xfrm>
+            <a:off x="7678201" y="3363985"/>
+            <a:ext cx="1602138" cy="1536585"/>
+          </a:xfrm>
+          <a:prstGeom prst="ellipse">
+            <a:avLst/>
+          </a:prstGeom>
+          <a:solidFill>
+            <a:schemeClr val="tx1"/>
+          </a:solidFill>
+          <a:ln>
+            <a:solidFill>
+              <a:schemeClr val="bg1"/>
+            </a:solidFill>
+          </a:ln>
+        </p:spPr>
+        <p:style>
+          <a:lnRef idx="2">
+            <a:schemeClr val="accent1">
+              <a:shade val="50000"/>
+            </a:schemeClr>
+          </a:lnRef>
+          <a:fillRef idx="1">
+            <a:schemeClr val="accent1"/>
+          </a:fillRef>
+          <a:effectRef idx="0">
+            <a:schemeClr val="accent1"/>
+          </a:effectRef>
+          <a:fontRef idx="minor">
+            <a:schemeClr val="lt1"/>
+          </a:fontRef>
+        </p:style>
+        <p:txBody>
+          <a:bodyPr rtlCol="0" anchor="ctr"/>
+          <a:lstStyle/>
+          <a:p>
+            <a:pPr algn="ctr"/>
+            <a:endParaRPr lang="en-US" sz="1600" b="1" dirty="0"/>
+          </a:p>
+        </p:txBody>
+      </p:sp>
+    </p:spTree>
+    <p:extLst>
+      <p:ext uri="{BB962C8B-B14F-4D97-AF65-F5344CB8AC3E}">
+        <p14:creationId xmlns:p14="http://schemas.microsoft.com/office/powerpoint/2010/main" val="3990422798"/>
+      </p:ext>
+    </p:extLst>
+  </p:cSld>
+  <p:clrMapOvr>
+    <a:masterClrMapping/>
+  </p:clrMapOvr>
+</p:sld>
+</file>
+
+<file path=ppt/slides/slide17.xml><?xml version="1.0" encoding="utf-8"?>
+<p:sld xmlns:a="http://schemas.openxmlformats.org/drawingml/2006/main" xmlns:r="http://schemas.openxmlformats.org/officeDocument/2006/relationships" xmlns:p="http://schemas.openxmlformats.org/presentationml/2006/main">
+  <p:cSld>
+    <p:spTree>
+      <p:nvGrpSpPr>
+        <p:cNvPr id="1" name=""/>
+        <p:cNvGrpSpPr/>
+        <p:nvPr/>
+      </p:nvGrpSpPr>
+      <p:grpSpPr>
+        <a:xfrm>
+          <a:off x="0" y="0"/>
+          <a:ext cx="0" cy="0"/>
+          <a:chOff x="0" y="0"/>
+          <a:chExt cx="0" cy="0"/>
+        </a:xfrm>
+      </p:grpSpPr>
+      <p:sp>
+        <p:nvSpPr>
+          <p:cNvPr id="4" name="Title 1">
+            <a:extLst>
+              <a:ext uri="{FF2B5EF4-FFF2-40B4-BE49-F238E27FC236}">
+                <a16:creationId xmlns:a16="http://schemas.microsoft.com/office/drawing/2014/main" id="{CAC17C8E-3677-4E33-AD1C-BB70137513FC}"/>
+              </a:ext>
+            </a:extLst>
+          </p:cNvPr>
+          <p:cNvSpPr>
+            <a:spLocks noGrp="1"/>
+          </p:cNvSpPr>
+          <p:nvPr>
+            <p:ph type="title"/>
+          </p:nvPr>
+        </p:nvSpPr>
+        <p:spPr>
+          <a:xfrm>
+            <a:off x="400594" y="86450"/>
+            <a:ext cx="10515600" cy="1325563"/>
+          </a:xfrm>
+        </p:spPr>
+        <p:txBody>
+          <a:bodyPr/>
+          <a:lstStyle/>
+          <a:p>
+            <a:r>
+              <a:rPr lang="en-US" b="1" dirty="0" err="1">
+                <a:latin typeface="+mn-lt"/>
+              </a:rPr>
+              <a:t>ExceptionHandlerAspect</a:t>
+            </a:r>
+            <a:endParaRPr lang="en-US" b="1" dirty="0">
+              <a:latin typeface="+mn-lt"/>
+            </a:endParaRPr>
+          </a:p>
+        </p:txBody>
+      </p:sp>
+      <p:sp>
+        <p:nvSpPr>
+          <p:cNvPr id="5" name="Content Placeholder 2">
+            <a:extLst>
+              <a:ext uri="{FF2B5EF4-FFF2-40B4-BE49-F238E27FC236}">
+                <a16:creationId xmlns:a16="http://schemas.microsoft.com/office/drawing/2014/main" id="{507F342C-C331-44DB-ACF0-C06FE2A5C3FB}"/>
+              </a:ext>
+            </a:extLst>
+          </p:cNvPr>
+          <p:cNvSpPr>
+            <a:spLocks noGrp="1"/>
+          </p:cNvSpPr>
+          <p:nvPr>
+            <p:ph idx="1"/>
+          </p:nvPr>
+        </p:nvSpPr>
+        <p:spPr>
+          <a:xfrm>
+            <a:off x="400594" y="1201783"/>
+            <a:ext cx="11495315" cy="5468983"/>
+          </a:xfrm>
+        </p:spPr>
+        <p:txBody>
+          <a:bodyPr>
+            <a:normAutofit/>
+          </a:bodyPr>
+          <a:lstStyle/>
+          <a:p>
+            <a:pPr>
+              <a:lnSpc>
+                <a:spcPct val="150000"/>
+              </a:lnSpc>
+            </a:pPr>
+            <a:endParaRPr lang="en-US" b="1" dirty="0"/>
+          </a:p>
+        </p:txBody>
+      </p:sp>
+    </p:spTree>
+    <p:extLst>
+      <p:ext uri="{BB962C8B-B14F-4D97-AF65-F5344CB8AC3E}">
+        <p14:creationId xmlns:p14="http://schemas.microsoft.com/office/powerpoint/2010/main" val="3599381813"/>
+      </p:ext>
+    </p:extLst>
+  </p:cSld>
+  <p:clrMapOvr>
+    <a:masterClrMapping/>
+  </p:clrMapOvr>
+</p:sld>
+</file>
+
+<file path=ppt/slides/slide18.xml><?xml version="1.0" encoding="utf-8"?>
+<p:sld xmlns:a="http://schemas.openxmlformats.org/drawingml/2006/main" xmlns:r="http://schemas.openxmlformats.org/officeDocument/2006/relationships" xmlns:p="http://schemas.openxmlformats.org/presentationml/2006/main">
+  <p:cSld>
+    <p:spTree>
+      <p:nvGrpSpPr>
+        <p:cNvPr id="1" name=""/>
+        <p:cNvGrpSpPr/>
+        <p:nvPr/>
+      </p:nvGrpSpPr>
+      <p:grpSpPr>
+        <a:xfrm>
+          <a:off x="0" y="0"/>
+          <a:ext cx="0" cy="0"/>
+          <a:chOff x="0" y="0"/>
+          <a:chExt cx="0" cy="0"/>
+        </a:xfrm>
+      </p:grpSpPr>
+      <p:sp>
+        <p:nvSpPr>
+          <p:cNvPr id="5" name="TextBox 4">
+            <a:extLst>
+              <a:ext uri="{FF2B5EF4-FFF2-40B4-BE49-F238E27FC236}">
+                <a16:creationId xmlns:a16="http://schemas.microsoft.com/office/drawing/2014/main" id="{0470CAB3-69C7-4708-B6B1-132C92342460}"/>
+              </a:ext>
+            </a:extLst>
+          </p:cNvPr>
+          <p:cNvSpPr txBox="1"/>
+          <p:nvPr/>
+        </p:nvSpPr>
+        <p:spPr>
+          <a:xfrm>
+            <a:off x="3263295" y="2334074"/>
+            <a:ext cx="5933477" cy="923330"/>
+          </a:xfrm>
+          <a:prstGeom prst="rect">
+            <a:avLst/>
+          </a:prstGeom>
+          <a:solidFill>
+            <a:schemeClr val="tx1"/>
+          </a:solidFill>
+          <a:ln>
+            <a:solidFill>
+              <a:schemeClr val="tx1"/>
+            </a:solidFill>
+          </a:ln>
+        </p:spPr>
+        <p:txBody>
+          <a:bodyPr wrap="square" rtlCol="0">
+            <a:spAutoFit/>
+          </a:bodyPr>
+          <a:lstStyle/>
+          <a:p>
+            <a:pPr algn="ctr"/>
+            <a:r>
+              <a:rPr lang="en-US" sz="5400" b="1" dirty="0">
+                <a:solidFill>
+                  <a:schemeClr val="bg1"/>
+                </a:solidFill>
+              </a:rPr>
+              <a:t>Testing the aspects</a:t>
+            </a:r>
+            <a:endParaRPr lang="en-US" sz="4800" b="1" dirty="0">
+              <a:solidFill>
+                <a:schemeClr val="bg1"/>
+              </a:solidFill>
+            </a:endParaRPr>
+          </a:p>
+        </p:txBody>
+      </p:sp>
+    </p:spTree>
+    <p:extLst>
+      <p:ext uri="{BB962C8B-B14F-4D97-AF65-F5344CB8AC3E}">
+        <p14:creationId xmlns:p14="http://schemas.microsoft.com/office/powerpoint/2010/main" val="2841633555"/>
+      </p:ext>
+    </p:extLst>
+  </p:cSld>
+  <p:clrMapOvr>
+    <a:masterClrMapping/>
+  </p:clrMapOvr>
+</p:sld>
+</file>
+
+<file path=ppt/slides/slide19.xml><?xml version="1.0" encoding="utf-8"?>
+<p:sld xmlns:a="http://schemas.openxmlformats.org/drawingml/2006/main" xmlns:r="http://schemas.openxmlformats.org/officeDocument/2006/relationships" xmlns:p="http://schemas.openxmlformats.org/presentationml/2006/main">
+  <p:cSld>
+    <p:spTree>
+      <p:nvGrpSpPr>
+        <p:cNvPr id="1" name=""/>
+        <p:cNvGrpSpPr/>
+        <p:nvPr/>
+      </p:nvGrpSpPr>
+      <p:grpSpPr>
+        <a:xfrm>
+          <a:off x="0" y="0"/>
+          <a:ext cx="0" cy="0"/>
+          <a:chOff x="0" y="0"/>
+          <a:chExt cx="0" cy="0"/>
+        </a:xfrm>
+      </p:grpSpPr>
+      <p:sp>
+        <p:nvSpPr>
+          <p:cNvPr id="4" name="Title 1">
+            <a:extLst>
+              <a:ext uri="{FF2B5EF4-FFF2-40B4-BE49-F238E27FC236}">
+                <a16:creationId xmlns:a16="http://schemas.microsoft.com/office/drawing/2014/main" id="{CAC17C8E-3677-4E33-AD1C-BB70137513FC}"/>
+              </a:ext>
+            </a:extLst>
+          </p:cNvPr>
+          <p:cNvSpPr>
+            <a:spLocks noGrp="1"/>
+          </p:cNvSpPr>
+          <p:nvPr>
+            <p:ph type="title"/>
+          </p:nvPr>
+        </p:nvSpPr>
+        <p:spPr>
+          <a:xfrm>
+            <a:off x="400594" y="86450"/>
+            <a:ext cx="10515600" cy="1325563"/>
+          </a:xfrm>
+        </p:spPr>
+        <p:txBody>
+          <a:bodyPr/>
+          <a:lstStyle/>
+          <a:p>
+            <a:r>
+              <a:rPr lang="en-US" b="1" dirty="0">
+                <a:highlight>
+                  <a:srgbClr val="FFFF00"/>
+                </a:highlight>
+                <a:latin typeface="+mn-lt"/>
+              </a:rPr>
+              <a:t>Testing our aspects – unit testing aspects?</a:t>
+            </a:r>
+          </a:p>
+        </p:txBody>
+      </p:sp>
+      <p:sp>
+        <p:nvSpPr>
+          <p:cNvPr id="5" name="Content Placeholder 2">
+            <a:extLst>
+              <a:ext uri="{FF2B5EF4-FFF2-40B4-BE49-F238E27FC236}">
+                <a16:creationId xmlns:a16="http://schemas.microsoft.com/office/drawing/2014/main" id="{507F342C-C331-44DB-ACF0-C06FE2A5C3FB}"/>
+              </a:ext>
+            </a:extLst>
+          </p:cNvPr>
+          <p:cNvSpPr>
+            <a:spLocks noGrp="1"/>
+          </p:cNvSpPr>
+          <p:nvPr>
+            <p:ph idx="1"/>
+          </p:nvPr>
+        </p:nvSpPr>
+        <p:spPr>
+          <a:xfrm>
+            <a:off x="400594" y="1201783"/>
+            <a:ext cx="11495315" cy="5468983"/>
+          </a:xfrm>
+        </p:spPr>
+        <p:txBody>
+          <a:bodyPr>
+            <a:normAutofit/>
+          </a:bodyPr>
+          <a:lstStyle/>
+          <a:p>
+            <a:pPr>
+              <a:lnSpc>
+                <a:spcPct val="150000"/>
+              </a:lnSpc>
+            </a:pPr>
+            <a:r>
+              <a:rPr lang="en-US" b="1" dirty="0"/>
+              <a:t>Logging Aspect – just by checking the written files. If have time &lt;write </a:t>
+            </a:r>
+            <a:r>
+              <a:rPr lang="en-US" b="1" dirty="0" err="1"/>
+              <a:t>uni</a:t>
+            </a:r>
+            <a:r>
+              <a:rPr lang="en-US" b="1" dirty="0"/>
+              <a:t> test to check file&gt;</a:t>
+            </a:r>
+          </a:p>
+        </p:txBody>
+      </p:sp>
+    </p:spTree>
+    <p:extLst>
+      <p:ext uri="{BB962C8B-B14F-4D97-AF65-F5344CB8AC3E}">
+        <p14:creationId xmlns:p14="http://schemas.microsoft.com/office/powerpoint/2010/main" val="3605706162"/>
       </p:ext>
     </p:extLst>
   </p:cSld>
@@ -3703,7 +5046,9 @@
           <a:lstStyle/>
           <a:p>
             <a:r>
-              <a:rPr lang="en-US" b="1" dirty="0"/>
+              <a:rPr lang="en-US" b="1" dirty="0">
+                <a:latin typeface="+mn-lt"/>
+              </a:rPr>
               <a:t>We will:</a:t>
             </a:r>
           </a:p>
@@ -3763,20 +5108,29 @@
                   <a:srgbClr val="FF0000"/>
                 </a:solidFill>
               </a:rPr>
+              <a:t>Normal aspects syntax </a:t>
+            </a:r>
+            <a:r>
+              <a:rPr lang="en-US" b="1" dirty="0"/>
+              <a:t>AND </a:t>
+            </a:r>
+            <a:r>
+              <a:rPr lang="en-US" b="1" dirty="0">
+                <a:solidFill>
+                  <a:srgbClr val="FF0000"/>
+                </a:solidFill>
+              </a:rPr>
               <a:t>@AspectJ annotations </a:t>
             </a:r>
             <a:r>
               <a:rPr lang="en-US" b="1" dirty="0"/>
-              <a:t>style – more readable. </a:t>
-            </a:r>
-            <a:r>
-              <a:rPr lang="en-US" b="1" dirty="0">
-                <a:highlight>
-                  <a:srgbClr val="FFFF00"/>
-                </a:highlight>
-              </a:rPr>
-              <a:t>Warman approve this</a:t>
-            </a:r>
+              <a:t>style – practice annotations (more readable, “new” java style).</a:t>
+            </a:r>
+            <a:endParaRPr lang="en-US" b="1" dirty="0">
+              <a:highlight>
+                <a:srgbClr val="FFFF00"/>
+              </a:highlight>
+            </a:endParaRPr>
           </a:p>
           <a:p>
             <a:pPr>
@@ -3786,7 +5140,19 @@
             </a:pPr>
             <a:r>
               <a:rPr lang="en-US" b="1" dirty="0"/>
-              <a:t>Implement our own annotations as </a:t>
+              <a:t>Implement our </a:t>
+            </a:r>
+            <a:r>
+              <a:rPr lang="en-US" b="1" dirty="0">
+                <a:solidFill>
+                  <a:srgbClr val="FF0000"/>
+                </a:solidFill>
+              </a:rPr>
+              <a:t>own annotations </a:t>
+            </a:r>
+            <a:r>
+              <a:rPr lang="en-US" b="1" dirty="0"/>
+              <a:t>as </a:t>
             </a:r>
             <a:r>
               <a:rPr lang="en-US" b="1" dirty="0" err="1"/>
@@ -3840,6 +5206,136 @@
     <p:extLst>
       <p:ext uri="{BB962C8B-B14F-4D97-AF65-F5344CB8AC3E}">
         <p14:creationId xmlns:p14="http://schemas.microsoft.com/office/powerpoint/2010/main" val="1727317361"/>
+      </p:ext>
+    </p:extLst>
+  </p:cSld>
+  <p:clrMapOvr>
+    <a:masterClrMapping/>
+  </p:clrMapOvr>
+</p:sld>
+</file>
+
+<file path=ppt/slides/slide20.xml><?xml version="1.0" encoding="utf-8"?>
+<p:sld xmlns:a="http://schemas.openxmlformats.org/drawingml/2006/main" xmlns:r="http://schemas.openxmlformats.org/officeDocument/2006/relationships" xmlns:p="http://schemas.openxmlformats.org/presentationml/2006/main">
+  <p:cSld>
+    <p:spTree>
+      <p:nvGrpSpPr>
+        <p:cNvPr id="1" name=""/>
+        <p:cNvGrpSpPr/>
+        <p:nvPr/>
+      </p:nvGrpSpPr>
+      <p:grpSpPr>
+        <a:xfrm>
+          <a:off x="0" y="0"/>
+          <a:ext cx="0" cy="0"/>
+          <a:chOff x="0" y="0"/>
+          <a:chExt cx="0" cy="0"/>
+        </a:xfrm>
+      </p:grpSpPr>
+      <p:sp>
+        <p:nvSpPr>
+          <p:cNvPr id="4" name="Title 1">
+            <a:extLst>
+              <a:ext uri="{FF2B5EF4-FFF2-40B4-BE49-F238E27FC236}">
+                <a16:creationId xmlns:a16="http://schemas.microsoft.com/office/drawing/2014/main" id="{CAC17C8E-3677-4E33-AD1C-BB70137513FC}"/>
+              </a:ext>
+            </a:extLst>
+          </p:cNvPr>
+          <p:cNvSpPr>
+            <a:spLocks noGrp="1"/>
+          </p:cNvSpPr>
+          <p:nvPr>
+            <p:ph type="title"/>
+          </p:nvPr>
+        </p:nvSpPr>
+        <p:spPr>
+          <a:xfrm>
+            <a:off x="400594" y="86450"/>
+            <a:ext cx="10515600" cy="1325563"/>
+          </a:xfrm>
+        </p:spPr>
+        <p:txBody>
+          <a:bodyPr/>
+          <a:lstStyle/>
+          <a:p>
+            <a:r>
+              <a:rPr lang="en-US" b="1" dirty="0">
+                <a:highlight>
+                  <a:srgbClr val="FFFF00"/>
+                </a:highlight>
+                <a:latin typeface="+mn-lt"/>
+              </a:rPr>
+              <a:t>TODO</a:t>
+            </a:r>
+          </a:p>
+        </p:txBody>
+      </p:sp>
+      <p:sp>
+        <p:nvSpPr>
+          <p:cNvPr id="5" name="Content Placeholder 2">
+            <a:extLst>
+              <a:ext uri="{FF2B5EF4-FFF2-40B4-BE49-F238E27FC236}">
+                <a16:creationId xmlns:a16="http://schemas.microsoft.com/office/drawing/2014/main" id="{507F342C-C331-44DB-ACF0-C06FE2A5C3FB}"/>
+              </a:ext>
+            </a:extLst>
+          </p:cNvPr>
+          <p:cNvSpPr>
+            <a:spLocks noGrp="1"/>
+          </p:cNvSpPr>
+          <p:nvPr>
+            <p:ph idx="1"/>
+          </p:nvPr>
+        </p:nvSpPr>
+        <p:spPr>
+          <a:xfrm>
+            <a:off x="400594" y="1201783"/>
+            <a:ext cx="11495315" cy="5468983"/>
+          </a:xfrm>
+        </p:spPr>
+        <p:txBody>
+          <a:bodyPr>
+            <a:normAutofit/>
+          </a:bodyPr>
+          <a:lstStyle/>
+          <a:p>
+            <a:pPr>
+              <a:lnSpc>
+                <a:spcPct val="150000"/>
+              </a:lnSpc>
+            </a:pPr>
+            <a:r>
+              <a:rPr lang="en-US" b="1" dirty="0"/>
+              <a:t>Test aspects</a:t>
+            </a:r>
+          </a:p>
+          <a:p>
+            <a:pPr>
+              <a:lnSpc>
+                <a:spcPct val="150000"/>
+              </a:lnSpc>
+            </a:pPr>
+            <a:r>
+              <a:rPr lang="en-US" b="1" dirty="0"/>
+              <a:t>Comments of aspects classes ONLY</a:t>
+            </a:r>
+          </a:p>
+          <a:p>
+            <a:pPr>
+              <a:lnSpc>
+                <a:spcPct val="150000"/>
+              </a:lnSpc>
+            </a:pPr>
+            <a:r>
+              <a:rPr lang="en-US" b="1" dirty="0"/>
+              <a:t>Log events to database????</a:t>
+            </a:r>
+          </a:p>
+        </p:txBody>
+      </p:sp>
+    </p:spTree>
+    <p:extLst>
+      <p:ext uri="{BB962C8B-B14F-4D97-AF65-F5344CB8AC3E}">
+        <p14:creationId xmlns:p14="http://schemas.microsoft.com/office/powerpoint/2010/main" val="3667126705"/>
       </p:ext>
     </p:extLst>
   </p:cSld>
@@ -4109,8 +5605,10 @@
           <a:lstStyle/>
           <a:p>
             <a:r>
-              <a:rPr lang="en-US" b="1" dirty="0"/>
-              <a:t>Our main Aspects:</a:t>
+              <a:rPr lang="en-US" b="1" dirty="0">
+                <a:latin typeface="+mn-lt"/>
+              </a:rPr>
+              <a:t>Base class design </a:t>
             </a:r>
           </a:p>
         </p:txBody>
@@ -4139,7 +5637,7 @@
         </p:spPr>
         <p:txBody>
           <a:bodyPr>
-            <a:normAutofit fontScale="70000" lnSpcReduction="20000"/>
+            <a:normAutofit/>
           </a:bodyPr>
           <a:lstStyle/>
           <a:p>
@@ -4149,182 +5647,8 @@
               </a:lnSpc>
             </a:pPr>
             <a:r>
-              <a:rPr lang="en-US" b="1" dirty="0" err="1">
-                <a:solidFill>
-                  <a:srgbClr val="FF0000"/>
-                </a:solidFill>
-              </a:rPr>
-              <a:t>Spectative</a:t>
-            </a:r>
-            <a:r>
-              <a:rPr lang="en-US" b="1" dirty="0">
-                <a:solidFill>
-                  <a:srgbClr val="FF0000"/>
-                </a:solidFill>
-              </a:rPr>
-              <a:t> aspects: </a:t>
-            </a:r>
-          </a:p>
-          <a:p>
-            <a:pPr lvl="1">
-              <a:lnSpc>
-                <a:spcPct val="150000"/>
-              </a:lnSpc>
-            </a:pPr>
-            <a:r>
               <a:rPr lang="en-US" b="1" dirty="0"/>
-              <a:t>Game Logging Aspect –</a:t>
-            </a:r>
-          </a:p>
-          <a:p>
-            <a:pPr lvl="1">
-              <a:lnSpc>
-                <a:spcPct val="150000"/>
-              </a:lnSpc>
-            </a:pPr>
-            <a:r>
-              <a:rPr lang="en-US" b="1" dirty="0"/>
-              <a:t>Audit Aspect - </a:t>
-            </a:r>
-          </a:p>
-          <a:p>
-            <a:pPr lvl="1">
-              <a:lnSpc>
-                <a:spcPct val="150000"/>
-              </a:lnSpc>
-            </a:pPr>
-            <a:r>
-              <a:rPr lang="en-US" b="1" dirty="0"/>
-              <a:t>Analysis aspect of the game: saves data of the whole game (not about players). </a:t>
-            </a:r>
-          </a:p>
-          <a:p>
-            <a:pPr>
-              <a:lnSpc>
-                <a:spcPct val="150000"/>
-              </a:lnSpc>
-            </a:pPr>
-            <a:r>
-              <a:rPr lang="en-US" b="1" dirty="0">
-                <a:solidFill>
-                  <a:srgbClr val="FF0000"/>
-                </a:solidFill>
-              </a:rPr>
-              <a:t>Regulative Aspects: </a:t>
-            </a:r>
-          </a:p>
-          <a:p>
-            <a:pPr lvl="1">
-              <a:lnSpc>
-                <a:spcPct val="150000"/>
-              </a:lnSpc>
-            </a:pPr>
-            <a:r>
-              <a:rPr lang="en-US" b="1" dirty="0"/>
-              <a:t>Lock aspect: locks some feature of the player - for </a:t>
-            </a:r>
-            <a:r>
-              <a:rPr lang="en-US" b="1" dirty="0" err="1"/>
-              <a:t>e.g</a:t>
-            </a:r>
-            <a:r>
-              <a:rPr lang="en-US" b="1" dirty="0"/>
-              <a:t>: can’t shoot anymore. </a:t>
-            </a:r>
-          </a:p>
-          <a:p>
-            <a:pPr lvl="1">
-              <a:lnSpc>
-                <a:spcPct val="150000"/>
-              </a:lnSpc>
-            </a:pPr>
-            <a:r>
-              <a:rPr lang="en-US" b="1" dirty="0"/>
-              <a:t>UI update aspect: each time some value is change (</a:t>
-            </a:r>
-            <a:r>
-              <a:rPr lang="en-US" b="1" dirty="0" err="1"/>
-              <a:t>e.g</a:t>
-            </a:r>
-            <a:r>
-              <a:rPr lang="en-US" b="1" dirty="0"/>
-              <a:t>: asteroid is hit) - we display it on screen. </a:t>
-            </a:r>
-          </a:p>
-          <a:p>
-            <a:pPr>
-              <a:lnSpc>
-                <a:spcPct val="150000"/>
-              </a:lnSpc>
-            </a:pPr>
-            <a:r>
-              <a:rPr lang="en-US" b="1" dirty="0">
-                <a:solidFill>
-                  <a:srgbClr val="FF0000"/>
-                </a:solidFill>
-              </a:rPr>
-              <a:t>Invasive Aspects: </a:t>
-            </a:r>
-          </a:p>
-          <a:p>
-            <a:pPr lvl="1">
-              <a:lnSpc>
-                <a:spcPct val="150000"/>
-              </a:lnSpc>
-            </a:pPr>
-            <a:r>
-              <a:rPr lang="en-US" b="1" dirty="0"/>
-              <a:t>Heuristic aspect: changes heuristic of the game (change from drunk player to smart player). </a:t>
-            </a:r>
-          </a:p>
-          <a:p>
-            <a:pPr lvl="1">
-              <a:lnSpc>
-                <a:spcPct val="150000"/>
-              </a:lnSpc>
-            </a:pPr>
-            <a:r>
-              <a:rPr lang="en-US" b="1" dirty="0"/>
-              <a:t>Asteroids creator aspect: creates objects each time we have annotation of @</a:t>
-            </a:r>
-            <a:r>
-              <a:rPr lang="en-US" b="1" dirty="0" err="1"/>
-              <a:t>AsteroidEntity</a:t>
-            </a:r>
-            <a:r>
-              <a:rPr lang="en-US" b="1" dirty="0"/>
-              <a:t> </a:t>
-            </a:r>
-          </a:p>
-          <a:p>
-            <a:pPr lvl="1">
-              <a:lnSpc>
-                <a:spcPct val="150000"/>
-              </a:lnSpc>
-            </a:pPr>
-            <a:r>
-              <a:rPr lang="en-US" b="1" dirty="0">
-                <a:highlight>
-                  <a:srgbClr val="FFFF00"/>
-                </a:highlight>
-              </a:rPr>
-              <a:t>EXCEPTION HANDLING ASPECT? Catches all </a:t>
-            </a:r>
-            <a:r>
-              <a:rPr lang="en-US" b="1" dirty="0" err="1">
-                <a:highlight>
-                  <a:srgbClr val="FFFF00"/>
-                </a:highlight>
-              </a:rPr>
-              <a:t>not_catched</a:t>
-            </a:r>
-            <a:r>
-              <a:rPr lang="en-US" b="1" dirty="0">
-                <a:highlight>
-                  <a:srgbClr val="FFFF00"/>
-                </a:highlight>
-              </a:rPr>
-              <a:t> exceptions?? Need to think on this as our program have no exceptions</a:t>
+              <a:t>COMPLETE MAIN DESIGN OF SYSTEM….</a:t>
             </a:r>
           </a:p>
         </p:txBody>
@@ -4332,7 +5656,7 @@
     </p:spTree>
     <p:extLst>
       <p:ext uri="{BB962C8B-B14F-4D97-AF65-F5344CB8AC3E}">
-        <p14:creationId xmlns:p14="http://schemas.microsoft.com/office/powerpoint/2010/main" val="184209002"/>
+        <p14:creationId xmlns:p14="http://schemas.microsoft.com/office/powerpoint/2010/main" val="3560677776"/>
       </p:ext>
     </p:extLst>
   </p:cSld>
@@ -4377,25 +5701,214 @@
         </p:nvSpPr>
         <p:spPr>
           <a:xfrm>
-            <a:off x="3153033" y="2253001"/>
-            <a:ext cx="6633519" cy="1325563"/>
+            <a:off x="400594" y="86450"/>
+            <a:ext cx="10515600" cy="1325563"/>
           </a:xfrm>
-          <a:solidFill>
-            <a:schemeClr val="tx1"/>
-          </a:solidFill>
         </p:spPr>
         <p:txBody>
           <a:bodyPr/>
           <a:lstStyle/>
           <a:p>
-            <a:pPr algn="ctr"/>
+            <a:r>
+              <a:rPr lang="en-US" b="1" dirty="0">
+                <a:latin typeface="+mn-lt"/>
+              </a:rPr>
+              <a:t>Our main Aspects:</a:t>
+            </a:r>
+          </a:p>
+        </p:txBody>
+      </p:sp>
+      <p:sp>
+        <p:nvSpPr>
+          <p:cNvPr id="5" name="Content Placeholder 2">
+            <a:extLst>
+              <a:ext uri="{FF2B5EF4-FFF2-40B4-BE49-F238E27FC236}">
+                <a16:creationId xmlns:a16="http://schemas.microsoft.com/office/drawing/2014/main" id="{507F342C-C331-44DB-ACF0-C06FE2A5C3FB}"/>
+              </a:ext>
+            </a:extLst>
+          </p:cNvPr>
+          <p:cNvSpPr>
+            <a:spLocks noGrp="1"/>
+          </p:cNvSpPr>
+          <p:nvPr>
+            <p:ph idx="1"/>
+          </p:nvPr>
+        </p:nvSpPr>
+        <p:spPr>
+          <a:xfrm>
+            <a:off x="400594" y="1201783"/>
+            <a:ext cx="11495315" cy="5468983"/>
+          </a:xfrm>
+        </p:spPr>
+        <p:txBody>
+          <a:bodyPr>
+            <a:normAutofit fontScale="85000" lnSpcReduction="10000"/>
+          </a:bodyPr>
+          <a:lstStyle/>
+          <a:p>
+            <a:pPr>
+              <a:lnSpc>
+                <a:spcPct val="150000"/>
+              </a:lnSpc>
+            </a:pPr>
+            <a:r>
+              <a:rPr lang="en-US" b="1" dirty="0" err="1">
+                <a:solidFill>
+                  <a:srgbClr val="FF0000"/>
+                </a:solidFill>
+              </a:rPr>
+              <a:t>Spectative</a:t>
+            </a:r>
             <a:r>
               <a:rPr lang="en-US" b="1" dirty="0">
                 <a:solidFill>
-                  <a:schemeClr val="bg1"/>
+                  <a:srgbClr val="FF0000"/>
                 </a:solidFill>
               </a:rPr>
-              <a:t>In details</a:t>
+              <a:t> aspects: </a:t>
+            </a:r>
+          </a:p>
+          <a:p>
+            <a:pPr lvl="1">
+              <a:lnSpc>
+                <a:spcPct val="150000"/>
+              </a:lnSpc>
+            </a:pPr>
+            <a:r>
+              <a:rPr lang="en-US" b="1" dirty="0"/>
+              <a:t>Game Logging Aspect – saves data about game (time took, </a:t>
+            </a:r>
+            <a:r>
+              <a:rPr lang="en-US" b="1" dirty="0" err="1"/>
+              <a:t>num</a:t>
+            </a:r>
+            <a:r>
+              <a:rPr lang="en-US" b="1" dirty="0"/>
+              <a:t> of shots, start of game, etc..)</a:t>
+            </a:r>
+          </a:p>
+          <a:p>
+            <a:pPr lvl="1">
+              <a:lnSpc>
+                <a:spcPct val="150000"/>
+              </a:lnSpc>
+            </a:pPr>
+            <a:r>
+              <a:rPr lang="en-US" b="1" dirty="0"/>
+              <a:t>Audit Aspect - logs game events using method signature, for auditing (security) and data analysis.</a:t>
+            </a:r>
+          </a:p>
+          <a:p>
+            <a:pPr>
+              <a:lnSpc>
+                <a:spcPct val="150000"/>
+              </a:lnSpc>
+            </a:pPr>
+            <a:r>
+              <a:rPr lang="en-US" b="1" dirty="0">
+                <a:solidFill>
+                  <a:srgbClr val="FF0000"/>
+                </a:solidFill>
+              </a:rPr>
+              <a:t>Regulative Aspects: </a:t>
+            </a:r>
+          </a:p>
+          <a:p>
+            <a:pPr lvl="1">
+              <a:lnSpc>
+                <a:spcPct val="150000"/>
+              </a:lnSpc>
+            </a:pPr>
+            <a:r>
+              <a:rPr lang="en-US" b="1" dirty="0"/>
+              <a:t>Lock aspect: locks some feature of the player - for </a:t>
+            </a:r>
+            <a:r>
+              <a:rPr lang="en-US" b="1" dirty="0" err="1"/>
+              <a:t>e.g</a:t>
+            </a:r>
+            <a:r>
+              <a:rPr lang="en-US" b="1" dirty="0"/>
+              <a:t>: can’t shoot anymore. </a:t>
+            </a:r>
+          </a:p>
+          <a:p>
+            <a:pPr lvl="1">
+              <a:lnSpc>
+                <a:spcPct val="150000"/>
+              </a:lnSpc>
+            </a:pPr>
+            <a:r>
+              <a:rPr lang="en-US" b="1" dirty="0"/>
+              <a:t>UI update aspect: each time some value is change (</a:t>
+            </a:r>
+            <a:r>
+              <a:rPr lang="en-US" b="1" dirty="0" err="1"/>
+              <a:t>e.g</a:t>
+            </a:r>
+            <a:r>
+              <a:rPr lang="en-US" b="1" dirty="0"/>
+              <a:t>: asteroid is hit) - we display it on screen. </a:t>
+            </a:r>
+          </a:p>
+          <a:p>
+            <a:pPr>
+              <a:lnSpc>
+                <a:spcPct val="150000"/>
+              </a:lnSpc>
+            </a:pPr>
+            <a:r>
+              <a:rPr lang="en-US" b="1" dirty="0">
+                <a:solidFill>
+                  <a:srgbClr val="FF0000"/>
+                </a:solidFill>
+              </a:rPr>
+              <a:t>Invasive Aspects: </a:t>
+            </a:r>
+          </a:p>
+          <a:p>
+            <a:pPr lvl="1">
+              <a:lnSpc>
+                <a:spcPct val="150000"/>
+              </a:lnSpc>
+            </a:pPr>
+            <a:r>
+              <a:rPr lang="en-US" b="1" dirty="0"/>
+              <a:t>Heuristic aspect: changes heuristic of the game (change from drunk player to smart player). </a:t>
+            </a:r>
+          </a:p>
+          <a:p>
+            <a:pPr lvl="1">
+              <a:lnSpc>
+                <a:spcPct val="150000"/>
+              </a:lnSpc>
+            </a:pPr>
+            <a:r>
+              <a:rPr lang="en-US" b="1" dirty="0"/>
+              <a:t>Asteroids creator aspect: creates objects each time we have annotation of @</a:t>
+            </a:r>
+            <a:r>
+              <a:rPr lang="en-US" b="1" dirty="0" err="1"/>
+              <a:t>AsteroidEntity</a:t>
+            </a:r>
+            <a:r>
+              <a:rPr lang="en-US" b="1" dirty="0"/>
+              <a:t> </a:t>
+            </a:r>
+          </a:p>
+          <a:p>
+            <a:pPr lvl="1">
+              <a:lnSpc>
+                <a:spcPct val="150000"/>
+              </a:lnSpc>
+            </a:pPr>
+            <a:r>
+              <a:rPr lang="en-US" b="1" dirty="0" err="1"/>
+              <a:t>ExceptionHandler</a:t>
+            </a:r>
+            <a:r>
+              <a:rPr lang="en-US" b="1" dirty="0"/>
+              <a:t> Aspect – Monitors exceptions and handles unhandled exceptions.</a:t>
             </a:r>
           </a:p>
         </p:txBody>
@@ -4403,7 +5916,7 @@
     </p:spTree>
     <p:extLst>
       <p:ext uri="{BB962C8B-B14F-4D97-AF65-F5344CB8AC3E}">
-        <p14:creationId xmlns:p14="http://schemas.microsoft.com/office/powerpoint/2010/main" val="4260905499"/>
+        <p14:creationId xmlns:p14="http://schemas.microsoft.com/office/powerpoint/2010/main" val="184209002"/>
       </p:ext>
     </p:extLst>
   </p:cSld>
@@ -4432,189 +5945,60 @@
       </p:grpSpPr>
       <p:sp>
         <p:nvSpPr>
-          <p:cNvPr id="4" name="Title 1">
-            <a:extLst>
-              <a:ext uri="{FF2B5EF4-FFF2-40B4-BE49-F238E27FC236}">
-                <a16:creationId xmlns:a16="http://schemas.microsoft.com/office/drawing/2014/main" id="{CAC17C8E-3677-4E33-AD1C-BB70137513FC}"/>
-              </a:ext>
-            </a:extLst>
-          </p:cNvPr>
-          <p:cNvSpPr>
-            <a:spLocks noGrp="1"/>
-          </p:cNvSpPr>
-          <p:nvPr>
-            <p:ph type="title"/>
-          </p:nvPr>
+          <p:cNvPr id="3" name="TextBox 2">
+            <a:extLst>
+              <a:ext uri="{FF2B5EF4-FFF2-40B4-BE49-F238E27FC236}">
+                <a16:creationId xmlns:a16="http://schemas.microsoft.com/office/drawing/2014/main" id="{77462736-FE3A-4BAB-8C7B-E597C0C00E8D}"/>
+              </a:ext>
+            </a:extLst>
+          </p:cNvPr>
+          <p:cNvSpPr txBox="1"/>
+          <p:nvPr/>
         </p:nvSpPr>
         <p:spPr>
           <a:xfrm>
-            <a:off x="400594" y="86450"/>
-            <a:ext cx="10515600" cy="1325563"/>
+            <a:off x="3848087" y="2334074"/>
+            <a:ext cx="4495826" cy="923330"/>
           </a:xfrm>
+          <a:prstGeom prst="rect">
+            <a:avLst/>
+          </a:prstGeom>
+          <a:solidFill>
+            <a:schemeClr val="tx1"/>
+          </a:solidFill>
+          <a:ln>
+            <a:solidFill>
+              <a:schemeClr val="tx1"/>
+            </a:solidFill>
+          </a:ln>
         </p:spPr>
         <p:txBody>
-          <a:bodyPr/>
-          <a:lstStyle/>
-          <a:p>
-            <a:r>
-              <a:rPr lang="en-US" b="1" dirty="0"/>
-              <a:t>Game Logging Aspect (Game related):</a:t>
-            </a:r>
-          </a:p>
-        </p:txBody>
-      </p:sp>
-      <p:sp>
-        <p:nvSpPr>
-          <p:cNvPr id="5" name="Content Placeholder 2">
-            <a:extLst>
-              <a:ext uri="{FF2B5EF4-FFF2-40B4-BE49-F238E27FC236}">
-                <a16:creationId xmlns:a16="http://schemas.microsoft.com/office/drawing/2014/main" id="{507F342C-C331-44DB-ACF0-C06FE2A5C3FB}"/>
-              </a:ext>
-            </a:extLst>
-          </p:cNvPr>
-          <p:cNvSpPr>
-            <a:spLocks noGrp="1"/>
-          </p:cNvSpPr>
-          <p:nvPr>
-            <p:ph idx="1"/>
-          </p:nvPr>
-        </p:nvSpPr>
-        <p:spPr>
-          <a:xfrm>
-            <a:off x="400594" y="1201783"/>
-            <a:ext cx="11495315" cy="5468983"/>
-          </a:xfrm>
-        </p:spPr>
-        <p:txBody>
-          <a:bodyPr>
-            <a:normAutofit fontScale="92500" lnSpcReduction="10000"/>
+          <a:bodyPr wrap="square" rtlCol="0">
+            <a:spAutoFit/>
           </a:bodyPr>
           <a:lstStyle/>
           <a:p>
-            <a:pPr>
-              <a:lnSpc>
-                <a:spcPct val="150000"/>
-              </a:lnSpc>
-            </a:pPr>
-            <a:r>
-              <a:rPr lang="en-US" b="1" dirty="0">
+            <a:pPr algn="ctr"/>
+            <a:r>
+              <a:rPr lang="en-US" sz="5400" b="1" dirty="0">
                 <a:solidFill>
-                  <a:srgbClr val="FF0000"/>
+                  <a:schemeClr val="bg1"/>
                 </a:solidFill>
               </a:rPr>
-              <a:t>Pointcut: </a:t>
-            </a:r>
-          </a:p>
-          <a:p>
-            <a:pPr lvl="1">
-              <a:lnSpc>
-                <a:spcPct val="150000"/>
-              </a:lnSpc>
-            </a:pPr>
-            <a:r>
-              <a:rPr lang="en-US" b="1" dirty="0"/>
-              <a:t>Use wildcard pattern of “get*” “do*”.</a:t>
-            </a:r>
-          </a:p>
-          <a:p>
-            <a:pPr lvl="1">
-              <a:lnSpc>
-                <a:spcPct val="150000"/>
-              </a:lnSpc>
-            </a:pPr>
-            <a:r>
-              <a:rPr lang="en-US" b="1" dirty="0"/>
-              <a:t>@</a:t>
-            </a:r>
-            <a:r>
-              <a:rPr lang="en-US" b="1" dirty="0" err="1"/>
-              <a:t>Loggable</a:t>
-            </a:r>
-            <a:r>
-              <a:rPr lang="en-US" b="1" dirty="0"/>
-              <a:t> custom made annotation in methods that do not conform with this pattern.</a:t>
-            </a:r>
-          </a:p>
-          <a:p>
-            <a:pPr>
-              <a:lnSpc>
-                <a:spcPct val="150000"/>
-              </a:lnSpc>
-            </a:pPr>
-            <a:r>
-              <a:rPr lang="en-US" b="1" dirty="0">
-                <a:solidFill>
-                  <a:srgbClr val="FF0000"/>
-                </a:solidFill>
-              </a:rPr>
-              <a:t>Advice: </a:t>
-            </a:r>
-            <a:r>
-              <a:rPr lang="en-US" b="1" dirty="0"/>
-              <a:t>Log code into sw-log1 file.</a:t>
-            </a:r>
-          </a:p>
-          <a:p>
-            <a:pPr>
-              <a:lnSpc>
-                <a:spcPct val="150000"/>
-              </a:lnSpc>
-            </a:pPr>
-            <a:r>
-              <a:rPr lang="en-US" b="1" dirty="0"/>
-              <a:t>Logs when: </a:t>
-            </a:r>
-          </a:p>
-          <a:p>
-            <a:pPr lvl="1">
-              <a:lnSpc>
-                <a:spcPct val="150000"/>
-              </a:lnSpc>
-            </a:pPr>
-            <a:r>
-              <a:rPr lang="en-US" b="1" dirty="0"/>
-              <a:t>Game has started + it details.</a:t>
-            </a:r>
-          </a:p>
-          <a:p>
-            <a:pPr lvl="1">
-              <a:lnSpc>
-                <a:spcPct val="150000"/>
-              </a:lnSpc>
-            </a:pPr>
-            <a:r>
-              <a:rPr lang="en-US" b="1" dirty="0"/>
-              <a:t>Ship has died.</a:t>
-            </a:r>
-          </a:p>
-          <a:p>
-            <a:pPr lvl="1">
-              <a:lnSpc>
-                <a:spcPct val="150000"/>
-              </a:lnSpc>
-            </a:pPr>
-            <a:r>
-              <a:rPr lang="en-US" b="1" dirty="0"/>
-              <a:t>Ship has teleported.</a:t>
-            </a:r>
-          </a:p>
-          <a:p>
-            <a:pPr lvl="1">
-              <a:lnSpc>
-                <a:spcPct val="150000"/>
-              </a:lnSpc>
-            </a:pPr>
-            <a:r>
-              <a:rPr lang="en-US" b="1" dirty="0"/>
-              <a:t>Collision occurred.</a:t>
-            </a:r>
+              <a:t>In details</a:t>
+            </a:r>
+            <a:endParaRPr lang="en-US" sz="4800" b="1" dirty="0">
+              <a:solidFill>
+                <a:schemeClr val="bg1"/>
+              </a:solidFill>
+            </a:endParaRPr>
           </a:p>
         </p:txBody>
       </p:sp>
     </p:spTree>
     <p:extLst>
       <p:ext uri="{BB962C8B-B14F-4D97-AF65-F5344CB8AC3E}">
-        <p14:creationId xmlns:p14="http://schemas.microsoft.com/office/powerpoint/2010/main" val="1829159059"/>
+        <p14:creationId xmlns:p14="http://schemas.microsoft.com/office/powerpoint/2010/main" val="4260905499"/>
       </p:ext>
     </p:extLst>
   </p:cSld>
@@ -4643,226 +6027,68 @@
       </p:grpSpPr>
       <p:sp>
         <p:nvSpPr>
-          <p:cNvPr id="4" name="Title 1">
-            <a:extLst>
-              <a:ext uri="{FF2B5EF4-FFF2-40B4-BE49-F238E27FC236}">
-                <a16:creationId xmlns:a16="http://schemas.microsoft.com/office/drawing/2014/main" id="{CAC17C8E-3677-4E33-AD1C-BB70137513FC}"/>
-              </a:ext>
-            </a:extLst>
-          </p:cNvPr>
-          <p:cNvSpPr>
-            <a:spLocks noGrp="1"/>
-          </p:cNvSpPr>
-          <p:nvPr>
-            <p:ph type="title"/>
-          </p:nvPr>
+          <p:cNvPr id="3" name="TextBox 2">
+            <a:extLst>
+              <a:ext uri="{FF2B5EF4-FFF2-40B4-BE49-F238E27FC236}">
+                <a16:creationId xmlns:a16="http://schemas.microsoft.com/office/drawing/2014/main" id="{77462736-FE3A-4BAB-8C7B-E597C0C00E8D}"/>
+              </a:ext>
+            </a:extLst>
+          </p:cNvPr>
+          <p:cNvSpPr txBox="1"/>
+          <p:nvPr/>
         </p:nvSpPr>
         <p:spPr>
           <a:xfrm>
-            <a:off x="400594" y="86450"/>
-            <a:ext cx="10515600" cy="1325563"/>
-          </a:xfrm>
-        </p:spPr>
-        <p:txBody>
-          <a:bodyPr/>
-          <a:lstStyle/>
-          <a:p>
-            <a:r>
-              <a:rPr lang="en-US" b="1" dirty="0"/>
-              <a:t>@</a:t>
-            </a:r>
-            <a:r>
-              <a:rPr lang="en-US" b="1" dirty="0" err="1"/>
-              <a:t>Loggable</a:t>
-            </a:r>
-            <a:endParaRPr lang="en-US" b="1" dirty="0"/>
-          </a:p>
-        </p:txBody>
-      </p:sp>
-      <p:sp>
-        <p:nvSpPr>
-          <p:cNvPr id="5" name="Content Placeholder 2">
-            <a:extLst>
-              <a:ext uri="{FF2B5EF4-FFF2-40B4-BE49-F238E27FC236}">
-                <a16:creationId xmlns:a16="http://schemas.microsoft.com/office/drawing/2014/main" id="{507F342C-C331-44DB-ACF0-C06FE2A5C3FB}"/>
-              </a:ext>
-            </a:extLst>
-          </p:cNvPr>
-          <p:cNvSpPr>
-            <a:spLocks noGrp="1"/>
-          </p:cNvSpPr>
-          <p:nvPr>
-            <p:ph idx="1"/>
-          </p:nvPr>
-        </p:nvSpPr>
-        <p:spPr>
-          <a:xfrm>
-            <a:off x="400594" y="1201783"/>
-            <a:ext cx="5885723" cy="5468983"/>
-          </a:xfrm>
-        </p:spPr>
-        <p:txBody>
-          <a:bodyPr>
-            <a:normAutofit/>
-          </a:bodyPr>
-          <a:lstStyle/>
-          <a:p>
-            <a:pPr>
-              <a:lnSpc>
-                <a:spcPct val="150000"/>
-              </a:lnSpc>
-            </a:pPr>
-            <a:r>
-              <a:rPr lang="en-US" b="1" dirty="0">
-                <a:solidFill>
-                  <a:srgbClr val="FF0000"/>
-                </a:solidFill>
-              </a:rPr>
-              <a:t>Logging levels: </a:t>
-            </a:r>
-          </a:p>
-          <a:p>
-            <a:pPr lvl="1">
-              <a:lnSpc>
-                <a:spcPct val="150000"/>
-              </a:lnSpc>
-            </a:pPr>
-            <a:r>
-              <a:rPr lang="en-US" b="1" dirty="0"/>
-              <a:t>Severe, Warning, Info, All</a:t>
-            </a:r>
-          </a:p>
-          <a:p>
-            <a:pPr lvl="1">
-              <a:lnSpc>
-                <a:spcPct val="150000"/>
-              </a:lnSpc>
-            </a:pPr>
-            <a:r>
-              <a:rPr lang="en-US" b="1" dirty="0"/>
-              <a:t>ALL &lt; Info &lt; Warning &lt; Severe</a:t>
-            </a:r>
-          </a:p>
-          <a:p>
-            <a:pPr>
-              <a:lnSpc>
-                <a:spcPct val="150000"/>
-              </a:lnSpc>
-            </a:pPr>
-            <a:r>
-              <a:rPr lang="en-US" b="1" dirty="0">
-                <a:solidFill>
-                  <a:srgbClr val="FF0000"/>
-                </a:solidFill>
-              </a:rPr>
-              <a:t>Retention</a:t>
-            </a:r>
-            <a:r>
-              <a:rPr lang="en-US" b="1" dirty="0"/>
-              <a:t>: Source/Runtime </a:t>
-            </a:r>
-            <a:r>
-              <a:rPr lang="en-US" i="1" dirty="0"/>
-              <a:t>– not-</a:t>
-            </a:r>
-            <a:r>
-              <a:rPr lang="en-US" dirty="0"/>
-              <a:t>visible/visible by the compiler.</a:t>
-            </a:r>
-          </a:p>
-          <a:p>
-            <a:pPr>
-              <a:lnSpc>
-                <a:spcPct val="150000"/>
-              </a:lnSpc>
-            </a:pPr>
-            <a:r>
-              <a:rPr lang="en-US" b="1" dirty="0">
-                <a:solidFill>
-                  <a:srgbClr val="FF0000"/>
-                </a:solidFill>
-              </a:rPr>
-              <a:t>Target</a:t>
-            </a:r>
-            <a:r>
-              <a:rPr lang="en-US" b="1" dirty="0"/>
-              <a:t>: Method – use this </a:t>
-            </a:r>
-            <a:r>
-              <a:rPr lang="en-US" b="1" dirty="0" err="1"/>
-              <a:t>annot</a:t>
-            </a:r>
-            <a:r>
-              <a:rPr lang="en-US" b="1" dirty="0"/>
-              <a:t> only on methods.</a:t>
-            </a:r>
-          </a:p>
-        </p:txBody>
-      </p:sp>
-      <p:pic>
-        <p:nvPicPr>
-          <p:cNvPr id="2" name="Picture 1">
-            <a:extLst>
-              <a:ext uri="{FF2B5EF4-FFF2-40B4-BE49-F238E27FC236}">
-                <a16:creationId xmlns:a16="http://schemas.microsoft.com/office/drawing/2014/main" id="{84149704-9416-4B84-95C4-99DAAC2C00FF}"/>
-              </a:ext>
-            </a:extLst>
-          </p:cNvPr>
-          <p:cNvPicPr>
-            <a:picLocks noChangeAspect="1"/>
-          </p:cNvPicPr>
-          <p:nvPr/>
-        </p:nvPicPr>
-        <p:blipFill>
-          <a:blip r:embed="rId2"/>
-          <a:stretch>
-            <a:fillRect/>
-          </a:stretch>
-        </p:blipFill>
-        <p:spPr>
-          <a:xfrm>
-            <a:off x="7463481" y="4889040"/>
-            <a:ext cx="3832171" cy="1308802"/>
+            <a:off x="3848087" y="2334074"/>
+            <a:ext cx="4495826" cy="1754326"/>
           </a:xfrm>
           <a:prstGeom prst="rect">
             <a:avLst/>
           </a:prstGeom>
+          <a:solidFill>
+            <a:schemeClr val="tx1"/>
+          </a:solidFill>
+          <a:ln>
+            <a:solidFill>
+              <a:schemeClr val="tx1"/>
+            </a:solidFill>
+          </a:ln>
         </p:spPr>
-      </p:pic>
-      <p:pic>
-        <p:nvPicPr>
-          <p:cNvPr id="3" name="Picture 2">
-            <a:extLst>
-              <a:ext uri="{FF2B5EF4-FFF2-40B4-BE49-F238E27FC236}">
-                <a16:creationId xmlns:a16="http://schemas.microsoft.com/office/drawing/2014/main" id="{7AEB5B6C-7E7D-4973-95BF-94F5FA93DA4A}"/>
-              </a:ext>
-            </a:extLst>
-          </p:cNvPr>
-          <p:cNvPicPr>
-            <a:picLocks noChangeAspect="1"/>
-          </p:cNvPicPr>
-          <p:nvPr/>
-        </p:nvPicPr>
-        <p:blipFill>
-          <a:blip r:embed="rId3"/>
-          <a:stretch>
-            <a:fillRect/>
-          </a:stretch>
-        </p:blipFill>
-        <p:spPr>
-          <a:xfrm>
-            <a:off x="6892820" y="555452"/>
-            <a:ext cx="4666909" cy="3544713"/>
-          </a:xfrm>
-          <a:prstGeom prst="rect">
-            <a:avLst/>
-          </a:prstGeom>
-        </p:spPr>
-      </p:pic>
+        <p:txBody>
+          <a:bodyPr wrap="square" rtlCol="0">
+            <a:spAutoFit/>
+          </a:bodyPr>
+          <a:lstStyle/>
+          <a:p>
+            <a:pPr algn="ctr"/>
+            <a:r>
+              <a:rPr lang="en-US" sz="5400" b="1" dirty="0" err="1">
+                <a:solidFill>
+                  <a:schemeClr val="bg1"/>
+                </a:solidFill>
+              </a:rPr>
+              <a:t>Spectative</a:t>
+            </a:r>
+            <a:r>
+              <a:rPr lang="en-US" sz="5400" b="1" dirty="0">
+                <a:solidFill>
+                  <a:schemeClr val="bg1"/>
+                </a:solidFill>
+              </a:rPr>
+              <a:t> Aspects</a:t>
+            </a:r>
+            <a:endParaRPr lang="en-US" sz="4800" b="1" dirty="0">
+              <a:solidFill>
+                <a:schemeClr val="bg1"/>
+              </a:solidFill>
+            </a:endParaRPr>
+          </a:p>
+        </p:txBody>
+      </p:sp>
     </p:spTree>
     <p:extLst>
       <p:ext uri="{BB962C8B-B14F-4D97-AF65-F5344CB8AC3E}">
-        <p14:creationId xmlns:p14="http://schemas.microsoft.com/office/powerpoint/2010/main" val="360368061"/>
+        <p14:creationId xmlns:p14="http://schemas.microsoft.com/office/powerpoint/2010/main" val="879715645"/>
       </p:ext>
     </p:extLst>
   </p:cSld>
@@ -4916,8 +6142,16 @@
           <a:lstStyle/>
           <a:p>
             <a:r>
-              <a:rPr lang="en-US" b="1" dirty="0"/>
-              <a:t>Audit Aspect (Technical):</a:t>
+              <a:rPr lang="en-US" b="1" dirty="0" err="1">
+                <a:latin typeface="+mn-lt"/>
+              </a:rPr>
+              <a:t>Spectative</a:t>
+            </a:r>
+            <a:r>
+              <a:rPr lang="en-US" b="1" dirty="0">
+                <a:latin typeface="+mn-lt"/>
+              </a:rPr>
+              <a:t> Aspects:</a:t>
             </a:r>
           </a:p>
         </p:txBody>
@@ -4940,8 +6174,8 @@
         </p:nvSpPr>
         <p:spPr>
           <a:xfrm>
-            <a:off x="400594" y="1201783"/>
-            <a:ext cx="11495315" cy="5468983"/>
+            <a:off x="218114" y="1201784"/>
+            <a:ext cx="11677795" cy="2162202"/>
           </a:xfrm>
         </p:spPr>
         <p:txBody>
@@ -4950,87 +6184,172 @@
           </a:bodyPr>
           <a:lstStyle/>
           <a:p>
-            <a:pPr>
+            <a:pPr marL="0" indent="0">
               <a:lnSpc>
                 <a:spcPct val="150000"/>
               </a:lnSpc>
+              <a:buNone/>
             </a:pPr>
             <a:r>
-              <a:rPr lang="en-US" b="1" dirty="0"/>
-              <a:t>Logs (audits) data to a file using simple Java Logger (from </a:t>
-            </a:r>
-            <a:r>
-              <a:rPr lang="en-US" b="1" dirty="0" err="1"/>
-              <a:t>Java.Util</a:t>
-            </a:r>
-            <a:r>
-              <a:rPr lang="en-US" b="1" dirty="0"/>
-              <a:t>).</a:t>
-            </a:r>
-          </a:p>
-          <a:p>
-            <a:pPr>
+              <a:rPr lang="en-US" b="1" i="1" dirty="0"/>
+              <a:t>Instead of scattering the use of logger object (logger.log(type, </a:t>
+            </a:r>
+            <a:r>
+              <a:rPr lang="en-US" b="1" i="1" dirty="0" err="1"/>
+              <a:t>msg</a:t>
+            </a:r>
+            <a:r>
+              <a:rPr lang="en-US" b="1" i="1" dirty="0"/>
+              <a:t>)) in all of our program, we use an aspect to control logging.</a:t>
+            </a:r>
+          </a:p>
+          <a:p>
+            <a:pPr marL="0" indent="0">
               <a:lnSpc>
                 <a:spcPct val="150000"/>
               </a:lnSpc>
+              <a:buNone/>
             </a:pPr>
-            <a:r>
-              <a:rPr lang="en-US" b="1" dirty="0"/>
-              <a:t>Logs when: </a:t>
-            </a:r>
-          </a:p>
-          <a:p>
-            <a:pPr lvl="1">
-              <a:lnSpc>
-                <a:spcPct val="150000"/>
-              </a:lnSpc>
-            </a:pPr>
-            <a:r>
-              <a:rPr lang="en-US" b="1" dirty="0" err="1"/>
-              <a:t>setOperations</a:t>
-            </a:r>
-            <a:r>
-              <a:rPr lang="en-US" b="1" dirty="0"/>
-              <a:t> occurred.</a:t>
-            </a:r>
-          </a:p>
-          <a:p>
-            <a:pPr lvl="1">
-              <a:lnSpc>
-                <a:spcPct val="150000"/>
-              </a:lnSpc>
-            </a:pPr>
-            <a:r>
-              <a:rPr lang="en-US" b="1" dirty="0" err="1"/>
-              <a:t>getOperation</a:t>
-            </a:r>
-            <a:r>
-              <a:rPr lang="en-US" b="1" dirty="0"/>
-              <a:t> occurred.</a:t>
-            </a:r>
-          </a:p>
-          <a:p>
-            <a:pPr lvl="1">
-              <a:lnSpc>
-                <a:spcPct val="150000"/>
-              </a:lnSpc>
-            </a:pPr>
-            <a:r>
-              <a:rPr lang="en-US" b="1" dirty="0"/>
-              <a:t>Do </a:t>
-            </a:r>
-            <a:r>
-              <a:rPr lang="en-US" b="1" dirty="0" err="1"/>
-              <a:t>occured</a:t>
-            </a:r>
-            <a:endParaRPr lang="en-US" b="1" dirty="0"/>
+            <a:endParaRPr lang="en-US" b="1" dirty="0">
+              <a:solidFill>
+                <a:srgbClr val="FF0000"/>
+              </a:solidFill>
+            </a:endParaRPr>
+          </a:p>
+        </p:txBody>
+      </p:sp>
+      <p:sp>
+        <p:nvSpPr>
+          <p:cNvPr id="2" name="Oval 1">
+            <a:extLst>
+              <a:ext uri="{FF2B5EF4-FFF2-40B4-BE49-F238E27FC236}">
+                <a16:creationId xmlns:a16="http://schemas.microsoft.com/office/drawing/2014/main" id="{BCF2E675-C3F4-427A-A354-973D66CCA7AF}"/>
+              </a:ext>
+            </a:extLst>
+          </p:cNvPr>
+          <p:cNvSpPr/>
+          <p:nvPr/>
+        </p:nvSpPr>
+        <p:spPr>
+          <a:xfrm>
+            <a:off x="3090264" y="3363986"/>
+            <a:ext cx="1602138" cy="1536585"/>
+          </a:xfrm>
+          <a:prstGeom prst="ellipse">
+            <a:avLst/>
+          </a:prstGeom>
+          <a:solidFill>
+            <a:schemeClr val="tx1"/>
+          </a:solidFill>
+          <a:ln>
+            <a:solidFill>
+              <a:schemeClr val="bg1"/>
+            </a:solidFill>
+          </a:ln>
+        </p:spPr>
+        <p:style>
+          <a:lnRef idx="2">
+            <a:schemeClr val="accent1">
+              <a:shade val="50000"/>
+            </a:schemeClr>
+          </a:lnRef>
+          <a:fillRef idx="1">
+            <a:schemeClr val="accent1"/>
+          </a:fillRef>
+          <a:effectRef idx="0">
+            <a:schemeClr val="accent1"/>
+          </a:effectRef>
+          <a:fontRef idx="minor">
+            <a:schemeClr val="lt1"/>
+          </a:fontRef>
+        </p:style>
+        <p:txBody>
+          <a:bodyPr rtlCol="0" anchor="ctr"/>
+          <a:lstStyle/>
+          <a:p>
+            <a:pPr algn="ctr"/>
+            <a:r>
+              <a:rPr lang="en-US" sz="1600" b="1" dirty="0"/>
+              <a:t>Game Logging</a:t>
+            </a:r>
+          </a:p>
+          <a:p>
+            <a:pPr algn="ctr"/>
+            <a:r>
+              <a:rPr lang="en-US" sz="1600" b="1" dirty="0"/>
+              <a:t>Aspect</a:t>
+            </a:r>
+          </a:p>
+        </p:txBody>
+      </p:sp>
+      <p:sp>
+        <p:nvSpPr>
+          <p:cNvPr id="6" name="Oval 5">
+            <a:extLst>
+              <a:ext uri="{FF2B5EF4-FFF2-40B4-BE49-F238E27FC236}">
+                <a16:creationId xmlns:a16="http://schemas.microsoft.com/office/drawing/2014/main" id="{7F4FCC0E-5A9D-4984-A1C0-594C48631B84}"/>
+              </a:ext>
+            </a:extLst>
+          </p:cNvPr>
+          <p:cNvSpPr/>
+          <p:nvPr/>
+        </p:nvSpPr>
+        <p:spPr>
+          <a:xfrm>
+            <a:off x="6037676" y="3363986"/>
+            <a:ext cx="1602138" cy="1536585"/>
+          </a:xfrm>
+          <a:prstGeom prst="ellipse">
+            <a:avLst/>
+          </a:prstGeom>
+          <a:solidFill>
+            <a:schemeClr val="tx1"/>
+          </a:solidFill>
+          <a:ln>
+            <a:solidFill>
+              <a:schemeClr val="bg1"/>
+            </a:solidFill>
+          </a:ln>
+        </p:spPr>
+        <p:style>
+          <a:lnRef idx="2">
+            <a:schemeClr val="accent1">
+              <a:shade val="50000"/>
+            </a:schemeClr>
+          </a:lnRef>
+          <a:fillRef idx="1">
+            <a:schemeClr val="accent1"/>
+          </a:fillRef>
+          <a:effectRef idx="0">
+            <a:schemeClr val="accent1"/>
+          </a:effectRef>
+          <a:fontRef idx="minor">
+            <a:schemeClr val="lt1"/>
+          </a:fontRef>
+        </p:style>
+        <p:txBody>
+          <a:bodyPr rtlCol="0" anchor="ctr"/>
+          <a:lstStyle/>
+          <a:p>
+            <a:pPr algn="ctr"/>
+            <a:r>
+              <a:rPr lang="en-US" sz="1600" b="1" dirty="0"/>
+              <a:t>Audit</a:t>
+            </a:r>
+          </a:p>
+          <a:p>
+            <a:pPr algn="ctr"/>
+            <a:r>
+              <a:rPr lang="en-US" sz="1600" b="1" dirty="0"/>
+              <a:t>Aspect</a:t>
+            </a:r>
           </a:p>
         </p:txBody>
       </p:sp>
     </p:spTree>
     <p:extLst>
       <p:ext uri="{BB962C8B-B14F-4D97-AF65-F5344CB8AC3E}">
-        <p14:creationId xmlns:p14="http://schemas.microsoft.com/office/powerpoint/2010/main" val="139909693"/>
+        <p14:creationId xmlns:p14="http://schemas.microsoft.com/office/powerpoint/2010/main" val="1829159059"/>
       </p:ext>
     </p:extLst>
   </p:cSld>
@@ -5075,33 +6394,213 @@
         </p:nvSpPr>
         <p:spPr>
           <a:xfrm>
-            <a:off x="3153033" y="2253001"/>
-            <a:ext cx="6633519" cy="1325563"/>
+            <a:off x="400594" y="86450"/>
+            <a:ext cx="10515600" cy="1325563"/>
           </a:xfrm>
-          <a:solidFill>
-            <a:schemeClr val="tx1"/>
-          </a:solidFill>
         </p:spPr>
         <p:txBody>
           <a:bodyPr/>
           <a:lstStyle/>
           <a:p>
-            <a:pPr algn="ctr"/>
+            <a:r>
+              <a:rPr lang="en-US" b="1" dirty="0">
+                <a:latin typeface="+mn-lt"/>
+              </a:rPr>
+              <a:t>Log4j2</a:t>
+            </a:r>
+          </a:p>
+        </p:txBody>
+      </p:sp>
+      <p:sp>
+        <p:nvSpPr>
+          <p:cNvPr id="5" name="Content Placeholder 2">
+            <a:extLst>
+              <a:ext uri="{FF2B5EF4-FFF2-40B4-BE49-F238E27FC236}">
+                <a16:creationId xmlns:a16="http://schemas.microsoft.com/office/drawing/2014/main" id="{507F342C-C331-44DB-ACF0-C06FE2A5C3FB}"/>
+              </a:ext>
+            </a:extLst>
+          </p:cNvPr>
+          <p:cNvSpPr>
+            <a:spLocks noGrp="1"/>
+          </p:cNvSpPr>
+          <p:nvPr>
+            <p:ph idx="1"/>
+          </p:nvPr>
+        </p:nvSpPr>
+        <p:spPr>
+          <a:xfrm>
+            <a:off x="400594" y="1201783"/>
+            <a:ext cx="11495315" cy="5468983"/>
+          </a:xfrm>
+        </p:spPr>
+        <p:txBody>
+          <a:bodyPr>
+            <a:normAutofit/>
+          </a:bodyPr>
+          <a:lstStyle/>
+          <a:p>
+            <a:pPr>
+              <a:lnSpc>
+                <a:spcPct val="150000"/>
+              </a:lnSpc>
+            </a:pPr>
+            <a:r>
+              <a:rPr lang="en-US" b="1" dirty="0"/>
+              <a:t>Apache license (</a:t>
+            </a:r>
             <a:r>
               <a:rPr lang="en-US" b="1" dirty="0">
                 <a:solidFill>
-                  <a:schemeClr val="bg1"/>
+                  <a:srgbClr val="FF0000"/>
                 </a:solidFill>
               </a:rPr>
-              <a:t>Testing the aspects</a:t>
-            </a:r>
-          </a:p>
-        </p:txBody>
-      </p:sp>
+              <a:t>open source</a:t>
+            </a:r>
+            <a:r>
+              <a:rPr lang="en-US" b="1" dirty="0"/>
+              <a:t>) software, since 2001.</a:t>
+            </a:r>
+          </a:p>
+          <a:p>
+            <a:pPr>
+              <a:lnSpc>
+                <a:spcPct val="150000"/>
+              </a:lnSpc>
+            </a:pPr>
+            <a:r>
+              <a:rPr lang="en-US" b="1" dirty="0"/>
+              <a:t>Most common logging framework in the java world.</a:t>
+            </a:r>
+          </a:p>
+          <a:p>
+            <a:pPr>
+              <a:lnSpc>
+                <a:spcPct val="150000"/>
+              </a:lnSpc>
+            </a:pPr>
+            <a:r>
+              <a:rPr lang="en-US" b="1" dirty="0">
+                <a:solidFill>
+                  <a:srgbClr val="FF0000"/>
+                </a:solidFill>
+              </a:rPr>
+              <a:t>Logging levels: </a:t>
+            </a:r>
+          </a:p>
+          <a:p>
+            <a:pPr lvl="1">
+              <a:lnSpc>
+                <a:spcPct val="150000"/>
+              </a:lnSpc>
+            </a:pPr>
+            <a:r>
+              <a:rPr lang="en-US" b="1" dirty="0"/>
+              <a:t>DEBUG, INFO, ERROR</a:t>
+            </a:r>
+          </a:p>
+          <a:p>
+            <a:pPr>
+              <a:lnSpc>
+                <a:spcPct val="150000"/>
+              </a:lnSpc>
+            </a:pPr>
+            <a:r>
+              <a:rPr lang="en-US" b="1" dirty="0"/>
+              <a:t>Configure by.xml – </a:t>
+            </a:r>
+            <a:r>
+              <a:rPr lang="en-US" b="1" dirty="0">
+                <a:solidFill>
+                  <a:srgbClr val="FF0000"/>
+                </a:solidFill>
+              </a:rPr>
+              <a:t>separated from app</a:t>
+            </a:r>
+          </a:p>
+          <a:p>
+            <a:pPr>
+              <a:lnSpc>
+                <a:spcPct val="150000"/>
+              </a:lnSpc>
+            </a:pPr>
+            <a:r>
+              <a:rPr lang="en-US" b="1" dirty="0"/>
+              <a:t>Can change </a:t>
+            </a:r>
+            <a:r>
+              <a:rPr lang="en-US" b="1" dirty="0">
+                <a:solidFill>
+                  <a:srgbClr val="FF0000"/>
+                </a:solidFill>
+              </a:rPr>
+              <a:t>logging level on RUNTIME!!</a:t>
+            </a:r>
+          </a:p>
+          <a:p>
+            <a:pPr>
+              <a:lnSpc>
+                <a:spcPct val="150000"/>
+              </a:lnSpc>
+            </a:pPr>
+            <a:r>
+              <a:rPr lang="en-US" b="1" dirty="0"/>
+              <a:t>We logged in a synchronous way</a:t>
+            </a:r>
+          </a:p>
+          <a:p>
+            <a:pPr>
+              <a:lnSpc>
+                <a:spcPct val="150000"/>
+              </a:lnSpc>
+            </a:pPr>
+            <a:endParaRPr lang="en-US" b="1" dirty="0"/>
+          </a:p>
+        </p:txBody>
+      </p:sp>
+      <p:pic>
+        <p:nvPicPr>
+          <p:cNvPr id="7" name="Picture 6">
+            <a:extLst>
+              <a:ext uri="{FF2B5EF4-FFF2-40B4-BE49-F238E27FC236}">
+                <a16:creationId xmlns:a16="http://schemas.microsoft.com/office/drawing/2014/main" id="{3CF4ECF0-0AA1-4D2D-A86D-30DE49CA9F54}"/>
+              </a:ext>
+            </a:extLst>
+          </p:cNvPr>
+          <p:cNvPicPr>
+            <a:picLocks noChangeAspect="1"/>
+          </p:cNvPicPr>
+          <p:nvPr/>
+        </p:nvPicPr>
+        <p:blipFill>
+          <a:blip r:embed="rId2"/>
+          <a:stretch>
+            <a:fillRect/>
+          </a:stretch>
+        </p:blipFill>
+        <p:spPr>
+          <a:xfrm>
+            <a:off x="6685492" y="2917030"/>
+            <a:ext cx="5359274" cy="3632625"/>
+          </a:xfrm>
+          <a:prstGeom prst="rect">
+            <a:avLst/>
+          </a:prstGeom>
+          <a:ln>
+            <a:noFill/>
+          </a:ln>
+          <a:effectLst>
+            <a:outerShdw blurRad="292100" dist="139700" dir="2700000" algn="tl" rotWithShape="0">
+              <a:srgbClr val="333333">
+                <a:alpha val="65000"/>
+              </a:srgbClr>
+            </a:outerShdw>
+          </a:effectLst>
+        </p:spPr>
+      </p:pic>
     </p:spTree>
     <p:extLst>
       <p:ext uri="{BB962C8B-B14F-4D97-AF65-F5344CB8AC3E}">
-        <p14:creationId xmlns:p14="http://schemas.microsoft.com/office/powerpoint/2010/main" val="2841633555"/>
+        <p14:creationId xmlns:p14="http://schemas.microsoft.com/office/powerpoint/2010/main" val="3459207760"/>
       </p:ext>
     </p:extLst>
   </p:cSld>

--- a/src/Final Project Presentation.pptx
+++ b/src/Final Project Presentation.pptx
@@ -19,12 +19,16 @@
     <p:sldId id="266" r:id="rId13"/>
     <p:sldId id="262" r:id="rId14"/>
     <p:sldId id="275" r:id="rId15"/>
-    <p:sldId id="276" r:id="rId16"/>
-    <p:sldId id="278" r:id="rId17"/>
-    <p:sldId id="277" r:id="rId18"/>
-    <p:sldId id="263" r:id="rId19"/>
-    <p:sldId id="264" r:id="rId20"/>
-    <p:sldId id="273" r:id="rId21"/>
+    <p:sldId id="280" r:id="rId16"/>
+    <p:sldId id="279" r:id="rId17"/>
+    <p:sldId id="281" r:id="rId18"/>
+    <p:sldId id="282" r:id="rId19"/>
+    <p:sldId id="276" r:id="rId20"/>
+    <p:sldId id="278" r:id="rId21"/>
+    <p:sldId id="277" r:id="rId22"/>
+    <p:sldId id="263" r:id="rId23"/>
+    <p:sldId id="264" r:id="rId24"/>
+    <p:sldId id="273" r:id="rId25"/>
   </p:sldIdLst>
   <p:sldSz cx="12192000" cy="6858000"/>
   <p:notesSz cx="6858000" cy="9144000"/>
@@ -278,7 +282,7 @@
           <a:p>
             <a:fld id="{2D0B15E7-0F5E-4AF9-8FAD-4329F98176F1}" type="datetimeFigureOut">
               <a:rPr lang="en-US" smtClean="0"/>
-              <a:t>6/6/2019</a:t>
+              <a:t>6/7/2019</a:t>
             </a:fld>
             <a:endParaRPr lang="en-US"/>
           </a:p>
@@ -476,7 +480,7 @@
           <a:p>
             <a:fld id="{2D0B15E7-0F5E-4AF9-8FAD-4329F98176F1}" type="datetimeFigureOut">
               <a:rPr lang="en-US" smtClean="0"/>
-              <a:t>6/6/2019</a:t>
+              <a:t>6/7/2019</a:t>
             </a:fld>
             <a:endParaRPr lang="en-US"/>
           </a:p>
@@ -684,7 +688,7 @@
           <a:p>
             <a:fld id="{2D0B15E7-0F5E-4AF9-8FAD-4329F98176F1}" type="datetimeFigureOut">
               <a:rPr lang="en-US" smtClean="0"/>
-              <a:t>6/6/2019</a:t>
+              <a:t>6/7/2019</a:t>
             </a:fld>
             <a:endParaRPr lang="en-US"/>
           </a:p>
@@ -882,7 +886,7 @@
           <a:p>
             <a:fld id="{2D0B15E7-0F5E-4AF9-8FAD-4329F98176F1}" type="datetimeFigureOut">
               <a:rPr lang="en-US" smtClean="0"/>
-              <a:t>6/6/2019</a:t>
+              <a:t>6/7/2019</a:t>
             </a:fld>
             <a:endParaRPr lang="en-US"/>
           </a:p>
@@ -1157,7 +1161,7 @@
           <a:p>
             <a:fld id="{2D0B15E7-0F5E-4AF9-8FAD-4329F98176F1}" type="datetimeFigureOut">
               <a:rPr lang="en-US" smtClean="0"/>
-              <a:t>6/6/2019</a:t>
+              <a:t>6/7/2019</a:t>
             </a:fld>
             <a:endParaRPr lang="en-US"/>
           </a:p>
@@ -1422,7 +1426,7 @@
           <a:p>
             <a:fld id="{2D0B15E7-0F5E-4AF9-8FAD-4329F98176F1}" type="datetimeFigureOut">
               <a:rPr lang="en-US" smtClean="0"/>
-              <a:t>6/6/2019</a:t>
+              <a:t>6/7/2019</a:t>
             </a:fld>
             <a:endParaRPr lang="en-US"/>
           </a:p>
@@ -1834,7 +1838,7 @@
           <a:p>
             <a:fld id="{2D0B15E7-0F5E-4AF9-8FAD-4329F98176F1}" type="datetimeFigureOut">
               <a:rPr lang="en-US" smtClean="0"/>
-              <a:t>6/6/2019</a:t>
+              <a:t>6/7/2019</a:t>
             </a:fld>
             <a:endParaRPr lang="en-US"/>
           </a:p>
@@ -1975,7 +1979,7 @@
           <a:p>
             <a:fld id="{2D0B15E7-0F5E-4AF9-8FAD-4329F98176F1}" type="datetimeFigureOut">
               <a:rPr lang="en-US" smtClean="0"/>
-              <a:t>6/6/2019</a:t>
+              <a:t>6/7/2019</a:t>
             </a:fld>
             <a:endParaRPr lang="en-US"/>
           </a:p>
@@ -2088,7 +2092,7 @@
           <a:p>
             <a:fld id="{2D0B15E7-0F5E-4AF9-8FAD-4329F98176F1}" type="datetimeFigureOut">
               <a:rPr lang="en-US" smtClean="0"/>
-              <a:t>6/6/2019</a:t>
+              <a:t>6/7/2019</a:t>
             </a:fld>
             <a:endParaRPr lang="en-US"/>
           </a:p>
@@ -2399,7 +2403,7 @@
           <a:p>
             <a:fld id="{2D0B15E7-0F5E-4AF9-8FAD-4329F98176F1}" type="datetimeFigureOut">
               <a:rPr lang="en-US" smtClean="0"/>
-              <a:t>6/6/2019</a:t>
+              <a:t>6/7/2019</a:t>
             </a:fld>
             <a:endParaRPr lang="en-US"/>
           </a:p>
@@ -2687,7 +2691,7 @@
           <a:p>
             <a:fld id="{2D0B15E7-0F5E-4AF9-8FAD-4329F98176F1}" type="datetimeFigureOut">
               <a:rPr lang="en-US" smtClean="0"/>
-              <a:t>6/6/2019</a:t>
+              <a:t>6/7/2019</a:t>
             </a:fld>
             <a:endParaRPr lang="en-US"/>
           </a:p>
@@ -2928,7 +2932,7 @@
           <a:p>
             <a:fld id="{2D0B15E7-0F5E-4AF9-8FAD-4329F98176F1}" type="datetimeFigureOut">
               <a:rPr lang="en-US" smtClean="0"/>
-              <a:t>6/6/2019</a:t>
+              <a:t>6/7/2019</a:t>
             </a:fld>
             <a:endParaRPr lang="en-US"/>
           </a:p>
@@ -4047,8 +4051,8 @@
         </p:blipFill>
         <p:spPr>
           <a:xfrm>
-            <a:off x="7221230" y="900233"/>
-            <a:ext cx="4360208" cy="1834578"/>
+            <a:off x="7121540" y="900232"/>
+            <a:ext cx="4459898" cy="1876523"/>
           </a:xfrm>
           <a:prstGeom prst="rect">
             <a:avLst/>
@@ -4155,7 +4159,19 @@
             </a:pPr>
             <a:r>
               <a:rPr lang="en-US" b="1" dirty="0"/>
-              <a:t>Logs (audits) data to file, for later analysis and security. (in real application we would like to log this to RDBMS).</a:t>
+              <a:t>Logs (audits) data to file, for later monitoring and security. (</a:t>
+            </a:r>
+            <a:r>
+              <a:rPr lang="en-US" b="1" dirty="0">
+                <a:solidFill>
+                  <a:srgbClr val="FF0000"/>
+                </a:solidFill>
+              </a:rPr>
+              <a:t>in real application we would like to log this to RDBMS</a:t>
+            </a:r>
+            <a:r>
+              <a:rPr lang="en-US" b="1" dirty="0"/>
+              <a:t>).</a:t>
             </a:r>
           </a:p>
           <a:p>
@@ -4348,60 +4364,272 @@
       </p:grpSpPr>
       <p:sp>
         <p:nvSpPr>
-          <p:cNvPr id="3" name="TextBox 2">
-            <a:extLst>
-              <a:ext uri="{FF2B5EF4-FFF2-40B4-BE49-F238E27FC236}">
-                <a16:creationId xmlns:a16="http://schemas.microsoft.com/office/drawing/2014/main" id="{77462736-FE3A-4BAB-8C7B-E597C0C00E8D}"/>
-              </a:ext>
-            </a:extLst>
-          </p:cNvPr>
-          <p:cNvSpPr txBox="1"/>
+          <p:cNvPr id="4" name="Title 1">
+            <a:extLst>
+              <a:ext uri="{FF2B5EF4-FFF2-40B4-BE49-F238E27FC236}">
+                <a16:creationId xmlns:a16="http://schemas.microsoft.com/office/drawing/2014/main" id="{CAC17C8E-3677-4E33-AD1C-BB70137513FC}"/>
+              </a:ext>
+            </a:extLst>
+          </p:cNvPr>
+          <p:cNvSpPr>
+            <a:spLocks noGrp="1"/>
+          </p:cNvSpPr>
+          <p:nvPr>
+            <p:ph type="title"/>
+          </p:nvPr>
+        </p:nvSpPr>
+        <p:spPr>
+          <a:xfrm>
+            <a:off x="400594" y="86450"/>
+            <a:ext cx="10515600" cy="1325563"/>
+          </a:xfrm>
+        </p:spPr>
+        <p:txBody>
+          <a:bodyPr/>
+          <a:lstStyle/>
+          <a:p>
+            <a:r>
+              <a:rPr lang="en-US" b="1" dirty="0">
+                <a:latin typeface="+mn-lt"/>
+              </a:rPr>
+              <a:t>Regulative Aspects:</a:t>
+            </a:r>
+          </a:p>
+        </p:txBody>
+      </p:sp>
+      <p:sp>
+        <p:nvSpPr>
+          <p:cNvPr id="5" name="Content Placeholder 2">
+            <a:extLst>
+              <a:ext uri="{FF2B5EF4-FFF2-40B4-BE49-F238E27FC236}">
+                <a16:creationId xmlns:a16="http://schemas.microsoft.com/office/drawing/2014/main" id="{507F342C-C331-44DB-ACF0-C06FE2A5C3FB}"/>
+              </a:ext>
+            </a:extLst>
+          </p:cNvPr>
+          <p:cNvSpPr>
+            <a:spLocks noGrp="1"/>
+          </p:cNvSpPr>
+          <p:nvPr>
+            <p:ph idx="1"/>
+          </p:nvPr>
+        </p:nvSpPr>
+        <p:spPr>
+          <a:xfrm>
+            <a:off x="218114" y="1201784"/>
+            <a:ext cx="11677795" cy="2162202"/>
+          </a:xfrm>
+        </p:spPr>
+        <p:txBody>
+          <a:bodyPr>
+            <a:normAutofit/>
+          </a:bodyPr>
+          <a:lstStyle/>
+          <a:p>
+            <a:pPr marL="0" indent="0">
+              <a:lnSpc>
+                <a:spcPct val="150000"/>
+              </a:lnSpc>
+              <a:buNone/>
+            </a:pPr>
+            <a:r>
+              <a:rPr lang="en-US" b="1" i="1" dirty="0">
+                <a:highlight>
+                  <a:srgbClr val="FFFF00"/>
+                </a:highlight>
+              </a:rPr>
+              <a:t>TODO</a:t>
+            </a:r>
+          </a:p>
+          <a:p>
+            <a:pPr marL="0" indent="0">
+              <a:lnSpc>
+                <a:spcPct val="150000"/>
+              </a:lnSpc>
+              <a:buNone/>
+            </a:pPr>
+            <a:endParaRPr lang="en-US" b="1" dirty="0">
+              <a:solidFill>
+                <a:srgbClr val="FF0000"/>
+              </a:solidFill>
+            </a:endParaRPr>
+          </a:p>
+        </p:txBody>
+      </p:sp>
+      <p:sp>
+        <p:nvSpPr>
+          <p:cNvPr id="2" name="Oval 1">
+            <a:extLst>
+              <a:ext uri="{FF2B5EF4-FFF2-40B4-BE49-F238E27FC236}">
+                <a16:creationId xmlns:a16="http://schemas.microsoft.com/office/drawing/2014/main" id="{BCF2E675-C3F4-427A-A354-973D66CCA7AF}"/>
+              </a:ext>
+            </a:extLst>
+          </p:cNvPr>
+          <p:cNvSpPr/>
           <p:nvPr/>
         </p:nvSpPr>
         <p:spPr>
           <a:xfrm>
-            <a:off x="3848087" y="2334074"/>
-            <a:ext cx="4495826" cy="1754326"/>
-          </a:xfrm>
-          <a:prstGeom prst="rect">
+            <a:off x="2431608" y="3494015"/>
+            <a:ext cx="1602138" cy="1536585"/>
+          </a:xfrm>
+          <a:prstGeom prst="ellipse">
             <a:avLst/>
           </a:prstGeom>
           <a:solidFill>
-            <a:schemeClr val="tx1"/>
+            <a:srgbClr val="002060"/>
           </a:solidFill>
           <a:ln>
             <a:solidFill>
-              <a:schemeClr val="tx1"/>
+              <a:schemeClr val="bg1"/>
             </a:solidFill>
           </a:ln>
         </p:spPr>
-        <p:txBody>
-          <a:bodyPr wrap="square" rtlCol="0">
-            <a:spAutoFit/>
-          </a:bodyPr>
+        <p:style>
+          <a:lnRef idx="2">
+            <a:schemeClr val="accent1">
+              <a:shade val="50000"/>
+            </a:schemeClr>
+          </a:lnRef>
+          <a:fillRef idx="1">
+            <a:schemeClr val="accent1"/>
+          </a:fillRef>
+          <a:effectRef idx="0">
+            <a:schemeClr val="accent1"/>
+          </a:effectRef>
+          <a:fontRef idx="minor">
+            <a:schemeClr val="lt1"/>
+          </a:fontRef>
+        </p:style>
+        <p:txBody>
+          <a:bodyPr rtlCol="0" anchor="ctr"/>
           <a:lstStyle/>
           <a:p>
             <a:pPr algn="ctr"/>
             <a:r>
-              <a:rPr lang="en-US" sz="5400" b="1" dirty="0">
-                <a:solidFill>
-                  <a:schemeClr val="bg1"/>
-                </a:solidFill>
-              </a:rPr>
-              <a:t>Invasive Aspects</a:t>
-            </a:r>
-            <a:endParaRPr lang="en-US" sz="4800" b="1" dirty="0">
-              <a:solidFill>
-                <a:schemeClr val="bg1"/>
-              </a:solidFill>
-            </a:endParaRPr>
+              <a:rPr lang="en-US" sz="1600" b="1" dirty="0"/>
+              <a:t>Lock Aspects</a:t>
+            </a:r>
+          </a:p>
+        </p:txBody>
+      </p:sp>
+      <p:sp>
+        <p:nvSpPr>
+          <p:cNvPr id="6" name="Oval 5">
+            <a:extLst>
+              <a:ext uri="{FF2B5EF4-FFF2-40B4-BE49-F238E27FC236}">
+                <a16:creationId xmlns:a16="http://schemas.microsoft.com/office/drawing/2014/main" id="{7F4FCC0E-5A9D-4984-A1C0-594C48631B84}"/>
+              </a:ext>
+            </a:extLst>
+          </p:cNvPr>
+          <p:cNvSpPr/>
+          <p:nvPr/>
+        </p:nvSpPr>
+        <p:spPr>
+          <a:xfrm>
+            <a:off x="4991450" y="3494015"/>
+            <a:ext cx="1989708" cy="1536585"/>
+          </a:xfrm>
+          <a:prstGeom prst="ellipse">
+            <a:avLst/>
+          </a:prstGeom>
+          <a:solidFill>
+            <a:srgbClr val="002060"/>
+          </a:solidFill>
+          <a:ln>
+            <a:solidFill>
+              <a:schemeClr val="bg1"/>
+            </a:solidFill>
+          </a:ln>
+        </p:spPr>
+        <p:style>
+          <a:lnRef idx="2">
+            <a:schemeClr val="accent1">
+              <a:shade val="50000"/>
+            </a:schemeClr>
+          </a:lnRef>
+          <a:fillRef idx="1">
+            <a:schemeClr val="accent1"/>
+          </a:fillRef>
+          <a:effectRef idx="0">
+            <a:schemeClr val="accent1"/>
+          </a:effectRef>
+          <a:fontRef idx="minor">
+            <a:schemeClr val="lt1"/>
+          </a:fontRef>
+        </p:style>
+        <p:txBody>
+          <a:bodyPr rtlCol="0" anchor="ctr"/>
+          <a:lstStyle/>
+          <a:p>
+            <a:pPr algn="ctr"/>
+            <a:r>
+              <a:rPr lang="en-US" sz="1600" b="1" dirty="0"/>
+              <a:t>Authorization Aspect</a:t>
+            </a:r>
+          </a:p>
+        </p:txBody>
+      </p:sp>
+      <p:sp>
+        <p:nvSpPr>
+          <p:cNvPr id="7" name="Oval 6">
+            <a:extLst>
+              <a:ext uri="{FF2B5EF4-FFF2-40B4-BE49-F238E27FC236}">
+                <a16:creationId xmlns:a16="http://schemas.microsoft.com/office/drawing/2014/main" id="{685383B0-F74E-4911-B2FB-BAD5510054F8}"/>
+              </a:ext>
+            </a:extLst>
+          </p:cNvPr>
+          <p:cNvSpPr/>
+          <p:nvPr/>
+        </p:nvSpPr>
+        <p:spPr>
+          <a:xfrm>
+            <a:off x="7855170" y="3494015"/>
+            <a:ext cx="1602138" cy="1536585"/>
+          </a:xfrm>
+          <a:prstGeom prst="ellipse">
+            <a:avLst/>
+          </a:prstGeom>
+          <a:solidFill>
+            <a:srgbClr val="002060"/>
+          </a:solidFill>
+          <a:ln>
+            <a:solidFill>
+              <a:schemeClr val="bg1"/>
+            </a:solidFill>
+          </a:ln>
+        </p:spPr>
+        <p:style>
+          <a:lnRef idx="2">
+            <a:schemeClr val="accent1">
+              <a:shade val="50000"/>
+            </a:schemeClr>
+          </a:lnRef>
+          <a:fillRef idx="1">
+            <a:schemeClr val="accent1"/>
+          </a:fillRef>
+          <a:effectRef idx="0">
+            <a:schemeClr val="accent1"/>
+          </a:effectRef>
+          <a:fontRef idx="minor">
+            <a:schemeClr val="lt1"/>
+          </a:fontRef>
+        </p:style>
+        <p:txBody>
+          <a:bodyPr rtlCol="0" anchor="ctr"/>
+          <a:lstStyle/>
+          <a:p>
+            <a:pPr algn="ctr"/>
+            <a:r>
+              <a:rPr lang="en-US" sz="1600" b="1" dirty="0"/>
+              <a:t>UI Aspect</a:t>
+            </a:r>
           </a:p>
         </p:txBody>
       </p:sp>
     </p:spTree>
     <p:extLst>
       <p:ext uri="{BB962C8B-B14F-4D97-AF65-F5344CB8AC3E}">
-        <p14:creationId xmlns:p14="http://schemas.microsoft.com/office/powerpoint/2010/main" val="3739079832"/>
+        <p14:creationId xmlns:p14="http://schemas.microsoft.com/office/powerpoint/2010/main" val="2098652731"/>
       </p:ext>
     </p:extLst>
   </p:cSld>
@@ -4458,7 +4686,7 @@
               <a:rPr lang="en-US" b="1" dirty="0">
                 <a:latin typeface="+mn-lt"/>
               </a:rPr>
-              <a:t>Invasive Aspects:</a:t>
+              <a:t>Lock Aspect:</a:t>
             </a:r>
           </a:p>
         </p:txBody>
@@ -4481,8 +4709,8 @@
         </p:nvSpPr>
         <p:spPr>
           <a:xfrm>
-            <a:off x="218114" y="1201784"/>
-            <a:ext cx="11677795" cy="2162202"/>
+            <a:off x="400594" y="1201783"/>
+            <a:ext cx="11495315" cy="5468983"/>
           </a:xfrm>
         </p:spPr>
         <p:txBody>
@@ -4491,205 +4719,85 @@
           </a:bodyPr>
           <a:lstStyle/>
           <a:p>
-            <a:pPr marL="0" indent="0">
+            <a:pPr>
               <a:lnSpc>
                 <a:spcPct val="150000"/>
               </a:lnSpc>
-              <a:buNone/>
             </a:pPr>
             <a:r>
-              <a:rPr lang="en-US" b="1" i="1" dirty="0"/>
-              <a:t>Instead of…</a:t>
-            </a:r>
-          </a:p>
-          <a:p>
-            <a:pPr marL="0" indent="0">
+              <a:rPr lang="en-US" b="1" dirty="0"/>
+              <a:t>Locks game features of the game:</a:t>
+            </a:r>
+          </a:p>
+          <a:p>
+            <a:pPr lvl="1">
               <a:lnSpc>
                 <a:spcPct val="150000"/>
               </a:lnSpc>
-              <a:buNone/>
             </a:pPr>
-            <a:endParaRPr lang="en-US" b="1" dirty="0">
-              <a:solidFill>
-                <a:srgbClr val="FF0000"/>
-              </a:solidFill>
-            </a:endParaRPr>
-          </a:p>
-        </p:txBody>
-      </p:sp>
-      <p:sp>
-        <p:nvSpPr>
-          <p:cNvPr id="2" name="Oval 1">
-            <a:extLst>
-              <a:ext uri="{FF2B5EF4-FFF2-40B4-BE49-F238E27FC236}">
-                <a16:creationId xmlns:a16="http://schemas.microsoft.com/office/drawing/2014/main" id="{BCF2E675-C3F4-427A-A354-973D66CCA7AF}"/>
-              </a:ext>
-            </a:extLst>
-          </p:cNvPr>
-          <p:cNvSpPr/>
-          <p:nvPr/>
-        </p:nvSpPr>
-        <p:spPr>
-          <a:xfrm>
-            <a:off x="1655745" y="3363986"/>
-            <a:ext cx="1602138" cy="1536585"/>
-          </a:xfrm>
-          <a:prstGeom prst="ellipse">
-            <a:avLst/>
-          </a:prstGeom>
-          <a:solidFill>
-            <a:schemeClr val="tx1"/>
-          </a:solidFill>
-          <a:ln>
-            <a:solidFill>
-              <a:schemeClr val="bg1"/>
-            </a:solidFill>
-          </a:ln>
-        </p:spPr>
-        <p:style>
-          <a:lnRef idx="2">
-            <a:schemeClr val="accent1">
-              <a:shade val="50000"/>
-            </a:schemeClr>
-          </a:lnRef>
-          <a:fillRef idx="1">
-            <a:schemeClr val="accent1"/>
-          </a:fillRef>
-          <a:effectRef idx="0">
-            <a:schemeClr val="accent1"/>
-          </a:effectRef>
-          <a:fontRef idx="minor">
-            <a:schemeClr val="lt1"/>
-          </a:fontRef>
-        </p:style>
-        <p:txBody>
-          <a:bodyPr rtlCol="0" anchor="ctr"/>
-          <a:lstStyle/>
-          <a:p>
-            <a:pPr algn="ctr"/>
-            <a:r>
-              <a:rPr lang="en-US" sz="1600" b="1" dirty="0" err="1"/>
-              <a:t>ExceptionHandler</a:t>
-            </a:r>
-            <a:r>
-              <a:rPr lang="en-US" sz="1600" b="1" dirty="0"/>
-              <a:t> Aspect</a:t>
-            </a:r>
-          </a:p>
-        </p:txBody>
-      </p:sp>
-      <p:sp>
-        <p:nvSpPr>
-          <p:cNvPr id="6" name="Oval 5">
-            <a:extLst>
-              <a:ext uri="{FF2B5EF4-FFF2-40B4-BE49-F238E27FC236}">
-                <a16:creationId xmlns:a16="http://schemas.microsoft.com/office/drawing/2014/main" id="{7F4FCC0E-5A9D-4984-A1C0-594C48631B84}"/>
-              </a:ext>
-            </a:extLst>
-          </p:cNvPr>
-          <p:cNvSpPr/>
-          <p:nvPr/>
-        </p:nvSpPr>
-        <p:spPr>
-          <a:xfrm>
-            <a:off x="4603157" y="3363986"/>
-            <a:ext cx="1602138" cy="1536585"/>
-          </a:xfrm>
-          <a:prstGeom prst="ellipse">
-            <a:avLst/>
-          </a:prstGeom>
-          <a:solidFill>
-            <a:schemeClr val="tx1"/>
-          </a:solidFill>
-          <a:ln>
-            <a:solidFill>
-              <a:schemeClr val="bg1"/>
-            </a:solidFill>
-          </a:ln>
-        </p:spPr>
-        <p:style>
-          <a:lnRef idx="2">
-            <a:schemeClr val="accent1">
-              <a:shade val="50000"/>
-            </a:schemeClr>
-          </a:lnRef>
-          <a:fillRef idx="1">
-            <a:schemeClr val="accent1"/>
-          </a:fillRef>
-          <a:effectRef idx="0">
-            <a:schemeClr val="accent1"/>
-          </a:effectRef>
-          <a:fontRef idx="minor">
-            <a:schemeClr val="lt1"/>
-          </a:fontRef>
-        </p:style>
-        <p:txBody>
-          <a:bodyPr rtlCol="0" anchor="ctr"/>
-          <a:lstStyle/>
-          <a:p>
-            <a:pPr algn="ctr"/>
-            <a:endParaRPr lang="en-US" sz="1600" b="1" dirty="0"/>
-          </a:p>
-        </p:txBody>
-      </p:sp>
-      <p:sp>
-        <p:nvSpPr>
-          <p:cNvPr id="7" name="Oval 6">
-            <a:extLst>
-              <a:ext uri="{FF2B5EF4-FFF2-40B4-BE49-F238E27FC236}">
-                <a16:creationId xmlns:a16="http://schemas.microsoft.com/office/drawing/2014/main" id="{E2B9C561-C78F-4056-AE7A-9CB3495FFDD1}"/>
-              </a:ext>
-            </a:extLst>
-          </p:cNvPr>
-          <p:cNvSpPr/>
-          <p:nvPr/>
-        </p:nvSpPr>
-        <p:spPr>
-          <a:xfrm>
-            <a:off x="7678201" y="3363985"/>
-            <a:ext cx="1602138" cy="1536585"/>
-          </a:xfrm>
-          <a:prstGeom prst="ellipse">
-            <a:avLst/>
-          </a:prstGeom>
-          <a:solidFill>
-            <a:schemeClr val="tx1"/>
-          </a:solidFill>
-          <a:ln>
-            <a:solidFill>
-              <a:schemeClr val="bg1"/>
-            </a:solidFill>
-          </a:ln>
-        </p:spPr>
-        <p:style>
-          <a:lnRef idx="2">
-            <a:schemeClr val="accent1">
-              <a:shade val="50000"/>
-            </a:schemeClr>
-          </a:lnRef>
-          <a:fillRef idx="1">
-            <a:schemeClr val="accent1"/>
-          </a:fillRef>
-          <a:effectRef idx="0">
-            <a:schemeClr val="accent1"/>
-          </a:effectRef>
-          <a:fontRef idx="minor">
-            <a:schemeClr val="lt1"/>
-          </a:fontRef>
-        </p:style>
-        <p:txBody>
-          <a:bodyPr rtlCol="0" anchor="ctr"/>
-          <a:lstStyle/>
-          <a:p>
-            <a:pPr algn="ctr"/>
-            <a:endParaRPr lang="en-US" sz="1600" b="1" dirty="0"/>
+            <a:r>
+              <a:rPr lang="en-US" b="1" dirty="0"/>
+              <a:t>Locks shooting option.</a:t>
+            </a:r>
+          </a:p>
+          <a:p>
+            <a:pPr lvl="1">
+              <a:lnSpc>
+                <a:spcPct val="150000"/>
+              </a:lnSpc>
+            </a:pPr>
+            <a:r>
+              <a:rPr lang="en-US" b="1" dirty="0"/>
+              <a:t>Locks shield option.</a:t>
+            </a:r>
+          </a:p>
+          <a:p>
+            <a:pPr lvl="1">
+              <a:lnSpc>
+                <a:spcPct val="150000"/>
+              </a:lnSpc>
+            </a:pPr>
+            <a:r>
+              <a:rPr lang="en-US" b="1" dirty="0"/>
+              <a:t>Locks moving option.</a:t>
+            </a:r>
+          </a:p>
+          <a:p>
+            <a:pPr>
+              <a:lnSpc>
+                <a:spcPct val="150000"/>
+              </a:lnSpc>
+            </a:pPr>
+            <a:r>
+              <a:rPr lang="en-US" b="1" dirty="0">
+                <a:solidFill>
+                  <a:srgbClr val="FF0000"/>
+                </a:solidFill>
+              </a:rPr>
+              <a:t>Pointcut: </a:t>
+            </a:r>
+          </a:p>
+          <a:p>
+            <a:pPr>
+              <a:lnSpc>
+                <a:spcPct val="150000"/>
+              </a:lnSpc>
+            </a:pPr>
+            <a:r>
+              <a:rPr lang="en-US" b="1" dirty="0">
+                <a:solidFill>
+                  <a:srgbClr val="FF0000"/>
+                </a:solidFill>
+              </a:rPr>
+              <a:t>Advice:</a:t>
+            </a:r>
           </a:p>
         </p:txBody>
       </p:sp>
     </p:spTree>
     <p:extLst>
       <p:ext uri="{BB962C8B-B14F-4D97-AF65-F5344CB8AC3E}">
-        <p14:creationId xmlns:p14="http://schemas.microsoft.com/office/powerpoint/2010/main" val="3990422798"/>
+        <p14:creationId xmlns:p14="http://schemas.microsoft.com/office/powerpoint/2010/main" val="3231087132"/>
       </p:ext>
     </p:extLst>
   </p:cSld>
@@ -4743,14 +4851,11 @@
           <a:lstStyle/>
           <a:p>
             <a:r>
-              <a:rPr lang="en-US" b="1" dirty="0" err="1">
+              <a:rPr lang="en-US" b="1" dirty="0">
                 <a:latin typeface="+mn-lt"/>
               </a:rPr>
-              <a:t>ExceptionHandlerAspect</a:t>
-            </a:r>
-            <a:endParaRPr lang="en-US" b="1" dirty="0">
-              <a:latin typeface="+mn-lt"/>
-            </a:endParaRPr>
+              <a:t>Authorization Aspect:</a:t>
+            </a:r>
           </a:p>
         </p:txBody>
       </p:sp>
@@ -4781,6 +4886,70 @@
             <a:normAutofit/>
           </a:bodyPr>
           <a:lstStyle/>
+          <a:p>
+            <a:pPr>
+              <a:lnSpc>
+                <a:spcPct val="150000"/>
+              </a:lnSpc>
+            </a:pPr>
+            <a:r>
+              <a:rPr lang="en-US" b="1" dirty="0"/>
+              <a:t>Password authorization mechanism – only authorized users can play the game.</a:t>
+            </a:r>
+          </a:p>
+          <a:p>
+            <a:pPr>
+              <a:lnSpc>
+                <a:spcPct val="150000"/>
+              </a:lnSpc>
+            </a:pPr>
+            <a:r>
+              <a:rPr lang="en-US" b="1" dirty="0"/>
+              <a:t>Enforced using user/password login using </a:t>
+            </a:r>
+            <a:r>
+              <a:rPr lang="en-US" b="1" dirty="0">
+                <a:solidFill>
+                  <a:srgbClr val="FF0000"/>
+                </a:solidFill>
+              </a:rPr>
+              <a:t>STDOUT</a:t>
+            </a:r>
+            <a:r>
+              <a:rPr lang="en-US" b="1" dirty="0"/>
+              <a:t>.</a:t>
+            </a:r>
+          </a:p>
+          <a:p>
+            <a:pPr>
+              <a:lnSpc>
+                <a:spcPct val="150000"/>
+              </a:lnSpc>
+            </a:pPr>
+            <a:r>
+              <a:rPr lang="en-US" b="1" dirty="0">
+                <a:solidFill>
+                  <a:srgbClr val="FF0000"/>
+                </a:solidFill>
+              </a:rPr>
+              <a:t>Pointcut: </a:t>
+            </a:r>
+          </a:p>
+          <a:p>
+            <a:pPr>
+              <a:lnSpc>
+                <a:spcPct val="150000"/>
+              </a:lnSpc>
+            </a:pPr>
+            <a:r>
+              <a:rPr lang="en-US" b="1" dirty="0">
+                <a:solidFill>
+                  <a:srgbClr val="FF0000"/>
+                </a:solidFill>
+              </a:rPr>
+              <a:t>Advice:</a:t>
+            </a:r>
+          </a:p>
           <a:p>
             <a:pPr>
               <a:lnSpc>
@@ -4794,7 +4963,7 @@
     </p:spTree>
     <p:extLst>
       <p:ext uri="{BB962C8B-B14F-4D97-AF65-F5344CB8AC3E}">
-        <p14:creationId xmlns:p14="http://schemas.microsoft.com/office/powerpoint/2010/main" val="3599381813"/>
+        <p14:creationId xmlns:p14="http://schemas.microsoft.com/office/powerpoint/2010/main" val="1621691119"/>
       </p:ext>
     </p:extLst>
   </p:cSld>
@@ -4823,60 +4992,170 @@
       </p:grpSpPr>
       <p:sp>
         <p:nvSpPr>
-          <p:cNvPr id="5" name="TextBox 4">
-            <a:extLst>
-              <a:ext uri="{FF2B5EF4-FFF2-40B4-BE49-F238E27FC236}">
-                <a16:creationId xmlns:a16="http://schemas.microsoft.com/office/drawing/2014/main" id="{0470CAB3-69C7-4708-B6B1-132C92342460}"/>
-              </a:ext>
-            </a:extLst>
-          </p:cNvPr>
-          <p:cNvSpPr txBox="1"/>
-          <p:nvPr/>
+          <p:cNvPr id="4" name="Title 1">
+            <a:extLst>
+              <a:ext uri="{FF2B5EF4-FFF2-40B4-BE49-F238E27FC236}">
+                <a16:creationId xmlns:a16="http://schemas.microsoft.com/office/drawing/2014/main" id="{CAC17C8E-3677-4E33-AD1C-BB70137513FC}"/>
+              </a:ext>
+            </a:extLst>
+          </p:cNvPr>
+          <p:cNvSpPr>
+            <a:spLocks noGrp="1"/>
+          </p:cNvSpPr>
+          <p:nvPr>
+            <p:ph type="title"/>
+          </p:nvPr>
         </p:nvSpPr>
         <p:spPr>
           <a:xfrm>
-            <a:off x="3263295" y="2334074"/>
-            <a:ext cx="5933477" cy="923330"/>
-          </a:xfrm>
-          <a:prstGeom prst="rect">
-            <a:avLst/>
-          </a:prstGeom>
-          <a:solidFill>
-            <a:schemeClr val="tx1"/>
-          </a:solidFill>
-          <a:ln>
-            <a:solidFill>
-              <a:schemeClr val="tx1"/>
-            </a:solidFill>
-          </a:ln>
-        </p:spPr>
-        <p:txBody>
-          <a:bodyPr wrap="square" rtlCol="0">
-            <a:spAutoFit/>
+            <a:off x="400594" y="86450"/>
+            <a:ext cx="10515600" cy="1325563"/>
+          </a:xfrm>
+        </p:spPr>
+        <p:txBody>
+          <a:bodyPr/>
+          <a:lstStyle/>
+          <a:p>
+            <a:r>
+              <a:rPr lang="en-US" b="1" dirty="0">
+                <a:latin typeface="+mn-lt"/>
+              </a:rPr>
+              <a:t>UI Aspect:</a:t>
+            </a:r>
+          </a:p>
+        </p:txBody>
+      </p:sp>
+      <p:sp>
+        <p:nvSpPr>
+          <p:cNvPr id="5" name="Content Placeholder 2">
+            <a:extLst>
+              <a:ext uri="{FF2B5EF4-FFF2-40B4-BE49-F238E27FC236}">
+                <a16:creationId xmlns:a16="http://schemas.microsoft.com/office/drawing/2014/main" id="{507F342C-C331-44DB-ACF0-C06FE2A5C3FB}"/>
+              </a:ext>
+            </a:extLst>
+          </p:cNvPr>
+          <p:cNvSpPr>
+            <a:spLocks noGrp="1"/>
+          </p:cNvSpPr>
+          <p:nvPr>
+            <p:ph idx="1"/>
+          </p:nvPr>
+        </p:nvSpPr>
+        <p:spPr>
+          <a:xfrm>
+            <a:off x="400594" y="1201783"/>
+            <a:ext cx="11495315" cy="5468983"/>
+          </a:xfrm>
+        </p:spPr>
+        <p:txBody>
+          <a:bodyPr>
+            <a:normAutofit/>
           </a:bodyPr>
           <a:lstStyle/>
           <a:p>
-            <a:pPr algn="ctr"/>
-            <a:r>
-              <a:rPr lang="en-US" sz="5400" b="1" dirty="0">
+            <a:pPr>
+              <a:lnSpc>
+                <a:spcPct val="150000"/>
+              </a:lnSpc>
+            </a:pPr>
+            <a:r>
+              <a:rPr lang="en-US" b="1" dirty="0"/>
+              <a:t>Update UI with informative message when fields/values are changed:</a:t>
+            </a:r>
+          </a:p>
+          <a:p>
+            <a:pPr lvl="1">
+              <a:lnSpc>
+                <a:spcPct val="150000"/>
+              </a:lnSpc>
+            </a:pPr>
+            <a:r>
+              <a:rPr lang="en-US" b="1" dirty="0" err="1"/>
+              <a:t>SpaceShip</a:t>
+            </a:r>
+            <a:r>
+              <a:rPr lang="en-US" b="1" dirty="0"/>
+              <a:t> is hit.</a:t>
+            </a:r>
+          </a:p>
+          <a:p>
+            <a:pPr lvl="1">
+              <a:lnSpc>
+                <a:spcPct val="150000"/>
+              </a:lnSpc>
+            </a:pPr>
+            <a:r>
+              <a:rPr lang="en-US" b="1" dirty="0"/>
+              <a:t>Teleport executed by </a:t>
+            </a:r>
+            <a:r>
+              <a:rPr lang="en-US" b="1" dirty="0" err="1"/>
+              <a:t>SpaceShip</a:t>
+            </a:r>
+            <a:r>
+              <a:rPr lang="en-US" b="1" dirty="0"/>
+              <a:t>.</a:t>
+            </a:r>
+          </a:p>
+          <a:p>
+            <a:pPr lvl="1">
+              <a:lnSpc>
+                <a:spcPct val="150000"/>
+              </a:lnSpc>
+            </a:pPr>
+            <a:r>
+              <a:rPr lang="en-US" b="1" dirty="0" err="1"/>
+              <a:t>SpaceShip</a:t>
+            </a:r>
+            <a:r>
+              <a:rPr lang="en-US" b="1" dirty="0"/>
+              <a:t> died.</a:t>
+            </a:r>
+          </a:p>
+          <a:p>
+            <a:pPr>
+              <a:lnSpc>
+                <a:spcPct val="150000"/>
+              </a:lnSpc>
+            </a:pPr>
+            <a:r>
+              <a:rPr lang="en-US" b="1" dirty="0">
                 <a:solidFill>
-                  <a:schemeClr val="bg1"/>
+                  <a:srgbClr val="FF0000"/>
                 </a:solidFill>
               </a:rPr>
-              <a:t>Testing the aspects</a:t>
-            </a:r>
-            <a:endParaRPr lang="en-US" sz="4800" b="1" dirty="0">
-              <a:solidFill>
-                <a:schemeClr val="bg1"/>
-              </a:solidFill>
-            </a:endParaRPr>
+              <a:t>Pointcut: </a:t>
+            </a:r>
+          </a:p>
+          <a:p>
+            <a:pPr>
+              <a:lnSpc>
+                <a:spcPct val="150000"/>
+              </a:lnSpc>
+            </a:pPr>
+            <a:r>
+              <a:rPr lang="en-US" b="1" dirty="0">
+                <a:solidFill>
+                  <a:srgbClr val="FF0000"/>
+                </a:solidFill>
+              </a:rPr>
+              <a:t>Advice:</a:t>
+            </a:r>
+          </a:p>
+          <a:p>
+            <a:pPr>
+              <a:lnSpc>
+                <a:spcPct val="150000"/>
+              </a:lnSpc>
+            </a:pPr>
+            <a:endParaRPr lang="en-US" b="1" dirty="0"/>
           </a:p>
         </p:txBody>
       </p:sp>
     </p:spTree>
     <p:extLst>
       <p:ext uri="{BB962C8B-B14F-4D97-AF65-F5344CB8AC3E}">
-        <p14:creationId xmlns:p14="http://schemas.microsoft.com/office/powerpoint/2010/main" val="2841633555"/>
+        <p14:creationId xmlns:p14="http://schemas.microsoft.com/office/powerpoint/2010/main" val="2170754187"/>
       </p:ext>
     </p:extLst>
   </p:cSld>
@@ -4905,94 +5184,60 @@
       </p:grpSpPr>
       <p:sp>
         <p:nvSpPr>
-          <p:cNvPr id="4" name="Title 1">
-            <a:extLst>
-              <a:ext uri="{FF2B5EF4-FFF2-40B4-BE49-F238E27FC236}">
-                <a16:creationId xmlns:a16="http://schemas.microsoft.com/office/drawing/2014/main" id="{CAC17C8E-3677-4E33-AD1C-BB70137513FC}"/>
-              </a:ext>
-            </a:extLst>
-          </p:cNvPr>
-          <p:cNvSpPr>
-            <a:spLocks noGrp="1"/>
-          </p:cNvSpPr>
-          <p:nvPr>
-            <p:ph type="title"/>
-          </p:nvPr>
+          <p:cNvPr id="3" name="TextBox 2">
+            <a:extLst>
+              <a:ext uri="{FF2B5EF4-FFF2-40B4-BE49-F238E27FC236}">
+                <a16:creationId xmlns:a16="http://schemas.microsoft.com/office/drawing/2014/main" id="{77462736-FE3A-4BAB-8C7B-E597C0C00E8D}"/>
+              </a:ext>
+            </a:extLst>
+          </p:cNvPr>
+          <p:cNvSpPr txBox="1"/>
+          <p:nvPr/>
         </p:nvSpPr>
         <p:spPr>
           <a:xfrm>
-            <a:off x="400594" y="86450"/>
-            <a:ext cx="10515600" cy="1325563"/>
-          </a:xfrm>
-        </p:spPr>
-        <p:txBody>
-          <a:bodyPr/>
-          <a:lstStyle/>
-          <a:p>
-            <a:r>
-              <a:rPr lang="en-US" b="1" dirty="0">
-                <a:highlight>
-                  <a:srgbClr val="FFFF00"/>
-                </a:highlight>
-                <a:latin typeface="+mn-lt"/>
+            <a:off x="3848087" y="2334074"/>
+            <a:ext cx="4495826" cy="1754326"/>
+          </a:xfrm>
+          <a:prstGeom prst="rect">
+            <a:avLst/>
+          </a:prstGeom>
+          <a:solidFill>
+            <a:schemeClr val="tx1"/>
+          </a:solidFill>
+          <a:ln>
+            <a:solidFill>
+              <a:schemeClr val="tx1"/>
+            </a:solidFill>
+          </a:ln>
+        </p:spPr>
+        <p:txBody>
+          <a:bodyPr wrap="square" rtlCol="0">
+            <a:spAutoFit/>
+          </a:bodyPr>
+          <a:lstStyle/>
+          <a:p>
+            <a:pPr algn="ctr"/>
+            <a:r>
+              <a:rPr lang="en-US" sz="5400" b="1" dirty="0">
+                <a:solidFill>
+                  <a:schemeClr val="bg1"/>
+                </a:solidFill>
               </a:rPr>
-              <a:t>Testing our aspects – unit testing aspects?</a:t>
-            </a:r>
-          </a:p>
-        </p:txBody>
-      </p:sp>
-      <p:sp>
-        <p:nvSpPr>
-          <p:cNvPr id="5" name="Content Placeholder 2">
-            <a:extLst>
-              <a:ext uri="{FF2B5EF4-FFF2-40B4-BE49-F238E27FC236}">
-                <a16:creationId xmlns:a16="http://schemas.microsoft.com/office/drawing/2014/main" id="{507F342C-C331-44DB-ACF0-C06FE2A5C3FB}"/>
-              </a:ext>
-            </a:extLst>
-          </p:cNvPr>
-          <p:cNvSpPr>
-            <a:spLocks noGrp="1"/>
-          </p:cNvSpPr>
-          <p:nvPr>
-            <p:ph idx="1"/>
-          </p:nvPr>
-        </p:nvSpPr>
-        <p:spPr>
-          <a:xfrm>
-            <a:off x="400594" y="1201783"/>
-            <a:ext cx="11495315" cy="5468983"/>
-          </a:xfrm>
-        </p:spPr>
-        <p:txBody>
-          <a:bodyPr>
-            <a:normAutofit/>
-          </a:bodyPr>
-          <a:lstStyle/>
-          <a:p>
-            <a:pPr>
-              <a:lnSpc>
-                <a:spcPct val="150000"/>
-              </a:lnSpc>
-            </a:pPr>
-            <a:r>
-              <a:rPr lang="en-US" b="1" dirty="0"/>
-              <a:t>Logging Aspect – just by checking the written files. If have time &lt;write </a:t>
-            </a:r>
-            <a:r>
-              <a:rPr lang="en-US" b="1" dirty="0" err="1"/>
-              <a:t>uni</a:t>
-            </a:r>
-            <a:r>
-              <a:rPr lang="en-US" b="1" dirty="0"/>
-              <a:t> test to check file&gt;</a:t>
-            </a:r>
+              <a:t>Invasive Aspects</a:t>
+            </a:r>
+            <a:endParaRPr lang="en-US" sz="4800" b="1" dirty="0">
+              <a:solidFill>
+                <a:schemeClr val="bg1"/>
+              </a:solidFill>
+            </a:endParaRPr>
           </a:p>
         </p:txBody>
       </p:sp>
     </p:spTree>
     <p:extLst>
       <p:ext uri="{BB962C8B-B14F-4D97-AF65-F5344CB8AC3E}">
-        <p14:creationId xmlns:p14="http://schemas.microsoft.com/office/powerpoint/2010/main" val="3605706162"/>
+        <p14:creationId xmlns:p14="http://schemas.microsoft.com/office/powerpoint/2010/main" val="3739079832"/>
       </p:ext>
     </p:extLst>
   </p:cSld>
@@ -5260,6 +5505,597 @@
           <a:p>
             <a:r>
               <a:rPr lang="en-US" b="1" dirty="0">
+                <a:latin typeface="+mn-lt"/>
+              </a:rPr>
+              <a:t>Invasive Aspects:</a:t>
+            </a:r>
+          </a:p>
+        </p:txBody>
+      </p:sp>
+      <p:sp>
+        <p:nvSpPr>
+          <p:cNvPr id="5" name="Content Placeholder 2">
+            <a:extLst>
+              <a:ext uri="{FF2B5EF4-FFF2-40B4-BE49-F238E27FC236}">
+                <a16:creationId xmlns:a16="http://schemas.microsoft.com/office/drawing/2014/main" id="{507F342C-C331-44DB-ACF0-C06FE2A5C3FB}"/>
+              </a:ext>
+            </a:extLst>
+          </p:cNvPr>
+          <p:cNvSpPr>
+            <a:spLocks noGrp="1"/>
+          </p:cNvSpPr>
+          <p:nvPr>
+            <p:ph idx="1"/>
+          </p:nvPr>
+        </p:nvSpPr>
+        <p:spPr>
+          <a:xfrm>
+            <a:off x="218114" y="1201784"/>
+            <a:ext cx="11677795" cy="2162202"/>
+          </a:xfrm>
+        </p:spPr>
+        <p:txBody>
+          <a:bodyPr>
+            <a:normAutofit/>
+          </a:bodyPr>
+          <a:lstStyle/>
+          <a:p>
+            <a:pPr marL="0" indent="0">
+              <a:lnSpc>
+                <a:spcPct val="150000"/>
+              </a:lnSpc>
+              <a:buNone/>
+            </a:pPr>
+            <a:r>
+              <a:rPr lang="en-US" b="1" i="1" dirty="0"/>
+              <a:t>Instead of…</a:t>
+            </a:r>
+          </a:p>
+          <a:p>
+            <a:pPr marL="0" indent="0">
+              <a:lnSpc>
+                <a:spcPct val="150000"/>
+              </a:lnSpc>
+              <a:buNone/>
+            </a:pPr>
+            <a:endParaRPr lang="en-US" b="1" dirty="0">
+              <a:solidFill>
+                <a:srgbClr val="FF0000"/>
+              </a:solidFill>
+            </a:endParaRPr>
+          </a:p>
+        </p:txBody>
+      </p:sp>
+      <p:sp>
+        <p:nvSpPr>
+          <p:cNvPr id="2" name="Oval 1">
+            <a:extLst>
+              <a:ext uri="{FF2B5EF4-FFF2-40B4-BE49-F238E27FC236}">
+                <a16:creationId xmlns:a16="http://schemas.microsoft.com/office/drawing/2014/main" id="{BCF2E675-C3F4-427A-A354-973D66CCA7AF}"/>
+              </a:ext>
+            </a:extLst>
+          </p:cNvPr>
+          <p:cNvSpPr/>
+          <p:nvPr/>
+        </p:nvSpPr>
+        <p:spPr>
+          <a:xfrm>
+            <a:off x="1655745" y="3363986"/>
+            <a:ext cx="1602138" cy="1536585"/>
+          </a:xfrm>
+          <a:prstGeom prst="ellipse">
+            <a:avLst/>
+          </a:prstGeom>
+          <a:solidFill>
+            <a:schemeClr val="tx1"/>
+          </a:solidFill>
+          <a:ln>
+            <a:solidFill>
+              <a:schemeClr val="bg1"/>
+            </a:solidFill>
+          </a:ln>
+        </p:spPr>
+        <p:style>
+          <a:lnRef idx="2">
+            <a:schemeClr val="accent1">
+              <a:shade val="50000"/>
+            </a:schemeClr>
+          </a:lnRef>
+          <a:fillRef idx="1">
+            <a:schemeClr val="accent1"/>
+          </a:fillRef>
+          <a:effectRef idx="0">
+            <a:schemeClr val="accent1"/>
+          </a:effectRef>
+          <a:fontRef idx="minor">
+            <a:schemeClr val="lt1"/>
+          </a:fontRef>
+        </p:style>
+        <p:txBody>
+          <a:bodyPr rtlCol="0" anchor="ctr"/>
+          <a:lstStyle/>
+          <a:p>
+            <a:pPr algn="ctr"/>
+            <a:r>
+              <a:rPr lang="en-US" sz="1600" b="1" dirty="0" err="1"/>
+              <a:t>ExceptionHandler</a:t>
+            </a:r>
+            <a:r>
+              <a:rPr lang="en-US" sz="1600" b="1" dirty="0"/>
+              <a:t> Aspect</a:t>
+            </a:r>
+          </a:p>
+        </p:txBody>
+      </p:sp>
+      <p:sp>
+        <p:nvSpPr>
+          <p:cNvPr id="6" name="Oval 5">
+            <a:extLst>
+              <a:ext uri="{FF2B5EF4-FFF2-40B4-BE49-F238E27FC236}">
+                <a16:creationId xmlns:a16="http://schemas.microsoft.com/office/drawing/2014/main" id="{7F4FCC0E-5A9D-4984-A1C0-594C48631B84}"/>
+              </a:ext>
+            </a:extLst>
+          </p:cNvPr>
+          <p:cNvSpPr/>
+          <p:nvPr/>
+        </p:nvSpPr>
+        <p:spPr>
+          <a:xfrm>
+            <a:off x="4603157" y="3363986"/>
+            <a:ext cx="1602138" cy="1536585"/>
+          </a:xfrm>
+          <a:prstGeom prst="ellipse">
+            <a:avLst/>
+          </a:prstGeom>
+          <a:solidFill>
+            <a:schemeClr val="tx1"/>
+          </a:solidFill>
+          <a:ln>
+            <a:solidFill>
+              <a:schemeClr val="bg1"/>
+            </a:solidFill>
+          </a:ln>
+        </p:spPr>
+        <p:style>
+          <a:lnRef idx="2">
+            <a:schemeClr val="accent1">
+              <a:shade val="50000"/>
+            </a:schemeClr>
+          </a:lnRef>
+          <a:fillRef idx="1">
+            <a:schemeClr val="accent1"/>
+          </a:fillRef>
+          <a:effectRef idx="0">
+            <a:schemeClr val="accent1"/>
+          </a:effectRef>
+          <a:fontRef idx="minor">
+            <a:schemeClr val="lt1"/>
+          </a:fontRef>
+        </p:style>
+        <p:txBody>
+          <a:bodyPr rtlCol="0" anchor="ctr"/>
+          <a:lstStyle/>
+          <a:p>
+            <a:pPr algn="ctr"/>
+            <a:endParaRPr lang="en-US" sz="1600" b="1" dirty="0"/>
+          </a:p>
+        </p:txBody>
+      </p:sp>
+      <p:sp>
+        <p:nvSpPr>
+          <p:cNvPr id="7" name="Oval 6">
+            <a:extLst>
+              <a:ext uri="{FF2B5EF4-FFF2-40B4-BE49-F238E27FC236}">
+                <a16:creationId xmlns:a16="http://schemas.microsoft.com/office/drawing/2014/main" id="{E2B9C561-C78F-4056-AE7A-9CB3495FFDD1}"/>
+              </a:ext>
+            </a:extLst>
+          </p:cNvPr>
+          <p:cNvSpPr/>
+          <p:nvPr/>
+        </p:nvSpPr>
+        <p:spPr>
+          <a:xfrm>
+            <a:off x="7678201" y="3363985"/>
+            <a:ext cx="1602138" cy="1536585"/>
+          </a:xfrm>
+          <a:prstGeom prst="ellipse">
+            <a:avLst/>
+          </a:prstGeom>
+          <a:solidFill>
+            <a:schemeClr val="tx1"/>
+          </a:solidFill>
+          <a:ln>
+            <a:solidFill>
+              <a:schemeClr val="bg1"/>
+            </a:solidFill>
+          </a:ln>
+        </p:spPr>
+        <p:style>
+          <a:lnRef idx="2">
+            <a:schemeClr val="accent1">
+              <a:shade val="50000"/>
+            </a:schemeClr>
+          </a:lnRef>
+          <a:fillRef idx="1">
+            <a:schemeClr val="accent1"/>
+          </a:fillRef>
+          <a:effectRef idx="0">
+            <a:schemeClr val="accent1"/>
+          </a:effectRef>
+          <a:fontRef idx="minor">
+            <a:schemeClr val="lt1"/>
+          </a:fontRef>
+        </p:style>
+        <p:txBody>
+          <a:bodyPr rtlCol="0" anchor="ctr"/>
+          <a:lstStyle/>
+          <a:p>
+            <a:pPr algn="ctr"/>
+            <a:endParaRPr lang="en-US" sz="1600" b="1" dirty="0"/>
+          </a:p>
+        </p:txBody>
+      </p:sp>
+    </p:spTree>
+    <p:extLst>
+      <p:ext uri="{BB962C8B-B14F-4D97-AF65-F5344CB8AC3E}">
+        <p14:creationId xmlns:p14="http://schemas.microsoft.com/office/powerpoint/2010/main" val="3990422798"/>
+      </p:ext>
+    </p:extLst>
+  </p:cSld>
+  <p:clrMapOvr>
+    <a:masterClrMapping/>
+  </p:clrMapOvr>
+</p:sld>
+</file>
+
+<file path=ppt/slides/slide21.xml><?xml version="1.0" encoding="utf-8"?>
+<p:sld xmlns:a="http://schemas.openxmlformats.org/drawingml/2006/main" xmlns:r="http://schemas.openxmlformats.org/officeDocument/2006/relationships" xmlns:p="http://schemas.openxmlformats.org/presentationml/2006/main">
+  <p:cSld>
+    <p:spTree>
+      <p:nvGrpSpPr>
+        <p:cNvPr id="1" name=""/>
+        <p:cNvGrpSpPr/>
+        <p:nvPr/>
+      </p:nvGrpSpPr>
+      <p:grpSpPr>
+        <a:xfrm>
+          <a:off x="0" y="0"/>
+          <a:ext cx="0" cy="0"/>
+          <a:chOff x="0" y="0"/>
+          <a:chExt cx="0" cy="0"/>
+        </a:xfrm>
+      </p:grpSpPr>
+      <p:sp>
+        <p:nvSpPr>
+          <p:cNvPr id="4" name="Title 1">
+            <a:extLst>
+              <a:ext uri="{FF2B5EF4-FFF2-40B4-BE49-F238E27FC236}">
+                <a16:creationId xmlns:a16="http://schemas.microsoft.com/office/drawing/2014/main" id="{CAC17C8E-3677-4E33-AD1C-BB70137513FC}"/>
+              </a:ext>
+            </a:extLst>
+          </p:cNvPr>
+          <p:cNvSpPr>
+            <a:spLocks noGrp="1"/>
+          </p:cNvSpPr>
+          <p:nvPr>
+            <p:ph type="title"/>
+          </p:nvPr>
+        </p:nvSpPr>
+        <p:spPr>
+          <a:xfrm>
+            <a:off x="400594" y="86450"/>
+            <a:ext cx="10515600" cy="1325563"/>
+          </a:xfrm>
+        </p:spPr>
+        <p:txBody>
+          <a:bodyPr/>
+          <a:lstStyle/>
+          <a:p>
+            <a:r>
+              <a:rPr lang="en-US" b="1" dirty="0" err="1">
+                <a:latin typeface="+mn-lt"/>
+              </a:rPr>
+              <a:t>ExceptionHandlerAspect</a:t>
+            </a:r>
+            <a:endParaRPr lang="en-US" b="1" dirty="0">
+              <a:latin typeface="+mn-lt"/>
+            </a:endParaRPr>
+          </a:p>
+        </p:txBody>
+      </p:sp>
+      <p:sp>
+        <p:nvSpPr>
+          <p:cNvPr id="5" name="Content Placeholder 2">
+            <a:extLst>
+              <a:ext uri="{FF2B5EF4-FFF2-40B4-BE49-F238E27FC236}">
+                <a16:creationId xmlns:a16="http://schemas.microsoft.com/office/drawing/2014/main" id="{507F342C-C331-44DB-ACF0-C06FE2A5C3FB}"/>
+              </a:ext>
+            </a:extLst>
+          </p:cNvPr>
+          <p:cNvSpPr>
+            <a:spLocks noGrp="1"/>
+          </p:cNvSpPr>
+          <p:nvPr>
+            <p:ph idx="1"/>
+          </p:nvPr>
+        </p:nvSpPr>
+        <p:spPr>
+          <a:xfrm>
+            <a:off x="400594" y="1201783"/>
+            <a:ext cx="11495315" cy="5468983"/>
+          </a:xfrm>
+        </p:spPr>
+        <p:txBody>
+          <a:bodyPr>
+            <a:normAutofit/>
+          </a:bodyPr>
+          <a:lstStyle/>
+          <a:p>
+            <a:pPr>
+              <a:lnSpc>
+                <a:spcPct val="150000"/>
+              </a:lnSpc>
+            </a:pPr>
+            <a:endParaRPr lang="en-US" b="1" dirty="0"/>
+          </a:p>
+        </p:txBody>
+      </p:sp>
+    </p:spTree>
+    <p:extLst>
+      <p:ext uri="{BB962C8B-B14F-4D97-AF65-F5344CB8AC3E}">
+        <p14:creationId xmlns:p14="http://schemas.microsoft.com/office/powerpoint/2010/main" val="3599381813"/>
+      </p:ext>
+    </p:extLst>
+  </p:cSld>
+  <p:clrMapOvr>
+    <a:masterClrMapping/>
+  </p:clrMapOvr>
+</p:sld>
+</file>
+
+<file path=ppt/slides/slide22.xml><?xml version="1.0" encoding="utf-8"?>
+<p:sld xmlns:a="http://schemas.openxmlformats.org/drawingml/2006/main" xmlns:r="http://schemas.openxmlformats.org/officeDocument/2006/relationships" xmlns:p="http://schemas.openxmlformats.org/presentationml/2006/main">
+  <p:cSld>
+    <p:spTree>
+      <p:nvGrpSpPr>
+        <p:cNvPr id="1" name=""/>
+        <p:cNvGrpSpPr/>
+        <p:nvPr/>
+      </p:nvGrpSpPr>
+      <p:grpSpPr>
+        <a:xfrm>
+          <a:off x="0" y="0"/>
+          <a:ext cx="0" cy="0"/>
+          <a:chOff x="0" y="0"/>
+          <a:chExt cx="0" cy="0"/>
+        </a:xfrm>
+      </p:grpSpPr>
+      <p:sp>
+        <p:nvSpPr>
+          <p:cNvPr id="5" name="TextBox 4">
+            <a:extLst>
+              <a:ext uri="{FF2B5EF4-FFF2-40B4-BE49-F238E27FC236}">
+                <a16:creationId xmlns:a16="http://schemas.microsoft.com/office/drawing/2014/main" id="{0470CAB3-69C7-4708-B6B1-132C92342460}"/>
+              </a:ext>
+            </a:extLst>
+          </p:cNvPr>
+          <p:cNvSpPr txBox="1"/>
+          <p:nvPr/>
+        </p:nvSpPr>
+        <p:spPr>
+          <a:xfrm>
+            <a:off x="3263295" y="2334074"/>
+            <a:ext cx="5933477" cy="923330"/>
+          </a:xfrm>
+          <a:prstGeom prst="rect">
+            <a:avLst/>
+          </a:prstGeom>
+          <a:solidFill>
+            <a:schemeClr val="tx1"/>
+          </a:solidFill>
+          <a:ln>
+            <a:solidFill>
+              <a:schemeClr val="tx1"/>
+            </a:solidFill>
+          </a:ln>
+        </p:spPr>
+        <p:txBody>
+          <a:bodyPr wrap="square" rtlCol="0">
+            <a:spAutoFit/>
+          </a:bodyPr>
+          <a:lstStyle/>
+          <a:p>
+            <a:pPr algn="ctr"/>
+            <a:r>
+              <a:rPr lang="en-US" sz="5400" b="1" dirty="0">
+                <a:solidFill>
+                  <a:schemeClr val="bg1"/>
+                </a:solidFill>
+              </a:rPr>
+              <a:t>Testing the aspects</a:t>
+            </a:r>
+            <a:endParaRPr lang="en-US" sz="4800" b="1" dirty="0">
+              <a:solidFill>
+                <a:schemeClr val="bg1"/>
+              </a:solidFill>
+            </a:endParaRPr>
+          </a:p>
+        </p:txBody>
+      </p:sp>
+    </p:spTree>
+    <p:extLst>
+      <p:ext uri="{BB962C8B-B14F-4D97-AF65-F5344CB8AC3E}">
+        <p14:creationId xmlns:p14="http://schemas.microsoft.com/office/powerpoint/2010/main" val="2841633555"/>
+      </p:ext>
+    </p:extLst>
+  </p:cSld>
+  <p:clrMapOvr>
+    <a:masterClrMapping/>
+  </p:clrMapOvr>
+</p:sld>
+</file>
+
+<file path=ppt/slides/slide23.xml><?xml version="1.0" encoding="utf-8"?>
+<p:sld xmlns:a="http://schemas.openxmlformats.org/drawingml/2006/main" xmlns:r="http://schemas.openxmlformats.org/officeDocument/2006/relationships" xmlns:p="http://schemas.openxmlformats.org/presentationml/2006/main">
+  <p:cSld>
+    <p:spTree>
+      <p:nvGrpSpPr>
+        <p:cNvPr id="1" name=""/>
+        <p:cNvGrpSpPr/>
+        <p:nvPr/>
+      </p:nvGrpSpPr>
+      <p:grpSpPr>
+        <a:xfrm>
+          <a:off x="0" y="0"/>
+          <a:ext cx="0" cy="0"/>
+          <a:chOff x="0" y="0"/>
+          <a:chExt cx="0" cy="0"/>
+        </a:xfrm>
+      </p:grpSpPr>
+      <p:sp>
+        <p:nvSpPr>
+          <p:cNvPr id="4" name="Title 1">
+            <a:extLst>
+              <a:ext uri="{FF2B5EF4-FFF2-40B4-BE49-F238E27FC236}">
+                <a16:creationId xmlns:a16="http://schemas.microsoft.com/office/drawing/2014/main" id="{CAC17C8E-3677-4E33-AD1C-BB70137513FC}"/>
+              </a:ext>
+            </a:extLst>
+          </p:cNvPr>
+          <p:cNvSpPr>
+            <a:spLocks noGrp="1"/>
+          </p:cNvSpPr>
+          <p:nvPr>
+            <p:ph type="title"/>
+          </p:nvPr>
+        </p:nvSpPr>
+        <p:spPr>
+          <a:xfrm>
+            <a:off x="400594" y="86450"/>
+            <a:ext cx="10515600" cy="1325563"/>
+          </a:xfrm>
+        </p:spPr>
+        <p:txBody>
+          <a:bodyPr/>
+          <a:lstStyle/>
+          <a:p>
+            <a:r>
+              <a:rPr lang="en-US" b="1" dirty="0">
+                <a:highlight>
+                  <a:srgbClr val="FFFF00"/>
+                </a:highlight>
+                <a:latin typeface="+mn-lt"/>
+              </a:rPr>
+              <a:t>Testing our aspects – unit testing aspects?</a:t>
+            </a:r>
+          </a:p>
+        </p:txBody>
+      </p:sp>
+      <p:sp>
+        <p:nvSpPr>
+          <p:cNvPr id="5" name="Content Placeholder 2">
+            <a:extLst>
+              <a:ext uri="{FF2B5EF4-FFF2-40B4-BE49-F238E27FC236}">
+                <a16:creationId xmlns:a16="http://schemas.microsoft.com/office/drawing/2014/main" id="{507F342C-C331-44DB-ACF0-C06FE2A5C3FB}"/>
+              </a:ext>
+            </a:extLst>
+          </p:cNvPr>
+          <p:cNvSpPr>
+            <a:spLocks noGrp="1"/>
+          </p:cNvSpPr>
+          <p:nvPr>
+            <p:ph idx="1"/>
+          </p:nvPr>
+        </p:nvSpPr>
+        <p:spPr>
+          <a:xfrm>
+            <a:off x="400594" y="1201783"/>
+            <a:ext cx="11495315" cy="5468983"/>
+          </a:xfrm>
+        </p:spPr>
+        <p:txBody>
+          <a:bodyPr>
+            <a:normAutofit/>
+          </a:bodyPr>
+          <a:lstStyle/>
+          <a:p>
+            <a:pPr>
+              <a:lnSpc>
+                <a:spcPct val="150000"/>
+              </a:lnSpc>
+            </a:pPr>
+            <a:r>
+              <a:rPr lang="en-US" b="1" dirty="0"/>
+              <a:t>Logging Aspect – just by checking the written files. If have time &lt;write </a:t>
+            </a:r>
+            <a:r>
+              <a:rPr lang="en-US" b="1" dirty="0" err="1"/>
+              <a:t>uni</a:t>
+            </a:r>
+            <a:r>
+              <a:rPr lang="en-US" b="1" dirty="0"/>
+              <a:t> test to check file&gt;</a:t>
+            </a:r>
+          </a:p>
+        </p:txBody>
+      </p:sp>
+    </p:spTree>
+    <p:extLst>
+      <p:ext uri="{BB962C8B-B14F-4D97-AF65-F5344CB8AC3E}">
+        <p14:creationId xmlns:p14="http://schemas.microsoft.com/office/powerpoint/2010/main" val="3605706162"/>
+      </p:ext>
+    </p:extLst>
+  </p:cSld>
+  <p:clrMapOvr>
+    <a:masterClrMapping/>
+  </p:clrMapOvr>
+</p:sld>
+</file>
+
+<file path=ppt/slides/slide24.xml><?xml version="1.0" encoding="utf-8"?>
+<p:sld xmlns:a="http://schemas.openxmlformats.org/drawingml/2006/main" xmlns:r="http://schemas.openxmlformats.org/officeDocument/2006/relationships" xmlns:p="http://schemas.openxmlformats.org/presentationml/2006/main">
+  <p:cSld>
+    <p:spTree>
+      <p:nvGrpSpPr>
+        <p:cNvPr id="1" name=""/>
+        <p:cNvGrpSpPr/>
+        <p:nvPr/>
+      </p:nvGrpSpPr>
+      <p:grpSpPr>
+        <a:xfrm>
+          <a:off x="0" y="0"/>
+          <a:ext cx="0" cy="0"/>
+          <a:chOff x="0" y="0"/>
+          <a:chExt cx="0" cy="0"/>
+        </a:xfrm>
+      </p:grpSpPr>
+      <p:sp>
+        <p:nvSpPr>
+          <p:cNvPr id="4" name="Title 1">
+            <a:extLst>
+              <a:ext uri="{FF2B5EF4-FFF2-40B4-BE49-F238E27FC236}">
+                <a16:creationId xmlns:a16="http://schemas.microsoft.com/office/drawing/2014/main" id="{CAC17C8E-3677-4E33-AD1C-BB70137513FC}"/>
+              </a:ext>
+            </a:extLst>
+          </p:cNvPr>
+          <p:cNvSpPr>
+            <a:spLocks noGrp="1"/>
+          </p:cNvSpPr>
+          <p:nvPr>
+            <p:ph type="title"/>
+          </p:nvPr>
+        </p:nvSpPr>
+        <p:spPr>
+          <a:xfrm>
+            <a:off x="400594" y="86450"/>
+            <a:ext cx="10515600" cy="1325563"/>
+          </a:xfrm>
+        </p:spPr>
+        <p:txBody>
+          <a:bodyPr/>
+          <a:lstStyle/>
+          <a:p>
+            <a:r>
+              <a:rPr lang="en-US" b="1" dirty="0">
                 <a:highlight>
                   <a:srgbClr val="FFFF00"/>
                 </a:highlight>
@@ -5297,6 +6133,34 @@
             <a:normAutofit/>
           </a:bodyPr>
           <a:lstStyle/>
+          <a:p>
+            <a:pPr>
+              <a:lnSpc>
+                <a:spcPct val="150000"/>
+              </a:lnSpc>
+            </a:pPr>
+            <a:r>
+              <a:rPr lang="en-US" b="1" dirty="0" err="1"/>
+              <a:t>StartGame</a:t>
+            </a:r>
+            <a:r>
+              <a:rPr lang="en-US" b="1" dirty="0"/>
+              <a:t>/</a:t>
+            </a:r>
+            <a:r>
+              <a:rPr lang="en-US" b="1" dirty="0" err="1"/>
+              <a:t>EndGame</a:t>
+            </a:r>
+            <a:r>
+              <a:rPr lang="en-US" b="1" dirty="0"/>
+              <a:t> message to </a:t>
+            </a:r>
+            <a:r>
+              <a:rPr lang="en-US" b="1" dirty="0" err="1"/>
+              <a:t>stdout</a:t>
+            </a:r>
+            <a:endParaRPr lang="en-US" b="1" dirty="0"/>
+          </a:p>
           <a:p>
             <a:pPr>
               <a:lnSpc>
@@ -5742,7 +6606,7 @@
         </p:spPr>
         <p:txBody>
           <a:bodyPr>
-            <a:normAutofit fontScale="85000" lnSpcReduction="10000"/>
+            <a:normAutofit fontScale="85000" lnSpcReduction="20000"/>
           </a:bodyPr>
           <a:lstStyle/>
           <a:p>
@@ -5820,16 +6684,28 @@
               </a:lnSpc>
             </a:pPr>
             <a:r>
-              <a:rPr lang="en-US" b="1" dirty="0"/>
+              <a:rPr lang="en-US" b="1" dirty="0">
+                <a:highlight>
+                  <a:srgbClr val="FFFF00"/>
+                </a:highlight>
+              </a:rPr>
               <a:t>Lock aspect: locks some feature of the player - for </a:t>
             </a:r>
             <a:r>
-              <a:rPr lang="en-US" b="1" dirty="0" err="1"/>
+              <a:rPr lang="en-US" b="1" dirty="0" err="1">
+                <a:highlight>
+                  <a:srgbClr val="FFFF00"/>
+                </a:highlight>
+              </a:rPr>
               <a:t>e.g</a:t>
             </a:r>
             <a:r>
-              <a:rPr lang="en-US" b="1" dirty="0"/>
-              <a:t>: can’t shoot anymore. </a:t>
+              <a:rPr lang="en-US" b="1" dirty="0">
+                <a:highlight>
+                  <a:srgbClr val="FFFF00"/>
+                </a:highlight>
+              </a:rPr>
+              <a:t>: can’t shoot anymore.</a:t>
             </a:r>
           </a:p>
           <a:p>
@@ -5839,15 +6715,42 @@
               </a:lnSpc>
             </a:pPr>
             <a:r>
-              <a:rPr lang="en-US" b="1" dirty="0"/>
+              <a:rPr lang="en-US" b="1" dirty="0">
+                <a:highlight>
+                  <a:srgbClr val="00FF00"/>
+                </a:highlight>
+              </a:rPr>
+              <a:t>Password authorization mechanism – only authorized users can play the game (using password). </a:t>
+            </a:r>
+          </a:p>
+          <a:p>
+            <a:pPr lvl="1">
+              <a:lnSpc>
+                <a:spcPct val="150000"/>
+              </a:lnSpc>
+            </a:pPr>
+            <a:r>
+              <a:rPr lang="en-US" b="1" dirty="0">
+                <a:highlight>
+                  <a:srgbClr val="00FF00"/>
+                </a:highlight>
+              </a:rPr>
               <a:t>UI update aspect: each time some value is change (</a:t>
             </a:r>
             <a:r>
-              <a:rPr lang="en-US" b="1" dirty="0" err="1"/>
+              <a:rPr lang="en-US" b="1" dirty="0" err="1">
+                <a:highlight>
+                  <a:srgbClr val="00FF00"/>
+                </a:highlight>
+              </a:rPr>
               <a:t>e.g</a:t>
             </a:r>
             <a:r>
-              <a:rPr lang="en-US" b="1" dirty="0"/>
+              <a:rPr lang="en-US" b="1" dirty="0">
+                <a:highlight>
+                  <a:srgbClr val="00FF00"/>
+                </a:highlight>
+              </a:rPr>
               <a:t>: asteroid is hit) - we display it on screen. </a:t>
             </a:r>
           </a:p>
@@ -5873,7 +6776,11 @@
               </a:lnSpc>
             </a:pPr>
             <a:r>
-              <a:rPr lang="en-US" b="1" dirty="0"/>
+              <a:rPr lang="en-US" b="1" dirty="0">
+                <a:highlight>
+                  <a:srgbClr val="800080"/>
+                </a:highlight>
+              </a:rPr>
               <a:t>Heuristic aspect: changes heuristic of the game (change from drunk player to smart player). </a:t>
             </a:r>
           </a:p>
@@ -5884,16 +6791,20 @@
               </a:lnSpc>
             </a:pPr>
             <a:r>
-              <a:rPr lang="en-US" b="1" dirty="0"/>
-              <a:t>Asteroids creator aspect: creates objects each time we have annotation of @</a:t>
-            </a:r>
-            <a:r>
-              <a:rPr lang="en-US" b="1" dirty="0" err="1"/>
-              <a:t>AsteroidEntity</a:t>
-            </a:r>
-            <a:r>
-              <a:rPr lang="en-US" b="1" dirty="0"/>
-              <a:t> </a:t>
+              <a:rPr lang="en-US" b="1" dirty="0" err="1">
+                <a:highlight>
+                  <a:srgbClr val="FFFF00"/>
+                </a:highlight>
+              </a:rPr>
+              <a:t>ExceptionHandler</a:t>
+            </a:r>
+            <a:r>
+              <a:rPr lang="en-US" b="1" dirty="0">
+                <a:highlight>
+                  <a:srgbClr val="FFFF00"/>
+                </a:highlight>
+              </a:rPr>
+              <a:t> Aspect – Monitors exceptions and handles unhandled exceptions.</a:t>
             </a:r>
           </a:p>
           <a:p>
@@ -5903,12 +6814,28 @@
               </a:lnSpc>
             </a:pPr>
             <a:r>
-              <a:rPr lang="en-US" b="1" dirty="0" err="1"/>
-              <a:t>ExceptionHandler</a:t>
-            </a:r>
-            <a:r>
-              <a:rPr lang="en-US" b="1" dirty="0"/>
-              <a:t> Aspect – Monitors exceptions and handles unhandled exceptions.</a:t>
+              <a:rPr lang="en-US" b="1" dirty="0">
+                <a:highlight>
+                  <a:srgbClr val="FFFF00"/>
+                </a:highlight>
+              </a:rPr>
+              <a:t>Testing aspect – </a:t>
+            </a:r>
+            <a:r>
+              <a:rPr lang="en-US" b="1" dirty="0" err="1">
+                <a:highlight>
+                  <a:srgbClr val="FFFF00"/>
+                </a:highlight>
+              </a:rPr>
+              <a:t>unitests</a:t>
+            </a:r>
+            <a:r>
+              <a:rPr lang="en-US" b="1" dirty="0">
+                <a:highlight>
+                  <a:srgbClr val="FFFF00"/>
+                </a:highlight>
+              </a:rPr>
+              <a:t>……..?</a:t>
             </a:r>
           </a:p>
         </p:txBody>
@@ -6210,6 +7137,26 @@
               </a:lnSpc>
               <a:buNone/>
             </a:pPr>
+            <a:r>
+              <a:rPr lang="en-US" b="1" i="1" dirty="0"/>
+              <a:t>Usage of annotations </a:t>
+            </a:r>
+            <a:r>
+              <a:rPr lang="en-US" b="1" i="1" dirty="0">
+                <a:highlight>
+                  <a:srgbClr val="FFFF00"/>
+                </a:highlight>
+              </a:rPr>
+              <a:t>TODO</a:t>
+            </a:r>
+          </a:p>
+          <a:p>
+            <a:pPr marL="0" indent="0">
+              <a:lnSpc>
+                <a:spcPct val="150000"/>
+              </a:lnSpc>
+              <a:buNone/>
+            </a:pPr>
             <a:endParaRPr lang="en-US" b="1" dirty="0">
               <a:solidFill>
                 <a:srgbClr val="FF0000"/>
@@ -6232,7 +7179,7 @@
         </p:nvSpPr>
         <p:spPr>
           <a:xfrm>
-            <a:off x="3090264" y="3363986"/>
+            <a:off x="3316766" y="3494015"/>
             <a:ext cx="1602138" cy="1536585"/>
           </a:xfrm>
           <a:prstGeom prst="ellipse">
@@ -6296,7 +7243,7 @@
         </p:nvSpPr>
         <p:spPr>
           <a:xfrm>
-            <a:off x="6037676" y="3363986"/>
+            <a:off x="6264178" y="3494015"/>
             <a:ext cx="1602138" cy="1536585"/>
           </a:xfrm>
           <a:prstGeom prst="ellipse">

--- a/src/Final Project Presentation.pptx
+++ b/src/Final Project Presentation.pptx
@@ -13,22 +13,24 @@
     <p:sldId id="261" r:id="rId7"/>
     <p:sldId id="274" r:id="rId8"/>
     <p:sldId id="265" r:id="rId9"/>
-    <p:sldId id="267" r:id="rId10"/>
-    <p:sldId id="270" r:id="rId11"/>
-    <p:sldId id="272" r:id="rId12"/>
-    <p:sldId id="266" r:id="rId13"/>
-    <p:sldId id="262" r:id="rId14"/>
-    <p:sldId id="275" r:id="rId15"/>
-    <p:sldId id="280" r:id="rId16"/>
-    <p:sldId id="279" r:id="rId17"/>
-    <p:sldId id="281" r:id="rId18"/>
-    <p:sldId id="282" r:id="rId19"/>
-    <p:sldId id="276" r:id="rId20"/>
-    <p:sldId id="278" r:id="rId21"/>
-    <p:sldId id="277" r:id="rId22"/>
-    <p:sldId id="263" r:id="rId23"/>
-    <p:sldId id="264" r:id="rId24"/>
-    <p:sldId id="273" r:id="rId25"/>
+    <p:sldId id="272" r:id="rId10"/>
+    <p:sldId id="267" r:id="rId11"/>
+    <p:sldId id="270" r:id="rId12"/>
+    <p:sldId id="283" r:id="rId13"/>
+    <p:sldId id="266" r:id="rId14"/>
+    <p:sldId id="262" r:id="rId15"/>
+    <p:sldId id="275" r:id="rId16"/>
+    <p:sldId id="280" r:id="rId17"/>
+    <p:sldId id="279" r:id="rId18"/>
+    <p:sldId id="281" r:id="rId19"/>
+    <p:sldId id="282" r:id="rId20"/>
+    <p:sldId id="276" r:id="rId21"/>
+    <p:sldId id="278" r:id="rId22"/>
+    <p:sldId id="277" r:id="rId23"/>
+    <p:sldId id="284" r:id="rId24"/>
+    <p:sldId id="263" r:id="rId25"/>
+    <p:sldId id="264" r:id="rId26"/>
+    <p:sldId id="273" r:id="rId27"/>
   </p:sldIdLst>
   <p:sldSz cx="12192000" cy="6858000"/>
   <p:notesSz cx="6858000" cy="9144000"/>
@@ -282,7 +284,7 @@
           <a:p>
             <a:fld id="{2D0B15E7-0F5E-4AF9-8FAD-4329F98176F1}" type="datetimeFigureOut">
               <a:rPr lang="en-US" smtClean="0"/>
-              <a:t>6/7/2019</a:t>
+              <a:t>6/8/2019</a:t>
             </a:fld>
             <a:endParaRPr lang="en-US"/>
           </a:p>
@@ -480,7 +482,7 @@
           <a:p>
             <a:fld id="{2D0B15E7-0F5E-4AF9-8FAD-4329F98176F1}" type="datetimeFigureOut">
               <a:rPr lang="en-US" smtClean="0"/>
-              <a:t>6/7/2019</a:t>
+              <a:t>6/8/2019</a:t>
             </a:fld>
             <a:endParaRPr lang="en-US"/>
           </a:p>
@@ -688,7 +690,7 @@
           <a:p>
             <a:fld id="{2D0B15E7-0F5E-4AF9-8FAD-4329F98176F1}" type="datetimeFigureOut">
               <a:rPr lang="en-US" smtClean="0"/>
-              <a:t>6/7/2019</a:t>
+              <a:t>6/8/2019</a:t>
             </a:fld>
             <a:endParaRPr lang="en-US"/>
           </a:p>
@@ -886,7 +888,7 @@
           <a:p>
             <a:fld id="{2D0B15E7-0F5E-4AF9-8FAD-4329F98176F1}" type="datetimeFigureOut">
               <a:rPr lang="en-US" smtClean="0"/>
-              <a:t>6/7/2019</a:t>
+              <a:t>6/8/2019</a:t>
             </a:fld>
             <a:endParaRPr lang="en-US"/>
           </a:p>
@@ -1161,7 +1163,7 @@
           <a:p>
             <a:fld id="{2D0B15E7-0F5E-4AF9-8FAD-4329F98176F1}" type="datetimeFigureOut">
               <a:rPr lang="en-US" smtClean="0"/>
-              <a:t>6/7/2019</a:t>
+              <a:t>6/8/2019</a:t>
             </a:fld>
             <a:endParaRPr lang="en-US"/>
           </a:p>
@@ -1426,7 +1428,7 @@
           <a:p>
             <a:fld id="{2D0B15E7-0F5E-4AF9-8FAD-4329F98176F1}" type="datetimeFigureOut">
               <a:rPr lang="en-US" smtClean="0"/>
-              <a:t>6/7/2019</a:t>
+              <a:t>6/8/2019</a:t>
             </a:fld>
             <a:endParaRPr lang="en-US"/>
           </a:p>
@@ -1838,7 +1840,7 @@
           <a:p>
             <a:fld id="{2D0B15E7-0F5E-4AF9-8FAD-4329F98176F1}" type="datetimeFigureOut">
               <a:rPr lang="en-US" smtClean="0"/>
-              <a:t>6/7/2019</a:t>
+              <a:t>6/8/2019</a:t>
             </a:fld>
             <a:endParaRPr lang="en-US"/>
           </a:p>
@@ -1979,7 +1981,7 @@
           <a:p>
             <a:fld id="{2D0B15E7-0F5E-4AF9-8FAD-4329F98176F1}" type="datetimeFigureOut">
               <a:rPr lang="en-US" smtClean="0"/>
-              <a:t>6/7/2019</a:t>
+              <a:t>6/8/2019</a:t>
             </a:fld>
             <a:endParaRPr lang="en-US"/>
           </a:p>
@@ -2092,7 +2094,7 @@
           <a:p>
             <a:fld id="{2D0B15E7-0F5E-4AF9-8FAD-4329F98176F1}" type="datetimeFigureOut">
               <a:rPr lang="en-US" smtClean="0"/>
-              <a:t>6/7/2019</a:t>
+              <a:t>6/8/2019</a:t>
             </a:fld>
             <a:endParaRPr lang="en-US"/>
           </a:p>
@@ -2403,7 +2405,7 @@
           <a:p>
             <a:fld id="{2D0B15E7-0F5E-4AF9-8FAD-4329F98176F1}" type="datetimeFigureOut">
               <a:rPr lang="en-US" smtClean="0"/>
-              <a:t>6/7/2019</a:t>
+              <a:t>6/8/2019</a:t>
             </a:fld>
             <a:endParaRPr lang="en-US"/>
           </a:p>
@@ -2691,7 +2693,7 @@
           <a:p>
             <a:fld id="{2D0B15E7-0F5E-4AF9-8FAD-4329F98176F1}" type="datetimeFigureOut">
               <a:rPr lang="en-US" smtClean="0"/>
-              <a:t>6/7/2019</a:t>
+              <a:t>6/8/2019</a:t>
             </a:fld>
             <a:endParaRPr lang="en-US"/>
           </a:p>
@@ -2932,7 +2934,7 @@
           <a:p>
             <a:fld id="{2D0B15E7-0F5E-4AF9-8FAD-4329F98176F1}" type="datetimeFigureOut">
               <a:rPr lang="en-US" smtClean="0"/>
-              <a:t>6/7/2019</a:t>
+              <a:t>6/8/2019</a:t>
             </a:fld>
             <a:endParaRPr lang="en-US"/>
           </a:p>
@@ -3612,17 +3614,163 @@
               <a:rPr lang="en-US" b="1" dirty="0">
                 <a:latin typeface="+mn-lt"/>
               </a:rPr>
-              <a:t>Log4j2 config file</a:t>
-            </a:r>
+              <a:t>Log4j2</a:t>
+            </a:r>
+          </a:p>
+        </p:txBody>
+      </p:sp>
+      <p:sp>
+        <p:nvSpPr>
+          <p:cNvPr id="5" name="Content Placeholder 2">
+            <a:extLst>
+              <a:ext uri="{FF2B5EF4-FFF2-40B4-BE49-F238E27FC236}">
+                <a16:creationId xmlns:a16="http://schemas.microsoft.com/office/drawing/2014/main" id="{507F342C-C331-44DB-ACF0-C06FE2A5C3FB}"/>
+              </a:ext>
+            </a:extLst>
+          </p:cNvPr>
+          <p:cNvSpPr>
+            <a:spLocks noGrp="1"/>
+          </p:cNvSpPr>
+          <p:nvPr>
+            <p:ph idx="1"/>
+          </p:nvPr>
+        </p:nvSpPr>
+        <p:spPr>
+          <a:xfrm>
+            <a:off x="400594" y="1201783"/>
+            <a:ext cx="11495315" cy="5468983"/>
+          </a:xfrm>
+        </p:spPr>
+        <p:txBody>
+          <a:bodyPr>
+            <a:normAutofit/>
+          </a:bodyPr>
+          <a:lstStyle/>
+          <a:p>
+            <a:pPr>
+              <a:lnSpc>
+                <a:spcPct val="150000"/>
+              </a:lnSpc>
+            </a:pPr>
+            <a:r>
+              <a:rPr lang="en-US" b="1" dirty="0"/>
+              <a:t>Apache license (</a:t>
+            </a:r>
+            <a:r>
+              <a:rPr lang="en-US" b="1" dirty="0">
+                <a:solidFill>
+                  <a:srgbClr val="FF0000"/>
+                </a:solidFill>
+              </a:rPr>
+              <a:t>open source</a:t>
+            </a:r>
+            <a:r>
+              <a:rPr lang="en-US" b="1" dirty="0"/>
+              <a:t>) software, since 2001.</a:t>
+            </a:r>
+          </a:p>
+          <a:p>
+            <a:pPr>
+              <a:lnSpc>
+                <a:spcPct val="150000"/>
+              </a:lnSpc>
+            </a:pPr>
+            <a:r>
+              <a:rPr lang="en-US" b="1" dirty="0"/>
+              <a:t>Most common logging framework in the java world.</a:t>
+            </a:r>
+          </a:p>
+          <a:p>
+            <a:pPr>
+              <a:lnSpc>
+                <a:spcPct val="150000"/>
+              </a:lnSpc>
+            </a:pPr>
+            <a:r>
+              <a:rPr lang="en-US" b="1" dirty="0">
+                <a:solidFill>
+                  <a:srgbClr val="FF0000"/>
+                </a:solidFill>
+              </a:rPr>
+              <a:t>Logging levels: </a:t>
+            </a:r>
+          </a:p>
+          <a:p>
+            <a:pPr lvl="1">
+              <a:lnSpc>
+                <a:spcPct val="150000"/>
+              </a:lnSpc>
+            </a:pPr>
+            <a:r>
+              <a:rPr lang="en-US" b="1" dirty="0"/>
+              <a:t>DEBUG, INFO, ERROR</a:t>
+            </a:r>
+          </a:p>
+          <a:p>
+            <a:pPr>
+              <a:lnSpc>
+                <a:spcPct val="150000"/>
+              </a:lnSpc>
+            </a:pPr>
+            <a:r>
+              <a:rPr lang="en-US" b="1" dirty="0"/>
+              <a:t>Configure by.xml – </a:t>
+            </a:r>
+            <a:r>
+              <a:rPr lang="en-US" b="1" dirty="0">
+                <a:solidFill>
+                  <a:srgbClr val="FF0000"/>
+                </a:solidFill>
+              </a:rPr>
+              <a:t>separated from app</a:t>
+            </a:r>
+          </a:p>
+          <a:p>
+            <a:pPr>
+              <a:lnSpc>
+                <a:spcPct val="150000"/>
+              </a:lnSpc>
+            </a:pPr>
+            <a:r>
+              <a:rPr lang="en-US" b="1" dirty="0"/>
+              <a:t>Can change </a:t>
+            </a:r>
+            <a:r>
+              <a:rPr lang="en-US" b="1" dirty="0">
+                <a:solidFill>
+                  <a:srgbClr val="FF0000"/>
+                </a:solidFill>
+              </a:rPr>
+              <a:t>logging level on RUNTIME!!</a:t>
+            </a:r>
+          </a:p>
+          <a:p>
+            <a:pPr>
+              <a:lnSpc>
+                <a:spcPct val="150000"/>
+              </a:lnSpc>
+            </a:pPr>
+            <a:r>
+              <a:rPr lang="en-US" b="1" dirty="0"/>
+              <a:t>We logged in a synchronous way</a:t>
+            </a:r>
+          </a:p>
+          <a:p>
+            <a:pPr>
+              <a:lnSpc>
+                <a:spcPct val="150000"/>
+              </a:lnSpc>
+            </a:pPr>
+            <a:endParaRPr lang="en-US" b="1" dirty="0"/>
           </a:p>
         </p:txBody>
       </p:sp>
       <p:pic>
         <p:nvPicPr>
-          <p:cNvPr id="2" name="Picture 1">
-            <a:extLst>
-              <a:ext uri="{FF2B5EF4-FFF2-40B4-BE49-F238E27FC236}">
-                <a16:creationId xmlns:a16="http://schemas.microsoft.com/office/drawing/2014/main" id="{21495854-2231-451D-8BDB-968E0C1EC822}"/>
+          <p:cNvPr id="7" name="Picture 6">
+            <a:extLst>
+              <a:ext uri="{FF2B5EF4-FFF2-40B4-BE49-F238E27FC236}">
+                <a16:creationId xmlns:a16="http://schemas.microsoft.com/office/drawing/2014/main" id="{3CF4ECF0-0AA1-4D2D-A86D-30DE49CA9F54}"/>
               </a:ext>
             </a:extLst>
           </p:cNvPr>
@@ -3639,18 +3787,28 @@
         </p:blipFill>
         <p:spPr>
           <a:xfrm>
-            <a:off x="2755172" y="1676138"/>
-            <a:ext cx="7067550" cy="3790950"/>
+            <a:off x="6685492" y="2917030"/>
+            <a:ext cx="5359274" cy="3632625"/>
           </a:xfrm>
           <a:prstGeom prst="rect">
             <a:avLst/>
           </a:prstGeom>
+          <a:ln>
+            <a:noFill/>
+          </a:ln>
+          <a:effectLst>
+            <a:outerShdw blurRad="292100" dist="139700" dir="2700000" algn="tl" rotWithShape="0">
+              <a:srgbClr val="333333">
+                <a:alpha val="65000"/>
+              </a:srgbClr>
+            </a:outerShdw>
+          </a:effectLst>
         </p:spPr>
       </p:pic>
     </p:spTree>
     <p:extLst>
       <p:ext uri="{BB962C8B-B14F-4D97-AF65-F5344CB8AC3E}">
-        <p14:creationId xmlns:p14="http://schemas.microsoft.com/office/powerpoint/2010/main" val="1215285995"/>
+        <p14:creationId xmlns:p14="http://schemas.microsoft.com/office/powerpoint/2010/main" val="3459207760"/>
       </p:ext>
     </p:extLst>
   </p:cSld>
@@ -3707,137 +3865,45 @@
               <a:rPr lang="en-US" b="1" dirty="0">
                 <a:latin typeface="+mn-lt"/>
               </a:rPr>
-              <a:t>Game Logging Aspect:</a:t>
-            </a:r>
-          </a:p>
-        </p:txBody>
-      </p:sp>
-      <p:sp>
-        <p:nvSpPr>
-          <p:cNvPr id="5" name="Content Placeholder 2">
-            <a:extLst>
-              <a:ext uri="{FF2B5EF4-FFF2-40B4-BE49-F238E27FC236}">
-                <a16:creationId xmlns:a16="http://schemas.microsoft.com/office/drawing/2014/main" id="{507F342C-C331-44DB-ACF0-C06FE2A5C3FB}"/>
-              </a:ext>
-            </a:extLst>
-          </p:cNvPr>
-          <p:cNvSpPr>
-            <a:spLocks noGrp="1"/>
-          </p:cNvSpPr>
-          <p:nvPr>
-            <p:ph idx="1"/>
-          </p:nvPr>
-        </p:nvSpPr>
+              <a:t>Log4j2 config file</a:t>
+            </a:r>
+          </a:p>
+        </p:txBody>
+      </p:sp>
+      <p:pic>
+        <p:nvPicPr>
+          <p:cNvPr id="2" name="Picture 1">
+            <a:extLst>
+              <a:ext uri="{FF2B5EF4-FFF2-40B4-BE49-F238E27FC236}">
+                <a16:creationId xmlns:a16="http://schemas.microsoft.com/office/drawing/2014/main" id="{21495854-2231-451D-8BDB-968E0C1EC822}"/>
+              </a:ext>
+            </a:extLst>
+          </p:cNvPr>
+          <p:cNvPicPr>
+            <a:picLocks noChangeAspect="1"/>
+          </p:cNvPicPr>
+          <p:nvPr/>
+        </p:nvPicPr>
+        <p:blipFill>
+          <a:blip r:embed="rId2"/>
+          <a:stretch>
+            <a:fillRect/>
+          </a:stretch>
+        </p:blipFill>
         <p:spPr>
           <a:xfrm>
-            <a:off x="218114" y="1201783"/>
-            <a:ext cx="11677795" cy="5468983"/>
-          </a:xfrm>
-        </p:spPr>
-        <p:txBody>
-          <a:bodyPr>
-            <a:normAutofit/>
-          </a:bodyPr>
-          <a:lstStyle/>
-          <a:p>
-            <a:pPr marL="0" indent="0">
-              <a:lnSpc>
-                <a:spcPct val="150000"/>
-              </a:lnSpc>
-              <a:buNone/>
-            </a:pPr>
-            <a:r>
-              <a:rPr lang="en-US" b="1" i="1" dirty="0"/>
-              <a:t>Instead of scattering the use of logger object (logger.log(type, </a:t>
-            </a:r>
-            <a:r>
-              <a:rPr lang="en-US" b="1" i="1" dirty="0" err="1"/>
-              <a:t>msg</a:t>
-            </a:r>
-            <a:r>
-              <a:rPr lang="en-US" b="1" i="1" dirty="0"/>
-              <a:t>)) in all of our program, we use an aspect to control logging.</a:t>
-            </a:r>
-          </a:p>
-          <a:p>
-            <a:pPr>
-              <a:lnSpc>
-                <a:spcPct val="150000"/>
-              </a:lnSpc>
-            </a:pPr>
-            <a:r>
-              <a:rPr lang="en-US" b="1" dirty="0">
-                <a:solidFill>
-                  <a:srgbClr val="FF0000"/>
-                </a:solidFill>
-              </a:rPr>
-              <a:t>Pointcut: </a:t>
-            </a:r>
-          </a:p>
-          <a:p>
-            <a:pPr lvl="1">
-              <a:lnSpc>
-                <a:spcPct val="150000"/>
-              </a:lnSpc>
-            </a:pPr>
-            <a:r>
-              <a:rPr lang="en-US" b="1" u="sng" dirty="0"/>
-              <a:t>Game analysis - </a:t>
-            </a:r>
-            <a:r>
-              <a:rPr lang="en-US" b="1" dirty="0"/>
-              <a:t> total time game took, total shoots made, total collisions.</a:t>
-            </a:r>
-            <a:endParaRPr lang="en-US" b="1" u="sng" dirty="0"/>
-          </a:p>
-          <a:p>
-            <a:pPr lvl="1">
-              <a:lnSpc>
-                <a:spcPct val="150000"/>
-              </a:lnSpc>
-            </a:pPr>
-            <a:r>
-              <a:rPr lang="en-US" b="1" u="sng" dirty="0"/>
-              <a:t>Main game events </a:t>
-            </a:r>
-            <a:r>
-              <a:rPr lang="en-US" b="1" dirty="0"/>
-              <a:t>– use custom annotation - @</a:t>
-            </a:r>
-            <a:r>
-              <a:rPr lang="en-US" b="1" dirty="0" err="1"/>
-              <a:t>Loggable</a:t>
-            </a:r>
-            <a:r>
-              <a:rPr lang="en-US" b="1" dirty="0"/>
-              <a:t> annotation to use in methods that do not conform with wildcard pattern. Log them to file and print to STDOUT to inform player.</a:t>
-            </a:r>
-          </a:p>
-          <a:p>
-            <a:pPr>
-              <a:lnSpc>
-                <a:spcPct val="150000"/>
-              </a:lnSpc>
-            </a:pPr>
-            <a:r>
-              <a:rPr lang="en-US" b="1" dirty="0">
-                <a:solidFill>
-                  <a:srgbClr val="FF0000"/>
-                </a:solidFill>
-              </a:rPr>
-              <a:t>Advice: </a:t>
-            </a:r>
-            <a:r>
-              <a:rPr lang="en-US" b="1" dirty="0"/>
-              <a:t>Log code into logs/app.log file depends on annotation in runtime.</a:t>
-            </a:r>
-          </a:p>
-        </p:txBody>
-      </p:sp>
+            <a:off x="2755172" y="1676138"/>
+            <a:ext cx="7067550" cy="3790950"/>
+          </a:xfrm>
+          <a:prstGeom prst="rect">
+            <a:avLst/>
+          </a:prstGeom>
+        </p:spPr>
+      </p:pic>
     </p:spTree>
     <p:extLst>
       <p:ext uri="{BB962C8B-B14F-4D97-AF65-F5344CB8AC3E}">
-        <p14:creationId xmlns:p14="http://schemas.microsoft.com/office/powerpoint/2010/main" val="1180477055"/>
+        <p14:creationId xmlns:p14="http://schemas.microsoft.com/office/powerpoint/2010/main" val="1215285995"/>
       </p:ext>
     </p:extLst>
   </p:cSld>
@@ -3894,17 +3960,8 @@
               <a:rPr lang="en-US" b="1" dirty="0">
                 <a:latin typeface="+mn-lt"/>
               </a:rPr>
-              <a:t>@</a:t>
-            </a:r>
-            <a:r>
-              <a:rPr lang="en-US" b="1" dirty="0" err="1">
-                <a:latin typeface="+mn-lt"/>
-              </a:rPr>
-              <a:t>Loggable</a:t>
-            </a:r>
-            <a:endParaRPr lang="en-US" b="1" dirty="0">
-              <a:latin typeface="+mn-lt"/>
-            </a:endParaRPr>
+              <a:t>Game Logging Aspect:</a:t>
+            </a:r>
           </a:p>
         </p:txBody>
       </p:sp>
@@ -3926,8 +3983,8 @@
         </p:nvSpPr>
         <p:spPr>
           <a:xfrm>
-            <a:off x="400594" y="1201783"/>
-            <a:ext cx="6855883" cy="5468983"/>
+            <a:off x="218114" y="1201783"/>
+            <a:ext cx="11677795" cy="5468983"/>
           </a:xfrm>
         </p:spPr>
         <p:txBody>
@@ -3935,44 +3992,6 @@
             <a:normAutofit/>
           </a:bodyPr>
           <a:lstStyle/>
-          <a:p>
-            <a:pPr>
-              <a:lnSpc>
-                <a:spcPct val="150000"/>
-              </a:lnSpc>
-            </a:pPr>
-            <a:r>
-              <a:rPr lang="en-US" b="1" dirty="0"/>
-              <a:t>Custom made annotation</a:t>
-            </a:r>
-          </a:p>
-          <a:p>
-            <a:pPr>
-              <a:lnSpc>
-                <a:spcPct val="150000"/>
-              </a:lnSpc>
-            </a:pPr>
-            <a:r>
-              <a:rPr lang="en-US" b="1" dirty="0"/>
-              <a:t>Programmer marks method with @</a:t>
-            </a:r>
-            <a:r>
-              <a:rPr lang="en-US" b="1" dirty="0" err="1"/>
-              <a:t>Loggable</a:t>
-            </a:r>
-            <a:r>
-              <a:rPr lang="en-US" b="1" dirty="0"/>
-              <a:t> annotation AND it </a:t>
-            </a:r>
-            <a:r>
-              <a:rPr lang="en-US" b="1" dirty="0" err="1"/>
-              <a:t>typeLevel</a:t>
-            </a:r>
-            <a:r>
-              <a:rPr lang="en-US" b="1" dirty="0"/>
-              <a:t>!</a:t>
-            </a:r>
-          </a:p>
           <a:p>
             <a:pPr>
               <a:lnSpc>
@@ -3985,19 +4004,46 @@
                   <a:srgbClr val="FF0000"/>
                 </a:solidFill>
               </a:rPr>
-              <a:t>Retention</a:t>
+              <a:t>Pointcut: </a:t>
+            </a:r>
+          </a:p>
+          <a:p>
+            <a:pPr lvl="1">
+              <a:lnSpc>
+                <a:spcPct val="150000"/>
+              </a:lnSpc>
+            </a:pPr>
+            <a:r>
+              <a:rPr lang="en-US" b="1" u="sng" dirty="0"/>
+              <a:t>Game analysis - </a:t>
             </a:r>
             <a:r>
               <a:rPr lang="en-US" b="1" dirty="0"/>
-              <a:t>: Source/Runtime </a:t>
-            </a:r>
-            <a:r>
-              <a:rPr lang="en-US" i="1" dirty="0"/>
-              <a:t>– not-</a:t>
-            </a:r>
-            <a:r>
-              <a:rPr lang="en-US" dirty="0"/>
-              <a:t>visible/visible by the compiler.</a:t>
+              <a:t> total time game took, total shoots made, total collisions.</a:t>
+            </a:r>
+            <a:endParaRPr lang="en-US" b="1" u="sng" dirty="0"/>
+          </a:p>
+          <a:p>
+            <a:pPr lvl="1">
+              <a:lnSpc>
+                <a:spcPct val="150000"/>
+              </a:lnSpc>
+            </a:pPr>
+            <a:r>
+              <a:rPr lang="en-US" b="1" u="sng" dirty="0"/>
+              <a:t>Main game events </a:t>
+            </a:r>
+            <a:r>
+              <a:rPr lang="en-US" b="1" dirty="0"/>
+              <a:t>– use custom annotation - @</a:t>
+            </a:r>
+            <a:r>
+              <a:rPr lang="en-US" b="1" dirty="0" err="1"/>
+              <a:t>Loggable</a:t>
+            </a:r>
+            <a:r>
+              <a:rPr lang="en-US" b="1" dirty="0"/>
+              <a:t> annotation to use in methods that do not conform with wildcard pattern. Log them to file and print to STDOUT to inform player.</a:t>
             </a:r>
           </a:p>
           <a:p>
@@ -4012,57 +4058,19 @@
                   <a:srgbClr val="FF0000"/>
                 </a:solidFill>
               </a:rPr>
-              <a:t>Target</a:t>
+              <a:t>Advice: </a:t>
             </a:r>
             <a:r>
               <a:rPr lang="en-US" b="1" dirty="0"/>
-              <a:t>: Method – use this </a:t>
-            </a:r>
-            <a:r>
-              <a:rPr lang="en-US" b="1" dirty="0" err="1"/>
-              <a:t>annot</a:t>
-            </a:r>
-            <a:r>
-              <a:rPr lang="en-US" b="1" dirty="0"/>
-              <a:t> only on methods.</a:t>
-            </a:r>
-          </a:p>
-        </p:txBody>
-      </p:sp>
-      <p:pic>
-        <p:nvPicPr>
-          <p:cNvPr id="7" name="Picture 6">
-            <a:extLst>
-              <a:ext uri="{FF2B5EF4-FFF2-40B4-BE49-F238E27FC236}">
-                <a16:creationId xmlns:a16="http://schemas.microsoft.com/office/drawing/2014/main" id="{14AECD1B-51AE-47AB-819E-3AEFF061E6C0}"/>
-              </a:ext>
-            </a:extLst>
-          </p:cNvPr>
-          <p:cNvPicPr>
-            <a:picLocks noChangeAspect="1"/>
-          </p:cNvPicPr>
-          <p:nvPr/>
-        </p:nvPicPr>
-        <p:blipFill>
-          <a:blip r:embed="rId2"/>
-          <a:stretch>
-            <a:fillRect/>
-          </a:stretch>
-        </p:blipFill>
-        <p:spPr>
-          <a:xfrm>
-            <a:off x="7121540" y="900232"/>
-            <a:ext cx="4459898" cy="1876523"/>
-          </a:xfrm>
-          <a:prstGeom prst="rect">
-            <a:avLst/>
-          </a:prstGeom>
-        </p:spPr>
-      </p:pic>
+              <a:t>Log code into logs/app.log file depends on annotation in runtime.</a:t>
+            </a:r>
+          </a:p>
+        </p:txBody>
+      </p:sp>
     </p:spTree>
     <p:extLst>
       <p:ext uri="{BB962C8B-B14F-4D97-AF65-F5344CB8AC3E}">
-        <p14:creationId xmlns:p14="http://schemas.microsoft.com/office/powerpoint/2010/main" val="360368061"/>
+        <p14:creationId xmlns:p14="http://schemas.microsoft.com/office/powerpoint/2010/main" val="3906494076"/>
       </p:ext>
     </p:extLst>
   </p:cSld>
@@ -4119,8 +4127,17 @@
               <a:rPr lang="en-US" b="1" dirty="0">
                 <a:latin typeface="+mn-lt"/>
               </a:rPr>
-              <a:t>Audit Aspect:</a:t>
-            </a:r>
+              <a:t>@</a:t>
+            </a:r>
+            <a:r>
+              <a:rPr lang="en-US" b="1" dirty="0" err="1">
+                <a:latin typeface="+mn-lt"/>
+              </a:rPr>
+              <a:t>Loggable</a:t>
+            </a:r>
+            <a:endParaRPr lang="en-US" b="1" dirty="0">
+              <a:latin typeface="+mn-lt"/>
+            </a:endParaRPr>
           </a:p>
         </p:txBody>
       </p:sp>
@@ -4143,7 +4160,7 @@
         <p:spPr>
           <a:xfrm>
             <a:off x="400594" y="1201783"/>
-            <a:ext cx="11495315" cy="5468983"/>
+            <a:ext cx="6855883" cy="5468983"/>
           </a:xfrm>
         </p:spPr>
         <p:txBody>
@@ -4159,19 +4176,61 @@
             </a:pPr>
             <a:r>
               <a:rPr lang="en-US" b="1" dirty="0"/>
-              <a:t>Logs (audits) data to file, for later monitoring and security. (</a:t>
-            </a:r>
+              <a:t>Custom made annotation</a:t>
+            </a:r>
+          </a:p>
+          <a:p>
+            <a:pPr>
+              <a:lnSpc>
+                <a:spcPct val="150000"/>
+              </a:lnSpc>
+            </a:pPr>
+            <a:r>
+              <a:rPr lang="en-US" b="1" dirty="0"/>
+              <a:t>Programmer marks method with @</a:t>
+            </a:r>
+            <a:r>
+              <a:rPr lang="en-US" b="1" dirty="0" err="1"/>
+              <a:t>Loggable</a:t>
+            </a:r>
+            <a:r>
+              <a:rPr lang="en-US" b="1" dirty="0"/>
+              <a:t> annotation AND it </a:t>
+            </a:r>
+            <a:r>
+              <a:rPr lang="en-US" b="1" dirty="0" err="1"/>
+              <a:t>typeLevel</a:t>
+            </a:r>
+            <a:r>
+              <a:rPr lang="en-US" b="1" dirty="0"/>
+              <a:t>!</a:t>
+            </a:r>
+          </a:p>
+          <a:p>
+            <a:pPr>
+              <a:lnSpc>
+                <a:spcPct val="150000"/>
+              </a:lnSpc>
+            </a:pPr>
             <a:r>
               <a:rPr lang="en-US" b="1" dirty="0">
                 <a:solidFill>
                   <a:srgbClr val="FF0000"/>
                 </a:solidFill>
               </a:rPr>
-              <a:t>in real application we would like to log this to RDBMS</a:t>
+              <a:t>Retention</a:t>
             </a:r>
             <a:r>
               <a:rPr lang="en-US" b="1" dirty="0"/>
-              <a:t>).</a:t>
+              <a:t>: Source/Runtime </a:t>
+            </a:r>
+            <a:r>
+              <a:rPr lang="en-US" i="1" dirty="0"/>
+              <a:t>– not-</a:t>
+            </a:r>
+            <a:r>
+              <a:rPr lang="en-US" dirty="0"/>
+              <a:t>visible/visible by the compiler.</a:t>
             </a:r>
           </a:p>
           <a:p>
@@ -4186,74 +4245,57 @@
                   <a:srgbClr val="FF0000"/>
                 </a:solidFill>
               </a:rPr>
-              <a:t>Pointcut: </a:t>
-            </a:r>
-          </a:p>
-          <a:p>
-            <a:pPr lvl="1">
-              <a:lnSpc>
-                <a:spcPct val="150000"/>
-              </a:lnSpc>
-            </a:pPr>
-            <a:r>
-              <a:rPr lang="en-US" b="1" u="sng" dirty="0"/>
-              <a:t>Set/get operations </a:t>
+              <a:t>Target</a:t>
             </a:r>
             <a:r>
               <a:rPr lang="en-US" b="1" dirty="0"/>
-              <a:t>(after).</a:t>
-            </a:r>
-            <a:endParaRPr lang="en-US" b="1" u="sng" dirty="0"/>
-          </a:p>
-          <a:p>
-            <a:pPr lvl="1">
-              <a:lnSpc>
-                <a:spcPct val="150000"/>
-              </a:lnSpc>
-            </a:pPr>
-            <a:r>
-              <a:rPr lang="en-US" b="1" u="sng" dirty="0"/>
-              <a:t>Do (interface)</a:t>
+              <a:t>: Method – use this </a:t>
+            </a:r>
+            <a:r>
+              <a:rPr lang="en-US" b="1" dirty="0" err="1"/>
+              <a:t>annot</a:t>
             </a:r>
             <a:r>
               <a:rPr lang="en-US" b="1" dirty="0"/>
-              <a:t> </a:t>
-            </a:r>
-            <a:r>
-              <a:rPr lang="en-US" b="1" u="sng" dirty="0"/>
-              <a:t>operations</a:t>
-            </a:r>
-            <a:r>
-              <a:rPr lang="en-US" b="1" dirty="0"/>
-              <a:t> (after).</a:t>
-            </a:r>
-            <a:endParaRPr lang="en-US" b="1" u="sng" dirty="0"/>
-          </a:p>
-          <a:p>
-            <a:pPr>
-              <a:lnSpc>
-                <a:spcPct val="150000"/>
-              </a:lnSpc>
-            </a:pPr>
-            <a:r>
-              <a:rPr lang="en-US" b="1" dirty="0">
-                <a:solidFill>
-                  <a:srgbClr val="FF0000"/>
-                </a:solidFill>
-              </a:rPr>
-              <a:t>Advice: </a:t>
-            </a:r>
-            <a:r>
-              <a:rPr lang="en-US" b="1" dirty="0"/>
-              <a:t>Log code into logs/app.log file depends on annotation in runtime.</a:t>
-            </a:r>
-          </a:p>
-        </p:txBody>
-      </p:sp>
+              <a:t> only on methods.</a:t>
+            </a:r>
+          </a:p>
+        </p:txBody>
+      </p:sp>
+      <p:pic>
+        <p:nvPicPr>
+          <p:cNvPr id="7" name="Picture 6">
+            <a:extLst>
+              <a:ext uri="{FF2B5EF4-FFF2-40B4-BE49-F238E27FC236}">
+                <a16:creationId xmlns:a16="http://schemas.microsoft.com/office/drawing/2014/main" id="{14AECD1B-51AE-47AB-819E-3AEFF061E6C0}"/>
+              </a:ext>
+            </a:extLst>
+          </p:cNvPr>
+          <p:cNvPicPr>
+            <a:picLocks noChangeAspect="1"/>
+          </p:cNvPicPr>
+          <p:nvPr/>
+        </p:nvPicPr>
+        <p:blipFill>
+          <a:blip r:embed="rId2"/>
+          <a:stretch>
+            <a:fillRect/>
+          </a:stretch>
+        </p:blipFill>
+        <p:spPr>
+          <a:xfrm>
+            <a:off x="6185595" y="326074"/>
+            <a:ext cx="5517307" cy="2321433"/>
+          </a:xfrm>
+          <a:prstGeom prst="rect">
+            <a:avLst/>
+          </a:prstGeom>
+        </p:spPr>
+      </p:pic>
     </p:spTree>
     <p:extLst>
       <p:ext uri="{BB962C8B-B14F-4D97-AF65-F5344CB8AC3E}">
-        <p14:creationId xmlns:p14="http://schemas.microsoft.com/office/powerpoint/2010/main" val="139909693"/>
+        <p14:creationId xmlns:p14="http://schemas.microsoft.com/office/powerpoint/2010/main" val="360368061"/>
       </p:ext>
     </p:extLst>
   </p:cSld>
@@ -4282,60 +4324,169 @@
       </p:grpSpPr>
       <p:sp>
         <p:nvSpPr>
-          <p:cNvPr id="3" name="TextBox 2">
-            <a:extLst>
-              <a:ext uri="{FF2B5EF4-FFF2-40B4-BE49-F238E27FC236}">
-                <a16:creationId xmlns:a16="http://schemas.microsoft.com/office/drawing/2014/main" id="{77462736-FE3A-4BAB-8C7B-E597C0C00E8D}"/>
-              </a:ext>
-            </a:extLst>
-          </p:cNvPr>
-          <p:cNvSpPr txBox="1"/>
-          <p:nvPr/>
+          <p:cNvPr id="4" name="Title 1">
+            <a:extLst>
+              <a:ext uri="{FF2B5EF4-FFF2-40B4-BE49-F238E27FC236}">
+                <a16:creationId xmlns:a16="http://schemas.microsoft.com/office/drawing/2014/main" id="{CAC17C8E-3677-4E33-AD1C-BB70137513FC}"/>
+              </a:ext>
+            </a:extLst>
+          </p:cNvPr>
+          <p:cNvSpPr>
+            <a:spLocks noGrp="1"/>
+          </p:cNvSpPr>
+          <p:nvPr>
+            <p:ph type="title"/>
+          </p:nvPr>
         </p:nvSpPr>
         <p:spPr>
           <a:xfrm>
-            <a:off x="3848087" y="2334074"/>
-            <a:ext cx="4495826" cy="1754326"/>
-          </a:xfrm>
-          <a:prstGeom prst="rect">
-            <a:avLst/>
-          </a:prstGeom>
-          <a:solidFill>
-            <a:schemeClr val="tx1"/>
-          </a:solidFill>
-          <a:ln>
-            <a:solidFill>
-              <a:schemeClr val="tx1"/>
-            </a:solidFill>
-          </a:ln>
-        </p:spPr>
-        <p:txBody>
-          <a:bodyPr wrap="square" rtlCol="0">
-            <a:spAutoFit/>
+            <a:off x="400594" y="86450"/>
+            <a:ext cx="10515600" cy="1325563"/>
+          </a:xfrm>
+        </p:spPr>
+        <p:txBody>
+          <a:bodyPr/>
+          <a:lstStyle/>
+          <a:p>
+            <a:r>
+              <a:rPr lang="en-US" b="1" dirty="0">
+                <a:latin typeface="+mn-lt"/>
+              </a:rPr>
+              <a:t>Audit Aspect:</a:t>
+            </a:r>
+          </a:p>
+        </p:txBody>
+      </p:sp>
+      <p:sp>
+        <p:nvSpPr>
+          <p:cNvPr id="5" name="Content Placeholder 2">
+            <a:extLst>
+              <a:ext uri="{FF2B5EF4-FFF2-40B4-BE49-F238E27FC236}">
+                <a16:creationId xmlns:a16="http://schemas.microsoft.com/office/drawing/2014/main" id="{507F342C-C331-44DB-ACF0-C06FE2A5C3FB}"/>
+              </a:ext>
+            </a:extLst>
+          </p:cNvPr>
+          <p:cNvSpPr>
+            <a:spLocks noGrp="1"/>
+          </p:cNvSpPr>
+          <p:nvPr>
+            <p:ph idx="1"/>
+          </p:nvPr>
+        </p:nvSpPr>
+        <p:spPr>
+          <a:xfrm>
+            <a:off x="400594" y="1201783"/>
+            <a:ext cx="11495315" cy="5468983"/>
+          </a:xfrm>
+        </p:spPr>
+        <p:txBody>
+          <a:bodyPr>
+            <a:normAutofit/>
           </a:bodyPr>
           <a:lstStyle/>
           <a:p>
-            <a:pPr algn="ctr"/>
-            <a:r>
-              <a:rPr lang="en-US" sz="5400" b="1" dirty="0">
+            <a:pPr>
+              <a:lnSpc>
+                <a:spcPct val="150000"/>
+              </a:lnSpc>
+            </a:pPr>
+            <a:r>
+              <a:rPr lang="en-US" b="1" dirty="0"/>
+              <a:t>Logs (audits) data to file, for later monitoring and security. (</a:t>
+            </a:r>
+            <a:r>
+              <a:rPr lang="en-US" b="1" dirty="0">
                 <a:solidFill>
-                  <a:schemeClr val="bg1"/>
+                  <a:srgbClr val="FF0000"/>
                 </a:solidFill>
               </a:rPr>
-              <a:t>Regulative Aspects</a:t>
-            </a:r>
-            <a:endParaRPr lang="en-US" sz="4800" b="1" dirty="0">
-              <a:solidFill>
-                <a:schemeClr val="bg1"/>
-              </a:solidFill>
-            </a:endParaRPr>
+              <a:t>in real application we would like to log this to RDBMS</a:t>
+            </a:r>
+            <a:r>
+              <a:rPr lang="en-US" b="1" dirty="0"/>
+              <a:t>).</a:t>
+            </a:r>
+          </a:p>
+          <a:p>
+            <a:pPr>
+              <a:lnSpc>
+                <a:spcPct val="150000"/>
+              </a:lnSpc>
+            </a:pPr>
+            <a:r>
+              <a:rPr lang="en-US" b="1" dirty="0">
+                <a:solidFill>
+                  <a:srgbClr val="FF0000"/>
+                </a:solidFill>
+              </a:rPr>
+              <a:t>Pointcut: </a:t>
+            </a:r>
+          </a:p>
+          <a:p>
+            <a:pPr lvl="1">
+              <a:lnSpc>
+                <a:spcPct val="150000"/>
+              </a:lnSpc>
+            </a:pPr>
+            <a:r>
+              <a:rPr lang="en-US" b="1" u="sng" dirty="0"/>
+              <a:t>Set/get operations </a:t>
+            </a:r>
+            <a:r>
+              <a:rPr lang="en-US" b="1" dirty="0"/>
+              <a:t>(after).</a:t>
+            </a:r>
+            <a:endParaRPr lang="en-US" b="1" u="sng" dirty="0"/>
+          </a:p>
+          <a:p>
+            <a:pPr lvl="1">
+              <a:lnSpc>
+                <a:spcPct val="150000"/>
+              </a:lnSpc>
+            </a:pPr>
+            <a:r>
+              <a:rPr lang="en-US" b="1" u="sng" dirty="0"/>
+              <a:t>Do (interface)</a:t>
+            </a:r>
+            <a:r>
+              <a:rPr lang="en-US" b="1" dirty="0"/>
+              <a:t> </a:t>
+            </a:r>
+            <a:r>
+              <a:rPr lang="en-US" b="1" u="sng" dirty="0"/>
+              <a:t>operations</a:t>
+            </a:r>
+            <a:r>
+              <a:rPr lang="en-US" b="1" dirty="0"/>
+              <a:t> (after).</a:t>
+            </a:r>
+            <a:endParaRPr lang="en-US" b="1" u="sng" dirty="0"/>
+          </a:p>
+          <a:p>
+            <a:pPr>
+              <a:lnSpc>
+                <a:spcPct val="150000"/>
+              </a:lnSpc>
+            </a:pPr>
+            <a:r>
+              <a:rPr lang="en-US" b="1" dirty="0">
+                <a:solidFill>
+                  <a:srgbClr val="FF0000"/>
+                </a:solidFill>
+              </a:rPr>
+              <a:t>Advice: </a:t>
+            </a:r>
+            <a:r>
+              <a:rPr lang="en-US" b="1" dirty="0"/>
+              <a:t>Log code into logs/app.log file depends on annotation in runtime.</a:t>
+            </a:r>
           </a:p>
         </p:txBody>
       </p:sp>
     </p:spTree>
     <p:extLst>
       <p:ext uri="{BB962C8B-B14F-4D97-AF65-F5344CB8AC3E}">
-        <p14:creationId xmlns:p14="http://schemas.microsoft.com/office/powerpoint/2010/main" val="721595628"/>
+        <p14:creationId xmlns:p14="http://schemas.microsoft.com/office/powerpoint/2010/main" val="139909693"/>
       </p:ext>
     </p:extLst>
   </p:cSld>
@@ -4364,272 +4515,60 @@
       </p:grpSpPr>
       <p:sp>
         <p:nvSpPr>
-          <p:cNvPr id="4" name="Title 1">
-            <a:extLst>
-              <a:ext uri="{FF2B5EF4-FFF2-40B4-BE49-F238E27FC236}">
-                <a16:creationId xmlns:a16="http://schemas.microsoft.com/office/drawing/2014/main" id="{CAC17C8E-3677-4E33-AD1C-BB70137513FC}"/>
-              </a:ext>
-            </a:extLst>
-          </p:cNvPr>
-          <p:cNvSpPr>
-            <a:spLocks noGrp="1"/>
-          </p:cNvSpPr>
-          <p:nvPr>
-            <p:ph type="title"/>
-          </p:nvPr>
+          <p:cNvPr id="3" name="TextBox 2">
+            <a:extLst>
+              <a:ext uri="{FF2B5EF4-FFF2-40B4-BE49-F238E27FC236}">
+                <a16:creationId xmlns:a16="http://schemas.microsoft.com/office/drawing/2014/main" id="{77462736-FE3A-4BAB-8C7B-E597C0C00E8D}"/>
+              </a:ext>
+            </a:extLst>
+          </p:cNvPr>
+          <p:cNvSpPr txBox="1"/>
+          <p:nvPr/>
         </p:nvSpPr>
         <p:spPr>
           <a:xfrm>
-            <a:off x="400594" y="86450"/>
-            <a:ext cx="10515600" cy="1325563"/>
-          </a:xfrm>
-        </p:spPr>
-        <p:txBody>
-          <a:bodyPr/>
-          <a:lstStyle/>
-          <a:p>
-            <a:r>
-              <a:rPr lang="en-US" b="1" dirty="0">
-                <a:latin typeface="+mn-lt"/>
-              </a:rPr>
-              <a:t>Regulative Aspects:</a:t>
-            </a:r>
-          </a:p>
-        </p:txBody>
-      </p:sp>
-      <p:sp>
-        <p:nvSpPr>
-          <p:cNvPr id="5" name="Content Placeholder 2">
-            <a:extLst>
-              <a:ext uri="{FF2B5EF4-FFF2-40B4-BE49-F238E27FC236}">
-                <a16:creationId xmlns:a16="http://schemas.microsoft.com/office/drawing/2014/main" id="{507F342C-C331-44DB-ACF0-C06FE2A5C3FB}"/>
-              </a:ext>
-            </a:extLst>
-          </p:cNvPr>
-          <p:cNvSpPr>
-            <a:spLocks noGrp="1"/>
-          </p:cNvSpPr>
-          <p:nvPr>
-            <p:ph idx="1"/>
-          </p:nvPr>
-        </p:nvSpPr>
-        <p:spPr>
-          <a:xfrm>
-            <a:off x="218114" y="1201784"/>
-            <a:ext cx="11677795" cy="2162202"/>
-          </a:xfrm>
-        </p:spPr>
-        <p:txBody>
-          <a:bodyPr>
-            <a:normAutofit/>
-          </a:bodyPr>
-          <a:lstStyle/>
-          <a:p>
-            <a:pPr marL="0" indent="0">
-              <a:lnSpc>
-                <a:spcPct val="150000"/>
-              </a:lnSpc>
-              <a:buNone/>
-            </a:pPr>
-            <a:r>
-              <a:rPr lang="en-US" b="1" i="1" dirty="0">
-                <a:highlight>
-                  <a:srgbClr val="FFFF00"/>
-                </a:highlight>
-              </a:rPr>
-              <a:t>TODO</a:t>
-            </a:r>
-          </a:p>
-          <a:p>
-            <a:pPr marL="0" indent="0">
-              <a:lnSpc>
-                <a:spcPct val="150000"/>
-              </a:lnSpc>
-              <a:buNone/>
-            </a:pPr>
-            <a:endParaRPr lang="en-US" b="1" dirty="0">
-              <a:solidFill>
-                <a:srgbClr val="FF0000"/>
-              </a:solidFill>
-            </a:endParaRPr>
-          </a:p>
-        </p:txBody>
-      </p:sp>
-      <p:sp>
-        <p:nvSpPr>
-          <p:cNvPr id="2" name="Oval 1">
-            <a:extLst>
-              <a:ext uri="{FF2B5EF4-FFF2-40B4-BE49-F238E27FC236}">
-                <a16:creationId xmlns:a16="http://schemas.microsoft.com/office/drawing/2014/main" id="{BCF2E675-C3F4-427A-A354-973D66CCA7AF}"/>
-              </a:ext>
-            </a:extLst>
-          </p:cNvPr>
-          <p:cNvSpPr/>
-          <p:nvPr/>
-        </p:nvSpPr>
-        <p:spPr>
-          <a:xfrm>
-            <a:off x="2431608" y="3494015"/>
-            <a:ext cx="1602138" cy="1536585"/>
-          </a:xfrm>
-          <a:prstGeom prst="ellipse">
+            <a:off x="3848087" y="2334074"/>
+            <a:ext cx="4495826" cy="1754326"/>
+          </a:xfrm>
+          <a:prstGeom prst="rect">
             <a:avLst/>
           </a:prstGeom>
           <a:solidFill>
-            <a:srgbClr val="002060"/>
+            <a:schemeClr val="tx1"/>
           </a:solidFill>
           <a:ln>
             <a:solidFill>
-              <a:schemeClr val="bg1"/>
+              <a:schemeClr val="tx1"/>
             </a:solidFill>
           </a:ln>
         </p:spPr>
-        <p:style>
-          <a:lnRef idx="2">
-            <a:schemeClr val="accent1">
-              <a:shade val="50000"/>
-            </a:schemeClr>
-          </a:lnRef>
-          <a:fillRef idx="1">
-            <a:schemeClr val="accent1"/>
-          </a:fillRef>
-          <a:effectRef idx="0">
-            <a:schemeClr val="accent1"/>
-          </a:effectRef>
-          <a:fontRef idx="minor">
-            <a:schemeClr val="lt1"/>
-          </a:fontRef>
-        </p:style>
-        <p:txBody>
-          <a:bodyPr rtlCol="0" anchor="ctr"/>
+        <p:txBody>
+          <a:bodyPr wrap="square" rtlCol="0">
+            <a:spAutoFit/>
+          </a:bodyPr>
           <a:lstStyle/>
           <a:p>
             <a:pPr algn="ctr"/>
             <a:r>
-              <a:rPr lang="en-US" sz="1600" b="1" dirty="0"/>
-              <a:t>Lock Aspects</a:t>
-            </a:r>
-          </a:p>
-        </p:txBody>
-      </p:sp>
-      <p:sp>
-        <p:nvSpPr>
-          <p:cNvPr id="6" name="Oval 5">
-            <a:extLst>
-              <a:ext uri="{FF2B5EF4-FFF2-40B4-BE49-F238E27FC236}">
-                <a16:creationId xmlns:a16="http://schemas.microsoft.com/office/drawing/2014/main" id="{7F4FCC0E-5A9D-4984-A1C0-594C48631B84}"/>
-              </a:ext>
-            </a:extLst>
-          </p:cNvPr>
-          <p:cNvSpPr/>
-          <p:nvPr/>
-        </p:nvSpPr>
-        <p:spPr>
-          <a:xfrm>
-            <a:off x="4991450" y="3494015"/>
-            <a:ext cx="1989708" cy="1536585"/>
-          </a:xfrm>
-          <a:prstGeom prst="ellipse">
-            <a:avLst/>
-          </a:prstGeom>
-          <a:solidFill>
-            <a:srgbClr val="002060"/>
-          </a:solidFill>
-          <a:ln>
-            <a:solidFill>
-              <a:schemeClr val="bg1"/>
-            </a:solidFill>
-          </a:ln>
-        </p:spPr>
-        <p:style>
-          <a:lnRef idx="2">
-            <a:schemeClr val="accent1">
-              <a:shade val="50000"/>
-            </a:schemeClr>
-          </a:lnRef>
-          <a:fillRef idx="1">
-            <a:schemeClr val="accent1"/>
-          </a:fillRef>
-          <a:effectRef idx="0">
-            <a:schemeClr val="accent1"/>
-          </a:effectRef>
-          <a:fontRef idx="minor">
-            <a:schemeClr val="lt1"/>
-          </a:fontRef>
-        </p:style>
-        <p:txBody>
-          <a:bodyPr rtlCol="0" anchor="ctr"/>
-          <a:lstStyle/>
-          <a:p>
-            <a:pPr algn="ctr"/>
-            <a:r>
-              <a:rPr lang="en-US" sz="1600" b="1" dirty="0"/>
-              <a:t>Authorization Aspect</a:t>
-            </a:r>
-          </a:p>
-        </p:txBody>
-      </p:sp>
-      <p:sp>
-        <p:nvSpPr>
-          <p:cNvPr id="7" name="Oval 6">
-            <a:extLst>
-              <a:ext uri="{FF2B5EF4-FFF2-40B4-BE49-F238E27FC236}">
-                <a16:creationId xmlns:a16="http://schemas.microsoft.com/office/drawing/2014/main" id="{685383B0-F74E-4911-B2FB-BAD5510054F8}"/>
-              </a:ext>
-            </a:extLst>
-          </p:cNvPr>
-          <p:cNvSpPr/>
-          <p:nvPr/>
-        </p:nvSpPr>
-        <p:spPr>
-          <a:xfrm>
-            <a:off x="7855170" y="3494015"/>
-            <a:ext cx="1602138" cy="1536585"/>
-          </a:xfrm>
-          <a:prstGeom prst="ellipse">
-            <a:avLst/>
-          </a:prstGeom>
-          <a:solidFill>
-            <a:srgbClr val="002060"/>
-          </a:solidFill>
-          <a:ln>
-            <a:solidFill>
-              <a:schemeClr val="bg1"/>
-            </a:solidFill>
-          </a:ln>
-        </p:spPr>
-        <p:style>
-          <a:lnRef idx="2">
-            <a:schemeClr val="accent1">
-              <a:shade val="50000"/>
-            </a:schemeClr>
-          </a:lnRef>
-          <a:fillRef idx="1">
-            <a:schemeClr val="accent1"/>
-          </a:fillRef>
-          <a:effectRef idx="0">
-            <a:schemeClr val="accent1"/>
-          </a:effectRef>
-          <a:fontRef idx="minor">
-            <a:schemeClr val="lt1"/>
-          </a:fontRef>
-        </p:style>
-        <p:txBody>
-          <a:bodyPr rtlCol="0" anchor="ctr"/>
-          <a:lstStyle/>
-          <a:p>
-            <a:pPr algn="ctr"/>
-            <a:r>
-              <a:rPr lang="en-US" sz="1600" b="1" dirty="0"/>
-              <a:t>UI Aspect</a:t>
-            </a:r>
+              <a:rPr lang="en-US" sz="5400" b="1" dirty="0">
+                <a:solidFill>
+                  <a:schemeClr val="bg1"/>
+                </a:solidFill>
+              </a:rPr>
+              <a:t>Regulative Aspects</a:t>
+            </a:r>
+            <a:endParaRPr lang="en-US" sz="4800" b="1" dirty="0">
+              <a:solidFill>
+                <a:schemeClr val="bg1"/>
+              </a:solidFill>
+            </a:endParaRPr>
           </a:p>
         </p:txBody>
       </p:sp>
     </p:spTree>
     <p:extLst>
       <p:ext uri="{BB962C8B-B14F-4D97-AF65-F5344CB8AC3E}">
-        <p14:creationId xmlns:p14="http://schemas.microsoft.com/office/powerpoint/2010/main" val="2098652731"/>
+        <p14:creationId xmlns:p14="http://schemas.microsoft.com/office/powerpoint/2010/main" val="721595628"/>
       </p:ext>
     </p:extLst>
   </p:cSld>
@@ -4686,7 +4625,7 @@
               <a:rPr lang="en-US" b="1" dirty="0">
                 <a:latin typeface="+mn-lt"/>
               </a:rPr>
-              <a:t>Lock Aspect:</a:t>
+              <a:t>Regulative Aspects:</a:t>
             </a:r>
           </a:p>
         </p:txBody>
@@ -4709,8 +4648,8 @@
         </p:nvSpPr>
         <p:spPr>
           <a:xfrm>
-            <a:off x="400594" y="1201783"/>
-            <a:ext cx="11495315" cy="5468983"/>
+            <a:off x="218114" y="1201784"/>
+            <a:ext cx="11677795" cy="2162202"/>
           </a:xfrm>
         </p:spPr>
         <p:txBody>
@@ -4719,77 +4658,203 @@
           </a:bodyPr>
           <a:lstStyle/>
           <a:p>
-            <a:pPr>
+            <a:pPr marL="0" indent="0">
               <a:lnSpc>
                 <a:spcPct val="150000"/>
               </a:lnSpc>
-            </a:pPr>
-            <a:r>
-              <a:rPr lang="en-US" b="1" dirty="0"/>
-              <a:t>Locks game features of the game:</a:t>
-            </a:r>
-          </a:p>
-          <a:p>
-            <a:pPr lvl="1">
+              <a:buNone/>
+            </a:pPr>
+            <a:r>
+              <a:rPr lang="en-US" b="1" i="1" dirty="0">
+                <a:highlight>
+                  <a:srgbClr val="FFFF00"/>
+                </a:highlight>
+              </a:rPr>
+              <a:t>TODO</a:t>
+            </a:r>
+          </a:p>
+          <a:p>
+            <a:pPr marL="0" indent="0">
               <a:lnSpc>
                 <a:spcPct val="150000"/>
               </a:lnSpc>
-            </a:pPr>
-            <a:r>
-              <a:rPr lang="en-US" b="1" dirty="0"/>
-              <a:t>Locks shooting option.</a:t>
-            </a:r>
-          </a:p>
-          <a:p>
-            <a:pPr lvl="1">
-              <a:lnSpc>
-                <a:spcPct val="150000"/>
-              </a:lnSpc>
-            </a:pPr>
-            <a:r>
-              <a:rPr lang="en-US" b="1" dirty="0"/>
-              <a:t>Locks shield option.</a:t>
-            </a:r>
-          </a:p>
-          <a:p>
-            <a:pPr lvl="1">
-              <a:lnSpc>
-                <a:spcPct val="150000"/>
-              </a:lnSpc>
-            </a:pPr>
-            <a:r>
-              <a:rPr lang="en-US" b="1" dirty="0"/>
-              <a:t>Locks moving option.</a:t>
-            </a:r>
-          </a:p>
-          <a:p>
-            <a:pPr>
-              <a:lnSpc>
-                <a:spcPct val="150000"/>
-              </a:lnSpc>
-            </a:pPr>
-            <a:r>
-              <a:rPr lang="en-US" b="1" dirty="0">
-                <a:solidFill>
-                  <a:srgbClr val="FF0000"/>
-                </a:solidFill>
-              </a:rPr>
-              <a:t>Pointcut: </a:t>
-            </a:r>
-          </a:p>
-          <a:p>
-            <a:pPr>
-              <a:lnSpc>
-                <a:spcPct val="150000"/>
-              </a:lnSpc>
-            </a:pPr>
-            <a:r>
-              <a:rPr lang="en-US" b="1" dirty="0">
-                <a:solidFill>
-                  <a:srgbClr val="FF0000"/>
-                </a:solidFill>
-              </a:rPr>
-              <a:t>Advice:</a:t>
+              <a:buNone/>
+            </a:pPr>
+            <a:endParaRPr lang="en-US" b="1" dirty="0">
+              <a:solidFill>
+                <a:srgbClr val="FF0000"/>
+              </a:solidFill>
+            </a:endParaRPr>
+          </a:p>
+        </p:txBody>
+      </p:sp>
+      <p:sp>
+        <p:nvSpPr>
+          <p:cNvPr id="2" name="Oval 1">
+            <a:extLst>
+              <a:ext uri="{FF2B5EF4-FFF2-40B4-BE49-F238E27FC236}">
+                <a16:creationId xmlns:a16="http://schemas.microsoft.com/office/drawing/2014/main" id="{BCF2E675-C3F4-427A-A354-973D66CCA7AF}"/>
+              </a:ext>
+            </a:extLst>
+          </p:cNvPr>
+          <p:cNvSpPr/>
+          <p:nvPr/>
+        </p:nvSpPr>
+        <p:spPr>
+          <a:xfrm>
+            <a:off x="2431608" y="3494015"/>
+            <a:ext cx="1602138" cy="1536585"/>
+          </a:xfrm>
+          <a:prstGeom prst="ellipse">
+            <a:avLst/>
+          </a:prstGeom>
+          <a:solidFill>
+            <a:srgbClr val="002060"/>
+          </a:solidFill>
+          <a:ln>
+            <a:solidFill>
+              <a:schemeClr val="bg1"/>
+            </a:solidFill>
+          </a:ln>
+        </p:spPr>
+        <p:style>
+          <a:lnRef idx="2">
+            <a:schemeClr val="accent1">
+              <a:shade val="50000"/>
+            </a:schemeClr>
+          </a:lnRef>
+          <a:fillRef idx="1">
+            <a:schemeClr val="accent1"/>
+          </a:fillRef>
+          <a:effectRef idx="0">
+            <a:schemeClr val="accent1"/>
+          </a:effectRef>
+          <a:fontRef idx="minor">
+            <a:schemeClr val="lt1"/>
+          </a:fontRef>
+        </p:style>
+        <p:txBody>
+          <a:bodyPr rtlCol="0" anchor="ctr"/>
+          <a:lstStyle/>
+          <a:p>
+            <a:pPr algn="ctr"/>
+            <a:r>
+              <a:rPr lang="en-US" sz="1600" b="1" dirty="0"/>
+              <a:t>Lock Aspects</a:t>
+            </a:r>
+          </a:p>
+        </p:txBody>
+      </p:sp>
+      <p:sp>
+        <p:nvSpPr>
+          <p:cNvPr id="6" name="Oval 5">
+            <a:extLst>
+              <a:ext uri="{FF2B5EF4-FFF2-40B4-BE49-F238E27FC236}">
+                <a16:creationId xmlns:a16="http://schemas.microsoft.com/office/drawing/2014/main" id="{7F4FCC0E-5A9D-4984-A1C0-594C48631B84}"/>
+              </a:ext>
+            </a:extLst>
+          </p:cNvPr>
+          <p:cNvSpPr/>
+          <p:nvPr/>
+        </p:nvSpPr>
+        <p:spPr>
+          <a:xfrm>
+            <a:off x="4991450" y="3494015"/>
+            <a:ext cx="1989708" cy="1536585"/>
+          </a:xfrm>
+          <a:prstGeom prst="ellipse">
+            <a:avLst/>
+          </a:prstGeom>
+          <a:solidFill>
+            <a:srgbClr val="002060"/>
+          </a:solidFill>
+          <a:ln>
+            <a:solidFill>
+              <a:schemeClr val="bg1"/>
+            </a:solidFill>
+          </a:ln>
+        </p:spPr>
+        <p:style>
+          <a:lnRef idx="2">
+            <a:schemeClr val="accent1">
+              <a:shade val="50000"/>
+            </a:schemeClr>
+          </a:lnRef>
+          <a:fillRef idx="1">
+            <a:schemeClr val="accent1"/>
+          </a:fillRef>
+          <a:effectRef idx="0">
+            <a:schemeClr val="accent1"/>
+          </a:effectRef>
+          <a:fontRef idx="minor">
+            <a:schemeClr val="lt1"/>
+          </a:fontRef>
+        </p:style>
+        <p:txBody>
+          <a:bodyPr rtlCol="0" anchor="ctr"/>
+          <a:lstStyle/>
+          <a:p>
+            <a:pPr algn="ctr"/>
+            <a:r>
+              <a:rPr lang="en-US" sz="1600" b="1" dirty="0"/>
+              <a:t>Authorization Aspect</a:t>
+            </a:r>
+          </a:p>
+        </p:txBody>
+      </p:sp>
+      <p:sp>
+        <p:nvSpPr>
+          <p:cNvPr id="7" name="Oval 6">
+            <a:extLst>
+              <a:ext uri="{FF2B5EF4-FFF2-40B4-BE49-F238E27FC236}">
+                <a16:creationId xmlns:a16="http://schemas.microsoft.com/office/drawing/2014/main" id="{685383B0-F74E-4911-B2FB-BAD5510054F8}"/>
+              </a:ext>
+            </a:extLst>
+          </p:cNvPr>
+          <p:cNvSpPr/>
+          <p:nvPr/>
+        </p:nvSpPr>
+        <p:spPr>
+          <a:xfrm>
+            <a:off x="7855170" y="3494015"/>
+            <a:ext cx="1602138" cy="1536585"/>
+          </a:xfrm>
+          <a:prstGeom prst="ellipse">
+            <a:avLst/>
+          </a:prstGeom>
+          <a:solidFill>
+            <a:srgbClr val="002060"/>
+          </a:solidFill>
+          <a:ln>
+            <a:solidFill>
+              <a:schemeClr val="bg1"/>
+            </a:solidFill>
+          </a:ln>
+        </p:spPr>
+        <p:style>
+          <a:lnRef idx="2">
+            <a:schemeClr val="accent1">
+              <a:shade val="50000"/>
+            </a:schemeClr>
+          </a:lnRef>
+          <a:fillRef idx="1">
+            <a:schemeClr val="accent1"/>
+          </a:fillRef>
+          <a:effectRef idx="0">
+            <a:schemeClr val="accent1"/>
+          </a:effectRef>
+          <a:fontRef idx="minor">
+            <a:schemeClr val="lt1"/>
+          </a:fontRef>
+        </p:style>
+        <p:txBody>
+          <a:bodyPr rtlCol="0" anchor="ctr"/>
+          <a:lstStyle/>
+          <a:p>
+            <a:pPr algn="ctr"/>
+            <a:r>
+              <a:rPr lang="en-US" sz="1600" b="1" dirty="0"/>
+              <a:t>UI Aspect</a:t>
             </a:r>
           </a:p>
         </p:txBody>
@@ -4797,7 +4862,7 @@
     </p:spTree>
     <p:extLst>
       <p:ext uri="{BB962C8B-B14F-4D97-AF65-F5344CB8AC3E}">
-        <p14:creationId xmlns:p14="http://schemas.microsoft.com/office/powerpoint/2010/main" val="3231087132"/>
+        <p14:creationId xmlns:p14="http://schemas.microsoft.com/office/powerpoint/2010/main" val="2098652731"/>
       </p:ext>
     </p:extLst>
   </p:cSld>
@@ -4854,7 +4919,7 @@
               <a:rPr lang="en-US" b="1" dirty="0">
                 <a:latin typeface="+mn-lt"/>
               </a:rPr>
-              <a:t>Authorization Aspect:</a:t>
+              <a:t>Lock Aspect:</a:t>
             </a:r>
           </a:p>
         </p:txBody>
@@ -4894,30 +4959,40 @@
             </a:pPr>
             <a:r>
               <a:rPr lang="en-US" b="1" dirty="0"/>
-              <a:t>Password authorization mechanism – only authorized users can play the game.</a:t>
-            </a:r>
-          </a:p>
-          <a:p>
-            <a:pPr>
+              <a:t>Locks game features of the game:</a:t>
+            </a:r>
+          </a:p>
+          <a:p>
+            <a:pPr lvl="1">
               <a:lnSpc>
                 <a:spcPct val="150000"/>
               </a:lnSpc>
             </a:pPr>
             <a:r>
               <a:rPr lang="en-US" b="1" dirty="0"/>
-              <a:t>Enforced using user/password login using </a:t>
-            </a:r>
-            <a:r>
-              <a:rPr lang="en-US" b="1" dirty="0">
-                <a:solidFill>
-                  <a:srgbClr val="FF0000"/>
-                </a:solidFill>
-              </a:rPr>
-              <a:t>STDOUT</a:t>
-            </a:r>
+              <a:t>Locks shooting option.</a:t>
+            </a:r>
+          </a:p>
+          <a:p>
+            <a:pPr lvl="1">
+              <a:lnSpc>
+                <a:spcPct val="150000"/>
+              </a:lnSpc>
+            </a:pPr>
             <a:r>
               <a:rPr lang="en-US" b="1" dirty="0"/>
-              <a:t>.</a:t>
+              <a:t>Locks shield option.</a:t>
+            </a:r>
+          </a:p>
+          <a:p>
+            <a:pPr lvl="1">
+              <a:lnSpc>
+                <a:spcPct val="150000"/>
+              </a:lnSpc>
+            </a:pPr>
+            <a:r>
+              <a:rPr lang="en-US" b="1" dirty="0"/>
+              <a:t>Locks moving option.</a:t>
             </a:r>
           </a:p>
           <a:p>
@@ -4950,20 +5025,12 @@
               <a:t>Advice:</a:t>
             </a:r>
           </a:p>
-          <a:p>
-            <a:pPr>
-              <a:lnSpc>
-                <a:spcPct val="150000"/>
-              </a:lnSpc>
-            </a:pPr>
-            <a:endParaRPr lang="en-US" b="1" dirty="0"/>
-          </a:p>
         </p:txBody>
       </p:sp>
     </p:spTree>
     <p:extLst>
       <p:ext uri="{BB962C8B-B14F-4D97-AF65-F5344CB8AC3E}">
-        <p14:creationId xmlns:p14="http://schemas.microsoft.com/office/powerpoint/2010/main" val="1621691119"/>
+        <p14:creationId xmlns:p14="http://schemas.microsoft.com/office/powerpoint/2010/main" val="3231087132"/>
       </p:ext>
     </p:extLst>
   </p:cSld>
@@ -5020,7 +5087,7 @@
               <a:rPr lang="en-US" b="1" dirty="0">
                 <a:latin typeface="+mn-lt"/>
               </a:rPr>
-              <a:t>UI Aspect:</a:t>
+              <a:t>Authorization Aspect:</a:t>
             </a:r>
           </a:p>
         </p:txBody>
@@ -5060,56 +5127,30 @@
             </a:pPr>
             <a:r>
               <a:rPr lang="en-US" b="1" dirty="0"/>
-              <a:t>Update UI with informative message when fields/values are changed:</a:t>
-            </a:r>
-          </a:p>
-          <a:p>
-            <a:pPr lvl="1">
+              <a:t>Password authorization mechanism – only authorized users can play the game.</a:t>
+            </a:r>
+          </a:p>
+          <a:p>
+            <a:pPr>
               <a:lnSpc>
                 <a:spcPct val="150000"/>
               </a:lnSpc>
             </a:pPr>
             <a:r>
-              <a:rPr lang="en-US" b="1" dirty="0" err="1"/>
-              <a:t>SpaceShip</a:t>
-            </a:r>
-            <a:r>
               <a:rPr lang="en-US" b="1" dirty="0"/>
-              <a:t> is hit.</a:t>
-            </a:r>
-          </a:p>
-          <a:p>
-            <a:pPr lvl="1">
-              <a:lnSpc>
-                <a:spcPct val="150000"/>
-              </a:lnSpc>
-            </a:pPr>
-            <a:r>
-              <a:rPr lang="en-US" b="1" dirty="0"/>
-              <a:t>Teleport executed by </a:t>
-            </a:r>
-            <a:r>
-              <a:rPr lang="en-US" b="1" dirty="0" err="1"/>
-              <a:t>SpaceShip</a:t>
+              <a:t>Enforced using user/password login using </a:t>
+            </a:r>
+            <a:r>
+              <a:rPr lang="en-US" b="1" dirty="0">
+                <a:solidFill>
+                  <a:srgbClr val="FF0000"/>
+                </a:solidFill>
+              </a:rPr>
+              <a:t>STDOUT</a:t>
             </a:r>
             <a:r>
               <a:rPr lang="en-US" b="1" dirty="0"/>
               <a:t>.</a:t>
-            </a:r>
-          </a:p>
-          <a:p>
-            <a:pPr lvl="1">
-              <a:lnSpc>
-                <a:spcPct val="150000"/>
-              </a:lnSpc>
-            </a:pPr>
-            <a:r>
-              <a:rPr lang="en-US" b="1" dirty="0" err="1"/>
-              <a:t>SpaceShip</a:t>
-            </a:r>
-            <a:r>
-              <a:rPr lang="en-US" b="1" dirty="0"/>
-              <a:t> died.</a:t>
             </a:r>
           </a:p>
           <a:p>
@@ -5155,7 +5196,7 @@
     </p:spTree>
     <p:extLst>
       <p:ext uri="{BB962C8B-B14F-4D97-AF65-F5344CB8AC3E}">
-        <p14:creationId xmlns:p14="http://schemas.microsoft.com/office/powerpoint/2010/main" val="2170754187"/>
+        <p14:creationId xmlns:p14="http://schemas.microsoft.com/office/powerpoint/2010/main" val="1621691119"/>
       </p:ext>
     </p:extLst>
   </p:cSld>
@@ -5184,60 +5225,170 @@
       </p:grpSpPr>
       <p:sp>
         <p:nvSpPr>
-          <p:cNvPr id="3" name="TextBox 2">
-            <a:extLst>
-              <a:ext uri="{FF2B5EF4-FFF2-40B4-BE49-F238E27FC236}">
-                <a16:creationId xmlns:a16="http://schemas.microsoft.com/office/drawing/2014/main" id="{77462736-FE3A-4BAB-8C7B-E597C0C00E8D}"/>
-              </a:ext>
-            </a:extLst>
-          </p:cNvPr>
-          <p:cNvSpPr txBox="1"/>
-          <p:nvPr/>
+          <p:cNvPr id="4" name="Title 1">
+            <a:extLst>
+              <a:ext uri="{FF2B5EF4-FFF2-40B4-BE49-F238E27FC236}">
+                <a16:creationId xmlns:a16="http://schemas.microsoft.com/office/drawing/2014/main" id="{CAC17C8E-3677-4E33-AD1C-BB70137513FC}"/>
+              </a:ext>
+            </a:extLst>
+          </p:cNvPr>
+          <p:cNvSpPr>
+            <a:spLocks noGrp="1"/>
+          </p:cNvSpPr>
+          <p:nvPr>
+            <p:ph type="title"/>
+          </p:nvPr>
         </p:nvSpPr>
         <p:spPr>
           <a:xfrm>
-            <a:off x="3848087" y="2334074"/>
-            <a:ext cx="4495826" cy="1754326"/>
-          </a:xfrm>
-          <a:prstGeom prst="rect">
-            <a:avLst/>
-          </a:prstGeom>
-          <a:solidFill>
-            <a:schemeClr val="tx1"/>
-          </a:solidFill>
-          <a:ln>
-            <a:solidFill>
-              <a:schemeClr val="tx1"/>
-            </a:solidFill>
-          </a:ln>
-        </p:spPr>
-        <p:txBody>
-          <a:bodyPr wrap="square" rtlCol="0">
-            <a:spAutoFit/>
+            <a:off x="400594" y="86450"/>
+            <a:ext cx="10515600" cy="1325563"/>
+          </a:xfrm>
+        </p:spPr>
+        <p:txBody>
+          <a:bodyPr/>
+          <a:lstStyle/>
+          <a:p>
+            <a:r>
+              <a:rPr lang="en-US" b="1" dirty="0">
+                <a:latin typeface="+mn-lt"/>
+              </a:rPr>
+              <a:t>UI Aspect:</a:t>
+            </a:r>
+          </a:p>
+        </p:txBody>
+      </p:sp>
+      <p:sp>
+        <p:nvSpPr>
+          <p:cNvPr id="5" name="Content Placeholder 2">
+            <a:extLst>
+              <a:ext uri="{FF2B5EF4-FFF2-40B4-BE49-F238E27FC236}">
+                <a16:creationId xmlns:a16="http://schemas.microsoft.com/office/drawing/2014/main" id="{507F342C-C331-44DB-ACF0-C06FE2A5C3FB}"/>
+              </a:ext>
+            </a:extLst>
+          </p:cNvPr>
+          <p:cNvSpPr>
+            <a:spLocks noGrp="1"/>
+          </p:cNvSpPr>
+          <p:nvPr>
+            <p:ph idx="1"/>
+          </p:nvPr>
+        </p:nvSpPr>
+        <p:spPr>
+          <a:xfrm>
+            <a:off x="400594" y="1201783"/>
+            <a:ext cx="11495315" cy="5468983"/>
+          </a:xfrm>
+        </p:spPr>
+        <p:txBody>
+          <a:bodyPr>
+            <a:normAutofit/>
           </a:bodyPr>
           <a:lstStyle/>
           <a:p>
-            <a:pPr algn="ctr"/>
-            <a:r>
-              <a:rPr lang="en-US" sz="5400" b="1" dirty="0">
+            <a:pPr>
+              <a:lnSpc>
+                <a:spcPct val="150000"/>
+              </a:lnSpc>
+            </a:pPr>
+            <a:r>
+              <a:rPr lang="en-US" b="1" dirty="0"/>
+              <a:t>Update UI with informative message when fields/values are changed:</a:t>
+            </a:r>
+          </a:p>
+          <a:p>
+            <a:pPr lvl="1">
+              <a:lnSpc>
+                <a:spcPct val="150000"/>
+              </a:lnSpc>
+            </a:pPr>
+            <a:r>
+              <a:rPr lang="en-US" b="1" dirty="0" err="1"/>
+              <a:t>SpaceShip</a:t>
+            </a:r>
+            <a:r>
+              <a:rPr lang="en-US" b="1" dirty="0"/>
+              <a:t> is hit.</a:t>
+            </a:r>
+          </a:p>
+          <a:p>
+            <a:pPr lvl="1">
+              <a:lnSpc>
+                <a:spcPct val="150000"/>
+              </a:lnSpc>
+            </a:pPr>
+            <a:r>
+              <a:rPr lang="en-US" b="1" dirty="0"/>
+              <a:t>Teleport executed by </a:t>
+            </a:r>
+            <a:r>
+              <a:rPr lang="en-US" b="1" dirty="0" err="1"/>
+              <a:t>SpaceShip</a:t>
+            </a:r>
+            <a:r>
+              <a:rPr lang="en-US" b="1" dirty="0"/>
+              <a:t>.</a:t>
+            </a:r>
+          </a:p>
+          <a:p>
+            <a:pPr lvl="1">
+              <a:lnSpc>
+                <a:spcPct val="150000"/>
+              </a:lnSpc>
+            </a:pPr>
+            <a:r>
+              <a:rPr lang="en-US" b="1" dirty="0" err="1"/>
+              <a:t>SpaceShip</a:t>
+            </a:r>
+            <a:r>
+              <a:rPr lang="en-US" b="1" dirty="0"/>
+              <a:t> died.</a:t>
+            </a:r>
+          </a:p>
+          <a:p>
+            <a:pPr>
+              <a:lnSpc>
+                <a:spcPct val="150000"/>
+              </a:lnSpc>
+            </a:pPr>
+            <a:r>
+              <a:rPr lang="en-US" b="1" dirty="0">
                 <a:solidFill>
-                  <a:schemeClr val="bg1"/>
+                  <a:srgbClr val="FF0000"/>
                 </a:solidFill>
               </a:rPr>
-              <a:t>Invasive Aspects</a:t>
-            </a:r>
-            <a:endParaRPr lang="en-US" sz="4800" b="1" dirty="0">
-              <a:solidFill>
-                <a:schemeClr val="bg1"/>
-              </a:solidFill>
-            </a:endParaRPr>
+              <a:t>Pointcut: </a:t>
+            </a:r>
+          </a:p>
+          <a:p>
+            <a:pPr>
+              <a:lnSpc>
+                <a:spcPct val="150000"/>
+              </a:lnSpc>
+            </a:pPr>
+            <a:r>
+              <a:rPr lang="en-US" b="1" dirty="0">
+                <a:solidFill>
+                  <a:srgbClr val="FF0000"/>
+                </a:solidFill>
+              </a:rPr>
+              <a:t>Advice:</a:t>
+            </a:r>
+          </a:p>
+          <a:p>
+            <a:pPr>
+              <a:lnSpc>
+                <a:spcPct val="150000"/>
+              </a:lnSpc>
+            </a:pPr>
+            <a:endParaRPr lang="en-US" b="1" dirty="0"/>
           </a:p>
         </p:txBody>
       </p:sp>
     </p:spTree>
     <p:extLst>
       <p:ext uri="{BB962C8B-B14F-4D97-AF65-F5344CB8AC3E}">
-        <p14:creationId xmlns:p14="http://schemas.microsoft.com/office/powerpoint/2010/main" val="3739079832"/>
+        <p14:creationId xmlns:p14="http://schemas.microsoft.com/office/powerpoint/2010/main" val="2170754187"/>
       </p:ext>
     </p:extLst>
   </p:cSld>
@@ -5479,111 +5630,22 @@
       </p:grpSpPr>
       <p:sp>
         <p:nvSpPr>
-          <p:cNvPr id="4" name="Title 1">
-            <a:extLst>
-              <a:ext uri="{FF2B5EF4-FFF2-40B4-BE49-F238E27FC236}">
-                <a16:creationId xmlns:a16="http://schemas.microsoft.com/office/drawing/2014/main" id="{CAC17C8E-3677-4E33-AD1C-BB70137513FC}"/>
-              </a:ext>
-            </a:extLst>
-          </p:cNvPr>
-          <p:cNvSpPr>
-            <a:spLocks noGrp="1"/>
-          </p:cNvSpPr>
-          <p:nvPr>
-            <p:ph type="title"/>
-          </p:nvPr>
+          <p:cNvPr id="3" name="TextBox 2">
+            <a:extLst>
+              <a:ext uri="{FF2B5EF4-FFF2-40B4-BE49-F238E27FC236}">
+                <a16:creationId xmlns:a16="http://schemas.microsoft.com/office/drawing/2014/main" id="{77462736-FE3A-4BAB-8C7B-E597C0C00E8D}"/>
+              </a:ext>
+            </a:extLst>
+          </p:cNvPr>
+          <p:cNvSpPr txBox="1"/>
+          <p:nvPr/>
         </p:nvSpPr>
         <p:spPr>
           <a:xfrm>
-            <a:off x="400594" y="86450"/>
-            <a:ext cx="10515600" cy="1325563"/>
-          </a:xfrm>
-        </p:spPr>
-        <p:txBody>
-          <a:bodyPr/>
-          <a:lstStyle/>
-          <a:p>
-            <a:r>
-              <a:rPr lang="en-US" b="1" dirty="0">
-                <a:latin typeface="+mn-lt"/>
-              </a:rPr>
-              <a:t>Invasive Aspects:</a:t>
-            </a:r>
-          </a:p>
-        </p:txBody>
-      </p:sp>
-      <p:sp>
-        <p:nvSpPr>
-          <p:cNvPr id="5" name="Content Placeholder 2">
-            <a:extLst>
-              <a:ext uri="{FF2B5EF4-FFF2-40B4-BE49-F238E27FC236}">
-                <a16:creationId xmlns:a16="http://schemas.microsoft.com/office/drawing/2014/main" id="{507F342C-C331-44DB-ACF0-C06FE2A5C3FB}"/>
-              </a:ext>
-            </a:extLst>
-          </p:cNvPr>
-          <p:cNvSpPr>
-            <a:spLocks noGrp="1"/>
-          </p:cNvSpPr>
-          <p:nvPr>
-            <p:ph idx="1"/>
-          </p:nvPr>
-        </p:nvSpPr>
-        <p:spPr>
-          <a:xfrm>
-            <a:off x="218114" y="1201784"/>
-            <a:ext cx="11677795" cy="2162202"/>
-          </a:xfrm>
-        </p:spPr>
-        <p:txBody>
-          <a:bodyPr>
-            <a:normAutofit/>
-          </a:bodyPr>
-          <a:lstStyle/>
-          <a:p>
-            <a:pPr marL="0" indent="0">
-              <a:lnSpc>
-                <a:spcPct val="150000"/>
-              </a:lnSpc>
-              <a:buNone/>
-            </a:pPr>
-            <a:r>
-              <a:rPr lang="en-US" b="1" i="1" dirty="0"/>
-              <a:t>Instead of…</a:t>
-            </a:r>
-          </a:p>
-          <a:p>
-            <a:pPr marL="0" indent="0">
-              <a:lnSpc>
-                <a:spcPct val="150000"/>
-              </a:lnSpc>
-              <a:buNone/>
-            </a:pPr>
-            <a:endParaRPr lang="en-US" b="1" dirty="0">
-              <a:solidFill>
-                <a:srgbClr val="FF0000"/>
-              </a:solidFill>
-            </a:endParaRPr>
-          </a:p>
-        </p:txBody>
-      </p:sp>
-      <p:sp>
-        <p:nvSpPr>
-          <p:cNvPr id="2" name="Oval 1">
-            <a:extLst>
-              <a:ext uri="{FF2B5EF4-FFF2-40B4-BE49-F238E27FC236}">
-                <a16:creationId xmlns:a16="http://schemas.microsoft.com/office/drawing/2014/main" id="{BCF2E675-C3F4-427A-A354-973D66CCA7AF}"/>
-              </a:ext>
-            </a:extLst>
-          </p:cNvPr>
-          <p:cNvSpPr/>
-          <p:nvPr/>
-        </p:nvSpPr>
-        <p:spPr>
-          <a:xfrm>
-            <a:off x="1655745" y="3363986"/>
-            <a:ext cx="1602138" cy="1536585"/>
-          </a:xfrm>
-          <a:prstGeom prst="ellipse">
+            <a:off x="3848087" y="2334074"/>
+            <a:ext cx="4495826" cy="1754326"/>
+          </a:xfrm>
+          <a:prstGeom prst="rect">
             <a:avLst/>
           </a:prstGeom>
           <a:solidFill>
@@ -5591,154 +5653,37 @@
           </a:solidFill>
           <a:ln>
             <a:solidFill>
-              <a:schemeClr val="bg1"/>
+              <a:schemeClr val="tx1"/>
             </a:solidFill>
           </a:ln>
         </p:spPr>
-        <p:style>
-          <a:lnRef idx="2">
-            <a:schemeClr val="accent1">
-              <a:shade val="50000"/>
-            </a:schemeClr>
-          </a:lnRef>
-          <a:fillRef idx="1">
-            <a:schemeClr val="accent1"/>
-          </a:fillRef>
-          <a:effectRef idx="0">
-            <a:schemeClr val="accent1"/>
-          </a:effectRef>
-          <a:fontRef idx="minor">
-            <a:schemeClr val="lt1"/>
-          </a:fontRef>
-        </p:style>
-        <p:txBody>
-          <a:bodyPr rtlCol="0" anchor="ctr"/>
+        <p:txBody>
+          <a:bodyPr wrap="square" rtlCol="0">
+            <a:spAutoFit/>
+          </a:bodyPr>
           <a:lstStyle/>
           <a:p>
             <a:pPr algn="ctr"/>
             <a:r>
-              <a:rPr lang="en-US" sz="1600" b="1" dirty="0" err="1"/>
-              <a:t>ExceptionHandler</a:t>
-            </a:r>
-            <a:r>
-              <a:rPr lang="en-US" sz="1600" b="1" dirty="0"/>
-              <a:t> Aspect</a:t>
-            </a:r>
-          </a:p>
-        </p:txBody>
-      </p:sp>
-      <p:sp>
-        <p:nvSpPr>
-          <p:cNvPr id="6" name="Oval 5">
-            <a:extLst>
-              <a:ext uri="{FF2B5EF4-FFF2-40B4-BE49-F238E27FC236}">
-                <a16:creationId xmlns:a16="http://schemas.microsoft.com/office/drawing/2014/main" id="{7F4FCC0E-5A9D-4984-A1C0-594C48631B84}"/>
-              </a:ext>
-            </a:extLst>
-          </p:cNvPr>
-          <p:cNvSpPr/>
-          <p:nvPr/>
-        </p:nvSpPr>
-        <p:spPr>
-          <a:xfrm>
-            <a:off x="4603157" y="3363986"/>
-            <a:ext cx="1602138" cy="1536585"/>
-          </a:xfrm>
-          <a:prstGeom prst="ellipse">
-            <a:avLst/>
-          </a:prstGeom>
-          <a:solidFill>
-            <a:schemeClr val="tx1"/>
-          </a:solidFill>
-          <a:ln>
-            <a:solidFill>
-              <a:schemeClr val="bg1"/>
-            </a:solidFill>
-          </a:ln>
-        </p:spPr>
-        <p:style>
-          <a:lnRef idx="2">
-            <a:schemeClr val="accent1">
-              <a:shade val="50000"/>
-            </a:schemeClr>
-          </a:lnRef>
-          <a:fillRef idx="1">
-            <a:schemeClr val="accent1"/>
-          </a:fillRef>
-          <a:effectRef idx="0">
-            <a:schemeClr val="accent1"/>
-          </a:effectRef>
-          <a:fontRef idx="minor">
-            <a:schemeClr val="lt1"/>
-          </a:fontRef>
-        </p:style>
-        <p:txBody>
-          <a:bodyPr rtlCol="0" anchor="ctr"/>
-          <a:lstStyle/>
-          <a:p>
-            <a:pPr algn="ctr"/>
-            <a:endParaRPr lang="en-US" sz="1600" b="1" dirty="0"/>
-          </a:p>
-        </p:txBody>
-      </p:sp>
-      <p:sp>
-        <p:nvSpPr>
-          <p:cNvPr id="7" name="Oval 6">
-            <a:extLst>
-              <a:ext uri="{FF2B5EF4-FFF2-40B4-BE49-F238E27FC236}">
-                <a16:creationId xmlns:a16="http://schemas.microsoft.com/office/drawing/2014/main" id="{E2B9C561-C78F-4056-AE7A-9CB3495FFDD1}"/>
-              </a:ext>
-            </a:extLst>
-          </p:cNvPr>
-          <p:cNvSpPr/>
-          <p:nvPr/>
-        </p:nvSpPr>
-        <p:spPr>
-          <a:xfrm>
-            <a:off x="7678201" y="3363985"/>
-            <a:ext cx="1602138" cy="1536585"/>
-          </a:xfrm>
-          <a:prstGeom prst="ellipse">
-            <a:avLst/>
-          </a:prstGeom>
-          <a:solidFill>
-            <a:schemeClr val="tx1"/>
-          </a:solidFill>
-          <a:ln>
-            <a:solidFill>
-              <a:schemeClr val="bg1"/>
-            </a:solidFill>
-          </a:ln>
-        </p:spPr>
-        <p:style>
-          <a:lnRef idx="2">
-            <a:schemeClr val="accent1">
-              <a:shade val="50000"/>
-            </a:schemeClr>
-          </a:lnRef>
-          <a:fillRef idx="1">
-            <a:schemeClr val="accent1"/>
-          </a:fillRef>
-          <a:effectRef idx="0">
-            <a:schemeClr val="accent1"/>
-          </a:effectRef>
-          <a:fontRef idx="minor">
-            <a:schemeClr val="lt1"/>
-          </a:fontRef>
-        </p:style>
-        <p:txBody>
-          <a:bodyPr rtlCol="0" anchor="ctr"/>
-          <a:lstStyle/>
-          <a:p>
-            <a:pPr algn="ctr"/>
-            <a:endParaRPr lang="en-US" sz="1600" b="1" dirty="0"/>
+              <a:rPr lang="en-US" sz="5400" b="1" dirty="0">
+                <a:solidFill>
+                  <a:schemeClr val="bg1"/>
+                </a:solidFill>
+              </a:rPr>
+              <a:t>Invasive Aspects</a:t>
+            </a:r>
+            <a:endParaRPr lang="en-US" sz="4800" b="1" dirty="0">
+              <a:solidFill>
+                <a:schemeClr val="bg1"/>
+              </a:solidFill>
+            </a:endParaRPr>
           </a:p>
         </p:txBody>
       </p:sp>
     </p:spTree>
     <p:extLst>
       <p:ext uri="{BB962C8B-B14F-4D97-AF65-F5344CB8AC3E}">
-        <p14:creationId xmlns:p14="http://schemas.microsoft.com/office/powerpoint/2010/main" val="3990422798"/>
+        <p14:creationId xmlns:p14="http://schemas.microsoft.com/office/powerpoint/2010/main" val="3739079832"/>
       </p:ext>
     </p:extLst>
   </p:cSld>
@@ -5792,14 +5737,11 @@
           <a:lstStyle/>
           <a:p>
             <a:r>
-              <a:rPr lang="en-US" b="1" dirty="0" err="1">
+              <a:rPr lang="en-US" b="1" dirty="0">
                 <a:latin typeface="+mn-lt"/>
               </a:rPr>
-              <a:t>ExceptionHandlerAspect</a:t>
-            </a:r>
-            <a:endParaRPr lang="en-US" b="1" dirty="0">
-              <a:latin typeface="+mn-lt"/>
-            </a:endParaRPr>
+              <a:t>Invasive Aspects:</a:t>
+            </a:r>
           </a:p>
         </p:txBody>
       </p:sp>
@@ -5821,8 +5763,8 @@
         </p:nvSpPr>
         <p:spPr>
           <a:xfrm>
-            <a:off x="400594" y="1201783"/>
-            <a:ext cx="11495315" cy="5468983"/>
+            <a:off x="218114" y="1201784"/>
+            <a:ext cx="11677795" cy="2162202"/>
           </a:xfrm>
         </p:spPr>
         <p:txBody>
@@ -5831,19 +5773,209 @@
           </a:bodyPr>
           <a:lstStyle/>
           <a:p>
-            <a:pPr>
+            <a:pPr marL="0" indent="0">
               <a:lnSpc>
                 <a:spcPct val="150000"/>
               </a:lnSpc>
-            </a:pPr>
-            <a:endParaRPr lang="en-US" b="1" dirty="0"/>
+              <a:buNone/>
+            </a:pPr>
+            <a:r>
+              <a:rPr lang="en-US" b="1" i="1" dirty="0">
+                <a:highlight>
+                  <a:srgbClr val="FFFF00"/>
+                </a:highlight>
+              </a:rPr>
+              <a:t>TODO</a:t>
+            </a:r>
+          </a:p>
+          <a:p>
+            <a:pPr marL="0" indent="0">
+              <a:lnSpc>
+                <a:spcPct val="150000"/>
+              </a:lnSpc>
+              <a:buNone/>
+            </a:pPr>
+            <a:endParaRPr lang="en-US" b="1" dirty="0">
+              <a:solidFill>
+                <a:srgbClr val="FF0000"/>
+              </a:solidFill>
+            </a:endParaRPr>
+          </a:p>
+        </p:txBody>
+      </p:sp>
+      <p:sp>
+        <p:nvSpPr>
+          <p:cNvPr id="2" name="Oval 1">
+            <a:extLst>
+              <a:ext uri="{FF2B5EF4-FFF2-40B4-BE49-F238E27FC236}">
+                <a16:creationId xmlns:a16="http://schemas.microsoft.com/office/drawing/2014/main" id="{BCF2E675-C3F4-427A-A354-973D66CCA7AF}"/>
+              </a:ext>
+            </a:extLst>
+          </p:cNvPr>
+          <p:cNvSpPr/>
+          <p:nvPr/>
+        </p:nvSpPr>
+        <p:spPr>
+          <a:xfrm>
+            <a:off x="1655745" y="3363986"/>
+            <a:ext cx="1602138" cy="1536585"/>
+          </a:xfrm>
+          <a:prstGeom prst="ellipse">
+            <a:avLst/>
+          </a:prstGeom>
+          <a:solidFill>
+            <a:schemeClr val="tx1"/>
+          </a:solidFill>
+          <a:ln>
+            <a:solidFill>
+              <a:schemeClr val="bg1"/>
+            </a:solidFill>
+          </a:ln>
+        </p:spPr>
+        <p:style>
+          <a:lnRef idx="2">
+            <a:schemeClr val="accent1">
+              <a:shade val="50000"/>
+            </a:schemeClr>
+          </a:lnRef>
+          <a:fillRef idx="1">
+            <a:schemeClr val="accent1"/>
+          </a:fillRef>
+          <a:effectRef idx="0">
+            <a:schemeClr val="accent1"/>
+          </a:effectRef>
+          <a:fontRef idx="minor">
+            <a:schemeClr val="lt1"/>
+          </a:fontRef>
+        </p:style>
+        <p:txBody>
+          <a:bodyPr rtlCol="0" anchor="ctr"/>
+          <a:lstStyle/>
+          <a:p>
+            <a:pPr algn="ctr"/>
+            <a:r>
+              <a:rPr lang="en-US" sz="1600" b="1" dirty="0" err="1"/>
+              <a:t>ExceptionHandler</a:t>
+            </a:r>
+            <a:r>
+              <a:rPr lang="en-US" sz="1600" b="1" dirty="0"/>
+              <a:t> Aspect</a:t>
+            </a:r>
+          </a:p>
+        </p:txBody>
+      </p:sp>
+      <p:sp>
+        <p:nvSpPr>
+          <p:cNvPr id="6" name="Oval 5">
+            <a:extLst>
+              <a:ext uri="{FF2B5EF4-FFF2-40B4-BE49-F238E27FC236}">
+                <a16:creationId xmlns:a16="http://schemas.microsoft.com/office/drawing/2014/main" id="{7F4FCC0E-5A9D-4984-A1C0-594C48631B84}"/>
+              </a:ext>
+            </a:extLst>
+          </p:cNvPr>
+          <p:cNvSpPr/>
+          <p:nvPr/>
+        </p:nvSpPr>
+        <p:spPr>
+          <a:xfrm>
+            <a:off x="4603157" y="3363986"/>
+            <a:ext cx="1602138" cy="1536585"/>
+          </a:xfrm>
+          <a:prstGeom prst="ellipse">
+            <a:avLst/>
+          </a:prstGeom>
+          <a:solidFill>
+            <a:schemeClr val="tx1"/>
+          </a:solidFill>
+          <a:ln>
+            <a:solidFill>
+              <a:schemeClr val="bg1"/>
+            </a:solidFill>
+          </a:ln>
+        </p:spPr>
+        <p:style>
+          <a:lnRef idx="2">
+            <a:schemeClr val="accent1">
+              <a:shade val="50000"/>
+            </a:schemeClr>
+          </a:lnRef>
+          <a:fillRef idx="1">
+            <a:schemeClr val="accent1"/>
+          </a:fillRef>
+          <a:effectRef idx="0">
+            <a:schemeClr val="accent1"/>
+          </a:effectRef>
+          <a:fontRef idx="minor">
+            <a:schemeClr val="lt1"/>
+          </a:fontRef>
+        </p:style>
+        <p:txBody>
+          <a:bodyPr rtlCol="0" anchor="ctr"/>
+          <a:lstStyle/>
+          <a:p>
+            <a:pPr algn="ctr"/>
+            <a:endParaRPr lang="en-US" sz="1600" b="1" dirty="0"/>
+          </a:p>
+        </p:txBody>
+      </p:sp>
+      <p:sp>
+        <p:nvSpPr>
+          <p:cNvPr id="7" name="Oval 6">
+            <a:extLst>
+              <a:ext uri="{FF2B5EF4-FFF2-40B4-BE49-F238E27FC236}">
+                <a16:creationId xmlns:a16="http://schemas.microsoft.com/office/drawing/2014/main" id="{E2B9C561-C78F-4056-AE7A-9CB3495FFDD1}"/>
+              </a:ext>
+            </a:extLst>
+          </p:cNvPr>
+          <p:cNvSpPr/>
+          <p:nvPr/>
+        </p:nvSpPr>
+        <p:spPr>
+          <a:xfrm>
+            <a:off x="7678201" y="3363985"/>
+            <a:ext cx="1602138" cy="1536585"/>
+          </a:xfrm>
+          <a:prstGeom prst="ellipse">
+            <a:avLst/>
+          </a:prstGeom>
+          <a:solidFill>
+            <a:schemeClr val="tx1"/>
+          </a:solidFill>
+          <a:ln>
+            <a:solidFill>
+              <a:schemeClr val="bg1"/>
+            </a:solidFill>
+          </a:ln>
+        </p:spPr>
+        <p:style>
+          <a:lnRef idx="2">
+            <a:schemeClr val="accent1">
+              <a:shade val="50000"/>
+            </a:schemeClr>
+          </a:lnRef>
+          <a:fillRef idx="1">
+            <a:schemeClr val="accent1"/>
+          </a:fillRef>
+          <a:effectRef idx="0">
+            <a:schemeClr val="accent1"/>
+          </a:effectRef>
+          <a:fontRef idx="minor">
+            <a:schemeClr val="lt1"/>
+          </a:fontRef>
+        </p:style>
+        <p:txBody>
+          <a:bodyPr rtlCol="0" anchor="ctr"/>
+          <a:lstStyle/>
+          <a:p>
+            <a:pPr algn="ctr"/>
+            <a:endParaRPr lang="en-US" sz="1600" b="1" dirty="0"/>
           </a:p>
         </p:txBody>
       </p:sp>
     </p:spTree>
     <p:extLst>
       <p:ext uri="{BB962C8B-B14F-4D97-AF65-F5344CB8AC3E}">
-        <p14:creationId xmlns:p14="http://schemas.microsoft.com/office/powerpoint/2010/main" val="3599381813"/>
+        <p14:creationId xmlns:p14="http://schemas.microsoft.com/office/powerpoint/2010/main" val="3990422798"/>
       </p:ext>
     </p:extLst>
   </p:cSld>
@@ -5872,60 +6004,229 @@
       </p:grpSpPr>
       <p:sp>
         <p:nvSpPr>
-          <p:cNvPr id="5" name="TextBox 4">
-            <a:extLst>
-              <a:ext uri="{FF2B5EF4-FFF2-40B4-BE49-F238E27FC236}">
-                <a16:creationId xmlns:a16="http://schemas.microsoft.com/office/drawing/2014/main" id="{0470CAB3-69C7-4708-B6B1-132C92342460}"/>
-              </a:ext>
-            </a:extLst>
-          </p:cNvPr>
-          <p:cNvSpPr txBox="1"/>
+          <p:cNvPr id="4" name="Title 1">
+            <a:extLst>
+              <a:ext uri="{FF2B5EF4-FFF2-40B4-BE49-F238E27FC236}">
+                <a16:creationId xmlns:a16="http://schemas.microsoft.com/office/drawing/2014/main" id="{CAC17C8E-3677-4E33-AD1C-BB70137513FC}"/>
+              </a:ext>
+            </a:extLst>
+          </p:cNvPr>
+          <p:cNvSpPr>
+            <a:spLocks noGrp="1"/>
+          </p:cNvSpPr>
+          <p:nvPr>
+            <p:ph type="title"/>
+          </p:nvPr>
+        </p:nvSpPr>
+        <p:spPr>
+          <a:xfrm>
+            <a:off x="400594" y="86450"/>
+            <a:ext cx="10515600" cy="1325563"/>
+          </a:xfrm>
+        </p:spPr>
+        <p:txBody>
+          <a:bodyPr/>
+          <a:lstStyle/>
+          <a:p>
+            <a:r>
+              <a:rPr lang="en-US" b="1" dirty="0" err="1">
+                <a:latin typeface="+mn-lt"/>
+              </a:rPr>
+              <a:t>ExceptionTranslatorAspect</a:t>
+            </a:r>
+            <a:endParaRPr lang="en-US" b="1" dirty="0">
+              <a:latin typeface="+mn-lt"/>
+            </a:endParaRPr>
+          </a:p>
+        </p:txBody>
+      </p:sp>
+      <p:sp>
+        <p:nvSpPr>
+          <p:cNvPr id="5" name="Content Placeholder 2">
+            <a:extLst>
+              <a:ext uri="{FF2B5EF4-FFF2-40B4-BE49-F238E27FC236}">
+                <a16:creationId xmlns:a16="http://schemas.microsoft.com/office/drawing/2014/main" id="{507F342C-C331-44DB-ACF0-C06FE2A5C3FB}"/>
+              </a:ext>
+            </a:extLst>
+          </p:cNvPr>
+          <p:cNvSpPr>
+            <a:spLocks noGrp="1"/>
+          </p:cNvSpPr>
+          <p:nvPr>
+            <p:ph idx="1"/>
+          </p:nvPr>
+        </p:nvSpPr>
+        <p:spPr>
+          <a:xfrm>
+            <a:off x="400595" y="1010093"/>
+            <a:ext cx="11284586" cy="5660673"/>
+          </a:xfrm>
+        </p:spPr>
+        <p:txBody>
+          <a:bodyPr>
+            <a:normAutofit/>
+          </a:bodyPr>
+          <a:lstStyle/>
+          <a:p>
+            <a:pPr>
+              <a:lnSpc>
+                <a:spcPct val="150000"/>
+              </a:lnSpc>
+            </a:pPr>
+            <a:r>
+              <a:rPr lang="en-US" sz="2400" b="1" i="1" dirty="0"/>
+              <a:t>Assume we use a third-party library (</a:t>
+            </a:r>
+            <a:r>
+              <a:rPr lang="en-US" sz="2400" b="1" i="1" dirty="0">
+                <a:solidFill>
+                  <a:srgbClr val="FF0000"/>
+                </a:solidFill>
+              </a:rPr>
+              <a:t>some ORM library</a:t>
+            </a:r>
+            <a:r>
+              <a:rPr lang="en-US" sz="2400" b="1" i="1" dirty="0"/>
+              <a:t>) which helps us transform RDBMS tables to Java objects. This library throws exceptions (</a:t>
+            </a:r>
+            <a:r>
+              <a:rPr lang="en-US" sz="2400" b="1" i="1" dirty="0" err="1"/>
+              <a:t>NoTableExistException</a:t>
+            </a:r>
+            <a:r>
+              <a:rPr lang="en-US" sz="2400" b="1" i="1" dirty="0"/>
+              <a:t>, </a:t>
+            </a:r>
+            <a:r>
+              <a:rPr lang="en-US" sz="2400" b="1" i="1" dirty="0" err="1"/>
+              <a:t>RecordException</a:t>
+            </a:r>
+            <a:r>
+              <a:rPr lang="en-US" sz="2400" b="1" i="1" dirty="0"/>
+              <a:t>, </a:t>
+            </a:r>
+            <a:r>
+              <a:rPr lang="en-US" sz="2400" b="1" i="1" dirty="0" err="1"/>
+              <a:t>etc</a:t>
+            </a:r>
+            <a:r>
+              <a:rPr lang="en-US" sz="2400" b="1" i="1" dirty="0"/>
+              <a:t>…). We would like to </a:t>
+            </a:r>
+            <a:r>
+              <a:rPr lang="en-US" sz="2400" b="1" i="1" dirty="0">
+                <a:solidFill>
+                  <a:srgbClr val="FF0000"/>
+                </a:solidFill>
+              </a:rPr>
+              <a:t>convert those exceptions to our APPLICATION exceptions: </a:t>
+            </a:r>
+            <a:r>
+              <a:rPr lang="en-US" sz="2400" b="1" i="1" dirty="0" err="1"/>
+              <a:t>DataAccessException</a:t>
+            </a:r>
+            <a:r>
+              <a:rPr lang="en-US" sz="2400" b="1" i="1" dirty="0"/>
+              <a:t>,  </a:t>
+            </a:r>
+            <a:r>
+              <a:rPr lang="en-US" sz="2400" b="1" i="1" dirty="0" err="1"/>
+              <a:t>PersistenceLayerException</a:t>
+            </a:r>
+            <a:r>
+              <a:rPr lang="en-US" sz="2400" b="1" i="1" dirty="0"/>
+              <a:t>. </a:t>
+            </a:r>
+          </a:p>
+          <a:p>
+            <a:pPr>
+              <a:lnSpc>
+                <a:spcPct val="150000"/>
+              </a:lnSpc>
+            </a:pPr>
+            <a:r>
+              <a:rPr lang="en-US" sz="2400" b="1" i="1" dirty="0"/>
+              <a:t>Lots of code will be </a:t>
+            </a:r>
+            <a:r>
+              <a:rPr lang="en-US" sz="2400" b="1" i="1" dirty="0">
+                <a:solidFill>
+                  <a:srgbClr val="FF0000"/>
+                </a:solidFill>
+              </a:rPr>
+              <a:t>scattered</a:t>
+            </a:r>
+            <a:r>
+              <a:rPr lang="en-US" sz="2400" b="1" i="1" dirty="0"/>
+              <a:t> over our codebase, with </a:t>
+            </a:r>
+            <a:r>
+              <a:rPr lang="en-US" sz="2400" b="1" i="1" dirty="0">
+                <a:solidFill>
+                  <a:srgbClr val="FF0000"/>
+                </a:solidFill>
+              </a:rPr>
+              <a:t>tangled</a:t>
+            </a:r>
+            <a:r>
+              <a:rPr lang="en-US" sz="2400" b="1" i="1" dirty="0"/>
+              <a:t> conversions.</a:t>
+            </a:r>
+          </a:p>
+          <a:p>
+            <a:pPr>
+              <a:lnSpc>
+                <a:spcPct val="150000"/>
+              </a:lnSpc>
+            </a:pPr>
+            <a:r>
+              <a:rPr lang="en-US" sz="2400" b="1" i="1" dirty="0"/>
+              <a:t>This can be taken care separately in an Aspect, making our code more clean and concise.</a:t>
+            </a:r>
+          </a:p>
+          <a:p>
+            <a:pPr>
+              <a:lnSpc>
+                <a:spcPct val="150000"/>
+              </a:lnSpc>
+            </a:pPr>
+            <a:endParaRPr lang="en-US" sz="2400" b="1" dirty="0"/>
+          </a:p>
+        </p:txBody>
+      </p:sp>
+      <p:pic>
+        <p:nvPicPr>
+          <p:cNvPr id="2" name="Picture 1">
+            <a:extLst>
+              <a:ext uri="{FF2B5EF4-FFF2-40B4-BE49-F238E27FC236}">
+                <a16:creationId xmlns:a16="http://schemas.microsoft.com/office/drawing/2014/main" id="{916FA2C5-607D-4599-BCA3-FD80C2B687E9}"/>
+              </a:ext>
+            </a:extLst>
+          </p:cNvPr>
+          <p:cNvPicPr>
+            <a:picLocks noChangeAspect="1"/>
+          </p:cNvPicPr>
           <p:nvPr/>
-        </p:nvSpPr>
+        </p:nvPicPr>
+        <p:blipFill rotWithShape="1">
+          <a:blip r:embed="rId2"/>
+          <a:srcRect l="4415" r="3668" b="5536"/>
+          <a:stretch/>
+        </p:blipFill>
         <p:spPr>
           <a:xfrm>
-            <a:off x="3263295" y="2334074"/>
-            <a:ext cx="5933477" cy="923330"/>
+            <a:off x="5658394" y="4681533"/>
+            <a:ext cx="5899951" cy="1989233"/>
           </a:xfrm>
           <a:prstGeom prst="rect">
             <a:avLst/>
           </a:prstGeom>
-          <a:solidFill>
-            <a:schemeClr val="tx1"/>
-          </a:solidFill>
-          <a:ln>
-            <a:solidFill>
-              <a:schemeClr val="tx1"/>
-            </a:solidFill>
-          </a:ln>
-        </p:spPr>
-        <p:txBody>
-          <a:bodyPr wrap="square" rtlCol="0">
-            <a:spAutoFit/>
-          </a:bodyPr>
-          <a:lstStyle/>
-          <a:p>
-            <a:pPr algn="ctr"/>
-            <a:r>
-              <a:rPr lang="en-US" sz="5400" b="1" dirty="0">
-                <a:solidFill>
-                  <a:schemeClr val="bg1"/>
-                </a:solidFill>
-              </a:rPr>
-              <a:t>Testing the aspects</a:t>
-            </a:r>
-            <a:endParaRPr lang="en-US" sz="4800" b="1" dirty="0">
-              <a:solidFill>
-                <a:schemeClr val="bg1"/>
-              </a:solidFill>
-            </a:endParaRPr>
-          </a:p>
-        </p:txBody>
-      </p:sp>
+        </p:spPr>
+      </p:pic>
     </p:spTree>
     <p:extLst>
       <p:ext uri="{BB962C8B-B14F-4D97-AF65-F5344CB8AC3E}">
-        <p14:creationId xmlns:p14="http://schemas.microsoft.com/office/powerpoint/2010/main" val="2841633555"/>
+        <p14:creationId xmlns:p14="http://schemas.microsoft.com/office/powerpoint/2010/main" val="3599381813"/>
       </p:ext>
     </p:extLst>
   </p:cSld>
@@ -5979,6 +6280,266 @@
           <a:lstStyle/>
           <a:p>
             <a:r>
+              <a:rPr lang="en-US" b="1" dirty="0" err="1">
+                <a:latin typeface="+mn-lt"/>
+              </a:rPr>
+              <a:t>ExceptionTranslatorAspect</a:t>
+            </a:r>
+            <a:endParaRPr lang="en-US" b="1" dirty="0">
+              <a:latin typeface="+mn-lt"/>
+            </a:endParaRPr>
+          </a:p>
+        </p:txBody>
+      </p:sp>
+      <p:sp>
+        <p:nvSpPr>
+          <p:cNvPr id="5" name="Content Placeholder 2">
+            <a:extLst>
+              <a:ext uri="{FF2B5EF4-FFF2-40B4-BE49-F238E27FC236}">
+                <a16:creationId xmlns:a16="http://schemas.microsoft.com/office/drawing/2014/main" id="{507F342C-C331-44DB-ACF0-C06FE2A5C3FB}"/>
+              </a:ext>
+            </a:extLst>
+          </p:cNvPr>
+          <p:cNvSpPr>
+            <a:spLocks noGrp="1"/>
+          </p:cNvSpPr>
+          <p:nvPr>
+            <p:ph idx="1"/>
+          </p:nvPr>
+        </p:nvSpPr>
+        <p:spPr>
+          <a:xfrm>
+            <a:off x="400595" y="1116419"/>
+            <a:ext cx="11284586" cy="5554347"/>
+          </a:xfrm>
+        </p:spPr>
+        <p:txBody>
+          <a:bodyPr>
+            <a:normAutofit/>
+          </a:bodyPr>
+          <a:lstStyle/>
+          <a:p>
+            <a:pPr>
+              <a:lnSpc>
+                <a:spcPct val="150000"/>
+              </a:lnSpc>
+            </a:pPr>
+            <a:r>
+              <a:rPr lang="en-US" sz="2400" b="1" i="1" dirty="0">
+                <a:solidFill>
+                  <a:srgbClr val="FF0000"/>
+                </a:solidFill>
+              </a:rPr>
+              <a:t>Pointcut: </a:t>
+            </a:r>
+            <a:r>
+              <a:rPr lang="en-US" sz="2400" b="1" i="1" dirty="0"/>
+              <a:t>Escape is pressed in main game (game ended by user) and a </a:t>
+            </a:r>
+            <a:r>
+              <a:rPr lang="en-US" sz="2400" b="1" i="1" dirty="0" err="1"/>
+              <a:t>KeyboardException</a:t>
+            </a:r>
+            <a:r>
+              <a:rPr lang="en-US" sz="2400" b="1" i="1" dirty="0"/>
+              <a:t> is thrown.</a:t>
+            </a:r>
+          </a:p>
+          <a:p>
+            <a:pPr>
+              <a:lnSpc>
+                <a:spcPct val="150000"/>
+              </a:lnSpc>
+            </a:pPr>
+            <a:r>
+              <a:rPr lang="en-US" sz="2400" b="1" i="1" dirty="0">
+                <a:solidFill>
+                  <a:srgbClr val="FF0000"/>
+                </a:solidFill>
+              </a:rPr>
+              <a:t>Advice: </a:t>
+            </a:r>
+            <a:r>
+              <a:rPr lang="en-US" sz="2400" b="1" i="1" dirty="0"/>
+              <a:t>Translate 3</a:t>
+            </a:r>
+            <a:r>
+              <a:rPr lang="en-US" sz="2400" b="1" i="1" baseline="30000" dirty="0"/>
+              <a:t>rd</a:t>
+            </a:r>
+            <a:r>
+              <a:rPr lang="en-US" sz="2400" b="1" i="1" dirty="0"/>
+              <a:t> party thrown exception into our application exception.</a:t>
+            </a:r>
+          </a:p>
+          <a:p>
+            <a:pPr>
+              <a:lnSpc>
+                <a:spcPct val="150000"/>
+              </a:lnSpc>
+            </a:pPr>
+            <a:r>
+              <a:rPr lang="en-US" sz="2400" b="1" dirty="0" err="1">
+                <a:solidFill>
+                  <a:srgbClr val="FF0000"/>
+                </a:solidFill>
+              </a:rPr>
+              <a:t>ProceedingJointPoint</a:t>
+            </a:r>
+            <a:r>
+              <a:rPr lang="en-US" sz="2400" b="1" dirty="0"/>
+              <a:t>: an around advice is a special advice that can control when and if a method (or other join point) is executed. so they require an argument of type PJP, whereas other advices just use a plain </a:t>
+            </a:r>
+            <a:r>
+              <a:rPr lang="en-US" sz="2400" b="1" dirty="0" err="1"/>
+              <a:t>JoinPoint</a:t>
+            </a:r>
+            <a:r>
+              <a:rPr lang="en-US" sz="2400" b="1" dirty="0"/>
+              <a:t>.</a:t>
+            </a:r>
+          </a:p>
+        </p:txBody>
+      </p:sp>
+    </p:spTree>
+    <p:extLst>
+      <p:ext uri="{BB962C8B-B14F-4D97-AF65-F5344CB8AC3E}">
+        <p14:creationId xmlns:p14="http://schemas.microsoft.com/office/powerpoint/2010/main" val="596891456"/>
+      </p:ext>
+    </p:extLst>
+  </p:cSld>
+  <p:clrMapOvr>
+    <a:masterClrMapping/>
+  </p:clrMapOvr>
+</p:sld>
+</file>
+
+<file path=ppt/slides/slide24.xml><?xml version="1.0" encoding="utf-8"?>
+<p:sld xmlns:a="http://schemas.openxmlformats.org/drawingml/2006/main" xmlns:r="http://schemas.openxmlformats.org/officeDocument/2006/relationships" xmlns:p="http://schemas.openxmlformats.org/presentationml/2006/main">
+  <p:cSld>
+    <p:spTree>
+      <p:nvGrpSpPr>
+        <p:cNvPr id="1" name=""/>
+        <p:cNvGrpSpPr/>
+        <p:nvPr/>
+      </p:nvGrpSpPr>
+      <p:grpSpPr>
+        <a:xfrm>
+          <a:off x="0" y="0"/>
+          <a:ext cx="0" cy="0"/>
+          <a:chOff x="0" y="0"/>
+          <a:chExt cx="0" cy="0"/>
+        </a:xfrm>
+      </p:grpSpPr>
+      <p:sp>
+        <p:nvSpPr>
+          <p:cNvPr id="5" name="TextBox 4">
+            <a:extLst>
+              <a:ext uri="{FF2B5EF4-FFF2-40B4-BE49-F238E27FC236}">
+                <a16:creationId xmlns:a16="http://schemas.microsoft.com/office/drawing/2014/main" id="{0470CAB3-69C7-4708-B6B1-132C92342460}"/>
+              </a:ext>
+            </a:extLst>
+          </p:cNvPr>
+          <p:cNvSpPr txBox="1"/>
+          <p:nvPr/>
+        </p:nvSpPr>
+        <p:spPr>
+          <a:xfrm>
+            <a:off x="3263295" y="2334074"/>
+            <a:ext cx="5933477" cy="923330"/>
+          </a:xfrm>
+          <a:prstGeom prst="rect">
+            <a:avLst/>
+          </a:prstGeom>
+          <a:solidFill>
+            <a:schemeClr val="tx1"/>
+          </a:solidFill>
+          <a:ln>
+            <a:solidFill>
+              <a:schemeClr val="tx1"/>
+            </a:solidFill>
+          </a:ln>
+        </p:spPr>
+        <p:txBody>
+          <a:bodyPr wrap="square" rtlCol="0">
+            <a:spAutoFit/>
+          </a:bodyPr>
+          <a:lstStyle/>
+          <a:p>
+            <a:pPr algn="ctr"/>
+            <a:r>
+              <a:rPr lang="en-US" sz="5400" b="1" dirty="0">
+                <a:solidFill>
+                  <a:schemeClr val="bg1"/>
+                </a:solidFill>
+              </a:rPr>
+              <a:t>Testing the aspects</a:t>
+            </a:r>
+            <a:endParaRPr lang="en-US" sz="4800" b="1" dirty="0">
+              <a:solidFill>
+                <a:schemeClr val="bg1"/>
+              </a:solidFill>
+            </a:endParaRPr>
+          </a:p>
+        </p:txBody>
+      </p:sp>
+    </p:spTree>
+    <p:extLst>
+      <p:ext uri="{BB962C8B-B14F-4D97-AF65-F5344CB8AC3E}">
+        <p14:creationId xmlns:p14="http://schemas.microsoft.com/office/powerpoint/2010/main" val="2841633555"/>
+      </p:ext>
+    </p:extLst>
+  </p:cSld>
+  <p:clrMapOvr>
+    <a:masterClrMapping/>
+  </p:clrMapOvr>
+</p:sld>
+</file>
+
+<file path=ppt/slides/slide25.xml><?xml version="1.0" encoding="utf-8"?>
+<p:sld xmlns:a="http://schemas.openxmlformats.org/drawingml/2006/main" xmlns:r="http://schemas.openxmlformats.org/officeDocument/2006/relationships" xmlns:p="http://schemas.openxmlformats.org/presentationml/2006/main">
+  <p:cSld>
+    <p:spTree>
+      <p:nvGrpSpPr>
+        <p:cNvPr id="1" name=""/>
+        <p:cNvGrpSpPr/>
+        <p:nvPr/>
+      </p:nvGrpSpPr>
+      <p:grpSpPr>
+        <a:xfrm>
+          <a:off x="0" y="0"/>
+          <a:ext cx="0" cy="0"/>
+          <a:chOff x="0" y="0"/>
+          <a:chExt cx="0" cy="0"/>
+        </a:xfrm>
+      </p:grpSpPr>
+      <p:sp>
+        <p:nvSpPr>
+          <p:cNvPr id="4" name="Title 1">
+            <a:extLst>
+              <a:ext uri="{FF2B5EF4-FFF2-40B4-BE49-F238E27FC236}">
+                <a16:creationId xmlns:a16="http://schemas.microsoft.com/office/drawing/2014/main" id="{CAC17C8E-3677-4E33-AD1C-BB70137513FC}"/>
+              </a:ext>
+            </a:extLst>
+          </p:cNvPr>
+          <p:cNvSpPr>
+            <a:spLocks noGrp="1"/>
+          </p:cNvSpPr>
+          <p:nvPr>
+            <p:ph type="title"/>
+          </p:nvPr>
+        </p:nvSpPr>
+        <p:spPr>
+          <a:xfrm>
+            <a:off x="400594" y="86450"/>
+            <a:ext cx="10515600" cy="1325563"/>
+          </a:xfrm>
+        </p:spPr>
+        <p:txBody>
+          <a:bodyPr/>
+          <a:lstStyle/>
+          <a:p>
+            <a:r>
               <a:rPr lang="en-US" b="1" dirty="0">
                 <a:highlight>
                   <a:srgbClr val="FFFF00"/>
@@ -6051,7 +6612,7 @@
 </p:sld>
 </file>
 
-<file path=ppt/slides/slide24.xml><?xml version="1.0" encoding="utf-8"?>
+<file path=ppt/slides/slide26.xml><?xml version="1.0" encoding="utf-8"?>
 <p:sld xmlns:a="http://schemas.openxmlformats.org/drawingml/2006/main" xmlns:r="http://schemas.openxmlformats.org/officeDocument/2006/relationships" xmlns:p="http://schemas.openxmlformats.org/presentationml/2006/main">
   <p:cSld>
     <p:spTree>
@@ -6606,7 +7167,7 @@
         </p:spPr>
         <p:txBody>
           <a:bodyPr>
-            <a:normAutofit fontScale="85000" lnSpcReduction="20000"/>
+            <a:normAutofit fontScale="70000" lnSpcReduction="20000"/>
           </a:bodyPr>
           <a:lstStyle/>
           <a:p>
@@ -6684,27 +7245,15 @@
               </a:lnSpc>
             </a:pPr>
             <a:r>
-              <a:rPr lang="en-US" b="1" dirty="0">
-                <a:highlight>
-                  <a:srgbClr val="FFFF00"/>
-                </a:highlight>
-              </a:rPr>
+              <a:rPr lang="en-US" dirty="0"/>
               <a:t>Lock aspect: locks some feature of the player - for </a:t>
             </a:r>
             <a:r>
-              <a:rPr lang="en-US" b="1" dirty="0" err="1">
-                <a:highlight>
-                  <a:srgbClr val="FFFF00"/>
-                </a:highlight>
-              </a:rPr>
+              <a:rPr lang="en-US" dirty="0" err="1"/>
               <a:t>e.g</a:t>
             </a:r>
             <a:r>
-              <a:rPr lang="en-US" b="1" dirty="0">
-                <a:highlight>
-                  <a:srgbClr val="FFFF00"/>
-                </a:highlight>
-              </a:rPr>
+              <a:rPr lang="en-US" dirty="0"/>
               <a:t>: can’t shoot anymore.</a:t>
             </a:r>
           </a:p>
@@ -6715,11 +7264,7 @@
               </a:lnSpc>
             </a:pPr>
             <a:r>
-              <a:rPr lang="en-US" b="1" dirty="0">
-                <a:highlight>
-                  <a:srgbClr val="00FF00"/>
-                </a:highlight>
-              </a:rPr>
+              <a:rPr lang="en-US" dirty="0"/>
               <a:t>Password authorization mechanism – only authorized users can play the game (using password). </a:t>
             </a:r>
           </a:p>
@@ -6730,27 +7275,15 @@
               </a:lnSpc>
             </a:pPr>
             <a:r>
-              <a:rPr lang="en-US" b="1" dirty="0">
-                <a:highlight>
-                  <a:srgbClr val="00FF00"/>
-                </a:highlight>
-              </a:rPr>
+              <a:rPr lang="en-US" dirty="0"/>
               <a:t>UI update aspect: each time some value is change (</a:t>
             </a:r>
             <a:r>
-              <a:rPr lang="en-US" b="1" dirty="0" err="1">
-                <a:highlight>
-                  <a:srgbClr val="00FF00"/>
-                </a:highlight>
-              </a:rPr>
+              <a:rPr lang="en-US" dirty="0" err="1"/>
               <a:t>e.g</a:t>
             </a:r>
             <a:r>
-              <a:rPr lang="en-US" b="1" dirty="0">
-                <a:highlight>
-                  <a:srgbClr val="00FF00"/>
-                </a:highlight>
-              </a:rPr>
+              <a:rPr lang="en-US" dirty="0"/>
               <a:t>: asteroid is hit) - we display it on screen. </a:t>
             </a:r>
           </a:p>
@@ -6776,11 +7309,7 @@
               </a:lnSpc>
             </a:pPr>
             <a:r>
-              <a:rPr lang="en-US" b="1" dirty="0">
-                <a:highlight>
-                  <a:srgbClr val="800080"/>
-                </a:highlight>
-              </a:rPr>
+              <a:rPr lang="en-US" b="1" dirty="0"/>
               <a:t>Heuristic aspect: changes heuristic of the game (change from drunk player to smart player). </a:t>
             </a:r>
           </a:p>
@@ -6791,19 +7320,11 @@
               </a:lnSpc>
             </a:pPr>
             <a:r>
-              <a:rPr lang="en-US" b="1" dirty="0" err="1">
-                <a:highlight>
-                  <a:srgbClr val="FFFF00"/>
-                </a:highlight>
-              </a:rPr>
+              <a:rPr lang="en-US" b="1" dirty="0" err="1"/>
               <a:t>ExceptionHandler</a:t>
             </a:r>
             <a:r>
-              <a:rPr lang="en-US" b="1" dirty="0">
-                <a:highlight>
-                  <a:srgbClr val="FFFF00"/>
-                </a:highlight>
-              </a:rPr>
+              <a:rPr lang="en-US" b="1" dirty="0"/>
               <a:t> Aspect – Monitors exceptions and handles unhandled exceptions.</a:t>
             </a:r>
           </a:p>
@@ -6814,27 +7335,38 @@
               </a:lnSpc>
             </a:pPr>
             <a:r>
-              <a:rPr lang="en-US" b="1" dirty="0">
-                <a:highlight>
-                  <a:srgbClr val="FFFF00"/>
-                </a:highlight>
-              </a:rPr>
+              <a:rPr lang="en-US" b="1" dirty="0" err="1"/>
+              <a:t>ExceptionTranslatorAspect</a:t>
+            </a:r>
+            <a:r>
+              <a:rPr lang="en-US" b="1" dirty="0"/>
+              <a:t> – Translates exceptions from 3</a:t>
+            </a:r>
+            <a:r>
+              <a:rPr lang="en-US" b="1" baseline="30000" dirty="0"/>
+              <a:t>rd</a:t>
+            </a:r>
+            <a:r>
+              <a:rPr lang="en-US" b="1" dirty="0"/>
+              <a:t> parties code.</a:t>
+            </a:r>
+          </a:p>
+          <a:p>
+            <a:pPr lvl="1">
+              <a:lnSpc>
+                <a:spcPct val="150000"/>
+              </a:lnSpc>
+            </a:pPr>
+            <a:r>
+              <a:rPr lang="en-US" b="1" dirty="0"/>
               <a:t>Testing aspect – </a:t>
             </a:r>
             <a:r>
-              <a:rPr lang="en-US" b="1" dirty="0" err="1">
-                <a:highlight>
-                  <a:srgbClr val="FFFF00"/>
-                </a:highlight>
-              </a:rPr>
+              <a:rPr lang="en-US" b="1" dirty="0" err="1"/>
               <a:t>unitests</a:t>
             </a:r>
             <a:r>
-              <a:rPr lang="en-US" b="1" dirty="0">
-                <a:highlight>
-                  <a:srgbClr val="FFFF00"/>
-                </a:highlight>
-              </a:rPr>
+              <a:rPr lang="en-US" b="1" dirty="0"/>
               <a:t>……..?</a:t>
             </a:r>
           </a:p>
@@ -7118,28 +7650,12 @@
               <a:buNone/>
             </a:pPr>
             <a:r>
+              <a:rPr lang="en-US" b="1" i="1" dirty="0" err="1"/>
+              <a:t>Spectative</a:t>
+            </a:r>
+            <a:r>
               <a:rPr lang="en-US" b="1" i="1" dirty="0"/>
-              <a:t>Instead of scattering the use of logger object (logger.log(type, </a:t>
-            </a:r>
-            <a:r>
-              <a:rPr lang="en-US" b="1" i="1" dirty="0" err="1"/>
-              <a:t>msg</a:t>
-            </a:r>
-            <a:r>
-              <a:rPr lang="en-US" b="1" i="1" dirty="0"/>
-              <a:t>)) in all of our program, we use an aspect to control logging.</a:t>
-            </a:r>
-          </a:p>
-          <a:p>
-            <a:pPr marL="0" indent="0">
-              <a:lnSpc>
-                <a:spcPct val="150000"/>
-              </a:lnSpc>
-              <a:buNone/>
-            </a:pPr>
-            <a:r>
-              <a:rPr lang="en-US" b="1" i="1" dirty="0"/>
-              <a:t>Usage of annotations </a:t>
+              <a:t> aspects are…</a:t>
             </a:r>
             <a:r>
               <a:rPr lang="en-US" b="1" i="1" dirty="0">
@@ -7353,7 +7869,7 @@
               <a:rPr lang="en-US" b="1" dirty="0">
                 <a:latin typeface="+mn-lt"/>
               </a:rPr>
-              <a:t>Log4j2</a:t>
+              <a:t>Logging Aspect:</a:t>
             </a:r>
           </a:p>
         </p:txBody>
@@ -7376,8 +7892,8 @@
         </p:nvSpPr>
         <p:spPr>
           <a:xfrm>
-            <a:off x="400594" y="1201783"/>
-            <a:ext cx="11495315" cy="5468983"/>
+            <a:off x="200296" y="1201784"/>
+            <a:ext cx="10916195" cy="5569766"/>
           </a:xfrm>
         </p:spPr>
         <p:txBody>
@@ -7392,20 +7908,44 @@
               </a:lnSpc>
             </a:pPr>
             <a:r>
-              <a:rPr lang="en-US" b="1" dirty="0"/>
-              <a:t>Apache license (</a:t>
-            </a:r>
-            <a:r>
-              <a:rPr lang="en-US" b="1" dirty="0">
+              <a:rPr lang="en-US" sz="2200" b="1" i="1" dirty="0"/>
+              <a:t>Assume we have an ‘HelloWorld’ program, which has 8x LoC, in our app - </a:t>
+            </a:r>
+            <a:r>
+              <a:rPr lang="en-US" sz="2200" b="1" i="1" dirty="0">
                 <a:solidFill>
                   <a:srgbClr val="FF0000"/>
                 </a:solidFill>
               </a:rPr>
-              <a:t>open source</a:t>
-            </a:r>
-            <a:r>
-              <a:rPr lang="en-US" b="1" dirty="0"/>
-              <a:t>) software, since 2001.</a:t>
+              <a:t>50% are log related! </a:t>
+            </a:r>
+            <a:r>
+              <a:rPr lang="en-US" sz="2200" b="1" i="1" dirty="0"/>
+              <a:t>Assuming the ‘print’ option can be a database access or something more crucial – it can reduce the quality of our code. Logging is </a:t>
+            </a:r>
+            <a:r>
+              <a:rPr lang="en-US" sz="2200" b="1" i="1" dirty="0">
+                <a:solidFill>
+                  <a:srgbClr val="FF0000"/>
+                </a:solidFill>
+              </a:rPr>
+              <a:t>tangled up </a:t>
+            </a:r>
+            <a:r>
+              <a:rPr lang="en-US" sz="2200" b="1" i="1" dirty="0"/>
+              <a:t>with the primary goal of this class (to print!). It has nothing to do with it. Removing it (or expressing it in a different way) can </a:t>
+            </a:r>
+            <a:r>
+              <a:rPr lang="en-US" sz="2200" b="1" i="1" dirty="0">
+                <a:solidFill>
+                  <a:srgbClr val="FF0000"/>
+                </a:solidFill>
+              </a:rPr>
+              <a:t>make our code much more clear </a:t>
+            </a:r>
+            <a:r>
+              <a:rPr lang="en-US" sz="2200" b="1" i="1" dirty="0"/>
+              <a:t>(and cut it by half..).</a:t>
             </a:r>
           </a:p>
           <a:p>
@@ -7415,101 +7955,79 @@
               </a:lnSpc>
             </a:pPr>
             <a:r>
-              <a:rPr lang="en-US" b="1" dirty="0"/>
-              <a:t>Most common logging framework in the java world.</a:t>
-            </a:r>
-          </a:p>
-          <a:p>
-            <a:pPr>
-              <a:lnSpc>
-                <a:spcPct val="150000"/>
-              </a:lnSpc>
-            </a:pPr>
-            <a:r>
-              <a:rPr lang="en-US" b="1" dirty="0">
+              <a:rPr lang="en-US" sz="2200" b="1" i="1" dirty="0"/>
+              <a:t>Now assume we have </a:t>
+            </a:r>
+            <a:r>
+              <a:rPr lang="en-US" sz="2200" b="1" i="1" dirty="0" err="1"/>
+              <a:t>asystem</a:t>
+            </a:r>
+            <a:r>
+              <a:rPr lang="en-US" sz="2200" b="1" i="1" dirty="0"/>
+              <a:t> with many </a:t>
+            </a:r>
+            <a:r>
+              <a:rPr lang="en-US" sz="2200" b="1" i="1" dirty="0" err="1"/>
+              <a:t>many</a:t>
+            </a:r>
+            <a:r>
+              <a:rPr lang="en-US" sz="2200" b="1" i="1" dirty="0"/>
+              <a:t> loggings, and one day </a:t>
+            </a:r>
+            <a:r>
+              <a:rPr lang="en-US" sz="2200" b="1" i="1" dirty="0" err="1"/>
+              <a:t>Raz</a:t>
+            </a:r>
+            <a:r>
+              <a:rPr lang="en-US" sz="2200" b="1" i="1" dirty="0"/>
+              <a:t> decides to change “entering” method into “debug”. His change commit will be terrible (HUGE!!), the logging is </a:t>
+            </a:r>
+            <a:r>
+              <a:rPr lang="en-US" sz="2200" b="1" i="1" dirty="0">
                 <a:solidFill>
                   <a:srgbClr val="FF0000"/>
                 </a:solidFill>
               </a:rPr>
-              <a:t>Logging levels: </a:t>
-            </a:r>
-          </a:p>
-          <a:p>
-            <a:pPr lvl="1">
+              <a:t>scattered all over the codebase</a:t>
+            </a:r>
+            <a:r>
+              <a:rPr lang="en-US" sz="2200" b="1" i="1" dirty="0"/>
+              <a:t>. </a:t>
+            </a:r>
+          </a:p>
+          <a:p>
+            <a:pPr marL="0" indent="0">
               <a:lnSpc>
                 <a:spcPct val="150000"/>
               </a:lnSpc>
-            </a:pPr>
-            <a:r>
-              <a:rPr lang="en-US" b="1" dirty="0"/>
-              <a:t>DEBUG, INFO, ERROR</a:t>
-            </a:r>
-          </a:p>
-          <a:p>
-            <a:pPr>
-              <a:lnSpc>
-                <a:spcPct val="150000"/>
-              </a:lnSpc>
-            </a:pPr>
-            <a:r>
-              <a:rPr lang="en-US" b="1" dirty="0"/>
-              <a:t>Configure by.xml – </a:t>
-            </a:r>
-            <a:r>
-              <a:rPr lang="en-US" b="1" dirty="0">
+              <a:buNone/>
+            </a:pPr>
+            <a:r>
+              <a:rPr lang="en-US" sz="2200" b="1" i="1" dirty="0"/>
+              <a:t>   and will require to</a:t>
+            </a:r>
+            <a:r>
+              <a:rPr lang="en-US" sz="2200" b="1" i="1" dirty="0">
                 <a:solidFill>
                   <a:srgbClr val="FF0000"/>
                 </a:solidFill>
               </a:rPr>
-              <a:t>separated from app</a:t>
-            </a:r>
-          </a:p>
-          <a:p>
-            <a:pPr>
-              <a:lnSpc>
-                <a:spcPct val="150000"/>
-              </a:lnSpc>
-            </a:pPr>
-            <a:r>
-              <a:rPr lang="en-US" b="1" dirty="0"/>
-              <a:t>Can change </a:t>
-            </a:r>
-            <a:r>
-              <a:rPr lang="en-US" b="1" dirty="0">
-                <a:solidFill>
-                  <a:srgbClr val="FF0000"/>
-                </a:solidFill>
-              </a:rPr>
-              <a:t>logging level on RUNTIME!!</a:t>
-            </a:r>
-          </a:p>
-          <a:p>
-            <a:pPr>
-              <a:lnSpc>
-                <a:spcPct val="150000"/>
-              </a:lnSpc>
-            </a:pPr>
-            <a:r>
-              <a:rPr lang="en-US" b="1" dirty="0"/>
-              <a:t>We logged in a synchronous way</a:t>
-            </a:r>
-          </a:p>
-          <a:p>
-            <a:pPr>
-              <a:lnSpc>
-                <a:spcPct val="150000"/>
-              </a:lnSpc>
-            </a:pPr>
-            <a:endParaRPr lang="en-US" b="1" dirty="0"/>
+              <a:t> perform many code changes</a:t>
+            </a:r>
+            <a:r>
+              <a:rPr lang="en-US" sz="2200" b="1" i="1" dirty="0"/>
+              <a:t>.</a:t>
+            </a:r>
+            <a:endParaRPr lang="en-US" sz="2200" b="1" dirty="0"/>
           </a:p>
         </p:txBody>
       </p:sp>
       <p:pic>
         <p:nvPicPr>
-          <p:cNvPr id="7" name="Picture 6">
-            <a:extLst>
-              <a:ext uri="{FF2B5EF4-FFF2-40B4-BE49-F238E27FC236}">
-                <a16:creationId xmlns:a16="http://schemas.microsoft.com/office/drawing/2014/main" id="{3CF4ECF0-0AA1-4D2D-A86D-30DE49CA9F54}"/>
+          <p:cNvPr id="2" name="Picture 1">
+            <a:extLst>
+              <a:ext uri="{FF2B5EF4-FFF2-40B4-BE49-F238E27FC236}">
+                <a16:creationId xmlns:a16="http://schemas.microsoft.com/office/drawing/2014/main" id="{395A16C3-939F-4FBC-A211-014EFB87D4BE}"/>
               </a:ext>
             </a:extLst>
           </p:cNvPr>
@@ -7518,36 +8036,25 @@
           </p:cNvPicPr>
           <p:nvPr/>
         </p:nvPicPr>
-        <p:blipFill>
+        <p:blipFill rotWithShape="1">
           <a:blip r:embed="rId2"/>
-          <a:stretch>
-            <a:fillRect/>
-          </a:stretch>
+          <a:srcRect l="6591" r="9446"/>
+          <a:stretch/>
         </p:blipFill>
         <p:spPr>
           <a:xfrm>
-            <a:off x="6685492" y="2917030"/>
-            <a:ext cx="5359274" cy="3632625"/>
+            <a:off x="6847369" y="4897757"/>
+            <a:ext cx="5039834" cy="1935662"/>
           </a:xfrm>
           <a:prstGeom prst="rect">
             <a:avLst/>
           </a:prstGeom>
-          <a:ln>
-            <a:noFill/>
-          </a:ln>
-          <a:effectLst>
-            <a:outerShdw blurRad="292100" dist="139700" dir="2700000" algn="tl" rotWithShape="0">
-              <a:srgbClr val="333333">
-                <a:alpha val="65000"/>
-              </a:srgbClr>
-            </a:outerShdw>
-          </a:effectLst>
         </p:spPr>
       </p:pic>
     </p:spTree>
     <p:extLst>
       <p:ext uri="{BB962C8B-B14F-4D97-AF65-F5344CB8AC3E}">
-        <p14:creationId xmlns:p14="http://schemas.microsoft.com/office/powerpoint/2010/main" val="3459207760"/>
+        <p14:creationId xmlns:p14="http://schemas.microsoft.com/office/powerpoint/2010/main" val="1180477055"/>
       </p:ext>
     </p:extLst>
   </p:cSld>

--- a/src/Final Project Presentation.pptx
+++ b/src/Final Project Presentation.pptx
@@ -9,28 +9,31 @@
     <p:sldId id="258" r:id="rId3"/>
     <p:sldId id="259" r:id="rId4"/>
     <p:sldId id="271" r:id="rId5"/>
-    <p:sldId id="257" r:id="rId6"/>
-    <p:sldId id="261" r:id="rId7"/>
-    <p:sldId id="274" r:id="rId8"/>
-    <p:sldId id="265" r:id="rId9"/>
-    <p:sldId id="272" r:id="rId10"/>
-    <p:sldId id="267" r:id="rId11"/>
-    <p:sldId id="270" r:id="rId12"/>
-    <p:sldId id="283" r:id="rId13"/>
-    <p:sldId id="266" r:id="rId14"/>
-    <p:sldId id="262" r:id="rId15"/>
-    <p:sldId id="275" r:id="rId16"/>
-    <p:sldId id="280" r:id="rId17"/>
-    <p:sldId id="279" r:id="rId18"/>
-    <p:sldId id="281" r:id="rId19"/>
-    <p:sldId id="282" r:id="rId20"/>
-    <p:sldId id="276" r:id="rId21"/>
-    <p:sldId id="278" r:id="rId22"/>
-    <p:sldId id="277" r:id="rId23"/>
-    <p:sldId id="284" r:id="rId24"/>
-    <p:sldId id="263" r:id="rId25"/>
-    <p:sldId id="264" r:id="rId26"/>
-    <p:sldId id="273" r:id="rId27"/>
+    <p:sldId id="285" r:id="rId6"/>
+    <p:sldId id="257" r:id="rId7"/>
+    <p:sldId id="261" r:id="rId8"/>
+    <p:sldId id="274" r:id="rId9"/>
+    <p:sldId id="265" r:id="rId10"/>
+    <p:sldId id="272" r:id="rId11"/>
+    <p:sldId id="267" r:id="rId12"/>
+    <p:sldId id="270" r:id="rId13"/>
+    <p:sldId id="283" r:id="rId14"/>
+    <p:sldId id="266" r:id="rId15"/>
+    <p:sldId id="262" r:id="rId16"/>
+    <p:sldId id="275" r:id="rId17"/>
+    <p:sldId id="280" r:id="rId18"/>
+    <p:sldId id="279" r:id="rId19"/>
+    <p:sldId id="281" r:id="rId20"/>
+    <p:sldId id="282" r:id="rId21"/>
+    <p:sldId id="276" r:id="rId22"/>
+    <p:sldId id="278" r:id="rId23"/>
+    <p:sldId id="287" r:id="rId24"/>
+    <p:sldId id="286" r:id="rId25"/>
+    <p:sldId id="277" r:id="rId26"/>
+    <p:sldId id="284" r:id="rId27"/>
+    <p:sldId id="263" r:id="rId28"/>
+    <p:sldId id="264" r:id="rId29"/>
+    <p:sldId id="273" r:id="rId30"/>
   </p:sldIdLst>
   <p:sldSz cx="12192000" cy="6858000"/>
   <p:notesSz cx="6858000" cy="9144000"/>
@@ -284,7 +287,7 @@
           <a:p>
             <a:fld id="{2D0B15E7-0F5E-4AF9-8FAD-4329F98176F1}" type="datetimeFigureOut">
               <a:rPr lang="en-US" smtClean="0"/>
-              <a:t>6/8/2019</a:t>
+              <a:t>6/9/2019</a:t>
             </a:fld>
             <a:endParaRPr lang="en-US"/>
           </a:p>
@@ -482,7 +485,7 @@
           <a:p>
             <a:fld id="{2D0B15E7-0F5E-4AF9-8FAD-4329F98176F1}" type="datetimeFigureOut">
               <a:rPr lang="en-US" smtClean="0"/>
-              <a:t>6/8/2019</a:t>
+              <a:t>6/9/2019</a:t>
             </a:fld>
             <a:endParaRPr lang="en-US"/>
           </a:p>
@@ -690,7 +693,7 @@
           <a:p>
             <a:fld id="{2D0B15E7-0F5E-4AF9-8FAD-4329F98176F1}" type="datetimeFigureOut">
               <a:rPr lang="en-US" smtClean="0"/>
-              <a:t>6/8/2019</a:t>
+              <a:t>6/9/2019</a:t>
             </a:fld>
             <a:endParaRPr lang="en-US"/>
           </a:p>
@@ -888,7 +891,7 @@
           <a:p>
             <a:fld id="{2D0B15E7-0F5E-4AF9-8FAD-4329F98176F1}" type="datetimeFigureOut">
               <a:rPr lang="en-US" smtClean="0"/>
-              <a:t>6/8/2019</a:t>
+              <a:t>6/9/2019</a:t>
             </a:fld>
             <a:endParaRPr lang="en-US"/>
           </a:p>
@@ -1163,7 +1166,7 @@
           <a:p>
             <a:fld id="{2D0B15E7-0F5E-4AF9-8FAD-4329F98176F1}" type="datetimeFigureOut">
               <a:rPr lang="en-US" smtClean="0"/>
-              <a:t>6/8/2019</a:t>
+              <a:t>6/9/2019</a:t>
             </a:fld>
             <a:endParaRPr lang="en-US"/>
           </a:p>
@@ -1428,7 +1431,7 @@
           <a:p>
             <a:fld id="{2D0B15E7-0F5E-4AF9-8FAD-4329F98176F1}" type="datetimeFigureOut">
               <a:rPr lang="en-US" smtClean="0"/>
-              <a:t>6/8/2019</a:t>
+              <a:t>6/9/2019</a:t>
             </a:fld>
             <a:endParaRPr lang="en-US"/>
           </a:p>
@@ -1840,7 +1843,7 @@
           <a:p>
             <a:fld id="{2D0B15E7-0F5E-4AF9-8FAD-4329F98176F1}" type="datetimeFigureOut">
               <a:rPr lang="en-US" smtClean="0"/>
-              <a:t>6/8/2019</a:t>
+              <a:t>6/9/2019</a:t>
             </a:fld>
             <a:endParaRPr lang="en-US"/>
           </a:p>
@@ -1981,7 +1984,7 @@
           <a:p>
             <a:fld id="{2D0B15E7-0F5E-4AF9-8FAD-4329F98176F1}" type="datetimeFigureOut">
               <a:rPr lang="en-US" smtClean="0"/>
-              <a:t>6/8/2019</a:t>
+              <a:t>6/9/2019</a:t>
             </a:fld>
             <a:endParaRPr lang="en-US"/>
           </a:p>
@@ -2094,7 +2097,7 @@
           <a:p>
             <a:fld id="{2D0B15E7-0F5E-4AF9-8FAD-4329F98176F1}" type="datetimeFigureOut">
               <a:rPr lang="en-US" smtClean="0"/>
-              <a:t>6/8/2019</a:t>
+              <a:t>6/9/2019</a:t>
             </a:fld>
             <a:endParaRPr lang="en-US"/>
           </a:p>
@@ -2405,7 +2408,7 @@
           <a:p>
             <a:fld id="{2D0B15E7-0F5E-4AF9-8FAD-4329F98176F1}" type="datetimeFigureOut">
               <a:rPr lang="en-US" smtClean="0"/>
-              <a:t>6/8/2019</a:t>
+              <a:t>6/9/2019</a:t>
             </a:fld>
             <a:endParaRPr lang="en-US"/>
           </a:p>
@@ -2693,7 +2696,7 @@
           <a:p>
             <a:fld id="{2D0B15E7-0F5E-4AF9-8FAD-4329F98176F1}" type="datetimeFigureOut">
               <a:rPr lang="en-US" smtClean="0"/>
-              <a:t>6/8/2019</a:t>
+              <a:t>6/9/2019</a:t>
             </a:fld>
             <a:endParaRPr lang="en-US"/>
           </a:p>
@@ -2934,7 +2937,7 @@
           <a:p>
             <a:fld id="{2D0B15E7-0F5E-4AF9-8FAD-4329F98176F1}" type="datetimeFigureOut">
               <a:rPr lang="en-US" smtClean="0"/>
-              <a:t>6/8/2019</a:t>
+              <a:t>6/9/2019</a:t>
             </a:fld>
             <a:endParaRPr lang="en-US"/>
           </a:p>
@@ -3536,13 +3539,18 @@
         </p:blipFill>
         <p:spPr bwMode="auto">
           <a:xfrm>
-            <a:off x="4378354" y="4621780"/>
-            <a:ext cx="3654933" cy="1786856"/>
+            <a:off x="4144162" y="4440301"/>
+            <a:ext cx="4275019" cy="2090009"/>
           </a:xfrm>
           <a:prstGeom prst="rect">
             <a:avLst/>
           </a:prstGeom>
-          <a:noFill/>
+          <a:ln>
+            <a:noFill/>
+          </a:ln>
+          <a:effectLst>
+            <a:softEdge rad="112500"/>
+          </a:effectLst>
           <a:extLst>
             <a:ext uri="{909E8E84-426E-40DD-AFC4-6F175D3DCCD1}">
               <a14:hiddenFill xmlns:a14="http://schemas.microsoft.com/office/drawing/2010/main">
@@ -3614,7 +3622,7 @@
               <a:rPr lang="en-US" b="1" dirty="0">
                 <a:latin typeface="+mn-lt"/>
               </a:rPr>
-              <a:t>Log4j2</a:t>
+              <a:t>Logging Aspect, the concern:</a:t>
             </a:r>
           </a:p>
         </p:txBody>
@@ -3637,8 +3645,8 @@
         </p:nvSpPr>
         <p:spPr>
           <a:xfrm>
-            <a:off x="400594" y="1201783"/>
-            <a:ext cx="11495315" cy="5468983"/>
+            <a:off x="200296" y="1201784"/>
+            <a:ext cx="10916195" cy="5569766"/>
           </a:xfrm>
         </p:spPr>
         <p:txBody>
@@ -3653,20 +3661,44 @@
               </a:lnSpc>
             </a:pPr>
             <a:r>
-              <a:rPr lang="en-US" b="1" dirty="0"/>
-              <a:t>Apache license (</a:t>
-            </a:r>
-            <a:r>
-              <a:rPr lang="en-US" b="1" dirty="0">
+              <a:rPr lang="en-US" sz="2200" b="1" i="1" dirty="0"/>
+              <a:t>Assume we have an ‘HelloWorld’ program, which has 8x LoC, in our app - </a:t>
+            </a:r>
+            <a:r>
+              <a:rPr lang="en-US" sz="2200" b="1" i="1" dirty="0">
                 <a:solidFill>
                   <a:srgbClr val="FF0000"/>
                 </a:solidFill>
               </a:rPr>
-              <a:t>open source</a:t>
-            </a:r>
-            <a:r>
-              <a:rPr lang="en-US" b="1" dirty="0"/>
-              <a:t>) software, since 2001.</a:t>
+              <a:t>50% are log related! </a:t>
+            </a:r>
+            <a:r>
+              <a:rPr lang="en-US" sz="2200" b="1" i="1" dirty="0"/>
+              <a:t>Assuming the ‘print’ option can be a database access or something more crucial – it can reduce the quality of our code. Logging is </a:t>
+            </a:r>
+            <a:r>
+              <a:rPr lang="en-US" sz="2200" b="1" i="1" dirty="0">
+                <a:solidFill>
+                  <a:srgbClr val="FF0000"/>
+                </a:solidFill>
+              </a:rPr>
+              <a:t>tangled up </a:t>
+            </a:r>
+            <a:r>
+              <a:rPr lang="en-US" sz="2200" b="1" i="1" dirty="0"/>
+              <a:t>with the primary goal of this class (to print!). It has nothing to do with it. Removing it (or expressing it in a different way) can </a:t>
+            </a:r>
+            <a:r>
+              <a:rPr lang="en-US" sz="2200" b="1" i="1" dirty="0">
+                <a:solidFill>
+                  <a:srgbClr val="FF0000"/>
+                </a:solidFill>
+              </a:rPr>
+              <a:t>make our code much more clear </a:t>
+            </a:r>
+            <a:r>
+              <a:rPr lang="en-US" sz="2200" b="1" i="1" dirty="0"/>
+              <a:t>(and cut it by half..).</a:t>
             </a:r>
           </a:p>
           <a:p>
@@ -3676,101 +3708,79 @@
               </a:lnSpc>
             </a:pPr>
             <a:r>
-              <a:rPr lang="en-US" b="1" dirty="0"/>
-              <a:t>Most common logging framework in the java world.</a:t>
-            </a:r>
-          </a:p>
-          <a:p>
-            <a:pPr>
-              <a:lnSpc>
-                <a:spcPct val="150000"/>
-              </a:lnSpc>
-            </a:pPr>
-            <a:r>
-              <a:rPr lang="en-US" b="1" dirty="0">
+              <a:rPr lang="en-US" sz="2200" b="1" i="1" dirty="0"/>
+              <a:t>Now assume we have </a:t>
+            </a:r>
+            <a:r>
+              <a:rPr lang="en-US" sz="2200" b="1" i="1" dirty="0" err="1"/>
+              <a:t>asystem</a:t>
+            </a:r>
+            <a:r>
+              <a:rPr lang="en-US" sz="2200" b="1" i="1" dirty="0"/>
+              <a:t> with many </a:t>
+            </a:r>
+            <a:r>
+              <a:rPr lang="en-US" sz="2200" b="1" i="1" dirty="0" err="1"/>
+              <a:t>many</a:t>
+            </a:r>
+            <a:r>
+              <a:rPr lang="en-US" sz="2200" b="1" i="1" dirty="0"/>
+              <a:t> loggings, and one day </a:t>
+            </a:r>
+            <a:r>
+              <a:rPr lang="en-US" sz="2200" b="1" i="1" dirty="0" err="1"/>
+              <a:t>Raz</a:t>
+            </a:r>
+            <a:r>
+              <a:rPr lang="en-US" sz="2200" b="1" i="1" dirty="0"/>
+              <a:t> decides to change “entering” method into “debug”. His change commit will be terrible (HUGE!!), the logging is </a:t>
+            </a:r>
+            <a:r>
+              <a:rPr lang="en-US" sz="2200" b="1" i="1" dirty="0">
                 <a:solidFill>
                   <a:srgbClr val="FF0000"/>
                 </a:solidFill>
               </a:rPr>
-              <a:t>Logging levels: </a:t>
-            </a:r>
-          </a:p>
-          <a:p>
-            <a:pPr lvl="1">
+              <a:t>scattered all over the codebase</a:t>
+            </a:r>
+            <a:r>
+              <a:rPr lang="en-US" sz="2200" b="1" i="1" dirty="0"/>
+              <a:t>. </a:t>
+            </a:r>
+          </a:p>
+          <a:p>
+            <a:pPr marL="0" indent="0">
               <a:lnSpc>
                 <a:spcPct val="150000"/>
               </a:lnSpc>
-            </a:pPr>
-            <a:r>
-              <a:rPr lang="en-US" b="1" dirty="0"/>
-              <a:t>DEBUG, INFO, ERROR</a:t>
-            </a:r>
-          </a:p>
-          <a:p>
-            <a:pPr>
-              <a:lnSpc>
-                <a:spcPct val="150000"/>
-              </a:lnSpc>
-            </a:pPr>
-            <a:r>
-              <a:rPr lang="en-US" b="1" dirty="0"/>
-              <a:t>Configure by.xml – </a:t>
-            </a:r>
-            <a:r>
-              <a:rPr lang="en-US" b="1" dirty="0">
+              <a:buNone/>
+            </a:pPr>
+            <a:r>
+              <a:rPr lang="en-US" sz="2200" b="1" i="1" dirty="0"/>
+              <a:t>   and will require to</a:t>
+            </a:r>
+            <a:r>
+              <a:rPr lang="en-US" sz="2200" b="1" i="1" dirty="0">
                 <a:solidFill>
                   <a:srgbClr val="FF0000"/>
                 </a:solidFill>
               </a:rPr>
-              <a:t>separated from app</a:t>
-            </a:r>
-          </a:p>
-          <a:p>
-            <a:pPr>
-              <a:lnSpc>
-                <a:spcPct val="150000"/>
-              </a:lnSpc>
-            </a:pPr>
-            <a:r>
-              <a:rPr lang="en-US" b="1" dirty="0"/>
-              <a:t>Can change </a:t>
-            </a:r>
-            <a:r>
-              <a:rPr lang="en-US" b="1" dirty="0">
-                <a:solidFill>
-                  <a:srgbClr val="FF0000"/>
-                </a:solidFill>
-              </a:rPr>
-              <a:t>logging level on RUNTIME!!</a:t>
-            </a:r>
-          </a:p>
-          <a:p>
-            <a:pPr>
-              <a:lnSpc>
-                <a:spcPct val="150000"/>
-              </a:lnSpc>
-            </a:pPr>
-            <a:r>
-              <a:rPr lang="en-US" b="1" dirty="0"/>
-              <a:t>We logged in a synchronous way</a:t>
-            </a:r>
-          </a:p>
-          <a:p>
-            <a:pPr>
-              <a:lnSpc>
-                <a:spcPct val="150000"/>
-              </a:lnSpc>
-            </a:pPr>
-            <a:endParaRPr lang="en-US" b="1" dirty="0"/>
+              <a:t> perform many code changes</a:t>
+            </a:r>
+            <a:r>
+              <a:rPr lang="en-US" sz="2200" b="1" i="1" dirty="0"/>
+              <a:t>.</a:t>
+            </a:r>
+            <a:endParaRPr lang="en-US" sz="2200" b="1" dirty="0"/>
           </a:p>
         </p:txBody>
       </p:sp>
       <p:pic>
         <p:nvPicPr>
-          <p:cNvPr id="7" name="Picture 6">
-            <a:extLst>
-              <a:ext uri="{FF2B5EF4-FFF2-40B4-BE49-F238E27FC236}">
-                <a16:creationId xmlns:a16="http://schemas.microsoft.com/office/drawing/2014/main" id="{3CF4ECF0-0AA1-4D2D-A86D-30DE49CA9F54}"/>
+          <p:cNvPr id="2" name="Picture 1">
+            <a:extLst>
+              <a:ext uri="{FF2B5EF4-FFF2-40B4-BE49-F238E27FC236}">
+                <a16:creationId xmlns:a16="http://schemas.microsoft.com/office/drawing/2014/main" id="{395A16C3-939F-4FBC-A211-014EFB87D4BE}"/>
               </a:ext>
             </a:extLst>
           </p:cNvPr>
@@ -3779,36 +3789,25 @@
           </p:cNvPicPr>
           <p:nvPr/>
         </p:nvPicPr>
-        <p:blipFill>
+        <p:blipFill rotWithShape="1">
           <a:blip r:embed="rId2"/>
-          <a:stretch>
-            <a:fillRect/>
-          </a:stretch>
+          <a:srcRect l="6591" r="9446"/>
+          <a:stretch/>
         </p:blipFill>
         <p:spPr>
           <a:xfrm>
-            <a:off x="6685492" y="2917030"/>
-            <a:ext cx="5359274" cy="3632625"/>
+            <a:off x="6847369" y="4897757"/>
+            <a:ext cx="5039834" cy="1935662"/>
           </a:xfrm>
           <a:prstGeom prst="rect">
             <a:avLst/>
           </a:prstGeom>
-          <a:ln>
-            <a:noFill/>
-          </a:ln>
-          <a:effectLst>
-            <a:outerShdw blurRad="292100" dist="139700" dir="2700000" algn="tl" rotWithShape="0">
-              <a:srgbClr val="333333">
-                <a:alpha val="65000"/>
-              </a:srgbClr>
-            </a:outerShdw>
-          </a:effectLst>
         </p:spPr>
       </p:pic>
     </p:spTree>
     <p:extLst>
       <p:ext uri="{BB962C8B-B14F-4D97-AF65-F5344CB8AC3E}">
-        <p14:creationId xmlns:p14="http://schemas.microsoft.com/office/powerpoint/2010/main" val="3459207760"/>
+        <p14:creationId xmlns:p14="http://schemas.microsoft.com/office/powerpoint/2010/main" val="1180477055"/>
       </p:ext>
     </p:extLst>
   </p:cSld>
@@ -3865,17 +3864,163 @@
               <a:rPr lang="en-US" b="1" dirty="0">
                 <a:latin typeface="+mn-lt"/>
               </a:rPr>
-              <a:t>Log4j2 config file</a:t>
-            </a:r>
+              <a:t>Log4j2</a:t>
+            </a:r>
+          </a:p>
+        </p:txBody>
+      </p:sp>
+      <p:sp>
+        <p:nvSpPr>
+          <p:cNvPr id="5" name="Content Placeholder 2">
+            <a:extLst>
+              <a:ext uri="{FF2B5EF4-FFF2-40B4-BE49-F238E27FC236}">
+                <a16:creationId xmlns:a16="http://schemas.microsoft.com/office/drawing/2014/main" id="{507F342C-C331-44DB-ACF0-C06FE2A5C3FB}"/>
+              </a:ext>
+            </a:extLst>
+          </p:cNvPr>
+          <p:cNvSpPr>
+            <a:spLocks noGrp="1"/>
+          </p:cNvSpPr>
+          <p:nvPr>
+            <p:ph idx="1"/>
+          </p:nvPr>
+        </p:nvSpPr>
+        <p:spPr>
+          <a:xfrm>
+            <a:off x="400594" y="1201783"/>
+            <a:ext cx="11495315" cy="5468983"/>
+          </a:xfrm>
+        </p:spPr>
+        <p:txBody>
+          <a:bodyPr>
+            <a:normAutofit/>
+          </a:bodyPr>
+          <a:lstStyle/>
+          <a:p>
+            <a:pPr>
+              <a:lnSpc>
+                <a:spcPct val="150000"/>
+              </a:lnSpc>
+            </a:pPr>
+            <a:r>
+              <a:rPr lang="en-US" b="1" dirty="0"/>
+              <a:t>Apache license (</a:t>
+            </a:r>
+            <a:r>
+              <a:rPr lang="en-US" b="1" dirty="0">
+                <a:solidFill>
+                  <a:srgbClr val="FF0000"/>
+                </a:solidFill>
+              </a:rPr>
+              <a:t>open source</a:t>
+            </a:r>
+            <a:r>
+              <a:rPr lang="en-US" b="1" dirty="0"/>
+              <a:t>) software, since 2001.</a:t>
+            </a:r>
+          </a:p>
+          <a:p>
+            <a:pPr>
+              <a:lnSpc>
+                <a:spcPct val="150000"/>
+              </a:lnSpc>
+            </a:pPr>
+            <a:r>
+              <a:rPr lang="en-US" b="1" dirty="0"/>
+              <a:t>Most common logging framework in the java world.</a:t>
+            </a:r>
+          </a:p>
+          <a:p>
+            <a:pPr>
+              <a:lnSpc>
+                <a:spcPct val="150000"/>
+              </a:lnSpc>
+            </a:pPr>
+            <a:r>
+              <a:rPr lang="en-US" b="1" dirty="0">
+                <a:solidFill>
+                  <a:srgbClr val="FF0000"/>
+                </a:solidFill>
+              </a:rPr>
+              <a:t>Logging levels: </a:t>
+            </a:r>
+          </a:p>
+          <a:p>
+            <a:pPr lvl="1">
+              <a:lnSpc>
+                <a:spcPct val="150000"/>
+              </a:lnSpc>
+            </a:pPr>
+            <a:r>
+              <a:rPr lang="en-US" b="1" dirty="0"/>
+              <a:t>DEBUG, INFO, ERROR</a:t>
+            </a:r>
+          </a:p>
+          <a:p>
+            <a:pPr>
+              <a:lnSpc>
+                <a:spcPct val="150000"/>
+              </a:lnSpc>
+            </a:pPr>
+            <a:r>
+              <a:rPr lang="en-US" b="1" dirty="0"/>
+              <a:t>Configure by.xml – </a:t>
+            </a:r>
+            <a:r>
+              <a:rPr lang="en-US" b="1" dirty="0">
+                <a:solidFill>
+                  <a:srgbClr val="FF0000"/>
+                </a:solidFill>
+              </a:rPr>
+              <a:t>separated from app</a:t>
+            </a:r>
+          </a:p>
+          <a:p>
+            <a:pPr>
+              <a:lnSpc>
+                <a:spcPct val="150000"/>
+              </a:lnSpc>
+            </a:pPr>
+            <a:r>
+              <a:rPr lang="en-US" b="1" dirty="0"/>
+              <a:t>Can change </a:t>
+            </a:r>
+            <a:r>
+              <a:rPr lang="en-US" b="1" dirty="0">
+                <a:solidFill>
+                  <a:srgbClr val="FF0000"/>
+                </a:solidFill>
+              </a:rPr>
+              <a:t>logging level on RUNTIME!!</a:t>
+            </a:r>
+          </a:p>
+          <a:p>
+            <a:pPr>
+              <a:lnSpc>
+                <a:spcPct val="150000"/>
+              </a:lnSpc>
+            </a:pPr>
+            <a:r>
+              <a:rPr lang="en-US" b="1" dirty="0"/>
+              <a:t>We logged in a synchronous way</a:t>
+            </a:r>
+          </a:p>
+          <a:p>
+            <a:pPr>
+              <a:lnSpc>
+                <a:spcPct val="150000"/>
+              </a:lnSpc>
+            </a:pPr>
+            <a:endParaRPr lang="en-US" b="1" dirty="0"/>
           </a:p>
         </p:txBody>
       </p:sp>
       <p:pic>
         <p:nvPicPr>
-          <p:cNvPr id="2" name="Picture 1">
-            <a:extLst>
-              <a:ext uri="{FF2B5EF4-FFF2-40B4-BE49-F238E27FC236}">
-                <a16:creationId xmlns:a16="http://schemas.microsoft.com/office/drawing/2014/main" id="{21495854-2231-451D-8BDB-968E0C1EC822}"/>
+          <p:cNvPr id="7" name="Picture 6">
+            <a:extLst>
+              <a:ext uri="{FF2B5EF4-FFF2-40B4-BE49-F238E27FC236}">
+                <a16:creationId xmlns:a16="http://schemas.microsoft.com/office/drawing/2014/main" id="{3CF4ECF0-0AA1-4D2D-A86D-30DE49CA9F54}"/>
               </a:ext>
             </a:extLst>
           </p:cNvPr>
@@ -3892,18 +4037,28 @@
         </p:blipFill>
         <p:spPr>
           <a:xfrm>
-            <a:off x="2755172" y="1676138"/>
-            <a:ext cx="7067550" cy="3790950"/>
+            <a:off x="6685492" y="2917030"/>
+            <a:ext cx="5359274" cy="3632625"/>
           </a:xfrm>
           <a:prstGeom prst="rect">
             <a:avLst/>
           </a:prstGeom>
+          <a:ln>
+            <a:noFill/>
+          </a:ln>
+          <a:effectLst>
+            <a:outerShdw blurRad="292100" dist="139700" dir="2700000" algn="tl" rotWithShape="0">
+              <a:srgbClr val="333333">
+                <a:alpha val="65000"/>
+              </a:srgbClr>
+            </a:outerShdw>
+          </a:effectLst>
         </p:spPr>
       </p:pic>
     </p:spTree>
     <p:extLst>
       <p:ext uri="{BB962C8B-B14F-4D97-AF65-F5344CB8AC3E}">
-        <p14:creationId xmlns:p14="http://schemas.microsoft.com/office/powerpoint/2010/main" val="1215285995"/>
+        <p14:creationId xmlns:p14="http://schemas.microsoft.com/office/powerpoint/2010/main" val="3459207760"/>
       </p:ext>
     </p:extLst>
   </p:cSld>
@@ -3960,117 +4115,45 @@
               <a:rPr lang="en-US" b="1" dirty="0">
                 <a:latin typeface="+mn-lt"/>
               </a:rPr>
-              <a:t>Game Logging Aspect:</a:t>
-            </a:r>
-          </a:p>
-        </p:txBody>
-      </p:sp>
-      <p:sp>
-        <p:nvSpPr>
-          <p:cNvPr id="5" name="Content Placeholder 2">
-            <a:extLst>
-              <a:ext uri="{FF2B5EF4-FFF2-40B4-BE49-F238E27FC236}">
-                <a16:creationId xmlns:a16="http://schemas.microsoft.com/office/drawing/2014/main" id="{507F342C-C331-44DB-ACF0-C06FE2A5C3FB}"/>
-              </a:ext>
-            </a:extLst>
-          </p:cNvPr>
-          <p:cNvSpPr>
-            <a:spLocks noGrp="1"/>
-          </p:cNvSpPr>
-          <p:nvPr>
-            <p:ph idx="1"/>
-          </p:nvPr>
-        </p:nvSpPr>
-        <p:spPr>
-          <a:xfrm>
-            <a:off x="218114" y="1201783"/>
-            <a:ext cx="11677795" cy="5468983"/>
-          </a:xfrm>
-        </p:spPr>
-        <p:txBody>
-          <a:bodyPr>
-            <a:normAutofit/>
-          </a:bodyPr>
-          <a:lstStyle/>
-          <a:p>
-            <a:pPr>
-              <a:lnSpc>
-                <a:spcPct val="150000"/>
-              </a:lnSpc>
-            </a:pPr>
-            <a:r>
-              <a:rPr lang="en-US" b="1" dirty="0">
-                <a:solidFill>
-                  <a:srgbClr val="FF0000"/>
-                </a:solidFill>
-              </a:rPr>
-              <a:t>Pointcut: </a:t>
-            </a:r>
-          </a:p>
-          <a:p>
-            <a:pPr lvl="1">
-              <a:lnSpc>
-                <a:spcPct val="150000"/>
-              </a:lnSpc>
-            </a:pPr>
-            <a:r>
-              <a:rPr lang="en-US" b="1" u="sng" dirty="0"/>
-              <a:t>Game analysis - </a:t>
-            </a:r>
-            <a:r>
-              <a:rPr lang="en-US" b="1" dirty="0"/>
-              <a:t> total time game took, total shoots made, total collisions.</a:t>
-            </a:r>
-            <a:endParaRPr lang="en-US" b="1" u="sng" dirty="0"/>
-          </a:p>
-          <a:p>
-            <a:pPr lvl="1">
-              <a:lnSpc>
-                <a:spcPct val="150000"/>
-              </a:lnSpc>
-            </a:pPr>
-            <a:r>
-              <a:rPr lang="en-US" b="1" u="sng" dirty="0"/>
-              <a:t>Main game events </a:t>
-            </a:r>
-            <a:r>
-              <a:rPr lang="en-US" b="1" dirty="0"/>
-              <a:t>– use custom annotation - @</a:t>
-            </a:r>
-            <a:r>
-              <a:rPr lang="en-US" b="1" dirty="0" err="1"/>
-              <a:t>Loggable</a:t>
-            </a:r>
-            <a:r>
-              <a:rPr lang="en-US" b="1" dirty="0"/>
-              <a:t> annotation to use in methods that do not conform with wildcard pattern. Log them to file and print to STDOUT to inform player.</a:t>
-            </a:r>
-          </a:p>
-          <a:p>
-            <a:pPr>
-              <a:lnSpc>
-                <a:spcPct val="150000"/>
-              </a:lnSpc>
-            </a:pPr>
-            <a:r>
-              <a:rPr lang="en-US" b="1" dirty="0">
-                <a:solidFill>
-                  <a:srgbClr val="FF0000"/>
-                </a:solidFill>
-              </a:rPr>
-              <a:t>Advice: </a:t>
-            </a:r>
-            <a:r>
-              <a:rPr lang="en-US" b="1" dirty="0"/>
-              <a:t>Log code into logs/app.log file depends on annotation in runtime.</a:t>
-            </a:r>
-          </a:p>
-        </p:txBody>
-      </p:sp>
+              <a:t>Log4j2 config file</a:t>
+            </a:r>
+          </a:p>
+        </p:txBody>
+      </p:sp>
+      <p:pic>
+        <p:nvPicPr>
+          <p:cNvPr id="2" name="Picture 1">
+            <a:extLst>
+              <a:ext uri="{FF2B5EF4-FFF2-40B4-BE49-F238E27FC236}">
+                <a16:creationId xmlns:a16="http://schemas.microsoft.com/office/drawing/2014/main" id="{21495854-2231-451D-8BDB-968E0C1EC822}"/>
+              </a:ext>
+            </a:extLst>
+          </p:cNvPr>
+          <p:cNvPicPr>
+            <a:picLocks noChangeAspect="1"/>
+          </p:cNvPicPr>
+          <p:nvPr/>
+        </p:nvPicPr>
+        <p:blipFill>
+          <a:blip r:embed="rId2"/>
+          <a:stretch>
+            <a:fillRect/>
+          </a:stretch>
+        </p:blipFill>
+        <p:spPr>
+          <a:xfrm>
+            <a:off x="2755172" y="1676138"/>
+            <a:ext cx="7067550" cy="3790950"/>
+          </a:xfrm>
+          <a:prstGeom prst="rect">
+            <a:avLst/>
+          </a:prstGeom>
+        </p:spPr>
+      </p:pic>
     </p:spTree>
     <p:extLst>
       <p:ext uri="{BB962C8B-B14F-4D97-AF65-F5344CB8AC3E}">
-        <p14:creationId xmlns:p14="http://schemas.microsoft.com/office/powerpoint/2010/main" val="3906494076"/>
+        <p14:creationId xmlns:p14="http://schemas.microsoft.com/office/powerpoint/2010/main" val="1215285995"/>
       </p:ext>
     </p:extLst>
   </p:cSld>
@@ -4127,17 +4210,8 @@
               <a:rPr lang="en-US" b="1" dirty="0">
                 <a:latin typeface="+mn-lt"/>
               </a:rPr>
-              <a:t>@</a:t>
-            </a:r>
-            <a:r>
-              <a:rPr lang="en-US" b="1" dirty="0" err="1">
-                <a:latin typeface="+mn-lt"/>
-              </a:rPr>
-              <a:t>Loggable</a:t>
-            </a:r>
-            <a:endParaRPr lang="en-US" b="1" dirty="0">
-              <a:latin typeface="+mn-lt"/>
-            </a:endParaRPr>
+              <a:t>Game Logging Aspect:</a:t>
+            </a:r>
           </a:p>
         </p:txBody>
       </p:sp>
@@ -4159,8 +4233,8 @@
         </p:nvSpPr>
         <p:spPr>
           <a:xfrm>
-            <a:off x="400594" y="1201783"/>
-            <a:ext cx="6855883" cy="5468983"/>
+            <a:off x="218114" y="1201783"/>
+            <a:ext cx="11677795" cy="5468983"/>
           </a:xfrm>
         </p:spPr>
         <p:txBody>
@@ -4168,44 +4242,6 @@
             <a:normAutofit/>
           </a:bodyPr>
           <a:lstStyle/>
-          <a:p>
-            <a:pPr>
-              <a:lnSpc>
-                <a:spcPct val="150000"/>
-              </a:lnSpc>
-            </a:pPr>
-            <a:r>
-              <a:rPr lang="en-US" b="1" dirty="0"/>
-              <a:t>Custom made annotation</a:t>
-            </a:r>
-          </a:p>
-          <a:p>
-            <a:pPr>
-              <a:lnSpc>
-                <a:spcPct val="150000"/>
-              </a:lnSpc>
-            </a:pPr>
-            <a:r>
-              <a:rPr lang="en-US" b="1" dirty="0"/>
-              <a:t>Programmer marks method with @</a:t>
-            </a:r>
-            <a:r>
-              <a:rPr lang="en-US" b="1" dirty="0" err="1"/>
-              <a:t>Loggable</a:t>
-            </a:r>
-            <a:r>
-              <a:rPr lang="en-US" b="1" dirty="0"/>
-              <a:t> annotation AND it </a:t>
-            </a:r>
-            <a:r>
-              <a:rPr lang="en-US" b="1" dirty="0" err="1"/>
-              <a:t>typeLevel</a:t>
-            </a:r>
-            <a:r>
-              <a:rPr lang="en-US" b="1" dirty="0"/>
-              <a:t>!</a:t>
-            </a:r>
-          </a:p>
           <a:p>
             <a:pPr>
               <a:lnSpc>
@@ -4218,20 +4254,17 @@
                   <a:srgbClr val="FF0000"/>
                 </a:solidFill>
               </a:rPr>
-              <a:t>Retention</a:t>
+              <a:t>Concern:</a:t>
             </a:r>
             <a:r>
               <a:rPr lang="en-US" b="1" dirty="0"/>
-              <a:t>: Source/Runtime </a:t>
-            </a:r>
-            <a:r>
-              <a:rPr lang="en-US" i="1" dirty="0"/>
-              <a:t>– not-</a:t>
-            </a:r>
-            <a:r>
-              <a:rPr lang="en-US" dirty="0"/>
-              <a:t>visible/visible by the compiler.</a:t>
-            </a:r>
+              <a:t> noted above</a:t>
+            </a:r>
+            <a:endParaRPr lang="en-US" b="1" dirty="0">
+              <a:solidFill>
+                <a:srgbClr val="FF0000"/>
+              </a:solidFill>
+            </a:endParaRPr>
           </a:p>
           <a:p>
             <a:pPr>
@@ -4245,57 +4278,73 @@
                   <a:srgbClr val="FF0000"/>
                 </a:solidFill>
               </a:rPr>
-              <a:t>Target</a:t>
+              <a:t>Pointcut: </a:t>
+            </a:r>
+          </a:p>
+          <a:p>
+            <a:pPr lvl="1">
+              <a:lnSpc>
+                <a:spcPct val="150000"/>
+              </a:lnSpc>
+            </a:pPr>
+            <a:r>
+              <a:rPr lang="en-US" b="1" u="sng" dirty="0"/>
+              <a:t>Game analysis - </a:t>
             </a:r>
             <a:r>
               <a:rPr lang="en-US" b="1" dirty="0"/>
-              <a:t>: Method – use this </a:t>
+              <a:t> total time game took, total shoots made, total collisions.</a:t>
+            </a:r>
+            <a:endParaRPr lang="en-US" b="1" u="sng" dirty="0"/>
+          </a:p>
+          <a:p>
+            <a:pPr lvl="1">
+              <a:lnSpc>
+                <a:spcPct val="150000"/>
+              </a:lnSpc>
+            </a:pPr>
+            <a:r>
+              <a:rPr lang="en-US" b="1" u="sng" dirty="0"/>
+              <a:t>Main game events </a:t>
+            </a:r>
+            <a:r>
+              <a:rPr lang="en-US" b="1" dirty="0"/>
+              <a:t>– use custom annotation - @</a:t>
             </a:r>
             <a:r>
               <a:rPr lang="en-US" b="1" dirty="0" err="1"/>
-              <a:t>annot</a:t>
+              <a:t>Loggable</a:t>
             </a:r>
             <a:r>
               <a:rPr lang="en-US" b="1" dirty="0"/>
-              <a:t> only on methods.</a:t>
-            </a:r>
-          </a:p>
-        </p:txBody>
-      </p:sp>
-      <p:pic>
-        <p:nvPicPr>
-          <p:cNvPr id="7" name="Picture 6">
-            <a:extLst>
-              <a:ext uri="{FF2B5EF4-FFF2-40B4-BE49-F238E27FC236}">
-                <a16:creationId xmlns:a16="http://schemas.microsoft.com/office/drawing/2014/main" id="{14AECD1B-51AE-47AB-819E-3AEFF061E6C0}"/>
-              </a:ext>
-            </a:extLst>
-          </p:cNvPr>
-          <p:cNvPicPr>
-            <a:picLocks noChangeAspect="1"/>
-          </p:cNvPicPr>
-          <p:nvPr/>
-        </p:nvPicPr>
-        <p:blipFill>
-          <a:blip r:embed="rId2"/>
-          <a:stretch>
-            <a:fillRect/>
-          </a:stretch>
-        </p:blipFill>
-        <p:spPr>
-          <a:xfrm>
-            <a:off x="6185595" y="326074"/>
-            <a:ext cx="5517307" cy="2321433"/>
-          </a:xfrm>
-          <a:prstGeom prst="rect">
-            <a:avLst/>
-          </a:prstGeom>
-        </p:spPr>
-      </p:pic>
+              <a:t> annotation to use in methods that do not conform with wildcard pattern. Log them to file and print to STDOUT to inform player.</a:t>
+            </a:r>
+          </a:p>
+          <a:p>
+            <a:pPr>
+              <a:lnSpc>
+                <a:spcPct val="150000"/>
+              </a:lnSpc>
+            </a:pPr>
+            <a:r>
+              <a:rPr lang="en-US" b="1" dirty="0">
+                <a:solidFill>
+                  <a:srgbClr val="FF0000"/>
+                </a:solidFill>
+              </a:rPr>
+              <a:t>Advice: </a:t>
+            </a:r>
+            <a:r>
+              <a:rPr lang="en-US" b="1" dirty="0"/>
+              <a:t>Log code into logs/app.log file depends on annotation in runtime.</a:t>
+            </a:r>
+          </a:p>
+        </p:txBody>
+      </p:sp>
     </p:spTree>
     <p:extLst>
       <p:ext uri="{BB962C8B-B14F-4D97-AF65-F5344CB8AC3E}">
-        <p14:creationId xmlns:p14="http://schemas.microsoft.com/office/powerpoint/2010/main" val="360368061"/>
+        <p14:creationId xmlns:p14="http://schemas.microsoft.com/office/powerpoint/2010/main" val="3906494076"/>
       </p:ext>
     </p:extLst>
   </p:cSld>
@@ -4352,8 +4401,17 @@
               <a:rPr lang="en-US" b="1" dirty="0">
                 <a:latin typeface="+mn-lt"/>
               </a:rPr>
-              <a:t>Audit Aspect:</a:t>
-            </a:r>
+              <a:t>@</a:t>
+            </a:r>
+            <a:r>
+              <a:rPr lang="en-US" b="1" dirty="0" err="1">
+                <a:latin typeface="+mn-lt"/>
+              </a:rPr>
+              <a:t>Loggable</a:t>
+            </a:r>
+            <a:endParaRPr lang="en-US" b="1" dirty="0">
+              <a:latin typeface="+mn-lt"/>
+            </a:endParaRPr>
           </a:p>
         </p:txBody>
       </p:sp>
@@ -4376,7 +4434,7 @@
         <p:spPr>
           <a:xfrm>
             <a:off x="400594" y="1201783"/>
-            <a:ext cx="11495315" cy="5468983"/>
+            <a:ext cx="6855883" cy="5468983"/>
           </a:xfrm>
         </p:spPr>
         <p:txBody>
@@ -4392,19 +4450,61 @@
             </a:pPr>
             <a:r>
               <a:rPr lang="en-US" b="1" dirty="0"/>
-              <a:t>Logs (audits) data to file, for later monitoring and security. (</a:t>
-            </a:r>
+              <a:t>Custom made annotation</a:t>
+            </a:r>
+          </a:p>
+          <a:p>
+            <a:pPr>
+              <a:lnSpc>
+                <a:spcPct val="150000"/>
+              </a:lnSpc>
+            </a:pPr>
+            <a:r>
+              <a:rPr lang="en-US" b="1" dirty="0"/>
+              <a:t>Programmer marks method with @</a:t>
+            </a:r>
+            <a:r>
+              <a:rPr lang="en-US" b="1" dirty="0" err="1"/>
+              <a:t>Loggable</a:t>
+            </a:r>
+            <a:r>
+              <a:rPr lang="en-US" b="1" dirty="0"/>
+              <a:t> annotation AND it </a:t>
+            </a:r>
+            <a:r>
+              <a:rPr lang="en-US" b="1" dirty="0" err="1"/>
+              <a:t>typeLevel</a:t>
+            </a:r>
+            <a:r>
+              <a:rPr lang="en-US" b="1" dirty="0"/>
+              <a:t>!</a:t>
+            </a:r>
+          </a:p>
+          <a:p>
+            <a:pPr>
+              <a:lnSpc>
+                <a:spcPct val="150000"/>
+              </a:lnSpc>
+            </a:pPr>
             <a:r>
               <a:rPr lang="en-US" b="1" dirty="0">
                 <a:solidFill>
                   <a:srgbClr val="FF0000"/>
                 </a:solidFill>
               </a:rPr>
-              <a:t>in real application we would like to log this to RDBMS</a:t>
+              <a:t>Retention</a:t>
             </a:r>
             <a:r>
               <a:rPr lang="en-US" b="1" dirty="0"/>
-              <a:t>).</a:t>
+              <a:t>: Source/Runtime </a:t>
+            </a:r>
+            <a:r>
+              <a:rPr lang="en-US" i="1" dirty="0"/>
+              <a:t>– not-</a:t>
+            </a:r>
+            <a:r>
+              <a:rPr lang="en-US" dirty="0"/>
+              <a:t>visible/visible by the compiler.</a:t>
             </a:r>
           </a:p>
           <a:p>
@@ -4419,74 +4519,57 @@
                   <a:srgbClr val="FF0000"/>
                 </a:solidFill>
               </a:rPr>
-              <a:t>Pointcut: </a:t>
-            </a:r>
-          </a:p>
-          <a:p>
-            <a:pPr lvl="1">
-              <a:lnSpc>
-                <a:spcPct val="150000"/>
-              </a:lnSpc>
-            </a:pPr>
-            <a:r>
-              <a:rPr lang="en-US" b="1" u="sng" dirty="0"/>
-              <a:t>Set/get operations </a:t>
+              <a:t>Target</a:t>
             </a:r>
             <a:r>
               <a:rPr lang="en-US" b="1" dirty="0"/>
-              <a:t>(after).</a:t>
-            </a:r>
-            <a:endParaRPr lang="en-US" b="1" u="sng" dirty="0"/>
-          </a:p>
-          <a:p>
-            <a:pPr lvl="1">
-              <a:lnSpc>
-                <a:spcPct val="150000"/>
-              </a:lnSpc>
-            </a:pPr>
-            <a:r>
-              <a:rPr lang="en-US" b="1" u="sng" dirty="0"/>
-              <a:t>Do (interface)</a:t>
+              <a:t>: Method – use this </a:t>
+            </a:r>
+            <a:r>
+              <a:rPr lang="en-US" b="1" dirty="0" err="1"/>
+              <a:t>annot</a:t>
             </a:r>
             <a:r>
               <a:rPr lang="en-US" b="1" dirty="0"/>
-              <a:t> </a:t>
-            </a:r>
-            <a:r>
-              <a:rPr lang="en-US" b="1" u="sng" dirty="0"/>
-              <a:t>operations</a:t>
-            </a:r>
-            <a:r>
-              <a:rPr lang="en-US" b="1" dirty="0"/>
-              <a:t> (after).</a:t>
-            </a:r>
-            <a:endParaRPr lang="en-US" b="1" u="sng" dirty="0"/>
-          </a:p>
-          <a:p>
-            <a:pPr>
-              <a:lnSpc>
-                <a:spcPct val="150000"/>
-              </a:lnSpc>
-            </a:pPr>
-            <a:r>
-              <a:rPr lang="en-US" b="1" dirty="0">
-                <a:solidFill>
-                  <a:srgbClr val="FF0000"/>
-                </a:solidFill>
-              </a:rPr>
-              <a:t>Advice: </a:t>
-            </a:r>
-            <a:r>
-              <a:rPr lang="en-US" b="1" dirty="0"/>
-              <a:t>Log code into logs/app.log file depends on annotation in runtime.</a:t>
-            </a:r>
-          </a:p>
-        </p:txBody>
-      </p:sp>
+              <a:t> only on methods.</a:t>
+            </a:r>
+          </a:p>
+        </p:txBody>
+      </p:sp>
+      <p:pic>
+        <p:nvPicPr>
+          <p:cNvPr id="7" name="Picture 6">
+            <a:extLst>
+              <a:ext uri="{FF2B5EF4-FFF2-40B4-BE49-F238E27FC236}">
+                <a16:creationId xmlns:a16="http://schemas.microsoft.com/office/drawing/2014/main" id="{14AECD1B-51AE-47AB-819E-3AEFF061E6C0}"/>
+              </a:ext>
+            </a:extLst>
+          </p:cNvPr>
+          <p:cNvPicPr>
+            <a:picLocks noChangeAspect="1"/>
+          </p:cNvPicPr>
+          <p:nvPr/>
+        </p:nvPicPr>
+        <p:blipFill>
+          <a:blip r:embed="rId2"/>
+          <a:stretch>
+            <a:fillRect/>
+          </a:stretch>
+        </p:blipFill>
+        <p:spPr>
+          <a:xfrm>
+            <a:off x="6185595" y="326074"/>
+            <a:ext cx="5517307" cy="2321433"/>
+          </a:xfrm>
+          <a:prstGeom prst="rect">
+            <a:avLst/>
+          </a:prstGeom>
+        </p:spPr>
+      </p:pic>
     </p:spTree>
     <p:extLst>
       <p:ext uri="{BB962C8B-B14F-4D97-AF65-F5344CB8AC3E}">
-        <p14:creationId xmlns:p14="http://schemas.microsoft.com/office/powerpoint/2010/main" val="139909693"/>
+        <p14:creationId xmlns:p14="http://schemas.microsoft.com/office/powerpoint/2010/main" val="360368061"/>
       </p:ext>
     </p:extLst>
   </p:cSld>
@@ -4515,60 +4598,194 @@
       </p:grpSpPr>
       <p:sp>
         <p:nvSpPr>
-          <p:cNvPr id="3" name="TextBox 2">
-            <a:extLst>
-              <a:ext uri="{FF2B5EF4-FFF2-40B4-BE49-F238E27FC236}">
-                <a16:creationId xmlns:a16="http://schemas.microsoft.com/office/drawing/2014/main" id="{77462736-FE3A-4BAB-8C7B-E597C0C00E8D}"/>
-              </a:ext>
-            </a:extLst>
-          </p:cNvPr>
-          <p:cNvSpPr txBox="1"/>
-          <p:nvPr/>
-        </p:nvSpPr>
-        <p:spPr>
-          <a:xfrm>
-            <a:off x="3848087" y="2334074"/>
-            <a:ext cx="4495826" cy="1754326"/>
-          </a:xfrm>
-          <a:prstGeom prst="rect">
-            <a:avLst/>
-          </a:prstGeom>
-          <a:solidFill>
-            <a:schemeClr val="tx1"/>
-          </a:solidFill>
-          <a:ln>
-            <a:solidFill>
-              <a:schemeClr val="tx1"/>
-            </a:solidFill>
-          </a:ln>
-        </p:spPr>
-        <p:txBody>
-          <a:bodyPr wrap="square" rtlCol="0">
-            <a:spAutoFit/>
+          <p:cNvPr id="4" name="Title 1">
+            <a:extLst>
+              <a:ext uri="{FF2B5EF4-FFF2-40B4-BE49-F238E27FC236}">
+                <a16:creationId xmlns:a16="http://schemas.microsoft.com/office/drawing/2014/main" id="{CAC17C8E-3677-4E33-AD1C-BB70137513FC}"/>
+              </a:ext>
+            </a:extLst>
+          </p:cNvPr>
+          <p:cNvSpPr>
+            <a:spLocks noGrp="1"/>
+          </p:cNvSpPr>
+          <p:nvPr>
+            <p:ph type="title"/>
+          </p:nvPr>
+        </p:nvSpPr>
+        <p:spPr>
+          <a:xfrm>
+            <a:off x="400594" y="86450"/>
+            <a:ext cx="10515600" cy="1325563"/>
+          </a:xfrm>
+        </p:spPr>
+        <p:txBody>
+          <a:bodyPr/>
+          <a:lstStyle/>
+          <a:p>
+            <a:r>
+              <a:rPr lang="en-US" b="1" dirty="0">
+                <a:latin typeface="+mn-lt"/>
+              </a:rPr>
+              <a:t>Audit Aspect:</a:t>
+            </a:r>
+          </a:p>
+        </p:txBody>
+      </p:sp>
+      <p:sp>
+        <p:nvSpPr>
+          <p:cNvPr id="5" name="Content Placeholder 2">
+            <a:extLst>
+              <a:ext uri="{FF2B5EF4-FFF2-40B4-BE49-F238E27FC236}">
+                <a16:creationId xmlns:a16="http://schemas.microsoft.com/office/drawing/2014/main" id="{507F342C-C331-44DB-ACF0-C06FE2A5C3FB}"/>
+              </a:ext>
+            </a:extLst>
+          </p:cNvPr>
+          <p:cNvSpPr>
+            <a:spLocks noGrp="1"/>
+          </p:cNvSpPr>
+          <p:nvPr>
+            <p:ph idx="1"/>
+          </p:nvPr>
+        </p:nvSpPr>
+        <p:spPr>
+          <a:xfrm>
+            <a:off x="400594" y="1201783"/>
+            <a:ext cx="11495315" cy="5468983"/>
+          </a:xfrm>
+        </p:spPr>
+        <p:txBody>
+          <a:bodyPr>
+            <a:normAutofit/>
           </a:bodyPr>
           <a:lstStyle/>
           <a:p>
-            <a:pPr algn="ctr"/>
-            <a:r>
-              <a:rPr lang="en-US" sz="5400" b="1" dirty="0">
+            <a:pPr marL="0" indent="0">
+              <a:lnSpc>
+                <a:spcPct val="150000"/>
+              </a:lnSpc>
+              <a:buNone/>
+            </a:pPr>
+            <a:r>
+              <a:rPr lang="en-US" b="1" dirty="0"/>
+              <a:t>Logs (audits) data to file, for later monitoring and security. (</a:t>
+            </a:r>
+            <a:r>
+              <a:rPr lang="en-US" b="1" dirty="0">
                 <a:solidFill>
-                  <a:schemeClr val="bg1"/>
+                  <a:srgbClr val="FF0000"/>
                 </a:solidFill>
               </a:rPr>
-              <a:t>Regulative Aspects</a:t>
-            </a:r>
-            <a:endParaRPr lang="en-US" sz="4800" b="1" dirty="0">
+              <a:t>in real application we would like to log this to RDBMS</a:t>
+            </a:r>
+            <a:r>
+              <a:rPr lang="en-US" b="1" dirty="0"/>
+              <a:t>).</a:t>
+            </a:r>
+          </a:p>
+          <a:p>
+            <a:pPr>
+              <a:lnSpc>
+                <a:spcPct val="150000"/>
+              </a:lnSpc>
+            </a:pPr>
+            <a:r>
+              <a:rPr lang="en-US" b="1" dirty="0">
+                <a:solidFill>
+                  <a:srgbClr val="FF0000"/>
+                </a:solidFill>
+              </a:rPr>
+              <a:t>Concern:</a:t>
+            </a:r>
+            <a:r>
+              <a:rPr lang="en-US" b="1" dirty="0"/>
+              <a:t> noted above</a:t>
+            </a:r>
+            <a:endParaRPr lang="en-US" b="1" dirty="0">
               <a:solidFill>
-                <a:schemeClr val="bg1"/>
+                <a:srgbClr val="FF0000"/>
               </a:solidFill>
             </a:endParaRPr>
+          </a:p>
+          <a:p>
+            <a:pPr>
+              <a:lnSpc>
+                <a:spcPct val="150000"/>
+              </a:lnSpc>
+            </a:pPr>
+            <a:r>
+              <a:rPr lang="en-US" b="1" dirty="0">
+                <a:solidFill>
+                  <a:srgbClr val="FF0000"/>
+                </a:solidFill>
+              </a:rPr>
+              <a:t>Pointcut: </a:t>
+            </a:r>
+          </a:p>
+          <a:p>
+            <a:pPr lvl="1">
+              <a:lnSpc>
+                <a:spcPct val="150000"/>
+              </a:lnSpc>
+            </a:pPr>
+            <a:r>
+              <a:rPr lang="en-US" b="1" u="sng" dirty="0"/>
+              <a:t>Set/get operations </a:t>
+            </a:r>
+            <a:r>
+              <a:rPr lang="en-US" b="1" dirty="0"/>
+              <a:t>(after).</a:t>
+            </a:r>
+            <a:endParaRPr lang="en-US" b="1" u="sng" dirty="0"/>
+          </a:p>
+          <a:p>
+            <a:pPr lvl="1">
+              <a:lnSpc>
+                <a:spcPct val="150000"/>
+              </a:lnSpc>
+            </a:pPr>
+            <a:r>
+              <a:rPr lang="en-US" b="1" u="sng" dirty="0"/>
+              <a:t>Do (interface)</a:t>
+            </a:r>
+            <a:r>
+              <a:rPr lang="en-US" b="1" dirty="0"/>
+              <a:t> </a:t>
+            </a:r>
+            <a:r>
+              <a:rPr lang="en-US" b="1" u="sng" dirty="0"/>
+              <a:t>operations</a:t>
+            </a:r>
+            <a:r>
+              <a:rPr lang="en-US" b="1" dirty="0"/>
+              <a:t> (after).</a:t>
+            </a:r>
+            <a:endParaRPr lang="en-US" b="1" u="sng" dirty="0"/>
+          </a:p>
+          <a:p>
+            <a:pPr>
+              <a:lnSpc>
+                <a:spcPct val="150000"/>
+              </a:lnSpc>
+            </a:pPr>
+            <a:r>
+              <a:rPr lang="en-US" b="1" dirty="0">
+                <a:solidFill>
+                  <a:srgbClr val="FF0000"/>
+                </a:solidFill>
+              </a:rPr>
+              <a:t>Advice: </a:t>
+            </a:r>
+            <a:r>
+              <a:rPr lang="en-US" b="1" dirty="0"/>
+              <a:t>Log code into logs/app.log file depends on annotation in runtime.</a:t>
+            </a:r>
           </a:p>
         </p:txBody>
       </p:sp>
     </p:spTree>
     <p:extLst>
       <p:ext uri="{BB962C8B-B14F-4D97-AF65-F5344CB8AC3E}">
-        <p14:creationId xmlns:p14="http://schemas.microsoft.com/office/powerpoint/2010/main" val="721595628"/>
+        <p14:creationId xmlns:p14="http://schemas.microsoft.com/office/powerpoint/2010/main" val="139909693"/>
       </p:ext>
     </p:extLst>
   </p:cSld>
@@ -4597,272 +4814,60 @@
       </p:grpSpPr>
       <p:sp>
         <p:nvSpPr>
-          <p:cNvPr id="4" name="Title 1">
-            <a:extLst>
-              <a:ext uri="{FF2B5EF4-FFF2-40B4-BE49-F238E27FC236}">
-                <a16:creationId xmlns:a16="http://schemas.microsoft.com/office/drawing/2014/main" id="{CAC17C8E-3677-4E33-AD1C-BB70137513FC}"/>
-              </a:ext>
-            </a:extLst>
-          </p:cNvPr>
-          <p:cNvSpPr>
-            <a:spLocks noGrp="1"/>
-          </p:cNvSpPr>
-          <p:nvPr>
-            <p:ph type="title"/>
-          </p:nvPr>
-        </p:nvSpPr>
-        <p:spPr>
-          <a:xfrm>
-            <a:off x="400594" y="86450"/>
-            <a:ext cx="10515600" cy="1325563"/>
-          </a:xfrm>
-        </p:spPr>
-        <p:txBody>
-          <a:bodyPr/>
-          <a:lstStyle/>
-          <a:p>
-            <a:r>
-              <a:rPr lang="en-US" b="1" dirty="0">
-                <a:latin typeface="+mn-lt"/>
-              </a:rPr>
-              <a:t>Regulative Aspects:</a:t>
-            </a:r>
-          </a:p>
-        </p:txBody>
-      </p:sp>
-      <p:sp>
-        <p:nvSpPr>
-          <p:cNvPr id="5" name="Content Placeholder 2">
-            <a:extLst>
-              <a:ext uri="{FF2B5EF4-FFF2-40B4-BE49-F238E27FC236}">
-                <a16:creationId xmlns:a16="http://schemas.microsoft.com/office/drawing/2014/main" id="{507F342C-C331-44DB-ACF0-C06FE2A5C3FB}"/>
-              </a:ext>
-            </a:extLst>
-          </p:cNvPr>
-          <p:cNvSpPr>
-            <a:spLocks noGrp="1"/>
-          </p:cNvSpPr>
-          <p:nvPr>
-            <p:ph idx="1"/>
-          </p:nvPr>
-        </p:nvSpPr>
-        <p:spPr>
-          <a:xfrm>
-            <a:off x="218114" y="1201784"/>
-            <a:ext cx="11677795" cy="2162202"/>
-          </a:xfrm>
-        </p:spPr>
-        <p:txBody>
-          <a:bodyPr>
-            <a:normAutofit/>
-          </a:bodyPr>
-          <a:lstStyle/>
-          <a:p>
-            <a:pPr marL="0" indent="0">
-              <a:lnSpc>
-                <a:spcPct val="150000"/>
-              </a:lnSpc>
-              <a:buNone/>
-            </a:pPr>
-            <a:r>
-              <a:rPr lang="en-US" b="1" i="1" dirty="0">
-                <a:highlight>
-                  <a:srgbClr val="FFFF00"/>
-                </a:highlight>
-              </a:rPr>
-              <a:t>TODO</a:t>
-            </a:r>
-          </a:p>
-          <a:p>
-            <a:pPr marL="0" indent="0">
-              <a:lnSpc>
-                <a:spcPct val="150000"/>
-              </a:lnSpc>
-              <a:buNone/>
-            </a:pPr>
-            <a:endParaRPr lang="en-US" b="1" dirty="0">
-              <a:solidFill>
-                <a:srgbClr val="FF0000"/>
-              </a:solidFill>
-            </a:endParaRPr>
-          </a:p>
-        </p:txBody>
-      </p:sp>
-      <p:sp>
-        <p:nvSpPr>
-          <p:cNvPr id="2" name="Oval 1">
-            <a:extLst>
-              <a:ext uri="{FF2B5EF4-FFF2-40B4-BE49-F238E27FC236}">
-                <a16:creationId xmlns:a16="http://schemas.microsoft.com/office/drawing/2014/main" id="{BCF2E675-C3F4-427A-A354-973D66CCA7AF}"/>
-              </a:ext>
-            </a:extLst>
-          </p:cNvPr>
-          <p:cNvSpPr/>
+          <p:cNvPr id="3" name="TextBox 2">
+            <a:extLst>
+              <a:ext uri="{FF2B5EF4-FFF2-40B4-BE49-F238E27FC236}">
+                <a16:creationId xmlns:a16="http://schemas.microsoft.com/office/drawing/2014/main" id="{77462736-FE3A-4BAB-8C7B-E597C0C00E8D}"/>
+              </a:ext>
+            </a:extLst>
+          </p:cNvPr>
+          <p:cNvSpPr txBox="1"/>
           <p:nvPr/>
         </p:nvSpPr>
         <p:spPr>
           <a:xfrm>
-            <a:off x="2431608" y="3494015"/>
-            <a:ext cx="1602138" cy="1536585"/>
-          </a:xfrm>
-          <a:prstGeom prst="ellipse">
+            <a:off x="3848087" y="2334074"/>
+            <a:ext cx="4495826" cy="1754326"/>
+          </a:xfrm>
+          <a:prstGeom prst="rect">
             <a:avLst/>
           </a:prstGeom>
           <a:solidFill>
-            <a:srgbClr val="002060"/>
+            <a:schemeClr val="tx1"/>
           </a:solidFill>
           <a:ln>
             <a:solidFill>
-              <a:schemeClr val="bg1"/>
+              <a:schemeClr val="tx1"/>
             </a:solidFill>
           </a:ln>
         </p:spPr>
-        <p:style>
-          <a:lnRef idx="2">
-            <a:schemeClr val="accent1">
-              <a:shade val="50000"/>
-            </a:schemeClr>
-          </a:lnRef>
-          <a:fillRef idx="1">
-            <a:schemeClr val="accent1"/>
-          </a:fillRef>
-          <a:effectRef idx="0">
-            <a:schemeClr val="accent1"/>
-          </a:effectRef>
-          <a:fontRef idx="minor">
-            <a:schemeClr val="lt1"/>
-          </a:fontRef>
-        </p:style>
-        <p:txBody>
-          <a:bodyPr rtlCol="0" anchor="ctr"/>
+        <p:txBody>
+          <a:bodyPr wrap="square" rtlCol="0">
+            <a:spAutoFit/>
+          </a:bodyPr>
           <a:lstStyle/>
           <a:p>
             <a:pPr algn="ctr"/>
             <a:r>
-              <a:rPr lang="en-US" sz="1600" b="1" dirty="0"/>
-              <a:t>Lock Aspects</a:t>
-            </a:r>
-          </a:p>
-        </p:txBody>
-      </p:sp>
-      <p:sp>
-        <p:nvSpPr>
-          <p:cNvPr id="6" name="Oval 5">
-            <a:extLst>
-              <a:ext uri="{FF2B5EF4-FFF2-40B4-BE49-F238E27FC236}">
-                <a16:creationId xmlns:a16="http://schemas.microsoft.com/office/drawing/2014/main" id="{7F4FCC0E-5A9D-4984-A1C0-594C48631B84}"/>
-              </a:ext>
-            </a:extLst>
-          </p:cNvPr>
-          <p:cNvSpPr/>
-          <p:nvPr/>
-        </p:nvSpPr>
-        <p:spPr>
-          <a:xfrm>
-            <a:off x="4991450" y="3494015"/>
-            <a:ext cx="1989708" cy="1536585"/>
-          </a:xfrm>
-          <a:prstGeom prst="ellipse">
-            <a:avLst/>
-          </a:prstGeom>
-          <a:solidFill>
-            <a:srgbClr val="002060"/>
-          </a:solidFill>
-          <a:ln>
-            <a:solidFill>
-              <a:schemeClr val="bg1"/>
-            </a:solidFill>
-          </a:ln>
-        </p:spPr>
-        <p:style>
-          <a:lnRef idx="2">
-            <a:schemeClr val="accent1">
-              <a:shade val="50000"/>
-            </a:schemeClr>
-          </a:lnRef>
-          <a:fillRef idx="1">
-            <a:schemeClr val="accent1"/>
-          </a:fillRef>
-          <a:effectRef idx="0">
-            <a:schemeClr val="accent1"/>
-          </a:effectRef>
-          <a:fontRef idx="minor">
-            <a:schemeClr val="lt1"/>
-          </a:fontRef>
-        </p:style>
-        <p:txBody>
-          <a:bodyPr rtlCol="0" anchor="ctr"/>
-          <a:lstStyle/>
-          <a:p>
-            <a:pPr algn="ctr"/>
-            <a:r>
-              <a:rPr lang="en-US" sz="1600" b="1" dirty="0"/>
-              <a:t>Authorization Aspect</a:t>
-            </a:r>
-          </a:p>
-        </p:txBody>
-      </p:sp>
-      <p:sp>
-        <p:nvSpPr>
-          <p:cNvPr id="7" name="Oval 6">
-            <a:extLst>
-              <a:ext uri="{FF2B5EF4-FFF2-40B4-BE49-F238E27FC236}">
-                <a16:creationId xmlns:a16="http://schemas.microsoft.com/office/drawing/2014/main" id="{685383B0-F74E-4911-B2FB-BAD5510054F8}"/>
-              </a:ext>
-            </a:extLst>
-          </p:cNvPr>
-          <p:cNvSpPr/>
-          <p:nvPr/>
-        </p:nvSpPr>
-        <p:spPr>
-          <a:xfrm>
-            <a:off x="7855170" y="3494015"/>
-            <a:ext cx="1602138" cy="1536585"/>
-          </a:xfrm>
-          <a:prstGeom prst="ellipse">
-            <a:avLst/>
-          </a:prstGeom>
-          <a:solidFill>
-            <a:srgbClr val="002060"/>
-          </a:solidFill>
-          <a:ln>
-            <a:solidFill>
-              <a:schemeClr val="bg1"/>
-            </a:solidFill>
-          </a:ln>
-        </p:spPr>
-        <p:style>
-          <a:lnRef idx="2">
-            <a:schemeClr val="accent1">
-              <a:shade val="50000"/>
-            </a:schemeClr>
-          </a:lnRef>
-          <a:fillRef idx="1">
-            <a:schemeClr val="accent1"/>
-          </a:fillRef>
-          <a:effectRef idx="0">
-            <a:schemeClr val="accent1"/>
-          </a:effectRef>
-          <a:fontRef idx="minor">
-            <a:schemeClr val="lt1"/>
-          </a:fontRef>
-        </p:style>
-        <p:txBody>
-          <a:bodyPr rtlCol="0" anchor="ctr"/>
-          <a:lstStyle/>
-          <a:p>
-            <a:pPr algn="ctr"/>
-            <a:r>
-              <a:rPr lang="en-US" sz="1600" b="1" dirty="0"/>
-              <a:t>UI Aspect</a:t>
-            </a:r>
+              <a:rPr lang="en-US" sz="5400" b="1" dirty="0">
+                <a:solidFill>
+                  <a:schemeClr val="bg1"/>
+                </a:solidFill>
+              </a:rPr>
+              <a:t>Regulative Aspects</a:t>
+            </a:r>
+            <a:endParaRPr lang="en-US" sz="4800" b="1" dirty="0">
+              <a:solidFill>
+                <a:schemeClr val="bg1"/>
+              </a:solidFill>
+            </a:endParaRPr>
           </a:p>
         </p:txBody>
       </p:sp>
     </p:spTree>
     <p:extLst>
       <p:ext uri="{BB962C8B-B14F-4D97-AF65-F5344CB8AC3E}">
-        <p14:creationId xmlns:p14="http://schemas.microsoft.com/office/powerpoint/2010/main" val="2098652731"/>
+        <p14:creationId xmlns:p14="http://schemas.microsoft.com/office/powerpoint/2010/main" val="721595628"/>
       </p:ext>
     </p:extLst>
   </p:cSld>
@@ -4919,7 +4924,7 @@
               <a:rPr lang="en-US" b="1" dirty="0">
                 <a:latin typeface="+mn-lt"/>
               </a:rPr>
-              <a:t>Lock Aspect:</a:t>
+              <a:t>Regulative Aspects:</a:t>
             </a:r>
           </a:p>
         </p:txBody>
@@ -4942,8 +4947,8 @@
         </p:nvSpPr>
         <p:spPr>
           <a:xfrm>
-            <a:off x="400594" y="1201783"/>
-            <a:ext cx="11495315" cy="5468983"/>
+            <a:off x="218114" y="1201784"/>
+            <a:ext cx="11677795" cy="2162202"/>
           </a:xfrm>
         </p:spPr>
         <p:txBody>
@@ -4952,77 +4957,203 @@
           </a:bodyPr>
           <a:lstStyle/>
           <a:p>
-            <a:pPr>
+            <a:pPr marL="0" indent="0">
               <a:lnSpc>
                 <a:spcPct val="150000"/>
               </a:lnSpc>
-            </a:pPr>
-            <a:r>
-              <a:rPr lang="en-US" b="1" dirty="0"/>
-              <a:t>Locks game features of the game:</a:t>
-            </a:r>
-          </a:p>
-          <a:p>
-            <a:pPr lvl="1">
+              <a:buNone/>
+            </a:pPr>
+            <a:r>
+              <a:rPr lang="en-US" b="1" i="1" dirty="0">
+                <a:highlight>
+                  <a:srgbClr val="FFFF00"/>
+                </a:highlight>
+              </a:rPr>
+              <a:t>TODO</a:t>
+            </a:r>
+          </a:p>
+          <a:p>
+            <a:pPr marL="0" indent="0">
               <a:lnSpc>
                 <a:spcPct val="150000"/>
               </a:lnSpc>
-            </a:pPr>
-            <a:r>
-              <a:rPr lang="en-US" b="1" dirty="0"/>
-              <a:t>Locks shooting option.</a:t>
-            </a:r>
-          </a:p>
-          <a:p>
-            <a:pPr lvl="1">
-              <a:lnSpc>
-                <a:spcPct val="150000"/>
-              </a:lnSpc>
-            </a:pPr>
-            <a:r>
-              <a:rPr lang="en-US" b="1" dirty="0"/>
-              <a:t>Locks shield option.</a:t>
-            </a:r>
-          </a:p>
-          <a:p>
-            <a:pPr lvl="1">
-              <a:lnSpc>
-                <a:spcPct val="150000"/>
-              </a:lnSpc>
-            </a:pPr>
-            <a:r>
-              <a:rPr lang="en-US" b="1" dirty="0"/>
-              <a:t>Locks moving option.</a:t>
-            </a:r>
-          </a:p>
-          <a:p>
-            <a:pPr>
-              <a:lnSpc>
-                <a:spcPct val="150000"/>
-              </a:lnSpc>
-            </a:pPr>
-            <a:r>
-              <a:rPr lang="en-US" b="1" dirty="0">
-                <a:solidFill>
-                  <a:srgbClr val="FF0000"/>
-                </a:solidFill>
-              </a:rPr>
-              <a:t>Pointcut: </a:t>
-            </a:r>
-          </a:p>
-          <a:p>
-            <a:pPr>
-              <a:lnSpc>
-                <a:spcPct val="150000"/>
-              </a:lnSpc>
-            </a:pPr>
-            <a:r>
-              <a:rPr lang="en-US" b="1" dirty="0">
-                <a:solidFill>
-                  <a:srgbClr val="FF0000"/>
-                </a:solidFill>
-              </a:rPr>
-              <a:t>Advice:</a:t>
+              <a:buNone/>
+            </a:pPr>
+            <a:endParaRPr lang="en-US" b="1" dirty="0">
+              <a:solidFill>
+                <a:srgbClr val="FF0000"/>
+              </a:solidFill>
+            </a:endParaRPr>
+          </a:p>
+        </p:txBody>
+      </p:sp>
+      <p:sp>
+        <p:nvSpPr>
+          <p:cNvPr id="2" name="Oval 1">
+            <a:extLst>
+              <a:ext uri="{FF2B5EF4-FFF2-40B4-BE49-F238E27FC236}">
+                <a16:creationId xmlns:a16="http://schemas.microsoft.com/office/drawing/2014/main" id="{BCF2E675-C3F4-427A-A354-973D66CCA7AF}"/>
+              </a:ext>
+            </a:extLst>
+          </p:cNvPr>
+          <p:cNvSpPr/>
+          <p:nvPr/>
+        </p:nvSpPr>
+        <p:spPr>
+          <a:xfrm>
+            <a:off x="2431608" y="3275901"/>
+            <a:ext cx="1602138" cy="1536585"/>
+          </a:xfrm>
+          <a:prstGeom prst="ellipse">
+            <a:avLst/>
+          </a:prstGeom>
+          <a:solidFill>
+            <a:schemeClr val="tx1"/>
+          </a:solidFill>
+          <a:ln>
+            <a:solidFill>
+              <a:schemeClr val="bg1"/>
+            </a:solidFill>
+          </a:ln>
+        </p:spPr>
+        <p:style>
+          <a:lnRef idx="2">
+            <a:schemeClr val="accent1">
+              <a:shade val="50000"/>
+            </a:schemeClr>
+          </a:lnRef>
+          <a:fillRef idx="1">
+            <a:schemeClr val="accent1"/>
+          </a:fillRef>
+          <a:effectRef idx="0">
+            <a:schemeClr val="accent1"/>
+          </a:effectRef>
+          <a:fontRef idx="minor">
+            <a:schemeClr val="lt1"/>
+          </a:fontRef>
+        </p:style>
+        <p:txBody>
+          <a:bodyPr rtlCol="0" anchor="ctr"/>
+          <a:lstStyle/>
+          <a:p>
+            <a:pPr algn="ctr"/>
+            <a:r>
+              <a:rPr lang="en-US" sz="1600" b="1" dirty="0"/>
+              <a:t>Lock Aspects</a:t>
+            </a:r>
+          </a:p>
+        </p:txBody>
+      </p:sp>
+      <p:sp>
+        <p:nvSpPr>
+          <p:cNvPr id="6" name="Oval 5">
+            <a:extLst>
+              <a:ext uri="{FF2B5EF4-FFF2-40B4-BE49-F238E27FC236}">
+                <a16:creationId xmlns:a16="http://schemas.microsoft.com/office/drawing/2014/main" id="{7F4FCC0E-5A9D-4984-A1C0-594C48631B84}"/>
+              </a:ext>
+            </a:extLst>
+          </p:cNvPr>
+          <p:cNvSpPr/>
+          <p:nvPr/>
+        </p:nvSpPr>
+        <p:spPr>
+          <a:xfrm>
+            <a:off x="5050172" y="3275901"/>
+            <a:ext cx="1930986" cy="1536585"/>
+          </a:xfrm>
+          <a:prstGeom prst="ellipse">
+            <a:avLst/>
+          </a:prstGeom>
+          <a:solidFill>
+            <a:schemeClr val="tx1"/>
+          </a:solidFill>
+          <a:ln>
+            <a:solidFill>
+              <a:schemeClr val="bg1"/>
+            </a:solidFill>
+          </a:ln>
+        </p:spPr>
+        <p:style>
+          <a:lnRef idx="2">
+            <a:schemeClr val="accent1">
+              <a:shade val="50000"/>
+            </a:schemeClr>
+          </a:lnRef>
+          <a:fillRef idx="1">
+            <a:schemeClr val="accent1"/>
+          </a:fillRef>
+          <a:effectRef idx="0">
+            <a:schemeClr val="accent1"/>
+          </a:effectRef>
+          <a:fontRef idx="minor">
+            <a:schemeClr val="lt1"/>
+          </a:fontRef>
+        </p:style>
+        <p:txBody>
+          <a:bodyPr rtlCol="0" anchor="ctr"/>
+          <a:lstStyle/>
+          <a:p>
+            <a:pPr algn="ctr"/>
+            <a:r>
+              <a:rPr lang="en-US" sz="1600" b="1" dirty="0"/>
+              <a:t>Authorization Aspect</a:t>
+            </a:r>
+          </a:p>
+        </p:txBody>
+      </p:sp>
+      <p:sp>
+        <p:nvSpPr>
+          <p:cNvPr id="7" name="Oval 6">
+            <a:extLst>
+              <a:ext uri="{FF2B5EF4-FFF2-40B4-BE49-F238E27FC236}">
+                <a16:creationId xmlns:a16="http://schemas.microsoft.com/office/drawing/2014/main" id="{685383B0-F74E-4911-B2FB-BAD5510054F8}"/>
+              </a:ext>
+            </a:extLst>
+          </p:cNvPr>
+          <p:cNvSpPr/>
+          <p:nvPr/>
+        </p:nvSpPr>
+        <p:spPr>
+          <a:xfrm>
+            <a:off x="7855170" y="3275901"/>
+            <a:ext cx="1602138" cy="1536585"/>
+          </a:xfrm>
+          <a:prstGeom prst="ellipse">
+            <a:avLst/>
+          </a:prstGeom>
+          <a:solidFill>
+            <a:schemeClr val="tx1"/>
+          </a:solidFill>
+          <a:ln>
+            <a:solidFill>
+              <a:schemeClr val="bg1"/>
+            </a:solidFill>
+          </a:ln>
+        </p:spPr>
+        <p:style>
+          <a:lnRef idx="2">
+            <a:schemeClr val="accent1">
+              <a:shade val="50000"/>
+            </a:schemeClr>
+          </a:lnRef>
+          <a:fillRef idx="1">
+            <a:schemeClr val="accent1"/>
+          </a:fillRef>
+          <a:effectRef idx="0">
+            <a:schemeClr val="accent1"/>
+          </a:effectRef>
+          <a:fontRef idx="minor">
+            <a:schemeClr val="lt1"/>
+          </a:fontRef>
+        </p:style>
+        <p:txBody>
+          <a:bodyPr rtlCol="0" anchor="ctr"/>
+          <a:lstStyle/>
+          <a:p>
+            <a:pPr algn="ctr"/>
+            <a:r>
+              <a:rPr lang="en-US" sz="1600" b="1" dirty="0"/>
+              <a:t>UI Aspect</a:t>
             </a:r>
           </a:p>
         </p:txBody>
@@ -5030,7 +5161,7 @@
     </p:spTree>
     <p:extLst>
       <p:ext uri="{BB962C8B-B14F-4D97-AF65-F5344CB8AC3E}">
-        <p14:creationId xmlns:p14="http://schemas.microsoft.com/office/powerpoint/2010/main" val="3231087132"/>
+        <p14:creationId xmlns:p14="http://schemas.microsoft.com/office/powerpoint/2010/main" val="2098652731"/>
       </p:ext>
     </p:extLst>
   </p:cSld>
@@ -5087,7 +5218,7 @@
               <a:rPr lang="en-US" b="1" dirty="0">
                 <a:latin typeface="+mn-lt"/>
               </a:rPr>
-              <a:t>Authorization Aspect:</a:t>
+              <a:t>Lock Aspect:</a:t>
             </a:r>
           </a:p>
         </p:txBody>
@@ -5127,30 +5258,40 @@
             </a:pPr>
             <a:r>
               <a:rPr lang="en-US" b="1" dirty="0"/>
-              <a:t>Password authorization mechanism – only authorized users can play the game.</a:t>
-            </a:r>
-          </a:p>
-          <a:p>
-            <a:pPr>
+              <a:t>Locks game features of the game:</a:t>
+            </a:r>
+          </a:p>
+          <a:p>
+            <a:pPr lvl="1">
               <a:lnSpc>
                 <a:spcPct val="150000"/>
               </a:lnSpc>
             </a:pPr>
             <a:r>
               <a:rPr lang="en-US" b="1" dirty="0"/>
-              <a:t>Enforced using user/password login using </a:t>
-            </a:r>
-            <a:r>
-              <a:rPr lang="en-US" b="1" dirty="0">
-                <a:solidFill>
-                  <a:srgbClr val="FF0000"/>
-                </a:solidFill>
-              </a:rPr>
-              <a:t>STDOUT</a:t>
-            </a:r>
+              <a:t>Locks shooting option.</a:t>
+            </a:r>
+          </a:p>
+          <a:p>
+            <a:pPr lvl="1">
+              <a:lnSpc>
+                <a:spcPct val="150000"/>
+              </a:lnSpc>
+            </a:pPr>
             <a:r>
               <a:rPr lang="en-US" b="1" dirty="0"/>
-              <a:t>.</a:t>
+              <a:t>Locks shield option.</a:t>
+            </a:r>
+          </a:p>
+          <a:p>
+            <a:pPr lvl="1">
+              <a:lnSpc>
+                <a:spcPct val="150000"/>
+              </a:lnSpc>
+            </a:pPr>
+            <a:r>
+              <a:rPr lang="en-US" b="1" dirty="0"/>
+              <a:t>Locks moving option.</a:t>
             </a:r>
           </a:p>
           <a:p>
@@ -5183,20 +5324,12 @@
               <a:t>Advice:</a:t>
             </a:r>
           </a:p>
-          <a:p>
-            <a:pPr>
-              <a:lnSpc>
-                <a:spcPct val="150000"/>
-              </a:lnSpc>
-            </a:pPr>
-            <a:endParaRPr lang="en-US" b="1" dirty="0"/>
-          </a:p>
         </p:txBody>
       </p:sp>
     </p:spTree>
     <p:extLst>
       <p:ext uri="{BB962C8B-B14F-4D97-AF65-F5344CB8AC3E}">
-        <p14:creationId xmlns:p14="http://schemas.microsoft.com/office/powerpoint/2010/main" val="1621691119"/>
+        <p14:creationId xmlns:p14="http://schemas.microsoft.com/office/powerpoint/2010/main" val="3231087132"/>
       </p:ext>
     </p:extLst>
   </p:cSld>
@@ -5253,7 +5386,7 @@
               <a:rPr lang="en-US" b="1" dirty="0">
                 <a:latin typeface="+mn-lt"/>
               </a:rPr>
-              <a:t>UI Aspect:</a:t>
+              <a:t>Authorization Aspect:</a:t>
             </a:r>
           </a:p>
         </p:txBody>
@@ -5293,56 +5426,30 @@
             </a:pPr>
             <a:r>
               <a:rPr lang="en-US" b="1" dirty="0"/>
-              <a:t>Update UI with informative message when fields/values are changed:</a:t>
-            </a:r>
-          </a:p>
-          <a:p>
-            <a:pPr lvl="1">
+              <a:t>Password authorization mechanism – only authorized users can play the game.</a:t>
+            </a:r>
+          </a:p>
+          <a:p>
+            <a:pPr>
               <a:lnSpc>
                 <a:spcPct val="150000"/>
               </a:lnSpc>
             </a:pPr>
             <a:r>
-              <a:rPr lang="en-US" b="1" dirty="0" err="1"/>
-              <a:t>SpaceShip</a:t>
-            </a:r>
-            <a:r>
               <a:rPr lang="en-US" b="1" dirty="0"/>
-              <a:t> is hit.</a:t>
-            </a:r>
-          </a:p>
-          <a:p>
-            <a:pPr lvl="1">
-              <a:lnSpc>
-                <a:spcPct val="150000"/>
-              </a:lnSpc>
-            </a:pPr>
-            <a:r>
-              <a:rPr lang="en-US" b="1" dirty="0"/>
-              <a:t>Teleport executed by </a:t>
-            </a:r>
-            <a:r>
-              <a:rPr lang="en-US" b="1" dirty="0" err="1"/>
-              <a:t>SpaceShip</a:t>
+              <a:t>Enforced using user/password login using </a:t>
+            </a:r>
+            <a:r>
+              <a:rPr lang="en-US" b="1" dirty="0">
+                <a:solidFill>
+                  <a:srgbClr val="FF0000"/>
+                </a:solidFill>
+              </a:rPr>
+              <a:t>STDOUT</a:t>
             </a:r>
             <a:r>
               <a:rPr lang="en-US" b="1" dirty="0"/>
               <a:t>.</a:t>
-            </a:r>
-          </a:p>
-          <a:p>
-            <a:pPr lvl="1">
-              <a:lnSpc>
-                <a:spcPct val="150000"/>
-              </a:lnSpc>
-            </a:pPr>
-            <a:r>
-              <a:rPr lang="en-US" b="1" dirty="0" err="1"/>
-              <a:t>SpaceShip</a:t>
-            </a:r>
-            <a:r>
-              <a:rPr lang="en-US" b="1" dirty="0"/>
-              <a:t> died.</a:t>
             </a:r>
           </a:p>
           <a:p>
@@ -5388,7 +5495,7 @@
     </p:spTree>
     <p:extLst>
       <p:ext uri="{BB962C8B-B14F-4D97-AF65-F5344CB8AC3E}">
-        <p14:creationId xmlns:p14="http://schemas.microsoft.com/office/powerpoint/2010/main" val="2170754187"/>
+        <p14:creationId xmlns:p14="http://schemas.microsoft.com/office/powerpoint/2010/main" val="1621691119"/>
       </p:ext>
     </p:extLst>
   </p:cSld>
@@ -5630,60 +5737,170 @@
       </p:grpSpPr>
       <p:sp>
         <p:nvSpPr>
-          <p:cNvPr id="3" name="TextBox 2">
-            <a:extLst>
-              <a:ext uri="{FF2B5EF4-FFF2-40B4-BE49-F238E27FC236}">
-                <a16:creationId xmlns:a16="http://schemas.microsoft.com/office/drawing/2014/main" id="{77462736-FE3A-4BAB-8C7B-E597C0C00E8D}"/>
-              </a:ext>
-            </a:extLst>
-          </p:cNvPr>
-          <p:cNvSpPr txBox="1"/>
-          <p:nvPr/>
-        </p:nvSpPr>
-        <p:spPr>
-          <a:xfrm>
-            <a:off x="3848087" y="2334074"/>
-            <a:ext cx="4495826" cy="1754326"/>
-          </a:xfrm>
-          <a:prstGeom prst="rect">
-            <a:avLst/>
-          </a:prstGeom>
-          <a:solidFill>
-            <a:schemeClr val="tx1"/>
-          </a:solidFill>
-          <a:ln>
-            <a:solidFill>
-              <a:schemeClr val="tx1"/>
-            </a:solidFill>
-          </a:ln>
-        </p:spPr>
-        <p:txBody>
-          <a:bodyPr wrap="square" rtlCol="0">
-            <a:spAutoFit/>
+          <p:cNvPr id="4" name="Title 1">
+            <a:extLst>
+              <a:ext uri="{FF2B5EF4-FFF2-40B4-BE49-F238E27FC236}">
+                <a16:creationId xmlns:a16="http://schemas.microsoft.com/office/drawing/2014/main" id="{CAC17C8E-3677-4E33-AD1C-BB70137513FC}"/>
+              </a:ext>
+            </a:extLst>
+          </p:cNvPr>
+          <p:cNvSpPr>
+            <a:spLocks noGrp="1"/>
+          </p:cNvSpPr>
+          <p:nvPr>
+            <p:ph type="title"/>
+          </p:nvPr>
+        </p:nvSpPr>
+        <p:spPr>
+          <a:xfrm>
+            <a:off x="400594" y="86450"/>
+            <a:ext cx="10515600" cy="1325563"/>
+          </a:xfrm>
+        </p:spPr>
+        <p:txBody>
+          <a:bodyPr/>
+          <a:lstStyle/>
+          <a:p>
+            <a:r>
+              <a:rPr lang="en-US" b="1" dirty="0">
+                <a:latin typeface="+mn-lt"/>
+              </a:rPr>
+              <a:t>UI Aspect:</a:t>
+            </a:r>
+          </a:p>
+        </p:txBody>
+      </p:sp>
+      <p:sp>
+        <p:nvSpPr>
+          <p:cNvPr id="5" name="Content Placeholder 2">
+            <a:extLst>
+              <a:ext uri="{FF2B5EF4-FFF2-40B4-BE49-F238E27FC236}">
+                <a16:creationId xmlns:a16="http://schemas.microsoft.com/office/drawing/2014/main" id="{507F342C-C331-44DB-ACF0-C06FE2A5C3FB}"/>
+              </a:ext>
+            </a:extLst>
+          </p:cNvPr>
+          <p:cNvSpPr>
+            <a:spLocks noGrp="1"/>
+          </p:cNvSpPr>
+          <p:nvPr>
+            <p:ph idx="1"/>
+          </p:nvPr>
+        </p:nvSpPr>
+        <p:spPr>
+          <a:xfrm>
+            <a:off x="400594" y="1201783"/>
+            <a:ext cx="11495315" cy="5468983"/>
+          </a:xfrm>
+        </p:spPr>
+        <p:txBody>
+          <a:bodyPr>
+            <a:normAutofit/>
           </a:bodyPr>
           <a:lstStyle/>
           <a:p>
-            <a:pPr algn="ctr"/>
-            <a:r>
-              <a:rPr lang="en-US" sz="5400" b="1" dirty="0">
+            <a:pPr>
+              <a:lnSpc>
+                <a:spcPct val="150000"/>
+              </a:lnSpc>
+            </a:pPr>
+            <a:r>
+              <a:rPr lang="en-US" b="1" dirty="0"/>
+              <a:t>Update UI with informative message when fields/values are changed:</a:t>
+            </a:r>
+          </a:p>
+          <a:p>
+            <a:pPr lvl="1">
+              <a:lnSpc>
+                <a:spcPct val="150000"/>
+              </a:lnSpc>
+            </a:pPr>
+            <a:r>
+              <a:rPr lang="en-US" b="1" dirty="0" err="1"/>
+              <a:t>SpaceShip</a:t>
+            </a:r>
+            <a:r>
+              <a:rPr lang="en-US" b="1" dirty="0"/>
+              <a:t> is hit.</a:t>
+            </a:r>
+          </a:p>
+          <a:p>
+            <a:pPr lvl="1">
+              <a:lnSpc>
+                <a:spcPct val="150000"/>
+              </a:lnSpc>
+            </a:pPr>
+            <a:r>
+              <a:rPr lang="en-US" b="1" dirty="0"/>
+              <a:t>Teleport executed by </a:t>
+            </a:r>
+            <a:r>
+              <a:rPr lang="en-US" b="1" dirty="0" err="1"/>
+              <a:t>SpaceShip</a:t>
+            </a:r>
+            <a:r>
+              <a:rPr lang="en-US" b="1" dirty="0"/>
+              <a:t>.</a:t>
+            </a:r>
+          </a:p>
+          <a:p>
+            <a:pPr lvl="1">
+              <a:lnSpc>
+                <a:spcPct val="150000"/>
+              </a:lnSpc>
+            </a:pPr>
+            <a:r>
+              <a:rPr lang="en-US" b="1" dirty="0" err="1"/>
+              <a:t>SpaceShip</a:t>
+            </a:r>
+            <a:r>
+              <a:rPr lang="en-US" b="1" dirty="0"/>
+              <a:t> died.</a:t>
+            </a:r>
+          </a:p>
+          <a:p>
+            <a:pPr>
+              <a:lnSpc>
+                <a:spcPct val="150000"/>
+              </a:lnSpc>
+            </a:pPr>
+            <a:r>
+              <a:rPr lang="en-US" b="1" dirty="0">
                 <a:solidFill>
-                  <a:schemeClr val="bg1"/>
+                  <a:srgbClr val="FF0000"/>
                 </a:solidFill>
               </a:rPr>
-              <a:t>Invasive Aspects</a:t>
-            </a:r>
-            <a:endParaRPr lang="en-US" sz="4800" b="1" dirty="0">
-              <a:solidFill>
-                <a:schemeClr val="bg1"/>
-              </a:solidFill>
-            </a:endParaRPr>
+              <a:t>Pointcut: </a:t>
+            </a:r>
+          </a:p>
+          <a:p>
+            <a:pPr>
+              <a:lnSpc>
+                <a:spcPct val="150000"/>
+              </a:lnSpc>
+            </a:pPr>
+            <a:r>
+              <a:rPr lang="en-US" b="1" dirty="0">
+                <a:solidFill>
+                  <a:srgbClr val="FF0000"/>
+                </a:solidFill>
+              </a:rPr>
+              <a:t>Advice:</a:t>
+            </a:r>
+          </a:p>
+          <a:p>
+            <a:pPr>
+              <a:lnSpc>
+                <a:spcPct val="150000"/>
+              </a:lnSpc>
+            </a:pPr>
+            <a:endParaRPr lang="en-US" b="1" dirty="0"/>
           </a:p>
         </p:txBody>
       </p:sp>
     </p:spTree>
     <p:extLst>
       <p:ext uri="{BB962C8B-B14F-4D97-AF65-F5344CB8AC3E}">
-        <p14:creationId xmlns:p14="http://schemas.microsoft.com/office/powerpoint/2010/main" val="3739079832"/>
+        <p14:creationId xmlns:p14="http://schemas.microsoft.com/office/powerpoint/2010/main" val="2170754187"/>
       </p:ext>
     </p:extLst>
   </p:cSld>
@@ -5712,115 +5929,22 @@
       </p:grpSpPr>
       <p:sp>
         <p:nvSpPr>
-          <p:cNvPr id="4" name="Title 1">
-            <a:extLst>
-              <a:ext uri="{FF2B5EF4-FFF2-40B4-BE49-F238E27FC236}">
-                <a16:creationId xmlns:a16="http://schemas.microsoft.com/office/drawing/2014/main" id="{CAC17C8E-3677-4E33-AD1C-BB70137513FC}"/>
-              </a:ext>
-            </a:extLst>
-          </p:cNvPr>
-          <p:cNvSpPr>
-            <a:spLocks noGrp="1"/>
-          </p:cNvSpPr>
-          <p:nvPr>
-            <p:ph type="title"/>
-          </p:nvPr>
-        </p:nvSpPr>
-        <p:spPr>
-          <a:xfrm>
-            <a:off x="400594" y="86450"/>
-            <a:ext cx="10515600" cy="1325563"/>
-          </a:xfrm>
-        </p:spPr>
-        <p:txBody>
-          <a:bodyPr/>
-          <a:lstStyle/>
-          <a:p>
-            <a:r>
-              <a:rPr lang="en-US" b="1" dirty="0">
-                <a:latin typeface="+mn-lt"/>
-              </a:rPr>
-              <a:t>Invasive Aspects:</a:t>
-            </a:r>
-          </a:p>
-        </p:txBody>
-      </p:sp>
-      <p:sp>
-        <p:nvSpPr>
-          <p:cNvPr id="5" name="Content Placeholder 2">
-            <a:extLst>
-              <a:ext uri="{FF2B5EF4-FFF2-40B4-BE49-F238E27FC236}">
-                <a16:creationId xmlns:a16="http://schemas.microsoft.com/office/drawing/2014/main" id="{507F342C-C331-44DB-ACF0-C06FE2A5C3FB}"/>
-              </a:ext>
-            </a:extLst>
-          </p:cNvPr>
-          <p:cNvSpPr>
-            <a:spLocks noGrp="1"/>
-          </p:cNvSpPr>
-          <p:nvPr>
-            <p:ph idx="1"/>
-          </p:nvPr>
-        </p:nvSpPr>
-        <p:spPr>
-          <a:xfrm>
-            <a:off x="218114" y="1201784"/>
-            <a:ext cx="11677795" cy="2162202"/>
-          </a:xfrm>
-        </p:spPr>
-        <p:txBody>
-          <a:bodyPr>
-            <a:normAutofit/>
-          </a:bodyPr>
-          <a:lstStyle/>
-          <a:p>
-            <a:pPr marL="0" indent="0">
-              <a:lnSpc>
-                <a:spcPct val="150000"/>
-              </a:lnSpc>
-              <a:buNone/>
-            </a:pPr>
-            <a:r>
-              <a:rPr lang="en-US" b="1" i="1" dirty="0">
-                <a:highlight>
-                  <a:srgbClr val="FFFF00"/>
-                </a:highlight>
-              </a:rPr>
-              <a:t>TODO</a:t>
-            </a:r>
-          </a:p>
-          <a:p>
-            <a:pPr marL="0" indent="0">
-              <a:lnSpc>
-                <a:spcPct val="150000"/>
-              </a:lnSpc>
-              <a:buNone/>
-            </a:pPr>
-            <a:endParaRPr lang="en-US" b="1" dirty="0">
-              <a:solidFill>
-                <a:srgbClr val="FF0000"/>
-              </a:solidFill>
-            </a:endParaRPr>
-          </a:p>
-        </p:txBody>
-      </p:sp>
-      <p:sp>
-        <p:nvSpPr>
-          <p:cNvPr id="2" name="Oval 1">
-            <a:extLst>
-              <a:ext uri="{FF2B5EF4-FFF2-40B4-BE49-F238E27FC236}">
-                <a16:creationId xmlns:a16="http://schemas.microsoft.com/office/drawing/2014/main" id="{BCF2E675-C3F4-427A-A354-973D66CCA7AF}"/>
-              </a:ext>
-            </a:extLst>
-          </p:cNvPr>
-          <p:cNvSpPr/>
+          <p:cNvPr id="3" name="TextBox 2">
+            <a:extLst>
+              <a:ext uri="{FF2B5EF4-FFF2-40B4-BE49-F238E27FC236}">
+                <a16:creationId xmlns:a16="http://schemas.microsoft.com/office/drawing/2014/main" id="{77462736-FE3A-4BAB-8C7B-E597C0C00E8D}"/>
+              </a:ext>
+            </a:extLst>
+          </p:cNvPr>
+          <p:cNvSpPr txBox="1"/>
           <p:nvPr/>
         </p:nvSpPr>
         <p:spPr>
           <a:xfrm>
-            <a:off x="1655745" y="3363986"/>
-            <a:ext cx="1602138" cy="1536585"/>
-          </a:xfrm>
-          <a:prstGeom prst="ellipse">
+            <a:off x="3848087" y="2334074"/>
+            <a:ext cx="4495826" cy="1754326"/>
+          </a:xfrm>
+          <a:prstGeom prst="rect">
             <a:avLst/>
           </a:prstGeom>
           <a:solidFill>
@@ -5828,154 +5952,37 @@
           </a:solidFill>
           <a:ln>
             <a:solidFill>
-              <a:schemeClr val="bg1"/>
+              <a:schemeClr val="tx1"/>
             </a:solidFill>
           </a:ln>
         </p:spPr>
-        <p:style>
-          <a:lnRef idx="2">
-            <a:schemeClr val="accent1">
-              <a:shade val="50000"/>
-            </a:schemeClr>
-          </a:lnRef>
-          <a:fillRef idx="1">
-            <a:schemeClr val="accent1"/>
-          </a:fillRef>
-          <a:effectRef idx="0">
-            <a:schemeClr val="accent1"/>
-          </a:effectRef>
-          <a:fontRef idx="minor">
-            <a:schemeClr val="lt1"/>
-          </a:fontRef>
-        </p:style>
-        <p:txBody>
-          <a:bodyPr rtlCol="0" anchor="ctr"/>
+        <p:txBody>
+          <a:bodyPr wrap="square" rtlCol="0">
+            <a:spAutoFit/>
+          </a:bodyPr>
           <a:lstStyle/>
           <a:p>
             <a:pPr algn="ctr"/>
             <a:r>
-              <a:rPr lang="en-US" sz="1600" b="1" dirty="0" err="1"/>
-              <a:t>ExceptionHandler</a:t>
-            </a:r>
-            <a:r>
-              <a:rPr lang="en-US" sz="1600" b="1" dirty="0"/>
-              <a:t> Aspect</a:t>
-            </a:r>
-          </a:p>
-        </p:txBody>
-      </p:sp>
-      <p:sp>
-        <p:nvSpPr>
-          <p:cNvPr id="6" name="Oval 5">
-            <a:extLst>
-              <a:ext uri="{FF2B5EF4-FFF2-40B4-BE49-F238E27FC236}">
-                <a16:creationId xmlns:a16="http://schemas.microsoft.com/office/drawing/2014/main" id="{7F4FCC0E-5A9D-4984-A1C0-594C48631B84}"/>
-              </a:ext>
-            </a:extLst>
-          </p:cNvPr>
-          <p:cNvSpPr/>
-          <p:nvPr/>
-        </p:nvSpPr>
-        <p:spPr>
-          <a:xfrm>
-            <a:off x="4603157" y="3363986"/>
-            <a:ext cx="1602138" cy="1536585"/>
-          </a:xfrm>
-          <a:prstGeom prst="ellipse">
-            <a:avLst/>
-          </a:prstGeom>
-          <a:solidFill>
-            <a:schemeClr val="tx1"/>
-          </a:solidFill>
-          <a:ln>
-            <a:solidFill>
-              <a:schemeClr val="bg1"/>
-            </a:solidFill>
-          </a:ln>
-        </p:spPr>
-        <p:style>
-          <a:lnRef idx="2">
-            <a:schemeClr val="accent1">
-              <a:shade val="50000"/>
-            </a:schemeClr>
-          </a:lnRef>
-          <a:fillRef idx="1">
-            <a:schemeClr val="accent1"/>
-          </a:fillRef>
-          <a:effectRef idx="0">
-            <a:schemeClr val="accent1"/>
-          </a:effectRef>
-          <a:fontRef idx="minor">
-            <a:schemeClr val="lt1"/>
-          </a:fontRef>
-        </p:style>
-        <p:txBody>
-          <a:bodyPr rtlCol="0" anchor="ctr"/>
-          <a:lstStyle/>
-          <a:p>
-            <a:pPr algn="ctr"/>
-            <a:endParaRPr lang="en-US" sz="1600" b="1" dirty="0"/>
-          </a:p>
-        </p:txBody>
-      </p:sp>
-      <p:sp>
-        <p:nvSpPr>
-          <p:cNvPr id="7" name="Oval 6">
-            <a:extLst>
-              <a:ext uri="{FF2B5EF4-FFF2-40B4-BE49-F238E27FC236}">
-                <a16:creationId xmlns:a16="http://schemas.microsoft.com/office/drawing/2014/main" id="{E2B9C561-C78F-4056-AE7A-9CB3495FFDD1}"/>
-              </a:ext>
-            </a:extLst>
-          </p:cNvPr>
-          <p:cNvSpPr/>
-          <p:nvPr/>
-        </p:nvSpPr>
-        <p:spPr>
-          <a:xfrm>
-            <a:off x="7678201" y="3363985"/>
-            <a:ext cx="1602138" cy="1536585"/>
-          </a:xfrm>
-          <a:prstGeom prst="ellipse">
-            <a:avLst/>
-          </a:prstGeom>
-          <a:solidFill>
-            <a:schemeClr val="tx1"/>
-          </a:solidFill>
-          <a:ln>
-            <a:solidFill>
-              <a:schemeClr val="bg1"/>
-            </a:solidFill>
-          </a:ln>
-        </p:spPr>
-        <p:style>
-          <a:lnRef idx="2">
-            <a:schemeClr val="accent1">
-              <a:shade val="50000"/>
-            </a:schemeClr>
-          </a:lnRef>
-          <a:fillRef idx="1">
-            <a:schemeClr val="accent1"/>
-          </a:fillRef>
-          <a:effectRef idx="0">
-            <a:schemeClr val="accent1"/>
-          </a:effectRef>
-          <a:fontRef idx="minor">
-            <a:schemeClr val="lt1"/>
-          </a:fontRef>
-        </p:style>
-        <p:txBody>
-          <a:bodyPr rtlCol="0" anchor="ctr"/>
-          <a:lstStyle/>
-          <a:p>
-            <a:pPr algn="ctr"/>
-            <a:endParaRPr lang="en-US" sz="1600" b="1" dirty="0"/>
+              <a:rPr lang="en-US" sz="5400" b="1" dirty="0">
+                <a:solidFill>
+                  <a:schemeClr val="bg1"/>
+                </a:solidFill>
+              </a:rPr>
+              <a:t>Invasive Aspects</a:t>
+            </a:r>
+            <a:endParaRPr lang="en-US" sz="4800" b="1" dirty="0">
+              <a:solidFill>
+                <a:schemeClr val="bg1"/>
+              </a:solidFill>
+            </a:endParaRPr>
           </a:p>
         </p:txBody>
       </p:sp>
     </p:spTree>
     <p:extLst>
       <p:ext uri="{BB962C8B-B14F-4D97-AF65-F5344CB8AC3E}">
-        <p14:creationId xmlns:p14="http://schemas.microsoft.com/office/powerpoint/2010/main" val="3990422798"/>
+        <p14:creationId xmlns:p14="http://schemas.microsoft.com/office/powerpoint/2010/main" val="3739079832"/>
       </p:ext>
     </p:extLst>
   </p:cSld>
@@ -6029,14 +6036,11 @@
           <a:lstStyle/>
           <a:p>
             <a:r>
-              <a:rPr lang="en-US" b="1" dirty="0" err="1">
+              <a:rPr lang="en-US" b="1" dirty="0">
                 <a:latin typeface="+mn-lt"/>
               </a:rPr>
-              <a:t>ExceptionTranslatorAspect</a:t>
-            </a:r>
-            <a:endParaRPr lang="en-US" b="1" dirty="0">
-              <a:latin typeface="+mn-lt"/>
-            </a:endParaRPr>
+              <a:t>Invasive Aspects:</a:t>
+            </a:r>
           </a:p>
         </p:txBody>
       </p:sp>
@@ -6058,8 +6062,8 @@
         </p:nvSpPr>
         <p:spPr>
           <a:xfrm>
-            <a:off x="400595" y="1010093"/>
-            <a:ext cx="11284586" cy="5660673"/>
+            <a:off x="218114" y="1201784"/>
+            <a:ext cx="11677795" cy="2162202"/>
           </a:xfrm>
         </p:spPr>
         <p:txBody>
@@ -6068,165 +6072,213 @@
           </a:bodyPr>
           <a:lstStyle/>
           <a:p>
-            <a:pPr>
+            <a:pPr marL="0" indent="0">
               <a:lnSpc>
                 <a:spcPct val="150000"/>
               </a:lnSpc>
-            </a:pPr>
-            <a:r>
-              <a:rPr lang="en-US" sz="2400" b="1" i="1" dirty="0"/>
-              <a:t>Assume we use a third-party library (</a:t>
-            </a:r>
-            <a:r>
-              <a:rPr lang="en-US" sz="2400" b="1" i="1" dirty="0">
-                <a:solidFill>
-                  <a:srgbClr val="FF0000"/>
-                </a:solidFill>
+              <a:buNone/>
+            </a:pPr>
+            <a:r>
+              <a:rPr lang="en-US" b="1" i="1" dirty="0">
+                <a:highlight>
+                  <a:srgbClr val="FFFF00"/>
+                </a:highlight>
               </a:rPr>
-              <a:t>some ORM library</a:t>
-            </a:r>
-            <a:r>
-              <a:rPr lang="en-US" sz="2400" b="1" i="1" dirty="0"/>
-              <a:t>) which helps us transform RDBMS tables to Java objects. This library throws exceptions (</a:t>
-            </a:r>
-            <a:r>
-              <a:rPr lang="en-US" sz="2400" b="1" i="1" dirty="0" err="1"/>
-              <a:t>NoTableExistException</a:t>
-            </a:r>
-            <a:r>
-              <a:rPr lang="en-US" sz="2400" b="1" i="1" dirty="0"/>
-              <a:t>, </a:t>
-            </a:r>
-            <a:r>
-              <a:rPr lang="en-US" sz="2400" b="1" i="1" dirty="0" err="1"/>
-              <a:t>RecordException</a:t>
-            </a:r>
-            <a:r>
-              <a:rPr lang="en-US" sz="2400" b="1" i="1" dirty="0"/>
-              <a:t>, </a:t>
-            </a:r>
-            <a:r>
-              <a:rPr lang="en-US" sz="2400" b="1" i="1" dirty="0" err="1"/>
-              <a:t>etc</a:t>
-            </a:r>
-            <a:r>
-              <a:rPr lang="en-US" sz="2400" b="1" i="1" dirty="0"/>
-              <a:t>…). We would like to </a:t>
-            </a:r>
-            <a:r>
-              <a:rPr lang="en-US" sz="2400" b="1" i="1" dirty="0">
-                <a:solidFill>
-                  <a:srgbClr val="FF0000"/>
-                </a:solidFill>
-              </a:rPr>
-              <a:t>convert those exceptions to our APPLICATION exceptions: </a:t>
-            </a:r>
-            <a:r>
-              <a:rPr lang="en-US" sz="2400" b="1" i="1" dirty="0" err="1"/>
-              <a:t>DataAccessException</a:t>
-            </a:r>
-            <a:r>
-              <a:rPr lang="en-US" sz="2400" b="1" i="1" dirty="0"/>
-              <a:t>,  </a:t>
-            </a:r>
-            <a:r>
-              <a:rPr lang="en-US" sz="2400" b="1" i="1" dirty="0" err="1"/>
-              <a:t>PersistenceLayerException</a:t>
-            </a:r>
-            <a:r>
-              <a:rPr lang="en-US" sz="2400" b="1" i="1" dirty="0"/>
-              <a:t>. </a:t>
-            </a:r>
-          </a:p>
-          <a:p>
-            <a:pPr>
+              <a:t>TODO</a:t>
+            </a:r>
+          </a:p>
+          <a:p>
+            <a:pPr marL="0" indent="0">
               <a:lnSpc>
                 <a:spcPct val="150000"/>
               </a:lnSpc>
-            </a:pPr>
-            <a:r>
-              <a:rPr lang="en-US" sz="2400" b="1" i="1" dirty="0"/>
-              <a:t>Lots of code will be </a:t>
-            </a:r>
-            <a:r>
-              <a:rPr lang="en-US" sz="2400" b="1" i="1" dirty="0">
-                <a:solidFill>
-                  <a:srgbClr val="FF0000"/>
-                </a:solidFill>
-              </a:rPr>
-              <a:t>scattered</a:t>
-            </a:r>
-            <a:r>
-              <a:rPr lang="en-US" sz="2400" b="1" i="1" dirty="0"/>
-              <a:t> over our codebase, with </a:t>
-            </a:r>
-            <a:r>
-              <a:rPr lang="en-US" sz="2400" b="1" i="1" dirty="0">
-                <a:solidFill>
-                  <a:srgbClr val="FF0000"/>
-                </a:solidFill>
-              </a:rPr>
-              <a:t>tangled</a:t>
-            </a:r>
-            <a:r>
-              <a:rPr lang="en-US" sz="2400" b="1" i="1" dirty="0"/>
-              <a:t> conversions.</a:t>
-            </a:r>
-          </a:p>
-          <a:p>
-            <a:pPr>
-              <a:lnSpc>
-                <a:spcPct val="150000"/>
-              </a:lnSpc>
-            </a:pPr>
-            <a:r>
-              <a:rPr lang="en-US" sz="2400" b="1" i="1" dirty="0"/>
-              <a:t>This can be taken care separately in an Aspect, making our code more clean and concise.</a:t>
-            </a:r>
-          </a:p>
-          <a:p>
-            <a:pPr>
-              <a:lnSpc>
-                <a:spcPct val="150000"/>
-              </a:lnSpc>
-            </a:pPr>
-            <a:endParaRPr lang="en-US" sz="2400" b="1" dirty="0"/>
-          </a:p>
-        </p:txBody>
-      </p:sp>
-      <p:pic>
-        <p:nvPicPr>
-          <p:cNvPr id="2" name="Picture 1">
-            <a:extLst>
-              <a:ext uri="{FF2B5EF4-FFF2-40B4-BE49-F238E27FC236}">
-                <a16:creationId xmlns:a16="http://schemas.microsoft.com/office/drawing/2014/main" id="{916FA2C5-607D-4599-BCA3-FD80C2B687E9}"/>
-              </a:ext>
-            </a:extLst>
-          </p:cNvPr>
-          <p:cNvPicPr>
-            <a:picLocks noChangeAspect="1"/>
-          </p:cNvPicPr>
+              <a:buNone/>
+            </a:pPr>
+            <a:endParaRPr lang="en-US" b="1" dirty="0">
+              <a:solidFill>
+                <a:srgbClr val="FF0000"/>
+              </a:solidFill>
+            </a:endParaRPr>
+          </a:p>
+        </p:txBody>
+      </p:sp>
+      <p:sp>
+        <p:nvSpPr>
+          <p:cNvPr id="2" name="Oval 1">
+            <a:extLst>
+              <a:ext uri="{FF2B5EF4-FFF2-40B4-BE49-F238E27FC236}">
+                <a16:creationId xmlns:a16="http://schemas.microsoft.com/office/drawing/2014/main" id="{BCF2E675-C3F4-427A-A354-973D66CCA7AF}"/>
+              </a:ext>
+            </a:extLst>
+          </p:cNvPr>
+          <p:cNvSpPr/>
           <p:nvPr/>
-        </p:nvPicPr>
-        <p:blipFill rotWithShape="1">
-          <a:blip r:embed="rId2"/>
-          <a:srcRect l="4415" r="3668" b="5536"/>
-          <a:stretch/>
-        </p:blipFill>
-        <p:spPr>
-          <a:xfrm>
-            <a:off x="5658394" y="4681533"/>
-            <a:ext cx="5899951" cy="1989233"/>
-          </a:xfrm>
-          <a:prstGeom prst="rect">
+        </p:nvSpPr>
+        <p:spPr>
+          <a:xfrm>
+            <a:off x="4261562" y="3363983"/>
+            <a:ext cx="1602138" cy="1536585"/>
+          </a:xfrm>
+          <a:prstGeom prst="ellipse">
             <a:avLst/>
           </a:prstGeom>
-        </p:spPr>
-      </p:pic>
+          <a:solidFill>
+            <a:schemeClr val="tx1"/>
+          </a:solidFill>
+          <a:ln>
+            <a:solidFill>
+              <a:schemeClr val="bg1"/>
+            </a:solidFill>
+          </a:ln>
+        </p:spPr>
+        <p:style>
+          <a:lnRef idx="2">
+            <a:schemeClr val="accent1">
+              <a:shade val="50000"/>
+            </a:schemeClr>
+          </a:lnRef>
+          <a:fillRef idx="1">
+            <a:schemeClr val="accent1"/>
+          </a:fillRef>
+          <a:effectRef idx="0">
+            <a:schemeClr val="accent1"/>
+          </a:effectRef>
+          <a:fontRef idx="minor">
+            <a:schemeClr val="lt1"/>
+          </a:fontRef>
+        </p:style>
+        <p:txBody>
+          <a:bodyPr rtlCol="0" anchor="ctr"/>
+          <a:lstStyle/>
+          <a:p>
+            <a:pPr algn="ctr"/>
+            <a:r>
+              <a:rPr lang="en-US" sz="1600" b="1" dirty="0" err="1"/>
+              <a:t>ExceptionHandler</a:t>
+            </a:r>
+            <a:r>
+              <a:rPr lang="en-US" sz="1600" b="1" dirty="0"/>
+              <a:t> Aspect</a:t>
+            </a:r>
+          </a:p>
+        </p:txBody>
+      </p:sp>
+      <p:sp>
+        <p:nvSpPr>
+          <p:cNvPr id="6" name="Oval 5">
+            <a:extLst>
+              <a:ext uri="{FF2B5EF4-FFF2-40B4-BE49-F238E27FC236}">
+                <a16:creationId xmlns:a16="http://schemas.microsoft.com/office/drawing/2014/main" id="{7F4FCC0E-5A9D-4984-A1C0-594C48631B84}"/>
+              </a:ext>
+            </a:extLst>
+          </p:cNvPr>
+          <p:cNvSpPr/>
+          <p:nvPr/>
+        </p:nvSpPr>
+        <p:spPr>
+          <a:xfrm>
+            <a:off x="1645992" y="3363984"/>
+            <a:ext cx="1602138" cy="1536585"/>
+          </a:xfrm>
+          <a:prstGeom prst="ellipse">
+            <a:avLst/>
+          </a:prstGeom>
+          <a:solidFill>
+            <a:schemeClr val="tx1"/>
+          </a:solidFill>
+          <a:ln>
+            <a:solidFill>
+              <a:schemeClr val="bg1"/>
+            </a:solidFill>
+          </a:ln>
+        </p:spPr>
+        <p:style>
+          <a:lnRef idx="2">
+            <a:schemeClr val="accent1">
+              <a:shade val="50000"/>
+            </a:schemeClr>
+          </a:lnRef>
+          <a:fillRef idx="1">
+            <a:schemeClr val="accent1"/>
+          </a:fillRef>
+          <a:effectRef idx="0">
+            <a:schemeClr val="accent1"/>
+          </a:effectRef>
+          <a:fontRef idx="minor">
+            <a:schemeClr val="lt1"/>
+          </a:fontRef>
+        </p:style>
+        <p:txBody>
+          <a:bodyPr rtlCol="0" anchor="ctr"/>
+          <a:lstStyle/>
+          <a:p>
+            <a:pPr algn="ctr"/>
+            <a:r>
+              <a:rPr lang="en-US" sz="1600" b="1" dirty="0" err="1"/>
+              <a:t>ExceptionTranslationAspect</a:t>
+            </a:r>
+            <a:endParaRPr lang="en-US" sz="1600" b="1" dirty="0"/>
+          </a:p>
+        </p:txBody>
+      </p:sp>
+      <p:sp>
+        <p:nvSpPr>
+          <p:cNvPr id="7" name="Oval 6">
+            <a:extLst>
+              <a:ext uri="{FF2B5EF4-FFF2-40B4-BE49-F238E27FC236}">
+                <a16:creationId xmlns:a16="http://schemas.microsoft.com/office/drawing/2014/main" id="{E2B9C561-C78F-4056-AE7A-9CB3495FFDD1}"/>
+              </a:ext>
+            </a:extLst>
+          </p:cNvPr>
+          <p:cNvSpPr/>
+          <p:nvPr/>
+        </p:nvSpPr>
+        <p:spPr>
+          <a:xfrm>
+            <a:off x="7678201" y="3363985"/>
+            <a:ext cx="1602138" cy="1536585"/>
+          </a:xfrm>
+          <a:prstGeom prst="ellipse">
+            <a:avLst/>
+          </a:prstGeom>
+          <a:solidFill>
+            <a:schemeClr val="tx1"/>
+          </a:solidFill>
+          <a:ln>
+            <a:solidFill>
+              <a:schemeClr val="bg1"/>
+            </a:solidFill>
+          </a:ln>
+        </p:spPr>
+        <p:style>
+          <a:lnRef idx="2">
+            <a:schemeClr val="accent1">
+              <a:shade val="50000"/>
+            </a:schemeClr>
+          </a:lnRef>
+          <a:fillRef idx="1">
+            <a:schemeClr val="accent1"/>
+          </a:fillRef>
+          <a:effectRef idx="0">
+            <a:schemeClr val="accent1"/>
+          </a:effectRef>
+          <a:fontRef idx="minor">
+            <a:schemeClr val="lt1"/>
+          </a:fontRef>
+        </p:style>
+        <p:txBody>
+          <a:bodyPr rtlCol="0" anchor="ctr"/>
+          <a:lstStyle/>
+          <a:p>
+            <a:pPr algn="ctr"/>
+            <a:endParaRPr lang="en-US" sz="1600" b="1" dirty="0"/>
+          </a:p>
+        </p:txBody>
+      </p:sp>
     </p:spTree>
     <p:extLst>
       <p:ext uri="{BB962C8B-B14F-4D97-AF65-F5344CB8AC3E}">
-        <p14:creationId xmlns:p14="http://schemas.microsoft.com/office/powerpoint/2010/main" val="3599381813"/>
+        <p14:creationId xmlns:p14="http://schemas.microsoft.com/office/powerpoint/2010/main" val="3990422798"/>
       </p:ext>
     </p:extLst>
   </p:cSld>
@@ -6280,14 +6332,11 @@
           <a:lstStyle/>
           <a:p>
             <a:r>
-              <a:rPr lang="en-US" b="1" dirty="0" err="1">
+              <a:rPr lang="en-US" b="1" dirty="0">
                 <a:latin typeface="+mn-lt"/>
               </a:rPr>
-              <a:t>ExceptionTranslatorAspect</a:t>
-            </a:r>
-            <a:endParaRPr lang="en-US" b="1" dirty="0">
-              <a:latin typeface="+mn-lt"/>
-            </a:endParaRPr>
+              <a:t>Exceptions:</a:t>
+            </a:r>
           </a:p>
         </p:txBody>
       </p:sp>
@@ -6309,8 +6358,8 @@
         </p:nvSpPr>
         <p:spPr>
           <a:xfrm>
-            <a:off x="400595" y="1116419"/>
-            <a:ext cx="11284586" cy="5554347"/>
+            <a:off x="157314" y="1010093"/>
+            <a:ext cx="8508513" cy="5660673"/>
           </a:xfrm>
         </p:spPr>
         <p:txBody>
@@ -6324,52 +6373,45 @@
                 <a:spcPct val="150000"/>
               </a:lnSpc>
             </a:pPr>
+            <a:r>
+              <a:rPr lang="en-US" sz="2400" b="1" i="1" dirty="0"/>
+              <a:t>When an exception is thrown in Java, it is passed up the call chain until it is either </a:t>
+            </a:r>
             <a:r>
               <a:rPr lang="en-US" sz="2400" b="1" i="1" dirty="0">
                 <a:solidFill>
                   <a:srgbClr val="FF0000"/>
                 </a:solidFill>
               </a:rPr>
-              <a:t>Pointcut: </a:t>
+              <a:t>handled</a:t>
             </a:r>
             <a:r>
               <a:rPr lang="en-US" sz="2400" b="1" i="1" dirty="0"/>
-              <a:t>Escape is pressed in main game (game ended by user) and a </a:t>
-            </a:r>
-            <a:r>
-              <a:rPr lang="en-US" sz="2400" b="1" i="1" dirty="0" err="1"/>
-              <a:t>KeyboardException</a:t>
-            </a:r>
-            <a:r>
-              <a:rPr lang="en-US" sz="2400" b="1" i="1" dirty="0"/>
-              <a:t> is thrown.</a:t>
-            </a:r>
-          </a:p>
-          <a:p>
-            <a:pPr>
-              <a:lnSpc>
-                <a:spcPct val="150000"/>
-              </a:lnSpc>
-            </a:pPr>
+              <a:t> by a catch statement as part of a try/catch block or it reaches the Java run-time and </a:t>
+            </a:r>
             <a:r>
               <a:rPr lang="en-US" sz="2400" b="1" i="1" dirty="0">
                 <a:solidFill>
                   <a:srgbClr val="FF0000"/>
                 </a:solidFill>
               </a:rPr>
-              <a:t>Advice: </a:t>
+              <a:t>causes </a:t>
             </a:r>
             <a:r>
               <a:rPr lang="en-US" sz="2400" b="1" i="1" dirty="0"/>
-              <a:t>Translate 3</a:t>
-            </a:r>
-            <a:r>
-              <a:rPr lang="en-US" sz="2400" b="1" i="1" baseline="30000" dirty="0"/>
-              <a:t>rd</a:t>
+              <a:t>a messy message on your console. If a Java exception is caught then we can </a:t>
+            </a:r>
+            <a:r>
+              <a:rPr lang="en-US" sz="2400" b="1" i="1" dirty="0">
+                <a:solidFill>
+                  <a:srgbClr val="FF0000"/>
+                </a:solidFill>
+              </a:rPr>
+              <a:t>handle the exception </a:t>
             </a:r>
             <a:r>
               <a:rPr lang="en-US" sz="2400" b="1" i="1" dirty="0"/>
-              <a:t> party thrown exception into our application exception.</a:t>
+              <a:t>(log it, print it, ...).</a:t>
             </a:r>
           </a:p>
           <a:p>
@@ -6379,32 +6421,63 @@
               </a:lnSpc>
             </a:pPr>
             <a:r>
-              <a:rPr lang="en-US" sz="2400" b="1" dirty="0" err="1">
+              <a:rPr lang="en-US" sz="2400" b="1" i="1" dirty="0"/>
+              <a:t>It is useful to know when an exception has been handled/occurred.</a:t>
+            </a:r>
+          </a:p>
+        </p:txBody>
+      </p:sp>
+      <p:pic>
+        <p:nvPicPr>
+          <p:cNvPr id="1026" name="Picture 2" descr="Image result for java exceptions try catch">
+            <a:extLst>
+              <a:ext uri="{FF2B5EF4-FFF2-40B4-BE49-F238E27FC236}">
+                <a16:creationId xmlns:a16="http://schemas.microsoft.com/office/drawing/2014/main" id="{3539B113-97E8-4FC9-90AD-9D6E6BD14083}"/>
+              </a:ext>
+            </a:extLst>
+          </p:cNvPr>
+          <p:cNvPicPr>
+            <a:picLocks noChangeAspect="1" noChangeArrowheads="1"/>
+          </p:cNvPicPr>
+          <p:nvPr/>
+        </p:nvPicPr>
+        <p:blipFill>
+          <a:blip r:embed="rId2">
+            <a:extLst>
+              <a:ext uri="{28A0092B-C50C-407E-A947-70E740481C1C}">
+                <a14:useLocalDpi xmlns:a14="http://schemas.microsoft.com/office/drawing/2010/main" val="0"/>
+              </a:ext>
+            </a:extLst>
+          </a:blip>
+          <a:srcRect/>
+          <a:stretch>
+            <a:fillRect/>
+          </a:stretch>
+        </p:blipFill>
+        <p:spPr bwMode="auto">
+          <a:xfrm>
+            <a:off x="8330267" y="2159411"/>
+            <a:ext cx="3504064" cy="2539177"/>
+          </a:xfrm>
+          <a:prstGeom prst="rect">
+            <a:avLst/>
+          </a:prstGeom>
+          <a:noFill/>
+          <a:extLst>
+            <a:ext uri="{909E8E84-426E-40DD-AFC4-6F175D3DCCD1}">
+              <a14:hiddenFill xmlns:a14="http://schemas.microsoft.com/office/drawing/2010/main">
                 <a:solidFill>
-                  <a:srgbClr val="FF0000"/>
+                  <a:srgbClr val="FFFFFF"/>
                 </a:solidFill>
-              </a:rPr>
-              <a:t>ProceedingJointPoint</a:t>
-            </a:r>
-            <a:r>
-              <a:rPr lang="en-US" sz="2400" b="1" dirty="0"/>
-              <a:t>: an around advice is a special advice that can control when and if a method (or other join point) is executed. so they require an argument of type PJP, whereas other advices just use a plain </a:t>
-            </a:r>
-            <a:r>
-              <a:rPr lang="en-US" sz="2400" b="1" dirty="0" err="1"/>
-              <a:t>JoinPoint</a:t>
-            </a:r>
-            <a:r>
-              <a:rPr lang="en-US" sz="2400" b="1" dirty="0"/>
-              <a:t>.</a:t>
-            </a:r>
-          </a:p>
-        </p:txBody>
-      </p:sp>
+              </a14:hiddenFill>
+            </a:ext>
+          </a:extLst>
+        </p:spPr>
+      </p:pic>
     </p:spTree>
     <p:extLst>
       <p:ext uri="{BB962C8B-B14F-4D97-AF65-F5344CB8AC3E}">
-        <p14:creationId xmlns:p14="http://schemas.microsoft.com/office/powerpoint/2010/main" val="596891456"/>
+        <p14:creationId xmlns:p14="http://schemas.microsoft.com/office/powerpoint/2010/main" val="2916240712"/>
       </p:ext>
     </p:extLst>
   </p:cSld>
@@ -6433,60 +6506,225 @@
       </p:grpSpPr>
       <p:sp>
         <p:nvSpPr>
-          <p:cNvPr id="5" name="TextBox 4">
-            <a:extLst>
-              <a:ext uri="{FF2B5EF4-FFF2-40B4-BE49-F238E27FC236}">
-                <a16:creationId xmlns:a16="http://schemas.microsoft.com/office/drawing/2014/main" id="{0470CAB3-69C7-4708-B6B1-132C92342460}"/>
-              </a:ext>
-            </a:extLst>
-          </p:cNvPr>
-          <p:cNvSpPr txBox="1"/>
+          <p:cNvPr id="4" name="Title 1">
+            <a:extLst>
+              <a:ext uri="{FF2B5EF4-FFF2-40B4-BE49-F238E27FC236}">
+                <a16:creationId xmlns:a16="http://schemas.microsoft.com/office/drawing/2014/main" id="{CAC17C8E-3677-4E33-AD1C-BB70137513FC}"/>
+              </a:ext>
+            </a:extLst>
+          </p:cNvPr>
+          <p:cNvSpPr>
+            <a:spLocks noGrp="1"/>
+          </p:cNvSpPr>
+          <p:nvPr>
+            <p:ph type="title"/>
+          </p:nvPr>
+        </p:nvSpPr>
+        <p:spPr>
+          <a:xfrm>
+            <a:off x="400594" y="86450"/>
+            <a:ext cx="10515600" cy="1325563"/>
+          </a:xfrm>
+        </p:spPr>
+        <p:txBody>
+          <a:bodyPr/>
+          <a:lstStyle/>
+          <a:p>
+            <a:r>
+              <a:rPr lang="en-US" b="1" dirty="0" err="1">
+                <a:latin typeface="+mn-lt"/>
+              </a:rPr>
+              <a:t>ExceptionHandlerAspect</a:t>
+            </a:r>
+            <a:endParaRPr lang="en-US" b="1" dirty="0">
+              <a:latin typeface="+mn-lt"/>
+            </a:endParaRPr>
+          </a:p>
+        </p:txBody>
+      </p:sp>
+      <p:sp>
+        <p:nvSpPr>
+          <p:cNvPr id="5" name="Content Placeholder 2">
+            <a:extLst>
+              <a:ext uri="{FF2B5EF4-FFF2-40B4-BE49-F238E27FC236}">
+                <a16:creationId xmlns:a16="http://schemas.microsoft.com/office/drawing/2014/main" id="{507F342C-C331-44DB-ACF0-C06FE2A5C3FB}"/>
+              </a:ext>
+            </a:extLst>
+          </p:cNvPr>
+          <p:cNvSpPr>
+            <a:spLocks noGrp="1"/>
+          </p:cNvSpPr>
+          <p:nvPr>
+            <p:ph idx="1"/>
+          </p:nvPr>
+        </p:nvSpPr>
+        <p:spPr>
+          <a:xfrm>
+            <a:off x="400595" y="1010093"/>
+            <a:ext cx="11284586" cy="5660673"/>
+          </a:xfrm>
+        </p:spPr>
+        <p:txBody>
+          <a:bodyPr>
+            <a:normAutofit/>
+          </a:bodyPr>
+          <a:lstStyle/>
+          <a:p>
+            <a:pPr>
+              <a:lnSpc>
+                <a:spcPct val="150000"/>
+              </a:lnSpc>
+            </a:pPr>
+            <a:r>
+              <a:rPr lang="en-US" sz="2400" b="1" dirty="0">
+                <a:solidFill>
+                  <a:srgbClr val="FF0000"/>
+                </a:solidFill>
+              </a:rPr>
+              <a:t>Concern:</a:t>
+            </a:r>
+            <a:r>
+              <a:rPr lang="en-US" sz="2400" b="1" dirty="0"/>
+              <a:t> exceptions not caught in code, one place to take monitor/handle them.</a:t>
+            </a:r>
+          </a:p>
+          <a:p>
+            <a:pPr>
+              <a:lnSpc>
+                <a:spcPct val="150000"/>
+              </a:lnSpc>
+            </a:pPr>
+            <a:r>
+              <a:rPr lang="en-US" sz="2400" b="1" i="1" dirty="0">
+                <a:solidFill>
+                  <a:srgbClr val="FF0000"/>
+                </a:solidFill>
+              </a:rPr>
+              <a:t>Pointcut: </a:t>
+            </a:r>
+            <a:r>
+              <a:rPr lang="en-US" sz="2400" b="1" i="1" dirty="0"/>
+              <a:t>any exception is thrown but not handled (</a:t>
+            </a:r>
+            <a:r>
+              <a:rPr lang="en-US" sz="2400" b="1" i="1" dirty="0" err="1"/>
+              <a:t>catched</a:t>
+            </a:r>
+            <a:r>
+              <a:rPr lang="en-US" sz="2400" b="1" i="1" dirty="0"/>
+              <a:t>).</a:t>
+            </a:r>
+          </a:p>
+          <a:p>
+            <a:pPr>
+              <a:lnSpc>
+                <a:spcPct val="150000"/>
+              </a:lnSpc>
+            </a:pPr>
+            <a:r>
+              <a:rPr lang="en-US" sz="2400" b="1" i="1" dirty="0">
+                <a:solidFill>
+                  <a:srgbClr val="FF0000"/>
+                </a:solidFill>
+              </a:rPr>
+              <a:t>Advice: </a:t>
+            </a:r>
+            <a:r>
+              <a:rPr lang="en-US" sz="2400" b="1" i="1" dirty="0"/>
+              <a:t>logs the exception and throws </a:t>
+            </a:r>
+            <a:r>
+              <a:rPr lang="en-US" sz="2400" b="1" i="1" dirty="0" err="1"/>
+              <a:t>UnhandledException</a:t>
+            </a:r>
+            <a:r>
+              <a:rPr lang="en-US" sz="2400" b="1" i="1" dirty="0"/>
+              <a:t>(</a:t>
+            </a:r>
+            <a:r>
+              <a:rPr lang="en-US" sz="2400" b="1" i="1" dirty="0" err="1"/>
+              <a:t>msg</a:t>
+            </a:r>
+            <a:r>
+              <a:rPr lang="en-US" sz="2400" b="1" i="1" dirty="0"/>
+              <a:t>).</a:t>
+            </a:r>
+          </a:p>
+          <a:p>
+            <a:pPr marL="0" indent="0">
+              <a:lnSpc>
+                <a:spcPct val="150000"/>
+              </a:lnSpc>
+              <a:buNone/>
+            </a:pPr>
+            <a:endParaRPr lang="en-US" sz="2400" b="1" dirty="0"/>
+          </a:p>
+        </p:txBody>
+      </p:sp>
+      <p:pic>
+        <p:nvPicPr>
+          <p:cNvPr id="2" name="Picture 1">
+            <a:extLst>
+              <a:ext uri="{FF2B5EF4-FFF2-40B4-BE49-F238E27FC236}">
+                <a16:creationId xmlns:a16="http://schemas.microsoft.com/office/drawing/2014/main" id="{58E11952-6FC9-4707-B67B-5A9B34E6C0F4}"/>
+              </a:ext>
+            </a:extLst>
+          </p:cNvPr>
+          <p:cNvPicPr>
+            <a:picLocks noChangeAspect="1"/>
+          </p:cNvPicPr>
           <p:nvPr/>
-        </p:nvSpPr>
-        <p:spPr>
-          <a:xfrm>
-            <a:off x="3263295" y="2334074"/>
-            <a:ext cx="5933477" cy="923330"/>
+        </p:nvPicPr>
+        <p:blipFill>
+          <a:blip r:embed="rId2"/>
+          <a:stretch>
+            <a:fillRect/>
+          </a:stretch>
+        </p:blipFill>
+        <p:spPr>
+          <a:xfrm>
+            <a:off x="2769291" y="5547392"/>
+            <a:ext cx="5778205" cy="1123374"/>
           </a:xfrm>
           <a:prstGeom prst="rect">
             <a:avLst/>
           </a:prstGeom>
-          <a:solidFill>
-            <a:schemeClr val="tx1"/>
-          </a:solidFill>
-          <a:ln>
-            <a:solidFill>
-              <a:schemeClr val="tx1"/>
-            </a:solidFill>
-          </a:ln>
-        </p:spPr>
-        <p:txBody>
-          <a:bodyPr wrap="square" rtlCol="0">
-            <a:spAutoFit/>
-          </a:bodyPr>
-          <a:lstStyle/>
-          <a:p>
-            <a:pPr algn="ctr"/>
-            <a:r>
-              <a:rPr lang="en-US" sz="5400" b="1" dirty="0">
-                <a:solidFill>
-                  <a:schemeClr val="bg1"/>
-                </a:solidFill>
-              </a:rPr>
-              <a:t>Testing the aspects</a:t>
-            </a:r>
-            <a:endParaRPr lang="en-US" sz="4800" b="1" dirty="0">
-              <a:solidFill>
-                <a:schemeClr val="bg1"/>
-              </a:solidFill>
-            </a:endParaRPr>
-          </a:p>
-        </p:txBody>
-      </p:sp>
+        </p:spPr>
+      </p:pic>
+      <p:pic>
+        <p:nvPicPr>
+          <p:cNvPr id="3" name="Picture 2">
+            <a:extLst>
+              <a:ext uri="{FF2B5EF4-FFF2-40B4-BE49-F238E27FC236}">
+                <a16:creationId xmlns:a16="http://schemas.microsoft.com/office/drawing/2014/main" id="{C92848CC-56D5-4692-A2A9-819A7745B6A4}"/>
+              </a:ext>
+            </a:extLst>
+          </p:cNvPr>
+          <p:cNvPicPr>
+            <a:picLocks noChangeAspect="1"/>
+          </p:cNvPicPr>
+          <p:nvPr/>
+        </p:nvPicPr>
+        <p:blipFill>
+          <a:blip r:embed="rId3"/>
+          <a:stretch>
+            <a:fillRect/>
+          </a:stretch>
+        </p:blipFill>
+        <p:spPr>
+          <a:xfrm>
+            <a:off x="2881603" y="3095537"/>
+            <a:ext cx="5356798" cy="2229767"/>
+          </a:xfrm>
+          <a:prstGeom prst="rect">
+            <a:avLst/>
+          </a:prstGeom>
+        </p:spPr>
+      </p:pic>
     </p:spTree>
     <p:extLst>
       <p:ext uri="{BB962C8B-B14F-4D97-AF65-F5344CB8AC3E}">
-        <p14:creationId xmlns:p14="http://schemas.microsoft.com/office/powerpoint/2010/main" val="2841633555"/>
+        <p14:creationId xmlns:p14="http://schemas.microsoft.com/office/powerpoint/2010/main" val="1696651618"/>
       </p:ext>
     </p:extLst>
   </p:cSld>
@@ -6540,13 +6778,16 @@
           <a:lstStyle/>
           <a:p>
             <a:r>
-              <a:rPr lang="en-US" b="1" dirty="0">
-                <a:highlight>
-                  <a:srgbClr val="FFFF00"/>
-                </a:highlight>
+              <a:rPr lang="en-US" b="1" dirty="0" err="1">
                 <a:latin typeface="+mn-lt"/>
               </a:rPr>
-              <a:t>Testing our aspects – unit testing aspects?</a:t>
+              <a:t>ExceptionTranslationAspect</a:t>
+            </a:r>
+            <a:r>
+              <a:rPr lang="en-US" b="1" dirty="0">
+                <a:latin typeface="+mn-lt"/>
+              </a:rPr>
+              <a:t>, the concern:</a:t>
             </a:r>
           </a:p>
         </p:txBody>
@@ -6569,8 +6810,8 @@
         </p:nvSpPr>
         <p:spPr>
           <a:xfrm>
-            <a:off x="400594" y="1201783"/>
-            <a:ext cx="11495315" cy="5468983"/>
+            <a:off x="400595" y="1010093"/>
+            <a:ext cx="11284586" cy="5660673"/>
           </a:xfrm>
         </p:spPr>
         <p:txBody>
@@ -6585,24 +6826,159 @@
               </a:lnSpc>
             </a:pPr>
             <a:r>
-              <a:rPr lang="en-US" b="1" dirty="0"/>
-              <a:t>Logging Aspect – just by checking the written files. If have time &lt;write </a:t>
-            </a:r>
-            <a:r>
-              <a:rPr lang="en-US" b="1" dirty="0" err="1"/>
-              <a:t>uni</a:t>
-            </a:r>
-            <a:r>
-              <a:rPr lang="en-US" b="1" dirty="0"/>
-              <a:t> test to check file&gt;</a:t>
-            </a:r>
-          </a:p>
-        </p:txBody>
-      </p:sp>
+              <a:rPr lang="en-US" sz="2400" b="1" i="1" dirty="0"/>
+              <a:t>Assume we use a third-party library (</a:t>
+            </a:r>
+            <a:r>
+              <a:rPr lang="en-US" sz="2400" b="1" i="1" dirty="0">
+                <a:solidFill>
+                  <a:srgbClr val="FF0000"/>
+                </a:solidFill>
+              </a:rPr>
+              <a:t>some ORM library</a:t>
+            </a:r>
+            <a:r>
+              <a:rPr lang="en-US" sz="2400" b="1" i="1" dirty="0"/>
+              <a:t>) which helps us transform RDBMS tables to Java objects. This library throws exceptions (</a:t>
+            </a:r>
+            <a:r>
+              <a:rPr lang="en-US" sz="2400" b="1" i="1" dirty="0" err="1"/>
+              <a:t>NoTableExistException</a:t>
+            </a:r>
+            <a:r>
+              <a:rPr lang="en-US" sz="2400" b="1" i="1" dirty="0"/>
+              <a:t>, </a:t>
+            </a:r>
+            <a:r>
+              <a:rPr lang="en-US" sz="2400" b="1" i="1" dirty="0" err="1"/>
+              <a:t>RecordException</a:t>
+            </a:r>
+            <a:r>
+              <a:rPr lang="en-US" sz="2400" b="1" i="1" dirty="0"/>
+              <a:t>, </a:t>
+            </a:r>
+            <a:r>
+              <a:rPr lang="en-US" sz="2400" b="1" i="1" dirty="0" err="1"/>
+              <a:t>etc</a:t>
+            </a:r>
+            <a:r>
+              <a:rPr lang="en-US" sz="2400" b="1" i="1" dirty="0"/>
+              <a:t>…). We would like to </a:t>
+            </a:r>
+            <a:r>
+              <a:rPr lang="en-US" sz="2400" b="1" i="1" dirty="0">
+                <a:solidFill>
+                  <a:srgbClr val="FF0000"/>
+                </a:solidFill>
+              </a:rPr>
+              <a:t>convert those exceptions to our APPLICATION exceptions: </a:t>
+            </a:r>
+            <a:r>
+              <a:rPr lang="en-US" sz="2400" b="1" i="1" dirty="0" err="1"/>
+              <a:t>DataAccessException</a:t>
+            </a:r>
+            <a:r>
+              <a:rPr lang="en-US" sz="2400" b="1" i="1" dirty="0"/>
+              <a:t>,  </a:t>
+            </a:r>
+            <a:r>
+              <a:rPr lang="en-US" sz="2400" b="1" i="1" dirty="0" err="1"/>
+              <a:t>PersistenceLayerException</a:t>
+            </a:r>
+            <a:r>
+              <a:rPr lang="en-US" sz="2400" b="1" i="1" dirty="0"/>
+              <a:t>. </a:t>
+            </a:r>
+          </a:p>
+          <a:p>
+            <a:pPr>
+              <a:lnSpc>
+                <a:spcPct val="150000"/>
+              </a:lnSpc>
+            </a:pPr>
+            <a:r>
+              <a:rPr lang="en-US" sz="2400" b="1" i="1" dirty="0"/>
+              <a:t>Lots of code will be </a:t>
+            </a:r>
+            <a:r>
+              <a:rPr lang="en-US" sz="2400" b="1" i="1" dirty="0">
+                <a:solidFill>
+                  <a:srgbClr val="FF0000"/>
+                </a:solidFill>
+              </a:rPr>
+              <a:t>scattered</a:t>
+            </a:r>
+            <a:r>
+              <a:rPr lang="en-US" sz="2400" b="1" i="1" dirty="0"/>
+              <a:t> over our codebase, with </a:t>
+            </a:r>
+            <a:r>
+              <a:rPr lang="en-US" sz="2400" b="1" i="1" dirty="0">
+                <a:solidFill>
+                  <a:srgbClr val="FF0000"/>
+                </a:solidFill>
+              </a:rPr>
+              <a:t>tangled</a:t>
+            </a:r>
+            <a:r>
+              <a:rPr lang="en-US" sz="2400" b="1" i="1" dirty="0"/>
+              <a:t> conversions.</a:t>
+            </a:r>
+          </a:p>
+          <a:p>
+            <a:pPr>
+              <a:lnSpc>
+                <a:spcPct val="150000"/>
+              </a:lnSpc>
+            </a:pPr>
+            <a:r>
+              <a:rPr lang="en-US" sz="2400" b="1" i="1" dirty="0"/>
+              <a:t>This can be taken care separately in an Aspect, making our code more clean and concise.</a:t>
+            </a:r>
+          </a:p>
+          <a:p>
+            <a:pPr>
+              <a:lnSpc>
+                <a:spcPct val="150000"/>
+              </a:lnSpc>
+            </a:pPr>
+            <a:endParaRPr lang="en-US" sz="2400" b="1" i="1" dirty="0"/>
+          </a:p>
+        </p:txBody>
+      </p:sp>
+      <p:pic>
+        <p:nvPicPr>
+          <p:cNvPr id="2" name="Picture 1">
+            <a:extLst>
+              <a:ext uri="{FF2B5EF4-FFF2-40B4-BE49-F238E27FC236}">
+                <a16:creationId xmlns:a16="http://schemas.microsoft.com/office/drawing/2014/main" id="{916FA2C5-607D-4599-BCA3-FD80C2B687E9}"/>
+              </a:ext>
+            </a:extLst>
+          </p:cNvPr>
+          <p:cNvPicPr>
+            <a:picLocks noChangeAspect="1"/>
+          </p:cNvPicPr>
+          <p:nvPr/>
+        </p:nvPicPr>
+        <p:blipFill rotWithShape="1">
+          <a:blip r:embed="rId2"/>
+          <a:srcRect l="4415" r="3668" b="5536"/>
+          <a:stretch/>
+        </p:blipFill>
+        <p:spPr>
+          <a:xfrm>
+            <a:off x="5658394" y="4681533"/>
+            <a:ext cx="5899951" cy="1989233"/>
+          </a:xfrm>
+          <a:prstGeom prst="rect">
+            <a:avLst/>
+          </a:prstGeom>
+        </p:spPr>
+      </p:pic>
     </p:spTree>
     <p:extLst>
       <p:ext uri="{BB962C8B-B14F-4D97-AF65-F5344CB8AC3E}">
-        <p14:creationId xmlns:p14="http://schemas.microsoft.com/office/powerpoint/2010/main" val="3605706162"/>
+        <p14:creationId xmlns:p14="http://schemas.microsoft.com/office/powerpoint/2010/main" val="3599381813"/>
       </p:ext>
     </p:extLst>
   </p:cSld>
@@ -6656,6 +7032,456 @@
           <a:lstStyle/>
           <a:p>
             <a:r>
+              <a:rPr lang="en-US" b="1" dirty="0" err="1">
+                <a:latin typeface="+mn-lt"/>
+              </a:rPr>
+              <a:t>ExceptionTranslatorAspect</a:t>
+            </a:r>
+            <a:endParaRPr lang="en-US" b="1" dirty="0">
+              <a:latin typeface="+mn-lt"/>
+            </a:endParaRPr>
+          </a:p>
+        </p:txBody>
+      </p:sp>
+      <p:sp>
+        <p:nvSpPr>
+          <p:cNvPr id="5" name="Content Placeholder 2">
+            <a:extLst>
+              <a:ext uri="{FF2B5EF4-FFF2-40B4-BE49-F238E27FC236}">
+                <a16:creationId xmlns:a16="http://schemas.microsoft.com/office/drawing/2014/main" id="{507F342C-C331-44DB-ACF0-C06FE2A5C3FB}"/>
+              </a:ext>
+            </a:extLst>
+          </p:cNvPr>
+          <p:cNvSpPr>
+            <a:spLocks noGrp="1"/>
+          </p:cNvSpPr>
+          <p:nvPr>
+            <p:ph idx="1"/>
+          </p:nvPr>
+        </p:nvSpPr>
+        <p:spPr>
+          <a:xfrm>
+            <a:off x="125835" y="1116419"/>
+            <a:ext cx="7407479" cy="5554347"/>
+          </a:xfrm>
+        </p:spPr>
+        <p:txBody>
+          <a:bodyPr>
+            <a:normAutofit/>
+          </a:bodyPr>
+          <a:lstStyle/>
+          <a:p>
+            <a:pPr>
+              <a:lnSpc>
+                <a:spcPct val="150000"/>
+              </a:lnSpc>
+            </a:pPr>
+            <a:r>
+              <a:rPr lang="en-US" sz="2400" b="1" dirty="0">
+                <a:solidFill>
+                  <a:srgbClr val="FF0000"/>
+                </a:solidFill>
+              </a:rPr>
+              <a:t>Concern:</a:t>
+            </a:r>
+            <a:r>
+              <a:rPr lang="en-US" sz="2400" b="1" dirty="0"/>
+              <a:t> noted above.</a:t>
+            </a:r>
+            <a:endParaRPr lang="en-US" sz="2400" b="1" dirty="0">
+              <a:solidFill>
+                <a:srgbClr val="FF0000"/>
+              </a:solidFill>
+            </a:endParaRPr>
+          </a:p>
+          <a:p>
+            <a:pPr>
+              <a:lnSpc>
+                <a:spcPct val="150000"/>
+              </a:lnSpc>
+            </a:pPr>
+            <a:r>
+              <a:rPr lang="en-US" sz="2400" b="1" i="1" dirty="0">
+                <a:solidFill>
+                  <a:srgbClr val="FF0000"/>
+                </a:solidFill>
+              </a:rPr>
+              <a:t>Pointcut: </a:t>
+            </a:r>
+            <a:r>
+              <a:rPr lang="en-US" sz="2400" b="1" i="1" dirty="0"/>
+              <a:t>a </a:t>
+            </a:r>
+            <a:r>
+              <a:rPr lang="en-US" sz="2400" b="1" i="1" dirty="0" err="1"/>
+              <a:t>KeyboardException</a:t>
+            </a:r>
+            <a:r>
+              <a:rPr lang="en-US" sz="2400" b="1" i="1" dirty="0"/>
+              <a:t> is thrown  (ESC is pressed)</a:t>
+            </a:r>
+          </a:p>
+          <a:p>
+            <a:pPr>
+              <a:lnSpc>
+                <a:spcPct val="150000"/>
+              </a:lnSpc>
+            </a:pPr>
+            <a:r>
+              <a:rPr lang="en-US" sz="2400" b="1" i="1" dirty="0">
+                <a:solidFill>
+                  <a:srgbClr val="FF0000"/>
+                </a:solidFill>
+              </a:rPr>
+              <a:t>Advice: </a:t>
+            </a:r>
+            <a:r>
+              <a:rPr lang="en-US" sz="2400" b="1" i="1" dirty="0"/>
+              <a:t>Translate 3</a:t>
+            </a:r>
+            <a:r>
+              <a:rPr lang="en-US" sz="2400" b="1" i="1" baseline="30000" dirty="0"/>
+              <a:t>rd</a:t>
+            </a:r>
+            <a:r>
+              <a:rPr lang="en-US" sz="2400" b="1" i="1" dirty="0"/>
+              <a:t> party thrown exception into our application exception.</a:t>
+            </a:r>
+          </a:p>
+          <a:p>
+            <a:pPr>
+              <a:lnSpc>
+                <a:spcPct val="150000"/>
+              </a:lnSpc>
+            </a:pPr>
+            <a:r>
+              <a:rPr lang="en-US" sz="2400" b="1" i="1" dirty="0" err="1">
+                <a:solidFill>
+                  <a:srgbClr val="FF0000"/>
+                </a:solidFill>
+              </a:rPr>
+              <a:t>ProceedingJointPoint</a:t>
+            </a:r>
+            <a:r>
+              <a:rPr lang="en-US" sz="2400" b="1" i="1" dirty="0"/>
+              <a:t>: an around advice is a special advice that can control when and if a method (or other join point) is executed. so they require an argument of type PJP, whereas other advices just use JP.</a:t>
+            </a:r>
+          </a:p>
+        </p:txBody>
+      </p:sp>
+      <p:pic>
+        <p:nvPicPr>
+          <p:cNvPr id="3" name="Picture 2">
+            <a:extLst>
+              <a:ext uri="{FF2B5EF4-FFF2-40B4-BE49-F238E27FC236}">
+                <a16:creationId xmlns:a16="http://schemas.microsoft.com/office/drawing/2014/main" id="{FB8C3ACA-AF67-425D-801A-91FA3380E055}"/>
+              </a:ext>
+            </a:extLst>
+          </p:cNvPr>
+          <p:cNvPicPr>
+            <a:picLocks noChangeAspect="1"/>
+          </p:cNvPicPr>
+          <p:nvPr/>
+        </p:nvPicPr>
+        <p:blipFill rotWithShape="1">
+          <a:blip r:embed="rId2"/>
+          <a:srcRect l="4202" r="4131"/>
+          <a:stretch/>
+        </p:blipFill>
+        <p:spPr>
+          <a:xfrm>
+            <a:off x="7357145" y="868914"/>
+            <a:ext cx="4530056" cy="2285345"/>
+          </a:xfrm>
+          <a:prstGeom prst="rect">
+            <a:avLst/>
+          </a:prstGeom>
+        </p:spPr>
+      </p:pic>
+      <p:pic>
+        <p:nvPicPr>
+          <p:cNvPr id="6" name="Picture 5">
+            <a:extLst>
+              <a:ext uri="{FF2B5EF4-FFF2-40B4-BE49-F238E27FC236}">
+                <a16:creationId xmlns:a16="http://schemas.microsoft.com/office/drawing/2014/main" id="{A75B7A1E-574B-44AA-BE59-767919BC74E9}"/>
+              </a:ext>
+            </a:extLst>
+          </p:cNvPr>
+          <p:cNvPicPr>
+            <a:picLocks noChangeAspect="1"/>
+          </p:cNvPicPr>
+          <p:nvPr/>
+        </p:nvPicPr>
+        <p:blipFill rotWithShape="1">
+          <a:blip r:embed="rId3"/>
+          <a:srcRect l="5305"/>
+          <a:stretch/>
+        </p:blipFill>
+        <p:spPr>
+          <a:xfrm>
+            <a:off x="7222921" y="3566964"/>
+            <a:ext cx="4775588" cy="1352372"/>
+          </a:xfrm>
+          <a:prstGeom prst="rect">
+            <a:avLst/>
+          </a:prstGeom>
+        </p:spPr>
+      </p:pic>
+    </p:spTree>
+    <p:extLst>
+      <p:ext uri="{BB962C8B-B14F-4D97-AF65-F5344CB8AC3E}">
+        <p14:creationId xmlns:p14="http://schemas.microsoft.com/office/powerpoint/2010/main" val="596891456"/>
+      </p:ext>
+    </p:extLst>
+  </p:cSld>
+  <p:clrMapOvr>
+    <a:masterClrMapping/>
+  </p:clrMapOvr>
+</p:sld>
+</file>
+
+<file path=ppt/slides/slide27.xml><?xml version="1.0" encoding="utf-8"?>
+<p:sld xmlns:a="http://schemas.openxmlformats.org/drawingml/2006/main" xmlns:r="http://schemas.openxmlformats.org/officeDocument/2006/relationships" xmlns:p="http://schemas.openxmlformats.org/presentationml/2006/main">
+  <p:cSld>
+    <p:spTree>
+      <p:nvGrpSpPr>
+        <p:cNvPr id="1" name=""/>
+        <p:cNvGrpSpPr/>
+        <p:nvPr/>
+      </p:nvGrpSpPr>
+      <p:grpSpPr>
+        <a:xfrm>
+          <a:off x="0" y="0"/>
+          <a:ext cx="0" cy="0"/>
+          <a:chOff x="0" y="0"/>
+          <a:chExt cx="0" cy="0"/>
+        </a:xfrm>
+      </p:grpSpPr>
+      <p:sp>
+        <p:nvSpPr>
+          <p:cNvPr id="5" name="TextBox 4">
+            <a:extLst>
+              <a:ext uri="{FF2B5EF4-FFF2-40B4-BE49-F238E27FC236}">
+                <a16:creationId xmlns:a16="http://schemas.microsoft.com/office/drawing/2014/main" id="{0470CAB3-69C7-4708-B6B1-132C92342460}"/>
+              </a:ext>
+            </a:extLst>
+          </p:cNvPr>
+          <p:cNvSpPr txBox="1"/>
+          <p:nvPr/>
+        </p:nvSpPr>
+        <p:spPr>
+          <a:xfrm>
+            <a:off x="3263295" y="2334074"/>
+            <a:ext cx="5933477" cy="923330"/>
+          </a:xfrm>
+          <a:prstGeom prst="rect">
+            <a:avLst/>
+          </a:prstGeom>
+          <a:solidFill>
+            <a:schemeClr val="tx1"/>
+          </a:solidFill>
+          <a:ln>
+            <a:solidFill>
+              <a:schemeClr val="tx1"/>
+            </a:solidFill>
+          </a:ln>
+        </p:spPr>
+        <p:txBody>
+          <a:bodyPr wrap="square" rtlCol="0">
+            <a:spAutoFit/>
+          </a:bodyPr>
+          <a:lstStyle/>
+          <a:p>
+            <a:pPr algn="ctr"/>
+            <a:r>
+              <a:rPr lang="en-US" sz="5400" b="1" dirty="0">
+                <a:solidFill>
+                  <a:schemeClr val="bg1"/>
+                </a:solidFill>
+              </a:rPr>
+              <a:t>Testing the aspects</a:t>
+            </a:r>
+            <a:endParaRPr lang="en-US" sz="4800" b="1" dirty="0">
+              <a:solidFill>
+                <a:schemeClr val="bg1"/>
+              </a:solidFill>
+            </a:endParaRPr>
+          </a:p>
+        </p:txBody>
+      </p:sp>
+    </p:spTree>
+    <p:extLst>
+      <p:ext uri="{BB962C8B-B14F-4D97-AF65-F5344CB8AC3E}">
+        <p14:creationId xmlns:p14="http://schemas.microsoft.com/office/powerpoint/2010/main" val="2841633555"/>
+      </p:ext>
+    </p:extLst>
+  </p:cSld>
+  <p:clrMapOvr>
+    <a:masterClrMapping/>
+  </p:clrMapOvr>
+</p:sld>
+</file>
+
+<file path=ppt/slides/slide28.xml><?xml version="1.0" encoding="utf-8"?>
+<p:sld xmlns:a="http://schemas.openxmlformats.org/drawingml/2006/main" xmlns:r="http://schemas.openxmlformats.org/officeDocument/2006/relationships" xmlns:p="http://schemas.openxmlformats.org/presentationml/2006/main">
+  <p:cSld>
+    <p:spTree>
+      <p:nvGrpSpPr>
+        <p:cNvPr id="1" name=""/>
+        <p:cNvGrpSpPr/>
+        <p:nvPr/>
+      </p:nvGrpSpPr>
+      <p:grpSpPr>
+        <a:xfrm>
+          <a:off x="0" y="0"/>
+          <a:ext cx="0" cy="0"/>
+          <a:chOff x="0" y="0"/>
+          <a:chExt cx="0" cy="0"/>
+        </a:xfrm>
+      </p:grpSpPr>
+      <p:sp>
+        <p:nvSpPr>
+          <p:cNvPr id="4" name="Title 1">
+            <a:extLst>
+              <a:ext uri="{FF2B5EF4-FFF2-40B4-BE49-F238E27FC236}">
+                <a16:creationId xmlns:a16="http://schemas.microsoft.com/office/drawing/2014/main" id="{CAC17C8E-3677-4E33-AD1C-BB70137513FC}"/>
+              </a:ext>
+            </a:extLst>
+          </p:cNvPr>
+          <p:cNvSpPr>
+            <a:spLocks noGrp="1"/>
+          </p:cNvSpPr>
+          <p:nvPr>
+            <p:ph type="title"/>
+          </p:nvPr>
+        </p:nvSpPr>
+        <p:spPr>
+          <a:xfrm>
+            <a:off x="400594" y="86450"/>
+            <a:ext cx="10515600" cy="1325563"/>
+          </a:xfrm>
+        </p:spPr>
+        <p:txBody>
+          <a:bodyPr/>
+          <a:lstStyle/>
+          <a:p>
+            <a:r>
+              <a:rPr lang="en-US" b="1" dirty="0">
+                <a:highlight>
+                  <a:srgbClr val="FFFF00"/>
+                </a:highlight>
+                <a:latin typeface="+mn-lt"/>
+              </a:rPr>
+              <a:t>Testing our aspects – unit testing aspects?</a:t>
+            </a:r>
+          </a:p>
+        </p:txBody>
+      </p:sp>
+      <p:sp>
+        <p:nvSpPr>
+          <p:cNvPr id="5" name="Content Placeholder 2">
+            <a:extLst>
+              <a:ext uri="{FF2B5EF4-FFF2-40B4-BE49-F238E27FC236}">
+                <a16:creationId xmlns:a16="http://schemas.microsoft.com/office/drawing/2014/main" id="{507F342C-C331-44DB-ACF0-C06FE2A5C3FB}"/>
+              </a:ext>
+            </a:extLst>
+          </p:cNvPr>
+          <p:cNvSpPr>
+            <a:spLocks noGrp="1"/>
+          </p:cNvSpPr>
+          <p:nvPr>
+            <p:ph idx="1"/>
+          </p:nvPr>
+        </p:nvSpPr>
+        <p:spPr>
+          <a:xfrm>
+            <a:off x="400594" y="1201783"/>
+            <a:ext cx="11495315" cy="5468983"/>
+          </a:xfrm>
+        </p:spPr>
+        <p:txBody>
+          <a:bodyPr>
+            <a:normAutofit/>
+          </a:bodyPr>
+          <a:lstStyle/>
+          <a:p>
+            <a:pPr>
+              <a:lnSpc>
+                <a:spcPct val="150000"/>
+              </a:lnSpc>
+            </a:pPr>
+            <a:r>
+              <a:rPr lang="en-US" b="1" dirty="0"/>
+              <a:t>Logging Aspect – just by checking the written files. If have time &lt;write </a:t>
+            </a:r>
+            <a:r>
+              <a:rPr lang="en-US" b="1" dirty="0" err="1"/>
+              <a:t>uni</a:t>
+            </a:r>
+            <a:r>
+              <a:rPr lang="en-US" b="1" dirty="0"/>
+              <a:t> test to check file&gt;</a:t>
+            </a:r>
+          </a:p>
+        </p:txBody>
+      </p:sp>
+    </p:spTree>
+    <p:extLst>
+      <p:ext uri="{BB962C8B-B14F-4D97-AF65-F5344CB8AC3E}">
+        <p14:creationId xmlns:p14="http://schemas.microsoft.com/office/powerpoint/2010/main" val="3605706162"/>
+      </p:ext>
+    </p:extLst>
+  </p:cSld>
+  <p:clrMapOvr>
+    <a:masterClrMapping/>
+  </p:clrMapOvr>
+</p:sld>
+</file>
+
+<file path=ppt/slides/slide29.xml><?xml version="1.0" encoding="utf-8"?>
+<p:sld xmlns:a="http://schemas.openxmlformats.org/drawingml/2006/main" xmlns:r="http://schemas.openxmlformats.org/officeDocument/2006/relationships" xmlns:p="http://schemas.openxmlformats.org/presentationml/2006/main">
+  <p:cSld>
+    <p:spTree>
+      <p:nvGrpSpPr>
+        <p:cNvPr id="1" name=""/>
+        <p:cNvGrpSpPr/>
+        <p:nvPr/>
+      </p:nvGrpSpPr>
+      <p:grpSpPr>
+        <a:xfrm>
+          <a:off x="0" y="0"/>
+          <a:ext cx="0" cy="0"/>
+          <a:chOff x="0" y="0"/>
+          <a:chExt cx="0" cy="0"/>
+        </a:xfrm>
+      </p:grpSpPr>
+      <p:sp>
+        <p:nvSpPr>
+          <p:cNvPr id="4" name="Title 1">
+            <a:extLst>
+              <a:ext uri="{FF2B5EF4-FFF2-40B4-BE49-F238E27FC236}">
+                <a16:creationId xmlns:a16="http://schemas.microsoft.com/office/drawing/2014/main" id="{CAC17C8E-3677-4E33-AD1C-BB70137513FC}"/>
+              </a:ext>
+            </a:extLst>
+          </p:cNvPr>
+          <p:cNvSpPr>
+            <a:spLocks noGrp="1"/>
+          </p:cNvSpPr>
+          <p:nvPr>
+            <p:ph type="title"/>
+          </p:nvPr>
+        </p:nvSpPr>
+        <p:spPr>
+          <a:xfrm>
+            <a:off x="400594" y="86450"/>
+            <a:ext cx="10515600" cy="1325563"/>
+          </a:xfrm>
+        </p:spPr>
+        <p:txBody>
+          <a:bodyPr/>
+          <a:lstStyle/>
+          <a:p>
+            <a:r>
               <a:rPr lang="en-US" b="1" dirty="0">
                 <a:highlight>
                   <a:srgbClr val="FFFF00"/>
@@ -6730,7 +7556,7 @@
             </a:pPr>
             <a:r>
               <a:rPr lang="en-US" b="1" dirty="0"/>
-              <a:t>Test aspects</a:t>
+              <a:t>Copy code lines to our PPT</a:t>
             </a:r>
           </a:p>
           <a:p>
@@ -6741,18 +7567,7 @@
             </a:pPr>
             <a:r>
               <a:rPr lang="en-US" b="1" dirty="0"/>
-              <a:t>Comments of aspects classes ONLY</a:t>
-            </a:r>
-          </a:p>
-          <a:p>
-            <a:pPr>
-              <a:lnSpc>
-                <a:spcPct val="150000"/>
-              </a:lnSpc>
-            </a:pPr>
-            <a:r>
-              <a:rPr lang="en-US" b="1" dirty="0"/>
-              <a:t>Log events to database????</a:t>
+              <a:t>Test aspects</a:t>
             </a:r>
           </a:p>
         </p:txBody>
@@ -6918,12 +7733,18 @@
         </p:blipFill>
         <p:spPr>
           <a:xfrm>
-            <a:off x="7910921" y="3539621"/>
+            <a:off x="8053534" y="3384602"/>
             <a:ext cx="2760411" cy="2968183"/>
           </a:xfrm>
           <a:prstGeom prst="rect">
             <a:avLst/>
           </a:prstGeom>
+          <a:ln>
+            <a:noFill/>
+          </a:ln>
+          <a:effectLst>
+            <a:softEdge rad="112500"/>
+          </a:effectLst>
         </p:spPr>
       </p:pic>
       <p:pic>
@@ -6955,13 +7776,18 @@
         </p:blipFill>
         <p:spPr bwMode="auto">
           <a:xfrm>
-            <a:off x="596832" y="3820944"/>
-            <a:ext cx="4286250" cy="2095500"/>
+            <a:off x="680722" y="3775046"/>
+            <a:ext cx="4500248" cy="2200121"/>
           </a:xfrm>
           <a:prstGeom prst="rect">
             <a:avLst/>
           </a:prstGeom>
-          <a:noFill/>
+          <a:ln>
+            <a:noFill/>
+          </a:ln>
+          <a:effectLst>
+            <a:softEdge rad="112500"/>
+          </a:effectLst>
           <a:extLst>
             <a:ext uri="{909E8E84-426E-40DD-AFC4-6F175D3DCCD1}">
               <a14:hiddenFill xmlns:a14="http://schemas.microsoft.com/office/drawing/2010/main">
@@ -7138,7 +7964,7 @@
               <a:rPr lang="en-US" b="1" dirty="0">
                 <a:latin typeface="+mn-lt"/>
               </a:rPr>
-              <a:t>Our main Aspects:</a:t>
+              <a:t>Cross-cutting concerns</a:t>
             </a:r>
           </a:p>
         </p:txBody>
@@ -7167,7 +7993,7 @@
         </p:spPr>
         <p:txBody>
           <a:bodyPr>
-            <a:normAutofit fontScale="70000" lnSpcReduction="20000"/>
+            <a:normAutofit/>
           </a:bodyPr>
           <a:lstStyle/>
           <a:p>
@@ -7177,197 +8003,12 @@
               </a:lnSpc>
             </a:pPr>
             <a:r>
-              <a:rPr lang="en-US" b="1" dirty="0" err="1">
-                <a:solidFill>
-                  <a:srgbClr val="FF0000"/>
-                </a:solidFill>
+              <a:rPr lang="en-US" b="1" dirty="0">
+                <a:highlight>
+                  <a:srgbClr val="FFFF00"/>
+                </a:highlight>
               </a:rPr>
-              <a:t>Spectative</a:t>
-            </a:r>
-            <a:r>
-              <a:rPr lang="en-US" b="1" dirty="0">
-                <a:solidFill>
-                  <a:srgbClr val="FF0000"/>
-                </a:solidFill>
-              </a:rPr>
-              <a:t> aspects: </a:t>
-            </a:r>
-          </a:p>
-          <a:p>
-            <a:pPr lvl="1">
-              <a:lnSpc>
-                <a:spcPct val="150000"/>
-              </a:lnSpc>
-            </a:pPr>
-            <a:r>
-              <a:rPr lang="en-US" b="1" dirty="0"/>
-              <a:t>Game Logging Aspect – saves data about game (time took, </a:t>
-            </a:r>
-            <a:r>
-              <a:rPr lang="en-US" b="1" dirty="0" err="1"/>
-              <a:t>num</a:t>
-            </a:r>
-            <a:r>
-              <a:rPr lang="en-US" b="1" dirty="0"/>
-              <a:t> of shots, start of game, etc..)</a:t>
-            </a:r>
-          </a:p>
-          <a:p>
-            <a:pPr lvl="1">
-              <a:lnSpc>
-                <a:spcPct val="150000"/>
-              </a:lnSpc>
-            </a:pPr>
-            <a:r>
-              <a:rPr lang="en-US" b="1" dirty="0"/>
-              <a:t>Audit Aspect - logs game events using method signature, for auditing (security) and data analysis.</a:t>
-            </a:r>
-          </a:p>
-          <a:p>
-            <a:pPr>
-              <a:lnSpc>
-                <a:spcPct val="150000"/>
-              </a:lnSpc>
-            </a:pPr>
-            <a:r>
-              <a:rPr lang="en-US" b="1" dirty="0">
-                <a:solidFill>
-                  <a:srgbClr val="FF0000"/>
-                </a:solidFill>
-              </a:rPr>
-              <a:t>Regulative Aspects: </a:t>
-            </a:r>
-          </a:p>
-          <a:p>
-            <a:pPr lvl="1">
-              <a:lnSpc>
-                <a:spcPct val="150000"/>
-              </a:lnSpc>
-            </a:pPr>
-            <a:r>
-              <a:rPr lang="en-US" dirty="0"/>
-              <a:t>Lock aspect: locks some feature of the player - for </a:t>
-            </a:r>
-            <a:r>
-              <a:rPr lang="en-US" dirty="0" err="1"/>
-              <a:t>e.g</a:t>
-            </a:r>
-            <a:r>
-              <a:rPr lang="en-US" dirty="0"/>
-              <a:t>: can’t shoot anymore.</a:t>
-            </a:r>
-          </a:p>
-          <a:p>
-            <a:pPr lvl="1">
-              <a:lnSpc>
-                <a:spcPct val="150000"/>
-              </a:lnSpc>
-            </a:pPr>
-            <a:r>
-              <a:rPr lang="en-US" dirty="0"/>
-              <a:t>Password authorization mechanism – only authorized users can play the game (using password). </a:t>
-            </a:r>
-          </a:p>
-          <a:p>
-            <a:pPr lvl="1">
-              <a:lnSpc>
-                <a:spcPct val="150000"/>
-              </a:lnSpc>
-            </a:pPr>
-            <a:r>
-              <a:rPr lang="en-US" dirty="0"/>
-              <a:t>UI update aspect: each time some value is change (</a:t>
-            </a:r>
-            <a:r>
-              <a:rPr lang="en-US" dirty="0" err="1"/>
-              <a:t>e.g</a:t>
-            </a:r>
-            <a:r>
-              <a:rPr lang="en-US" dirty="0"/>
-              <a:t>: asteroid is hit) - we display it on screen. </a:t>
-            </a:r>
-          </a:p>
-          <a:p>
-            <a:pPr>
-              <a:lnSpc>
-                <a:spcPct val="150000"/>
-              </a:lnSpc>
-            </a:pPr>
-            <a:r>
-              <a:rPr lang="en-US" b="1" dirty="0">
-                <a:solidFill>
-                  <a:srgbClr val="FF0000"/>
-                </a:solidFill>
-              </a:rPr>
-              <a:t>Invasive Aspects: </a:t>
-            </a:r>
-          </a:p>
-          <a:p>
-            <a:pPr lvl="1">
-              <a:lnSpc>
-                <a:spcPct val="150000"/>
-              </a:lnSpc>
-            </a:pPr>
-            <a:r>
-              <a:rPr lang="en-US" b="1" dirty="0"/>
-              <a:t>Heuristic aspect: changes heuristic of the game (change from drunk player to smart player). </a:t>
-            </a:r>
-          </a:p>
-          <a:p>
-            <a:pPr lvl="1">
-              <a:lnSpc>
-                <a:spcPct val="150000"/>
-              </a:lnSpc>
-            </a:pPr>
-            <a:r>
-              <a:rPr lang="en-US" b="1" dirty="0" err="1"/>
-              <a:t>ExceptionHandler</a:t>
-            </a:r>
-            <a:r>
-              <a:rPr lang="en-US" b="1" dirty="0"/>
-              <a:t> Aspect – Monitors exceptions and handles unhandled exceptions.</a:t>
-            </a:r>
-          </a:p>
-          <a:p>
-            <a:pPr lvl="1">
-              <a:lnSpc>
-                <a:spcPct val="150000"/>
-              </a:lnSpc>
-            </a:pPr>
-            <a:r>
-              <a:rPr lang="en-US" b="1" dirty="0" err="1"/>
-              <a:t>ExceptionTranslatorAspect</a:t>
-            </a:r>
-            <a:r>
-              <a:rPr lang="en-US" b="1" dirty="0"/>
-              <a:t> – Translates exceptions from 3</a:t>
-            </a:r>
-            <a:r>
-              <a:rPr lang="en-US" b="1" baseline="30000" dirty="0"/>
-              <a:t>rd</a:t>
-            </a:r>
-            <a:r>
-              <a:rPr lang="en-US" b="1" dirty="0"/>
-              <a:t> parties code.</a:t>
-            </a:r>
-          </a:p>
-          <a:p>
-            <a:pPr lvl="1">
-              <a:lnSpc>
-                <a:spcPct val="150000"/>
-              </a:lnSpc>
-            </a:pPr>
-            <a:r>
-              <a:rPr lang="en-US" b="1" dirty="0"/>
-              <a:t>Testing aspect – </a:t>
-            </a:r>
-            <a:r>
-              <a:rPr lang="en-US" b="1" dirty="0" err="1"/>
-              <a:t>unitests</a:t>
-            </a:r>
-            <a:r>
-              <a:rPr lang="en-US" b="1" dirty="0"/>
-              <a:t>……..?</a:t>
+              <a:t>TODO</a:t>
             </a:r>
           </a:p>
         </p:txBody>
@@ -7375,7 +8016,7 @@
     </p:spTree>
     <p:extLst>
       <p:ext uri="{BB962C8B-B14F-4D97-AF65-F5344CB8AC3E}">
-        <p14:creationId xmlns:p14="http://schemas.microsoft.com/office/powerpoint/2010/main" val="184209002"/>
+        <p14:creationId xmlns:p14="http://schemas.microsoft.com/office/powerpoint/2010/main" val="3969086966"/>
       </p:ext>
     </p:extLst>
   </p:cSld>
@@ -7404,60 +8045,253 @@
       </p:grpSpPr>
       <p:sp>
         <p:nvSpPr>
-          <p:cNvPr id="3" name="TextBox 2">
-            <a:extLst>
-              <a:ext uri="{FF2B5EF4-FFF2-40B4-BE49-F238E27FC236}">
-                <a16:creationId xmlns:a16="http://schemas.microsoft.com/office/drawing/2014/main" id="{77462736-FE3A-4BAB-8C7B-E597C0C00E8D}"/>
-              </a:ext>
-            </a:extLst>
-          </p:cNvPr>
-          <p:cNvSpPr txBox="1"/>
-          <p:nvPr/>
-        </p:nvSpPr>
-        <p:spPr>
-          <a:xfrm>
-            <a:off x="3848087" y="2334074"/>
-            <a:ext cx="4495826" cy="923330"/>
-          </a:xfrm>
-          <a:prstGeom prst="rect">
-            <a:avLst/>
-          </a:prstGeom>
-          <a:solidFill>
-            <a:schemeClr val="tx1"/>
-          </a:solidFill>
-          <a:ln>
-            <a:solidFill>
-              <a:schemeClr val="tx1"/>
-            </a:solidFill>
-          </a:ln>
-        </p:spPr>
-        <p:txBody>
-          <a:bodyPr wrap="square" rtlCol="0">
-            <a:spAutoFit/>
+          <p:cNvPr id="4" name="Title 1">
+            <a:extLst>
+              <a:ext uri="{FF2B5EF4-FFF2-40B4-BE49-F238E27FC236}">
+                <a16:creationId xmlns:a16="http://schemas.microsoft.com/office/drawing/2014/main" id="{CAC17C8E-3677-4E33-AD1C-BB70137513FC}"/>
+              </a:ext>
+            </a:extLst>
+          </p:cNvPr>
+          <p:cNvSpPr>
+            <a:spLocks noGrp="1"/>
+          </p:cNvSpPr>
+          <p:nvPr>
+            <p:ph type="title"/>
+          </p:nvPr>
+        </p:nvSpPr>
+        <p:spPr>
+          <a:xfrm>
+            <a:off x="400594" y="86450"/>
+            <a:ext cx="10515600" cy="1325563"/>
+          </a:xfrm>
+        </p:spPr>
+        <p:txBody>
+          <a:bodyPr/>
+          <a:lstStyle/>
+          <a:p>
+            <a:r>
+              <a:rPr lang="en-US" b="1" dirty="0">
+                <a:latin typeface="+mn-lt"/>
+              </a:rPr>
+              <a:t>Our main Aspects:</a:t>
+            </a:r>
+          </a:p>
+        </p:txBody>
+      </p:sp>
+      <p:sp>
+        <p:nvSpPr>
+          <p:cNvPr id="5" name="Content Placeholder 2">
+            <a:extLst>
+              <a:ext uri="{FF2B5EF4-FFF2-40B4-BE49-F238E27FC236}">
+                <a16:creationId xmlns:a16="http://schemas.microsoft.com/office/drawing/2014/main" id="{507F342C-C331-44DB-ACF0-C06FE2A5C3FB}"/>
+              </a:ext>
+            </a:extLst>
+          </p:cNvPr>
+          <p:cNvSpPr>
+            <a:spLocks noGrp="1"/>
+          </p:cNvSpPr>
+          <p:nvPr>
+            <p:ph idx="1"/>
+          </p:nvPr>
+        </p:nvSpPr>
+        <p:spPr>
+          <a:xfrm>
+            <a:off x="400594" y="1201783"/>
+            <a:ext cx="11495315" cy="5468983"/>
+          </a:xfrm>
+        </p:spPr>
+        <p:txBody>
+          <a:bodyPr>
+            <a:normAutofit fontScale="85000" lnSpcReduction="20000"/>
           </a:bodyPr>
           <a:lstStyle/>
           <a:p>
-            <a:pPr algn="ctr"/>
-            <a:r>
-              <a:rPr lang="en-US" sz="5400" b="1" dirty="0">
+            <a:pPr>
+              <a:lnSpc>
+                <a:spcPct val="150000"/>
+              </a:lnSpc>
+            </a:pPr>
+            <a:r>
+              <a:rPr lang="en-US" b="1" dirty="0" err="1">
                 <a:solidFill>
-                  <a:schemeClr val="bg1"/>
+                  <a:srgbClr val="FF0000"/>
                 </a:solidFill>
               </a:rPr>
-              <a:t>In details</a:t>
-            </a:r>
-            <a:endParaRPr lang="en-US" sz="4800" b="1" dirty="0">
-              <a:solidFill>
-                <a:schemeClr val="bg1"/>
-              </a:solidFill>
-            </a:endParaRPr>
+              <a:t>Spectative</a:t>
+            </a:r>
+            <a:r>
+              <a:rPr lang="en-US" b="1" dirty="0">
+                <a:solidFill>
+                  <a:srgbClr val="FF0000"/>
+                </a:solidFill>
+              </a:rPr>
+              <a:t> aspects: </a:t>
+            </a:r>
+          </a:p>
+          <a:p>
+            <a:pPr lvl="1">
+              <a:lnSpc>
+                <a:spcPct val="150000"/>
+              </a:lnSpc>
+            </a:pPr>
+            <a:r>
+              <a:rPr lang="en-US" b="1" dirty="0"/>
+              <a:t>Game Logging Aspect – saves data about game (time took, </a:t>
+            </a:r>
+            <a:r>
+              <a:rPr lang="en-US" b="1" dirty="0" err="1"/>
+              <a:t>num</a:t>
+            </a:r>
+            <a:r>
+              <a:rPr lang="en-US" b="1" dirty="0"/>
+              <a:t> of shots, start of game, etc..)</a:t>
+            </a:r>
+          </a:p>
+          <a:p>
+            <a:pPr lvl="1">
+              <a:lnSpc>
+                <a:spcPct val="150000"/>
+              </a:lnSpc>
+            </a:pPr>
+            <a:r>
+              <a:rPr lang="en-US" b="1" dirty="0"/>
+              <a:t>Audit Aspect - logs game events using method signature, for auditing (security) and data analysis.</a:t>
+            </a:r>
+          </a:p>
+          <a:p>
+            <a:pPr>
+              <a:lnSpc>
+                <a:spcPct val="150000"/>
+              </a:lnSpc>
+            </a:pPr>
+            <a:r>
+              <a:rPr lang="en-US" b="1" dirty="0">
+                <a:solidFill>
+                  <a:srgbClr val="FF0000"/>
+                </a:solidFill>
+              </a:rPr>
+              <a:t>Regulative Aspects: </a:t>
+            </a:r>
+          </a:p>
+          <a:p>
+            <a:pPr lvl="1">
+              <a:lnSpc>
+                <a:spcPct val="150000"/>
+              </a:lnSpc>
+            </a:pPr>
+            <a:r>
+              <a:rPr lang="en-US" b="1" dirty="0"/>
+              <a:t>Lock aspect: locks some feature of the player - for </a:t>
+            </a:r>
+            <a:r>
+              <a:rPr lang="en-US" b="1" dirty="0" err="1"/>
+              <a:t>e.g</a:t>
+            </a:r>
+            <a:r>
+              <a:rPr lang="en-US" b="1" dirty="0"/>
+              <a:t>: can’t shoot anymore.</a:t>
+            </a:r>
+          </a:p>
+          <a:p>
+            <a:pPr lvl="1">
+              <a:lnSpc>
+                <a:spcPct val="150000"/>
+              </a:lnSpc>
+            </a:pPr>
+            <a:r>
+              <a:rPr lang="en-US" b="1" dirty="0"/>
+              <a:t>Password authorization mechanism – only authorized users can play the game (using password). </a:t>
+            </a:r>
+          </a:p>
+          <a:p>
+            <a:pPr lvl="1">
+              <a:lnSpc>
+                <a:spcPct val="150000"/>
+              </a:lnSpc>
+            </a:pPr>
+            <a:r>
+              <a:rPr lang="en-US" b="1" dirty="0"/>
+              <a:t>UI update aspect: each time some value is change (</a:t>
+            </a:r>
+            <a:r>
+              <a:rPr lang="en-US" b="1" dirty="0" err="1"/>
+              <a:t>e.g</a:t>
+            </a:r>
+            <a:r>
+              <a:rPr lang="en-US" b="1" dirty="0"/>
+              <a:t>: asteroid is hit) - we display it on screen. </a:t>
+            </a:r>
+          </a:p>
+          <a:p>
+            <a:pPr>
+              <a:lnSpc>
+                <a:spcPct val="150000"/>
+              </a:lnSpc>
+            </a:pPr>
+            <a:r>
+              <a:rPr lang="en-US" b="1" dirty="0">
+                <a:solidFill>
+                  <a:srgbClr val="FF0000"/>
+                </a:solidFill>
+              </a:rPr>
+              <a:t>Invasive Aspects: </a:t>
+            </a:r>
+          </a:p>
+          <a:p>
+            <a:pPr lvl="1">
+              <a:lnSpc>
+                <a:spcPct val="150000"/>
+              </a:lnSpc>
+            </a:pPr>
+            <a:r>
+              <a:rPr lang="en-US" b="1" dirty="0"/>
+              <a:t>Heuristic aspect: changes heuristic of the game (change from drunk player to smart player). </a:t>
+            </a:r>
+          </a:p>
+          <a:p>
+            <a:pPr lvl="1">
+              <a:lnSpc>
+                <a:spcPct val="150000"/>
+              </a:lnSpc>
+            </a:pPr>
+            <a:r>
+              <a:rPr lang="en-US" b="1" dirty="0" err="1"/>
+              <a:t>ExceptionHandler</a:t>
+            </a:r>
+            <a:r>
+              <a:rPr lang="en-US" b="1" dirty="0"/>
+              <a:t> Aspect – Monitors exceptions and handles unhandled exceptions.</a:t>
+            </a:r>
+          </a:p>
+          <a:p>
+            <a:pPr lvl="1">
+              <a:lnSpc>
+                <a:spcPct val="150000"/>
+              </a:lnSpc>
+            </a:pPr>
+            <a:r>
+              <a:rPr lang="en-US" b="1" dirty="0" err="1"/>
+              <a:t>ExceptionTranslatorAspect</a:t>
+            </a:r>
+            <a:r>
+              <a:rPr lang="en-US" b="1" dirty="0"/>
+              <a:t> – Translates exceptions from 3</a:t>
+            </a:r>
+            <a:r>
+              <a:rPr lang="en-US" b="1" baseline="30000" dirty="0"/>
+              <a:t>rd</a:t>
+            </a:r>
+            <a:r>
+              <a:rPr lang="en-US" b="1" dirty="0"/>
+              <a:t> parties code.</a:t>
+            </a:r>
           </a:p>
         </p:txBody>
       </p:sp>
     </p:spTree>
     <p:extLst>
       <p:ext uri="{BB962C8B-B14F-4D97-AF65-F5344CB8AC3E}">
-        <p14:creationId xmlns:p14="http://schemas.microsoft.com/office/powerpoint/2010/main" val="4260905499"/>
+        <p14:creationId xmlns:p14="http://schemas.microsoft.com/office/powerpoint/2010/main" val="184209002"/>
       </p:ext>
     </p:extLst>
   </p:cSld>
@@ -7499,7 +8333,7 @@
         <p:spPr>
           <a:xfrm>
             <a:off x="3848087" y="2334074"/>
-            <a:ext cx="4495826" cy="1754326"/>
+            <a:ext cx="4495826" cy="923330"/>
           </a:xfrm>
           <a:prstGeom prst="rect">
             <a:avLst/>
@@ -7521,20 +8355,12 @@
           <a:p>
             <a:pPr algn="ctr"/>
             <a:r>
-              <a:rPr lang="en-US" sz="5400" b="1" dirty="0" err="1">
-                <a:solidFill>
-                  <a:schemeClr val="bg1"/>
-                </a:solidFill>
-              </a:rPr>
-              <a:t>Spectative</a:t>
-            </a:r>
-            <a:r>
               <a:rPr lang="en-US" sz="5400" b="1" dirty="0">
                 <a:solidFill>
                   <a:schemeClr val="bg1"/>
                 </a:solidFill>
               </a:rPr>
-              <a:t> Aspects</a:t>
+              <a:t>In details</a:t>
             </a:r>
             <a:endParaRPr lang="en-US" sz="4800" b="1" dirty="0">
               <a:solidFill>
@@ -7547,7 +8373,7 @@
     </p:spTree>
     <p:extLst>
       <p:ext uri="{BB962C8B-B14F-4D97-AF65-F5344CB8AC3E}">
-        <p14:creationId xmlns:p14="http://schemas.microsoft.com/office/powerpoint/2010/main" val="879715645"/>
+        <p14:creationId xmlns:p14="http://schemas.microsoft.com/office/powerpoint/2010/main" val="4260905499"/>
       </p:ext>
     </p:extLst>
   </p:cSld>
@@ -7576,129 +8402,22 @@
       </p:grpSpPr>
       <p:sp>
         <p:nvSpPr>
-          <p:cNvPr id="4" name="Title 1">
-            <a:extLst>
-              <a:ext uri="{FF2B5EF4-FFF2-40B4-BE49-F238E27FC236}">
-                <a16:creationId xmlns:a16="http://schemas.microsoft.com/office/drawing/2014/main" id="{CAC17C8E-3677-4E33-AD1C-BB70137513FC}"/>
-              </a:ext>
-            </a:extLst>
-          </p:cNvPr>
-          <p:cNvSpPr>
-            <a:spLocks noGrp="1"/>
-          </p:cNvSpPr>
-          <p:nvPr>
-            <p:ph type="title"/>
-          </p:nvPr>
-        </p:nvSpPr>
-        <p:spPr>
-          <a:xfrm>
-            <a:off x="400594" y="86450"/>
-            <a:ext cx="10515600" cy="1325563"/>
-          </a:xfrm>
-        </p:spPr>
-        <p:txBody>
-          <a:bodyPr/>
-          <a:lstStyle/>
-          <a:p>
-            <a:r>
-              <a:rPr lang="en-US" b="1" dirty="0" err="1">
-                <a:latin typeface="+mn-lt"/>
-              </a:rPr>
-              <a:t>Spectative</a:t>
-            </a:r>
-            <a:r>
-              <a:rPr lang="en-US" b="1" dirty="0">
-                <a:latin typeface="+mn-lt"/>
-              </a:rPr>
-              <a:t> Aspects:</a:t>
-            </a:r>
-          </a:p>
-        </p:txBody>
-      </p:sp>
-      <p:sp>
-        <p:nvSpPr>
-          <p:cNvPr id="5" name="Content Placeholder 2">
-            <a:extLst>
-              <a:ext uri="{FF2B5EF4-FFF2-40B4-BE49-F238E27FC236}">
-                <a16:creationId xmlns:a16="http://schemas.microsoft.com/office/drawing/2014/main" id="{507F342C-C331-44DB-ACF0-C06FE2A5C3FB}"/>
-              </a:ext>
-            </a:extLst>
-          </p:cNvPr>
-          <p:cNvSpPr>
-            <a:spLocks noGrp="1"/>
-          </p:cNvSpPr>
-          <p:nvPr>
-            <p:ph idx="1"/>
-          </p:nvPr>
-        </p:nvSpPr>
-        <p:spPr>
-          <a:xfrm>
-            <a:off x="218114" y="1201784"/>
-            <a:ext cx="11677795" cy="2162202"/>
-          </a:xfrm>
-        </p:spPr>
-        <p:txBody>
-          <a:bodyPr>
-            <a:normAutofit/>
-          </a:bodyPr>
-          <a:lstStyle/>
-          <a:p>
-            <a:pPr marL="0" indent="0">
-              <a:lnSpc>
-                <a:spcPct val="150000"/>
-              </a:lnSpc>
-              <a:buNone/>
-            </a:pPr>
-            <a:r>
-              <a:rPr lang="en-US" b="1" i="1" dirty="0" err="1"/>
-              <a:t>Spectative</a:t>
-            </a:r>
-            <a:r>
-              <a:rPr lang="en-US" b="1" i="1" dirty="0"/>
-              <a:t> aspects are…</a:t>
-            </a:r>
-            <a:r>
-              <a:rPr lang="en-US" b="1" i="1" dirty="0">
-                <a:highlight>
-                  <a:srgbClr val="FFFF00"/>
-                </a:highlight>
-              </a:rPr>
-              <a:t>TODO</a:t>
-            </a:r>
-          </a:p>
-          <a:p>
-            <a:pPr marL="0" indent="0">
-              <a:lnSpc>
-                <a:spcPct val="150000"/>
-              </a:lnSpc>
-              <a:buNone/>
-            </a:pPr>
-            <a:endParaRPr lang="en-US" b="1" dirty="0">
-              <a:solidFill>
-                <a:srgbClr val="FF0000"/>
-              </a:solidFill>
-            </a:endParaRPr>
-          </a:p>
-        </p:txBody>
-      </p:sp>
-      <p:sp>
-        <p:nvSpPr>
-          <p:cNvPr id="2" name="Oval 1">
-            <a:extLst>
-              <a:ext uri="{FF2B5EF4-FFF2-40B4-BE49-F238E27FC236}">
-                <a16:creationId xmlns:a16="http://schemas.microsoft.com/office/drawing/2014/main" id="{BCF2E675-C3F4-427A-A354-973D66CCA7AF}"/>
-              </a:ext>
-            </a:extLst>
-          </p:cNvPr>
-          <p:cNvSpPr/>
+          <p:cNvPr id="3" name="TextBox 2">
+            <a:extLst>
+              <a:ext uri="{FF2B5EF4-FFF2-40B4-BE49-F238E27FC236}">
+                <a16:creationId xmlns:a16="http://schemas.microsoft.com/office/drawing/2014/main" id="{77462736-FE3A-4BAB-8C7B-E597C0C00E8D}"/>
+              </a:ext>
+            </a:extLst>
+          </p:cNvPr>
+          <p:cNvSpPr txBox="1"/>
           <p:nvPr/>
         </p:nvSpPr>
         <p:spPr>
           <a:xfrm>
-            <a:off x="3316766" y="3494015"/>
-            <a:ext cx="1602138" cy="1536585"/>
-          </a:xfrm>
-          <a:prstGeom prst="ellipse">
+            <a:off x="3848087" y="2334074"/>
+            <a:ext cx="4495826" cy="1754326"/>
+          </a:xfrm>
+          <a:prstGeom prst="rect">
             <a:avLst/>
           </a:prstGeom>
           <a:solidFill>
@@ -7706,113 +8425,45 @@
           </a:solidFill>
           <a:ln>
             <a:solidFill>
-              <a:schemeClr val="bg1"/>
+              <a:schemeClr val="tx1"/>
             </a:solidFill>
           </a:ln>
         </p:spPr>
-        <p:style>
-          <a:lnRef idx="2">
-            <a:schemeClr val="accent1">
-              <a:shade val="50000"/>
-            </a:schemeClr>
-          </a:lnRef>
-          <a:fillRef idx="1">
-            <a:schemeClr val="accent1"/>
-          </a:fillRef>
-          <a:effectRef idx="0">
-            <a:schemeClr val="accent1"/>
-          </a:effectRef>
-          <a:fontRef idx="minor">
-            <a:schemeClr val="lt1"/>
-          </a:fontRef>
-        </p:style>
-        <p:txBody>
-          <a:bodyPr rtlCol="0" anchor="ctr"/>
+        <p:txBody>
+          <a:bodyPr wrap="square" rtlCol="0">
+            <a:spAutoFit/>
+          </a:bodyPr>
           <a:lstStyle/>
           <a:p>
             <a:pPr algn="ctr"/>
             <a:r>
-              <a:rPr lang="en-US" sz="1600" b="1" dirty="0"/>
-              <a:t>Game Logging</a:t>
-            </a:r>
-          </a:p>
-          <a:p>
-            <a:pPr algn="ctr"/>
-            <a:r>
-              <a:rPr lang="en-US" sz="1600" b="1" dirty="0"/>
-              <a:t>Aspect</a:t>
-            </a:r>
-          </a:p>
-        </p:txBody>
-      </p:sp>
-      <p:sp>
-        <p:nvSpPr>
-          <p:cNvPr id="6" name="Oval 5">
-            <a:extLst>
-              <a:ext uri="{FF2B5EF4-FFF2-40B4-BE49-F238E27FC236}">
-                <a16:creationId xmlns:a16="http://schemas.microsoft.com/office/drawing/2014/main" id="{7F4FCC0E-5A9D-4984-A1C0-594C48631B84}"/>
-              </a:ext>
-            </a:extLst>
-          </p:cNvPr>
-          <p:cNvSpPr/>
-          <p:nvPr/>
-        </p:nvSpPr>
-        <p:spPr>
-          <a:xfrm>
-            <a:off x="6264178" y="3494015"/>
-            <a:ext cx="1602138" cy="1536585"/>
-          </a:xfrm>
-          <a:prstGeom prst="ellipse">
-            <a:avLst/>
-          </a:prstGeom>
-          <a:solidFill>
-            <a:schemeClr val="tx1"/>
-          </a:solidFill>
-          <a:ln>
-            <a:solidFill>
-              <a:schemeClr val="bg1"/>
-            </a:solidFill>
-          </a:ln>
-        </p:spPr>
-        <p:style>
-          <a:lnRef idx="2">
-            <a:schemeClr val="accent1">
-              <a:shade val="50000"/>
-            </a:schemeClr>
-          </a:lnRef>
-          <a:fillRef idx="1">
-            <a:schemeClr val="accent1"/>
-          </a:fillRef>
-          <a:effectRef idx="0">
-            <a:schemeClr val="accent1"/>
-          </a:effectRef>
-          <a:fontRef idx="minor">
-            <a:schemeClr val="lt1"/>
-          </a:fontRef>
-        </p:style>
-        <p:txBody>
-          <a:bodyPr rtlCol="0" anchor="ctr"/>
-          <a:lstStyle/>
-          <a:p>
-            <a:pPr algn="ctr"/>
-            <a:r>
-              <a:rPr lang="en-US" sz="1600" b="1" dirty="0"/>
-              <a:t>Audit</a:t>
-            </a:r>
-          </a:p>
-          <a:p>
-            <a:pPr algn="ctr"/>
-            <a:r>
-              <a:rPr lang="en-US" sz="1600" b="1" dirty="0"/>
-              <a:t>Aspect</a:t>
-            </a:r>
+              <a:rPr lang="en-US" sz="5400" b="1" dirty="0" err="1">
+                <a:solidFill>
+                  <a:schemeClr val="bg1"/>
+                </a:solidFill>
+              </a:rPr>
+              <a:t>Spectative</a:t>
+            </a:r>
+            <a:r>
+              <a:rPr lang="en-US" sz="5400" b="1" dirty="0">
+                <a:solidFill>
+                  <a:schemeClr val="bg1"/>
+                </a:solidFill>
+              </a:rPr>
+              <a:t> Aspects</a:t>
+            </a:r>
+            <a:endParaRPr lang="en-US" sz="4800" b="1" dirty="0">
+              <a:solidFill>
+                <a:schemeClr val="bg1"/>
+              </a:solidFill>
+            </a:endParaRPr>
           </a:p>
         </p:txBody>
       </p:sp>
     </p:spTree>
     <p:extLst>
       <p:ext uri="{BB962C8B-B14F-4D97-AF65-F5344CB8AC3E}">
-        <p14:creationId xmlns:p14="http://schemas.microsoft.com/office/powerpoint/2010/main" val="1829159059"/>
+        <p14:creationId xmlns:p14="http://schemas.microsoft.com/office/powerpoint/2010/main" val="879715645"/>
       </p:ext>
     </p:extLst>
   </p:cSld>
@@ -7866,10 +8517,16 @@
           <a:lstStyle/>
           <a:p>
             <a:r>
+              <a:rPr lang="en-US" b="1" dirty="0" err="1">
+                <a:latin typeface="+mn-lt"/>
+              </a:rPr>
+              <a:t>Spectative</a:t>
+            </a:r>
+            <a:r>
               <a:rPr lang="en-US" b="1" dirty="0">
                 <a:latin typeface="+mn-lt"/>
               </a:rPr>
-              <a:t>Logging Aspect:</a:t>
+              <a:t> Aspects:</a:t>
             </a:r>
           </a:p>
         </p:txBody>
@@ -7892,8 +8549,8 @@
         </p:nvSpPr>
         <p:spPr>
           <a:xfrm>
-            <a:off x="200296" y="1201784"/>
-            <a:ext cx="10916195" cy="5569766"/>
+            <a:off x="218114" y="1201784"/>
+            <a:ext cx="11677795" cy="2162202"/>
           </a:xfrm>
         </p:spPr>
         <p:txBody>
@@ -7901,100 +8558,6 @@
             <a:normAutofit/>
           </a:bodyPr>
           <a:lstStyle/>
-          <a:p>
-            <a:pPr>
-              <a:lnSpc>
-                <a:spcPct val="150000"/>
-              </a:lnSpc>
-            </a:pPr>
-            <a:r>
-              <a:rPr lang="en-US" sz="2200" b="1" i="1" dirty="0"/>
-              <a:t>Assume we have an ‘HelloWorld’ program, which has 8x LoC, in our app - </a:t>
-            </a:r>
-            <a:r>
-              <a:rPr lang="en-US" sz="2200" b="1" i="1" dirty="0">
-                <a:solidFill>
-                  <a:srgbClr val="FF0000"/>
-                </a:solidFill>
-              </a:rPr>
-              <a:t>50% are log related! </a:t>
-            </a:r>
-            <a:r>
-              <a:rPr lang="en-US" sz="2200" b="1" i="1" dirty="0"/>
-              <a:t>Assuming the ‘print’ option can be a database access or something more crucial – it can reduce the quality of our code. Logging is </a:t>
-            </a:r>
-            <a:r>
-              <a:rPr lang="en-US" sz="2200" b="1" i="1" dirty="0">
-                <a:solidFill>
-                  <a:srgbClr val="FF0000"/>
-                </a:solidFill>
-              </a:rPr>
-              <a:t>tangled up </a:t>
-            </a:r>
-            <a:r>
-              <a:rPr lang="en-US" sz="2200" b="1" i="1" dirty="0"/>
-              <a:t>with the primary goal of this class (to print!). It has nothing to do with it. Removing it (or expressing it in a different way) can </a:t>
-            </a:r>
-            <a:r>
-              <a:rPr lang="en-US" sz="2200" b="1" i="1" dirty="0">
-                <a:solidFill>
-                  <a:srgbClr val="FF0000"/>
-                </a:solidFill>
-              </a:rPr>
-              <a:t>make our code much more clear </a:t>
-            </a:r>
-            <a:r>
-              <a:rPr lang="en-US" sz="2200" b="1" i="1" dirty="0"/>
-              <a:t>(and cut it by half..).</a:t>
-            </a:r>
-          </a:p>
-          <a:p>
-            <a:pPr>
-              <a:lnSpc>
-                <a:spcPct val="150000"/>
-              </a:lnSpc>
-            </a:pPr>
-            <a:r>
-              <a:rPr lang="en-US" sz="2200" b="1" i="1" dirty="0"/>
-              <a:t>Now assume we have </a:t>
-            </a:r>
-            <a:r>
-              <a:rPr lang="en-US" sz="2200" b="1" i="1" dirty="0" err="1"/>
-              <a:t>asystem</a:t>
-            </a:r>
-            <a:r>
-              <a:rPr lang="en-US" sz="2200" b="1" i="1" dirty="0"/>
-              <a:t> with many </a:t>
-            </a:r>
-            <a:r>
-              <a:rPr lang="en-US" sz="2200" b="1" i="1" dirty="0" err="1"/>
-              <a:t>many</a:t>
-            </a:r>
-            <a:r>
-              <a:rPr lang="en-US" sz="2200" b="1" i="1" dirty="0"/>
-              <a:t> loggings, and one day </a:t>
-            </a:r>
-            <a:r>
-              <a:rPr lang="en-US" sz="2200" b="1" i="1" dirty="0" err="1"/>
-              <a:t>Raz</a:t>
-            </a:r>
-            <a:r>
-              <a:rPr lang="en-US" sz="2200" b="1" i="1" dirty="0"/>
-              <a:t> decides to change “entering” method into “debug”. His change commit will be terrible (HUGE!!), the logging is </a:t>
-            </a:r>
-            <a:r>
-              <a:rPr lang="en-US" sz="2200" b="1" i="1" dirty="0">
-                <a:solidFill>
-                  <a:srgbClr val="FF0000"/>
-                </a:solidFill>
-              </a:rPr>
-              <a:t>scattered all over the codebase</a:t>
-            </a:r>
-            <a:r>
-              <a:rPr lang="en-US" sz="2200" b="1" i="1" dirty="0"/>
-              <a:t>. </a:t>
-            </a:r>
-          </a:p>
           <a:p>
             <a:pPr marL="0" indent="0">
               <a:lnSpc>
@@ -8003,58 +8566,169 @@
               <a:buNone/>
             </a:pPr>
             <a:r>
-              <a:rPr lang="en-US" sz="2200" b="1" i="1" dirty="0"/>
-              <a:t>   and will require to</a:t>
-            </a:r>
-            <a:r>
-              <a:rPr lang="en-US" sz="2200" b="1" i="1" dirty="0">
-                <a:solidFill>
-                  <a:srgbClr val="FF0000"/>
-                </a:solidFill>
+              <a:rPr lang="en-US" b="1" i="1" dirty="0" err="1"/>
+              <a:t>Spectative</a:t>
+            </a:r>
+            <a:r>
+              <a:rPr lang="en-US" b="1" i="1" dirty="0"/>
+              <a:t> aspects are…</a:t>
+            </a:r>
+            <a:r>
+              <a:rPr lang="en-US" b="1" i="1" dirty="0">
+                <a:highlight>
+                  <a:srgbClr val="FFFF00"/>
+                </a:highlight>
               </a:rPr>
-              <a:t> perform many code changes</a:t>
-            </a:r>
-            <a:r>
-              <a:rPr lang="en-US" sz="2200" b="1" i="1" dirty="0"/>
-              <a:t>.</a:t>
-            </a:r>
-            <a:endParaRPr lang="en-US" sz="2200" b="1" dirty="0"/>
-          </a:p>
-        </p:txBody>
-      </p:sp>
-      <p:pic>
-        <p:nvPicPr>
-          <p:cNvPr id="2" name="Picture 1">
-            <a:extLst>
-              <a:ext uri="{FF2B5EF4-FFF2-40B4-BE49-F238E27FC236}">
-                <a16:creationId xmlns:a16="http://schemas.microsoft.com/office/drawing/2014/main" id="{395A16C3-939F-4FBC-A211-014EFB87D4BE}"/>
-              </a:ext>
-            </a:extLst>
-          </p:cNvPr>
-          <p:cNvPicPr>
-            <a:picLocks noChangeAspect="1"/>
-          </p:cNvPicPr>
+              <a:t>TODO</a:t>
+            </a:r>
+          </a:p>
+          <a:p>
+            <a:pPr marL="0" indent="0">
+              <a:lnSpc>
+                <a:spcPct val="150000"/>
+              </a:lnSpc>
+              <a:buNone/>
+            </a:pPr>
+            <a:endParaRPr lang="en-US" b="1" dirty="0">
+              <a:solidFill>
+                <a:srgbClr val="FF0000"/>
+              </a:solidFill>
+            </a:endParaRPr>
+          </a:p>
+        </p:txBody>
+      </p:sp>
+      <p:sp>
+        <p:nvSpPr>
+          <p:cNvPr id="2" name="Oval 1">
+            <a:extLst>
+              <a:ext uri="{FF2B5EF4-FFF2-40B4-BE49-F238E27FC236}">
+                <a16:creationId xmlns:a16="http://schemas.microsoft.com/office/drawing/2014/main" id="{BCF2E675-C3F4-427A-A354-973D66CCA7AF}"/>
+              </a:ext>
+            </a:extLst>
+          </p:cNvPr>
+          <p:cNvSpPr/>
           <p:nvPr/>
-        </p:nvPicPr>
-        <p:blipFill rotWithShape="1">
-          <a:blip r:embed="rId2"/>
-          <a:srcRect l="6591" r="9446"/>
-          <a:stretch/>
-        </p:blipFill>
-        <p:spPr>
-          <a:xfrm>
-            <a:off x="6847369" y="4897757"/>
-            <a:ext cx="5039834" cy="1935662"/>
-          </a:xfrm>
-          <a:prstGeom prst="rect">
+        </p:nvSpPr>
+        <p:spPr>
+          <a:xfrm>
+            <a:off x="3316766" y="3494015"/>
+            <a:ext cx="1602138" cy="1536585"/>
+          </a:xfrm>
+          <a:prstGeom prst="ellipse">
             <a:avLst/>
           </a:prstGeom>
-        </p:spPr>
-      </p:pic>
+          <a:solidFill>
+            <a:schemeClr val="tx1"/>
+          </a:solidFill>
+          <a:ln>
+            <a:solidFill>
+              <a:schemeClr val="bg1"/>
+            </a:solidFill>
+          </a:ln>
+        </p:spPr>
+        <p:style>
+          <a:lnRef idx="2">
+            <a:schemeClr val="accent1">
+              <a:shade val="50000"/>
+            </a:schemeClr>
+          </a:lnRef>
+          <a:fillRef idx="1">
+            <a:schemeClr val="accent1"/>
+          </a:fillRef>
+          <a:effectRef idx="0">
+            <a:schemeClr val="accent1"/>
+          </a:effectRef>
+          <a:fontRef idx="minor">
+            <a:schemeClr val="lt1"/>
+          </a:fontRef>
+        </p:style>
+        <p:txBody>
+          <a:bodyPr rtlCol="0" anchor="ctr"/>
+          <a:lstStyle/>
+          <a:p>
+            <a:pPr algn="ctr"/>
+            <a:r>
+              <a:rPr lang="en-US" sz="1600" b="1" dirty="0"/>
+              <a:t>Game Logging</a:t>
+            </a:r>
+          </a:p>
+          <a:p>
+            <a:pPr algn="ctr"/>
+            <a:r>
+              <a:rPr lang="en-US" sz="1600" b="1" dirty="0"/>
+              <a:t>Aspect</a:t>
+            </a:r>
+          </a:p>
+        </p:txBody>
+      </p:sp>
+      <p:sp>
+        <p:nvSpPr>
+          <p:cNvPr id="6" name="Oval 5">
+            <a:extLst>
+              <a:ext uri="{FF2B5EF4-FFF2-40B4-BE49-F238E27FC236}">
+                <a16:creationId xmlns:a16="http://schemas.microsoft.com/office/drawing/2014/main" id="{7F4FCC0E-5A9D-4984-A1C0-594C48631B84}"/>
+              </a:ext>
+            </a:extLst>
+          </p:cNvPr>
+          <p:cNvSpPr/>
+          <p:nvPr/>
+        </p:nvSpPr>
+        <p:spPr>
+          <a:xfrm>
+            <a:off x="6264178" y="3494015"/>
+            <a:ext cx="1602138" cy="1536585"/>
+          </a:xfrm>
+          <a:prstGeom prst="ellipse">
+            <a:avLst/>
+          </a:prstGeom>
+          <a:solidFill>
+            <a:schemeClr val="tx1"/>
+          </a:solidFill>
+          <a:ln>
+            <a:solidFill>
+              <a:schemeClr val="bg1"/>
+            </a:solidFill>
+          </a:ln>
+        </p:spPr>
+        <p:style>
+          <a:lnRef idx="2">
+            <a:schemeClr val="accent1">
+              <a:shade val="50000"/>
+            </a:schemeClr>
+          </a:lnRef>
+          <a:fillRef idx="1">
+            <a:schemeClr val="accent1"/>
+          </a:fillRef>
+          <a:effectRef idx="0">
+            <a:schemeClr val="accent1"/>
+          </a:effectRef>
+          <a:fontRef idx="minor">
+            <a:schemeClr val="lt1"/>
+          </a:fontRef>
+        </p:style>
+        <p:txBody>
+          <a:bodyPr rtlCol="0" anchor="ctr"/>
+          <a:lstStyle/>
+          <a:p>
+            <a:pPr algn="ctr"/>
+            <a:r>
+              <a:rPr lang="en-US" sz="1600" b="1" dirty="0"/>
+              <a:t>Audit</a:t>
+            </a:r>
+          </a:p>
+          <a:p>
+            <a:pPr algn="ctr"/>
+            <a:r>
+              <a:rPr lang="en-US" sz="1600" b="1" dirty="0"/>
+              <a:t>Aspect</a:t>
+            </a:r>
+          </a:p>
+        </p:txBody>
+      </p:sp>
     </p:spTree>
     <p:extLst>
       <p:ext uri="{BB962C8B-B14F-4D97-AF65-F5344CB8AC3E}">
-        <p14:creationId xmlns:p14="http://schemas.microsoft.com/office/powerpoint/2010/main" val="1180477055"/>
+        <p14:creationId xmlns:p14="http://schemas.microsoft.com/office/powerpoint/2010/main" val="1829159059"/>
       </p:ext>
     </p:extLst>
   </p:cSld>

--- a/src/Final Project Presentation.pptx
+++ b/src/Final Project Presentation.pptx
@@ -22,18 +22,24 @@
     <p:sldId id="262" r:id="rId16"/>
     <p:sldId id="275" r:id="rId17"/>
     <p:sldId id="280" r:id="rId18"/>
-    <p:sldId id="279" r:id="rId19"/>
-    <p:sldId id="281" r:id="rId20"/>
-    <p:sldId id="282" r:id="rId21"/>
-    <p:sldId id="276" r:id="rId22"/>
-    <p:sldId id="278" r:id="rId23"/>
-    <p:sldId id="287" r:id="rId24"/>
-    <p:sldId id="286" r:id="rId25"/>
-    <p:sldId id="277" r:id="rId26"/>
-    <p:sldId id="284" r:id="rId27"/>
-    <p:sldId id="263" r:id="rId28"/>
-    <p:sldId id="264" r:id="rId29"/>
-    <p:sldId id="273" r:id="rId30"/>
+    <p:sldId id="290" r:id="rId19"/>
+    <p:sldId id="289" r:id="rId20"/>
+    <p:sldId id="291" r:id="rId21"/>
+    <p:sldId id="281" r:id="rId22"/>
+    <p:sldId id="282" r:id="rId23"/>
+    <p:sldId id="276" r:id="rId24"/>
+    <p:sldId id="278" r:id="rId25"/>
+    <p:sldId id="287" r:id="rId26"/>
+    <p:sldId id="286" r:id="rId27"/>
+    <p:sldId id="288" r:id="rId28"/>
+    <p:sldId id="277" r:id="rId29"/>
+    <p:sldId id="284" r:id="rId30"/>
+    <p:sldId id="292" r:id="rId31"/>
+    <p:sldId id="294" r:id="rId32"/>
+    <p:sldId id="295" r:id="rId33"/>
+    <p:sldId id="296" r:id="rId34"/>
+    <p:sldId id="293" r:id="rId35"/>
+    <p:sldId id="273" r:id="rId36"/>
   </p:sldIdLst>
   <p:sldSz cx="12192000" cy="6858000"/>
   <p:notesSz cx="6858000" cy="9144000"/>
@@ -287,7 +293,7 @@
           <a:p>
             <a:fld id="{2D0B15E7-0F5E-4AF9-8FAD-4329F98176F1}" type="datetimeFigureOut">
               <a:rPr lang="en-US" smtClean="0"/>
-              <a:t>6/9/2019</a:t>
+              <a:t>6/11/2019</a:t>
             </a:fld>
             <a:endParaRPr lang="en-US"/>
           </a:p>
@@ -485,7 +491,7 @@
           <a:p>
             <a:fld id="{2D0B15E7-0F5E-4AF9-8FAD-4329F98176F1}" type="datetimeFigureOut">
               <a:rPr lang="en-US" smtClean="0"/>
-              <a:t>6/9/2019</a:t>
+              <a:t>6/11/2019</a:t>
             </a:fld>
             <a:endParaRPr lang="en-US"/>
           </a:p>
@@ -693,7 +699,7 @@
           <a:p>
             <a:fld id="{2D0B15E7-0F5E-4AF9-8FAD-4329F98176F1}" type="datetimeFigureOut">
               <a:rPr lang="en-US" smtClean="0"/>
-              <a:t>6/9/2019</a:t>
+              <a:t>6/11/2019</a:t>
             </a:fld>
             <a:endParaRPr lang="en-US"/>
           </a:p>
@@ -891,7 +897,7 @@
           <a:p>
             <a:fld id="{2D0B15E7-0F5E-4AF9-8FAD-4329F98176F1}" type="datetimeFigureOut">
               <a:rPr lang="en-US" smtClean="0"/>
-              <a:t>6/9/2019</a:t>
+              <a:t>6/11/2019</a:t>
             </a:fld>
             <a:endParaRPr lang="en-US"/>
           </a:p>
@@ -1166,7 +1172,7 @@
           <a:p>
             <a:fld id="{2D0B15E7-0F5E-4AF9-8FAD-4329F98176F1}" type="datetimeFigureOut">
               <a:rPr lang="en-US" smtClean="0"/>
-              <a:t>6/9/2019</a:t>
+              <a:t>6/11/2019</a:t>
             </a:fld>
             <a:endParaRPr lang="en-US"/>
           </a:p>
@@ -1431,7 +1437,7 @@
           <a:p>
             <a:fld id="{2D0B15E7-0F5E-4AF9-8FAD-4329F98176F1}" type="datetimeFigureOut">
               <a:rPr lang="en-US" smtClean="0"/>
-              <a:t>6/9/2019</a:t>
+              <a:t>6/11/2019</a:t>
             </a:fld>
             <a:endParaRPr lang="en-US"/>
           </a:p>
@@ -1843,7 +1849,7 @@
           <a:p>
             <a:fld id="{2D0B15E7-0F5E-4AF9-8FAD-4329F98176F1}" type="datetimeFigureOut">
               <a:rPr lang="en-US" smtClean="0"/>
-              <a:t>6/9/2019</a:t>
+              <a:t>6/11/2019</a:t>
             </a:fld>
             <a:endParaRPr lang="en-US"/>
           </a:p>
@@ -1984,7 +1990,7 @@
           <a:p>
             <a:fld id="{2D0B15E7-0F5E-4AF9-8FAD-4329F98176F1}" type="datetimeFigureOut">
               <a:rPr lang="en-US" smtClean="0"/>
-              <a:t>6/9/2019</a:t>
+              <a:t>6/11/2019</a:t>
             </a:fld>
             <a:endParaRPr lang="en-US"/>
           </a:p>
@@ -2097,7 +2103,7 @@
           <a:p>
             <a:fld id="{2D0B15E7-0F5E-4AF9-8FAD-4329F98176F1}" type="datetimeFigureOut">
               <a:rPr lang="en-US" smtClean="0"/>
-              <a:t>6/9/2019</a:t>
+              <a:t>6/11/2019</a:t>
             </a:fld>
             <a:endParaRPr lang="en-US"/>
           </a:p>
@@ -2408,7 +2414,7 @@
           <a:p>
             <a:fld id="{2D0B15E7-0F5E-4AF9-8FAD-4329F98176F1}" type="datetimeFigureOut">
               <a:rPr lang="en-US" smtClean="0"/>
-              <a:t>6/9/2019</a:t>
+              <a:t>6/11/2019</a:t>
             </a:fld>
             <a:endParaRPr lang="en-US"/>
           </a:p>
@@ -2696,7 +2702,7 @@
           <a:p>
             <a:fld id="{2D0B15E7-0F5E-4AF9-8FAD-4329F98176F1}" type="datetimeFigureOut">
               <a:rPr lang="en-US" smtClean="0"/>
-              <a:t>6/9/2019</a:t>
+              <a:t>6/11/2019</a:t>
             </a:fld>
             <a:endParaRPr lang="en-US"/>
           </a:p>
@@ -2937,7 +2943,7 @@
           <a:p>
             <a:fld id="{2D0B15E7-0F5E-4AF9-8FAD-4329F98176F1}" type="datetimeFigureOut">
               <a:rPr lang="en-US" smtClean="0"/>
-              <a:t>6/9/2019</a:t>
+              <a:t>6/11/2019</a:t>
             </a:fld>
             <a:endParaRPr lang="en-US"/>
           </a:p>
@@ -5001,14 +5007,14 @@
         </p:nvSpPr>
         <p:spPr>
           <a:xfrm>
-            <a:off x="2431608" y="3275901"/>
+            <a:off x="6296117" y="3110111"/>
             <a:ext cx="1602138" cy="1536585"/>
           </a:xfrm>
           <a:prstGeom prst="ellipse">
             <a:avLst/>
           </a:prstGeom>
           <a:solidFill>
-            <a:schemeClr val="tx1"/>
+            <a:srgbClr val="002060"/>
           </a:solidFill>
           <a:ln>
             <a:solidFill>
@@ -5058,14 +5064,14 @@
         </p:nvSpPr>
         <p:spPr>
           <a:xfrm>
-            <a:off x="5050172" y="3275901"/>
-            <a:ext cx="1930986" cy="1536585"/>
+            <a:off x="3537160" y="3178624"/>
+            <a:ext cx="1661139" cy="1468072"/>
           </a:xfrm>
           <a:prstGeom prst="ellipse">
             <a:avLst/>
           </a:prstGeom>
           <a:solidFill>
-            <a:schemeClr val="tx1"/>
+            <a:srgbClr val="002060"/>
           </a:solidFill>
           <a:ln>
             <a:solidFill>
@@ -5095,8 +5101,12 @@
           <a:p>
             <a:pPr algn="ctr"/>
             <a:r>
+              <a:rPr lang="en-US" sz="1600" b="1" dirty="0" err="1"/>
+              <a:t>Auth</a:t>
+            </a:r>
+            <a:r>
               <a:rPr lang="en-US" sz="1600" b="1" dirty="0"/>
-              <a:t>Authorization Aspect</a:t>
+              <a:t> Aspect</a:t>
             </a:r>
           </a:p>
         </p:txBody>
@@ -5115,14 +5125,14 @@
         </p:nvSpPr>
         <p:spPr>
           <a:xfrm>
-            <a:off x="7855170" y="3275901"/>
+            <a:off x="8996073" y="3110111"/>
             <a:ext cx="1602138" cy="1536585"/>
           </a:xfrm>
           <a:prstGeom prst="ellipse">
             <a:avLst/>
           </a:prstGeom>
           <a:solidFill>
-            <a:schemeClr val="tx1"/>
+            <a:srgbClr val="002060"/>
           </a:solidFill>
           <a:ln>
             <a:solidFill>
@@ -5154,6 +5164,63 @@
             <a:r>
               <a:rPr lang="en-US" sz="1600" b="1" dirty="0"/>
               <a:t>UI Aspect</a:t>
+            </a:r>
+          </a:p>
+        </p:txBody>
+      </p:sp>
+      <p:sp>
+        <p:nvSpPr>
+          <p:cNvPr id="8" name="Oval 7">
+            <a:extLst>
+              <a:ext uri="{FF2B5EF4-FFF2-40B4-BE49-F238E27FC236}">
+                <a16:creationId xmlns:a16="http://schemas.microsoft.com/office/drawing/2014/main" id="{CC419827-DC1D-439B-B4BE-78D59E3D3872}"/>
+              </a:ext>
+            </a:extLst>
+          </p:cNvPr>
+          <p:cNvSpPr/>
+          <p:nvPr/>
+        </p:nvSpPr>
+        <p:spPr>
+          <a:xfrm>
+            <a:off x="1090568" y="3158453"/>
+            <a:ext cx="1484573" cy="1468073"/>
+          </a:xfrm>
+          <a:prstGeom prst="ellipse">
+            <a:avLst/>
+          </a:prstGeom>
+          <a:solidFill>
+            <a:srgbClr val="002060"/>
+          </a:solidFill>
+          <a:ln>
+            <a:solidFill>
+              <a:schemeClr val="bg1"/>
+            </a:solidFill>
+          </a:ln>
+        </p:spPr>
+        <p:style>
+          <a:lnRef idx="2">
+            <a:schemeClr val="accent1">
+              <a:shade val="50000"/>
+            </a:schemeClr>
+          </a:lnRef>
+          <a:fillRef idx="1">
+            <a:schemeClr val="accent1"/>
+          </a:fillRef>
+          <a:effectRef idx="0">
+            <a:schemeClr val="accent1"/>
+          </a:effectRef>
+          <a:fontRef idx="minor">
+            <a:schemeClr val="lt1"/>
+          </a:fontRef>
+        </p:style>
+        <p:txBody>
+          <a:bodyPr rtlCol="0" anchor="ctr"/>
+          <a:lstStyle/>
+          <a:p>
+            <a:pPr algn="ctr"/>
+            <a:r>
+              <a:rPr lang="en-US" sz="1600" b="1" dirty="0"/>
+              <a:t>Validator Aspect</a:t>
             </a:r>
           </a:p>
         </p:txBody>
@@ -5218,7 +5285,7 @@
               <a:rPr lang="en-US" b="1" dirty="0">
                 <a:latin typeface="+mn-lt"/>
               </a:rPr>
-              <a:t>Lock Aspect:</a:t>
+              <a:t>Validator Aspect, the concern:</a:t>
             </a:r>
           </a:p>
         </p:txBody>
@@ -5241,13 +5308,13 @@
         </p:nvSpPr>
         <p:spPr>
           <a:xfrm>
-            <a:off x="400594" y="1201783"/>
-            <a:ext cx="11495315" cy="5468983"/>
+            <a:off x="100669" y="1644289"/>
+            <a:ext cx="6724548" cy="4848790"/>
           </a:xfrm>
         </p:spPr>
         <p:txBody>
           <a:bodyPr>
-            <a:normAutofit/>
+            <a:normAutofit fontScale="92500"/>
           </a:bodyPr>
           <a:lstStyle/>
           <a:p>
@@ -5257,41 +5324,28 @@
               </a:lnSpc>
             </a:pPr>
             <a:r>
+              <a:rPr lang="en-US" b="1" dirty="0">
+                <a:solidFill>
+                  <a:srgbClr val="FF0000"/>
+                </a:solidFill>
+              </a:rPr>
+              <a:t>One way </a:t>
+            </a:r>
+            <a:r>
               <a:rPr lang="en-US" b="1" dirty="0"/>
-              <a:t>Locks game features of the game:</a:t>
-            </a:r>
-          </a:p>
-          <a:p>
-            <a:pPr lvl="1">
-              <a:lnSpc>
-                <a:spcPct val="150000"/>
-              </a:lnSpc>
-            </a:pPr>
+              <a:t>–</a:t>
+            </a:r>
+            <a:r>
+              <a:rPr lang="en-US" b="1" dirty="0">
+                <a:solidFill>
+                  <a:srgbClr val="FF0000"/>
+                </a:solidFill>
+              </a:rPr>
+              <a:t> </a:t>
+            </a:r>
             <a:r>
               <a:rPr lang="en-US" b="1" dirty="0"/>
-              <a:t>Locks shooting option.</a:t>
-            </a:r>
-          </a:p>
-          <a:p>
-            <a:pPr lvl="1">
-              <a:lnSpc>
-                <a:spcPct val="150000"/>
-              </a:lnSpc>
-            </a:pPr>
-            <a:r>
-              <a:rPr lang="en-US" b="1" dirty="0"/>
-              <a:t>Locks shield option.</a:t>
-            </a:r>
-          </a:p>
-          <a:p>
-            <a:pPr lvl="1">
-              <a:lnSpc>
-                <a:spcPct val="150000"/>
-              </a:lnSpc>
-            </a:pPr>
-            <a:r>
-              <a:rPr lang="en-US" b="1" dirty="0"/>
-              <a:t>Locks moving option.</a:t>
+              <a:t>checking each time</a:t>
             </a:r>
           </a:p>
           <a:p>
@@ -5306,7 +5360,11 @@
                   <a:srgbClr val="FF0000"/>
                 </a:solidFill>
               </a:rPr>
-              <a:t>Pointcut: </a:t>
+              <a:t>Another variant </a:t>
+            </a:r>
+            <a:r>
+              <a:rPr lang="en-US" b="1" dirty="0"/>
+              <a:t>- using annotations with smart packages (Spring validation, Lombok).</a:t>
             </a:r>
           </a:p>
           <a:p>
@@ -5316,20 +5374,210 @@
               </a:lnSpc>
             </a:pPr>
             <a:r>
+              <a:rPr lang="en-US" b="1" dirty="0"/>
+              <a:t>Lots of code unrelated to the main logic of the method (</a:t>
+            </a:r>
+            <a:r>
               <a:rPr lang="en-US" b="1" dirty="0">
                 <a:solidFill>
                   <a:srgbClr val="FF0000"/>
                 </a:solidFill>
               </a:rPr>
-              <a:t>Advice:</a:t>
-            </a:r>
-          </a:p>
-        </p:txBody>
-      </p:sp>
+              <a:t>tangling</a:t>
+            </a:r>
+            <a:r>
+              <a:rPr lang="en-US" b="1" dirty="0"/>
+              <a:t>). Better way to </a:t>
+            </a:r>
+            <a:r>
+              <a:rPr lang="en-US" b="1" dirty="0">
+                <a:solidFill>
+                  <a:srgbClr val="FF0000"/>
+                </a:solidFill>
+              </a:rPr>
+              <a:t>separate whole system validation</a:t>
+            </a:r>
+            <a:r>
+              <a:rPr lang="en-US" b="1" dirty="0"/>
+              <a:t> from the logic.</a:t>
+            </a:r>
+          </a:p>
+          <a:p>
+            <a:pPr>
+              <a:lnSpc>
+                <a:spcPct val="150000"/>
+              </a:lnSpc>
+            </a:pPr>
+            <a:r>
+              <a:rPr lang="en-US" b="1" dirty="0">
+                <a:solidFill>
+                  <a:srgbClr val="FF0000"/>
+                </a:solidFill>
+              </a:rPr>
+              <a:t>Lets do it </a:t>
+            </a:r>
+            <a:r>
+              <a:rPr lang="en-US" b="1" dirty="0"/>
+              <a:t>AspectJ Way!</a:t>
+            </a:r>
+          </a:p>
+          <a:p>
+            <a:pPr>
+              <a:lnSpc>
+                <a:spcPct val="150000"/>
+              </a:lnSpc>
+            </a:pPr>
+            <a:endParaRPr lang="en-US" b="1" dirty="0"/>
+          </a:p>
+        </p:txBody>
+      </p:sp>
+      <p:pic>
+        <p:nvPicPr>
+          <p:cNvPr id="2" name="Picture 1">
+            <a:extLst>
+              <a:ext uri="{FF2B5EF4-FFF2-40B4-BE49-F238E27FC236}">
+                <a16:creationId xmlns:a16="http://schemas.microsoft.com/office/drawing/2014/main" id="{7E30FE84-A722-4B4D-BEB3-4FD3C19078EA}"/>
+              </a:ext>
+            </a:extLst>
+          </p:cNvPr>
+          <p:cNvPicPr>
+            <a:picLocks noChangeAspect="1"/>
+          </p:cNvPicPr>
+          <p:nvPr/>
+        </p:nvPicPr>
+        <p:blipFill>
+          <a:blip r:embed="rId2"/>
+          <a:stretch>
+            <a:fillRect/>
+          </a:stretch>
+        </p:blipFill>
+        <p:spPr>
+          <a:xfrm>
+            <a:off x="6756588" y="1733746"/>
+            <a:ext cx="4965214" cy="1579509"/>
+          </a:xfrm>
+          <a:prstGeom prst="rect">
+            <a:avLst/>
+          </a:prstGeom>
+        </p:spPr>
+      </p:pic>
+      <p:sp>
+        <p:nvSpPr>
+          <p:cNvPr id="3" name="Rectangle 2">
+            <a:extLst>
+              <a:ext uri="{FF2B5EF4-FFF2-40B4-BE49-F238E27FC236}">
+                <a16:creationId xmlns:a16="http://schemas.microsoft.com/office/drawing/2014/main" id="{2F7D9683-6946-4269-8D94-9F86B4389B7F}"/>
+              </a:ext>
+            </a:extLst>
+          </p:cNvPr>
+          <p:cNvSpPr/>
+          <p:nvPr/>
+        </p:nvSpPr>
+        <p:spPr>
+          <a:xfrm>
+            <a:off x="400594" y="1028732"/>
+            <a:ext cx="11520162" cy="589072"/>
+          </a:xfrm>
+          <a:prstGeom prst="rect">
+            <a:avLst/>
+          </a:prstGeom>
+        </p:spPr>
+        <p:txBody>
+          <a:bodyPr wrap="square">
+            <a:spAutoFit/>
+          </a:bodyPr>
+          <a:lstStyle/>
+          <a:p>
+            <a:pPr>
+              <a:lnSpc>
+                <a:spcPct val="150000"/>
+              </a:lnSpc>
+            </a:pPr>
+            <a:r>
+              <a:rPr lang="en-US" sz="2400" b="1" dirty="0"/>
+              <a:t>Assume we want a smart way to validate methods in our code:</a:t>
+            </a:r>
+          </a:p>
+        </p:txBody>
+      </p:sp>
+      <p:pic>
+        <p:nvPicPr>
+          <p:cNvPr id="1026" name="Picture 2" descr="https://www.baeldung.com/wp-content/uploads/2018/11/nonnul-annotation.png">
+            <a:extLst>
+              <a:ext uri="{FF2B5EF4-FFF2-40B4-BE49-F238E27FC236}">
+                <a16:creationId xmlns:a16="http://schemas.microsoft.com/office/drawing/2014/main" id="{90793D5F-59C0-4954-9C2A-08E23A8A110F}"/>
+              </a:ext>
+            </a:extLst>
+          </p:cNvPr>
+          <p:cNvPicPr>
+            <a:picLocks noChangeAspect="1" noChangeArrowheads="1"/>
+          </p:cNvPicPr>
+          <p:nvPr/>
+        </p:nvPicPr>
+        <p:blipFill rotWithShape="1">
+          <a:blip r:embed="rId3">
+            <a:extLst>
+              <a:ext uri="{28A0092B-C50C-407E-A947-70E740481C1C}">
+                <a14:useLocalDpi xmlns:a14="http://schemas.microsoft.com/office/drawing/2010/main" val="0"/>
+              </a:ext>
+            </a:extLst>
+          </a:blip>
+          <a:srcRect l="22153" r="22075"/>
+          <a:stretch/>
+        </p:blipFill>
+        <p:spPr bwMode="auto">
+          <a:xfrm>
+            <a:off x="7626730" y="3402712"/>
+            <a:ext cx="3224929" cy="1312087"/>
+          </a:xfrm>
+          <a:prstGeom prst="rect">
+            <a:avLst/>
+          </a:prstGeom>
+          <a:noFill/>
+          <a:extLst>
+            <a:ext uri="{909E8E84-426E-40DD-AFC4-6F175D3DCCD1}">
+              <a14:hiddenFill xmlns:a14="http://schemas.microsoft.com/office/drawing/2010/main">
+                <a:solidFill>
+                  <a:srgbClr val="FFFFFF"/>
+                </a:solidFill>
+              </a14:hiddenFill>
+            </a:ext>
+          </a:extLst>
+        </p:spPr>
+      </p:pic>
+      <p:pic>
+        <p:nvPicPr>
+          <p:cNvPr id="6" name="Picture 5">
+            <a:extLst>
+              <a:ext uri="{FF2B5EF4-FFF2-40B4-BE49-F238E27FC236}">
+                <a16:creationId xmlns:a16="http://schemas.microsoft.com/office/drawing/2014/main" id="{D02D4438-3E69-49E6-B77B-9896873A74AE}"/>
+              </a:ext>
+            </a:extLst>
+          </p:cNvPr>
+          <p:cNvPicPr>
+            <a:picLocks noChangeAspect="1"/>
+          </p:cNvPicPr>
+          <p:nvPr/>
+        </p:nvPicPr>
+        <p:blipFill rotWithShape="1">
+          <a:blip r:embed="rId4"/>
+          <a:srcRect r="52890"/>
+          <a:stretch/>
+        </p:blipFill>
+        <p:spPr>
+          <a:xfrm>
+            <a:off x="7366553" y="4877063"/>
+            <a:ext cx="3745284" cy="1904409"/>
+          </a:xfrm>
+          <a:prstGeom prst="rect">
+            <a:avLst/>
+          </a:prstGeom>
+        </p:spPr>
+      </p:pic>
     </p:spTree>
     <p:extLst>
       <p:ext uri="{BB962C8B-B14F-4D97-AF65-F5344CB8AC3E}">
-        <p14:creationId xmlns:p14="http://schemas.microsoft.com/office/powerpoint/2010/main" val="3231087132"/>
+        <p14:creationId xmlns:p14="http://schemas.microsoft.com/office/powerpoint/2010/main" val="4052454096"/>
       </p:ext>
     </p:extLst>
   </p:cSld>
@@ -5386,7 +5634,7 @@
               <a:rPr lang="en-US" b="1" dirty="0">
                 <a:latin typeface="+mn-lt"/>
               </a:rPr>
-              <a:t>Authorization Aspect:</a:t>
+              <a:t>Validator Aspect:</a:t>
             </a:r>
           </a:p>
         </p:txBody>
@@ -5426,7 +5674,7 @@
             </a:pPr>
             <a:r>
               <a:rPr lang="en-US" b="1" dirty="0"/>
-              <a:t>Password authorization mechanism – only authorized users can play the game.</a:t>
+              <a:t>Validate all parameters passed to methods in our codebase.</a:t>
             </a:r>
           </a:p>
           <a:p>
@@ -5436,21 +5684,22 @@
               </a:lnSpc>
             </a:pPr>
             <a:r>
-              <a:rPr lang="en-US" b="1" dirty="0"/>
-              <a:t>Enforced using user/password login using </a:t>
-            </a:r>
-            <a:r>
               <a:rPr lang="en-US" b="1" dirty="0">
                 <a:solidFill>
                   <a:srgbClr val="FF0000"/>
                 </a:solidFill>
               </a:rPr>
-              <a:t>STDOUT</a:t>
+              <a:t>Concern: </a:t>
             </a:r>
             <a:r>
               <a:rPr lang="en-US" b="1" dirty="0"/>
-              <a:t>.</a:t>
-            </a:r>
+              <a:t>validation of methods.</a:t>
+            </a:r>
+            <a:endParaRPr lang="en-US" b="1" dirty="0">
+              <a:solidFill>
+                <a:srgbClr val="FF0000"/>
+              </a:solidFill>
+            </a:endParaRPr>
           </a:p>
           <a:p>
             <a:pPr>
@@ -5466,6 +5715,15 @@
               </a:rPr>
               <a:t>Pointcut: </a:t>
             </a:r>
+            <a:r>
+              <a:rPr lang="en-US" b="1" dirty="0"/>
+              <a:t>validate game launch parameters (which player we want to play).</a:t>
+            </a:r>
+            <a:endParaRPr lang="en-US" b="1" dirty="0">
+              <a:solidFill>
+                <a:srgbClr val="FF0000"/>
+              </a:solidFill>
+            </a:endParaRPr>
           </a:p>
           <a:p>
             <a:pPr>
@@ -5479,8 +5737,17 @@
                   <a:srgbClr val="FF0000"/>
                 </a:solidFill>
               </a:rPr>
-              <a:t>Advice:</a:t>
-            </a:r>
+              <a:t>Advice: </a:t>
+            </a:r>
+            <a:r>
+              <a:rPr lang="en-US" b="1" dirty="0"/>
+              <a:t>throw an exception if parameters does not match pattern.</a:t>
+            </a:r>
+            <a:endParaRPr lang="en-US" b="1" dirty="0">
+              <a:solidFill>
+                <a:srgbClr val="FF0000"/>
+              </a:solidFill>
+            </a:endParaRPr>
           </a:p>
           <a:p>
             <a:pPr>
@@ -5495,7 +5762,7 @@
     </p:spTree>
     <p:extLst>
       <p:ext uri="{BB962C8B-B14F-4D97-AF65-F5344CB8AC3E}">
-        <p14:creationId xmlns:p14="http://schemas.microsoft.com/office/powerpoint/2010/main" val="1621691119"/>
+        <p14:creationId xmlns:p14="http://schemas.microsoft.com/office/powerpoint/2010/main" val="1633021332"/>
       </p:ext>
     </p:extLst>
   </p:cSld>
@@ -5684,12 +5951,8 @@
               </a:lnSpc>
             </a:pPr>
             <a:r>
-              <a:rPr lang="en-US" b="1" dirty="0" err="1"/>
-              <a:t>Logg</a:t>
-            </a:r>
-            <a:r>
               <a:rPr lang="en-US" b="1" dirty="0"/>
-              <a:t>, audit and control game behavior.</a:t>
+              <a:t>Use existing java frameworks.</a:t>
             </a:r>
           </a:p>
           <a:p>
@@ -5699,8 +5962,12 @@
               </a:lnSpc>
             </a:pPr>
             <a:r>
+              <a:rPr lang="en-US" b="1" dirty="0" err="1"/>
+              <a:t>Logg</a:t>
+            </a:r>
+            <a:r>
               <a:rPr lang="en-US" b="1" dirty="0"/>
-              <a:t>Analyze game behavior… and more!</a:t>
+              <a:t>, audit, control game behavior… and more!</a:t>
             </a:r>
           </a:p>
         </p:txBody>
@@ -5735,172 +6002,69 @@
           <a:chExt cx="0" cy="0"/>
         </a:xfrm>
       </p:grpSpPr>
-      <p:sp>
-        <p:nvSpPr>
-          <p:cNvPr id="4" name="Title 1">
-            <a:extLst>
-              <a:ext uri="{FF2B5EF4-FFF2-40B4-BE49-F238E27FC236}">
-                <a16:creationId xmlns:a16="http://schemas.microsoft.com/office/drawing/2014/main" id="{CAC17C8E-3677-4E33-AD1C-BB70137513FC}"/>
-              </a:ext>
-            </a:extLst>
-          </p:cNvPr>
-          <p:cNvSpPr>
-            <a:spLocks noGrp="1"/>
-          </p:cNvSpPr>
-          <p:nvPr>
-            <p:ph type="title"/>
-          </p:nvPr>
-        </p:nvSpPr>
-        <p:spPr>
-          <a:xfrm>
-            <a:off x="400594" y="86450"/>
-            <a:ext cx="10515600" cy="1325563"/>
-          </a:xfrm>
-        </p:spPr>
-        <p:txBody>
-          <a:bodyPr/>
-          <a:lstStyle/>
-          <a:p>
-            <a:r>
-              <a:rPr lang="en-US" b="1" dirty="0">
-                <a:latin typeface="+mn-lt"/>
-              </a:rPr>
-              <a:t>UI Aspect:</a:t>
-            </a:r>
-          </a:p>
-        </p:txBody>
-      </p:sp>
-      <p:sp>
-        <p:nvSpPr>
-          <p:cNvPr id="5" name="Content Placeholder 2">
-            <a:extLst>
-              <a:ext uri="{FF2B5EF4-FFF2-40B4-BE49-F238E27FC236}">
-                <a16:creationId xmlns:a16="http://schemas.microsoft.com/office/drawing/2014/main" id="{507F342C-C331-44DB-ACF0-C06FE2A5C3FB}"/>
-              </a:ext>
-            </a:extLst>
-          </p:cNvPr>
-          <p:cNvSpPr>
-            <a:spLocks noGrp="1"/>
-          </p:cNvSpPr>
-          <p:nvPr>
-            <p:ph idx="1"/>
-          </p:nvPr>
-        </p:nvSpPr>
-        <p:spPr>
-          <a:xfrm>
-            <a:off x="400594" y="1201783"/>
-            <a:ext cx="11495315" cy="5468983"/>
-          </a:xfrm>
-        </p:spPr>
-        <p:txBody>
-          <a:bodyPr>
-            <a:normAutofit/>
-          </a:bodyPr>
-          <a:lstStyle/>
-          <a:p>
-            <a:pPr>
-              <a:lnSpc>
-                <a:spcPct val="150000"/>
-              </a:lnSpc>
-            </a:pPr>
-            <a:r>
-              <a:rPr lang="en-US" b="1" dirty="0"/>
-              <a:t>Update UI with informative message when fields/values are changed:</a:t>
-            </a:r>
-          </a:p>
-          <a:p>
-            <a:pPr lvl="1">
-              <a:lnSpc>
-                <a:spcPct val="150000"/>
-              </a:lnSpc>
-            </a:pPr>
-            <a:r>
-              <a:rPr lang="en-US" b="1" dirty="0" err="1"/>
-              <a:t>SpaceShip</a:t>
-            </a:r>
-            <a:r>
-              <a:rPr lang="en-US" b="1" dirty="0"/>
-              <a:t> is hit.</a:t>
-            </a:r>
-          </a:p>
-          <a:p>
-            <a:pPr lvl="1">
-              <a:lnSpc>
-                <a:spcPct val="150000"/>
-              </a:lnSpc>
-            </a:pPr>
-            <a:r>
-              <a:rPr lang="en-US" b="1" dirty="0"/>
-              <a:t>Teleport executed by </a:t>
-            </a:r>
-            <a:r>
-              <a:rPr lang="en-US" b="1" dirty="0" err="1"/>
-              <a:t>SpaceShip</a:t>
-            </a:r>
-            <a:r>
-              <a:rPr lang="en-US" b="1" dirty="0"/>
-              <a:t>.</a:t>
-            </a:r>
-          </a:p>
-          <a:p>
-            <a:pPr lvl="1">
-              <a:lnSpc>
-                <a:spcPct val="150000"/>
-              </a:lnSpc>
-            </a:pPr>
-            <a:r>
-              <a:rPr lang="en-US" b="1" dirty="0" err="1"/>
-              <a:t>SpaceShip</a:t>
-            </a:r>
-            <a:r>
-              <a:rPr lang="en-US" b="1" dirty="0"/>
-              <a:t> died.</a:t>
-            </a:r>
-          </a:p>
-          <a:p>
-            <a:pPr>
-              <a:lnSpc>
-                <a:spcPct val="150000"/>
-              </a:lnSpc>
-            </a:pPr>
-            <a:r>
-              <a:rPr lang="en-US" b="1" dirty="0">
-                <a:solidFill>
-                  <a:srgbClr val="FF0000"/>
-                </a:solidFill>
-              </a:rPr>
-              <a:t>Pointcut: </a:t>
-            </a:r>
-          </a:p>
-          <a:p>
-            <a:pPr>
-              <a:lnSpc>
-                <a:spcPct val="150000"/>
-              </a:lnSpc>
-            </a:pPr>
-            <a:r>
-              <a:rPr lang="en-US" b="1" dirty="0">
-                <a:solidFill>
-                  <a:srgbClr val="FF0000"/>
-                </a:solidFill>
-              </a:rPr>
-              <a:t>Advice:</a:t>
-            </a:r>
-          </a:p>
-          <a:p>
-            <a:pPr>
-              <a:lnSpc>
-                <a:spcPct val="150000"/>
-              </a:lnSpc>
-            </a:pPr>
-            <a:endParaRPr lang="en-US" b="1" dirty="0"/>
-          </a:p>
-        </p:txBody>
-      </p:sp>
+      <p:pic>
+        <p:nvPicPr>
+          <p:cNvPr id="6" name="Picture 5">
+            <a:extLst>
+              <a:ext uri="{FF2B5EF4-FFF2-40B4-BE49-F238E27FC236}">
+                <a16:creationId xmlns:a16="http://schemas.microsoft.com/office/drawing/2014/main" id="{7244F824-E925-4011-B15E-BE5D4FF35D41}"/>
+              </a:ext>
+            </a:extLst>
+          </p:cNvPr>
+          <p:cNvPicPr>
+            <a:picLocks noChangeAspect="1"/>
+          </p:cNvPicPr>
+          <p:nvPr/>
+        </p:nvPicPr>
+        <p:blipFill>
+          <a:blip r:embed="rId2"/>
+          <a:stretch>
+            <a:fillRect/>
+          </a:stretch>
+        </p:blipFill>
+        <p:spPr>
+          <a:xfrm>
+            <a:off x="2332138" y="5009012"/>
+            <a:ext cx="7925237" cy="1583372"/>
+          </a:xfrm>
+          <a:prstGeom prst="rect">
+            <a:avLst/>
+          </a:prstGeom>
+        </p:spPr>
+      </p:pic>
+      <p:pic>
+        <p:nvPicPr>
+          <p:cNvPr id="2" name="Picture 1">
+            <a:extLst>
+              <a:ext uri="{FF2B5EF4-FFF2-40B4-BE49-F238E27FC236}">
+                <a16:creationId xmlns:a16="http://schemas.microsoft.com/office/drawing/2014/main" id="{3F8F0494-CEDB-48D9-A47C-2690C2E8F311}"/>
+              </a:ext>
+            </a:extLst>
+          </p:cNvPr>
+          <p:cNvPicPr>
+            <a:picLocks noChangeAspect="1"/>
+          </p:cNvPicPr>
+          <p:nvPr/>
+        </p:nvPicPr>
+        <p:blipFill rotWithShape="1">
+          <a:blip r:embed="rId3"/>
+          <a:srcRect l="6103" b="2536"/>
+          <a:stretch/>
+        </p:blipFill>
+        <p:spPr>
+          <a:xfrm>
+            <a:off x="3115638" y="265616"/>
+            <a:ext cx="5354533" cy="4706443"/>
+          </a:xfrm>
+          <a:prstGeom prst="rect">
+            <a:avLst/>
+          </a:prstGeom>
+        </p:spPr>
+      </p:pic>
     </p:spTree>
     <p:extLst>
       <p:ext uri="{BB962C8B-B14F-4D97-AF65-F5344CB8AC3E}">
-        <p14:creationId xmlns:p14="http://schemas.microsoft.com/office/powerpoint/2010/main" val="2170754187"/>
+        <p14:creationId xmlns:p14="http://schemas.microsoft.com/office/powerpoint/2010/main" val="2654298937"/>
       </p:ext>
     </p:extLst>
   </p:cSld>
@@ -5929,60 +6093,159 @@
       </p:grpSpPr>
       <p:sp>
         <p:nvSpPr>
-          <p:cNvPr id="3" name="TextBox 2">
-            <a:extLst>
-              <a:ext uri="{FF2B5EF4-FFF2-40B4-BE49-F238E27FC236}">
-                <a16:creationId xmlns:a16="http://schemas.microsoft.com/office/drawing/2014/main" id="{77462736-FE3A-4BAB-8C7B-E597C0C00E8D}"/>
-              </a:ext>
-            </a:extLst>
-          </p:cNvPr>
-          <p:cNvSpPr txBox="1"/>
-          <p:nvPr/>
-        </p:nvSpPr>
-        <p:spPr>
-          <a:xfrm>
-            <a:off x="3848087" y="2334074"/>
-            <a:ext cx="4495826" cy="1754326"/>
-          </a:xfrm>
-          <a:prstGeom prst="rect">
-            <a:avLst/>
-          </a:prstGeom>
-          <a:solidFill>
-            <a:schemeClr val="tx1"/>
-          </a:solidFill>
-          <a:ln>
-            <a:solidFill>
-              <a:schemeClr val="tx1"/>
-            </a:solidFill>
-          </a:ln>
-        </p:spPr>
-        <p:txBody>
-          <a:bodyPr wrap="square" rtlCol="0">
-            <a:spAutoFit/>
+          <p:cNvPr id="4" name="Title 1">
+            <a:extLst>
+              <a:ext uri="{FF2B5EF4-FFF2-40B4-BE49-F238E27FC236}">
+                <a16:creationId xmlns:a16="http://schemas.microsoft.com/office/drawing/2014/main" id="{CAC17C8E-3677-4E33-AD1C-BB70137513FC}"/>
+              </a:ext>
+            </a:extLst>
+          </p:cNvPr>
+          <p:cNvSpPr>
+            <a:spLocks noGrp="1"/>
+          </p:cNvSpPr>
+          <p:nvPr>
+            <p:ph type="title"/>
+          </p:nvPr>
+        </p:nvSpPr>
+        <p:spPr>
+          <a:xfrm>
+            <a:off x="400594" y="86450"/>
+            <a:ext cx="10515600" cy="1325563"/>
+          </a:xfrm>
+        </p:spPr>
+        <p:txBody>
+          <a:bodyPr/>
+          <a:lstStyle/>
+          <a:p>
+            <a:r>
+              <a:rPr lang="en-US" b="1" dirty="0">
+                <a:latin typeface="+mn-lt"/>
+              </a:rPr>
+              <a:t>Authorization Aspect:</a:t>
+            </a:r>
+          </a:p>
+        </p:txBody>
+      </p:sp>
+      <p:sp>
+        <p:nvSpPr>
+          <p:cNvPr id="5" name="Content Placeholder 2">
+            <a:extLst>
+              <a:ext uri="{FF2B5EF4-FFF2-40B4-BE49-F238E27FC236}">
+                <a16:creationId xmlns:a16="http://schemas.microsoft.com/office/drawing/2014/main" id="{507F342C-C331-44DB-ACF0-C06FE2A5C3FB}"/>
+              </a:ext>
+            </a:extLst>
+          </p:cNvPr>
+          <p:cNvSpPr>
+            <a:spLocks noGrp="1"/>
+          </p:cNvSpPr>
+          <p:nvPr>
+            <p:ph idx="1"/>
+          </p:nvPr>
+        </p:nvSpPr>
+        <p:spPr>
+          <a:xfrm>
+            <a:off x="400594" y="1201783"/>
+            <a:ext cx="11495315" cy="5468983"/>
+          </a:xfrm>
+        </p:spPr>
+        <p:txBody>
+          <a:bodyPr>
+            <a:normAutofit/>
           </a:bodyPr>
           <a:lstStyle/>
           <a:p>
-            <a:pPr algn="ctr"/>
-            <a:r>
-              <a:rPr lang="en-US" sz="5400" b="1" dirty="0">
+            <a:pPr>
+              <a:lnSpc>
+                <a:spcPct val="150000"/>
+              </a:lnSpc>
+            </a:pPr>
+            <a:r>
+              <a:rPr lang="en-US" b="1" dirty="0"/>
+              <a:t>Password authorization mechanism – only authorized users can play the game.</a:t>
+            </a:r>
+          </a:p>
+          <a:p>
+            <a:pPr>
+              <a:lnSpc>
+                <a:spcPct val="150000"/>
+              </a:lnSpc>
+            </a:pPr>
+            <a:r>
+              <a:rPr lang="en-US" b="1" dirty="0"/>
+              <a:t>Enforced using user/password login using </a:t>
+            </a:r>
+            <a:r>
+              <a:rPr lang="en-US" b="1" dirty="0">
                 <a:solidFill>
-                  <a:schemeClr val="bg1"/>
+                  <a:srgbClr val="FF0000"/>
                 </a:solidFill>
               </a:rPr>
-              <a:t>Invasive Aspects</a:t>
-            </a:r>
-            <a:endParaRPr lang="en-US" sz="4800" b="1" dirty="0">
-              <a:solidFill>
-                <a:schemeClr val="bg1"/>
-              </a:solidFill>
-            </a:endParaRPr>
+              <a:t>STDOUT</a:t>
+            </a:r>
+            <a:r>
+              <a:rPr lang="en-US" b="1" dirty="0"/>
+              <a:t>.</a:t>
+            </a:r>
+          </a:p>
+          <a:p>
+            <a:pPr>
+              <a:lnSpc>
+                <a:spcPct val="150000"/>
+              </a:lnSpc>
+            </a:pPr>
+            <a:r>
+              <a:rPr lang="en-US" b="1" dirty="0">
+                <a:solidFill>
+                  <a:srgbClr val="FF0000"/>
+                </a:solidFill>
+              </a:rPr>
+              <a:t>Concern:</a:t>
+            </a:r>
+          </a:p>
+          <a:p>
+            <a:pPr>
+              <a:lnSpc>
+                <a:spcPct val="150000"/>
+              </a:lnSpc>
+            </a:pPr>
+            <a:r>
+              <a:rPr lang="en-US" b="1" dirty="0">
+                <a:solidFill>
+                  <a:srgbClr val="FF0000"/>
+                </a:solidFill>
+              </a:rPr>
+              <a:t>Pointcut: </a:t>
+            </a:r>
+          </a:p>
+          <a:p>
+            <a:pPr>
+              <a:lnSpc>
+                <a:spcPct val="150000"/>
+              </a:lnSpc>
+            </a:pPr>
+            <a:r>
+              <a:rPr lang="en-US" b="1" dirty="0">
+                <a:solidFill>
+                  <a:srgbClr val="FF0000"/>
+                </a:solidFill>
+              </a:rPr>
+              <a:t>Advice:</a:t>
+            </a:r>
+          </a:p>
+          <a:p>
+            <a:pPr>
+              <a:lnSpc>
+                <a:spcPct val="150000"/>
+              </a:lnSpc>
+            </a:pPr>
+            <a:endParaRPr lang="en-US" b="1" dirty="0"/>
           </a:p>
         </p:txBody>
       </p:sp>
     </p:spTree>
     <p:extLst>
       <p:ext uri="{BB962C8B-B14F-4D97-AF65-F5344CB8AC3E}">
-        <p14:creationId xmlns:p14="http://schemas.microsoft.com/office/powerpoint/2010/main" val="3739079832"/>
+        <p14:creationId xmlns:p14="http://schemas.microsoft.com/office/powerpoint/2010/main" val="1621691119"/>
       </p:ext>
     </p:extLst>
   </p:cSld>
@@ -6039,7 +6302,7 @@
               <a:rPr lang="en-US" b="1" dirty="0">
                 <a:latin typeface="+mn-lt"/>
               </a:rPr>
-              <a:t>Invasive Aspects:</a:t>
+              <a:t>UI Aspect:</a:t>
             </a:r>
           </a:p>
         </p:txBody>
@@ -6062,8 +6325,8 @@
         </p:nvSpPr>
         <p:spPr>
           <a:xfrm>
-            <a:off x="218114" y="1201784"/>
-            <a:ext cx="11677795" cy="2162202"/>
+            <a:off x="400594" y="1201783"/>
+            <a:ext cx="11495315" cy="5468983"/>
           </a:xfrm>
         </p:spPr>
         <p:txBody>
@@ -6072,213 +6335,124 @@
           </a:bodyPr>
           <a:lstStyle/>
           <a:p>
-            <a:pPr marL="0" indent="0">
+            <a:pPr>
               <a:lnSpc>
                 <a:spcPct val="150000"/>
               </a:lnSpc>
-              <a:buNone/>
             </a:pPr>
             <a:r>
-              <a:rPr lang="en-US" b="1" i="1" dirty="0">
-                <a:highlight>
-                  <a:srgbClr val="FFFF00"/>
-                </a:highlight>
-              </a:rPr>
-              <a:t>TODO</a:t>
-            </a:r>
-          </a:p>
-          <a:p>
-            <a:pPr marL="0" indent="0">
+              <a:rPr lang="en-US" b="1" dirty="0"/>
+              <a:t>Update UI with informative message when fields/values are changed:</a:t>
+            </a:r>
+          </a:p>
+          <a:p>
+            <a:pPr lvl="1">
               <a:lnSpc>
                 <a:spcPct val="150000"/>
               </a:lnSpc>
-              <a:buNone/>
             </a:pPr>
-            <a:endParaRPr lang="en-US" b="1" dirty="0">
-              <a:solidFill>
-                <a:srgbClr val="FF0000"/>
-              </a:solidFill>
-            </a:endParaRPr>
-          </a:p>
-        </p:txBody>
-      </p:sp>
-      <p:sp>
-        <p:nvSpPr>
-          <p:cNvPr id="2" name="Oval 1">
-            <a:extLst>
-              <a:ext uri="{FF2B5EF4-FFF2-40B4-BE49-F238E27FC236}">
-                <a16:creationId xmlns:a16="http://schemas.microsoft.com/office/drawing/2014/main" id="{BCF2E675-C3F4-427A-A354-973D66CCA7AF}"/>
-              </a:ext>
-            </a:extLst>
-          </p:cNvPr>
-          <p:cNvSpPr/>
-          <p:nvPr/>
-        </p:nvSpPr>
-        <p:spPr>
-          <a:xfrm>
-            <a:off x="4261562" y="3363983"/>
-            <a:ext cx="1602138" cy="1536585"/>
-          </a:xfrm>
-          <a:prstGeom prst="ellipse">
-            <a:avLst/>
-          </a:prstGeom>
-          <a:solidFill>
-            <a:schemeClr val="tx1"/>
-          </a:solidFill>
-          <a:ln>
-            <a:solidFill>
-              <a:schemeClr val="bg1"/>
-            </a:solidFill>
-          </a:ln>
-        </p:spPr>
-        <p:style>
-          <a:lnRef idx="2">
-            <a:schemeClr val="accent1">
-              <a:shade val="50000"/>
-            </a:schemeClr>
-          </a:lnRef>
-          <a:fillRef idx="1">
-            <a:schemeClr val="accent1"/>
-          </a:fillRef>
-          <a:effectRef idx="0">
-            <a:schemeClr val="accent1"/>
-          </a:effectRef>
-          <a:fontRef idx="minor">
-            <a:schemeClr val="lt1"/>
-          </a:fontRef>
-        </p:style>
-        <p:txBody>
-          <a:bodyPr rtlCol="0" anchor="ctr"/>
-          <a:lstStyle/>
-          <a:p>
-            <a:pPr algn="ctr"/>
-            <a:r>
-              <a:rPr lang="en-US" sz="1600" b="1" dirty="0" err="1"/>
-              <a:t>ExceptionHandler</a:t>
-            </a:r>
-            <a:r>
-              <a:rPr lang="en-US" sz="1600" b="1" dirty="0"/>
-              <a:t> Aspect</a:t>
-            </a:r>
-          </a:p>
-        </p:txBody>
-      </p:sp>
-      <p:sp>
-        <p:nvSpPr>
-          <p:cNvPr id="6" name="Oval 5">
-            <a:extLst>
-              <a:ext uri="{FF2B5EF4-FFF2-40B4-BE49-F238E27FC236}">
-                <a16:creationId xmlns:a16="http://schemas.microsoft.com/office/drawing/2014/main" id="{7F4FCC0E-5A9D-4984-A1C0-594C48631B84}"/>
-              </a:ext>
-            </a:extLst>
-          </p:cNvPr>
-          <p:cNvSpPr/>
-          <p:nvPr/>
-        </p:nvSpPr>
-        <p:spPr>
-          <a:xfrm>
-            <a:off x="1645992" y="3363984"/>
-            <a:ext cx="1602138" cy="1536585"/>
-          </a:xfrm>
-          <a:prstGeom prst="ellipse">
-            <a:avLst/>
-          </a:prstGeom>
-          <a:solidFill>
-            <a:schemeClr val="tx1"/>
-          </a:solidFill>
-          <a:ln>
-            <a:solidFill>
-              <a:schemeClr val="bg1"/>
-            </a:solidFill>
-          </a:ln>
-        </p:spPr>
-        <p:style>
-          <a:lnRef idx="2">
-            <a:schemeClr val="accent1">
-              <a:shade val="50000"/>
-            </a:schemeClr>
-          </a:lnRef>
-          <a:fillRef idx="1">
-            <a:schemeClr val="accent1"/>
-          </a:fillRef>
-          <a:effectRef idx="0">
-            <a:schemeClr val="accent1"/>
-          </a:effectRef>
-          <a:fontRef idx="minor">
-            <a:schemeClr val="lt1"/>
-          </a:fontRef>
-        </p:style>
-        <p:txBody>
-          <a:bodyPr rtlCol="0" anchor="ctr"/>
-          <a:lstStyle/>
-          <a:p>
-            <a:pPr algn="ctr"/>
-            <a:r>
-              <a:rPr lang="en-US" sz="1600" b="1" dirty="0" err="1"/>
-              <a:t>ExceptionTranslationAspect</a:t>
-            </a:r>
-            <a:endParaRPr lang="en-US" sz="1600" b="1" dirty="0"/>
-          </a:p>
-        </p:txBody>
-      </p:sp>
-      <p:sp>
-        <p:nvSpPr>
-          <p:cNvPr id="7" name="Oval 6">
-            <a:extLst>
-              <a:ext uri="{FF2B5EF4-FFF2-40B4-BE49-F238E27FC236}">
-                <a16:creationId xmlns:a16="http://schemas.microsoft.com/office/drawing/2014/main" id="{E2B9C561-C78F-4056-AE7A-9CB3495FFDD1}"/>
-              </a:ext>
-            </a:extLst>
-          </p:cNvPr>
-          <p:cNvSpPr/>
-          <p:nvPr/>
-        </p:nvSpPr>
-        <p:spPr>
-          <a:xfrm>
-            <a:off x="7678201" y="3363985"/>
-            <a:ext cx="1602138" cy="1536585"/>
-          </a:xfrm>
-          <a:prstGeom prst="ellipse">
-            <a:avLst/>
-          </a:prstGeom>
-          <a:solidFill>
-            <a:schemeClr val="tx1"/>
-          </a:solidFill>
-          <a:ln>
-            <a:solidFill>
-              <a:schemeClr val="bg1"/>
-            </a:solidFill>
-          </a:ln>
-        </p:spPr>
-        <p:style>
-          <a:lnRef idx="2">
-            <a:schemeClr val="accent1">
-              <a:shade val="50000"/>
-            </a:schemeClr>
-          </a:lnRef>
-          <a:fillRef idx="1">
-            <a:schemeClr val="accent1"/>
-          </a:fillRef>
-          <a:effectRef idx="0">
-            <a:schemeClr val="accent1"/>
-          </a:effectRef>
-          <a:fontRef idx="minor">
-            <a:schemeClr val="lt1"/>
-          </a:fontRef>
-        </p:style>
-        <p:txBody>
-          <a:bodyPr rtlCol="0" anchor="ctr"/>
-          <a:lstStyle/>
-          <a:p>
-            <a:pPr algn="ctr"/>
-            <a:endParaRPr lang="en-US" sz="1600" b="1" dirty="0"/>
+            <a:r>
+              <a:rPr lang="en-US" b="1" dirty="0" err="1"/>
+              <a:t>SpaceShip</a:t>
+            </a:r>
+            <a:r>
+              <a:rPr lang="en-US" b="1" dirty="0"/>
+              <a:t> is hit.</a:t>
+            </a:r>
+          </a:p>
+          <a:p>
+            <a:pPr lvl="1">
+              <a:lnSpc>
+                <a:spcPct val="150000"/>
+              </a:lnSpc>
+            </a:pPr>
+            <a:r>
+              <a:rPr lang="en-US" b="1" dirty="0"/>
+              <a:t>Teleport executed by </a:t>
+            </a:r>
+            <a:r>
+              <a:rPr lang="en-US" b="1" dirty="0" err="1"/>
+              <a:t>SpaceShip</a:t>
+            </a:r>
+            <a:r>
+              <a:rPr lang="en-US" b="1" dirty="0"/>
+              <a:t>.</a:t>
+            </a:r>
+          </a:p>
+          <a:p>
+            <a:pPr lvl="1">
+              <a:lnSpc>
+                <a:spcPct val="150000"/>
+              </a:lnSpc>
+            </a:pPr>
+            <a:r>
+              <a:rPr lang="en-US" b="1" dirty="0" err="1"/>
+              <a:t>SpaceShip</a:t>
+            </a:r>
+            <a:r>
+              <a:rPr lang="en-US" b="1" dirty="0"/>
+              <a:t> died.</a:t>
+            </a:r>
+          </a:p>
+          <a:p>
+            <a:pPr>
+              <a:lnSpc>
+                <a:spcPct val="150000"/>
+              </a:lnSpc>
+            </a:pPr>
+            <a:r>
+              <a:rPr lang="en-US" b="1" dirty="0">
+                <a:solidFill>
+                  <a:srgbClr val="FF0000"/>
+                </a:solidFill>
+              </a:rPr>
+              <a:t>Concern:</a:t>
+            </a:r>
+          </a:p>
+          <a:p>
+            <a:pPr>
+              <a:lnSpc>
+                <a:spcPct val="150000"/>
+              </a:lnSpc>
+            </a:pPr>
+            <a:r>
+              <a:rPr lang="en-US" b="1" dirty="0">
+                <a:solidFill>
+                  <a:srgbClr val="FF0000"/>
+                </a:solidFill>
+              </a:rPr>
+              <a:t>Pointcut: </a:t>
+            </a:r>
+          </a:p>
+          <a:p>
+            <a:pPr>
+              <a:lnSpc>
+                <a:spcPct val="150000"/>
+              </a:lnSpc>
+            </a:pPr>
+            <a:r>
+              <a:rPr lang="en-US" b="1" dirty="0">
+                <a:solidFill>
+                  <a:srgbClr val="FF0000"/>
+                </a:solidFill>
+              </a:rPr>
+              <a:t>Advice:</a:t>
+            </a:r>
+          </a:p>
+          <a:p>
+            <a:pPr>
+              <a:lnSpc>
+                <a:spcPct val="150000"/>
+              </a:lnSpc>
+            </a:pPr>
+            <a:endParaRPr lang="en-US" b="1" dirty="0"/>
           </a:p>
         </p:txBody>
       </p:sp>
     </p:spTree>
     <p:extLst>
       <p:ext uri="{BB962C8B-B14F-4D97-AF65-F5344CB8AC3E}">
-        <p14:creationId xmlns:p14="http://schemas.microsoft.com/office/powerpoint/2010/main" val="3990422798"/>
+        <p14:creationId xmlns:p14="http://schemas.microsoft.com/office/powerpoint/2010/main" val="2170754187"/>
       </p:ext>
     </p:extLst>
   </p:cSld>
@@ -6307,177 +6481,60 @@
       </p:grpSpPr>
       <p:sp>
         <p:nvSpPr>
-          <p:cNvPr id="4" name="Title 1">
-            <a:extLst>
-              <a:ext uri="{FF2B5EF4-FFF2-40B4-BE49-F238E27FC236}">
-                <a16:creationId xmlns:a16="http://schemas.microsoft.com/office/drawing/2014/main" id="{CAC17C8E-3677-4E33-AD1C-BB70137513FC}"/>
-              </a:ext>
-            </a:extLst>
-          </p:cNvPr>
-          <p:cNvSpPr>
-            <a:spLocks noGrp="1"/>
-          </p:cNvSpPr>
-          <p:nvPr>
-            <p:ph type="title"/>
-          </p:nvPr>
-        </p:nvSpPr>
-        <p:spPr>
-          <a:xfrm>
-            <a:off x="400594" y="86450"/>
-            <a:ext cx="10515600" cy="1325563"/>
-          </a:xfrm>
-        </p:spPr>
-        <p:txBody>
-          <a:bodyPr/>
-          <a:lstStyle/>
-          <a:p>
-            <a:r>
-              <a:rPr lang="en-US" b="1" dirty="0">
-                <a:latin typeface="+mn-lt"/>
-              </a:rPr>
-              <a:t>Exceptions:</a:t>
-            </a:r>
-          </a:p>
-        </p:txBody>
-      </p:sp>
-      <p:sp>
-        <p:nvSpPr>
-          <p:cNvPr id="5" name="Content Placeholder 2">
-            <a:extLst>
-              <a:ext uri="{FF2B5EF4-FFF2-40B4-BE49-F238E27FC236}">
-                <a16:creationId xmlns:a16="http://schemas.microsoft.com/office/drawing/2014/main" id="{507F342C-C331-44DB-ACF0-C06FE2A5C3FB}"/>
-              </a:ext>
-            </a:extLst>
-          </p:cNvPr>
-          <p:cNvSpPr>
-            <a:spLocks noGrp="1"/>
-          </p:cNvSpPr>
-          <p:nvPr>
-            <p:ph idx="1"/>
-          </p:nvPr>
-        </p:nvSpPr>
-        <p:spPr>
-          <a:xfrm>
-            <a:off x="157314" y="1010093"/>
-            <a:ext cx="8508513" cy="5660673"/>
-          </a:xfrm>
-        </p:spPr>
-        <p:txBody>
-          <a:bodyPr>
-            <a:normAutofit/>
-          </a:bodyPr>
-          <a:lstStyle/>
-          <a:p>
-            <a:pPr>
-              <a:lnSpc>
-                <a:spcPct val="150000"/>
-              </a:lnSpc>
-            </a:pPr>
-            <a:r>
-              <a:rPr lang="en-US" sz="2400" b="1" i="1" dirty="0"/>
-              <a:t>When an exception is thrown in Java, it is passed up the call chain until it is either </a:t>
-            </a:r>
-            <a:r>
-              <a:rPr lang="en-US" sz="2400" b="1" i="1" dirty="0">
-                <a:solidFill>
-                  <a:srgbClr val="FF0000"/>
-                </a:solidFill>
-              </a:rPr>
-              <a:t>handled</a:t>
-            </a:r>
-            <a:r>
-              <a:rPr lang="en-US" sz="2400" b="1" i="1" dirty="0"/>
-              <a:t> by a catch statement as part of a try/catch block or it reaches the Java run-time and </a:t>
-            </a:r>
-            <a:r>
-              <a:rPr lang="en-US" sz="2400" b="1" i="1" dirty="0">
-                <a:solidFill>
-                  <a:srgbClr val="FF0000"/>
-                </a:solidFill>
-              </a:rPr>
-              <a:t>causes </a:t>
-            </a:r>
-            <a:r>
-              <a:rPr lang="en-US" sz="2400" b="1" i="1" dirty="0"/>
-              <a:t>a messy message on your console. If a Java exception is caught then we can </a:t>
-            </a:r>
-            <a:r>
-              <a:rPr lang="en-US" sz="2400" b="1" i="1" dirty="0">
-                <a:solidFill>
-                  <a:srgbClr val="FF0000"/>
-                </a:solidFill>
-              </a:rPr>
-              <a:t>handle the exception </a:t>
-            </a:r>
-            <a:r>
-              <a:rPr lang="en-US" sz="2400" b="1" i="1" dirty="0"/>
-              <a:t>(log it, print it, ...).</a:t>
-            </a:r>
-          </a:p>
-          <a:p>
-            <a:pPr>
-              <a:lnSpc>
-                <a:spcPct val="150000"/>
-              </a:lnSpc>
-            </a:pPr>
-            <a:r>
-              <a:rPr lang="en-US" sz="2400" b="1" i="1" dirty="0"/>
-              <a:t>It is useful to know when an exception has been handled/occurred.</a:t>
-            </a:r>
-          </a:p>
-        </p:txBody>
-      </p:sp>
-      <p:pic>
-        <p:nvPicPr>
-          <p:cNvPr id="1026" name="Picture 2" descr="Image result for java exceptions try catch">
-            <a:extLst>
-              <a:ext uri="{FF2B5EF4-FFF2-40B4-BE49-F238E27FC236}">
-                <a16:creationId xmlns:a16="http://schemas.microsoft.com/office/drawing/2014/main" id="{3539B113-97E8-4FC9-90AD-9D6E6BD14083}"/>
-              </a:ext>
-            </a:extLst>
-          </p:cNvPr>
-          <p:cNvPicPr>
-            <a:picLocks noChangeAspect="1" noChangeArrowheads="1"/>
-          </p:cNvPicPr>
+          <p:cNvPr id="3" name="TextBox 2">
+            <a:extLst>
+              <a:ext uri="{FF2B5EF4-FFF2-40B4-BE49-F238E27FC236}">
+                <a16:creationId xmlns:a16="http://schemas.microsoft.com/office/drawing/2014/main" id="{77462736-FE3A-4BAB-8C7B-E597C0C00E8D}"/>
+              </a:ext>
+            </a:extLst>
+          </p:cNvPr>
+          <p:cNvSpPr txBox="1"/>
           <p:nvPr/>
-        </p:nvPicPr>
-        <p:blipFill>
-          <a:blip r:embed="rId2">
-            <a:extLst>
-              <a:ext uri="{28A0092B-C50C-407E-A947-70E740481C1C}">
-                <a14:useLocalDpi xmlns:a14="http://schemas.microsoft.com/office/drawing/2010/main" val="0"/>
-              </a:ext>
-            </a:extLst>
-          </a:blip>
-          <a:srcRect/>
-          <a:stretch>
-            <a:fillRect/>
-          </a:stretch>
-        </p:blipFill>
-        <p:spPr bwMode="auto">
-          <a:xfrm>
-            <a:off x="8330267" y="2159411"/>
-            <a:ext cx="3504064" cy="2539177"/>
+        </p:nvSpPr>
+        <p:spPr>
+          <a:xfrm>
+            <a:off x="3848087" y="2334074"/>
+            <a:ext cx="4495826" cy="1754326"/>
           </a:xfrm>
           <a:prstGeom prst="rect">
             <a:avLst/>
           </a:prstGeom>
-          <a:noFill/>
-          <a:extLst>
-            <a:ext uri="{909E8E84-426E-40DD-AFC4-6F175D3DCCD1}">
-              <a14:hiddenFill xmlns:a14="http://schemas.microsoft.com/office/drawing/2010/main">
+          <a:solidFill>
+            <a:schemeClr val="tx1"/>
+          </a:solidFill>
+          <a:ln>
+            <a:solidFill>
+              <a:schemeClr val="tx1"/>
+            </a:solidFill>
+          </a:ln>
+        </p:spPr>
+        <p:txBody>
+          <a:bodyPr wrap="square" rtlCol="0">
+            <a:spAutoFit/>
+          </a:bodyPr>
+          <a:lstStyle/>
+          <a:p>
+            <a:pPr algn="ctr"/>
+            <a:r>
+              <a:rPr lang="en-US" sz="5400" b="1" dirty="0">
                 <a:solidFill>
-                  <a:srgbClr val="FFFFFF"/>
+                  <a:schemeClr val="bg1"/>
                 </a:solidFill>
-              </a14:hiddenFill>
-            </a:ext>
-          </a:extLst>
-        </p:spPr>
-      </p:pic>
+              </a:rPr>
+              <a:t>Invasive Aspects</a:t>
+            </a:r>
+            <a:endParaRPr lang="en-US" sz="4800" b="1" dirty="0">
+              <a:solidFill>
+                <a:schemeClr val="bg1"/>
+              </a:solidFill>
+            </a:endParaRPr>
+          </a:p>
+        </p:txBody>
+      </p:sp>
     </p:spTree>
     <p:extLst>
       <p:ext uri="{BB962C8B-B14F-4D97-AF65-F5344CB8AC3E}">
-        <p14:creationId xmlns:p14="http://schemas.microsoft.com/office/powerpoint/2010/main" val="2916240712"/>
+        <p14:creationId xmlns:p14="http://schemas.microsoft.com/office/powerpoint/2010/main" val="3739079832"/>
       </p:ext>
     </p:extLst>
   </p:cSld>
@@ -6531,14 +6588,11 @@
           <a:lstStyle/>
           <a:p>
             <a:r>
-              <a:rPr lang="en-US" b="1" dirty="0" err="1">
+              <a:rPr lang="en-US" b="1" dirty="0">
                 <a:latin typeface="+mn-lt"/>
               </a:rPr>
-              <a:t>ExceptionHandlerAspect</a:t>
-            </a:r>
-            <a:endParaRPr lang="en-US" b="1" dirty="0">
-              <a:latin typeface="+mn-lt"/>
-            </a:endParaRPr>
+              <a:t>Invasive Aspects:</a:t>
+            </a:r>
           </a:p>
         </p:txBody>
       </p:sp>
@@ -6560,8 +6614,8 @@
         </p:nvSpPr>
         <p:spPr>
           <a:xfrm>
-            <a:off x="400595" y="1010093"/>
-            <a:ext cx="11284586" cy="5660673"/>
+            <a:off x="218114" y="1201784"/>
+            <a:ext cx="11677795" cy="2162202"/>
           </a:xfrm>
         </p:spPr>
         <p:txBody>
@@ -6569,87 +6623,6 @@
             <a:normAutofit/>
           </a:bodyPr>
           <a:lstStyle/>
-          <a:p>
-            <a:pPr>
-              <a:lnSpc>
-                <a:spcPct val="150000"/>
-              </a:lnSpc>
-            </a:pPr>
-            <a:r>
-              <a:rPr lang="en-US" sz="2400" b="1" dirty="0">
-                <a:solidFill>
-                  <a:srgbClr val="FF0000"/>
-                </a:solidFill>
-              </a:rPr>
-              <a:t>Concern:</a:t>
-            </a:r>
-            <a:r>
-              <a:rPr lang="en-US" sz="2400" b="1" dirty="0"/>
-              <a:t> exceptions not caught in code, one place to take monitor/handle them.</a:t>
-            </a:r>
-          </a:p>
-          <a:p>
-            <a:pPr>
-              <a:lnSpc>
-                <a:spcPct val="150000"/>
-              </a:lnSpc>
-            </a:pPr>
-            <a:r>
-              <a:rPr lang="en-US" sz="2400" b="1" i="1" dirty="0">
-                <a:solidFill>
-                  <a:srgbClr val="FF0000"/>
-                </a:solidFill>
-              </a:rPr>
-              <a:t>Pointcut: </a:t>
-            </a:r>
-            <a:r>
-              <a:rPr lang="en-US" sz="2400" b="1" i="1" dirty="0"/>
-              <a:t>any exception is thrown but not handled (</a:t>
-            </a:r>
-            <a:r>
-              <a:rPr lang="en-US" sz="2400" b="1" i="1" dirty="0" err="1"/>
-              <a:t>catched</a:t>
-            </a:r>
-            <a:r>
-              <a:rPr lang="en-US" sz="2400" b="1" i="1" dirty="0"/>
-              <a:t>).</a:t>
-            </a:r>
-          </a:p>
-          <a:p>
-            <a:pPr>
-              <a:lnSpc>
-                <a:spcPct val="150000"/>
-              </a:lnSpc>
-            </a:pPr>
-            <a:r>
-              <a:rPr lang="en-US" sz="2400" b="1" i="1" dirty="0">
-                <a:solidFill>
-                  <a:srgbClr val="FF0000"/>
-                </a:solidFill>
-              </a:rPr>
-              <a:t>Advice: </a:t>
-            </a:r>
-            <a:r>
-              <a:rPr lang="en-US" sz="2400" b="1" i="1" dirty="0"/>
-              <a:t>logs the exception and throws </a:t>
-            </a:r>
-            <a:r>
-              <a:rPr lang="en-US" sz="2400" b="1" i="1" dirty="0" err="1"/>
-              <a:t>UnhandledException</a:t>
-            </a:r>
-            <a:r>
-              <a:rPr lang="en-US" sz="2400" b="1" i="1" dirty="0"/>
-              <a:t>(</a:t>
-            </a:r>
-            <a:r>
-              <a:rPr lang="en-US" sz="2400" b="1" i="1" dirty="0" err="1"/>
-              <a:t>msg</a:t>
-            </a:r>
-            <a:r>
-              <a:rPr lang="en-US" sz="2400" b="1" i="1" dirty="0"/>
-              <a:t>).</a:t>
-            </a:r>
-          </a:p>
           <a:p>
             <a:pPr marL="0" indent="0">
               <a:lnSpc>
@@ -6657,74 +6630,210 @@
               </a:lnSpc>
               <a:buNone/>
             </a:pPr>
-            <a:endParaRPr lang="en-US" sz="2400" b="1" dirty="0"/>
-          </a:p>
-        </p:txBody>
-      </p:sp>
-      <p:pic>
-        <p:nvPicPr>
-          <p:cNvPr id="2" name="Picture 1">
-            <a:extLst>
-              <a:ext uri="{FF2B5EF4-FFF2-40B4-BE49-F238E27FC236}">
-                <a16:creationId xmlns:a16="http://schemas.microsoft.com/office/drawing/2014/main" id="{58E11952-6FC9-4707-B67B-5A9B34E6C0F4}"/>
-              </a:ext>
-            </a:extLst>
-          </p:cNvPr>
-          <p:cNvPicPr>
-            <a:picLocks noChangeAspect="1"/>
-          </p:cNvPicPr>
+            <a:r>
+              <a:rPr lang="en-US" b="1" i="1" dirty="0">
+                <a:highlight>
+                  <a:srgbClr val="FFFF00"/>
+                </a:highlight>
+              </a:rPr>
+              <a:t>TODO</a:t>
+            </a:r>
+          </a:p>
+          <a:p>
+            <a:pPr marL="0" indent="0">
+              <a:lnSpc>
+                <a:spcPct val="150000"/>
+              </a:lnSpc>
+              <a:buNone/>
+            </a:pPr>
+            <a:endParaRPr lang="en-US" b="1" dirty="0">
+              <a:solidFill>
+                <a:srgbClr val="FF0000"/>
+              </a:solidFill>
+            </a:endParaRPr>
+          </a:p>
+        </p:txBody>
+      </p:sp>
+      <p:sp>
+        <p:nvSpPr>
+          <p:cNvPr id="2" name="Oval 1">
+            <a:extLst>
+              <a:ext uri="{FF2B5EF4-FFF2-40B4-BE49-F238E27FC236}">
+                <a16:creationId xmlns:a16="http://schemas.microsoft.com/office/drawing/2014/main" id="{BCF2E675-C3F4-427A-A354-973D66CCA7AF}"/>
+              </a:ext>
+            </a:extLst>
+          </p:cNvPr>
+          <p:cNvSpPr/>
           <p:nvPr/>
-        </p:nvPicPr>
-        <p:blipFill>
-          <a:blip r:embed="rId2"/>
-          <a:stretch>
-            <a:fillRect/>
-          </a:stretch>
-        </p:blipFill>
-        <p:spPr>
-          <a:xfrm>
-            <a:off x="2769291" y="5547392"/>
-            <a:ext cx="5778205" cy="1123374"/>
-          </a:xfrm>
-          <a:prstGeom prst="rect">
+        </p:nvSpPr>
+        <p:spPr>
+          <a:xfrm>
+            <a:off x="4513800" y="3363983"/>
+            <a:ext cx="1602138" cy="1536585"/>
+          </a:xfrm>
+          <a:prstGeom prst="ellipse">
             <a:avLst/>
           </a:prstGeom>
-        </p:spPr>
-      </p:pic>
-      <p:pic>
-        <p:nvPicPr>
-          <p:cNvPr id="3" name="Picture 2">
-            <a:extLst>
-              <a:ext uri="{FF2B5EF4-FFF2-40B4-BE49-F238E27FC236}">
-                <a16:creationId xmlns:a16="http://schemas.microsoft.com/office/drawing/2014/main" id="{C92848CC-56D5-4692-A2A9-819A7745B6A4}"/>
-              </a:ext>
-            </a:extLst>
-          </p:cNvPr>
-          <p:cNvPicPr>
-            <a:picLocks noChangeAspect="1"/>
-          </p:cNvPicPr>
+          <a:solidFill>
+            <a:srgbClr val="FF0000"/>
+          </a:solidFill>
+          <a:ln>
+            <a:solidFill>
+              <a:schemeClr val="bg1"/>
+            </a:solidFill>
+          </a:ln>
+        </p:spPr>
+        <p:style>
+          <a:lnRef idx="2">
+            <a:schemeClr val="accent1">
+              <a:shade val="50000"/>
+            </a:schemeClr>
+          </a:lnRef>
+          <a:fillRef idx="1">
+            <a:schemeClr val="accent1"/>
+          </a:fillRef>
+          <a:effectRef idx="0">
+            <a:schemeClr val="accent1"/>
+          </a:effectRef>
+          <a:fontRef idx="minor">
+            <a:schemeClr val="lt1"/>
+          </a:fontRef>
+        </p:style>
+        <p:txBody>
+          <a:bodyPr rtlCol="0" anchor="ctr"/>
+          <a:lstStyle/>
+          <a:p>
+            <a:pPr algn="ctr"/>
+            <a:r>
+              <a:rPr lang="en-US" sz="1600" b="1" dirty="0" err="1"/>
+              <a:t>ExceptionHandler</a:t>
+            </a:r>
+            <a:r>
+              <a:rPr lang="en-US" sz="1600" b="1" dirty="0"/>
+              <a:t> Aspect</a:t>
+            </a:r>
+          </a:p>
+        </p:txBody>
+      </p:sp>
+      <p:sp>
+        <p:nvSpPr>
+          <p:cNvPr id="6" name="Oval 5">
+            <a:extLst>
+              <a:ext uri="{FF2B5EF4-FFF2-40B4-BE49-F238E27FC236}">
+                <a16:creationId xmlns:a16="http://schemas.microsoft.com/office/drawing/2014/main" id="{7F4FCC0E-5A9D-4984-A1C0-594C48631B84}"/>
+              </a:ext>
+            </a:extLst>
+          </p:cNvPr>
+          <p:cNvSpPr/>
           <p:nvPr/>
-        </p:nvPicPr>
-        <p:blipFill>
-          <a:blip r:embed="rId3"/>
-          <a:stretch>
-            <a:fillRect/>
-          </a:stretch>
-        </p:blipFill>
-        <p:spPr>
-          <a:xfrm>
-            <a:off x="2881603" y="3095537"/>
-            <a:ext cx="5356798" cy="2229767"/>
-          </a:xfrm>
-          <a:prstGeom prst="rect">
+        </p:nvSpPr>
+        <p:spPr>
+          <a:xfrm>
+            <a:off x="1645992" y="3363984"/>
+            <a:ext cx="1602138" cy="1536585"/>
+          </a:xfrm>
+          <a:prstGeom prst="ellipse">
             <a:avLst/>
           </a:prstGeom>
-        </p:spPr>
-      </p:pic>
+          <a:solidFill>
+            <a:srgbClr val="FF0000"/>
+          </a:solidFill>
+          <a:ln>
+            <a:solidFill>
+              <a:schemeClr val="bg1"/>
+            </a:solidFill>
+          </a:ln>
+        </p:spPr>
+        <p:style>
+          <a:lnRef idx="2">
+            <a:schemeClr val="accent1">
+              <a:shade val="50000"/>
+            </a:schemeClr>
+          </a:lnRef>
+          <a:fillRef idx="1">
+            <a:schemeClr val="accent1"/>
+          </a:fillRef>
+          <a:effectRef idx="0">
+            <a:schemeClr val="accent1"/>
+          </a:effectRef>
+          <a:fontRef idx="minor">
+            <a:schemeClr val="lt1"/>
+          </a:fontRef>
+        </p:style>
+        <p:txBody>
+          <a:bodyPr rtlCol="0" anchor="ctr"/>
+          <a:lstStyle/>
+          <a:p>
+            <a:pPr algn="ctr"/>
+            <a:r>
+              <a:rPr lang="en-US" sz="1600" b="1" dirty="0" err="1"/>
+              <a:t>ExceptionTranslationAspect</a:t>
+            </a:r>
+            <a:endParaRPr lang="en-US" sz="1600" b="1" dirty="0"/>
+          </a:p>
+        </p:txBody>
+      </p:sp>
+      <p:sp>
+        <p:nvSpPr>
+          <p:cNvPr id="7" name="Oval 6">
+            <a:extLst>
+              <a:ext uri="{FF2B5EF4-FFF2-40B4-BE49-F238E27FC236}">
+                <a16:creationId xmlns:a16="http://schemas.microsoft.com/office/drawing/2014/main" id="{E2B9C561-C78F-4056-AE7A-9CB3495FFDD1}"/>
+              </a:ext>
+            </a:extLst>
+          </p:cNvPr>
+          <p:cNvSpPr/>
+          <p:nvPr/>
+        </p:nvSpPr>
+        <p:spPr>
+          <a:xfrm>
+            <a:off x="7678201" y="3363985"/>
+            <a:ext cx="1602138" cy="1536585"/>
+          </a:xfrm>
+          <a:prstGeom prst="ellipse">
+            <a:avLst/>
+          </a:prstGeom>
+          <a:solidFill>
+            <a:srgbClr val="FF0000"/>
+          </a:solidFill>
+          <a:ln>
+            <a:solidFill>
+              <a:schemeClr val="bg1"/>
+            </a:solidFill>
+          </a:ln>
+        </p:spPr>
+        <p:style>
+          <a:lnRef idx="2">
+            <a:schemeClr val="accent1">
+              <a:shade val="50000"/>
+            </a:schemeClr>
+          </a:lnRef>
+          <a:fillRef idx="1">
+            <a:schemeClr val="accent1"/>
+          </a:fillRef>
+          <a:effectRef idx="0">
+            <a:schemeClr val="accent1"/>
+          </a:effectRef>
+          <a:fontRef idx="minor">
+            <a:schemeClr val="lt1"/>
+          </a:fontRef>
+        </p:style>
+        <p:txBody>
+          <a:bodyPr rtlCol="0" anchor="ctr"/>
+          <a:lstStyle/>
+          <a:p>
+            <a:pPr algn="ctr"/>
+            <a:r>
+              <a:rPr lang="en-US" sz="1600" b="1" dirty="0"/>
+              <a:t>Design Patterns Aspect</a:t>
+            </a:r>
+          </a:p>
+        </p:txBody>
+      </p:sp>
     </p:spTree>
     <p:extLst>
       <p:ext uri="{BB962C8B-B14F-4D97-AF65-F5344CB8AC3E}">
-        <p14:creationId xmlns:p14="http://schemas.microsoft.com/office/powerpoint/2010/main" val="1696651618"/>
+        <p14:creationId xmlns:p14="http://schemas.microsoft.com/office/powerpoint/2010/main" val="3990422798"/>
       </p:ext>
     </p:extLst>
   </p:cSld>
@@ -6778,16 +6887,10 @@
           <a:lstStyle/>
           <a:p>
             <a:r>
-              <a:rPr lang="en-US" b="1" dirty="0" err="1">
-                <a:latin typeface="+mn-lt"/>
-              </a:rPr>
-              <a:t>ExceptionTranslationAspect</a:t>
-            </a:r>
-            <a:r>
               <a:rPr lang="en-US" b="1" dirty="0">
                 <a:latin typeface="+mn-lt"/>
               </a:rPr>
-              <a:t>, the concern:</a:t>
+              <a:t>Exceptions:</a:t>
             </a:r>
           </a:p>
         </p:txBody>
@@ -6810,8 +6913,8 @@
         </p:nvSpPr>
         <p:spPr>
           <a:xfrm>
-            <a:off x="400595" y="1010093"/>
-            <a:ext cx="11284586" cy="5660673"/>
+            <a:off x="157314" y="1010093"/>
+            <a:ext cx="8508513" cy="5660673"/>
           </a:xfrm>
         </p:spPr>
         <p:txBody>
@@ -6827,7 +6930,7 @@
             </a:pPr>
             <a:r>
               <a:rPr lang="en-US" sz="2400" b="1" i="1" dirty="0"/>
-              <a:t>Assume we use a third-party library (</a:t>
+              <a:t>When an exception is thrown in Java, it is passed up the call chain until it is either </a:t>
             </a:r>
             <a:r>
               <a:rPr lang="en-US" sz="2400" b="1" i="1" dirty="0">
@@ -6835,35 +6938,11 @@
                   <a:srgbClr val="FF0000"/>
                 </a:solidFill>
               </a:rPr>
-              <a:t>some ORM library</a:t>
+              <a:t>handled</a:t>
             </a:r>
             <a:r>
               <a:rPr lang="en-US" sz="2400" b="1" i="1" dirty="0"/>
-              <a:t>) which helps us transform RDBMS tables to Java objects. This library throws exceptions (</a:t>
-            </a:r>
-            <a:r>
-              <a:rPr lang="en-US" sz="2400" b="1" i="1" dirty="0" err="1"/>
-              <a:t>NoTableExistException</a:t>
-            </a:r>
-            <a:r>
-              <a:rPr lang="en-US" sz="2400" b="1" i="1" dirty="0"/>
-              <a:t>, </a:t>
-            </a:r>
-            <a:r>
-              <a:rPr lang="en-US" sz="2400" b="1" i="1" dirty="0" err="1"/>
-              <a:t>RecordException</a:t>
-            </a:r>
-            <a:r>
-              <a:rPr lang="en-US" sz="2400" b="1" i="1" dirty="0"/>
-              <a:t>, </a:t>
-            </a:r>
-            <a:r>
-              <a:rPr lang="en-US" sz="2400" b="1" i="1" dirty="0" err="1"/>
-              <a:t>etc</a:t>
-            </a:r>
-            <a:r>
-              <a:rPr lang="en-US" sz="2400" b="1" i="1" dirty="0"/>
-              <a:t>…). We would like to </a:t>
+              <a:t> by a catch statement as part of a try/catch block or it reaches the Java run-time and </a:t>
             </a:r>
             <a:r>
               <a:rPr lang="en-US" sz="2400" b="1" i="1" dirty="0">
@@ -6871,23 +6950,23 @@
                   <a:srgbClr val="FF0000"/>
                 </a:solidFill>
               </a:rPr>
-              <a:t>convert those exceptions to our APPLICATION exceptions: </a:t>
-            </a:r>
-            <a:r>
-              <a:rPr lang="en-US" sz="2400" b="1" i="1" dirty="0" err="1"/>
-              <a:t>DataAccessException</a:t>
+              <a:t>causes </a:t>
             </a:r>
             <a:r>
               <a:rPr lang="en-US" sz="2400" b="1" i="1" dirty="0"/>
-              <a:t>,  </a:t>
-            </a:r>
-            <a:r>
-              <a:rPr lang="en-US" sz="2400" b="1" i="1" dirty="0" err="1"/>
-              <a:t>PersistenceLayerException</a:t>
+              <a:t>a messy message on your console. If a Java exception is caught then we can </a:t>
+            </a:r>
+            <a:r>
+              <a:rPr lang="en-US" sz="2400" b="1" i="1" dirty="0">
+                <a:solidFill>
+                  <a:srgbClr val="FF0000"/>
+                </a:solidFill>
+              </a:rPr>
+              <a:t>handle the exception </a:t>
             </a:r>
             <a:r>
               <a:rPr lang="en-US" sz="2400" b="1" i="1" dirty="0"/>
-              <a:t>. </a:t>
+              <a:t>(log it, print it, ...).</a:t>
             </a:r>
           </a:p>
           <a:p>
@@ -6898,87 +6977,62 @@
             </a:pPr>
             <a:r>
               <a:rPr lang="en-US" sz="2400" b="1" i="1" dirty="0"/>
-              <a:t>Lots of code will be </a:t>
-            </a:r>
-            <a:r>
-              <a:rPr lang="en-US" sz="2400" b="1" i="1" dirty="0">
-                <a:solidFill>
-                  <a:srgbClr val="FF0000"/>
-                </a:solidFill>
-              </a:rPr>
-              <a:t>scattered</a:t>
-            </a:r>
-            <a:r>
-              <a:rPr lang="en-US" sz="2400" b="1" i="1" dirty="0"/>
-              <a:t> over our codebase, with </a:t>
-            </a:r>
-            <a:r>
-              <a:rPr lang="en-US" sz="2400" b="1" i="1" dirty="0">
-                <a:solidFill>
-                  <a:srgbClr val="FF0000"/>
-                </a:solidFill>
-              </a:rPr>
-              <a:t>tangled</a:t>
-            </a:r>
-            <a:r>
-              <a:rPr lang="en-US" sz="2400" b="1" i="1" dirty="0"/>
-              <a:t> conversions.</a:t>
-            </a:r>
-          </a:p>
-          <a:p>
-            <a:pPr>
-              <a:lnSpc>
-                <a:spcPct val="150000"/>
-              </a:lnSpc>
-            </a:pPr>
-            <a:r>
-              <a:rPr lang="en-US" sz="2400" b="1" i="1" dirty="0"/>
-              <a:t>This can be taken care separately in an Aspect, making our code more clean and concise.</a:t>
-            </a:r>
-          </a:p>
-          <a:p>
-            <a:pPr>
-              <a:lnSpc>
-                <a:spcPct val="150000"/>
-              </a:lnSpc>
-            </a:pPr>
-            <a:endParaRPr lang="en-US" sz="2400" b="1" i="1" dirty="0"/>
+              <a:t>It is useful to know when an exception has been handled/occurred.</a:t>
+            </a:r>
           </a:p>
         </p:txBody>
       </p:sp>
       <p:pic>
         <p:nvPicPr>
-          <p:cNvPr id="2" name="Picture 1">
-            <a:extLst>
-              <a:ext uri="{FF2B5EF4-FFF2-40B4-BE49-F238E27FC236}">
-                <a16:creationId xmlns:a16="http://schemas.microsoft.com/office/drawing/2014/main" id="{916FA2C5-607D-4599-BCA3-FD80C2B687E9}"/>
+          <p:cNvPr id="1026" name="Picture 2" descr="Image result for java exceptions try catch">
+            <a:extLst>
+              <a:ext uri="{FF2B5EF4-FFF2-40B4-BE49-F238E27FC236}">
+                <a16:creationId xmlns:a16="http://schemas.microsoft.com/office/drawing/2014/main" id="{3539B113-97E8-4FC9-90AD-9D6E6BD14083}"/>
               </a:ext>
             </a:extLst>
           </p:cNvPr>
           <p:cNvPicPr>
-            <a:picLocks noChangeAspect="1"/>
+            <a:picLocks noChangeAspect="1" noChangeArrowheads="1"/>
           </p:cNvPicPr>
           <p:nvPr/>
         </p:nvPicPr>
-        <p:blipFill rotWithShape="1">
-          <a:blip r:embed="rId2"/>
-          <a:srcRect l="4415" r="3668" b="5536"/>
-          <a:stretch/>
+        <p:blipFill>
+          <a:blip r:embed="rId2">
+            <a:extLst>
+              <a:ext uri="{28A0092B-C50C-407E-A947-70E740481C1C}">
+                <a14:useLocalDpi xmlns:a14="http://schemas.microsoft.com/office/drawing/2010/main" val="0"/>
+              </a:ext>
+            </a:extLst>
+          </a:blip>
+          <a:srcRect/>
+          <a:stretch>
+            <a:fillRect/>
+          </a:stretch>
         </p:blipFill>
-        <p:spPr>
-          <a:xfrm>
-            <a:off x="5658394" y="4681533"/>
-            <a:ext cx="5899951" cy="1989233"/>
+        <p:spPr bwMode="auto">
+          <a:xfrm>
+            <a:off x="8330267" y="2159411"/>
+            <a:ext cx="3504064" cy="2539177"/>
           </a:xfrm>
           <a:prstGeom prst="rect">
             <a:avLst/>
           </a:prstGeom>
+          <a:noFill/>
+          <a:extLst>
+            <a:ext uri="{909E8E84-426E-40DD-AFC4-6F175D3DCCD1}">
+              <a14:hiddenFill xmlns:a14="http://schemas.microsoft.com/office/drawing/2010/main">
+                <a:solidFill>
+                  <a:srgbClr val="FFFFFF"/>
+                </a:solidFill>
+              </a14:hiddenFill>
+            </a:ext>
+          </a:extLst>
         </p:spPr>
       </p:pic>
     </p:spTree>
     <p:extLst>
       <p:ext uri="{BB962C8B-B14F-4D97-AF65-F5344CB8AC3E}">
-        <p14:creationId xmlns:p14="http://schemas.microsoft.com/office/powerpoint/2010/main" val="3599381813"/>
+        <p14:creationId xmlns:p14="http://schemas.microsoft.com/office/powerpoint/2010/main" val="2916240712"/>
       </p:ext>
     </p:extLst>
   </p:cSld>
@@ -7032,14 +7086,11 @@
           <a:lstStyle/>
           <a:p>
             <a:r>
-              <a:rPr lang="en-US" b="1" dirty="0" err="1">
+              <a:rPr lang="en-US" b="1" dirty="0">
                 <a:latin typeface="+mn-lt"/>
               </a:rPr>
-              <a:t>ExceptionTranslatorAspect</a:t>
-            </a:r>
-            <a:endParaRPr lang="en-US" b="1" dirty="0">
-              <a:latin typeface="+mn-lt"/>
-            </a:endParaRPr>
+              <a:t>ExceptionHandlerAspect1</a:t>
+            </a:r>
           </a:p>
         </p:txBody>
       </p:sp>
@@ -7061,8 +7112,8 @@
         </p:nvSpPr>
         <p:spPr>
           <a:xfrm>
-            <a:off x="125835" y="1116419"/>
-            <a:ext cx="7407479" cy="5554347"/>
+            <a:off x="400595" y="1010093"/>
+            <a:ext cx="11284586" cy="5660673"/>
           </a:xfrm>
         </p:spPr>
         <p:txBody>
@@ -7086,13 +7137,8 @@
             </a:r>
             <a:r>
               <a:rPr lang="en-US" sz="2400" b="1" dirty="0"/>
-              <a:t> noted above.</a:t>
-            </a:r>
-            <a:endParaRPr lang="en-US" sz="2400" b="1" dirty="0">
-              <a:solidFill>
-                <a:srgbClr val="FF0000"/>
-              </a:solidFill>
-            </a:endParaRPr>
+              <a:t> exceptions not caught in code, one place to take monitor/handle them.</a:t>
+            </a:r>
           </a:p>
           <a:p>
             <a:pPr>
@@ -7110,15 +7156,15 @@
             </a:r>
             <a:r>
               <a:rPr lang="en-US" sz="2400" b="1" i="1" dirty="0"/>
-              <a:t>a </a:t>
+              <a:t>any exception is thrown but not handled (</a:t>
             </a:r>
             <a:r>
               <a:rPr lang="en-US" sz="2400" b="1" i="1" dirty="0" err="1"/>
-              <a:t>KeyboardException</a:t>
+              <a:t>catched</a:t>
             </a:r>
             <a:r>
               <a:rPr lang="en-US" sz="2400" b="1" i="1" dirty="0"/>
-              <a:t> is thrown  (ESC is pressed)</a:t>
+              <a:t>).</a:t>
             </a:r>
           </a:p>
           <a:p>
@@ -7137,44 +7183,42 @@
             </a:r>
             <a:r>
               <a:rPr lang="en-US" sz="2400" b="1" i="1" dirty="0"/>
-              <a:t>Translate 3</a:t>
-            </a:r>
-            <a:r>
-              <a:rPr lang="en-US" sz="2400" b="1" i="1" baseline="30000" dirty="0"/>
-              <a:t>rd</a:t>
+              <a:t>logs the exception and throws </a:t>
+            </a:r>
+            <a:r>
+              <a:rPr lang="en-US" sz="2400" b="1" i="1" dirty="0" err="1"/>
+              <a:t>UnhandledException</a:t>
             </a:r>
             <a:r>
               <a:rPr lang="en-US" sz="2400" b="1" i="1" dirty="0"/>
-              <a:t> party thrown exception into our application exception.</a:t>
-            </a:r>
-          </a:p>
-          <a:p>
-            <a:pPr>
+              <a:t>(</a:t>
+            </a:r>
+            <a:r>
+              <a:rPr lang="en-US" sz="2400" b="1" i="1" dirty="0" err="1"/>
+              <a:t>msg</a:t>
+            </a:r>
+            <a:r>
+              <a:rPr lang="en-US" sz="2400" b="1" i="1" dirty="0"/>
+              <a:t>).</a:t>
+            </a:r>
+          </a:p>
+          <a:p>
+            <a:pPr marL="0" indent="0">
               <a:lnSpc>
                 <a:spcPct val="150000"/>
               </a:lnSpc>
+              <a:buNone/>
             </a:pPr>
-            <a:r>
-              <a:rPr lang="en-US" sz="2400" b="1" i="1" dirty="0" err="1">
-                <a:solidFill>
-                  <a:srgbClr val="FF0000"/>
-                </a:solidFill>
-              </a:rPr>
-              <a:t>ProceedingJointPoint</a:t>
-            </a:r>
-            <a:r>
-              <a:rPr lang="en-US" sz="2400" b="1" i="1" dirty="0"/>
-              <a:t>: an around advice is a special advice that can control when and if a method (or other join point) is executed. so they require an argument of type PJP, whereas other advices just use JP.</a:t>
-            </a:r>
+            <a:endParaRPr lang="en-US" sz="2400" b="1" dirty="0"/>
           </a:p>
         </p:txBody>
       </p:sp>
       <p:pic>
         <p:nvPicPr>
-          <p:cNvPr id="3" name="Picture 2">
-            <a:extLst>
-              <a:ext uri="{FF2B5EF4-FFF2-40B4-BE49-F238E27FC236}">
-                <a16:creationId xmlns:a16="http://schemas.microsoft.com/office/drawing/2014/main" id="{FB8C3ACA-AF67-425D-801A-91FA3380E055}"/>
+          <p:cNvPr id="2" name="Picture 1">
+            <a:extLst>
+              <a:ext uri="{FF2B5EF4-FFF2-40B4-BE49-F238E27FC236}">
+                <a16:creationId xmlns:a16="http://schemas.microsoft.com/office/drawing/2014/main" id="{58E11952-6FC9-4707-B67B-5A9B34E6C0F4}"/>
               </a:ext>
             </a:extLst>
           </p:cNvPr>
@@ -7183,15 +7227,16 @@
           </p:cNvPicPr>
           <p:nvPr/>
         </p:nvPicPr>
-        <p:blipFill rotWithShape="1">
+        <p:blipFill>
           <a:blip r:embed="rId2"/>
-          <a:srcRect l="4202" r="4131"/>
-          <a:stretch/>
+          <a:stretch>
+            <a:fillRect/>
+          </a:stretch>
         </p:blipFill>
         <p:spPr>
           <a:xfrm>
-            <a:off x="7357145" y="868914"/>
-            <a:ext cx="4530056" cy="2285345"/>
+            <a:off x="2318009" y="5547392"/>
+            <a:ext cx="6296599" cy="1224158"/>
           </a:xfrm>
           <a:prstGeom prst="rect">
             <a:avLst/>
@@ -7200,10 +7245,10 @@
       </p:pic>
       <p:pic>
         <p:nvPicPr>
-          <p:cNvPr id="6" name="Picture 5">
-            <a:extLst>
-              <a:ext uri="{FF2B5EF4-FFF2-40B4-BE49-F238E27FC236}">
-                <a16:creationId xmlns:a16="http://schemas.microsoft.com/office/drawing/2014/main" id="{A75B7A1E-574B-44AA-BE59-767919BC74E9}"/>
+          <p:cNvPr id="3" name="Picture 2">
+            <a:extLst>
+              <a:ext uri="{FF2B5EF4-FFF2-40B4-BE49-F238E27FC236}">
+                <a16:creationId xmlns:a16="http://schemas.microsoft.com/office/drawing/2014/main" id="{C92848CC-56D5-4692-A2A9-819A7745B6A4}"/>
               </a:ext>
             </a:extLst>
           </p:cNvPr>
@@ -7212,15 +7257,16 @@
           </p:cNvPicPr>
           <p:nvPr/>
         </p:nvPicPr>
-        <p:blipFill rotWithShape="1">
+        <p:blipFill>
           <a:blip r:embed="rId3"/>
-          <a:srcRect l="5305"/>
-          <a:stretch/>
+          <a:stretch>
+            <a:fillRect/>
+          </a:stretch>
         </p:blipFill>
         <p:spPr>
           <a:xfrm>
-            <a:off x="7222921" y="3566964"/>
-            <a:ext cx="4775588" cy="1352372"/>
+            <a:off x="2782654" y="3104883"/>
+            <a:ext cx="5679256" cy="2363990"/>
           </a:xfrm>
           <a:prstGeom prst="rect">
             <a:avLst/>
@@ -7230,7 +7276,7 @@
     </p:spTree>
     <p:extLst>
       <p:ext uri="{BB962C8B-B14F-4D97-AF65-F5344CB8AC3E}">
-        <p14:creationId xmlns:p14="http://schemas.microsoft.com/office/powerpoint/2010/main" val="596891456"/>
+        <p14:creationId xmlns:p14="http://schemas.microsoft.com/office/powerpoint/2010/main" val="1696651618"/>
       </p:ext>
     </p:extLst>
   </p:cSld>
@@ -7259,60 +7305,138 @@
       </p:grpSpPr>
       <p:sp>
         <p:nvSpPr>
-          <p:cNvPr id="5" name="TextBox 4">
-            <a:extLst>
-              <a:ext uri="{FF2B5EF4-FFF2-40B4-BE49-F238E27FC236}">
-                <a16:creationId xmlns:a16="http://schemas.microsoft.com/office/drawing/2014/main" id="{0470CAB3-69C7-4708-B6B1-132C92342460}"/>
-              </a:ext>
-            </a:extLst>
-          </p:cNvPr>
-          <p:cNvSpPr txBox="1"/>
-          <p:nvPr/>
-        </p:nvSpPr>
-        <p:spPr>
-          <a:xfrm>
-            <a:off x="3263295" y="2334074"/>
-            <a:ext cx="5933477" cy="923330"/>
-          </a:xfrm>
-          <a:prstGeom prst="rect">
-            <a:avLst/>
-          </a:prstGeom>
-          <a:solidFill>
-            <a:schemeClr val="tx1"/>
-          </a:solidFill>
-          <a:ln>
-            <a:solidFill>
-              <a:schemeClr val="tx1"/>
-            </a:solidFill>
-          </a:ln>
-        </p:spPr>
-        <p:txBody>
-          <a:bodyPr wrap="square" rtlCol="0">
-            <a:spAutoFit/>
+          <p:cNvPr id="4" name="Title 1">
+            <a:extLst>
+              <a:ext uri="{FF2B5EF4-FFF2-40B4-BE49-F238E27FC236}">
+                <a16:creationId xmlns:a16="http://schemas.microsoft.com/office/drawing/2014/main" id="{CAC17C8E-3677-4E33-AD1C-BB70137513FC}"/>
+              </a:ext>
+            </a:extLst>
+          </p:cNvPr>
+          <p:cNvSpPr>
+            <a:spLocks noGrp="1"/>
+          </p:cNvSpPr>
+          <p:nvPr>
+            <p:ph type="title"/>
+          </p:nvPr>
+        </p:nvSpPr>
+        <p:spPr>
+          <a:xfrm>
+            <a:off x="400594" y="86450"/>
+            <a:ext cx="10515600" cy="1325563"/>
+          </a:xfrm>
+        </p:spPr>
+        <p:txBody>
+          <a:bodyPr/>
+          <a:lstStyle/>
+          <a:p>
+            <a:r>
+              <a:rPr lang="en-US" b="1" dirty="0">
+                <a:latin typeface="+mn-lt"/>
+              </a:rPr>
+              <a:t>ExceptionHandlerAspect2</a:t>
+            </a:r>
+          </a:p>
+        </p:txBody>
+      </p:sp>
+      <p:sp>
+        <p:nvSpPr>
+          <p:cNvPr id="5" name="Content Placeholder 2">
+            <a:extLst>
+              <a:ext uri="{FF2B5EF4-FFF2-40B4-BE49-F238E27FC236}">
+                <a16:creationId xmlns:a16="http://schemas.microsoft.com/office/drawing/2014/main" id="{507F342C-C331-44DB-ACF0-C06FE2A5C3FB}"/>
+              </a:ext>
+            </a:extLst>
+          </p:cNvPr>
+          <p:cNvSpPr>
+            <a:spLocks noGrp="1"/>
+          </p:cNvSpPr>
+          <p:nvPr>
+            <p:ph idx="1"/>
+          </p:nvPr>
+        </p:nvSpPr>
+        <p:spPr>
+          <a:xfrm>
+            <a:off x="400595" y="1010093"/>
+            <a:ext cx="11284586" cy="5660673"/>
+          </a:xfrm>
+        </p:spPr>
+        <p:txBody>
+          <a:bodyPr>
+            <a:normAutofit/>
           </a:bodyPr>
           <a:lstStyle/>
           <a:p>
-            <a:pPr algn="ctr"/>
-            <a:r>
-              <a:rPr lang="en-US" sz="5400" b="1" dirty="0">
+            <a:pPr>
+              <a:lnSpc>
+                <a:spcPct val="150000"/>
+              </a:lnSpc>
+            </a:pPr>
+            <a:r>
+              <a:rPr lang="en-US" sz="2400" b="1" dirty="0">
                 <a:solidFill>
-                  <a:schemeClr val="bg1"/>
+                  <a:srgbClr val="FF0000"/>
                 </a:solidFill>
               </a:rPr>
-              <a:t>Testing the aspects</a:t>
-            </a:r>
-            <a:endParaRPr lang="en-US" sz="4800" b="1" dirty="0">
-              <a:solidFill>
-                <a:schemeClr val="bg1"/>
-              </a:solidFill>
-            </a:endParaRPr>
+              <a:t>Concern:</a:t>
+            </a:r>
+            <a:r>
+              <a:rPr lang="en-US" sz="2400" b="1" dirty="0"/>
+              <a:t> exceptions are caught by a specific class over and over again, determine which class catches a specific exception and do something on it without touching the existing codebase.</a:t>
+            </a:r>
+          </a:p>
+          <a:p>
+            <a:pPr>
+              <a:lnSpc>
+                <a:spcPct val="150000"/>
+              </a:lnSpc>
+            </a:pPr>
+            <a:r>
+              <a:rPr lang="en-US" sz="2400" b="1" i="1" dirty="0">
+                <a:solidFill>
+                  <a:srgbClr val="FF0000"/>
+                </a:solidFill>
+              </a:rPr>
+              <a:t>Pointcut: </a:t>
+            </a:r>
+            <a:r>
+              <a:rPr lang="en-US" sz="2400" b="1" i="1" dirty="0"/>
+              <a:t>exception handled by class X.</a:t>
+            </a:r>
+          </a:p>
+          <a:p>
+            <a:pPr>
+              <a:lnSpc>
+                <a:spcPct val="150000"/>
+              </a:lnSpc>
+            </a:pPr>
+            <a:r>
+              <a:rPr lang="en-US" sz="2400" b="1" i="1" dirty="0">
+                <a:solidFill>
+                  <a:srgbClr val="FF0000"/>
+                </a:solidFill>
+              </a:rPr>
+              <a:t>Advice: </a:t>
+            </a:r>
+            <a:r>
+              <a:rPr lang="en-US" sz="2400" b="1" i="1" dirty="0"/>
+              <a:t>do Y on that specific case.</a:t>
+            </a:r>
+          </a:p>
+          <a:p>
+            <a:pPr marL="0" indent="0">
+              <a:lnSpc>
+                <a:spcPct val="150000"/>
+              </a:lnSpc>
+              <a:buNone/>
+            </a:pPr>
+            <a:endParaRPr lang="en-US" sz="2400" b="1" dirty="0"/>
           </a:p>
         </p:txBody>
       </p:sp>
     </p:spTree>
     <p:extLst>
       <p:ext uri="{BB962C8B-B14F-4D97-AF65-F5344CB8AC3E}">
-        <p14:creationId xmlns:p14="http://schemas.microsoft.com/office/powerpoint/2010/main" val="2841633555"/>
+        <p14:creationId xmlns:p14="http://schemas.microsoft.com/office/powerpoint/2010/main" val="603592867"/>
       </p:ext>
     </p:extLst>
   </p:cSld>
@@ -7366,13 +7490,16 @@
           <a:lstStyle/>
           <a:p>
             <a:r>
+              <a:rPr lang="en-US" b="1" dirty="0" err="1">
+                <a:latin typeface="+mn-lt"/>
+              </a:rPr>
+              <a:t>ExceptionTranslationAspect</a:t>
+            </a:r>
+            <a:r>
               <a:rPr lang="en-US" b="1" dirty="0">
-                <a:highlight>
-                  <a:srgbClr val="FFFF00"/>
-                </a:highlight>
                 <a:latin typeface="+mn-lt"/>
               </a:rPr>
-              <a:t>Testing our aspects – unit testing aspects?</a:t>
+              <a:t>, the concern:</a:t>
             </a:r>
           </a:p>
         </p:txBody>
@@ -7395,8 +7522,8 @@
         </p:nvSpPr>
         <p:spPr>
           <a:xfrm>
-            <a:off x="400594" y="1201783"/>
-            <a:ext cx="11495315" cy="5468983"/>
+            <a:off x="400595" y="1010093"/>
+            <a:ext cx="11284586" cy="5660673"/>
           </a:xfrm>
         </p:spPr>
         <p:txBody>
@@ -7411,24 +7538,159 @@
               </a:lnSpc>
             </a:pPr>
             <a:r>
-              <a:rPr lang="en-US" b="1" dirty="0"/>
-              <a:t>Logging Aspect – just by checking the written files. If have time &lt;write </a:t>
-            </a:r>
-            <a:r>
-              <a:rPr lang="en-US" b="1" dirty="0" err="1"/>
-              <a:t>uni</a:t>
-            </a:r>
-            <a:r>
-              <a:rPr lang="en-US" b="1" dirty="0"/>
-              <a:t> test to check file&gt;</a:t>
-            </a:r>
-          </a:p>
-        </p:txBody>
-      </p:sp>
+              <a:rPr lang="en-US" sz="2400" b="1" i="1" dirty="0"/>
+              <a:t>Assume we use a third-party library (</a:t>
+            </a:r>
+            <a:r>
+              <a:rPr lang="en-US" sz="2400" b="1" i="1" dirty="0">
+                <a:solidFill>
+                  <a:srgbClr val="FF0000"/>
+                </a:solidFill>
+              </a:rPr>
+              <a:t>some ORM library</a:t>
+            </a:r>
+            <a:r>
+              <a:rPr lang="en-US" sz="2400" b="1" i="1" dirty="0"/>
+              <a:t>) which helps us transform RDBMS tables to Java objects. This library throws exceptions (</a:t>
+            </a:r>
+            <a:r>
+              <a:rPr lang="en-US" sz="2400" b="1" i="1" dirty="0" err="1"/>
+              <a:t>NoTableExistException</a:t>
+            </a:r>
+            <a:r>
+              <a:rPr lang="en-US" sz="2400" b="1" i="1" dirty="0"/>
+              <a:t>, </a:t>
+            </a:r>
+            <a:r>
+              <a:rPr lang="en-US" sz="2400" b="1" i="1" dirty="0" err="1"/>
+              <a:t>RecordException</a:t>
+            </a:r>
+            <a:r>
+              <a:rPr lang="en-US" sz="2400" b="1" i="1" dirty="0"/>
+              <a:t>, </a:t>
+            </a:r>
+            <a:r>
+              <a:rPr lang="en-US" sz="2400" b="1" i="1" dirty="0" err="1"/>
+              <a:t>etc</a:t>
+            </a:r>
+            <a:r>
+              <a:rPr lang="en-US" sz="2400" b="1" i="1" dirty="0"/>
+              <a:t>…). We would like to </a:t>
+            </a:r>
+            <a:r>
+              <a:rPr lang="en-US" sz="2400" b="1" i="1" dirty="0">
+                <a:solidFill>
+                  <a:srgbClr val="FF0000"/>
+                </a:solidFill>
+              </a:rPr>
+              <a:t>convert those exceptions to our APPLICATION exceptions: </a:t>
+            </a:r>
+            <a:r>
+              <a:rPr lang="en-US" sz="2400" b="1" i="1" dirty="0" err="1"/>
+              <a:t>DataAccessException</a:t>
+            </a:r>
+            <a:r>
+              <a:rPr lang="en-US" sz="2400" b="1" i="1" dirty="0"/>
+              <a:t>,  </a:t>
+            </a:r>
+            <a:r>
+              <a:rPr lang="en-US" sz="2400" b="1" i="1" dirty="0" err="1"/>
+              <a:t>PersistenceLayerException</a:t>
+            </a:r>
+            <a:r>
+              <a:rPr lang="en-US" sz="2400" b="1" i="1" dirty="0"/>
+              <a:t>. </a:t>
+            </a:r>
+          </a:p>
+          <a:p>
+            <a:pPr>
+              <a:lnSpc>
+                <a:spcPct val="150000"/>
+              </a:lnSpc>
+            </a:pPr>
+            <a:r>
+              <a:rPr lang="en-US" sz="2400" b="1" i="1" dirty="0"/>
+              <a:t>Lots of code will be </a:t>
+            </a:r>
+            <a:r>
+              <a:rPr lang="en-US" sz="2400" b="1" i="1" dirty="0">
+                <a:solidFill>
+                  <a:srgbClr val="FF0000"/>
+                </a:solidFill>
+              </a:rPr>
+              <a:t>scattered</a:t>
+            </a:r>
+            <a:r>
+              <a:rPr lang="en-US" sz="2400" b="1" i="1" dirty="0"/>
+              <a:t> over our codebase, with </a:t>
+            </a:r>
+            <a:r>
+              <a:rPr lang="en-US" sz="2400" b="1" i="1" dirty="0">
+                <a:solidFill>
+                  <a:srgbClr val="FF0000"/>
+                </a:solidFill>
+              </a:rPr>
+              <a:t>tangled</a:t>
+            </a:r>
+            <a:r>
+              <a:rPr lang="en-US" sz="2400" b="1" i="1" dirty="0"/>
+              <a:t> conversions.</a:t>
+            </a:r>
+          </a:p>
+          <a:p>
+            <a:pPr>
+              <a:lnSpc>
+                <a:spcPct val="150000"/>
+              </a:lnSpc>
+            </a:pPr>
+            <a:r>
+              <a:rPr lang="en-US" sz="2400" b="1" i="1" dirty="0"/>
+              <a:t>This can be taken care separately in an Aspect, making our code more clean and concise.</a:t>
+            </a:r>
+          </a:p>
+          <a:p>
+            <a:pPr>
+              <a:lnSpc>
+                <a:spcPct val="150000"/>
+              </a:lnSpc>
+            </a:pPr>
+            <a:endParaRPr lang="en-US" sz="2400" b="1" i="1" dirty="0"/>
+          </a:p>
+        </p:txBody>
+      </p:sp>
+      <p:pic>
+        <p:nvPicPr>
+          <p:cNvPr id="2" name="Picture 1">
+            <a:extLst>
+              <a:ext uri="{FF2B5EF4-FFF2-40B4-BE49-F238E27FC236}">
+                <a16:creationId xmlns:a16="http://schemas.microsoft.com/office/drawing/2014/main" id="{916FA2C5-607D-4599-BCA3-FD80C2B687E9}"/>
+              </a:ext>
+            </a:extLst>
+          </p:cNvPr>
+          <p:cNvPicPr>
+            <a:picLocks noChangeAspect="1"/>
+          </p:cNvPicPr>
+          <p:nvPr/>
+        </p:nvPicPr>
+        <p:blipFill rotWithShape="1">
+          <a:blip r:embed="rId2"/>
+          <a:srcRect l="4415" r="3668" b="5536"/>
+          <a:stretch/>
+        </p:blipFill>
+        <p:spPr>
+          <a:xfrm>
+            <a:off x="5658394" y="4681533"/>
+            <a:ext cx="5899951" cy="1989233"/>
+          </a:xfrm>
+          <a:prstGeom prst="rect">
+            <a:avLst/>
+          </a:prstGeom>
+        </p:spPr>
+      </p:pic>
     </p:spTree>
     <p:extLst>
       <p:ext uri="{BB962C8B-B14F-4D97-AF65-F5344CB8AC3E}">
-        <p14:creationId xmlns:p14="http://schemas.microsoft.com/office/powerpoint/2010/main" val="3605706162"/>
+        <p14:creationId xmlns:p14="http://schemas.microsoft.com/office/powerpoint/2010/main" val="3599381813"/>
       </p:ext>
     </p:extLst>
   </p:cSld>
@@ -7482,14 +7744,14 @@
           <a:lstStyle/>
           <a:p>
             <a:r>
-              <a:rPr lang="en-US" b="1" dirty="0">
-                <a:highlight>
-                  <a:srgbClr val="FFFF00"/>
-                </a:highlight>
+              <a:rPr lang="en-US" b="1" dirty="0" err="1">
                 <a:latin typeface="+mn-lt"/>
               </a:rPr>
-              <a:t>TODO</a:t>
-            </a:r>
+              <a:t>ExceptionTranslatorAspect</a:t>
+            </a:r>
+            <a:endParaRPr lang="en-US" b="1" dirty="0">
+              <a:latin typeface="+mn-lt"/>
+            </a:endParaRPr>
           </a:p>
         </p:txBody>
       </p:sp>
@@ -7511,8 +7773,8 @@
         </p:nvSpPr>
         <p:spPr>
           <a:xfrm>
-            <a:off x="400594" y="1201783"/>
-            <a:ext cx="11495315" cy="5468983"/>
+            <a:off x="125835" y="1116419"/>
+            <a:ext cx="7407479" cy="5554347"/>
           </a:xfrm>
         </p:spPr>
         <p:txBody>
@@ -7527,26 +7789,22 @@
               </a:lnSpc>
             </a:pPr>
             <a:r>
-              <a:rPr lang="en-US" b="1" dirty="0" err="1"/>
-              <a:t>StartGame</a:t>
-            </a:r>
-            <a:r>
-              <a:rPr lang="en-US" b="1" dirty="0"/>
-              <a:t>/</a:t>
-            </a:r>
-            <a:r>
-              <a:rPr lang="en-US" b="1" dirty="0" err="1"/>
-              <a:t>EndGame</a:t>
-            </a:r>
-            <a:r>
-              <a:rPr lang="en-US" b="1" dirty="0"/>
-              <a:t> message to </a:t>
-            </a:r>
-            <a:r>
-              <a:rPr lang="en-US" b="1" dirty="0" err="1"/>
-              <a:t>stdout</a:t>
-            </a:r>
-            <a:endParaRPr lang="en-US" b="1" dirty="0"/>
+              <a:rPr lang="en-US" sz="2400" b="1" dirty="0">
+                <a:solidFill>
+                  <a:srgbClr val="FF0000"/>
+                </a:solidFill>
+              </a:rPr>
+              <a:t>Concern:</a:t>
+            </a:r>
+            <a:r>
+              <a:rPr lang="en-US" sz="2400" b="1" dirty="0"/>
+              <a:t> noted above.</a:t>
+            </a:r>
+            <a:endParaRPr lang="en-US" sz="2400" b="1" dirty="0">
+              <a:solidFill>
+                <a:srgbClr val="FF0000"/>
+              </a:solidFill>
+            </a:endParaRPr>
           </a:p>
           <a:p>
             <a:pPr>
@@ -7555,8 +7813,24 @@
               </a:lnSpc>
             </a:pPr>
             <a:r>
-              <a:rPr lang="en-US" b="1" dirty="0"/>
-              <a:t>Copy code lines to our PPT</a:t>
+              <a:rPr lang="en-US" sz="2400" b="1" i="1" dirty="0">
+                <a:solidFill>
+                  <a:srgbClr val="FF0000"/>
+                </a:solidFill>
+              </a:rPr>
+              <a:t>Pointcut: </a:t>
+            </a:r>
+            <a:r>
+              <a:rPr lang="en-US" sz="2400" b="1" i="1" dirty="0"/>
+              <a:t>a </a:t>
+            </a:r>
+            <a:r>
+              <a:rPr lang="en-US" sz="2400" b="1" i="1" dirty="0" err="1"/>
+              <a:t>KeyboardException</a:t>
+            </a:r>
+            <a:r>
+              <a:rPr lang="en-US" sz="2400" b="1" i="1" dirty="0"/>
+              <a:t> is thrown  (ESC is pressed)</a:t>
             </a:r>
           </a:p>
           <a:p>
@@ -7566,16 +7840,109 @@
               </a:lnSpc>
             </a:pPr>
             <a:r>
-              <a:rPr lang="en-US" b="1" dirty="0"/>
-              <a:t>Test aspects</a:t>
-            </a:r>
-          </a:p>
-        </p:txBody>
-      </p:sp>
+              <a:rPr lang="en-US" sz="2400" b="1" i="1" dirty="0">
+                <a:solidFill>
+                  <a:srgbClr val="FF0000"/>
+                </a:solidFill>
+              </a:rPr>
+              <a:t>Advice: </a:t>
+            </a:r>
+            <a:r>
+              <a:rPr lang="en-US" sz="2400" b="1" i="1" dirty="0"/>
+              <a:t>Translate 3</a:t>
+            </a:r>
+            <a:r>
+              <a:rPr lang="en-US" sz="2400" b="1" i="1" baseline="30000" dirty="0"/>
+              <a:t>rd</a:t>
+            </a:r>
+            <a:r>
+              <a:rPr lang="en-US" sz="2400" b="1" i="1" dirty="0"/>
+              <a:t> party thrown exception into our application exception.</a:t>
+            </a:r>
+          </a:p>
+          <a:p>
+            <a:pPr>
+              <a:lnSpc>
+                <a:spcPct val="150000"/>
+              </a:lnSpc>
+            </a:pPr>
+            <a:r>
+              <a:rPr lang="en-US" sz="2400" b="1" i="1" dirty="0" err="1">
+                <a:solidFill>
+                  <a:srgbClr val="FF0000"/>
+                </a:solidFill>
+              </a:rPr>
+              <a:t>ProceedingJointPoint</a:t>
+            </a:r>
+            <a:r>
+              <a:rPr lang="en-US" sz="2400" b="1" i="1" dirty="0"/>
+              <a:t>: an around advice is a special advice that can control when and if a method (or other join point) is executed. so they require an argument of type PJP, whereas other advices just use JP.</a:t>
+            </a:r>
+          </a:p>
+        </p:txBody>
+      </p:sp>
+      <p:pic>
+        <p:nvPicPr>
+          <p:cNvPr id="3" name="Picture 2">
+            <a:extLst>
+              <a:ext uri="{FF2B5EF4-FFF2-40B4-BE49-F238E27FC236}">
+                <a16:creationId xmlns:a16="http://schemas.microsoft.com/office/drawing/2014/main" id="{FB8C3ACA-AF67-425D-801A-91FA3380E055}"/>
+              </a:ext>
+            </a:extLst>
+          </p:cNvPr>
+          <p:cNvPicPr>
+            <a:picLocks noChangeAspect="1"/>
+          </p:cNvPicPr>
+          <p:nvPr/>
+        </p:nvPicPr>
+        <p:blipFill rotWithShape="1">
+          <a:blip r:embed="rId2"/>
+          <a:srcRect l="4202" r="4131"/>
+          <a:stretch/>
+        </p:blipFill>
+        <p:spPr>
+          <a:xfrm>
+            <a:off x="7357145" y="868914"/>
+            <a:ext cx="4530056" cy="2285345"/>
+          </a:xfrm>
+          <a:prstGeom prst="rect">
+            <a:avLst/>
+          </a:prstGeom>
+        </p:spPr>
+      </p:pic>
+      <p:pic>
+        <p:nvPicPr>
+          <p:cNvPr id="6" name="Picture 5">
+            <a:extLst>
+              <a:ext uri="{FF2B5EF4-FFF2-40B4-BE49-F238E27FC236}">
+                <a16:creationId xmlns:a16="http://schemas.microsoft.com/office/drawing/2014/main" id="{A75B7A1E-574B-44AA-BE59-767919BC74E9}"/>
+              </a:ext>
+            </a:extLst>
+          </p:cNvPr>
+          <p:cNvPicPr>
+            <a:picLocks noChangeAspect="1"/>
+          </p:cNvPicPr>
+          <p:nvPr/>
+        </p:nvPicPr>
+        <p:blipFill rotWithShape="1">
+          <a:blip r:embed="rId3"/>
+          <a:srcRect l="5305"/>
+          <a:stretch/>
+        </p:blipFill>
+        <p:spPr>
+          <a:xfrm>
+            <a:off x="7222921" y="3566964"/>
+            <a:ext cx="4775588" cy="1352372"/>
+          </a:xfrm>
+          <a:prstGeom prst="rect">
+            <a:avLst/>
+          </a:prstGeom>
+        </p:spPr>
+      </p:pic>
     </p:spTree>
     <p:extLst>
       <p:ext uri="{BB962C8B-B14F-4D97-AF65-F5344CB8AC3E}">
-        <p14:creationId xmlns:p14="http://schemas.microsoft.com/office/powerpoint/2010/main" val="3667126705"/>
+        <p14:creationId xmlns:p14="http://schemas.microsoft.com/office/powerpoint/2010/main" val="596891456"/>
       </p:ext>
     </p:extLst>
   </p:cSld>
@@ -7629,14 +7996,20 @@
           <a:lstStyle/>
           <a:p>
             <a:r>
-              <a:rPr lang="en-US" b="1" dirty="0"/>
+              <a:rPr lang="en-US" b="1" dirty="0">
+                <a:latin typeface="Calibri (Body)"/>
+              </a:rPr>
               <a:t>Base class: </a:t>
             </a:r>
             <a:r>
-              <a:rPr lang="en-US" b="1" dirty="0" err="1"/>
+              <a:rPr lang="en-US" b="1" dirty="0" err="1">
+                <a:latin typeface="Calibri (Body)"/>
+              </a:rPr>
               <a:t>SpaceWars</a:t>
             </a:r>
-            <a:endParaRPr lang="en-US" b="1" dirty="0"/>
+            <a:endParaRPr lang="en-US" b="1" dirty="0">
+              <a:latin typeface="Calibri (Body)"/>
+            </a:endParaRPr>
           </a:p>
         </p:txBody>
       </p:sp>
@@ -7679,15 +8052,11 @@
             </a:r>
             <a:r>
               <a:rPr lang="en-US" dirty="0"/>
-              <a:t> is a 1977 vector graphics arcade game based on the 1962PDP-1 program </a:t>
-            </a:r>
-            <a:r>
-              <a:rPr lang="en-US" i="1" dirty="0"/>
-              <a:t>Spacewar!</a:t>
-            </a:r>
-            <a:r>
-              <a:rPr lang="en-US" dirty="0"/>
-              <a:t>. </a:t>
+              <a:t> </a:t>
+            </a:r>
+            <a:r>
+              <a:rPr lang="en-US" b="1" i="1" dirty="0"/>
+              <a:t>is a 1977 vector graphics arcade game based on the 1962PDP-1 program Spacewar!. </a:t>
             </a:r>
           </a:p>
           <a:p>
@@ -7803,6 +8172,926 @@
     <p:extLst>
       <p:ext uri="{BB962C8B-B14F-4D97-AF65-F5344CB8AC3E}">
         <p14:creationId xmlns:p14="http://schemas.microsoft.com/office/powerpoint/2010/main" val="2173555499"/>
+      </p:ext>
+    </p:extLst>
+  </p:cSld>
+  <p:clrMapOvr>
+    <a:masterClrMapping/>
+  </p:clrMapOvr>
+</p:sld>
+</file>
+
+<file path=ppt/slides/slide30.xml><?xml version="1.0" encoding="utf-8"?>
+<p:sld xmlns:a="http://schemas.openxmlformats.org/drawingml/2006/main" xmlns:r="http://schemas.openxmlformats.org/officeDocument/2006/relationships" xmlns:p="http://schemas.openxmlformats.org/presentationml/2006/main">
+  <p:cSld>
+    <p:spTree>
+      <p:nvGrpSpPr>
+        <p:cNvPr id="1" name=""/>
+        <p:cNvGrpSpPr/>
+        <p:nvPr/>
+      </p:nvGrpSpPr>
+      <p:grpSpPr>
+        <a:xfrm>
+          <a:off x="0" y="0"/>
+          <a:ext cx="0" cy="0"/>
+          <a:chOff x="0" y="0"/>
+          <a:chExt cx="0" cy="0"/>
+        </a:xfrm>
+      </p:grpSpPr>
+      <p:sp>
+        <p:nvSpPr>
+          <p:cNvPr id="4" name="Title 1">
+            <a:extLst>
+              <a:ext uri="{FF2B5EF4-FFF2-40B4-BE49-F238E27FC236}">
+                <a16:creationId xmlns:a16="http://schemas.microsoft.com/office/drawing/2014/main" id="{CAC17C8E-3677-4E33-AD1C-BB70137513FC}"/>
+              </a:ext>
+            </a:extLst>
+          </p:cNvPr>
+          <p:cNvSpPr>
+            <a:spLocks noGrp="1"/>
+          </p:cNvSpPr>
+          <p:nvPr>
+            <p:ph type="title"/>
+          </p:nvPr>
+        </p:nvSpPr>
+        <p:spPr>
+          <a:xfrm>
+            <a:off x="400594" y="86450"/>
+            <a:ext cx="10515600" cy="1325563"/>
+          </a:xfrm>
+        </p:spPr>
+        <p:txBody>
+          <a:bodyPr/>
+          <a:lstStyle/>
+          <a:p>
+            <a:r>
+              <a:rPr lang="en-US" b="1" dirty="0">
+                <a:latin typeface="+mn-lt"/>
+              </a:rPr>
+              <a:t>Design Patterns Aspect</a:t>
+            </a:r>
+          </a:p>
+        </p:txBody>
+      </p:sp>
+      <p:pic>
+        <p:nvPicPr>
+          <p:cNvPr id="1026" name="Picture 2" descr="Image result for GoF book">
+            <a:extLst>
+              <a:ext uri="{FF2B5EF4-FFF2-40B4-BE49-F238E27FC236}">
+                <a16:creationId xmlns:a16="http://schemas.microsoft.com/office/drawing/2014/main" id="{966E0442-254E-4253-B496-BAF659BB4D0B}"/>
+              </a:ext>
+            </a:extLst>
+          </p:cNvPr>
+          <p:cNvPicPr>
+            <a:picLocks noChangeAspect="1" noChangeArrowheads="1"/>
+          </p:cNvPicPr>
+          <p:nvPr/>
+        </p:nvPicPr>
+        <p:blipFill>
+          <a:blip r:embed="rId2">
+            <a:extLst>
+              <a:ext uri="{28A0092B-C50C-407E-A947-70E740481C1C}">
+                <a14:useLocalDpi xmlns:a14="http://schemas.microsoft.com/office/drawing/2010/main" val="0"/>
+              </a:ext>
+            </a:extLst>
+          </a:blip>
+          <a:srcRect/>
+          <a:stretch>
+            <a:fillRect/>
+          </a:stretch>
+        </p:blipFill>
+        <p:spPr bwMode="auto">
+          <a:xfrm>
+            <a:off x="2021747" y="1284853"/>
+            <a:ext cx="7103747" cy="5327810"/>
+          </a:xfrm>
+          <a:prstGeom prst="rect">
+            <a:avLst/>
+          </a:prstGeom>
+          <a:ln>
+            <a:noFill/>
+          </a:ln>
+          <a:effectLst>
+            <a:softEdge rad="112500"/>
+          </a:effectLst>
+          <a:extLst>
+            <a:ext uri="{909E8E84-426E-40DD-AFC4-6F175D3DCCD1}">
+              <a14:hiddenFill xmlns:a14="http://schemas.microsoft.com/office/drawing/2010/main">
+                <a:solidFill>
+                  <a:srgbClr val="FFFFFF"/>
+                </a:solidFill>
+              </a14:hiddenFill>
+            </a:ext>
+          </a:extLst>
+        </p:spPr>
+      </p:pic>
+    </p:spTree>
+    <p:extLst>
+      <p:ext uri="{BB962C8B-B14F-4D97-AF65-F5344CB8AC3E}">
+        <p14:creationId xmlns:p14="http://schemas.microsoft.com/office/powerpoint/2010/main" val="2422268095"/>
+      </p:ext>
+    </p:extLst>
+  </p:cSld>
+  <p:clrMapOvr>
+    <a:masterClrMapping/>
+  </p:clrMapOvr>
+</p:sld>
+</file>
+
+<file path=ppt/slides/slide31.xml><?xml version="1.0" encoding="utf-8"?>
+<p:sld xmlns:a="http://schemas.openxmlformats.org/drawingml/2006/main" xmlns:r="http://schemas.openxmlformats.org/officeDocument/2006/relationships" xmlns:p="http://schemas.openxmlformats.org/presentationml/2006/main">
+  <p:cSld>
+    <p:spTree>
+      <p:nvGrpSpPr>
+        <p:cNvPr id="1" name=""/>
+        <p:cNvGrpSpPr/>
+        <p:nvPr/>
+      </p:nvGrpSpPr>
+      <p:grpSpPr>
+        <a:xfrm>
+          <a:off x="0" y="0"/>
+          <a:ext cx="0" cy="0"/>
+          <a:chOff x="0" y="0"/>
+          <a:chExt cx="0" cy="0"/>
+        </a:xfrm>
+      </p:grpSpPr>
+      <p:sp>
+        <p:nvSpPr>
+          <p:cNvPr id="4" name="Title 1">
+            <a:extLst>
+              <a:ext uri="{FF2B5EF4-FFF2-40B4-BE49-F238E27FC236}">
+                <a16:creationId xmlns:a16="http://schemas.microsoft.com/office/drawing/2014/main" id="{CAC17C8E-3677-4E33-AD1C-BB70137513FC}"/>
+              </a:ext>
+            </a:extLst>
+          </p:cNvPr>
+          <p:cNvSpPr>
+            <a:spLocks noGrp="1"/>
+          </p:cNvSpPr>
+          <p:nvPr>
+            <p:ph type="title"/>
+          </p:nvPr>
+        </p:nvSpPr>
+        <p:spPr>
+          <a:xfrm>
+            <a:off x="333482" y="80621"/>
+            <a:ext cx="10515600" cy="1325563"/>
+          </a:xfrm>
+        </p:spPr>
+        <p:txBody>
+          <a:bodyPr/>
+          <a:lstStyle/>
+          <a:p>
+            <a:r>
+              <a:rPr lang="en-US" b="1" dirty="0">
+                <a:latin typeface="+mn-lt"/>
+              </a:rPr>
+              <a:t>Design Patterns Aspect</a:t>
+            </a:r>
+          </a:p>
+        </p:txBody>
+      </p:sp>
+      <p:pic>
+        <p:nvPicPr>
+          <p:cNvPr id="2" name="Picture 1">
+            <a:extLst>
+              <a:ext uri="{FF2B5EF4-FFF2-40B4-BE49-F238E27FC236}">
+                <a16:creationId xmlns:a16="http://schemas.microsoft.com/office/drawing/2014/main" id="{91A2A1B7-4B54-4644-B4AE-AF5029AADC84}"/>
+              </a:ext>
+            </a:extLst>
+          </p:cNvPr>
+          <p:cNvPicPr>
+            <a:picLocks noChangeAspect="1"/>
+          </p:cNvPicPr>
+          <p:nvPr/>
+        </p:nvPicPr>
+        <p:blipFill>
+          <a:blip r:embed="rId2"/>
+          <a:stretch>
+            <a:fillRect/>
+          </a:stretch>
+        </p:blipFill>
+        <p:spPr>
+          <a:xfrm>
+            <a:off x="2610095" y="1020897"/>
+            <a:ext cx="6169671" cy="5750653"/>
+          </a:xfrm>
+          <a:prstGeom prst="rect">
+            <a:avLst/>
+          </a:prstGeom>
+        </p:spPr>
+      </p:pic>
+    </p:spTree>
+    <p:extLst>
+      <p:ext uri="{BB962C8B-B14F-4D97-AF65-F5344CB8AC3E}">
+        <p14:creationId xmlns:p14="http://schemas.microsoft.com/office/powerpoint/2010/main" val="567078856"/>
+      </p:ext>
+    </p:extLst>
+  </p:cSld>
+  <p:clrMapOvr>
+    <a:masterClrMapping/>
+  </p:clrMapOvr>
+</p:sld>
+</file>
+
+<file path=ppt/slides/slide32.xml><?xml version="1.0" encoding="utf-8"?>
+<p:sld xmlns:a="http://schemas.openxmlformats.org/drawingml/2006/main" xmlns:r="http://schemas.openxmlformats.org/officeDocument/2006/relationships" xmlns:p="http://schemas.openxmlformats.org/presentationml/2006/main">
+  <p:cSld>
+    <p:spTree>
+      <p:nvGrpSpPr>
+        <p:cNvPr id="1" name=""/>
+        <p:cNvGrpSpPr/>
+        <p:nvPr/>
+      </p:nvGrpSpPr>
+      <p:grpSpPr>
+        <a:xfrm>
+          <a:off x="0" y="0"/>
+          <a:ext cx="0" cy="0"/>
+          <a:chOff x="0" y="0"/>
+          <a:chExt cx="0" cy="0"/>
+        </a:xfrm>
+      </p:grpSpPr>
+      <p:sp>
+        <p:nvSpPr>
+          <p:cNvPr id="4" name="Title 1">
+            <a:extLst>
+              <a:ext uri="{FF2B5EF4-FFF2-40B4-BE49-F238E27FC236}">
+                <a16:creationId xmlns:a16="http://schemas.microsoft.com/office/drawing/2014/main" id="{CAC17C8E-3677-4E33-AD1C-BB70137513FC}"/>
+              </a:ext>
+            </a:extLst>
+          </p:cNvPr>
+          <p:cNvSpPr>
+            <a:spLocks noGrp="1"/>
+          </p:cNvSpPr>
+          <p:nvPr>
+            <p:ph type="title"/>
+          </p:nvPr>
+        </p:nvSpPr>
+        <p:spPr>
+          <a:xfrm>
+            <a:off x="333482" y="80621"/>
+            <a:ext cx="10515600" cy="1325563"/>
+          </a:xfrm>
+        </p:spPr>
+        <p:txBody>
+          <a:bodyPr/>
+          <a:lstStyle/>
+          <a:p>
+            <a:r>
+              <a:rPr lang="en-US" b="1" dirty="0">
+                <a:latin typeface="+mn-lt"/>
+              </a:rPr>
+              <a:t>Design Patterns Aspect</a:t>
+            </a:r>
+          </a:p>
+        </p:txBody>
+      </p:sp>
+      <p:pic>
+        <p:nvPicPr>
+          <p:cNvPr id="3" name="Picture 2">
+            <a:extLst>
+              <a:ext uri="{FF2B5EF4-FFF2-40B4-BE49-F238E27FC236}">
+                <a16:creationId xmlns:a16="http://schemas.microsoft.com/office/drawing/2014/main" id="{BBB34FF8-947E-4A5E-90D5-61BADFEBD95E}"/>
+              </a:ext>
+            </a:extLst>
+          </p:cNvPr>
+          <p:cNvPicPr>
+            <a:picLocks noChangeAspect="1"/>
+          </p:cNvPicPr>
+          <p:nvPr/>
+        </p:nvPicPr>
+        <p:blipFill rotWithShape="1">
+          <a:blip r:embed="rId2"/>
+          <a:srcRect l="5169" t="3663" r="5718"/>
+          <a:stretch/>
+        </p:blipFill>
+        <p:spPr>
+          <a:xfrm>
+            <a:off x="2810312" y="1015067"/>
+            <a:ext cx="6014906" cy="5762311"/>
+          </a:xfrm>
+          <a:prstGeom prst="rect">
+            <a:avLst/>
+          </a:prstGeom>
+        </p:spPr>
+      </p:pic>
+      <p:cxnSp>
+        <p:nvCxnSpPr>
+          <p:cNvPr id="6" name="Straight Arrow Connector 5">
+            <a:extLst>
+              <a:ext uri="{FF2B5EF4-FFF2-40B4-BE49-F238E27FC236}">
+                <a16:creationId xmlns:a16="http://schemas.microsoft.com/office/drawing/2014/main" id="{C3797FAD-97F8-4764-83CD-173FA42186D0}"/>
+              </a:ext>
+            </a:extLst>
+          </p:cNvPr>
+          <p:cNvCxnSpPr>
+            <a:cxnSpLocks/>
+          </p:cNvCxnSpPr>
+          <p:nvPr/>
+        </p:nvCxnSpPr>
+        <p:spPr>
+          <a:xfrm flipV="1">
+            <a:off x="1669409" y="6123963"/>
+            <a:ext cx="1057013" cy="360727"/>
+          </a:xfrm>
+          <a:prstGeom prst="straightConnector1">
+            <a:avLst/>
+          </a:prstGeom>
+          <a:ln>
+            <a:tailEnd type="triangle"/>
+          </a:ln>
+        </p:spPr>
+        <p:style>
+          <a:lnRef idx="3">
+            <a:schemeClr val="dk1"/>
+          </a:lnRef>
+          <a:fillRef idx="0">
+            <a:schemeClr val="dk1"/>
+          </a:fillRef>
+          <a:effectRef idx="2">
+            <a:schemeClr val="dk1"/>
+          </a:effectRef>
+          <a:fontRef idx="minor">
+            <a:schemeClr val="tx1"/>
+          </a:fontRef>
+        </p:style>
+      </p:cxnSp>
+      <p:cxnSp>
+        <p:nvCxnSpPr>
+          <p:cNvPr id="7" name="Straight Arrow Connector 6">
+            <a:extLst>
+              <a:ext uri="{FF2B5EF4-FFF2-40B4-BE49-F238E27FC236}">
+                <a16:creationId xmlns:a16="http://schemas.microsoft.com/office/drawing/2014/main" id="{FCE51C9C-3B47-4546-8DBE-41759435DDB4}"/>
+              </a:ext>
+            </a:extLst>
+          </p:cNvPr>
+          <p:cNvCxnSpPr>
+            <a:cxnSpLocks/>
+          </p:cNvCxnSpPr>
+          <p:nvPr/>
+        </p:nvCxnSpPr>
+        <p:spPr>
+          <a:xfrm flipV="1">
+            <a:off x="1325461" y="3783435"/>
+            <a:ext cx="1400961" cy="511728"/>
+          </a:xfrm>
+          <a:prstGeom prst="straightConnector1">
+            <a:avLst/>
+          </a:prstGeom>
+          <a:ln>
+            <a:tailEnd type="triangle"/>
+          </a:ln>
+        </p:spPr>
+        <p:style>
+          <a:lnRef idx="3">
+            <a:schemeClr val="dk1"/>
+          </a:lnRef>
+          <a:fillRef idx="0">
+            <a:schemeClr val="dk1"/>
+          </a:fillRef>
+          <a:effectRef idx="2">
+            <a:schemeClr val="dk1"/>
+          </a:effectRef>
+          <a:fontRef idx="minor">
+            <a:schemeClr val="tx1"/>
+          </a:fontRef>
+        </p:style>
+      </p:cxnSp>
+    </p:spTree>
+    <p:extLst>
+      <p:ext uri="{BB962C8B-B14F-4D97-AF65-F5344CB8AC3E}">
+        <p14:creationId xmlns:p14="http://schemas.microsoft.com/office/powerpoint/2010/main" val="415492850"/>
+      </p:ext>
+    </p:extLst>
+  </p:cSld>
+  <p:clrMapOvr>
+    <a:masterClrMapping/>
+  </p:clrMapOvr>
+</p:sld>
+</file>
+
+<file path=ppt/slides/slide33.xml><?xml version="1.0" encoding="utf-8"?>
+<p:sld xmlns:a="http://schemas.openxmlformats.org/drawingml/2006/main" xmlns:r="http://schemas.openxmlformats.org/officeDocument/2006/relationships" xmlns:p="http://schemas.openxmlformats.org/presentationml/2006/main">
+  <p:cSld>
+    <p:spTree>
+      <p:nvGrpSpPr>
+        <p:cNvPr id="1" name=""/>
+        <p:cNvGrpSpPr/>
+        <p:nvPr/>
+      </p:nvGrpSpPr>
+      <p:grpSpPr>
+        <a:xfrm>
+          <a:off x="0" y="0"/>
+          <a:ext cx="0" cy="0"/>
+          <a:chOff x="0" y="0"/>
+          <a:chExt cx="0" cy="0"/>
+        </a:xfrm>
+      </p:grpSpPr>
+      <p:sp>
+        <p:nvSpPr>
+          <p:cNvPr id="4" name="Title 1">
+            <a:extLst>
+              <a:ext uri="{FF2B5EF4-FFF2-40B4-BE49-F238E27FC236}">
+                <a16:creationId xmlns:a16="http://schemas.microsoft.com/office/drawing/2014/main" id="{CAC17C8E-3677-4E33-AD1C-BB70137513FC}"/>
+              </a:ext>
+            </a:extLst>
+          </p:cNvPr>
+          <p:cNvSpPr>
+            <a:spLocks noGrp="1"/>
+          </p:cNvSpPr>
+          <p:nvPr>
+            <p:ph type="title"/>
+          </p:nvPr>
+        </p:nvSpPr>
+        <p:spPr>
+          <a:xfrm>
+            <a:off x="333482" y="80621"/>
+            <a:ext cx="10515600" cy="1325563"/>
+          </a:xfrm>
+        </p:spPr>
+        <p:txBody>
+          <a:bodyPr/>
+          <a:lstStyle/>
+          <a:p>
+            <a:r>
+              <a:rPr lang="en-US" b="1" dirty="0">
+                <a:latin typeface="+mn-lt"/>
+              </a:rPr>
+              <a:t>Design Patterns Aspect</a:t>
+            </a:r>
+          </a:p>
+        </p:txBody>
+      </p:sp>
+      <p:pic>
+        <p:nvPicPr>
+          <p:cNvPr id="2050" name="Picture 2" descr="Image result for decorator design pattern">
+            <a:extLst>
+              <a:ext uri="{FF2B5EF4-FFF2-40B4-BE49-F238E27FC236}">
+                <a16:creationId xmlns:a16="http://schemas.microsoft.com/office/drawing/2014/main" id="{BF84600F-F124-4133-9B41-A693531B31DE}"/>
+              </a:ext>
+            </a:extLst>
+          </p:cNvPr>
+          <p:cNvPicPr>
+            <a:picLocks noChangeAspect="1" noChangeArrowheads="1"/>
+          </p:cNvPicPr>
+          <p:nvPr/>
+        </p:nvPicPr>
+        <p:blipFill rotWithShape="1">
+          <a:blip r:embed="rId2">
+            <a:extLst>
+              <a:ext uri="{28A0092B-C50C-407E-A947-70E740481C1C}">
+                <a14:useLocalDpi xmlns:a14="http://schemas.microsoft.com/office/drawing/2010/main" val="0"/>
+              </a:ext>
+            </a:extLst>
+          </a:blip>
+          <a:srcRect l="8290" r="8039"/>
+          <a:stretch/>
+        </p:blipFill>
+        <p:spPr bwMode="auto">
+          <a:xfrm>
+            <a:off x="838898" y="2363598"/>
+            <a:ext cx="5100507" cy="3429000"/>
+          </a:xfrm>
+          <a:prstGeom prst="rect">
+            <a:avLst/>
+          </a:prstGeom>
+          <a:noFill/>
+          <a:extLst>
+            <a:ext uri="{909E8E84-426E-40DD-AFC4-6F175D3DCCD1}">
+              <a14:hiddenFill xmlns:a14="http://schemas.microsoft.com/office/drawing/2010/main">
+                <a:solidFill>
+                  <a:srgbClr val="FFFFFF"/>
+                </a:solidFill>
+              </a14:hiddenFill>
+            </a:ext>
+          </a:extLst>
+        </p:spPr>
+      </p:pic>
+      <p:pic>
+        <p:nvPicPr>
+          <p:cNvPr id="2052" name="Picture 4" descr="Related image">
+            <a:extLst>
+              <a:ext uri="{FF2B5EF4-FFF2-40B4-BE49-F238E27FC236}">
+                <a16:creationId xmlns:a16="http://schemas.microsoft.com/office/drawing/2014/main" id="{5343AF97-D643-4D92-83B5-1EEFE5FA49E7}"/>
+              </a:ext>
+            </a:extLst>
+          </p:cNvPr>
+          <p:cNvPicPr>
+            <a:picLocks noChangeAspect="1" noChangeArrowheads="1"/>
+          </p:cNvPicPr>
+          <p:nvPr/>
+        </p:nvPicPr>
+        <p:blipFill>
+          <a:blip r:embed="rId3">
+            <a:extLst>
+              <a:ext uri="{28A0092B-C50C-407E-A947-70E740481C1C}">
+                <a14:useLocalDpi xmlns:a14="http://schemas.microsoft.com/office/drawing/2010/main" val="0"/>
+              </a:ext>
+            </a:extLst>
+          </a:blip>
+          <a:srcRect/>
+          <a:stretch>
+            <a:fillRect/>
+          </a:stretch>
+        </p:blipFill>
+        <p:spPr bwMode="auto">
+          <a:xfrm>
+            <a:off x="6288683" y="2363597"/>
+            <a:ext cx="5490967" cy="2946633"/>
+          </a:xfrm>
+          <a:prstGeom prst="rect">
+            <a:avLst/>
+          </a:prstGeom>
+          <a:noFill/>
+          <a:extLst>
+            <a:ext uri="{909E8E84-426E-40DD-AFC4-6F175D3DCCD1}">
+              <a14:hiddenFill xmlns:a14="http://schemas.microsoft.com/office/drawing/2010/main">
+                <a:solidFill>
+                  <a:srgbClr val="FFFFFF"/>
+                </a:solidFill>
+              </a14:hiddenFill>
+            </a:ext>
+          </a:extLst>
+        </p:spPr>
+      </p:pic>
+      <p:sp>
+        <p:nvSpPr>
+          <p:cNvPr id="8" name="Title 1">
+            <a:extLst>
+              <a:ext uri="{FF2B5EF4-FFF2-40B4-BE49-F238E27FC236}">
+                <a16:creationId xmlns:a16="http://schemas.microsoft.com/office/drawing/2014/main" id="{B5B8C92D-110A-40B3-A45C-E7D0D1EFA93B}"/>
+              </a:ext>
+            </a:extLst>
+          </p:cNvPr>
+          <p:cNvSpPr txBox="1">
+            <a:spLocks/>
+          </p:cNvSpPr>
+          <p:nvPr/>
+        </p:nvSpPr>
+        <p:spPr>
+          <a:xfrm>
+            <a:off x="8276403" y="1759478"/>
+            <a:ext cx="1624955" cy="604120"/>
+          </a:xfrm>
+          <a:prstGeom prst="rect">
+            <a:avLst/>
+          </a:prstGeom>
+        </p:spPr>
+        <p:txBody>
+          <a:bodyPr vert="horz" lIns="91440" tIns="45720" rIns="91440" bIns="45720" rtlCol="0" anchor="ctr">
+            <a:normAutofit/>
+          </a:bodyPr>
+          <a:lstStyle>
+            <a:lvl1pPr algn="l" defTabSz="914400" rtl="0" eaLnBrk="1" latinLnBrk="0" hangingPunct="1">
+              <a:lnSpc>
+                <a:spcPct val="90000"/>
+              </a:lnSpc>
+              <a:spcBef>
+                <a:spcPct val="0"/>
+              </a:spcBef>
+              <a:buNone/>
+              <a:defRPr sz="4400" kern="1200">
+                <a:solidFill>
+                  <a:schemeClr val="tx1"/>
+                </a:solidFill>
+                <a:latin typeface="+mj-lt"/>
+                <a:ea typeface="+mj-ea"/>
+                <a:cs typeface="+mj-cs"/>
+              </a:defRPr>
+            </a:lvl1pPr>
+          </a:lstStyle>
+          <a:p>
+            <a:r>
+              <a:rPr lang="en-US" sz="2400" b="1" dirty="0">
+                <a:latin typeface="+mn-lt"/>
+              </a:rPr>
+              <a:t>Singleton</a:t>
+            </a:r>
+          </a:p>
+        </p:txBody>
+      </p:sp>
+    </p:spTree>
+    <p:extLst>
+      <p:ext uri="{BB962C8B-B14F-4D97-AF65-F5344CB8AC3E}">
+        <p14:creationId xmlns:p14="http://schemas.microsoft.com/office/powerpoint/2010/main" val="1590348669"/>
+      </p:ext>
+    </p:extLst>
+  </p:cSld>
+  <p:clrMapOvr>
+    <a:masterClrMapping/>
+  </p:clrMapOvr>
+</p:sld>
+</file>
+
+<file path=ppt/slides/slide34.xml><?xml version="1.0" encoding="utf-8"?>
+<p:sld xmlns:a="http://schemas.openxmlformats.org/drawingml/2006/main" xmlns:r="http://schemas.openxmlformats.org/officeDocument/2006/relationships" xmlns:p="http://schemas.openxmlformats.org/presentationml/2006/main">
+  <p:cSld>
+    <p:spTree>
+      <p:nvGrpSpPr>
+        <p:cNvPr id="1" name=""/>
+        <p:cNvGrpSpPr/>
+        <p:nvPr/>
+      </p:nvGrpSpPr>
+      <p:grpSpPr>
+        <a:xfrm>
+          <a:off x="0" y="0"/>
+          <a:ext cx="0" cy="0"/>
+          <a:chOff x="0" y="0"/>
+          <a:chExt cx="0" cy="0"/>
+        </a:xfrm>
+      </p:grpSpPr>
+      <p:sp>
+        <p:nvSpPr>
+          <p:cNvPr id="4" name="Title 1">
+            <a:extLst>
+              <a:ext uri="{FF2B5EF4-FFF2-40B4-BE49-F238E27FC236}">
+                <a16:creationId xmlns:a16="http://schemas.microsoft.com/office/drawing/2014/main" id="{CAC17C8E-3677-4E33-AD1C-BB70137513FC}"/>
+              </a:ext>
+            </a:extLst>
+          </p:cNvPr>
+          <p:cNvSpPr>
+            <a:spLocks noGrp="1"/>
+          </p:cNvSpPr>
+          <p:nvPr>
+            <p:ph type="title"/>
+          </p:nvPr>
+        </p:nvSpPr>
+        <p:spPr>
+          <a:xfrm>
+            <a:off x="400594" y="86450"/>
+            <a:ext cx="10515600" cy="1325563"/>
+          </a:xfrm>
+        </p:spPr>
+        <p:txBody>
+          <a:bodyPr/>
+          <a:lstStyle/>
+          <a:p>
+            <a:r>
+              <a:rPr lang="en-US" b="1" dirty="0">
+                <a:latin typeface="+mn-lt"/>
+              </a:rPr>
+              <a:t>Design Pattern Aspect</a:t>
+            </a:r>
+          </a:p>
+        </p:txBody>
+      </p:sp>
+      <p:sp>
+        <p:nvSpPr>
+          <p:cNvPr id="5" name="Content Placeholder 2">
+            <a:extLst>
+              <a:ext uri="{FF2B5EF4-FFF2-40B4-BE49-F238E27FC236}">
+                <a16:creationId xmlns:a16="http://schemas.microsoft.com/office/drawing/2014/main" id="{507F342C-C331-44DB-ACF0-C06FE2A5C3FB}"/>
+              </a:ext>
+            </a:extLst>
+          </p:cNvPr>
+          <p:cNvSpPr>
+            <a:spLocks noGrp="1"/>
+          </p:cNvSpPr>
+          <p:nvPr>
+            <p:ph idx="1"/>
+          </p:nvPr>
+        </p:nvSpPr>
+        <p:spPr>
+          <a:xfrm>
+            <a:off x="125835" y="1116419"/>
+            <a:ext cx="11434194" cy="5554347"/>
+          </a:xfrm>
+        </p:spPr>
+        <p:txBody>
+          <a:bodyPr>
+            <a:normAutofit/>
+          </a:bodyPr>
+          <a:lstStyle/>
+          <a:p>
+            <a:pPr marL="0" indent="0">
+              <a:lnSpc>
+                <a:spcPct val="150000"/>
+              </a:lnSpc>
+              <a:buNone/>
+            </a:pPr>
+            <a:r>
+              <a:rPr lang="en-US" sz="2400" b="1" dirty="0"/>
+              <a:t>Implementing Decorator and </a:t>
+            </a:r>
+            <a:r>
+              <a:rPr lang="en-US" sz="2400" b="1" dirty="0" err="1"/>
+              <a:t>Singletone</a:t>
+            </a:r>
+            <a:r>
+              <a:rPr lang="en-US" sz="2400" b="1" dirty="0"/>
+              <a:t> design patterns using Aspects which improves code reusability and composability.</a:t>
+            </a:r>
+          </a:p>
+          <a:p>
+            <a:pPr>
+              <a:lnSpc>
+                <a:spcPct val="150000"/>
+              </a:lnSpc>
+            </a:pPr>
+            <a:r>
+              <a:rPr lang="en-US" sz="2400" b="1" dirty="0">
+                <a:solidFill>
+                  <a:srgbClr val="FF0000"/>
+                </a:solidFill>
+              </a:rPr>
+              <a:t>Concern:</a:t>
+            </a:r>
+          </a:p>
+          <a:p>
+            <a:pPr>
+              <a:lnSpc>
+                <a:spcPct val="150000"/>
+              </a:lnSpc>
+            </a:pPr>
+            <a:r>
+              <a:rPr lang="en-US" sz="2400" b="1" i="1" dirty="0">
+                <a:solidFill>
+                  <a:srgbClr val="FF0000"/>
+                </a:solidFill>
+              </a:rPr>
+              <a:t>Pointcut:</a:t>
+            </a:r>
+            <a:r>
+              <a:rPr lang="en-US" sz="2400" b="1" i="1" dirty="0"/>
+              <a:t> launch of the game (dependent on given </a:t>
+            </a:r>
+            <a:r>
+              <a:rPr lang="en-US" sz="2400" b="1" i="1" dirty="0" err="1"/>
+              <a:t>args</a:t>
+            </a:r>
+            <a:r>
+              <a:rPr lang="en-US" sz="2400" b="1" i="1" dirty="0"/>
+              <a:t>).</a:t>
+            </a:r>
+          </a:p>
+          <a:p>
+            <a:pPr>
+              <a:lnSpc>
+                <a:spcPct val="150000"/>
+              </a:lnSpc>
+            </a:pPr>
+            <a:r>
+              <a:rPr lang="en-US" sz="2400" b="1" i="1" dirty="0">
+                <a:solidFill>
+                  <a:srgbClr val="FF0000"/>
+                </a:solidFill>
+              </a:rPr>
+              <a:t>Advice: </a:t>
+            </a:r>
+            <a:r>
+              <a:rPr lang="en-US" sz="2400" b="1" i="1" dirty="0"/>
+              <a:t>creating spaceships (</a:t>
+            </a:r>
+            <a:r>
+              <a:rPr lang="en-US" sz="2400" b="1" i="1" dirty="0" err="1"/>
+              <a:t>SpaceShipFactory</a:t>
+            </a:r>
+            <a:r>
+              <a:rPr lang="en-US" sz="2400" b="1" i="1" dirty="0"/>
+              <a:t>) using an Aspect.</a:t>
+            </a:r>
+          </a:p>
+        </p:txBody>
+      </p:sp>
+    </p:spTree>
+    <p:extLst>
+      <p:ext uri="{BB962C8B-B14F-4D97-AF65-F5344CB8AC3E}">
+        <p14:creationId xmlns:p14="http://schemas.microsoft.com/office/powerpoint/2010/main" val="1911093046"/>
+      </p:ext>
+    </p:extLst>
+  </p:cSld>
+  <p:clrMapOvr>
+    <a:masterClrMapping/>
+  </p:clrMapOvr>
+</p:sld>
+</file>
+
+<file path=ppt/slides/slide35.xml><?xml version="1.0" encoding="utf-8"?>
+<p:sld xmlns:a="http://schemas.openxmlformats.org/drawingml/2006/main" xmlns:r="http://schemas.openxmlformats.org/officeDocument/2006/relationships" xmlns:p="http://schemas.openxmlformats.org/presentationml/2006/main">
+  <p:cSld>
+    <p:spTree>
+      <p:nvGrpSpPr>
+        <p:cNvPr id="1" name=""/>
+        <p:cNvGrpSpPr/>
+        <p:nvPr/>
+      </p:nvGrpSpPr>
+      <p:grpSpPr>
+        <a:xfrm>
+          <a:off x="0" y="0"/>
+          <a:ext cx="0" cy="0"/>
+          <a:chOff x="0" y="0"/>
+          <a:chExt cx="0" cy="0"/>
+        </a:xfrm>
+      </p:grpSpPr>
+      <p:sp>
+        <p:nvSpPr>
+          <p:cNvPr id="4" name="Title 1">
+            <a:extLst>
+              <a:ext uri="{FF2B5EF4-FFF2-40B4-BE49-F238E27FC236}">
+                <a16:creationId xmlns:a16="http://schemas.microsoft.com/office/drawing/2014/main" id="{CAC17C8E-3677-4E33-AD1C-BB70137513FC}"/>
+              </a:ext>
+            </a:extLst>
+          </p:cNvPr>
+          <p:cNvSpPr>
+            <a:spLocks noGrp="1"/>
+          </p:cNvSpPr>
+          <p:nvPr>
+            <p:ph type="title"/>
+          </p:nvPr>
+        </p:nvSpPr>
+        <p:spPr>
+          <a:xfrm>
+            <a:off x="400594" y="86450"/>
+            <a:ext cx="10515600" cy="1325563"/>
+          </a:xfrm>
+        </p:spPr>
+        <p:txBody>
+          <a:bodyPr/>
+          <a:lstStyle/>
+          <a:p>
+            <a:r>
+              <a:rPr lang="en-US" b="1" dirty="0">
+                <a:highlight>
+                  <a:srgbClr val="FFFF00"/>
+                </a:highlight>
+                <a:latin typeface="+mn-lt"/>
+              </a:rPr>
+              <a:t>TODO</a:t>
+            </a:r>
+          </a:p>
+        </p:txBody>
+      </p:sp>
+      <p:sp>
+        <p:nvSpPr>
+          <p:cNvPr id="5" name="Content Placeholder 2">
+            <a:extLst>
+              <a:ext uri="{FF2B5EF4-FFF2-40B4-BE49-F238E27FC236}">
+                <a16:creationId xmlns:a16="http://schemas.microsoft.com/office/drawing/2014/main" id="{507F342C-C331-44DB-ACF0-C06FE2A5C3FB}"/>
+              </a:ext>
+            </a:extLst>
+          </p:cNvPr>
+          <p:cNvSpPr>
+            <a:spLocks noGrp="1"/>
+          </p:cNvSpPr>
+          <p:nvPr>
+            <p:ph idx="1"/>
+          </p:nvPr>
+        </p:nvSpPr>
+        <p:spPr>
+          <a:xfrm>
+            <a:off x="400594" y="1201783"/>
+            <a:ext cx="11495315" cy="5468983"/>
+          </a:xfrm>
+        </p:spPr>
+        <p:txBody>
+          <a:bodyPr>
+            <a:normAutofit/>
+          </a:bodyPr>
+          <a:lstStyle/>
+          <a:p>
+            <a:pPr>
+              <a:lnSpc>
+                <a:spcPct val="150000"/>
+              </a:lnSpc>
+            </a:pPr>
+            <a:r>
+              <a:rPr lang="en-US" b="1" dirty="0" err="1"/>
+              <a:t>StartGame</a:t>
+            </a:r>
+            <a:r>
+              <a:rPr lang="en-US" b="1" dirty="0"/>
+              <a:t>/</a:t>
+            </a:r>
+            <a:r>
+              <a:rPr lang="en-US" b="1" dirty="0" err="1"/>
+              <a:t>EndGame</a:t>
+            </a:r>
+            <a:r>
+              <a:rPr lang="en-US" b="1" dirty="0"/>
+              <a:t> message to </a:t>
+            </a:r>
+            <a:r>
+              <a:rPr lang="en-US" b="1" dirty="0" err="1"/>
+              <a:t>stdout</a:t>
+            </a:r>
+            <a:endParaRPr lang="en-US" b="1" dirty="0"/>
+          </a:p>
+          <a:p>
+            <a:pPr>
+              <a:lnSpc>
+                <a:spcPct val="150000"/>
+              </a:lnSpc>
+            </a:pPr>
+            <a:r>
+              <a:rPr lang="en-US" b="1" dirty="0"/>
+              <a:t>Copy code lines to our PPT</a:t>
+            </a:r>
+          </a:p>
+        </p:txBody>
+      </p:sp>
+    </p:spTree>
+    <p:extLst>
+      <p:ext uri="{BB962C8B-B14F-4D97-AF65-F5344CB8AC3E}">
+        <p14:creationId xmlns:p14="http://schemas.microsoft.com/office/powerpoint/2010/main" val="3667126705"/>
       </p:ext>
     </p:extLst>
   </p:cSld>
@@ -7971,44 +9260,350 @@
       </p:sp>
       <p:sp>
         <p:nvSpPr>
-          <p:cNvPr id="5" name="Content Placeholder 2">
-            <a:extLst>
-              <a:ext uri="{FF2B5EF4-FFF2-40B4-BE49-F238E27FC236}">
-                <a16:creationId xmlns:a16="http://schemas.microsoft.com/office/drawing/2014/main" id="{507F342C-C331-44DB-ACF0-C06FE2A5C3FB}"/>
-              </a:ext>
-            </a:extLst>
-          </p:cNvPr>
-          <p:cNvSpPr>
-            <a:spLocks noGrp="1"/>
-          </p:cNvSpPr>
-          <p:nvPr>
-            <p:ph idx="1"/>
-          </p:nvPr>
-        </p:nvSpPr>
-        <p:spPr>
-          <a:xfrm>
-            <a:off x="400594" y="1201783"/>
-            <a:ext cx="11495315" cy="5468983"/>
-          </a:xfrm>
-        </p:spPr>
-        <p:txBody>
-          <a:bodyPr>
-            <a:normAutofit/>
-          </a:bodyPr>
-          <a:lstStyle/>
-          <a:p>
-            <a:pPr>
-              <a:lnSpc>
-                <a:spcPct val="150000"/>
-              </a:lnSpc>
-            </a:pPr>
-            <a:r>
-              <a:rPr lang="en-US" b="1" dirty="0">
-                <a:highlight>
-                  <a:srgbClr val="FFFF00"/>
-                </a:highlight>
-              </a:rPr>
-              <a:t>TODO</a:t>
+          <p:cNvPr id="6" name="Oval 5">
+            <a:extLst>
+              <a:ext uri="{FF2B5EF4-FFF2-40B4-BE49-F238E27FC236}">
+                <a16:creationId xmlns:a16="http://schemas.microsoft.com/office/drawing/2014/main" id="{3CCBE272-FDB5-4B84-9612-1A9B7233A9E1}"/>
+              </a:ext>
+            </a:extLst>
+          </p:cNvPr>
+          <p:cNvSpPr/>
+          <p:nvPr/>
+        </p:nvSpPr>
+        <p:spPr>
+          <a:xfrm>
+            <a:off x="1120790" y="1788614"/>
+            <a:ext cx="1743512" cy="1550281"/>
+          </a:xfrm>
+          <a:prstGeom prst="ellipse">
+            <a:avLst/>
+          </a:prstGeom>
+          <a:solidFill>
+            <a:schemeClr val="accent1">
+              <a:lumMod val="50000"/>
+            </a:schemeClr>
+          </a:solidFill>
+          <a:ln>
+            <a:solidFill>
+              <a:schemeClr val="bg1"/>
+            </a:solidFill>
+          </a:ln>
+        </p:spPr>
+        <p:style>
+          <a:lnRef idx="2">
+            <a:schemeClr val="accent1">
+              <a:shade val="50000"/>
+            </a:schemeClr>
+          </a:lnRef>
+          <a:fillRef idx="1">
+            <a:schemeClr val="accent1"/>
+          </a:fillRef>
+          <a:effectRef idx="0">
+            <a:schemeClr val="accent1"/>
+          </a:effectRef>
+          <a:fontRef idx="minor">
+            <a:schemeClr val="lt1"/>
+          </a:fontRef>
+        </p:style>
+        <p:txBody>
+          <a:bodyPr rtlCol="0" anchor="ctr"/>
+          <a:lstStyle/>
+          <a:p>
+            <a:pPr algn="ctr"/>
+            <a:r>
+              <a:rPr lang="en-US" sz="1400" b="1" dirty="0"/>
+              <a:t>Logging</a:t>
+            </a:r>
+          </a:p>
+        </p:txBody>
+      </p:sp>
+      <p:sp>
+        <p:nvSpPr>
+          <p:cNvPr id="7" name="Oval 6">
+            <a:extLst>
+              <a:ext uri="{FF2B5EF4-FFF2-40B4-BE49-F238E27FC236}">
+                <a16:creationId xmlns:a16="http://schemas.microsoft.com/office/drawing/2014/main" id="{5890A3BC-FB57-47AF-896F-4C56AE183A15}"/>
+              </a:ext>
+            </a:extLst>
+          </p:cNvPr>
+          <p:cNvSpPr/>
+          <p:nvPr/>
+        </p:nvSpPr>
+        <p:spPr>
+          <a:xfrm>
+            <a:off x="5286812" y="1641126"/>
+            <a:ext cx="1743512" cy="1550281"/>
+          </a:xfrm>
+          <a:prstGeom prst="ellipse">
+            <a:avLst/>
+          </a:prstGeom>
+          <a:solidFill>
+            <a:schemeClr val="tx1"/>
+          </a:solidFill>
+          <a:ln>
+            <a:solidFill>
+              <a:schemeClr val="bg1"/>
+            </a:solidFill>
+          </a:ln>
+        </p:spPr>
+        <p:style>
+          <a:lnRef idx="2">
+            <a:schemeClr val="accent1">
+              <a:shade val="50000"/>
+            </a:schemeClr>
+          </a:lnRef>
+          <a:fillRef idx="1">
+            <a:schemeClr val="accent1"/>
+          </a:fillRef>
+          <a:effectRef idx="0">
+            <a:schemeClr val="accent1"/>
+          </a:effectRef>
+          <a:fontRef idx="minor">
+            <a:schemeClr val="lt1"/>
+          </a:fontRef>
+        </p:style>
+        <p:txBody>
+          <a:bodyPr rtlCol="0" anchor="ctr"/>
+          <a:lstStyle/>
+          <a:p>
+            <a:pPr algn="ctr"/>
+            <a:r>
+              <a:rPr lang="en-US" sz="1400" b="1" dirty="0"/>
+              <a:t>Authorization</a:t>
+            </a:r>
+          </a:p>
+        </p:txBody>
+      </p:sp>
+      <p:sp>
+        <p:nvSpPr>
+          <p:cNvPr id="8" name="Oval 7">
+            <a:extLst>
+              <a:ext uri="{FF2B5EF4-FFF2-40B4-BE49-F238E27FC236}">
+                <a16:creationId xmlns:a16="http://schemas.microsoft.com/office/drawing/2014/main" id="{A22F7F96-7135-4A3A-BEB5-38A353DE8D60}"/>
+              </a:ext>
+            </a:extLst>
+          </p:cNvPr>
+          <p:cNvSpPr/>
+          <p:nvPr/>
+        </p:nvSpPr>
+        <p:spPr>
+          <a:xfrm>
+            <a:off x="649087" y="3980692"/>
+            <a:ext cx="1743512" cy="1550281"/>
+          </a:xfrm>
+          <a:prstGeom prst="ellipse">
+            <a:avLst/>
+          </a:prstGeom>
+          <a:solidFill>
+            <a:schemeClr val="accent2">
+              <a:lumMod val="50000"/>
+            </a:schemeClr>
+          </a:solidFill>
+          <a:ln>
+            <a:solidFill>
+              <a:schemeClr val="bg1"/>
+            </a:solidFill>
+          </a:ln>
+        </p:spPr>
+        <p:style>
+          <a:lnRef idx="2">
+            <a:schemeClr val="accent1">
+              <a:shade val="50000"/>
+            </a:schemeClr>
+          </a:lnRef>
+          <a:fillRef idx="1">
+            <a:schemeClr val="accent1"/>
+          </a:fillRef>
+          <a:effectRef idx="0">
+            <a:schemeClr val="accent1"/>
+          </a:effectRef>
+          <a:fontRef idx="minor">
+            <a:schemeClr val="lt1"/>
+          </a:fontRef>
+        </p:style>
+        <p:txBody>
+          <a:bodyPr rtlCol="0" anchor="ctr"/>
+          <a:lstStyle/>
+          <a:p>
+            <a:pPr algn="ctr"/>
+            <a:r>
+              <a:rPr lang="en-US" sz="1400" b="1" dirty="0"/>
+              <a:t>Validation</a:t>
+            </a:r>
+          </a:p>
+        </p:txBody>
+      </p:sp>
+      <p:sp>
+        <p:nvSpPr>
+          <p:cNvPr id="9" name="Oval 8">
+            <a:extLst>
+              <a:ext uri="{FF2B5EF4-FFF2-40B4-BE49-F238E27FC236}">
+                <a16:creationId xmlns:a16="http://schemas.microsoft.com/office/drawing/2014/main" id="{81D44466-8B39-43B5-98A7-17B1C1BAB962}"/>
+              </a:ext>
+            </a:extLst>
+          </p:cNvPr>
+          <p:cNvSpPr/>
+          <p:nvPr/>
+        </p:nvSpPr>
+        <p:spPr>
+          <a:xfrm>
+            <a:off x="8999828" y="1432014"/>
+            <a:ext cx="1743512" cy="1550281"/>
+          </a:xfrm>
+          <a:prstGeom prst="ellipse">
+            <a:avLst/>
+          </a:prstGeom>
+          <a:solidFill>
+            <a:schemeClr val="accent1">
+              <a:lumMod val="50000"/>
+            </a:schemeClr>
+          </a:solidFill>
+          <a:ln>
+            <a:solidFill>
+              <a:schemeClr val="bg1"/>
+            </a:solidFill>
+          </a:ln>
+        </p:spPr>
+        <p:style>
+          <a:lnRef idx="2">
+            <a:schemeClr val="accent1">
+              <a:shade val="50000"/>
+            </a:schemeClr>
+          </a:lnRef>
+          <a:fillRef idx="1">
+            <a:schemeClr val="accent1"/>
+          </a:fillRef>
+          <a:effectRef idx="0">
+            <a:schemeClr val="accent1"/>
+          </a:effectRef>
+          <a:fontRef idx="minor">
+            <a:schemeClr val="lt1"/>
+          </a:fontRef>
+        </p:style>
+        <p:txBody>
+          <a:bodyPr rtlCol="0" anchor="ctr"/>
+          <a:lstStyle/>
+          <a:p>
+            <a:pPr algn="ctr"/>
+            <a:r>
+              <a:rPr lang="en-US" sz="1400" b="1" dirty="0"/>
+              <a:t>UI</a:t>
+            </a:r>
+          </a:p>
+        </p:txBody>
+      </p:sp>
+      <p:sp>
+        <p:nvSpPr>
+          <p:cNvPr id="10" name="Oval 9">
+            <a:extLst>
+              <a:ext uri="{FF2B5EF4-FFF2-40B4-BE49-F238E27FC236}">
+                <a16:creationId xmlns:a16="http://schemas.microsoft.com/office/drawing/2014/main" id="{1DFB1A15-DF63-4603-BAA4-ED9A71999CBA}"/>
+              </a:ext>
+            </a:extLst>
+          </p:cNvPr>
+          <p:cNvSpPr/>
+          <p:nvPr/>
+        </p:nvSpPr>
+        <p:spPr>
+          <a:xfrm>
+            <a:off x="4352488" y="4225965"/>
+            <a:ext cx="1743512" cy="1550281"/>
+          </a:xfrm>
+          <a:prstGeom prst="ellipse">
+            <a:avLst/>
+          </a:prstGeom>
+          <a:solidFill>
+            <a:schemeClr val="tx1"/>
+          </a:solidFill>
+          <a:ln>
+            <a:solidFill>
+              <a:schemeClr val="bg1"/>
+            </a:solidFill>
+          </a:ln>
+        </p:spPr>
+        <p:style>
+          <a:lnRef idx="2">
+            <a:schemeClr val="accent1">
+              <a:shade val="50000"/>
+            </a:schemeClr>
+          </a:lnRef>
+          <a:fillRef idx="1">
+            <a:schemeClr val="accent1"/>
+          </a:fillRef>
+          <a:effectRef idx="0">
+            <a:schemeClr val="accent1"/>
+          </a:effectRef>
+          <a:fontRef idx="minor">
+            <a:schemeClr val="lt1"/>
+          </a:fontRef>
+        </p:style>
+        <p:txBody>
+          <a:bodyPr rtlCol="0" anchor="ctr"/>
+          <a:lstStyle/>
+          <a:p>
+            <a:pPr algn="ctr"/>
+            <a:r>
+              <a:rPr lang="en-US" sz="1400" b="1" dirty="0"/>
+              <a:t>Exceptions Handling</a:t>
+            </a:r>
+          </a:p>
+        </p:txBody>
+      </p:sp>
+      <p:sp>
+        <p:nvSpPr>
+          <p:cNvPr id="11" name="Oval 10">
+            <a:extLst>
+              <a:ext uri="{FF2B5EF4-FFF2-40B4-BE49-F238E27FC236}">
+                <a16:creationId xmlns:a16="http://schemas.microsoft.com/office/drawing/2014/main" id="{9B22ACEB-539D-4705-8D09-700A6F1D46EE}"/>
+              </a:ext>
+            </a:extLst>
+          </p:cNvPr>
+          <p:cNvSpPr/>
+          <p:nvPr/>
+        </p:nvSpPr>
+        <p:spPr>
+          <a:xfrm>
+            <a:off x="8727347" y="4116351"/>
+            <a:ext cx="1743512" cy="1550281"/>
+          </a:xfrm>
+          <a:prstGeom prst="ellipse">
+            <a:avLst/>
+          </a:prstGeom>
+          <a:solidFill>
+            <a:schemeClr val="accent2">
+              <a:lumMod val="50000"/>
+            </a:schemeClr>
+          </a:solidFill>
+          <a:ln>
+            <a:solidFill>
+              <a:schemeClr val="bg1"/>
+            </a:solidFill>
+          </a:ln>
+        </p:spPr>
+        <p:style>
+          <a:lnRef idx="2">
+            <a:schemeClr val="accent1">
+              <a:shade val="50000"/>
+            </a:schemeClr>
+          </a:lnRef>
+          <a:fillRef idx="1">
+            <a:schemeClr val="accent1"/>
+          </a:fillRef>
+          <a:effectRef idx="0">
+            <a:schemeClr val="accent1"/>
+          </a:effectRef>
+          <a:fontRef idx="minor">
+            <a:schemeClr val="lt1"/>
+          </a:fontRef>
+        </p:style>
+        <p:txBody>
+          <a:bodyPr rtlCol="0" anchor="ctr"/>
+          <a:lstStyle/>
+          <a:p>
+            <a:pPr algn="ctr"/>
+            <a:r>
+              <a:rPr lang="en-US" sz="1400" b="1" dirty="0"/>
+              <a:t>Code reuse (design patterns)</a:t>
             </a:r>
           </a:p>
         </p:txBody>
@@ -8096,13 +9691,13 @@
         </p:nvSpPr>
         <p:spPr>
           <a:xfrm>
-            <a:off x="400594" y="1201783"/>
-            <a:ext cx="11495315" cy="5468983"/>
+            <a:off x="260060" y="975280"/>
+            <a:ext cx="11635850" cy="5796270"/>
           </a:xfrm>
         </p:spPr>
         <p:txBody>
           <a:bodyPr>
-            <a:normAutofit fontScale="85000" lnSpcReduction="20000"/>
+            <a:noAutofit/>
           </a:bodyPr>
           <a:lstStyle/>
           <a:p>
@@ -8112,7 +9707,7 @@
               </a:lnSpc>
             </a:pPr>
             <a:r>
-              <a:rPr lang="en-US" b="1" dirty="0" err="1">
+              <a:rPr lang="en-US" sz="1800" b="1" dirty="0" err="1">
                 <a:solidFill>
                   <a:srgbClr val="FF0000"/>
                 </a:solidFill>
@@ -8120,7 +9715,7 @@
               <a:t>Spectative</a:t>
             </a:r>
             <a:r>
-              <a:rPr lang="en-US" b="1" dirty="0">
+              <a:rPr lang="en-US" sz="1800" b="1" dirty="0">
                 <a:solidFill>
                   <a:srgbClr val="FF0000"/>
                 </a:solidFill>
@@ -8135,15 +9730,15 @@
               </a:lnSpc>
             </a:pPr>
             <a:r>
-              <a:rPr lang="en-US" b="1" dirty="0"/>
+              <a:rPr lang="en-US" sz="1800" b="1" dirty="0"/>
               <a:t>Game Logging Aspect – saves data about game (time took, </a:t>
             </a:r>
             <a:r>
-              <a:rPr lang="en-US" b="1" dirty="0" err="1"/>
+              <a:rPr lang="en-US" sz="1800" b="1" dirty="0" err="1"/>
               <a:t>num</a:t>
             </a:r>
             <a:r>
-              <a:rPr lang="en-US" b="1" dirty="0"/>
+              <a:rPr lang="en-US" sz="1800" b="1" dirty="0"/>
               <a:t> of shots, start of game, etc..)</a:t>
             </a:r>
           </a:p>
@@ -8154,7 +9749,7 @@
               </a:lnSpc>
             </a:pPr>
             <a:r>
-              <a:rPr lang="en-US" b="1" dirty="0"/>
+              <a:rPr lang="en-US" sz="1800" b="1" dirty="0"/>
               <a:t>Audit Aspect - logs game events using method signature, for auditing (security) and data analysis.</a:t>
             </a:r>
           </a:p>
@@ -8165,7 +9760,7 @@
               </a:lnSpc>
             </a:pPr>
             <a:r>
-              <a:rPr lang="en-US" b="1" dirty="0">
+              <a:rPr lang="en-US" sz="1800" b="1" dirty="0">
                 <a:solidFill>
                   <a:srgbClr val="FF0000"/>
                 </a:solidFill>
@@ -8180,16 +9775,8 @@
               </a:lnSpc>
             </a:pPr>
             <a:r>
-              <a:rPr lang="en-US" b="1" dirty="0"/>
-              <a:t>Lock aspect: locks some feature of the player - for </a:t>
-            </a:r>
-            <a:r>
-              <a:rPr lang="en-US" b="1" dirty="0" err="1"/>
-              <a:t>e.g</a:t>
-            </a:r>
-            <a:r>
-              <a:rPr lang="en-US" b="1" dirty="0"/>
-              <a:t>: can’t shoot anymore.</a:t>
+              <a:rPr lang="en-US" sz="1800" b="1" dirty="0"/>
+              <a:t>Password authorization Aspect – only authorized users can play the game (using password). </a:t>
             </a:r>
           </a:p>
           <a:p>
@@ -8199,8 +9786,28 @@
               </a:lnSpc>
             </a:pPr>
             <a:r>
-              <a:rPr lang="en-US" b="1" dirty="0"/>
-              <a:t>Password authorization mechanism – only authorized users can play the game (using password). </a:t>
+              <a:rPr lang="en-US" sz="1800" b="1" dirty="0">
+                <a:highlight>
+                  <a:srgbClr val="FFFF00"/>
+                </a:highlight>
+              </a:rPr>
+              <a:t>UI update Aspect - each time some value is change (</a:t>
+            </a:r>
+            <a:r>
+              <a:rPr lang="en-US" sz="1800" b="1" dirty="0" err="1">
+                <a:highlight>
+                  <a:srgbClr val="FFFF00"/>
+                </a:highlight>
+              </a:rPr>
+              <a:t>e.g</a:t>
+            </a:r>
+            <a:r>
+              <a:rPr lang="en-US" sz="1800" b="1" dirty="0">
+                <a:highlight>
+                  <a:srgbClr val="FFFF00"/>
+                </a:highlight>
+              </a:rPr>
+              <a:t>: asteroid is hit) - we display it on screen. </a:t>
             </a:r>
           </a:p>
           <a:p>
@@ -8210,16 +9817,8 @@
               </a:lnSpc>
             </a:pPr>
             <a:r>
-              <a:rPr lang="en-US" b="1" dirty="0"/>
-              <a:t>UI update aspect: each time some value is change (</a:t>
-            </a:r>
-            <a:r>
-              <a:rPr lang="en-US" b="1" dirty="0" err="1"/>
-              <a:t>e.g</a:t>
-            </a:r>
-            <a:r>
-              <a:rPr lang="en-US" b="1" dirty="0"/>
-              <a:t>: asteroid is hit) - we display it on screen. </a:t>
+              <a:rPr lang="en-US" sz="1800" b="1" dirty="0"/>
+              <a:t>Validator Aspect – validates parameters passed to methods in the codebase.</a:t>
             </a:r>
           </a:p>
           <a:p>
@@ -8229,7 +9828,7 @@
               </a:lnSpc>
             </a:pPr>
             <a:r>
-              <a:rPr lang="en-US" b="1" dirty="0">
+              <a:rPr lang="en-US" sz="1800" b="1" dirty="0">
                 <a:solidFill>
                   <a:srgbClr val="FF0000"/>
                 </a:solidFill>
@@ -8244,8 +9843,20 @@
               </a:lnSpc>
             </a:pPr>
             <a:r>
-              <a:rPr lang="en-US" b="1" dirty="0"/>
-              <a:t>Heuristic aspect: changes heuristic of the game (change from drunk player to smart player). </a:t>
+              <a:rPr lang="en-US" sz="1800" b="1" dirty="0" err="1">
+                <a:highlight>
+                  <a:srgbClr val="FFFF00"/>
+                </a:highlight>
+              </a:rPr>
+              <a:t>DesignPattern</a:t>
+            </a:r>
+            <a:r>
+              <a:rPr lang="en-US" sz="1800" b="1" dirty="0">
+                <a:highlight>
+                  <a:srgbClr val="FFFF00"/>
+                </a:highlight>
+              </a:rPr>
+              <a:t> Aspect – implementation of design patterns using aspects.</a:t>
             </a:r>
           </a:p>
           <a:p>
@@ -8255,12 +9866,24 @@
               </a:lnSpc>
             </a:pPr>
             <a:r>
-              <a:rPr lang="en-US" b="1" dirty="0" err="1"/>
+              <a:rPr lang="en-US" sz="1800" b="1" dirty="0" err="1"/>
               <a:t>ExceptionHandler</a:t>
             </a:r>
             <a:r>
-              <a:rPr lang="en-US" b="1" dirty="0"/>
-              <a:t> Aspect – Monitors exceptions and handles unhandled exceptions.</a:t>
+              <a:rPr lang="en-US" sz="1800" b="1" dirty="0"/>
+              <a:t> Aspect –</a:t>
+            </a:r>
+            <a:r>
+              <a:rPr lang="en-US" sz="1800" b="1" dirty="0">
+                <a:highlight>
+                  <a:srgbClr val="FFFF00"/>
+                </a:highlight>
+              </a:rPr>
+              <a:t> Monitors </a:t>
+            </a:r>
+            <a:r>
+              <a:rPr lang="en-US" sz="1800" b="1" dirty="0"/>
+              <a:t>exceptions and handles unhandled exceptions.</a:t>
             </a:r>
           </a:p>
           <a:p>
@@ -8270,19 +9893,19 @@
               </a:lnSpc>
             </a:pPr>
             <a:r>
-              <a:rPr lang="en-US" b="1" dirty="0" err="1"/>
-              <a:t>ExceptionTranslatorAspect</a:t>
-            </a:r>
-            <a:r>
-              <a:rPr lang="en-US" b="1" dirty="0"/>
-              <a:t> – Translates exceptions from 3</a:t>
-            </a:r>
-            <a:r>
-              <a:rPr lang="en-US" b="1" baseline="30000" dirty="0"/>
+              <a:rPr lang="en-US" sz="1800" b="1" dirty="0" err="1"/>
+              <a:t>ExceptionTranslator</a:t>
+            </a:r>
+            <a:r>
+              <a:rPr lang="en-US" sz="1800" b="1" dirty="0"/>
+              <a:t> Aspect – Translates exceptions from 3</a:t>
+            </a:r>
+            <a:r>
+              <a:rPr lang="en-US" sz="1800" b="1" baseline="30000" dirty="0"/>
               <a:t>rd</a:t>
             </a:r>
             <a:r>
-              <a:rPr lang="en-US" b="1" dirty="0"/>
+              <a:rPr lang="en-US" sz="1800" b="1" dirty="0"/>
               <a:t> parties code.</a:t>
             </a:r>
           </a:p>

--- a/src/Final Project Presentation.pptx
+++ b/src/Final Project Presentation.pptx
@@ -38,8 +38,11 @@
     <p:sldId id="294" r:id="rId32"/>
     <p:sldId id="295" r:id="rId33"/>
     <p:sldId id="296" r:id="rId34"/>
-    <p:sldId id="293" r:id="rId35"/>
-    <p:sldId id="273" r:id="rId36"/>
+    <p:sldId id="297" r:id="rId35"/>
+    <p:sldId id="293" r:id="rId36"/>
+    <p:sldId id="298" r:id="rId37"/>
+    <p:sldId id="299" r:id="rId38"/>
+    <p:sldId id="273" r:id="rId39"/>
   </p:sldIdLst>
   <p:sldSz cx="12192000" cy="6858000"/>
   <p:notesSz cx="6858000" cy="9144000"/>
@@ -293,7 +296,7 @@
           <a:p>
             <a:fld id="{2D0B15E7-0F5E-4AF9-8FAD-4329F98176F1}" type="datetimeFigureOut">
               <a:rPr lang="en-US" smtClean="0"/>
-              <a:t>6/11/2019</a:t>
+              <a:t>6/15/2019</a:t>
             </a:fld>
             <a:endParaRPr lang="en-US"/>
           </a:p>
@@ -491,7 +494,7 @@
           <a:p>
             <a:fld id="{2D0B15E7-0F5E-4AF9-8FAD-4329F98176F1}" type="datetimeFigureOut">
               <a:rPr lang="en-US" smtClean="0"/>
-              <a:t>6/11/2019</a:t>
+              <a:t>6/15/2019</a:t>
             </a:fld>
             <a:endParaRPr lang="en-US"/>
           </a:p>
@@ -699,7 +702,7 @@
           <a:p>
             <a:fld id="{2D0B15E7-0F5E-4AF9-8FAD-4329F98176F1}" type="datetimeFigureOut">
               <a:rPr lang="en-US" smtClean="0"/>
-              <a:t>6/11/2019</a:t>
+              <a:t>6/15/2019</a:t>
             </a:fld>
             <a:endParaRPr lang="en-US"/>
           </a:p>
@@ -897,7 +900,7 @@
           <a:p>
             <a:fld id="{2D0B15E7-0F5E-4AF9-8FAD-4329F98176F1}" type="datetimeFigureOut">
               <a:rPr lang="en-US" smtClean="0"/>
-              <a:t>6/11/2019</a:t>
+              <a:t>6/15/2019</a:t>
             </a:fld>
             <a:endParaRPr lang="en-US"/>
           </a:p>
@@ -1172,7 +1175,7 @@
           <a:p>
             <a:fld id="{2D0B15E7-0F5E-4AF9-8FAD-4329F98176F1}" type="datetimeFigureOut">
               <a:rPr lang="en-US" smtClean="0"/>
-              <a:t>6/11/2019</a:t>
+              <a:t>6/15/2019</a:t>
             </a:fld>
             <a:endParaRPr lang="en-US"/>
           </a:p>
@@ -1437,7 +1440,7 @@
           <a:p>
             <a:fld id="{2D0B15E7-0F5E-4AF9-8FAD-4329F98176F1}" type="datetimeFigureOut">
               <a:rPr lang="en-US" smtClean="0"/>
-              <a:t>6/11/2019</a:t>
+              <a:t>6/15/2019</a:t>
             </a:fld>
             <a:endParaRPr lang="en-US"/>
           </a:p>
@@ -1849,7 +1852,7 @@
           <a:p>
             <a:fld id="{2D0B15E7-0F5E-4AF9-8FAD-4329F98176F1}" type="datetimeFigureOut">
               <a:rPr lang="en-US" smtClean="0"/>
-              <a:t>6/11/2019</a:t>
+              <a:t>6/15/2019</a:t>
             </a:fld>
             <a:endParaRPr lang="en-US"/>
           </a:p>
@@ -1990,7 +1993,7 @@
           <a:p>
             <a:fld id="{2D0B15E7-0F5E-4AF9-8FAD-4329F98176F1}" type="datetimeFigureOut">
               <a:rPr lang="en-US" smtClean="0"/>
-              <a:t>6/11/2019</a:t>
+              <a:t>6/15/2019</a:t>
             </a:fld>
             <a:endParaRPr lang="en-US"/>
           </a:p>
@@ -2103,7 +2106,7 @@
           <a:p>
             <a:fld id="{2D0B15E7-0F5E-4AF9-8FAD-4329F98176F1}" type="datetimeFigureOut">
               <a:rPr lang="en-US" smtClean="0"/>
-              <a:t>6/11/2019</a:t>
+              <a:t>6/15/2019</a:t>
             </a:fld>
             <a:endParaRPr lang="en-US"/>
           </a:p>
@@ -2414,7 +2417,7 @@
           <a:p>
             <a:fld id="{2D0B15E7-0F5E-4AF9-8FAD-4329F98176F1}" type="datetimeFigureOut">
               <a:rPr lang="en-US" smtClean="0"/>
-              <a:t>6/11/2019</a:t>
+              <a:t>6/15/2019</a:t>
             </a:fld>
             <a:endParaRPr lang="en-US"/>
           </a:p>
@@ -2702,7 +2705,7 @@
           <a:p>
             <a:fld id="{2D0B15E7-0F5E-4AF9-8FAD-4329F98176F1}" type="datetimeFigureOut">
               <a:rPr lang="en-US" smtClean="0"/>
-              <a:t>6/11/2019</a:t>
+              <a:t>6/15/2019</a:t>
             </a:fld>
             <a:endParaRPr lang="en-US"/>
           </a:p>
@@ -2943,7 +2946,7 @@
           <a:p>
             <a:fld id="{2D0B15E7-0F5E-4AF9-8FAD-4329F98176F1}" type="datetimeFigureOut">
               <a:rPr lang="en-US" smtClean="0"/>
-              <a:t>6/11/2019</a:t>
+              <a:t>6/15/2019</a:t>
             </a:fld>
             <a:endParaRPr lang="en-US"/>
           </a:p>
@@ -8262,8 +8265,8 @@
         </p:blipFill>
         <p:spPr bwMode="auto">
           <a:xfrm>
-            <a:off x="2021747" y="1284853"/>
-            <a:ext cx="7103747" cy="5327810"/>
+            <a:off x="2021748" y="1845577"/>
+            <a:ext cx="6356114" cy="4767085"/>
           </a:xfrm>
           <a:prstGeom prst="rect">
             <a:avLst/>
@@ -8285,6 +8288,45 @@
           </a:extLst>
         </p:spPr>
       </p:pic>
+      <p:sp>
+        <p:nvSpPr>
+          <p:cNvPr id="2" name="Rectangle 1">
+            <a:extLst>
+              <a:ext uri="{FF2B5EF4-FFF2-40B4-BE49-F238E27FC236}">
+                <a16:creationId xmlns:a16="http://schemas.microsoft.com/office/drawing/2014/main" id="{B9A2FA25-F286-4621-B275-EB73D30A2CD8}"/>
+              </a:ext>
+            </a:extLst>
+          </p:cNvPr>
+          <p:cNvSpPr/>
+          <p:nvPr/>
+        </p:nvSpPr>
+        <p:spPr>
+          <a:xfrm>
+            <a:off x="310752" y="1158097"/>
+            <a:ext cx="11570496" cy="507831"/>
+          </a:xfrm>
+          <a:prstGeom prst="rect">
+            <a:avLst/>
+          </a:prstGeom>
+        </p:spPr>
+        <p:txBody>
+          <a:bodyPr wrap="square">
+            <a:spAutoFit/>
+          </a:bodyPr>
+          <a:lstStyle/>
+          <a:p>
+            <a:pPr>
+              <a:lnSpc>
+                <a:spcPct val="150000"/>
+              </a:lnSpc>
+            </a:pPr>
+            <a:r>
+              <a:rPr lang="en-US" b="1" dirty="0"/>
+              <a:t>Implementing Factory and Singleton design patterns using Aspects which improves code reusability and composability.</a:t>
+            </a:r>
+          </a:p>
+        </p:txBody>
+      </p:sp>
     </p:spTree>
     <p:extLst>
       <p:ext uri="{BB962C8B-B14F-4D97-AF65-F5344CB8AC3E}">
@@ -8372,8 +8414,8 @@
         </p:blipFill>
         <p:spPr>
           <a:xfrm>
-            <a:off x="2610095" y="1020897"/>
-            <a:ext cx="6169671" cy="5750653"/>
+            <a:off x="2835479" y="1113176"/>
+            <a:ext cx="5935898" cy="5532757"/>
           </a:xfrm>
           <a:prstGeom prst="rect">
             <a:avLst/>
@@ -8490,7 +8532,7 @@
         </p:nvCxnSpPr>
         <p:spPr>
           <a:xfrm flipV="1">
-            <a:off x="1669409" y="6123963"/>
+            <a:off x="1711354" y="6126889"/>
             <a:ext cx="1057013" cy="360727"/>
           </a:xfrm>
           <a:prstGeom prst="straightConnector1">
@@ -8531,7 +8573,7 @@
         </p:nvCxnSpPr>
         <p:spPr>
           <a:xfrm flipV="1">
-            <a:off x="1325461" y="3783435"/>
+            <a:off x="1325461" y="2646607"/>
             <a:ext cx="1400961" cy="511728"/>
           </a:xfrm>
           <a:prstGeom prst="straightConnector1">
@@ -8623,10 +8665,10 @@
       </p:sp>
       <p:pic>
         <p:nvPicPr>
-          <p:cNvPr id="2050" name="Picture 2" descr="Image result for decorator design pattern">
-            <a:extLst>
-              <a:ext uri="{FF2B5EF4-FFF2-40B4-BE49-F238E27FC236}">
-                <a16:creationId xmlns:a16="http://schemas.microsoft.com/office/drawing/2014/main" id="{BF84600F-F124-4133-9B41-A693531B31DE}"/>
+          <p:cNvPr id="2052" name="Picture 4" descr="Related image">
+            <a:extLst>
+              <a:ext uri="{FF2B5EF4-FFF2-40B4-BE49-F238E27FC236}">
+                <a16:creationId xmlns:a16="http://schemas.microsoft.com/office/drawing/2014/main" id="{5343AF97-D643-4D92-83B5-1EEFE5FA49E7}"/>
               </a:ext>
             </a:extLst>
           </p:cNvPr>
@@ -8635,7 +8677,7 @@
           </p:cNvPicPr>
           <p:nvPr/>
         </p:nvPicPr>
-        <p:blipFill rotWithShape="1">
+        <p:blipFill>
           <a:blip r:embed="rId2">
             <a:extLst>
               <a:ext uri="{28A0092B-C50C-407E-A947-70E740481C1C}">
@@ -8643,13 +8685,15 @@
               </a:ext>
             </a:extLst>
           </a:blip>
-          <a:srcRect l="8290" r="8039"/>
-          <a:stretch/>
+          <a:srcRect/>
+          <a:stretch>
+            <a:fillRect/>
+          </a:stretch>
         </p:blipFill>
         <p:spPr bwMode="auto">
           <a:xfrm>
-            <a:off x="838898" y="2363598"/>
-            <a:ext cx="5100507" cy="3429000"/>
+            <a:off x="4840449" y="2504741"/>
+            <a:ext cx="6544920" cy="3512219"/>
           </a:xfrm>
           <a:prstGeom prst="rect">
             <a:avLst/>
@@ -8666,53 +8710,6 @@
           </a:extLst>
         </p:spPr>
       </p:pic>
-      <p:pic>
-        <p:nvPicPr>
-          <p:cNvPr id="2052" name="Picture 4" descr="Related image">
-            <a:extLst>
-              <a:ext uri="{FF2B5EF4-FFF2-40B4-BE49-F238E27FC236}">
-                <a16:creationId xmlns:a16="http://schemas.microsoft.com/office/drawing/2014/main" id="{5343AF97-D643-4D92-83B5-1EEFE5FA49E7}"/>
-              </a:ext>
-            </a:extLst>
-          </p:cNvPr>
-          <p:cNvPicPr>
-            <a:picLocks noChangeAspect="1" noChangeArrowheads="1"/>
-          </p:cNvPicPr>
-          <p:nvPr/>
-        </p:nvPicPr>
-        <p:blipFill>
-          <a:blip r:embed="rId3">
-            <a:extLst>
-              <a:ext uri="{28A0092B-C50C-407E-A947-70E740481C1C}">
-                <a14:useLocalDpi xmlns:a14="http://schemas.microsoft.com/office/drawing/2010/main" val="0"/>
-              </a:ext>
-            </a:extLst>
-          </a:blip>
-          <a:srcRect/>
-          <a:stretch>
-            <a:fillRect/>
-          </a:stretch>
-        </p:blipFill>
-        <p:spPr bwMode="auto">
-          <a:xfrm>
-            <a:off x="6288683" y="2363597"/>
-            <a:ext cx="5490967" cy="2946633"/>
-          </a:xfrm>
-          <a:prstGeom prst="rect">
-            <a:avLst/>
-          </a:prstGeom>
-          <a:noFill/>
-          <a:extLst>
-            <a:ext uri="{909E8E84-426E-40DD-AFC4-6F175D3DCCD1}">
-              <a14:hiddenFill xmlns:a14="http://schemas.microsoft.com/office/drawing/2010/main">
-                <a:solidFill>
-                  <a:srgbClr val="FFFFFF"/>
-                </a:solidFill>
-              </a14:hiddenFill>
-            </a:ext>
-          </a:extLst>
-        </p:spPr>
-      </p:pic>
       <p:sp>
         <p:nvSpPr>
           <p:cNvPr id="8" name="Title 1">
@@ -8729,8 +8726,8 @@
         </p:nvSpPr>
         <p:spPr>
           <a:xfrm>
-            <a:off x="8276403" y="1759478"/>
-            <a:ext cx="1624955" cy="604120"/>
+            <a:off x="7386526" y="1600761"/>
+            <a:ext cx="1807808" cy="709403"/>
           </a:xfrm>
           <a:prstGeom prst="rect">
             <a:avLst/>
@@ -8761,7 +8758,7 @@
           </a:lstStyle>
           <a:p>
             <a:r>
-              <a:rPr lang="en-US" sz="2400" b="1" dirty="0">
+              <a:rPr lang="en-US" sz="3200" b="1" dirty="0">
                 <a:latin typeface="+mn-lt"/>
               </a:rPr>
               <a:t>Singleton</a:t>
@@ -8829,7 +8826,7 @@
               <a:rPr lang="en-US" b="1" dirty="0">
                 <a:latin typeface="+mn-lt"/>
               </a:rPr>
-              <a:t>Design Pattern Aspect</a:t>
+              <a:t>Singleton, the concern.</a:t>
             </a:r>
           </a:p>
         </p:txBody>
@@ -8852,8 +8849,8 @@
         </p:nvSpPr>
         <p:spPr>
           <a:xfrm>
-            <a:off x="125835" y="1116419"/>
-            <a:ext cx="11434194" cy="5554347"/>
+            <a:off x="125834" y="1116420"/>
+            <a:ext cx="11098635" cy="2683794"/>
           </a:xfrm>
         </p:spPr>
         <p:txBody>
@@ -8861,26 +8858,6 @@
             <a:normAutofit/>
           </a:bodyPr>
           <a:lstStyle/>
-          <a:p>
-            <a:pPr marL="0" indent="0">
-              <a:lnSpc>
-                <a:spcPct val="150000"/>
-              </a:lnSpc>
-              <a:buNone/>
-            </a:pPr>
-            <a:r>
-              <a:rPr lang="en-US" sz="2400" b="1" dirty="0"/>
-              <a:t>Implementing Decorator and </a:t>
-            </a:r>
-            <a:r>
-              <a:rPr lang="en-US" sz="2400" b="1" dirty="0" err="1"/>
-              <a:t>Singletone</a:t>
-            </a:r>
-            <a:r>
-              <a:rPr lang="en-US" sz="2400" b="1" dirty="0"/>
-              <a:t> design patterns using Aspects which improves code reusability and composability.</a:t>
-            </a:r>
-          </a:p>
           <a:p>
             <a:pPr>
               <a:lnSpc>
@@ -8888,14 +8865,179 @@
               </a:lnSpc>
             </a:pPr>
             <a:r>
+              <a:rPr lang="en-US" sz="2400" b="1" dirty="0"/>
+              <a:t>Normal OOP style of singleton will consist of writing this code in each of our Singleton instance. In our program – this can be relate to </a:t>
+            </a:r>
+            <a:r>
+              <a:rPr lang="en-US" sz="2400" b="1" dirty="0" err="1"/>
+              <a:t>SpaceShipFactory</a:t>
+            </a:r>
+            <a:r>
+              <a:rPr lang="en-US" sz="2400" b="1" dirty="0"/>
+              <a:t>. We can </a:t>
+            </a:r>
+            <a:r>
               <a:rPr lang="en-US" sz="2400" b="1" dirty="0">
                 <a:solidFill>
                   <a:srgbClr val="FF0000"/>
                 </a:solidFill>
               </a:rPr>
-              <a:t>Concern:</a:t>
-            </a:r>
-          </a:p>
+              <a:t>have many singletons </a:t>
+            </a:r>
+            <a:r>
+              <a:rPr lang="en-US" sz="2400" b="1" dirty="0"/>
+              <a:t>in our codebase! Adding this code each time is </a:t>
+            </a:r>
+            <a:r>
+              <a:rPr lang="en-US" sz="2400" b="1" dirty="0">
+                <a:solidFill>
+                  <a:srgbClr val="FF0000"/>
+                </a:solidFill>
+              </a:rPr>
+              <a:t>tangling</a:t>
+            </a:r>
+            <a:r>
+              <a:rPr lang="en-US" sz="2400" b="1" dirty="0"/>
+              <a:t> the class and will be </a:t>
+            </a:r>
+            <a:r>
+              <a:rPr lang="en-US" sz="2400" b="1" dirty="0">
+                <a:solidFill>
+                  <a:srgbClr val="FF0000"/>
+                </a:solidFill>
+              </a:rPr>
+              <a:t>scattered</a:t>
+            </a:r>
+            <a:r>
+              <a:rPr lang="en-US" sz="2400" b="1" dirty="0"/>
+              <a:t> all over our application.</a:t>
+            </a:r>
+            <a:endParaRPr lang="en-US" sz="2400" b="1" i="1" dirty="0"/>
+          </a:p>
+        </p:txBody>
+      </p:sp>
+      <p:pic>
+        <p:nvPicPr>
+          <p:cNvPr id="3" name="Picture 2">
+            <a:extLst>
+              <a:ext uri="{FF2B5EF4-FFF2-40B4-BE49-F238E27FC236}">
+                <a16:creationId xmlns:a16="http://schemas.microsoft.com/office/drawing/2014/main" id="{F7F4CB57-323A-42DB-ADC8-26A0F3E578EF}"/>
+              </a:ext>
+            </a:extLst>
+          </p:cNvPr>
+          <p:cNvPicPr>
+            <a:picLocks noChangeAspect="1"/>
+          </p:cNvPicPr>
+          <p:nvPr/>
+        </p:nvPicPr>
+        <p:blipFill>
+          <a:blip r:embed="rId2"/>
+          <a:stretch>
+            <a:fillRect/>
+          </a:stretch>
+        </p:blipFill>
+        <p:spPr>
+          <a:xfrm>
+            <a:off x="3077119" y="4017555"/>
+            <a:ext cx="5162550" cy="1724025"/>
+          </a:xfrm>
+          <a:prstGeom prst="rect">
+            <a:avLst/>
+          </a:prstGeom>
+        </p:spPr>
+      </p:pic>
+    </p:spTree>
+    <p:extLst>
+      <p:ext uri="{BB962C8B-B14F-4D97-AF65-F5344CB8AC3E}">
+        <p14:creationId xmlns:p14="http://schemas.microsoft.com/office/powerpoint/2010/main" val="3836049260"/>
+      </p:ext>
+    </p:extLst>
+  </p:cSld>
+  <p:clrMapOvr>
+    <a:masterClrMapping/>
+  </p:clrMapOvr>
+</p:sld>
+</file>
+
+<file path=ppt/slides/slide35.xml><?xml version="1.0" encoding="utf-8"?>
+<p:sld xmlns:a="http://schemas.openxmlformats.org/drawingml/2006/main" xmlns:r="http://schemas.openxmlformats.org/officeDocument/2006/relationships" xmlns:p="http://schemas.openxmlformats.org/presentationml/2006/main">
+  <p:cSld>
+    <p:spTree>
+      <p:nvGrpSpPr>
+        <p:cNvPr id="1" name=""/>
+        <p:cNvGrpSpPr/>
+        <p:nvPr/>
+      </p:nvGrpSpPr>
+      <p:grpSpPr>
+        <a:xfrm>
+          <a:off x="0" y="0"/>
+          <a:ext cx="0" cy="0"/>
+          <a:chOff x="0" y="0"/>
+          <a:chExt cx="0" cy="0"/>
+        </a:xfrm>
+      </p:grpSpPr>
+      <p:sp>
+        <p:nvSpPr>
+          <p:cNvPr id="4" name="Title 1">
+            <a:extLst>
+              <a:ext uri="{FF2B5EF4-FFF2-40B4-BE49-F238E27FC236}">
+                <a16:creationId xmlns:a16="http://schemas.microsoft.com/office/drawing/2014/main" id="{CAC17C8E-3677-4E33-AD1C-BB70137513FC}"/>
+              </a:ext>
+            </a:extLst>
+          </p:cNvPr>
+          <p:cNvSpPr>
+            <a:spLocks noGrp="1"/>
+          </p:cNvSpPr>
+          <p:nvPr>
+            <p:ph type="title"/>
+          </p:nvPr>
+        </p:nvSpPr>
+        <p:spPr>
+          <a:xfrm>
+            <a:off x="400594" y="86450"/>
+            <a:ext cx="10515600" cy="1325563"/>
+          </a:xfrm>
+        </p:spPr>
+        <p:txBody>
+          <a:bodyPr/>
+          <a:lstStyle/>
+          <a:p>
+            <a:r>
+              <a:rPr lang="en-US" b="1" dirty="0">
+                <a:latin typeface="+mn-lt"/>
+              </a:rPr>
+              <a:t>Design Pattern Aspect - Singleton</a:t>
+            </a:r>
+          </a:p>
+        </p:txBody>
+      </p:sp>
+      <p:sp>
+        <p:nvSpPr>
+          <p:cNvPr id="5" name="Content Placeholder 2">
+            <a:extLst>
+              <a:ext uri="{FF2B5EF4-FFF2-40B4-BE49-F238E27FC236}">
+                <a16:creationId xmlns:a16="http://schemas.microsoft.com/office/drawing/2014/main" id="{507F342C-C331-44DB-ACF0-C06FE2A5C3FB}"/>
+              </a:ext>
+            </a:extLst>
+          </p:cNvPr>
+          <p:cNvSpPr>
+            <a:spLocks noGrp="1"/>
+          </p:cNvSpPr>
+          <p:nvPr>
+            <p:ph idx="1"/>
+          </p:nvPr>
+        </p:nvSpPr>
+        <p:spPr>
+          <a:xfrm>
+            <a:off x="125835" y="1116419"/>
+            <a:ext cx="11434194" cy="3942142"/>
+          </a:xfrm>
+        </p:spPr>
+        <p:txBody>
+          <a:bodyPr>
+            <a:normAutofit/>
+          </a:bodyPr>
+          <a:lstStyle/>
           <a:p>
             <a:pPr>
               <a:lnSpc>
@@ -8903,25 +9045,22 @@
               </a:lnSpc>
             </a:pPr>
             <a:r>
-              <a:rPr lang="en-US" sz="2400" b="1" i="1" dirty="0">
+              <a:rPr lang="en-US" sz="2400" b="1" dirty="0">
                 <a:solidFill>
                   <a:srgbClr val="FF0000"/>
                 </a:solidFill>
               </a:rPr>
-              <a:t>Pointcut:</a:t>
-            </a:r>
-            <a:r>
-              <a:rPr lang="en-US" sz="2400" b="1" i="1" dirty="0"/>
-              <a:t> launch of the game (dependent on given </a:t>
-            </a:r>
-            <a:r>
-              <a:rPr lang="en-US" sz="2400" b="1" i="1" dirty="0" err="1"/>
-              <a:t>args</a:t>
-            </a:r>
-            <a:r>
-              <a:rPr lang="en-US" sz="2400" b="1" i="1" dirty="0"/>
-              <a:t>).</a:t>
-            </a:r>
+              <a:t>Concern: </a:t>
+            </a:r>
+            <a:r>
+              <a:rPr lang="en-US" sz="2400" b="1" dirty="0"/>
+              <a:t>adding singleton implementation to each singleton class.</a:t>
+            </a:r>
+            <a:endParaRPr lang="en-US" sz="2400" b="1" dirty="0">
+              <a:solidFill>
+                <a:srgbClr val="FF0000"/>
+              </a:solidFill>
+            </a:endParaRPr>
           </a:p>
           <a:p>
             <a:pPr>
@@ -8935,20 +9074,95 @@
                   <a:srgbClr val="FF0000"/>
                 </a:solidFill>
               </a:rPr>
+              <a:t>Pointcut:</a:t>
+            </a:r>
+            <a:r>
+              <a:rPr lang="en-US" sz="2400" b="1" i="1" dirty="0"/>
+              <a:t> creation of </a:t>
+            </a:r>
+            <a:r>
+              <a:rPr lang="en-US" sz="2400" b="1" i="1" dirty="0" err="1"/>
+              <a:t>SpaceWars</a:t>
+            </a:r>
+            <a:r>
+              <a:rPr lang="en-US" sz="2400" b="1" i="1" dirty="0"/>
+              <a:t> game instance (.new(..) (only 1x == </a:t>
+            </a:r>
+            <a:r>
+              <a:rPr lang="en-US" sz="2400" b="1" i="1" dirty="0">
+                <a:solidFill>
+                  <a:srgbClr val="FF0000"/>
+                </a:solidFill>
+              </a:rPr>
+              <a:t>singleton</a:t>
+            </a:r>
+            <a:r>
+              <a:rPr lang="en-US" sz="2400" b="1" i="1" dirty="0"/>
+              <a:t>))</a:t>
+            </a:r>
+          </a:p>
+          <a:p>
+            <a:pPr>
+              <a:lnSpc>
+                <a:spcPct val="150000"/>
+              </a:lnSpc>
+            </a:pPr>
+            <a:r>
+              <a:rPr lang="en-US" sz="2400" b="1" i="1" dirty="0">
+                <a:solidFill>
+                  <a:srgbClr val="FF0000"/>
+                </a:solidFill>
+              </a:rPr>
               <a:t>Advice: </a:t>
             </a:r>
             <a:r>
-              <a:rPr lang="en-US" sz="2400" b="1" i="1" dirty="0"/>
-              <a:t>creating spaceships (</a:t>
-            </a:r>
-            <a:r>
-              <a:rPr lang="en-US" sz="2400" b="1" i="1" dirty="0" err="1"/>
-              <a:t>SpaceShipFactory</a:t>
-            </a:r>
-            <a:r>
-              <a:rPr lang="en-US" sz="2400" b="1" i="1" dirty="0"/>
-              <a:t>) using an Aspect.</a:t>
-            </a:r>
+              <a:rPr lang="en-US" sz="2400" b="1" dirty="0"/>
+              <a:t>intercepts calls to </a:t>
+            </a:r>
+            <a:r>
+              <a:rPr lang="en-US" sz="2400" b="1" dirty="0">
+                <a:solidFill>
+                  <a:srgbClr val="FF0000"/>
+                </a:solidFill>
+              </a:rPr>
+              <a:t>the constructor of the singleton class</a:t>
+            </a:r>
+            <a:r>
+              <a:rPr lang="en-US" sz="2400" b="1" dirty="0"/>
+              <a:t> and instead of creating a new instance every time, return the instance that was created at the very fist call to the constructor.</a:t>
+            </a:r>
+          </a:p>
+          <a:p>
+            <a:pPr>
+              <a:lnSpc>
+                <a:spcPct val="150000"/>
+              </a:lnSpc>
+            </a:pPr>
+            <a:r>
+              <a:rPr lang="en-US" sz="2400" b="1" dirty="0">
+                <a:solidFill>
+                  <a:srgbClr val="FF0000"/>
+                </a:solidFill>
+              </a:rPr>
+              <a:t>Result: </a:t>
+            </a:r>
+            <a:r>
+              <a:rPr lang="en-US" sz="2400" b="1" dirty="0"/>
+              <a:t>much less code written, easy to handle and control from the 1x aspect!</a:t>
+            </a:r>
+            <a:endParaRPr lang="en-US" sz="2400" b="1" dirty="0">
+              <a:solidFill>
+                <a:srgbClr val="FF0000"/>
+              </a:solidFill>
+            </a:endParaRPr>
+          </a:p>
+          <a:p>
+            <a:pPr>
+              <a:lnSpc>
+                <a:spcPct val="150000"/>
+              </a:lnSpc>
+            </a:pPr>
+            <a:endParaRPr lang="en-US" sz="2400" b="1" i="1" dirty="0"/>
           </a:p>
         </p:txBody>
       </p:sp>
@@ -8965,7 +9179,227 @@
 </p:sld>
 </file>
 
-<file path=ppt/slides/slide35.xml><?xml version="1.0" encoding="utf-8"?>
+<file path=ppt/slides/slide36.xml><?xml version="1.0" encoding="utf-8"?>
+<p:sld xmlns:a="http://schemas.openxmlformats.org/drawingml/2006/main" xmlns:r="http://schemas.openxmlformats.org/officeDocument/2006/relationships" xmlns:p="http://schemas.openxmlformats.org/presentationml/2006/main">
+  <p:cSld>
+    <p:spTree>
+      <p:nvGrpSpPr>
+        <p:cNvPr id="1" name=""/>
+        <p:cNvGrpSpPr/>
+        <p:nvPr/>
+      </p:nvGrpSpPr>
+      <p:grpSpPr>
+        <a:xfrm>
+          <a:off x="0" y="0"/>
+          <a:ext cx="0" cy="0"/>
+          <a:chOff x="0" y="0"/>
+          <a:chExt cx="0" cy="0"/>
+        </a:xfrm>
+      </p:grpSpPr>
+      <p:sp>
+        <p:nvSpPr>
+          <p:cNvPr id="4" name="Title 1">
+            <a:extLst>
+              <a:ext uri="{FF2B5EF4-FFF2-40B4-BE49-F238E27FC236}">
+                <a16:creationId xmlns:a16="http://schemas.microsoft.com/office/drawing/2014/main" id="{CAC17C8E-3677-4E33-AD1C-BB70137513FC}"/>
+              </a:ext>
+            </a:extLst>
+          </p:cNvPr>
+          <p:cNvSpPr>
+            <a:spLocks noGrp="1"/>
+          </p:cNvSpPr>
+          <p:nvPr>
+            <p:ph type="title"/>
+          </p:nvPr>
+        </p:nvSpPr>
+        <p:spPr>
+          <a:xfrm>
+            <a:off x="400594" y="86450"/>
+            <a:ext cx="10515600" cy="1325563"/>
+          </a:xfrm>
+        </p:spPr>
+        <p:txBody>
+          <a:bodyPr/>
+          <a:lstStyle/>
+          <a:p>
+            <a:r>
+              <a:rPr lang="en-US" b="1" dirty="0">
+                <a:latin typeface="+mn-lt"/>
+              </a:rPr>
+              <a:t>Design Pattern Aspect - Singleton</a:t>
+            </a:r>
+          </a:p>
+        </p:txBody>
+      </p:sp>
+      <p:pic>
+        <p:nvPicPr>
+          <p:cNvPr id="8" name="Picture 7">
+            <a:extLst>
+              <a:ext uri="{FF2B5EF4-FFF2-40B4-BE49-F238E27FC236}">
+                <a16:creationId xmlns:a16="http://schemas.microsoft.com/office/drawing/2014/main" id="{D3DF31E1-CA4B-407B-932C-BA01467DB5F5}"/>
+              </a:ext>
+            </a:extLst>
+          </p:cNvPr>
+          <p:cNvPicPr>
+            <a:picLocks noChangeAspect="1"/>
+          </p:cNvPicPr>
+          <p:nvPr/>
+        </p:nvPicPr>
+        <p:blipFill>
+          <a:blip r:embed="rId2"/>
+          <a:stretch>
+            <a:fillRect/>
+          </a:stretch>
+        </p:blipFill>
+        <p:spPr>
+          <a:xfrm>
+            <a:off x="2710781" y="1568741"/>
+            <a:ext cx="6156844" cy="4551855"/>
+          </a:xfrm>
+          <a:prstGeom prst="rect">
+            <a:avLst/>
+          </a:prstGeom>
+        </p:spPr>
+      </p:pic>
+    </p:spTree>
+    <p:extLst>
+      <p:ext uri="{BB962C8B-B14F-4D97-AF65-F5344CB8AC3E}">
+        <p14:creationId xmlns:p14="http://schemas.microsoft.com/office/powerpoint/2010/main" val="814067681"/>
+      </p:ext>
+    </p:extLst>
+  </p:cSld>
+  <p:clrMapOvr>
+    <a:masterClrMapping/>
+  </p:clrMapOvr>
+</p:sld>
+</file>
+
+<file path=ppt/slides/slide37.xml><?xml version="1.0" encoding="utf-8"?>
+<p:sld xmlns:a="http://schemas.openxmlformats.org/drawingml/2006/main" xmlns:r="http://schemas.openxmlformats.org/officeDocument/2006/relationships" xmlns:p="http://schemas.openxmlformats.org/presentationml/2006/main">
+  <p:cSld>
+    <p:spTree>
+      <p:nvGrpSpPr>
+        <p:cNvPr id="1" name=""/>
+        <p:cNvGrpSpPr/>
+        <p:nvPr/>
+      </p:nvGrpSpPr>
+      <p:grpSpPr>
+        <a:xfrm>
+          <a:off x="0" y="0"/>
+          <a:ext cx="0" cy="0"/>
+          <a:chOff x="0" y="0"/>
+          <a:chExt cx="0" cy="0"/>
+        </a:xfrm>
+      </p:grpSpPr>
+      <p:sp>
+        <p:nvSpPr>
+          <p:cNvPr id="4" name="Title 1">
+            <a:extLst>
+              <a:ext uri="{FF2B5EF4-FFF2-40B4-BE49-F238E27FC236}">
+                <a16:creationId xmlns:a16="http://schemas.microsoft.com/office/drawing/2014/main" id="{CAC17C8E-3677-4E33-AD1C-BB70137513FC}"/>
+              </a:ext>
+            </a:extLst>
+          </p:cNvPr>
+          <p:cNvSpPr>
+            <a:spLocks noGrp="1"/>
+          </p:cNvSpPr>
+          <p:nvPr>
+            <p:ph type="title"/>
+          </p:nvPr>
+        </p:nvSpPr>
+        <p:spPr>
+          <a:xfrm>
+            <a:off x="400594" y="86450"/>
+            <a:ext cx="10515600" cy="1325563"/>
+          </a:xfrm>
+        </p:spPr>
+        <p:txBody>
+          <a:bodyPr/>
+          <a:lstStyle/>
+          <a:p>
+            <a:r>
+              <a:rPr lang="en-US" b="1" dirty="0">
+                <a:latin typeface="+mn-lt"/>
+              </a:rPr>
+              <a:t>Design Pattern Aspect - Singleton</a:t>
+            </a:r>
+          </a:p>
+        </p:txBody>
+      </p:sp>
+      <p:pic>
+        <p:nvPicPr>
+          <p:cNvPr id="6" name="Picture 5">
+            <a:extLst>
+              <a:ext uri="{FF2B5EF4-FFF2-40B4-BE49-F238E27FC236}">
+                <a16:creationId xmlns:a16="http://schemas.microsoft.com/office/drawing/2014/main" id="{03A43675-F7E2-4458-A8B0-5DC7F2F29B5B}"/>
+              </a:ext>
+            </a:extLst>
+          </p:cNvPr>
+          <p:cNvPicPr>
+            <a:picLocks noChangeAspect="1"/>
+          </p:cNvPicPr>
+          <p:nvPr/>
+        </p:nvPicPr>
+        <p:blipFill>
+          <a:blip r:embed="rId2"/>
+          <a:stretch>
+            <a:fillRect/>
+          </a:stretch>
+        </p:blipFill>
+        <p:spPr>
+          <a:xfrm>
+            <a:off x="3163741" y="1250353"/>
+            <a:ext cx="5210175" cy="3686175"/>
+          </a:xfrm>
+          <a:prstGeom prst="rect">
+            <a:avLst/>
+          </a:prstGeom>
+        </p:spPr>
+      </p:pic>
+      <p:pic>
+        <p:nvPicPr>
+          <p:cNvPr id="7" name="Picture 6">
+            <a:extLst>
+              <a:ext uri="{FF2B5EF4-FFF2-40B4-BE49-F238E27FC236}">
+                <a16:creationId xmlns:a16="http://schemas.microsoft.com/office/drawing/2014/main" id="{00F43CD5-CABD-43D4-AD85-B6866F9D355B}"/>
+              </a:ext>
+            </a:extLst>
+          </p:cNvPr>
+          <p:cNvPicPr>
+            <a:picLocks noChangeAspect="1"/>
+          </p:cNvPicPr>
+          <p:nvPr/>
+        </p:nvPicPr>
+        <p:blipFill>
+          <a:blip r:embed="rId3"/>
+          <a:stretch>
+            <a:fillRect/>
+          </a:stretch>
+        </p:blipFill>
+        <p:spPr>
+          <a:xfrm>
+            <a:off x="2501929" y="5143762"/>
+            <a:ext cx="6917260" cy="1395456"/>
+          </a:xfrm>
+          <a:prstGeom prst="rect">
+            <a:avLst/>
+          </a:prstGeom>
+        </p:spPr>
+      </p:pic>
+    </p:spTree>
+    <p:extLst>
+      <p:ext uri="{BB962C8B-B14F-4D97-AF65-F5344CB8AC3E}">
+        <p14:creationId xmlns:p14="http://schemas.microsoft.com/office/powerpoint/2010/main" val="2317555707"/>
+      </p:ext>
+    </p:extLst>
+  </p:cSld>
+  <p:clrMapOvr>
+    <a:masterClrMapping/>
+  </p:clrMapOvr>
+</p:sld>
+</file>
+
+<file path=ppt/slides/slide38.xml><?xml version="1.0" encoding="utf-8"?>
 <p:sld xmlns:a="http://schemas.openxmlformats.org/drawingml/2006/main" xmlns:r="http://schemas.openxmlformats.org/officeDocument/2006/relationships" xmlns:p="http://schemas.openxmlformats.org/presentationml/2006/main">
   <p:cSld>
     <p:spTree>
@@ -9817,6 +10251,21 @@
               </a:lnSpc>
             </a:pPr>
             <a:r>
+              <a:rPr lang="en-US" sz="1800" b="1" dirty="0">
+                <a:highlight>
+                  <a:srgbClr val="FFFF00"/>
+                </a:highlight>
+              </a:rPr>
+              <a:t>Lock aspect?</a:t>
+            </a:r>
+          </a:p>
+          <a:p>
+            <a:pPr lvl="1">
+              <a:lnSpc>
+                <a:spcPct val="150000"/>
+              </a:lnSpc>
+            </a:pPr>
+            <a:r>
               <a:rPr lang="en-US" sz="1800" b="1" dirty="0"/>
               <a:t>Validator Aspect – validates parameters passed to methods in the codebase.</a:t>
             </a:r>
@@ -9843,12 +10292,12 @@
               </a:lnSpc>
             </a:pPr>
             <a:r>
-              <a:rPr lang="en-US" sz="1800" b="1" dirty="0" err="1">
-                <a:highlight>
-                  <a:srgbClr val="FFFF00"/>
-                </a:highlight>
-              </a:rPr>
+              <a:rPr lang="en-US" sz="1800" b="1" dirty="0" err="1"/>
               <a:t>DesignPattern</a:t>
+            </a:r>
+            <a:r>
+              <a:rPr lang="en-US" sz="1800" b="1" dirty="0"/>
+              <a:t> Aspect – Singleton design pattern &amp;&amp; </a:t>
             </a:r>
             <a:r>
               <a:rPr lang="en-US" sz="1800" b="1" dirty="0">
@@ -9856,7 +10305,11 @@
                   <a:srgbClr val="FFFF00"/>
                 </a:highlight>
               </a:rPr>
-              <a:t> Aspect – implementation of design patterns using aspects.</a:t>
+              <a:t>*** design pattern </a:t>
+            </a:r>
+            <a:r>
+              <a:rPr lang="en-US" sz="1800" b="1" dirty="0"/>
+              <a:t>implementation using AOP.</a:t>
             </a:r>
           </a:p>
           <a:p>

--- a/src/Final Project Presentation.pptx
+++ b/src/Final Project Presentation.pptx
@@ -48,6 +48,9 @@
     <p:sldId id="293" r:id="rId42"/>
     <p:sldId id="294" r:id="rId43"/>
     <p:sldId id="295" r:id="rId44"/>
+    <p:sldId id="296" r:id="rId45"/>
+    <p:sldId id="297" r:id="rId46"/>
+    <p:sldId id="298" r:id="rId47"/>
   </p:sldIdLst>
   <p:sldSz cy="6858000" cx="12192000"/>
   <p:notesSz cx="6858000" cy="9144000"/>
@@ -2211,7 +2214,7 @@
       </p:grpSpPr>
       <p:sp>
         <p:nvSpPr>
-          <p:cNvPr id="231" name="Google Shape;231;g5c54a93226_0_12:notes"/>
+          <p:cNvPr id="231" name="Google Shape;231;g5c5e219745_0_0:notes"/>
           <p:cNvSpPr/>
           <p:nvPr>
             <p:ph idx="2" type="sldImg"/>
@@ -2246,7 +2249,7 @@
       </p:sp>
       <p:sp>
         <p:nvSpPr>
-          <p:cNvPr id="232" name="Google Shape;232;g5c54a93226_0_12:notes"/>
+          <p:cNvPr id="232" name="Google Shape;232;g5c5e219745_0_0:notes"/>
           <p:cNvSpPr txBox="1"/>
           <p:nvPr>
             <p:ph idx="1" type="body"/>
@@ -2296,7 +2299,7 @@
   <p:cSld>
     <p:spTree>
       <p:nvGrpSpPr>
-        <p:cNvPr id="236" name="Shape 236"/>
+        <p:cNvPr id="235" name="Shape 235"/>
         <p:cNvGrpSpPr/>
         <p:nvPr/>
       </p:nvGrpSpPr>
@@ -2310,46 +2313,7 @@
       </p:grpSpPr>
       <p:sp>
         <p:nvSpPr>
-          <p:cNvPr id="237" name="Google Shape;237;p22:notes"/>
-          <p:cNvSpPr txBox="1"/>
-          <p:nvPr>
-            <p:ph idx="1" type="body"/>
-          </p:nvPr>
-        </p:nvSpPr>
-        <p:spPr>
-          <a:xfrm>
-            <a:off x="685800" y="4343400"/>
-            <a:ext cx="5486400" cy="4114800"/>
-          </a:xfrm>
-          <a:prstGeom prst="rect">
-            <a:avLst/>
-          </a:prstGeom>
-        </p:spPr>
-        <p:txBody>
-          <a:bodyPr anchorCtr="0" anchor="t" bIns="91425" lIns="91425" spcFirstLastPara="1" rIns="91425" wrap="square" tIns="91425">
-            <a:noAutofit/>
-          </a:bodyPr>
-          <a:lstStyle/>
-          <a:p>
-            <a:pPr indent="0" lvl="0" marL="0" rtl="0" algn="l">
-              <a:spcBef>
-                <a:spcPts val="0"/>
-              </a:spcBef>
-              <a:spcAft>
-                <a:spcPts val="0"/>
-              </a:spcAft>
-              <a:buNone/>
-            </a:pPr>
-            <a:r>
-              <a:t/>
-            </a:r>
-            <a:endParaRPr/>
-          </a:p>
-        </p:txBody>
-      </p:sp>
-      <p:sp>
-        <p:nvSpPr>
-          <p:cNvPr id="238" name="Google Shape;238;p22:notes"/>
+          <p:cNvPr id="236" name="Google Shape;236;g5c54a93226_0_12:notes"/>
           <p:cNvSpPr/>
           <p:nvPr>
             <p:ph idx="2" type="sldImg"/>
@@ -2358,7 +2322,7 @@
         <p:spPr>
           <a:xfrm>
             <a:off x="1143225" y="685800"/>
-            <a:ext cx="4572225" cy="3429000"/>
+            <a:ext cx="4572300" cy="3429000"/>
           </a:xfrm>
           <a:custGeom>
             <a:rect b="b" l="l" r="r" t="t"/>
@@ -2382,6 +2346,45 @@
           </a:custGeom>
         </p:spPr>
       </p:sp>
+      <p:sp>
+        <p:nvSpPr>
+          <p:cNvPr id="237" name="Google Shape;237;g5c54a93226_0_12:notes"/>
+          <p:cNvSpPr txBox="1"/>
+          <p:nvPr>
+            <p:ph idx="1" type="body"/>
+          </p:nvPr>
+        </p:nvSpPr>
+        <p:spPr>
+          <a:xfrm>
+            <a:off x="685800" y="4343400"/>
+            <a:ext cx="5486400" cy="4114800"/>
+          </a:xfrm>
+          <a:prstGeom prst="rect">
+            <a:avLst/>
+          </a:prstGeom>
+        </p:spPr>
+        <p:txBody>
+          <a:bodyPr anchorCtr="0" anchor="t" bIns="91425" lIns="91425" spcFirstLastPara="1" rIns="91425" wrap="square" tIns="91425">
+            <a:noAutofit/>
+          </a:bodyPr>
+          <a:lstStyle/>
+          <a:p>
+            <a:pPr indent="0" lvl="0" marL="0" rtl="0" algn="l">
+              <a:spcBef>
+                <a:spcPts val="0"/>
+              </a:spcBef>
+              <a:spcAft>
+                <a:spcPts val="0"/>
+              </a:spcAft>
+              <a:buNone/>
+            </a:pPr>
+            <a:r>
+              <a:t/>
+            </a:r>
+            <a:endParaRPr/>
+          </a:p>
+        </p:txBody>
+      </p:sp>
     </p:spTree>
   </p:cSld>
   <p:clrMapOvr>
@@ -2395,7 +2398,7 @@
   <p:cSld>
     <p:spTree>
       <p:nvGrpSpPr>
-        <p:cNvPr id="244" name="Shape 244"/>
+        <p:cNvPr id="241" name="Shape 241"/>
         <p:cNvGrpSpPr/>
         <p:nvPr/>
       </p:nvGrpSpPr>
@@ -2409,7 +2412,7 @@
       </p:grpSpPr>
       <p:sp>
         <p:nvSpPr>
-          <p:cNvPr id="245" name="Google Shape;245;p23:notes"/>
+          <p:cNvPr id="242" name="Google Shape;242;p22:notes"/>
           <p:cNvSpPr txBox="1"/>
           <p:nvPr>
             <p:ph idx="1" type="body"/>
@@ -2448,7 +2451,7 @@
       </p:sp>
       <p:sp>
         <p:nvSpPr>
-          <p:cNvPr id="246" name="Google Shape;246;p23:notes"/>
+          <p:cNvPr id="243" name="Google Shape;243;p22:notes"/>
           <p:cNvSpPr/>
           <p:nvPr>
             <p:ph idx="2" type="sldImg"/>
@@ -2508,46 +2511,7 @@
       </p:grpSpPr>
       <p:sp>
         <p:nvSpPr>
-          <p:cNvPr id="250" name="Google Shape;250;p24:notes"/>
-          <p:cNvSpPr txBox="1"/>
-          <p:nvPr>
-            <p:ph idx="1" type="body"/>
-          </p:nvPr>
-        </p:nvSpPr>
-        <p:spPr>
-          <a:xfrm>
-            <a:off x="685800" y="4343400"/>
-            <a:ext cx="5486400" cy="4114800"/>
-          </a:xfrm>
-          <a:prstGeom prst="rect">
-            <a:avLst/>
-          </a:prstGeom>
-        </p:spPr>
-        <p:txBody>
-          <a:bodyPr anchorCtr="0" anchor="t" bIns="91425" lIns="91425" spcFirstLastPara="1" rIns="91425" wrap="square" tIns="91425">
-            <a:noAutofit/>
-          </a:bodyPr>
-          <a:lstStyle/>
-          <a:p>
-            <a:pPr indent="0" lvl="0" marL="0" rtl="0" algn="l">
-              <a:spcBef>
-                <a:spcPts val="0"/>
-              </a:spcBef>
-              <a:spcAft>
-                <a:spcPts val="0"/>
-              </a:spcAft>
-              <a:buNone/>
-            </a:pPr>
-            <a:r>
-              <a:t/>
-            </a:r>
-            <a:endParaRPr/>
-          </a:p>
-        </p:txBody>
-      </p:sp>
-      <p:sp>
-        <p:nvSpPr>
-          <p:cNvPr id="251" name="Google Shape;251;p24:notes"/>
+          <p:cNvPr id="250" name="Google Shape;250;g5c5e219745_0_6:notes"/>
           <p:cNvSpPr/>
           <p:nvPr>
             <p:ph idx="2" type="sldImg"/>
@@ -2556,7 +2520,7 @@
         <p:spPr>
           <a:xfrm>
             <a:off x="1143225" y="685800"/>
-            <a:ext cx="4572225" cy="3429000"/>
+            <a:ext cx="4572300" cy="3429000"/>
           </a:xfrm>
           <a:custGeom>
             <a:rect b="b" l="l" r="r" t="t"/>
@@ -2580,6 +2544,45 @@
           </a:custGeom>
         </p:spPr>
       </p:sp>
+      <p:sp>
+        <p:nvSpPr>
+          <p:cNvPr id="251" name="Google Shape;251;g5c5e219745_0_6:notes"/>
+          <p:cNvSpPr txBox="1"/>
+          <p:nvPr>
+            <p:ph idx="1" type="body"/>
+          </p:nvPr>
+        </p:nvSpPr>
+        <p:spPr>
+          <a:xfrm>
+            <a:off x="685800" y="4343400"/>
+            <a:ext cx="5486400" cy="4114800"/>
+          </a:xfrm>
+          <a:prstGeom prst="rect">
+            <a:avLst/>
+          </a:prstGeom>
+        </p:spPr>
+        <p:txBody>
+          <a:bodyPr anchorCtr="0" anchor="t" bIns="91425" lIns="91425" spcFirstLastPara="1" rIns="91425" wrap="square" tIns="91425">
+            <a:noAutofit/>
+          </a:bodyPr>
+          <a:lstStyle/>
+          <a:p>
+            <a:pPr indent="0" lvl="0" marL="0" rtl="0" algn="l">
+              <a:spcBef>
+                <a:spcPts val="0"/>
+              </a:spcBef>
+              <a:spcAft>
+                <a:spcPts val="0"/>
+              </a:spcAft>
+              <a:buNone/>
+            </a:pPr>
+            <a:r>
+              <a:t/>
+            </a:r>
+            <a:endParaRPr/>
+          </a:p>
+        </p:txBody>
+      </p:sp>
     </p:spTree>
   </p:cSld>
   <p:clrMapOvr>
@@ -2593,7 +2596,7 @@
   <p:cSld>
     <p:spTree>
       <p:nvGrpSpPr>
-        <p:cNvPr id="258" name="Shape 258"/>
+        <p:cNvPr id="254" name="Shape 254"/>
         <p:cNvGrpSpPr/>
         <p:nvPr/>
       </p:nvGrpSpPr>
@@ -2607,46 +2610,7 @@
       </p:grpSpPr>
       <p:sp>
         <p:nvSpPr>
-          <p:cNvPr id="259" name="Google Shape;259;p25:notes"/>
-          <p:cNvSpPr txBox="1"/>
-          <p:nvPr>
-            <p:ph idx="1" type="body"/>
-          </p:nvPr>
-        </p:nvSpPr>
-        <p:spPr>
-          <a:xfrm>
-            <a:off x="685800" y="4343400"/>
-            <a:ext cx="5486400" cy="4114800"/>
-          </a:xfrm>
-          <a:prstGeom prst="rect">
-            <a:avLst/>
-          </a:prstGeom>
-        </p:spPr>
-        <p:txBody>
-          <a:bodyPr anchorCtr="0" anchor="t" bIns="91425" lIns="91425" spcFirstLastPara="1" rIns="91425" wrap="square" tIns="91425">
-            <a:noAutofit/>
-          </a:bodyPr>
-          <a:lstStyle/>
-          <a:p>
-            <a:pPr indent="0" lvl="0" marL="0" rtl="0" algn="l">
-              <a:spcBef>
-                <a:spcPts val="0"/>
-              </a:spcBef>
-              <a:spcAft>
-                <a:spcPts val="0"/>
-              </a:spcAft>
-              <a:buNone/>
-            </a:pPr>
-            <a:r>
-              <a:t/>
-            </a:r>
-            <a:endParaRPr/>
-          </a:p>
-        </p:txBody>
-      </p:sp>
-      <p:sp>
-        <p:nvSpPr>
-          <p:cNvPr id="260" name="Google Shape;260;p25:notes"/>
+          <p:cNvPr id="255" name="Google Shape;255;g5c5e219745_0_12:notes"/>
           <p:cNvSpPr/>
           <p:nvPr>
             <p:ph idx="2" type="sldImg"/>
@@ -2655,7 +2619,7 @@
         <p:spPr>
           <a:xfrm>
             <a:off x="1143225" y="685800"/>
-            <a:ext cx="4572225" cy="3429000"/>
+            <a:ext cx="4572300" cy="3429000"/>
           </a:xfrm>
           <a:custGeom>
             <a:rect b="b" l="l" r="r" t="t"/>
@@ -2679,6 +2643,45 @@
           </a:custGeom>
         </p:spPr>
       </p:sp>
+      <p:sp>
+        <p:nvSpPr>
+          <p:cNvPr id="256" name="Google Shape;256;g5c5e219745_0_12:notes"/>
+          <p:cNvSpPr txBox="1"/>
+          <p:nvPr>
+            <p:ph idx="1" type="body"/>
+          </p:nvPr>
+        </p:nvSpPr>
+        <p:spPr>
+          <a:xfrm>
+            <a:off x="685800" y="4343400"/>
+            <a:ext cx="5486400" cy="4114800"/>
+          </a:xfrm>
+          <a:prstGeom prst="rect">
+            <a:avLst/>
+          </a:prstGeom>
+        </p:spPr>
+        <p:txBody>
+          <a:bodyPr anchorCtr="0" anchor="t" bIns="91425" lIns="91425" spcFirstLastPara="1" rIns="91425" wrap="square" tIns="91425">
+            <a:noAutofit/>
+          </a:bodyPr>
+          <a:lstStyle/>
+          <a:p>
+            <a:pPr indent="0" lvl="0" marL="0" rtl="0" algn="l">
+              <a:spcBef>
+                <a:spcPts val="0"/>
+              </a:spcBef>
+              <a:spcAft>
+                <a:spcPts val="0"/>
+              </a:spcAft>
+              <a:buNone/>
+            </a:pPr>
+            <a:r>
+              <a:t/>
+            </a:r>
+            <a:endParaRPr/>
+          </a:p>
+        </p:txBody>
+      </p:sp>
     </p:spTree>
   </p:cSld>
   <p:clrMapOvr>
@@ -2692,7 +2695,7 @@
   <p:cSld>
     <p:spTree>
       <p:nvGrpSpPr>
-        <p:cNvPr id="265" name="Shape 265"/>
+        <p:cNvPr id="259" name="Shape 259"/>
         <p:cNvGrpSpPr/>
         <p:nvPr/>
       </p:nvGrpSpPr>
@@ -2706,7 +2709,7 @@
       </p:grpSpPr>
       <p:sp>
         <p:nvSpPr>
-          <p:cNvPr id="266" name="Google Shape;266;p26:notes"/>
+          <p:cNvPr id="260" name="Google Shape;260;p23:notes"/>
           <p:cNvSpPr txBox="1"/>
           <p:nvPr>
             <p:ph idx="1" type="body"/>
@@ -2745,7 +2748,7 @@
       </p:sp>
       <p:sp>
         <p:nvSpPr>
-          <p:cNvPr id="267" name="Google Shape;267;p26:notes"/>
+          <p:cNvPr id="261" name="Google Shape;261;p23:notes"/>
           <p:cNvSpPr/>
           <p:nvPr>
             <p:ph idx="2" type="sldImg"/>
@@ -2791,7 +2794,7 @@
   <p:cSld>
     <p:spTree>
       <p:nvGrpSpPr>
-        <p:cNvPr id="273" name="Shape 273"/>
+        <p:cNvPr id="264" name="Shape 264"/>
         <p:cNvGrpSpPr/>
         <p:nvPr/>
       </p:nvGrpSpPr>
@@ -2805,7 +2808,7 @@
       </p:grpSpPr>
       <p:sp>
         <p:nvSpPr>
-          <p:cNvPr id="274" name="Google Shape;274;p27:notes"/>
+          <p:cNvPr id="265" name="Google Shape;265;p24:notes"/>
           <p:cNvSpPr txBox="1"/>
           <p:nvPr>
             <p:ph idx="1" type="body"/>
@@ -2844,7 +2847,7 @@
       </p:sp>
       <p:sp>
         <p:nvSpPr>
-          <p:cNvPr id="275" name="Google Shape;275;p27:notes"/>
+          <p:cNvPr id="266" name="Google Shape;266;p24:notes"/>
           <p:cNvSpPr/>
           <p:nvPr>
             <p:ph idx="2" type="sldImg"/>
@@ -2989,7 +2992,7 @@
   <p:cSld>
     <p:spTree>
       <p:nvGrpSpPr>
-        <p:cNvPr id="279" name="Shape 279"/>
+        <p:cNvPr id="273" name="Shape 273"/>
         <p:cNvGrpSpPr/>
         <p:nvPr/>
       </p:nvGrpSpPr>
@@ -3003,7 +3006,7 @@
       </p:grpSpPr>
       <p:sp>
         <p:nvSpPr>
-          <p:cNvPr id="280" name="Google Shape;280;p28:notes"/>
+          <p:cNvPr id="274" name="Google Shape;274;p25:notes"/>
           <p:cNvSpPr txBox="1"/>
           <p:nvPr>
             <p:ph idx="1" type="body"/>
@@ -3042,7 +3045,7 @@
       </p:sp>
       <p:sp>
         <p:nvSpPr>
-          <p:cNvPr id="281" name="Google Shape;281;p28:notes"/>
+          <p:cNvPr id="275" name="Google Shape;275;p25:notes"/>
           <p:cNvSpPr/>
           <p:nvPr>
             <p:ph idx="2" type="sldImg"/>
@@ -3088,7 +3091,7 @@
   <p:cSld>
     <p:spTree>
       <p:nvGrpSpPr>
-        <p:cNvPr id="286" name="Shape 286"/>
+        <p:cNvPr id="280" name="Shape 280"/>
         <p:cNvGrpSpPr/>
         <p:nvPr/>
       </p:nvGrpSpPr>
@@ -3102,7 +3105,7 @@
       </p:grpSpPr>
       <p:sp>
         <p:nvSpPr>
-          <p:cNvPr id="287" name="Google Shape;287;p29:notes"/>
+          <p:cNvPr id="281" name="Google Shape;281;p26:notes"/>
           <p:cNvSpPr txBox="1"/>
           <p:nvPr>
             <p:ph idx="1" type="body"/>
@@ -3141,7 +3144,7 @@
       </p:sp>
       <p:sp>
         <p:nvSpPr>
-          <p:cNvPr id="288" name="Google Shape;288;p29:notes"/>
+          <p:cNvPr id="282" name="Google Shape;282;p26:notes"/>
           <p:cNvSpPr/>
           <p:nvPr>
             <p:ph idx="2" type="sldImg"/>
@@ -3187,7 +3190,7 @@
   <p:cSld>
     <p:spTree>
       <p:nvGrpSpPr>
-        <p:cNvPr id="294" name="Shape 294"/>
+        <p:cNvPr id="288" name="Shape 288"/>
         <p:cNvGrpSpPr/>
         <p:nvPr/>
       </p:nvGrpSpPr>
@@ -3201,7 +3204,7 @@
       </p:grpSpPr>
       <p:sp>
         <p:nvSpPr>
-          <p:cNvPr id="295" name="Google Shape;295;p30:notes"/>
+          <p:cNvPr id="289" name="Google Shape;289;p27:notes"/>
           <p:cNvSpPr txBox="1"/>
           <p:nvPr>
             <p:ph idx="1" type="body"/>
@@ -3240,7 +3243,7 @@
       </p:sp>
       <p:sp>
         <p:nvSpPr>
-          <p:cNvPr id="296" name="Google Shape;296;p30:notes"/>
+          <p:cNvPr id="290" name="Google Shape;290;p27:notes"/>
           <p:cNvSpPr/>
           <p:nvPr>
             <p:ph idx="2" type="sldImg"/>
@@ -3286,7 +3289,7 @@
   <p:cSld>
     <p:spTree>
       <p:nvGrpSpPr>
-        <p:cNvPr id="301" name="Shape 301"/>
+        <p:cNvPr id="294" name="Shape 294"/>
         <p:cNvGrpSpPr/>
         <p:nvPr/>
       </p:nvGrpSpPr>
@@ -3300,7 +3303,7 @@
       </p:grpSpPr>
       <p:sp>
         <p:nvSpPr>
-          <p:cNvPr id="302" name="Google Shape;302;p31:notes"/>
+          <p:cNvPr id="295" name="Google Shape;295;p28:notes"/>
           <p:cNvSpPr txBox="1"/>
           <p:nvPr>
             <p:ph idx="1" type="body"/>
@@ -3339,7 +3342,7 @@
       </p:sp>
       <p:sp>
         <p:nvSpPr>
-          <p:cNvPr id="303" name="Google Shape;303;p31:notes"/>
+          <p:cNvPr id="296" name="Google Shape;296;p28:notes"/>
           <p:cNvSpPr/>
           <p:nvPr>
             <p:ph idx="2" type="sldImg"/>
@@ -3385,7 +3388,7 @@
   <p:cSld>
     <p:spTree>
       <p:nvGrpSpPr>
-        <p:cNvPr id="307" name="Shape 307"/>
+        <p:cNvPr id="301" name="Shape 301"/>
         <p:cNvGrpSpPr/>
         <p:nvPr/>
       </p:nvGrpSpPr>
@@ -3399,7 +3402,7 @@
       </p:grpSpPr>
       <p:sp>
         <p:nvSpPr>
-          <p:cNvPr id="308" name="Google Shape;308;p32:notes"/>
+          <p:cNvPr id="302" name="Google Shape;302;p29:notes"/>
           <p:cNvSpPr txBox="1"/>
           <p:nvPr>
             <p:ph idx="1" type="body"/>
@@ -3438,7 +3441,7 @@
       </p:sp>
       <p:sp>
         <p:nvSpPr>
-          <p:cNvPr id="309" name="Google Shape;309;p32:notes"/>
+          <p:cNvPr id="303" name="Google Shape;303;p29:notes"/>
           <p:cNvSpPr/>
           <p:nvPr>
             <p:ph idx="2" type="sldImg"/>
@@ -3484,7 +3487,7 @@
   <p:cSld>
     <p:spTree>
       <p:nvGrpSpPr>
-        <p:cNvPr id="315" name="Shape 315"/>
+        <p:cNvPr id="309" name="Shape 309"/>
         <p:cNvGrpSpPr/>
         <p:nvPr/>
       </p:nvGrpSpPr>
@@ -3498,7 +3501,7 @@
       </p:grpSpPr>
       <p:sp>
         <p:nvSpPr>
-          <p:cNvPr id="316" name="Google Shape;316;p33:notes"/>
+          <p:cNvPr id="310" name="Google Shape;310;p30:notes"/>
           <p:cNvSpPr txBox="1"/>
           <p:nvPr>
             <p:ph idx="1" type="body"/>
@@ -3537,7 +3540,7 @@
       </p:sp>
       <p:sp>
         <p:nvSpPr>
-          <p:cNvPr id="317" name="Google Shape;317;p33:notes"/>
+          <p:cNvPr id="311" name="Google Shape;311;p30:notes"/>
           <p:cNvSpPr/>
           <p:nvPr>
             <p:ph idx="2" type="sldImg"/>
@@ -3583,7 +3586,7 @@
   <p:cSld>
     <p:spTree>
       <p:nvGrpSpPr>
-        <p:cNvPr id="322" name="Shape 322"/>
+        <p:cNvPr id="316" name="Shape 316"/>
         <p:cNvGrpSpPr/>
         <p:nvPr/>
       </p:nvGrpSpPr>
@@ -3597,7 +3600,7 @@
       </p:grpSpPr>
       <p:sp>
         <p:nvSpPr>
-          <p:cNvPr id="323" name="Google Shape;323;p34:notes"/>
+          <p:cNvPr id="317" name="Google Shape;317;p31:notes"/>
           <p:cNvSpPr txBox="1"/>
           <p:nvPr>
             <p:ph idx="1" type="body"/>
@@ -3636,7 +3639,7 @@
       </p:sp>
       <p:sp>
         <p:nvSpPr>
-          <p:cNvPr id="324" name="Google Shape;324;p34:notes"/>
+          <p:cNvPr id="318" name="Google Shape;318;p31:notes"/>
           <p:cNvSpPr/>
           <p:nvPr>
             <p:ph idx="2" type="sldImg"/>
@@ -3682,7 +3685,7 @@
   <p:cSld>
     <p:spTree>
       <p:nvGrpSpPr>
-        <p:cNvPr id="329" name="Shape 329"/>
+        <p:cNvPr id="322" name="Shape 322"/>
         <p:cNvGrpSpPr/>
         <p:nvPr/>
       </p:nvGrpSpPr>
@@ -3696,7 +3699,7 @@
       </p:grpSpPr>
       <p:sp>
         <p:nvSpPr>
-          <p:cNvPr id="330" name="Google Shape;330;p35:notes"/>
+          <p:cNvPr id="323" name="Google Shape;323;p32:notes"/>
           <p:cNvSpPr txBox="1"/>
           <p:nvPr>
             <p:ph idx="1" type="body"/>
@@ -3735,7 +3738,7 @@
       </p:sp>
       <p:sp>
         <p:nvSpPr>
-          <p:cNvPr id="331" name="Google Shape;331;p35:notes"/>
+          <p:cNvPr id="324" name="Google Shape;324;p32:notes"/>
           <p:cNvSpPr/>
           <p:nvPr>
             <p:ph idx="2" type="sldImg"/>
@@ -3781,7 +3784,7 @@
   <p:cSld>
     <p:spTree>
       <p:nvGrpSpPr>
-        <p:cNvPr id="335" name="Shape 335"/>
+        <p:cNvPr id="330" name="Shape 330"/>
         <p:cNvGrpSpPr/>
         <p:nvPr/>
       </p:nvGrpSpPr>
@@ -3795,7 +3798,7 @@
       </p:grpSpPr>
       <p:sp>
         <p:nvSpPr>
-          <p:cNvPr id="336" name="Google Shape;336;p36:notes"/>
+          <p:cNvPr id="331" name="Google Shape;331;p33:notes"/>
           <p:cNvSpPr txBox="1"/>
           <p:nvPr>
             <p:ph idx="1" type="body"/>
@@ -3834,7 +3837,7 @@
       </p:sp>
       <p:sp>
         <p:nvSpPr>
-          <p:cNvPr id="337" name="Google Shape;337;p36:notes"/>
+          <p:cNvPr id="332" name="Google Shape;332;p33:notes"/>
           <p:cNvSpPr/>
           <p:nvPr>
             <p:ph idx="2" type="sldImg"/>
@@ -3880,7 +3883,7 @@
   <p:cSld>
     <p:spTree>
       <p:nvGrpSpPr>
-        <p:cNvPr id="341" name="Shape 341"/>
+        <p:cNvPr id="337" name="Shape 337"/>
         <p:cNvGrpSpPr/>
         <p:nvPr/>
       </p:nvGrpSpPr>
@@ -3894,7 +3897,7 @@
       </p:grpSpPr>
       <p:sp>
         <p:nvSpPr>
-          <p:cNvPr id="342" name="Google Shape;342;p37:notes"/>
+          <p:cNvPr id="338" name="Google Shape;338;p34:notes"/>
           <p:cNvSpPr txBox="1"/>
           <p:nvPr>
             <p:ph idx="1" type="body"/>
@@ -3933,7 +3936,7 @@
       </p:sp>
       <p:sp>
         <p:nvSpPr>
-          <p:cNvPr id="343" name="Google Shape;343;p37:notes"/>
+          <p:cNvPr id="339" name="Google Shape;339;p34:notes"/>
           <p:cNvSpPr/>
           <p:nvPr>
             <p:ph idx="2" type="sldImg"/>
@@ -4078,7 +4081,7 @@
   <p:cSld>
     <p:spTree>
       <p:nvGrpSpPr>
-        <p:cNvPr id="348" name="Shape 348"/>
+        <p:cNvPr id="344" name="Shape 344"/>
         <p:cNvGrpSpPr/>
         <p:nvPr/>
       </p:nvGrpSpPr>
@@ -4092,7 +4095,7 @@
       </p:grpSpPr>
       <p:sp>
         <p:nvSpPr>
-          <p:cNvPr id="349" name="Google Shape;349;p38:notes"/>
+          <p:cNvPr id="345" name="Google Shape;345;p35:notes"/>
           <p:cNvSpPr txBox="1"/>
           <p:nvPr>
             <p:ph idx="1" type="body"/>
@@ -4131,7 +4134,304 @@
       </p:sp>
       <p:sp>
         <p:nvSpPr>
-          <p:cNvPr id="350" name="Google Shape;350;p38:notes"/>
+          <p:cNvPr id="346" name="Google Shape;346;p35:notes"/>
+          <p:cNvSpPr/>
+          <p:nvPr>
+            <p:ph idx="2" type="sldImg"/>
+          </p:nvPr>
+        </p:nvSpPr>
+        <p:spPr>
+          <a:xfrm>
+            <a:off x="1143225" y="685800"/>
+            <a:ext cx="4572225" cy="3429000"/>
+          </a:xfrm>
+          <a:custGeom>
+            <a:rect b="b" l="l" r="r" t="t"/>
+            <a:pathLst>
+              <a:path extrusionOk="0" h="120000" w="120000">
+                <a:moveTo>
+                  <a:pt x="0" y="0"/>
+                </a:moveTo>
+                <a:lnTo>
+                  <a:pt x="120000" y="0"/>
+                </a:lnTo>
+                <a:lnTo>
+                  <a:pt x="120000" y="120000"/>
+                </a:lnTo>
+                <a:lnTo>
+                  <a:pt x="0" y="120000"/>
+                </a:lnTo>
+                <a:close/>
+              </a:path>
+            </a:pathLst>
+          </a:custGeom>
+        </p:spPr>
+      </p:sp>
+    </p:spTree>
+  </p:cSld>
+  <p:clrMapOvr>
+    <a:masterClrMapping/>
+  </p:clrMapOvr>
+</p:notes>
+</file>
+
+<file path=ppt/notesSlides/notesSlide41.xml><?xml version="1.0" encoding="utf-8"?>
+<p:notes xmlns:a="http://schemas.openxmlformats.org/drawingml/2006/main" xmlns:r="http://schemas.openxmlformats.org/officeDocument/2006/relationships" xmlns:mc="http://schemas.openxmlformats.org/markup-compatibility/2006" xmlns:mv="urn:schemas-microsoft-com:mac:vml" xmlns:p="http://schemas.openxmlformats.org/presentationml/2006/main" xmlns:c="http://schemas.openxmlformats.org/drawingml/2006/chart" xmlns:dgm="http://schemas.openxmlformats.org/drawingml/2006/diagram" xmlns:o="urn:schemas-microsoft-com:office:office" xmlns:v="urn:schemas-microsoft-com:vml" xmlns:pvml="urn:schemas-microsoft-com:office:powerpoint" xmlns:com="http://schemas.openxmlformats.org/drawingml/2006/compatibility" xmlns:p14="http://schemas.microsoft.com/office/powerpoint/2010/main" xmlns:p15="http://schemas.microsoft.com/office/powerpoint/2012/main" showMasterPhAnim="0" showMasterSp="0">
+  <p:cSld>
+    <p:spTree>
+      <p:nvGrpSpPr>
+        <p:cNvPr id="350" name="Shape 350"/>
+        <p:cNvGrpSpPr/>
+        <p:nvPr/>
+      </p:nvGrpSpPr>
+      <p:grpSpPr>
+        <a:xfrm>
+          <a:off x="0" y="0"/>
+          <a:ext cx="0" cy="0"/>
+          <a:chOff x="0" y="0"/>
+          <a:chExt cx="0" cy="0"/>
+        </a:xfrm>
+      </p:grpSpPr>
+      <p:sp>
+        <p:nvSpPr>
+          <p:cNvPr id="351" name="Google Shape;351;p36:notes"/>
+          <p:cNvSpPr txBox="1"/>
+          <p:nvPr>
+            <p:ph idx="1" type="body"/>
+          </p:nvPr>
+        </p:nvSpPr>
+        <p:spPr>
+          <a:xfrm>
+            <a:off x="685800" y="4343400"/>
+            <a:ext cx="5486400" cy="4114800"/>
+          </a:xfrm>
+          <a:prstGeom prst="rect">
+            <a:avLst/>
+          </a:prstGeom>
+        </p:spPr>
+        <p:txBody>
+          <a:bodyPr anchorCtr="0" anchor="t" bIns="91425" lIns="91425" spcFirstLastPara="1" rIns="91425" wrap="square" tIns="91425">
+            <a:noAutofit/>
+          </a:bodyPr>
+          <a:lstStyle/>
+          <a:p>
+            <a:pPr indent="0" lvl="0" marL="0" rtl="0" algn="l">
+              <a:spcBef>
+                <a:spcPts val="0"/>
+              </a:spcBef>
+              <a:spcAft>
+                <a:spcPts val="0"/>
+              </a:spcAft>
+              <a:buNone/>
+            </a:pPr>
+            <a:r>
+              <a:t/>
+            </a:r>
+            <a:endParaRPr/>
+          </a:p>
+        </p:txBody>
+      </p:sp>
+      <p:sp>
+        <p:nvSpPr>
+          <p:cNvPr id="352" name="Google Shape;352;p36:notes"/>
+          <p:cNvSpPr/>
+          <p:nvPr>
+            <p:ph idx="2" type="sldImg"/>
+          </p:nvPr>
+        </p:nvSpPr>
+        <p:spPr>
+          <a:xfrm>
+            <a:off x="1143225" y="685800"/>
+            <a:ext cx="4572225" cy="3429000"/>
+          </a:xfrm>
+          <a:custGeom>
+            <a:rect b="b" l="l" r="r" t="t"/>
+            <a:pathLst>
+              <a:path extrusionOk="0" h="120000" w="120000">
+                <a:moveTo>
+                  <a:pt x="0" y="0"/>
+                </a:moveTo>
+                <a:lnTo>
+                  <a:pt x="120000" y="0"/>
+                </a:lnTo>
+                <a:lnTo>
+                  <a:pt x="120000" y="120000"/>
+                </a:lnTo>
+                <a:lnTo>
+                  <a:pt x="0" y="120000"/>
+                </a:lnTo>
+                <a:close/>
+              </a:path>
+            </a:pathLst>
+          </a:custGeom>
+        </p:spPr>
+      </p:sp>
+    </p:spTree>
+  </p:cSld>
+  <p:clrMapOvr>
+    <a:masterClrMapping/>
+  </p:clrMapOvr>
+</p:notes>
+</file>
+
+<file path=ppt/notesSlides/notesSlide42.xml><?xml version="1.0" encoding="utf-8"?>
+<p:notes xmlns:a="http://schemas.openxmlformats.org/drawingml/2006/main" xmlns:r="http://schemas.openxmlformats.org/officeDocument/2006/relationships" xmlns:mc="http://schemas.openxmlformats.org/markup-compatibility/2006" xmlns:mv="urn:schemas-microsoft-com:mac:vml" xmlns:p="http://schemas.openxmlformats.org/presentationml/2006/main" xmlns:c="http://schemas.openxmlformats.org/drawingml/2006/chart" xmlns:dgm="http://schemas.openxmlformats.org/drawingml/2006/diagram" xmlns:o="urn:schemas-microsoft-com:office:office" xmlns:v="urn:schemas-microsoft-com:vml" xmlns:pvml="urn:schemas-microsoft-com:office:powerpoint" xmlns:com="http://schemas.openxmlformats.org/drawingml/2006/compatibility" xmlns:p14="http://schemas.microsoft.com/office/powerpoint/2010/main" xmlns:p15="http://schemas.microsoft.com/office/powerpoint/2012/main" showMasterPhAnim="0" showMasterSp="0">
+  <p:cSld>
+    <p:spTree>
+      <p:nvGrpSpPr>
+        <p:cNvPr id="356" name="Shape 356"/>
+        <p:cNvGrpSpPr/>
+        <p:nvPr/>
+      </p:nvGrpSpPr>
+      <p:grpSpPr>
+        <a:xfrm>
+          <a:off x="0" y="0"/>
+          <a:ext cx="0" cy="0"/>
+          <a:chOff x="0" y="0"/>
+          <a:chExt cx="0" cy="0"/>
+        </a:xfrm>
+      </p:grpSpPr>
+      <p:sp>
+        <p:nvSpPr>
+          <p:cNvPr id="357" name="Google Shape;357;p37:notes"/>
+          <p:cNvSpPr txBox="1"/>
+          <p:nvPr>
+            <p:ph idx="1" type="body"/>
+          </p:nvPr>
+        </p:nvSpPr>
+        <p:spPr>
+          <a:xfrm>
+            <a:off x="685800" y="4343400"/>
+            <a:ext cx="5486400" cy="4114800"/>
+          </a:xfrm>
+          <a:prstGeom prst="rect">
+            <a:avLst/>
+          </a:prstGeom>
+        </p:spPr>
+        <p:txBody>
+          <a:bodyPr anchorCtr="0" anchor="t" bIns="91425" lIns="91425" spcFirstLastPara="1" rIns="91425" wrap="square" tIns="91425">
+            <a:noAutofit/>
+          </a:bodyPr>
+          <a:lstStyle/>
+          <a:p>
+            <a:pPr indent="0" lvl="0" marL="0" rtl="0" algn="l">
+              <a:spcBef>
+                <a:spcPts val="0"/>
+              </a:spcBef>
+              <a:spcAft>
+                <a:spcPts val="0"/>
+              </a:spcAft>
+              <a:buNone/>
+            </a:pPr>
+            <a:r>
+              <a:t/>
+            </a:r>
+            <a:endParaRPr/>
+          </a:p>
+        </p:txBody>
+      </p:sp>
+      <p:sp>
+        <p:nvSpPr>
+          <p:cNvPr id="358" name="Google Shape;358;p37:notes"/>
+          <p:cNvSpPr/>
+          <p:nvPr>
+            <p:ph idx="2" type="sldImg"/>
+          </p:nvPr>
+        </p:nvSpPr>
+        <p:spPr>
+          <a:xfrm>
+            <a:off x="1143225" y="685800"/>
+            <a:ext cx="4572225" cy="3429000"/>
+          </a:xfrm>
+          <a:custGeom>
+            <a:rect b="b" l="l" r="r" t="t"/>
+            <a:pathLst>
+              <a:path extrusionOk="0" h="120000" w="120000">
+                <a:moveTo>
+                  <a:pt x="0" y="0"/>
+                </a:moveTo>
+                <a:lnTo>
+                  <a:pt x="120000" y="0"/>
+                </a:lnTo>
+                <a:lnTo>
+                  <a:pt x="120000" y="120000"/>
+                </a:lnTo>
+                <a:lnTo>
+                  <a:pt x="0" y="120000"/>
+                </a:lnTo>
+                <a:close/>
+              </a:path>
+            </a:pathLst>
+          </a:custGeom>
+        </p:spPr>
+      </p:sp>
+    </p:spTree>
+  </p:cSld>
+  <p:clrMapOvr>
+    <a:masterClrMapping/>
+  </p:clrMapOvr>
+</p:notes>
+</file>
+
+<file path=ppt/notesSlides/notesSlide43.xml><?xml version="1.0" encoding="utf-8"?>
+<p:notes xmlns:a="http://schemas.openxmlformats.org/drawingml/2006/main" xmlns:r="http://schemas.openxmlformats.org/officeDocument/2006/relationships" xmlns:mc="http://schemas.openxmlformats.org/markup-compatibility/2006" xmlns:mv="urn:schemas-microsoft-com:mac:vml" xmlns:p="http://schemas.openxmlformats.org/presentationml/2006/main" xmlns:c="http://schemas.openxmlformats.org/drawingml/2006/chart" xmlns:dgm="http://schemas.openxmlformats.org/drawingml/2006/diagram" xmlns:o="urn:schemas-microsoft-com:office:office" xmlns:v="urn:schemas-microsoft-com:vml" xmlns:pvml="urn:schemas-microsoft-com:office:powerpoint" xmlns:com="http://schemas.openxmlformats.org/drawingml/2006/compatibility" xmlns:p14="http://schemas.microsoft.com/office/powerpoint/2010/main" xmlns:p15="http://schemas.microsoft.com/office/powerpoint/2012/main" showMasterPhAnim="0" showMasterSp="0">
+  <p:cSld>
+    <p:spTree>
+      <p:nvGrpSpPr>
+        <p:cNvPr id="363" name="Shape 363"/>
+        <p:cNvGrpSpPr/>
+        <p:nvPr/>
+      </p:nvGrpSpPr>
+      <p:grpSpPr>
+        <a:xfrm>
+          <a:off x="0" y="0"/>
+          <a:ext cx="0" cy="0"/>
+          <a:chOff x="0" y="0"/>
+          <a:chExt cx="0" cy="0"/>
+        </a:xfrm>
+      </p:grpSpPr>
+      <p:sp>
+        <p:nvSpPr>
+          <p:cNvPr id="364" name="Google Shape;364;p38:notes"/>
+          <p:cNvSpPr txBox="1"/>
+          <p:nvPr>
+            <p:ph idx="1" type="body"/>
+          </p:nvPr>
+        </p:nvSpPr>
+        <p:spPr>
+          <a:xfrm>
+            <a:off x="685800" y="4343400"/>
+            <a:ext cx="5486400" cy="4114800"/>
+          </a:xfrm>
+          <a:prstGeom prst="rect">
+            <a:avLst/>
+          </a:prstGeom>
+        </p:spPr>
+        <p:txBody>
+          <a:bodyPr anchorCtr="0" anchor="t" bIns="91425" lIns="91425" spcFirstLastPara="1" rIns="91425" wrap="square" tIns="91425">
+            <a:noAutofit/>
+          </a:bodyPr>
+          <a:lstStyle/>
+          <a:p>
+            <a:pPr indent="0" lvl="0" marL="0" rtl="0" algn="l">
+              <a:spcBef>
+                <a:spcPts val="0"/>
+              </a:spcBef>
+              <a:spcAft>
+                <a:spcPts val="0"/>
+              </a:spcAft>
+              <a:buNone/>
+            </a:pPr>
+            <a:r>
+              <a:t/>
+            </a:r>
+            <a:endParaRPr/>
+          </a:p>
+        </p:txBody>
+      </p:sp>
+      <p:sp>
+        <p:nvSpPr>
+          <p:cNvPr id="365" name="Google Shape;365;p38:notes"/>
           <p:cNvSpPr/>
           <p:nvPr>
             <p:ph idx="2" type="sldImg"/>
@@ -18194,7 +18494,7 @@
         </p:nvSpPr>
         <p:spPr>
           <a:xfrm>
-            <a:off x="838200" y="1825625"/>
+            <a:off x="646125" y="1387850"/>
             <a:ext cx="10515600" cy="4351200"/>
           </a:xfrm>
           <a:prstGeom prst="rect">
@@ -18250,7 +18550,15 @@
             </a:pPr>
             <a:r>
               <a:rPr b="1" lang="en-US"/>
-              <a:t>Usually the licences come with unique key for every user/comapny.</a:t>
+              <a:t>Usually the licences come with unique key for every user/</a:t>
+            </a:r>
+            <a:r>
+              <a:rPr b="1" lang="en-US"/>
+              <a:t>company</a:t>
+            </a:r>
+            <a:r>
+              <a:rPr b="1" lang="en-US"/>
+              <a:t>.</a:t>
             </a:r>
             <a:endParaRPr b="1"/>
           </a:p>
@@ -18298,7 +18606,19 @@
             </a:r>
             <a:r>
               <a:rPr b="1" lang="en-US"/>
-              <a:t> on his machiine, we don’t want that he will spend a lot of time on autentication</a:t>
+              <a:t>on his </a:t>
+            </a:r>
+            <a:r>
+              <a:rPr b="1" lang="en-US"/>
+              <a:t>machine</a:t>
+            </a:r>
+            <a:r>
+              <a:rPr b="1" lang="en-US"/>
+              <a:t>, we don’t want that he will spend a lot of time on </a:t>
+            </a:r>
+            <a:r>
+              <a:rPr b="1" lang="en-US"/>
+              <a:t>authentication</a:t>
             </a:r>
             <a:endParaRPr b="1"/>
           </a:p>
@@ -18668,170 +18988,34 @@
           <a:chExt cx="0" cy="0"/>
         </a:xfrm>
       </p:grpSpPr>
-      <p:sp>
-        <p:nvSpPr>
+      <p:pic>
+        <p:nvPicPr>
           <p:cNvPr id="234" name="Google Shape;234;p35"/>
-          <p:cNvSpPr txBox="1"/>
-          <p:nvPr>
-            <p:ph type="title"/>
-          </p:nvPr>
-        </p:nvSpPr>
-        <p:spPr>
-          <a:xfrm>
-            <a:off x="838200" y="365125"/>
-            <a:ext cx="10515600" cy="1325700"/>
+          <p:cNvPicPr preferRelativeResize="0"/>
+          <p:nvPr/>
+        </p:nvPicPr>
+        <p:blipFill>
+          <a:blip r:embed="rId3">
+            <a:alphaModFix/>
+          </a:blip>
+          <a:stretch>
+            <a:fillRect/>
+          </a:stretch>
+        </p:blipFill>
+        <p:spPr>
+          <a:xfrm>
+            <a:off x="1305000" y="400050"/>
+            <a:ext cx="8458200" cy="6057900"/>
           </a:xfrm>
           <a:prstGeom prst="rect">
             <a:avLst/>
           </a:prstGeom>
-        </p:spPr>
-        <p:txBody>
-          <a:bodyPr anchorCtr="0" anchor="ctr" bIns="45700" lIns="91425" spcFirstLastPara="1" rIns="91425" wrap="square" tIns="45700">
-            <a:noAutofit/>
-          </a:bodyPr>
-          <a:lstStyle/>
-          <a:p>
-            <a:pPr indent="0" lvl="0" marL="0" rtl="0" algn="l">
-              <a:spcBef>
-                <a:spcPts val="0"/>
-              </a:spcBef>
-              <a:spcAft>
-                <a:spcPts val="0"/>
-              </a:spcAft>
-              <a:buNone/>
-            </a:pPr>
-            <a:r>
-              <a:rPr b="1" lang="en-US"/>
-              <a:t>Extension</a:t>
-            </a:r>
-            <a:r>
-              <a:rPr b="1" lang="en-US"/>
-              <a:t> of the UI/UX (Patch)</a:t>
-            </a:r>
-            <a:endParaRPr b="1"/>
-          </a:p>
-        </p:txBody>
-      </p:sp>
-      <p:sp>
-        <p:nvSpPr>
-          <p:cNvPr id="235" name="Google Shape;235;p35"/>
-          <p:cNvSpPr txBox="1"/>
-          <p:nvPr>
-            <p:ph idx="1" type="body"/>
-          </p:nvPr>
-        </p:nvSpPr>
-        <p:spPr>
-          <a:xfrm>
-            <a:off x="838200" y="1825625"/>
-            <a:ext cx="10515600" cy="4351200"/>
-          </a:xfrm>
-          <a:prstGeom prst="rect">
-            <a:avLst/>
-          </a:prstGeom>
-        </p:spPr>
-        <p:txBody>
-          <a:bodyPr anchorCtr="0" anchor="t" bIns="45700" lIns="91425" spcFirstLastPara="1" rIns="91425" wrap="square" tIns="45700">
-            <a:noAutofit/>
-          </a:bodyPr>
-          <a:lstStyle/>
-          <a:p>
-            <a:pPr indent="-228600" lvl="0" marL="228600" rtl="0" algn="l">
-              <a:lnSpc>
-                <a:spcPct val="150000"/>
-              </a:lnSpc>
-              <a:spcBef>
-                <a:spcPts val="0"/>
-              </a:spcBef>
-              <a:spcAft>
-                <a:spcPts val="0"/>
-              </a:spcAft>
-              <a:buSzPts val="2800"/>
-              <a:buChar char="•"/>
-            </a:pPr>
-            <a:r>
-              <a:rPr b="1" lang="en-US"/>
-              <a:t>There are some situations that a commercial </a:t>
-            </a:r>
-            <a:r>
-              <a:rPr b="1" lang="en-US"/>
-              <a:t>company</a:t>
-            </a:r>
-            <a:r>
-              <a:rPr b="1" lang="en-US"/>
-              <a:t> will want to extend its product after releasing.</a:t>
-            </a:r>
-            <a:endParaRPr b="1"/>
-          </a:p>
-          <a:p>
-            <a:pPr indent="-165100" lvl="0" marL="228600" rtl="0" algn="l">
-              <a:lnSpc>
-                <a:spcPct val="150000"/>
-              </a:lnSpc>
-              <a:spcBef>
-                <a:spcPts val="0"/>
-              </a:spcBef>
-              <a:spcAft>
-                <a:spcPts val="0"/>
-              </a:spcAft>
-              <a:buSzPts val="1800"/>
-              <a:buChar char="•"/>
-            </a:pPr>
-            <a:r>
-              <a:rPr b="1" lang="en-US"/>
-              <a:t>The reason could be earn more money, customer requests ,etc.</a:t>
-            </a:r>
-            <a:endParaRPr b="1"/>
-          </a:p>
-          <a:p>
-            <a:pPr indent="-165100" lvl="0" marL="228600" rtl="0" algn="l">
-              <a:lnSpc>
-                <a:spcPct val="150000"/>
-              </a:lnSpc>
-              <a:spcBef>
-                <a:spcPts val="0"/>
-              </a:spcBef>
-              <a:spcAft>
-                <a:spcPts val="0"/>
-              </a:spcAft>
-              <a:buSzPts val="1800"/>
-              <a:buChar char="•"/>
-            </a:pPr>
-            <a:r>
-              <a:rPr b="1" lang="en-US"/>
-              <a:t>In many computer games there are some extensions for the UI/UX, usually it is given for more money.</a:t>
-            </a:r>
-            <a:endParaRPr b="1"/>
-          </a:p>
-          <a:p>
-            <a:pPr indent="-165100" lvl="0" marL="228600" rtl="0" algn="l">
-              <a:lnSpc>
-                <a:spcPct val="150000"/>
-              </a:lnSpc>
-              <a:spcBef>
-                <a:spcPts val="0"/>
-              </a:spcBef>
-              <a:spcAft>
-                <a:spcPts val="0"/>
-              </a:spcAft>
-              <a:buSzPts val="1800"/>
-              <a:buChar char="•"/>
-            </a:pPr>
-            <a:r>
-              <a:rPr b="1" lang="en-US"/>
-              <a:t>Because it is an </a:t>
-            </a:r>
-            <a:r>
-              <a:rPr b="1" lang="en-US"/>
-              <a:t>extension, the company doesn’t want to affect the original product and its functionality. </a:t>
-            </a:r>
-            <a:r>
-              <a:rPr b="1" lang="en-US"/>
-              <a:t> </a:t>
-            </a:r>
-            <a:endParaRPr b="1"/>
-          </a:p>
-        </p:txBody>
-      </p:sp>
+          <a:noFill/>
+          <a:ln>
+            <a:noFill/>
+          </a:ln>
+        </p:spPr>
+      </p:pic>
     </p:spTree>
   </p:cSld>
   <p:clrMapOvr>
@@ -18845,7 +19029,7 @@
   <p:cSld>
     <p:spTree>
       <p:nvGrpSpPr>
-        <p:cNvPr id="239" name="Shape 239"/>
+        <p:cNvPr id="238" name="Shape 238"/>
         <p:cNvGrpSpPr/>
         <p:nvPr/>
       </p:nvGrpSpPr>
@@ -18859,7 +19043,7 @@
       </p:grpSpPr>
       <p:sp>
         <p:nvSpPr>
-          <p:cNvPr id="240" name="Google Shape;240;p36"/>
+          <p:cNvPr id="239" name="Google Shape;239;p36"/>
           <p:cNvSpPr txBox="1"/>
           <p:nvPr>
             <p:ph type="title"/>
@@ -18867,16 +19051,12 @@
         </p:nvSpPr>
         <p:spPr>
           <a:xfrm>
-            <a:off x="400594" y="86450"/>
-            <a:ext cx="10515600" cy="1325563"/>
+            <a:off x="569275" y="365125"/>
+            <a:ext cx="10515600" cy="1325700"/>
           </a:xfrm>
           <a:prstGeom prst="rect">
             <a:avLst/>
           </a:prstGeom>
-          <a:noFill/>
-          <a:ln>
-            <a:noFill/>
-          </a:ln>
         </p:spPr>
         <p:txBody>
           <a:bodyPr anchorCtr="0" anchor="ctr" bIns="45700" lIns="91425" spcFirstLastPara="1" rIns="91425" wrap="square" tIns="45700">
@@ -18885,66 +19065,29 @@
           <a:lstStyle/>
           <a:p>
             <a:pPr indent="0" lvl="0" marL="0" rtl="0" algn="l">
-              <a:lnSpc>
-                <a:spcPct val="90000"/>
-              </a:lnSpc>
-              <a:spcBef>
-                <a:spcPts val="0"/>
-              </a:spcBef>
-              <a:spcAft>
-                <a:spcPts val="0"/>
-              </a:spcAft>
-              <a:buClr>
-                <a:schemeClr val="dk1"/>
-              </a:buClr>
-              <a:buSzPts val="4400"/>
-              <a:buFont typeface="Calibri"/>
+              <a:spcBef>
+                <a:spcPts val="0"/>
+              </a:spcBef>
+              <a:spcAft>
+                <a:spcPts val="0"/>
+              </a:spcAft>
               <a:buNone/>
             </a:pPr>
             <a:r>
-              <a:rPr b="1" lang="en-US">
-                <a:latin typeface="Calibri"/>
-                <a:ea typeface="Calibri"/>
-                <a:cs typeface="Calibri"/>
-                <a:sym typeface="Calibri"/>
-              </a:rPr>
-              <a:t>UI Aspect:</a:t>
-            </a:r>
-            <a:endParaRPr/>
+              <a:rPr b="1" lang="en-US"/>
+              <a:t>Extension</a:t>
+            </a:r>
+            <a:r>
+              <a:rPr b="1" lang="en-US"/>
+              <a:t> of the UI/UX (Patch)</a:t>
+            </a:r>
+            <a:endParaRPr b="1"/>
           </a:p>
         </p:txBody>
       </p:sp>
-      <p:pic>
-        <p:nvPicPr>
-          <p:cNvPr id="241" name="Google Shape;241;p36"/>
-          <p:cNvPicPr preferRelativeResize="0"/>
-          <p:nvPr/>
-        </p:nvPicPr>
-        <p:blipFill>
-          <a:blip r:embed="rId3">
-            <a:alphaModFix/>
-          </a:blip>
-          <a:stretch>
-            <a:fillRect/>
-          </a:stretch>
-        </p:blipFill>
-        <p:spPr>
-          <a:xfrm rot="1772463">
-            <a:off x="7867487" y="1647387"/>
-            <a:ext cx="2143125" cy="2143125"/>
-          </a:xfrm>
-          <a:prstGeom prst="rect">
-            <a:avLst/>
-          </a:prstGeom>
-          <a:noFill/>
-          <a:ln>
-            <a:noFill/>
-          </a:ln>
-        </p:spPr>
-      </p:pic>
       <p:sp>
         <p:nvSpPr>
-          <p:cNvPr id="242" name="Google Shape;242;p36"/>
+          <p:cNvPr id="240" name="Google Shape;240;p36"/>
           <p:cNvSpPr txBox="1"/>
           <p:nvPr>
             <p:ph idx="1" type="body"/>
@@ -18952,16 +19095,12 @@
         </p:nvSpPr>
         <p:spPr>
           <a:xfrm>
-            <a:off x="400594" y="1038133"/>
-            <a:ext cx="11495400" cy="5469000"/>
+            <a:off x="569275" y="1518275"/>
+            <a:ext cx="10515600" cy="4351200"/>
           </a:xfrm>
           <a:prstGeom prst="rect">
             <a:avLst/>
           </a:prstGeom>
-          <a:noFill/>
-          <a:ln>
-            <a:noFill/>
-          </a:ln>
         </p:spPr>
         <p:txBody>
           <a:bodyPr anchorCtr="0" anchor="t" bIns="45700" lIns="91425" spcFirstLastPara="1" rIns="91425" wrap="square" tIns="45700">
@@ -18979,269 +19118,93 @@
               <a:spcAft>
                 <a:spcPts val="0"/>
               </a:spcAft>
-              <a:buClr>
-                <a:schemeClr val="dk1"/>
-              </a:buClr>
               <a:buSzPts val="2800"/>
               <a:buChar char="•"/>
             </a:pPr>
             <a:r>
               <a:rPr b="1" lang="en-US"/>
-              <a:t>Update UI with informative message when fields/values are changed:</a:t>
-            </a:r>
-            <a:endParaRPr/>
+              <a:t>There are some situations that a commercial </a:t>
+            </a:r>
+            <a:r>
+              <a:rPr b="1" lang="en-US"/>
+              <a:t>company</a:t>
+            </a:r>
+            <a:r>
+              <a:rPr b="1" lang="en-US"/>
+              <a:t> will want to extend its product after releasing.</a:t>
+            </a:r>
+            <a:endParaRPr b="1"/>
           </a:p>
           <a:p>
-            <a:pPr indent="-228600" lvl="1" marL="685800" rtl="0" algn="l">
+            <a:pPr indent="-165100" lvl="0" marL="228600" rtl="0" algn="l">
               <a:lnSpc>
                 <a:spcPct val="150000"/>
               </a:lnSpc>
               <a:spcBef>
-                <a:spcPts val="500"/>
-              </a:spcBef>
-              <a:spcAft>
-                <a:spcPts val="0"/>
-              </a:spcAft>
-              <a:buClr>
-                <a:schemeClr val="dk1"/>
-              </a:buClr>
-              <a:buSzPts val="2400"/>
+                <a:spcPts val="0"/>
+              </a:spcBef>
+              <a:spcAft>
+                <a:spcPts val="0"/>
+              </a:spcAft>
+              <a:buSzPts val="1800"/>
               <a:buChar char="•"/>
             </a:pPr>
             <a:r>
               <a:rPr b="1" lang="en-US"/>
-              <a:t>Teleport executed by SpaceShip.</a:t>
-            </a:r>
-            <a:endParaRPr/>
+              <a:t>The reason could be earn more money, customer requests ,etc.</a:t>
+            </a:r>
+            <a:endParaRPr b="1"/>
           </a:p>
           <a:p>
-            <a:pPr indent="-228600" lvl="1" marL="685800" rtl="0" algn="l">
+            <a:pPr indent="-165100" lvl="0" marL="228600" rtl="0" algn="l">
               <a:lnSpc>
                 <a:spcPct val="150000"/>
               </a:lnSpc>
               <a:spcBef>
-                <a:spcPts val="500"/>
-              </a:spcBef>
-              <a:spcAft>
-                <a:spcPts val="0"/>
-              </a:spcAft>
-              <a:buClr>
-                <a:schemeClr val="dk1"/>
-              </a:buClr>
-              <a:buSzPts val="2400"/>
+                <a:spcPts val="0"/>
+              </a:spcBef>
+              <a:spcAft>
+                <a:spcPts val="0"/>
+              </a:spcAft>
+              <a:buSzPts val="1800"/>
               <a:buChar char="•"/>
             </a:pPr>
             <a:r>
               <a:rPr b="1" lang="en-US"/>
-              <a:t>SpaceShip died.</a:t>
-            </a:r>
-            <a:endParaRPr/>
+              <a:t>In many computer games there are some extensions for the UI/UX, usually it is given for more money.</a:t>
+            </a:r>
+            <a:endParaRPr b="1"/>
           </a:p>
           <a:p>
-            <a:pPr indent="-228600" lvl="0" marL="228600" rtl="0" algn="l">
+            <a:pPr indent="-165100" lvl="0" marL="228600" rtl="0" algn="l">
               <a:lnSpc>
                 <a:spcPct val="150000"/>
               </a:lnSpc>
               <a:spcBef>
-                <a:spcPts val="1000"/>
-              </a:spcBef>
-              <a:spcAft>
-                <a:spcPts val="0"/>
-              </a:spcAft>
-              <a:buClr>
-                <a:srgbClr val="FF0000"/>
-              </a:buClr>
-              <a:buSzPts val="2800"/>
+                <a:spcPts val="0"/>
+              </a:spcBef>
+              <a:spcAft>
+                <a:spcPts val="0"/>
+              </a:spcAft>
+              <a:buSzPts val="1800"/>
               <a:buChar char="•"/>
             </a:pPr>
             <a:r>
-              <a:rPr b="1" lang="en-US">
-                <a:solidFill>
-                  <a:srgbClr val="FF0000"/>
-                </a:solidFill>
-              </a:rPr>
-              <a:t>Concern:</a:t>
-            </a:r>
-            <a:r>
-              <a:rPr b="1" lang="en-US">
-                <a:solidFill>
-                  <a:srgbClr val="000000"/>
-                </a:solidFill>
-              </a:rPr>
-              <a:t> provide an upgraded gaming experience.</a:t>
-            </a:r>
-            <a:endParaRPr>
-              <a:solidFill>
-                <a:srgbClr val="000000"/>
-              </a:solidFill>
-            </a:endParaRPr>
-          </a:p>
-          <a:p>
-            <a:pPr indent="-228600" lvl="0" marL="228600" rtl="0" algn="l">
-              <a:lnSpc>
-                <a:spcPct val="150000"/>
-              </a:lnSpc>
-              <a:spcBef>
-                <a:spcPts val="1000"/>
-              </a:spcBef>
-              <a:spcAft>
-                <a:spcPts val="0"/>
-              </a:spcAft>
-              <a:buClr>
-                <a:srgbClr val="FF0000"/>
-              </a:buClr>
-              <a:buSzPts val="2800"/>
-              <a:buChar char="•"/>
-            </a:pPr>
-            <a:r>
-              <a:rPr b="1" lang="en-US">
-                <a:solidFill>
-                  <a:srgbClr val="FF0000"/>
-                </a:solidFill>
-              </a:rPr>
-              <a:t>Pointcut: </a:t>
-            </a:r>
-            <a:r>
-              <a:rPr b="1" lang="en-US">
-                <a:solidFill>
-                  <a:srgbClr val="000000"/>
-                </a:solidFill>
-              </a:rPr>
-              <a:t>the data is collected when teleport/isDead </a:t>
-            </a:r>
-            <a:r>
-              <a:rPr b="1" lang="en-US">
-                <a:solidFill>
-                  <a:srgbClr val="000000"/>
-                </a:solidFill>
-              </a:rPr>
-              <a:t>methods</a:t>
-            </a:r>
-            <a:r>
-              <a:rPr b="1" lang="en-US">
-                <a:solidFill>
-                  <a:srgbClr val="000000"/>
-                </a:solidFill>
-              </a:rPr>
-              <a:t> are executed, and the animations are created before they are displayed</a:t>
-            </a:r>
-            <a:endParaRPr>
-              <a:solidFill>
-                <a:srgbClr val="000000"/>
-              </a:solidFill>
-            </a:endParaRPr>
-          </a:p>
-          <a:p>
-            <a:pPr indent="-228600" lvl="0" marL="228600" rtl="0" algn="l">
-              <a:lnSpc>
-                <a:spcPct val="150000"/>
-              </a:lnSpc>
-              <a:spcBef>
-                <a:spcPts val="1000"/>
-              </a:spcBef>
-              <a:spcAft>
-                <a:spcPts val="0"/>
-              </a:spcAft>
-              <a:buClr>
-                <a:srgbClr val="FF0000"/>
-              </a:buClr>
-              <a:buSzPts val="2800"/>
-              <a:buChar char="•"/>
-            </a:pPr>
-            <a:r>
-              <a:rPr b="1" lang="en-US">
-                <a:solidFill>
-                  <a:srgbClr val="FF0000"/>
-                </a:solidFill>
-              </a:rPr>
-              <a:t>Advice:</a:t>
-            </a:r>
-            <a:r>
-              <a:rPr b="1" lang="en-US">
-                <a:solidFill>
-                  <a:srgbClr val="000000"/>
-                </a:solidFill>
-              </a:rPr>
-              <a:t> display a “Bang” animation when a </a:t>
-            </a:r>
-            <a:r>
-              <a:rPr b="1" lang="en-US">
-                <a:solidFill>
-                  <a:srgbClr val="000000"/>
-                </a:solidFill>
-              </a:rPr>
-              <a:t>spaceship</a:t>
-            </a:r>
-            <a:r>
-              <a:rPr b="1" lang="en-US">
-                <a:solidFill>
-                  <a:srgbClr val="000000"/>
-                </a:solidFill>
-              </a:rPr>
-              <a:t> is dead and a “Teleport” animation when a spaceship teleport itself.</a:t>
-            </a:r>
-            <a:r>
-              <a:rPr b="1" lang="en-US">
-                <a:solidFill>
-                  <a:srgbClr val="FF0000"/>
-                </a:solidFill>
-              </a:rPr>
+              <a:rPr b="1" lang="en-US"/>
+              <a:t>Because it is an </a:t>
+            </a:r>
+            <a:r>
+              <a:rPr b="1" lang="en-US"/>
+              <a:t>extension, the company doesn’t want to affect the original product and its functionality. </a:t>
+            </a:r>
+            <a:r>
+              <a:rPr b="1" lang="en-US"/>
               <a:t> </a:t>
-            </a:r>
-            <a:endParaRPr/>
-          </a:p>
-          <a:p>
-            <a:pPr indent="-50800" lvl="0" marL="228600" rtl="0" algn="l">
-              <a:lnSpc>
-                <a:spcPct val="150000"/>
-              </a:lnSpc>
-              <a:spcBef>
-                <a:spcPts val="1000"/>
-              </a:spcBef>
-              <a:spcAft>
-                <a:spcPts val="0"/>
-              </a:spcAft>
-              <a:buClr>
-                <a:schemeClr val="dk1"/>
-              </a:buClr>
-              <a:buSzPts val="2800"/>
-              <a:buNone/>
-            </a:pPr>
-            <a:r>
-              <a:t/>
             </a:r>
             <a:endParaRPr b="1"/>
           </a:p>
         </p:txBody>
       </p:sp>
-      <p:pic>
-        <p:nvPicPr>
-          <p:cNvPr id="243" name="Google Shape;243;p36"/>
-          <p:cNvPicPr preferRelativeResize="0"/>
-          <p:nvPr/>
-        </p:nvPicPr>
-        <p:blipFill>
-          <a:blip r:embed="rId4">
-            <a:alphaModFix/>
-          </a:blip>
-          <a:stretch>
-            <a:fillRect/>
-          </a:stretch>
-        </p:blipFill>
-        <p:spPr>
-          <a:xfrm>
-            <a:off x="10274451" y="2613263"/>
-            <a:ext cx="1325575" cy="1325575"/>
-          </a:xfrm>
-          <a:prstGeom prst="rect">
-            <a:avLst/>
-          </a:prstGeom>
-          <a:noFill/>
-          <a:ln>
-            <a:noFill/>
-          </a:ln>
-        </p:spPr>
-      </p:pic>
     </p:spTree>
   </p:cSld>
   <p:clrMapOvr>
@@ -19255,7 +19218,7 @@
   <p:cSld>
     <p:spTree>
       <p:nvGrpSpPr>
-        <p:cNvPr id="247" name="Shape 247"/>
+        <p:cNvPr id="244" name="Shape 244"/>
         <p:cNvGrpSpPr/>
         <p:nvPr/>
       </p:nvGrpSpPr>
@@ -19269,29 +19232,108 @@
       </p:grpSpPr>
       <p:sp>
         <p:nvSpPr>
-          <p:cNvPr id="248" name="Google Shape;248;p37"/>
+          <p:cNvPr id="245" name="Google Shape;245;p37"/>
           <p:cNvSpPr txBox="1"/>
-          <p:nvPr/>
+          <p:nvPr>
+            <p:ph type="title"/>
+          </p:nvPr>
         </p:nvSpPr>
         <p:spPr>
           <a:xfrm>
-            <a:off x="3848087" y="2334074"/>
-            <a:ext cx="4495826" cy="1754326"/>
+            <a:off x="400594" y="86450"/>
+            <a:ext cx="10515600" cy="1325563"/>
           </a:xfrm>
           <a:prstGeom prst="rect">
             <a:avLst/>
           </a:prstGeom>
-          <a:solidFill>
-            <a:schemeClr val="dk1"/>
-          </a:solidFill>
-          <a:ln cap="flat" cmpd="sng" w="9525">
-            <a:solidFill>
-              <a:schemeClr val="dk1"/>
-            </a:solidFill>
-            <a:prstDash val="solid"/>
-            <a:round/>
-            <a:headEnd len="sm" w="sm" type="none"/>
-            <a:tailEnd len="sm" w="sm" type="none"/>
+          <a:noFill/>
+          <a:ln>
+            <a:noFill/>
+          </a:ln>
+        </p:spPr>
+        <p:txBody>
+          <a:bodyPr anchorCtr="0" anchor="ctr" bIns="45700" lIns="91425" spcFirstLastPara="1" rIns="91425" wrap="square" tIns="45700">
+            <a:noAutofit/>
+          </a:bodyPr>
+          <a:lstStyle/>
+          <a:p>
+            <a:pPr indent="0" lvl="0" marL="0" rtl="0" algn="l">
+              <a:lnSpc>
+                <a:spcPct val="90000"/>
+              </a:lnSpc>
+              <a:spcBef>
+                <a:spcPts val="0"/>
+              </a:spcBef>
+              <a:spcAft>
+                <a:spcPts val="0"/>
+              </a:spcAft>
+              <a:buClr>
+                <a:schemeClr val="dk1"/>
+              </a:buClr>
+              <a:buSzPts val="4400"/>
+              <a:buFont typeface="Calibri"/>
+              <a:buNone/>
+            </a:pPr>
+            <a:r>
+              <a:rPr b="1" lang="en-US">
+                <a:latin typeface="Calibri"/>
+                <a:ea typeface="Calibri"/>
+                <a:cs typeface="Calibri"/>
+                <a:sym typeface="Calibri"/>
+              </a:rPr>
+              <a:t>UI Aspect:</a:t>
+            </a:r>
+            <a:endParaRPr/>
+          </a:p>
+        </p:txBody>
+      </p:sp>
+      <p:pic>
+        <p:nvPicPr>
+          <p:cNvPr id="246" name="Google Shape;246;p37"/>
+          <p:cNvPicPr preferRelativeResize="0"/>
+          <p:nvPr/>
+        </p:nvPicPr>
+        <p:blipFill>
+          <a:blip r:embed="rId3">
+            <a:alphaModFix/>
+          </a:blip>
+          <a:stretch>
+            <a:fillRect/>
+          </a:stretch>
+        </p:blipFill>
+        <p:spPr>
+          <a:xfrm rot="1772463">
+            <a:off x="7867487" y="1647387"/>
+            <a:ext cx="2143125" cy="2143125"/>
+          </a:xfrm>
+          <a:prstGeom prst="rect">
+            <a:avLst/>
+          </a:prstGeom>
+          <a:noFill/>
+          <a:ln>
+            <a:noFill/>
+          </a:ln>
+        </p:spPr>
+      </p:pic>
+      <p:sp>
+        <p:nvSpPr>
+          <p:cNvPr id="247" name="Google Shape;247;p37"/>
+          <p:cNvSpPr txBox="1"/>
+          <p:nvPr>
+            <p:ph idx="1" type="body"/>
+          </p:nvPr>
+        </p:nvSpPr>
+        <p:spPr>
+          <a:xfrm>
+            <a:off x="400594" y="1038133"/>
+            <a:ext cx="11495400" cy="5469000"/>
+          </a:xfrm>
+          <a:prstGeom prst="rect">
+            <a:avLst/>
+          </a:prstGeom>
+          <a:noFill/>
+          <a:ln>
+            <a:noFill/>
           </a:ln>
         </p:spPr>
         <p:txBody>
@@ -19300,39 +19342,279 @@
           </a:bodyPr>
           <a:lstStyle/>
           <a:p>
-            <a:pPr indent="0" lvl="0" marL="0" marR="0" rtl="0" algn="ctr">
-              <a:spcBef>
-                <a:spcPts val="0"/>
-              </a:spcBef>
-              <a:spcAft>
-                <a:spcPts val="0"/>
-              </a:spcAft>
-              <a:buNone/>
+            <a:pPr indent="-228600" lvl="0" marL="228600" rtl="0" algn="l">
+              <a:lnSpc>
+                <a:spcPct val="150000"/>
+              </a:lnSpc>
+              <a:spcBef>
+                <a:spcPts val="0"/>
+              </a:spcBef>
+              <a:spcAft>
+                <a:spcPts val="0"/>
+              </a:spcAft>
+              <a:buClr>
+                <a:schemeClr val="dk1"/>
+              </a:buClr>
+              <a:buSzPts val="2800"/>
+              <a:buChar char="•"/>
             </a:pPr>
             <a:r>
-              <a:rPr b="1" i="0" lang="en-US" sz="5400" u="none" cap="none" strike="noStrike">
+              <a:rPr b="1" lang="en-US"/>
+              <a:t>Update UI with informative message when fields/values are changed:</a:t>
+            </a:r>
+            <a:endParaRPr/>
+          </a:p>
+          <a:p>
+            <a:pPr indent="-228600" lvl="1" marL="685800" rtl="0" algn="l">
+              <a:lnSpc>
+                <a:spcPct val="150000"/>
+              </a:lnSpc>
+              <a:spcBef>
+                <a:spcPts val="500"/>
+              </a:spcBef>
+              <a:spcAft>
+                <a:spcPts val="0"/>
+              </a:spcAft>
+              <a:buClr>
+                <a:schemeClr val="dk1"/>
+              </a:buClr>
+              <a:buSzPts val="2400"/>
+              <a:buChar char="•"/>
+            </a:pPr>
+            <a:r>
+              <a:rPr b="1" lang="en-US"/>
+              <a:t>Teleport executed by SpaceShip.</a:t>
+            </a:r>
+            <a:endParaRPr/>
+          </a:p>
+          <a:p>
+            <a:pPr indent="-228600" lvl="1" marL="685800" rtl="0" algn="l">
+              <a:lnSpc>
+                <a:spcPct val="150000"/>
+              </a:lnSpc>
+              <a:spcBef>
+                <a:spcPts val="500"/>
+              </a:spcBef>
+              <a:spcAft>
+                <a:spcPts val="0"/>
+              </a:spcAft>
+              <a:buClr>
+                <a:schemeClr val="dk1"/>
+              </a:buClr>
+              <a:buSzPts val="2400"/>
+              <a:buChar char="•"/>
+            </a:pPr>
+            <a:r>
+              <a:rPr b="1" lang="en-US"/>
+              <a:t>SpaceShip died.</a:t>
+            </a:r>
+            <a:endParaRPr/>
+          </a:p>
+          <a:p>
+            <a:pPr indent="-228600" lvl="0" marL="228600" rtl="0" algn="l">
+              <a:lnSpc>
+                <a:spcPct val="150000"/>
+              </a:lnSpc>
+              <a:spcBef>
+                <a:spcPts val="1000"/>
+              </a:spcBef>
+              <a:spcAft>
+                <a:spcPts val="0"/>
+              </a:spcAft>
+              <a:buClr>
+                <a:srgbClr val="FF0000"/>
+              </a:buClr>
+              <a:buSzPts val="2800"/>
+              <a:buChar char="•"/>
+            </a:pPr>
+            <a:r>
+              <a:rPr b="1" lang="en-US">
                 <a:solidFill>
-                  <a:schemeClr val="lt1"/>
+                  <a:srgbClr val="FF0000"/>
                 </a:solidFill>
-                <a:latin typeface="Calibri"/>
-                <a:ea typeface="Calibri"/>
-                <a:cs typeface="Calibri"/>
-                <a:sym typeface="Calibri"/>
               </a:rPr>
-              <a:t>Invasive Aspects</a:t>
-            </a:r>
-            <a:endParaRPr b="1" i="0" sz="4800" u="none" cap="none" strike="noStrike">
+              <a:t>Concern:</a:t>
+            </a:r>
+            <a:r>
+              <a:rPr b="1" lang="en-US">
+                <a:solidFill>
+                  <a:srgbClr val="000000"/>
+                </a:solidFill>
+              </a:rPr>
+              <a:t> provide an upgraded gaming experience.</a:t>
+            </a:r>
+            <a:endParaRPr>
               <a:solidFill>
-                <a:schemeClr val="lt1"/>
+                <a:srgbClr val="000000"/>
               </a:solidFill>
-              <a:latin typeface="Calibri"/>
-              <a:ea typeface="Calibri"/>
-              <a:cs typeface="Calibri"/>
-              <a:sym typeface="Calibri"/>
             </a:endParaRPr>
+          </a:p>
+          <a:p>
+            <a:pPr indent="-228600" lvl="0" marL="228600" rtl="0" algn="l">
+              <a:lnSpc>
+                <a:spcPct val="150000"/>
+              </a:lnSpc>
+              <a:spcBef>
+                <a:spcPts val="1000"/>
+              </a:spcBef>
+              <a:spcAft>
+                <a:spcPts val="0"/>
+              </a:spcAft>
+              <a:buClr>
+                <a:srgbClr val="FF0000"/>
+              </a:buClr>
+              <a:buSzPts val="2800"/>
+              <a:buChar char="•"/>
+            </a:pPr>
+            <a:r>
+              <a:rPr b="1" lang="en-US">
+                <a:solidFill>
+                  <a:srgbClr val="FF0000"/>
+                </a:solidFill>
+              </a:rPr>
+              <a:t>Pointcut: </a:t>
+            </a:r>
+            <a:r>
+              <a:rPr b="1" lang="en-US">
+                <a:solidFill>
+                  <a:srgbClr val="000000"/>
+                </a:solidFill>
+              </a:rPr>
+              <a:t>the data is collected when teleport/isDead </a:t>
+            </a:r>
+            <a:r>
+              <a:rPr b="1" lang="en-US">
+                <a:solidFill>
+                  <a:srgbClr val="000000"/>
+                </a:solidFill>
+              </a:rPr>
+              <a:t>methods</a:t>
+            </a:r>
+            <a:r>
+              <a:rPr b="1" lang="en-US">
+                <a:solidFill>
+                  <a:srgbClr val="000000"/>
+                </a:solidFill>
+              </a:rPr>
+              <a:t> are executed, and the animations are created before they are displayed</a:t>
+            </a:r>
+            <a:endParaRPr>
+              <a:solidFill>
+                <a:srgbClr val="000000"/>
+              </a:solidFill>
+            </a:endParaRPr>
+          </a:p>
+          <a:p>
+            <a:pPr indent="-228600" lvl="0" marL="228600" rtl="0" algn="l">
+              <a:lnSpc>
+                <a:spcPct val="150000"/>
+              </a:lnSpc>
+              <a:spcBef>
+                <a:spcPts val="1000"/>
+              </a:spcBef>
+              <a:spcAft>
+                <a:spcPts val="0"/>
+              </a:spcAft>
+              <a:buClr>
+                <a:srgbClr val="FF0000"/>
+              </a:buClr>
+              <a:buSzPts val="2800"/>
+              <a:buChar char="•"/>
+            </a:pPr>
+            <a:r>
+              <a:rPr b="1" lang="en-US">
+                <a:solidFill>
+                  <a:srgbClr val="FF0000"/>
+                </a:solidFill>
+              </a:rPr>
+              <a:t>Advice:</a:t>
+            </a:r>
+            <a:r>
+              <a:rPr b="1" lang="en-US">
+                <a:solidFill>
+                  <a:srgbClr val="000000"/>
+                </a:solidFill>
+              </a:rPr>
+              <a:t> display a “Bang” animation when a </a:t>
+            </a:r>
+            <a:r>
+              <a:rPr b="1" lang="en-US">
+                <a:solidFill>
+                  <a:srgbClr val="000000"/>
+                </a:solidFill>
+              </a:rPr>
+              <a:t>spaceship</a:t>
+            </a:r>
+            <a:r>
+              <a:rPr b="1" lang="en-US">
+                <a:solidFill>
+                  <a:srgbClr val="000000"/>
+                </a:solidFill>
+              </a:rPr>
+              <a:t> is dead and a “Teleport” animation when a spaceship teleport itself.</a:t>
+            </a:r>
+            <a:r>
+              <a:rPr b="1" lang="en-US">
+                <a:solidFill>
+                  <a:srgbClr val="FF0000"/>
+                </a:solidFill>
+              </a:rPr>
+              <a:t> </a:t>
+            </a:r>
+            <a:endParaRPr/>
+          </a:p>
+          <a:p>
+            <a:pPr indent="-50800" lvl="0" marL="228600" rtl="0" algn="l">
+              <a:lnSpc>
+                <a:spcPct val="150000"/>
+              </a:lnSpc>
+              <a:spcBef>
+                <a:spcPts val="1000"/>
+              </a:spcBef>
+              <a:spcAft>
+                <a:spcPts val="0"/>
+              </a:spcAft>
+              <a:buClr>
+                <a:schemeClr val="dk1"/>
+              </a:buClr>
+              <a:buSzPts val="2800"/>
+              <a:buNone/>
+            </a:pPr>
+            <a:r>
+              <a:t/>
+            </a:r>
+            <a:endParaRPr b="1"/>
           </a:p>
         </p:txBody>
       </p:sp>
+      <p:pic>
+        <p:nvPicPr>
+          <p:cNvPr id="248" name="Google Shape;248;p37"/>
+          <p:cNvPicPr preferRelativeResize="0"/>
+          <p:nvPr/>
+        </p:nvPicPr>
+        <p:blipFill>
+          <a:blip r:embed="rId4">
+            <a:alphaModFix/>
+          </a:blip>
+          <a:stretch>
+            <a:fillRect/>
+          </a:stretch>
+        </p:blipFill>
+        <p:spPr>
+          <a:xfrm>
+            <a:off x="10274451" y="2613263"/>
+            <a:ext cx="1325575" cy="1325575"/>
+          </a:xfrm>
+          <a:prstGeom prst="rect">
+            <a:avLst/>
+          </a:prstGeom>
+          <a:noFill/>
+          <a:ln>
+            <a:noFill/>
+          </a:ln>
+        </p:spPr>
+      </p:pic>
     </p:spTree>
   </p:cSld>
   <p:clrMapOvr>
@@ -19358,18 +19640,24 @@
           <a:chExt cx="0" cy="0"/>
         </a:xfrm>
       </p:grpSpPr>
-      <p:sp>
-        <p:nvSpPr>
+      <p:pic>
+        <p:nvPicPr>
           <p:cNvPr id="253" name="Google Shape;253;p38"/>
-          <p:cNvSpPr txBox="1"/>
-          <p:nvPr>
-            <p:ph type="title"/>
-          </p:nvPr>
-        </p:nvSpPr>
-        <p:spPr>
-          <a:xfrm>
-            <a:off x="400594" y="86450"/>
-            <a:ext cx="10515600" cy="1325563"/>
+          <p:cNvPicPr preferRelativeResize="0"/>
+          <p:nvPr/>
+        </p:nvPicPr>
+        <p:blipFill>
+          <a:blip r:embed="rId3">
+            <a:alphaModFix/>
+          </a:blip>
+          <a:stretch>
+            <a:fillRect/>
+          </a:stretch>
+        </p:blipFill>
+        <p:spPr>
+          <a:xfrm>
+            <a:off x="2757488" y="613450"/>
+            <a:ext cx="6677025" cy="5391150"/>
           </a:xfrm>
           <a:prstGeom prst="rect">
             <a:avLst/>
@@ -19379,6 +19667,197 @@
             <a:noFill/>
           </a:ln>
         </p:spPr>
+      </p:pic>
+    </p:spTree>
+  </p:cSld>
+  <p:clrMapOvr>
+    <a:masterClrMapping/>
+  </p:clrMapOvr>
+</p:sld>
+</file>
+
+<file path=ppt/slides/slide27.xml><?xml version="1.0" encoding="utf-8"?>
+<p:sld xmlns:a="http://schemas.openxmlformats.org/drawingml/2006/main" xmlns:r="http://schemas.openxmlformats.org/officeDocument/2006/relationships" xmlns:mc="http://schemas.openxmlformats.org/markup-compatibility/2006" xmlns:mv="urn:schemas-microsoft-com:mac:vml" xmlns:p="http://schemas.openxmlformats.org/presentationml/2006/main" xmlns:c="http://schemas.openxmlformats.org/drawingml/2006/chart" xmlns:dgm="http://schemas.openxmlformats.org/drawingml/2006/diagram" xmlns:o="urn:schemas-microsoft-com:office:office" xmlns:v="urn:schemas-microsoft-com:vml" xmlns:pvml="urn:schemas-microsoft-com:office:powerpoint" xmlns:com="http://schemas.openxmlformats.org/drawingml/2006/compatibility" xmlns:p14="http://schemas.microsoft.com/office/powerpoint/2010/main" xmlns:p15="http://schemas.microsoft.com/office/powerpoint/2012/main">
+  <p:cSld>
+    <p:spTree>
+      <p:nvGrpSpPr>
+        <p:cNvPr id="257" name="Shape 257"/>
+        <p:cNvGrpSpPr/>
+        <p:nvPr/>
+      </p:nvGrpSpPr>
+      <p:grpSpPr>
+        <a:xfrm>
+          <a:off x="0" y="0"/>
+          <a:ext cx="0" cy="0"/>
+          <a:chOff x="0" y="0"/>
+          <a:chExt cx="0" cy="0"/>
+        </a:xfrm>
+      </p:grpSpPr>
+      <p:pic>
+        <p:nvPicPr>
+          <p:cNvPr id="258" name="Google Shape;258;p39"/>
+          <p:cNvPicPr preferRelativeResize="0"/>
+          <p:nvPr/>
+        </p:nvPicPr>
+        <p:blipFill>
+          <a:blip r:embed="rId3">
+            <a:alphaModFix/>
+          </a:blip>
+          <a:stretch>
+            <a:fillRect/>
+          </a:stretch>
+        </p:blipFill>
+        <p:spPr>
+          <a:xfrm>
+            <a:off x="2088475" y="122338"/>
+            <a:ext cx="8015050" cy="6613324"/>
+          </a:xfrm>
+          <a:prstGeom prst="rect">
+            <a:avLst/>
+          </a:prstGeom>
+          <a:noFill/>
+          <a:ln>
+            <a:noFill/>
+          </a:ln>
+        </p:spPr>
+      </p:pic>
+    </p:spTree>
+  </p:cSld>
+  <p:clrMapOvr>
+    <a:masterClrMapping/>
+  </p:clrMapOvr>
+</p:sld>
+</file>
+
+<file path=ppt/slides/slide28.xml><?xml version="1.0" encoding="utf-8"?>
+<p:sld xmlns:a="http://schemas.openxmlformats.org/drawingml/2006/main" xmlns:r="http://schemas.openxmlformats.org/officeDocument/2006/relationships" xmlns:mc="http://schemas.openxmlformats.org/markup-compatibility/2006" xmlns:mv="urn:schemas-microsoft-com:mac:vml" xmlns:p="http://schemas.openxmlformats.org/presentationml/2006/main" xmlns:c="http://schemas.openxmlformats.org/drawingml/2006/chart" xmlns:dgm="http://schemas.openxmlformats.org/drawingml/2006/diagram" xmlns:o="urn:schemas-microsoft-com:office:office" xmlns:v="urn:schemas-microsoft-com:vml" xmlns:pvml="urn:schemas-microsoft-com:office:powerpoint" xmlns:com="http://schemas.openxmlformats.org/drawingml/2006/compatibility" xmlns:p14="http://schemas.microsoft.com/office/powerpoint/2010/main" xmlns:p15="http://schemas.microsoft.com/office/powerpoint/2012/main">
+  <p:cSld>
+    <p:spTree>
+      <p:nvGrpSpPr>
+        <p:cNvPr id="262" name="Shape 262"/>
+        <p:cNvGrpSpPr/>
+        <p:nvPr/>
+      </p:nvGrpSpPr>
+      <p:grpSpPr>
+        <a:xfrm>
+          <a:off x="0" y="0"/>
+          <a:ext cx="0" cy="0"/>
+          <a:chOff x="0" y="0"/>
+          <a:chExt cx="0" cy="0"/>
+        </a:xfrm>
+      </p:grpSpPr>
+      <p:sp>
+        <p:nvSpPr>
+          <p:cNvPr id="263" name="Google Shape;263;p40"/>
+          <p:cNvSpPr txBox="1"/>
+          <p:nvPr/>
+        </p:nvSpPr>
+        <p:spPr>
+          <a:xfrm>
+            <a:off x="3848087" y="2334074"/>
+            <a:ext cx="4495826" cy="1754326"/>
+          </a:xfrm>
+          <a:prstGeom prst="rect">
+            <a:avLst/>
+          </a:prstGeom>
+          <a:solidFill>
+            <a:schemeClr val="dk1"/>
+          </a:solidFill>
+          <a:ln cap="flat" cmpd="sng" w="9525">
+            <a:solidFill>
+              <a:schemeClr val="dk1"/>
+            </a:solidFill>
+            <a:prstDash val="solid"/>
+            <a:round/>
+            <a:headEnd len="sm" w="sm" type="none"/>
+            <a:tailEnd len="sm" w="sm" type="none"/>
+          </a:ln>
+        </p:spPr>
+        <p:txBody>
+          <a:bodyPr anchorCtr="0" anchor="t" bIns="45700" lIns="91425" spcFirstLastPara="1" rIns="91425" wrap="square" tIns="45700">
+            <a:noAutofit/>
+          </a:bodyPr>
+          <a:lstStyle/>
+          <a:p>
+            <a:pPr indent="0" lvl="0" marL="0" marR="0" rtl="0" algn="ctr">
+              <a:spcBef>
+                <a:spcPts val="0"/>
+              </a:spcBef>
+              <a:spcAft>
+                <a:spcPts val="0"/>
+              </a:spcAft>
+              <a:buNone/>
+            </a:pPr>
+            <a:r>
+              <a:rPr b="1" i="0" lang="en-US" sz="5400" u="none" cap="none" strike="noStrike">
+                <a:solidFill>
+                  <a:schemeClr val="lt1"/>
+                </a:solidFill>
+                <a:latin typeface="Calibri"/>
+                <a:ea typeface="Calibri"/>
+                <a:cs typeface="Calibri"/>
+                <a:sym typeface="Calibri"/>
+              </a:rPr>
+              <a:t>Invasive Aspects</a:t>
+            </a:r>
+            <a:endParaRPr b="1" i="0" sz="4800" u="none" cap="none" strike="noStrike">
+              <a:solidFill>
+                <a:schemeClr val="lt1"/>
+              </a:solidFill>
+              <a:latin typeface="Calibri"/>
+              <a:ea typeface="Calibri"/>
+              <a:cs typeface="Calibri"/>
+              <a:sym typeface="Calibri"/>
+            </a:endParaRPr>
+          </a:p>
+        </p:txBody>
+      </p:sp>
+    </p:spTree>
+  </p:cSld>
+  <p:clrMapOvr>
+    <a:masterClrMapping/>
+  </p:clrMapOvr>
+</p:sld>
+</file>
+
+<file path=ppt/slides/slide29.xml><?xml version="1.0" encoding="utf-8"?>
+<p:sld xmlns:a="http://schemas.openxmlformats.org/drawingml/2006/main" xmlns:r="http://schemas.openxmlformats.org/officeDocument/2006/relationships" xmlns:mc="http://schemas.openxmlformats.org/markup-compatibility/2006" xmlns:mv="urn:schemas-microsoft-com:mac:vml" xmlns:p="http://schemas.openxmlformats.org/presentationml/2006/main" xmlns:c="http://schemas.openxmlformats.org/drawingml/2006/chart" xmlns:dgm="http://schemas.openxmlformats.org/drawingml/2006/diagram" xmlns:o="urn:schemas-microsoft-com:office:office" xmlns:v="urn:schemas-microsoft-com:vml" xmlns:pvml="urn:schemas-microsoft-com:office:powerpoint" xmlns:com="http://schemas.openxmlformats.org/drawingml/2006/compatibility" xmlns:p14="http://schemas.microsoft.com/office/powerpoint/2010/main" xmlns:p15="http://schemas.microsoft.com/office/powerpoint/2012/main">
+  <p:cSld>
+    <p:spTree>
+      <p:nvGrpSpPr>
+        <p:cNvPr id="267" name="Shape 267"/>
+        <p:cNvGrpSpPr/>
+        <p:nvPr/>
+      </p:nvGrpSpPr>
+      <p:grpSpPr>
+        <a:xfrm>
+          <a:off x="0" y="0"/>
+          <a:ext cx="0" cy="0"/>
+          <a:chOff x="0" y="0"/>
+          <a:chExt cx="0" cy="0"/>
+        </a:xfrm>
+      </p:grpSpPr>
+      <p:sp>
+        <p:nvSpPr>
+          <p:cNvPr id="268" name="Google Shape;268;p41"/>
+          <p:cNvSpPr txBox="1"/>
+          <p:nvPr>
+            <p:ph type="title"/>
+          </p:nvPr>
+        </p:nvSpPr>
+        <p:spPr>
+          <a:xfrm>
+            <a:off x="400594" y="86450"/>
+            <a:ext cx="10515600" cy="1325563"/>
+          </a:xfrm>
+          <a:prstGeom prst="rect">
+            <a:avLst/>
+          </a:prstGeom>
+          <a:noFill/>
+          <a:ln>
+            <a:noFill/>
+          </a:ln>
+        </p:spPr>
         <p:txBody>
           <a:bodyPr anchorCtr="0" anchor="ctr" bIns="45700" lIns="91425" spcFirstLastPara="1" rIns="91425" wrap="square" tIns="45700">
             <a:noAutofit/>
@@ -19417,7 +19896,7 @@
       </p:sp>
       <p:sp>
         <p:nvSpPr>
-          <p:cNvPr id="254" name="Google Shape;254;p38"/>
+          <p:cNvPr id="269" name="Google Shape;269;p41"/>
           <p:cNvSpPr txBox="1"/>
           <p:nvPr>
             <p:ph idx="1" type="body"/>
@@ -19498,7 +19977,7 @@
       </p:sp>
       <p:sp>
         <p:nvSpPr>
-          <p:cNvPr id="255" name="Google Shape;255;p38"/>
+          <p:cNvPr id="270" name="Google Shape;270;p41"/>
           <p:cNvSpPr/>
           <p:nvPr/>
         </p:nvSpPr>
@@ -19556,7 +20035,7 @@
       </p:sp>
       <p:sp>
         <p:nvSpPr>
-          <p:cNvPr id="256" name="Google Shape;256;p38"/>
+          <p:cNvPr id="271" name="Google Shape;271;p41"/>
           <p:cNvSpPr/>
           <p:nvPr/>
         </p:nvSpPr>
@@ -19622,7 +20101,7 @@
       </p:sp>
       <p:sp>
         <p:nvSpPr>
-          <p:cNvPr id="257" name="Google Shape;257;p38"/>
+          <p:cNvPr id="272" name="Google Shape;272;p41"/>
           <p:cNvSpPr/>
           <p:nvPr/>
         </p:nvSpPr>
@@ -19675,729 +20154,6 @@
               <a:t>Design Patterns Aspect</a:t>
             </a:r>
             <a:endParaRPr/>
-          </a:p>
-        </p:txBody>
-      </p:sp>
-    </p:spTree>
-  </p:cSld>
-  <p:clrMapOvr>
-    <a:masterClrMapping/>
-  </p:clrMapOvr>
-</p:sld>
-</file>
-
-<file path=ppt/slides/slide27.xml><?xml version="1.0" encoding="utf-8"?>
-<p:sld xmlns:a="http://schemas.openxmlformats.org/drawingml/2006/main" xmlns:r="http://schemas.openxmlformats.org/officeDocument/2006/relationships" xmlns:mc="http://schemas.openxmlformats.org/markup-compatibility/2006" xmlns:mv="urn:schemas-microsoft-com:mac:vml" xmlns:p="http://schemas.openxmlformats.org/presentationml/2006/main" xmlns:c="http://schemas.openxmlformats.org/drawingml/2006/chart" xmlns:dgm="http://schemas.openxmlformats.org/drawingml/2006/diagram" xmlns:o="urn:schemas-microsoft-com:office:office" xmlns:v="urn:schemas-microsoft-com:vml" xmlns:pvml="urn:schemas-microsoft-com:office:powerpoint" xmlns:com="http://schemas.openxmlformats.org/drawingml/2006/compatibility" xmlns:p14="http://schemas.microsoft.com/office/powerpoint/2010/main" xmlns:p15="http://schemas.microsoft.com/office/powerpoint/2012/main">
-  <p:cSld>
-    <p:spTree>
-      <p:nvGrpSpPr>
-        <p:cNvPr id="261" name="Shape 261"/>
-        <p:cNvGrpSpPr/>
-        <p:nvPr/>
-      </p:nvGrpSpPr>
-      <p:grpSpPr>
-        <a:xfrm>
-          <a:off x="0" y="0"/>
-          <a:ext cx="0" cy="0"/>
-          <a:chOff x="0" y="0"/>
-          <a:chExt cx="0" cy="0"/>
-        </a:xfrm>
-      </p:grpSpPr>
-      <p:sp>
-        <p:nvSpPr>
-          <p:cNvPr id="262" name="Google Shape;262;p39"/>
-          <p:cNvSpPr txBox="1"/>
-          <p:nvPr>
-            <p:ph type="title"/>
-          </p:nvPr>
-        </p:nvSpPr>
-        <p:spPr>
-          <a:xfrm>
-            <a:off x="400594" y="86450"/>
-            <a:ext cx="10515600" cy="1325563"/>
-          </a:xfrm>
-          <a:prstGeom prst="rect">
-            <a:avLst/>
-          </a:prstGeom>
-          <a:noFill/>
-          <a:ln>
-            <a:noFill/>
-          </a:ln>
-        </p:spPr>
-        <p:txBody>
-          <a:bodyPr anchorCtr="0" anchor="ctr" bIns="45700" lIns="91425" spcFirstLastPara="1" rIns="91425" wrap="square" tIns="45700">
-            <a:noAutofit/>
-          </a:bodyPr>
-          <a:lstStyle/>
-          <a:p>
-            <a:pPr indent="0" lvl="0" marL="0" rtl="0" algn="l">
-              <a:lnSpc>
-                <a:spcPct val="90000"/>
-              </a:lnSpc>
-              <a:spcBef>
-                <a:spcPts val="0"/>
-              </a:spcBef>
-              <a:spcAft>
-                <a:spcPts val="0"/>
-              </a:spcAft>
-              <a:buClr>
-                <a:schemeClr val="dk1"/>
-              </a:buClr>
-              <a:buSzPts val="4400"/>
-              <a:buFont typeface="Calibri"/>
-              <a:buNone/>
-            </a:pPr>
-            <a:r>
-              <a:rPr b="1" lang="en-US">
-                <a:latin typeface="Calibri"/>
-                <a:ea typeface="Calibri"/>
-                <a:cs typeface="Calibri"/>
-                <a:sym typeface="Calibri"/>
-              </a:rPr>
-              <a:t>Exceptions:</a:t>
-            </a:r>
-            <a:endParaRPr/>
-          </a:p>
-        </p:txBody>
-      </p:sp>
-      <p:sp>
-        <p:nvSpPr>
-          <p:cNvPr id="263" name="Google Shape;263;p39"/>
-          <p:cNvSpPr txBox="1"/>
-          <p:nvPr>
-            <p:ph idx="1" type="body"/>
-          </p:nvPr>
-        </p:nvSpPr>
-        <p:spPr>
-          <a:xfrm>
-            <a:off x="157314" y="1010093"/>
-            <a:ext cx="8508513" cy="5660673"/>
-          </a:xfrm>
-          <a:prstGeom prst="rect">
-            <a:avLst/>
-          </a:prstGeom>
-          <a:noFill/>
-          <a:ln>
-            <a:noFill/>
-          </a:ln>
-        </p:spPr>
-        <p:txBody>
-          <a:bodyPr anchorCtr="0" anchor="t" bIns="45700" lIns="91425" spcFirstLastPara="1" rIns="91425" wrap="square" tIns="45700">
-            <a:noAutofit/>
-          </a:bodyPr>
-          <a:lstStyle/>
-          <a:p>
-            <a:pPr indent="-228600" lvl="0" marL="228600" rtl="0" algn="l">
-              <a:lnSpc>
-                <a:spcPct val="150000"/>
-              </a:lnSpc>
-              <a:spcBef>
-                <a:spcPts val="0"/>
-              </a:spcBef>
-              <a:spcAft>
-                <a:spcPts val="0"/>
-              </a:spcAft>
-              <a:buClr>
-                <a:schemeClr val="dk1"/>
-              </a:buClr>
-              <a:buSzPts val="2400"/>
-              <a:buChar char="•"/>
-            </a:pPr>
-            <a:r>
-              <a:rPr b="1" i="1" lang="en-US" sz="2400"/>
-              <a:t>When an exception is thrown in Java, it is passed up the call chain until it is either </a:t>
-            </a:r>
-            <a:r>
-              <a:rPr b="1" i="1" lang="en-US" sz="2400">
-                <a:solidFill>
-                  <a:srgbClr val="FF0000"/>
-                </a:solidFill>
-              </a:rPr>
-              <a:t>handled</a:t>
-            </a:r>
-            <a:r>
-              <a:rPr b="1" i="1" lang="en-US" sz="2400"/>
-              <a:t> by a catch statement as part of a try/catch block or it reaches the Java run-time and </a:t>
-            </a:r>
-            <a:r>
-              <a:rPr b="1" i="1" lang="en-US" sz="2400">
-                <a:solidFill>
-                  <a:srgbClr val="FF0000"/>
-                </a:solidFill>
-              </a:rPr>
-              <a:t>causes </a:t>
-            </a:r>
-            <a:r>
-              <a:rPr b="1" i="1" lang="en-US" sz="2400"/>
-              <a:t>a messy message on your console. If a Java exception is caught then we can </a:t>
-            </a:r>
-            <a:r>
-              <a:rPr b="1" i="1" lang="en-US" sz="2400">
-                <a:solidFill>
-                  <a:srgbClr val="FF0000"/>
-                </a:solidFill>
-              </a:rPr>
-              <a:t>handle the exception </a:t>
-            </a:r>
-            <a:r>
-              <a:rPr b="1" i="1" lang="en-US" sz="2400"/>
-              <a:t>(log it, print it, ...).</a:t>
-            </a:r>
-            <a:endParaRPr/>
-          </a:p>
-          <a:p>
-            <a:pPr indent="-228600" lvl="0" marL="228600" rtl="0" algn="l">
-              <a:lnSpc>
-                <a:spcPct val="150000"/>
-              </a:lnSpc>
-              <a:spcBef>
-                <a:spcPts val="1000"/>
-              </a:spcBef>
-              <a:spcAft>
-                <a:spcPts val="0"/>
-              </a:spcAft>
-              <a:buClr>
-                <a:schemeClr val="dk1"/>
-              </a:buClr>
-              <a:buSzPts val="2400"/>
-              <a:buChar char="•"/>
-            </a:pPr>
-            <a:r>
-              <a:rPr b="1" i="1" lang="en-US" sz="2400"/>
-              <a:t>It is useful to know when an exception has been handled/occurred.</a:t>
-            </a:r>
-            <a:endParaRPr/>
-          </a:p>
-        </p:txBody>
-      </p:sp>
-      <p:pic>
-        <p:nvPicPr>
-          <p:cNvPr descr="Image result for java exceptions try catch" id="264" name="Google Shape;264;p39"/>
-          <p:cNvPicPr preferRelativeResize="0"/>
-          <p:nvPr/>
-        </p:nvPicPr>
-        <p:blipFill rotWithShape="1">
-          <a:blip r:embed="rId3">
-            <a:alphaModFix/>
-          </a:blip>
-          <a:srcRect b="0" l="0" r="0" t="0"/>
-          <a:stretch/>
-        </p:blipFill>
-        <p:spPr>
-          <a:xfrm>
-            <a:off x="8330267" y="2159411"/>
-            <a:ext cx="3504064" cy="2539177"/>
-          </a:xfrm>
-          <a:prstGeom prst="rect">
-            <a:avLst/>
-          </a:prstGeom>
-          <a:noFill/>
-          <a:ln>
-            <a:noFill/>
-          </a:ln>
-        </p:spPr>
-      </p:pic>
-    </p:spTree>
-  </p:cSld>
-  <p:clrMapOvr>
-    <a:masterClrMapping/>
-  </p:clrMapOvr>
-</p:sld>
-</file>
-
-<file path=ppt/slides/slide28.xml><?xml version="1.0" encoding="utf-8"?>
-<p:sld xmlns:a="http://schemas.openxmlformats.org/drawingml/2006/main" xmlns:r="http://schemas.openxmlformats.org/officeDocument/2006/relationships" xmlns:mc="http://schemas.openxmlformats.org/markup-compatibility/2006" xmlns:mv="urn:schemas-microsoft-com:mac:vml" xmlns:p="http://schemas.openxmlformats.org/presentationml/2006/main" xmlns:c="http://schemas.openxmlformats.org/drawingml/2006/chart" xmlns:dgm="http://schemas.openxmlformats.org/drawingml/2006/diagram" xmlns:o="urn:schemas-microsoft-com:office:office" xmlns:v="urn:schemas-microsoft-com:vml" xmlns:pvml="urn:schemas-microsoft-com:office:powerpoint" xmlns:com="http://schemas.openxmlformats.org/drawingml/2006/compatibility" xmlns:p14="http://schemas.microsoft.com/office/powerpoint/2010/main" xmlns:p15="http://schemas.microsoft.com/office/powerpoint/2012/main">
-  <p:cSld>
-    <p:spTree>
-      <p:nvGrpSpPr>
-        <p:cNvPr id="268" name="Shape 268"/>
-        <p:cNvGrpSpPr/>
-        <p:nvPr/>
-      </p:nvGrpSpPr>
-      <p:grpSpPr>
-        <a:xfrm>
-          <a:off x="0" y="0"/>
-          <a:ext cx="0" cy="0"/>
-          <a:chOff x="0" y="0"/>
-          <a:chExt cx="0" cy="0"/>
-        </a:xfrm>
-      </p:grpSpPr>
-      <p:sp>
-        <p:nvSpPr>
-          <p:cNvPr id="269" name="Google Shape;269;p40"/>
-          <p:cNvSpPr txBox="1"/>
-          <p:nvPr>
-            <p:ph type="title"/>
-          </p:nvPr>
-        </p:nvSpPr>
-        <p:spPr>
-          <a:xfrm>
-            <a:off x="400594" y="86450"/>
-            <a:ext cx="10515600" cy="1325563"/>
-          </a:xfrm>
-          <a:prstGeom prst="rect">
-            <a:avLst/>
-          </a:prstGeom>
-          <a:noFill/>
-          <a:ln>
-            <a:noFill/>
-          </a:ln>
-        </p:spPr>
-        <p:txBody>
-          <a:bodyPr anchorCtr="0" anchor="ctr" bIns="45700" lIns="91425" spcFirstLastPara="1" rIns="91425" wrap="square" tIns="45700">
-            <a:noAutofit/>
-          </a:bodyPr>
-          <a:lstStyle/>
-          <a:p>
-            <a:pPr indent="0" lvl="0" marL="0" rtl="0" algn="l">
-              <a:lnSpc>
-                <a:spcPct val="90000"/>
-              </a:lnSpc>
-              <a:spcBef>
-                <a:spcPts val="0"/>
-              </a:spcBef>
-              <a:spcAft>
-                <a:spcPts val="0"/>
-              </a:spcAft>
-              <a:buClr>
-                <a:schemeClr val="dk1"/>
-              </a:buClr>
-              <a:buSzPts val="4400"/>
-              <a:buFont typeface="Calibri"/>
-              <a:buNone/>
-            </a:pPr>
-            <a:r>
-              <a:rPr b="1" lang="en-US">
-                <a:latin typeface="Calibri"/>
-                <a:ea typeface="Calibri"/>
-                <a:cs typeface="Calibri"/>
-                <a:sym typeface="Calibri"/>
-              </a:rPr>
-              <a:t>ExceptionHandlerAspect1</a:t>
-            </a:r>
-            <a:endParaRPr/>
-          </a:p>
-        </p:txBody>
-      </p:sp>
-      <p:sp>
-        <p:nvSpPr>
-          <p:cNvPr id="270" name="Google Shape;270;p40"/>
-          <p:cNvSpPr txBox="1"/>
-          <p:nvPr>
-            <p:ph idx="1" type="body"/>
-          </p:nvPr>
-        </p:nvSpPr>
-        <p:spPr>
-          <a:xfrm>
-            <a:off x="400595" y="1010093"/>
-            <a:ext cx="11284586" cy="5660673"/>
-          </a:xfrm>
-          <a:prstGeom prst="rect">
-            <a:avLst/>
-          </a:prstGeom>
-          <a:noFill/>
-          <a:ln>
-            <a:noFill/>
-          </a:ln>
-        </p:spPr>
-        <p:txBody>
-          <a:bodyPr anchorCtr="0" anchor="t" bIns="45700" lIns="91425" spcFirstLastPara="1" rIns="91425" wrap="square" tIns="45700">
-            <a:noAutofit/>
-          </a:bodyPr>
-          <a:lstStyle/>
-          <a:p>
-            <a:pPr indent="-228600" lvl="0" marL="228600" rtl="0" algn="l">
-              <a:lnSpc>
-                <a:spcPct val="150000"/>
-              </a:lnSpc>
-              <a:spcBef>
-                <a:spcPts val="0"/>
-              </a:spcBef>
-              <a:spcAft>
-                <a:spcPts val="0"/>
-              </a:spcAft>
-              <a:buClr>
-                <a:srgbClr val="FF0000"/>
-              </a:buClr>
-              <a:buSzPts val="2400"/>
-              <a:buChar char="•"/>
-            </a:pPr>
-            <a:r>
-              <a:rPr b="1" lang="en-US" sz="2400">
-                <a:solidFill>
-                  <a:srgbClr val="FF0000"/>
-                </a:solidFill>
-              </a:rPr>
-              <a:t>Concern:</a:t>
-            </a:r>
-            <a:r>
-              <a:rPr b="1" lang="en-US" sz="2400"/>
-              <a:t> exceptions not caught in code, one place to take monitor/handle them.</a:t>
-            </a:r>
-            <a:endParaRPr/>
-          </a:p>
-          <a:p>
-            <a:pPr indent="-228600" lvl="0" marL="228600" rtl="0" algn="l">
-              <a:lnSpc>
-                <a:spcPct val="150000"/>
-              </a:lnSpc>
-              <a:spcBef>
-                <a:spcPts val="1000"/>
-              </a:spcBef>
-              <a:spcAft>
-                <a:spcPts val="0"/>
-              </a:spcAft>
-              <a:buClr>
-                <a:srgbClr val="FF0000"/>
-              </a:buClr>
-              <a:buSzPts val="2400"/>
-              <a:buChar char="•"/>
-            </a:pPr>
-            <a:r>
-              <a:rPr b="1" i="1" lang="en-US" sz="2400">
-                <a:solidFill>
-                  <a:srgbClr val="FF0000"/>
-                </a:solidFill>
-              </a:rPr>
-              <a:t>Pointcut: </a:t>
-            </a:r>
-            <a:r>
-              <a:rPr b="1" i="1" lang="en-US" sz="2400"/>
-              <a:t>any exception is thrown but not handled (catched).</a:t>
-            </a:r>
-            <a:endParaRPr/>
-          </a:p>
-          <a:p>
-            <a:pPr indent="-228600" lvl="0" marL="228600" rtl="0" algn="l">
-              <a:lnSpc>
-                <a:spcPct val="150000"/>
-              </a:lnSpc>
-              <a:spcBef>
-                <a:spcPts val="1000"/>
-              </a:spcBef>
-              <a:spcAft>
-                <a:spcPts val="0"/>
-              </a:spcAft>
-              <a:buClr>
-                <a:srgbClr val="FF0000"/>
-              </a:buClr>
-              <a:buSzPts val="2400"/>
-              <a:buChar char="•"/>
-            </a:pPr>
-            <a:r>
-              <a:rPr b="1" i="1" lang="en-US" sz="2400">
-                <a:solidFill>
-                  <a:srgbClr val="FF0000"/>
-                </a:solidFill>
-              </a:rPr>
-              <a:t>Advice: </a:t>
-            </a:r>
-            <a:r>
-              <a:rPr b="1" i="1" lang="en-US" sz="2400"/>
-              <a:t>logs the exception and throws UnhandledException(msg).</a:t>
-            </a:r>
-            <a:endParaRPr/>
-          </a:p>
-          <a:p>
-            <a:pPr indent="0" lvl="0" marL="0" rtl="0" algn="l">
-              <a:lnSpc>
-                <a:spcPct val="150000"/>
-              </a:lnSpc>
-              <a:spcBef>
-                <a:spcPts val="1000"/>
-              </a:spcBef>
-              <a:spcAft>
-                <a:spcPts val="0"/>
-              </a:spcAft>
-              <a:buClr>
-                <a:schemeClr val="dk1"/>
-              </a:buClr>
-              <a:buSzPts val="2400"/>
-              <a:buNone/>
-            </a:pPr>
-            <a:r>
-              <a:t/>
-            </a:r>
-            <a:endParaRPr b="1" sz="2400"/>
-          </a:p>
-        </p:txBody>
-      </p:sp>
-      <p:pic>
-        <p:nvPicPr>
-          <p:cNvPr id="271" name="Google Shape;271;p40"/>
-          <p:cNvPicPr preferRelativeResize="0"/>
-          <p:nvPr/>
-        </p:nvPicPr>
-        <p:blipFill rotWithShape="1">
-          <a:blip r:embed="rId3">
-            <a:alphaModFix/>
-          </a:blip>
-          <a:srcRect b="0" l="0" r="0" t="0"/>
-          <a:stretch/>
-        </p:blipFill>
-        <p:spPr>
-          <a:xfrm>
-            <a:off x="2318009" y="5547392"/>
-            <a:ext cx="6296599" cy="1224158"/>
-          </a:xfrm>
-          <a:prstGeom prst="rect">
-            <a:avLst/>
-          </a:prstGeom>
-          <a:noFill/>
-          <a:ln>
-            <a:noFill/>
-          </a:ln>
-        </p:spPr>
-      </p:pic>
-      <p:pic>
-        <p:nvPicPr>
-          <p:cNvPr id="272" name="Google Shape;272;p40"/>
-          <p:cNvPicPr preferRelativeResize="0"/>
-          <p:nvPr/>
-        </p:nvPicPr>
-        <p:blipFill rotWithShape="1">
-          <a:blip r:embed="rId4">
-            <a:alphaModFix/>
-          </a:blip>
-          <a:srcRect b="0" l="0" r="0" t="0"/>
-          <a:stretch/>
-        </p:blipFill>
-        <p:spPr>
-          <a:xfrm>
-            <a:off x="2782654" y="3104883"/>
-            <a:ext cx="5679256" cy="2363990"/>
-          </a:xfrm>
-          <a:prstGeom prst="rect">
-            <a:avLst/>
-          </a:prstGeom>
-          <a:noFill/>
-          <a:ln>
-            <a:noFill/>
-          </a:ln>
-        </p:spPr>
-      </p:pic>
-    </p:spTree>
-  </p:cSld>
-  <p:clrMapOvr>
-    <a:masterClrMapping/>
-  </p:clrMapOvr>
-</p:sld>
-</file>
-
-<file path=ppt/slides/slide29.xml><?xml version="1.0" encoding="utf-8"?>
-<p:sld xmlns:a="http://schemas.openxmlformats.org/drawingml/2006/main" xmlns:r="http://schemas.openxmlformats.org/officeDocument/2006/relationships" xmlns:mc="http://schemas.openxmlformats.org/markup-compatibility/2006" xmlns:mv="urn:schemas-microsoft-com:mac:vml" xmlns:p="http://schemas.openxmlformats.org/presentationml/2006/main" xmlns:c="http://schemas.openxmlformats.org/drawingml/2006/chart" xmlns:dgm="http://schemas.openxmlformats.org/drawingml/2006/diagram" xmlns:o="urn:schemas-microsoft-com:office:office" xmlns:v="urn:schemas-microsoft-com:vml" xmlns:pvml="urn:schemas-microsoft-com:office:powerpoint" xmlns:com="http://schemas.openxmlformats.org/drawingml/2006/compatibility" xmlns:p14="http://schemas.microsoft.com/office/powerpoint/2010/main" xmlns:p15="http://schemas.microsoft.com/office/powerpoint/2012/main">
-  <p:cSld>
-    <p:spTree>
-      <p:nvGrpSpPr>
-        <p:cNvPr id="276" name="Shape 276"/>
-        <p:cNvGrpSpPr/>
-        <p:nvPr/>
-      </p:nvGrpSpPr>
-      <p:grpSpPr>
-        <a:xfrm>
-          <a:off x="0" y="0"/>
-          <a:ext cx="0" cy="0"/>
-          <a:chOff x="0" y="0"/>
-          <a:chExt cx="0" cy="0"/>
-        </a:xfrm>
-      </p:grpSpPr>
-      <p:sp>
-        <p:nvSpPr>
-          <p:cNvPr id="277" name="Google Shape;277;p41"/>
-          <p:cNvSpPr txBox="1"/>
-          <p:nvPr>
-            <p:ph type="title"/>
-          </p:nvPr>
-        </p:nvSpPr>
-        <p:spPr>
-          <a:xfrm>
-            <a:off x="400594" y="86450"/>
-            <a:ext cx="10515600" cy="1325563"/>
-          </a:xfrm>
-          <a:prstGeom prst="rect">
-            <a:avLst/>
-          </a:prstGeom>
-          <a:noFill/>
-          <a:ln>
-            <a:noFill/>
-          </a:ln>
-        </p:spPr>
-        <p:txBody>
-          <a:bodyPr anchorCtr="0" anchor="ctr" bIns="45700" lIns="91425" spcFirstLastPara="1" rIns="91425" wrap="square" tIns="45700">
-            <a:noAutofit/>
-          </a:bodyPr>
-          <a:lstStyle/>
-          <a:p>
-            <a:pPr indent="0" lvl="0" marL="0" rtl="0" algn="l">
-              <a:lnSpc>
-                <a:spcPct val="90000"/>
-              </a:lnSpc>
-              <a:spcBef>
-                <a:spcPts val="0"/>
-              </a:spcBef>
-              <a:spcAft>
-                <a:spcPts val="0"/>
-              </a:spcAft>
-              <a:buClr>
-                <a:schemeClr val="dk1"/>
-              </a:buClr>
-              <a:buSzPts val="4400"/>
-              <a:buFont typeface="Calibri"/>
-              <a:buNone/>
-            </a:pPr>
-            <a:r>
-              <a:rPr b="1" lang="en-US">
-                <a:latin typeface="Calibri"/>
-                <a:ea typeface="Calibri"/>
-                <a:cs typeface="Calibri"/>
-                <a:sym typeface="Calibri"/>
-              </a:rPr>
-              <a:t>ExceptionHandlerAspect2</a:t>
-            </a:r>
-            <a:endParaRPr/>
-          </a:p>
-        </p:txBody>
-      </p:sp>
-      <p:sp>
-        <p:nvSpPr>
-          <p:cNvPr id="278" name="Google Shape;278;p41"/>
-          <p:cNvSpPr txBox="1"/>
-          <p:nvPr>
-            <p:ph idx="1" type="body"/>
-          </p:nvPr>
-        </p:nvSpPr>
-        <p:spPr>
-          <a:xfrm>
-            <a:off x="400595" y="1010093"/>
-            <a:ext cx="11284586" cy="5660673"/>
-          </a:xfrm>
-          <a:prstGeom prst="rect">
-            <a:avLst/>
-          </a:prstGeom>
-          <a:noFill/>
-          <a:ln>
-            <a:noFill/>
-          </a:ln>
-        </p:spPr>
-        <p:txBody>
-          <a:bodyPr anchorCtr="0" anchor="t" bIns="45700" lIns="91425" spcFirstLastPara="1" rIns="91425" wrap="square" tIns="45700">
-            <a:noAutofit/>
-          </a:bodyPr>
-          <a:lstStyle/>
-          <a:p>
-            <a:pPr indent="-228600" lvl="0" marL="228600" rtl="0" algn="l">
-              <a:lnSpc>
-                <a:spcPct val="150000"/>
-              </a:lnSpc>
-              <a:spcBef>
-                <a:spcPts val="0"/>
-              </a:spcBef>
-              <a:spcAft>
-                <a:spcPts val="0"/>
-              </a:spcAft>
-              <a:buClr>
-                <a:srgbClr val="FF0000"/>
-              </a:buClr>
-              <a:buSzPts val="2400"/>
-              <a:buChar char="•"/>
-            </a:pPr>
-            <a:r>
-              <a:rPr b="1" lang="en-US" sz="2400">
-                <a:solidFill>
-                  <a:srgbClr val="FF0000"/>
-                </a:solidFill>
-              </a:rPr>
-              <a:t>Concern:</a:t>
-            </a:r>
-            <a:r>
-              <a:rPr b="1" lang="en-US" sz="2400"/>
-              <a:t> exceptions are caught by a specific class over and over again, determine which class catches a specific exception and do something on it without touching the existing codebase.</a:t>
-            </a:r>
-            <a:endParaRPr/>
-          </a:p>
-          <a:p>
-            <a:pPr indent="-228600" lvl="0" marL="228600" rtl="0" algn="l">
-              <a:lnSpc>
-                <a:spcPct val="150000"/>
-              </a:lnSpc>
-              <a:spcBef>
-                <a:spcPts val="1000"/>
-              </a:spcBef>
-              <a:spcAft>
-                <a:spcPts val="0"/>
-              </a:spcAft>
-              <a:buClr>
-                <a:srgbClr val="FF0000"/>
-              </a:buClr>
-              <a:buSzPts val="2400"/>
-              <a:buChar char="•"/>
-            </a:pPr>
-            <a:r>
-              <a:rPr b="1" i="1" lang="en-US" sz="2400">
-                <a:solidFill>
-                  <a:srgbClr val="FF0000"/>
-                </a:solidFill>
-              </a:rPr>
-              <a:t>Pointcut: </a:t>
-            </a:r>
-            <a:r>
-              <a:rPr b="1" i="1" lang="en-US" sz="2400"/>
-              <a:t>exception handled by class X.</a:t>
-            </a:r>
-            <a:endParaRPr/>
-          </a:p>
-          <a:p>
-            <a:pPr indent="-228600" lvl="0" marL="228600" rtl="0" algn="l">
-              <a:lnSpc>
-                <a:spcPct val="150000"/>
-              </a:lnSpc>
-              <a:spcBef>
-                <a:spcPts val="1000"/>
-              </a:spcBef>
-              <a:spcAft>
-                <a:spcPts val="0"/>
-              </a:spcAft>
-              <a:buClr>
-                <a:srgbClr val="FF0000"/>
-              </a:buClr>
-              <a:buSzPts val="2400"/>
-              <a:buChar char="•"/>
-            </a:pPr>
-            <a:r>
-              <a:rPr b="1" i="1" lang="en-US" sz="2400">
-                <a:solidFill>
-                  <a:srgbClr val="FF0000"/>
-                </a:solidFill>
-              </a:rPr>
-              <a:t>Advice: </a:t>
-            </a:r>
-            <a:r>
-              <a:rPr b="1" i="1" lang="en-US" sz="2400"/>
-              <a:t>do Y on that specific case.</a:t>
-            </a:r>
-            <a:endParaRPr/>
-          </a:p>
-          <a:p>
-            <a:pPr indent="0" lvl="0" marL="0" rtl="0" algn="l">
-              <a:lnSpc>
-                <a:spcPct val="150000"/>
-              </a:lnSpc>
-              <a:spcBef>
-                <a:spcPts val="1000"/>
-              </a:spcBef>
-              <a:spcAft>
-                <a:spcPts val="0"/>
-              </a:spcAft>
-              <a:buClr>
-                <a:schemeClr val="dk1"/>
-              </a:buClr>
-              <a:buSzPts val="2400"/>
-              <a:buNone/>
-            </a:pPr>
-            <a:r>
-              <a:t/>
-            </a:r>
-            <a:endParaRPr b="1" sz="2400"/>
           </a:p>
         </p:txBody>
       </p:sp>
@@ -20659,7 +20415,7 @@
   <p:cSld>
     <p:spTree>
       <p:nvGrpSpPr>
-        <p:cNvPr id="282" name="Shape 282"/>
+        <p:cNvPr id="276" name="Shape 276"/>
         <p:cNvGrpSpPr/>
         <p:nvPr/>
       </p:nvGrpSpPr>
@@ -20673,7 +20429,7 @@
       </p:grpSpPr>
       <p:sp>
         <p:nvSpPr>
-          <p:cNvPr id="283" name="Google Shape;283;p42"/>
+          <p:cNvPr id="277" name="Google Shape;277;p42"/>
           <p:cNvSpPr txBox="1"/>
           <p:nvPr>
             <p:ph type="title"/>
@@ -20722,7 +20478,7 @@
                 <a:cs typeface="Calibri"/>
                 <a:sym typeface="Calibri"/>
               </a:rPr>
-              <a:t>ExceptionTranslationAspect, the concern:</a:t>
+              <a:t>Exceptions:</a:t>
             </a:r>
             <a:endParaRPr/>
           </a:p>
@@ -20730,7 +20486,7 @@
       </p:sp>
       <p:sp>
         <p:nvSpPr>
-          <p:cNvPr id="284" name="Google Shape;284;p42"/>
+          <p:cNvPr id="278" name="Google Shape;278;p42"/>
           <p:cNvSpPr txBox="1"/>
           <p:nvPr>
             <p:ph idx="1" type="body"/>
@@ -20738,8 +20494,8 @@
         </p:nvSpPr>
         <p:spPr>
           <a:xfrm>
-            <a:off x="400595" y="1010093"/>
-            <a:ext cx="11284586" cy="5660673"/>
+            <a:off x="157314" y="1010093"/>
+            <a:ext cx="8508513" cy="5660673"/>
           </a:xfrm>
           <a:prstGeom prst="rect">
             <a:avLst/>
@@ -20773,7 +20529,7 @@
             </a:pPr>
             <a:r>
               <a:rPr b="1" i="1" lang="en-US" sz="2400"/>
-              <a:t>Assume we use a third-party library (</a:t>
+              <a:t>When an exception is thrown in Java, it is passed up the call chain until it is either </a:t>
             </a:r>
             <a:r>
               <a:rPr b="1" i="1" lang="en-US" sz="2400">
@@ -20781,11 +20537,11 @@
                   <a:srgbClr val="FF0000"/>
                 </a:solidFill>
               </a:rPr>
-              <a:t>some ORM library</a:t>
+              <a:t>handled</a:t>
             </a:r>
             <a:r>
               <a:rPr b="1" i="1" lang="en-US" sz="2400"/>
-              <a:t>) which helps us transform RDBMS tables to Java objects. This library throws exceptions (NoTableExistException, RecordException, etc…). We would like to </a:t>
+              <a:t> by a catch statement as part of a try/catch block or it reaches the Java run-time and </a:t>
             </a:r>
             <a:r>
               <a:rPr b="1" i="1" lang="en-US" sz="2400">
@@ -20793,34 +20549,11 @@
                   <a:srgbClr val="FF0000"/>
                 </a:solidFill>
               </a:rPr>
-              <a:t>convert those exceptions to our APPLICATION exceptions: </a:t>
+              <a:t>causes </a:t>
             </a:r>
             <a:r>
               <a:rPr b="1" i="1" lang="en-US" sz="2400"/>
-              <a:t>DataAccessException,  PersistenceLayerException. </a:t>
-            </a:r>
-            <a:endParaRPr/>
-          </a:p>
-          <a:p>
-            <a:pPr indent="-228600" lvl="0" marL="228600" rtl="0" algn="l">
-              <a:lnSpc>
-                <a:spcPct val="150000"/>
-              </a:lnSpc>
-              <a:spcBef>
-                <a:spcPts val="1000"/>
-              </a:spcBef>
-              <a:spcAft>
-                <a:spcPts val="0"/>
-              </a:spcAft>
-              <a:buClr>
-                <a:schemeClr val="dk1"/>
-              </a:buClr>
-              <a:buSzPts val="2400"/>
-              <a:buChar char="•"/>
-            </a:pPr>
-            <a:r>
-              <a:rPr b="1" i="1" lang="en-US" sz="2400"/>
-              <a:t>Lots of code will be </a:t>
+              <a:t>a messy message on your console. If a Java exception is caught then we can </a:t>
             </a:r>
             <a:r>
               <a:rPr b="1" i="1" lang="en-US" sz="2400">
@@ -20828,23 +20561,11 @@
                   <a:srgbClr val="FF0000"/>
                 </a:solidFill>
               </a:rPr>
-              <a:t>scattered</a:t>
+              <a:t>handle the exception </a:t>
             </a:r>
             <a:r>
               <a:rPr b="1" i="1" lang="en-US" sz="2400"/>
-              <a:t> over our codebase, with </a:t>
-            </a:r>
-            <a:r>
-              <a:rPr b="1" i="1" lang="en-US" sz="2400">
-                <a:solidFill>
-                  <a:srgbClr val="FF0000"/>
-                </a:solidFill>
-              </a:rPr>
-              <a:t>tangled</a:t>
-            </a:r>
-            <a:r>
-              <a:rPr b="1" i="1" lang="en-US" sz="2400"/>
-              <a:t> conversions.</a:t>
+              <a:t>(log it, print it, ...).</a:t>
             </a:r>
             <a:endParaRPr/>
           </a:p>
@@ -20867,37 +20588,15 @@
             </a:pPr>
             <a:r>
               <a:rPr b="1" i="1" lang="en-US" sz="2400"/>
-              <a:t>This can be taken care separately in an Aspect, making our code more clean and concise.</a:t>
+              <a:t>It is useful to know when an exception has been handled/occurred.</a:t>
             </a:r>
             <a:endParaRPr/>
-          </a:p>
-          <a:p>
-            <a:pPr indent="-76200" lvl="0" marL="228600" rtl="0" algn="l">
-              <a:lnSpc>
-                <a:spcPct val="150000"/>
-              </a:lnSpc>
-              <a:spcBef>
-                <a:spcPts val="1000"/>
-              </a:spcBef>
-              <a:spcAft>
-                <a:spcPts val="0"/>
-              </a:spcAft>
-              <a:buClr>
-                <a:schemeClr val="dk1"/>
-              </a:buClr>
-              <a:buSzPts val="2400"/>
-              <a:buNone/>
-            </a:pPr>
-            <a:r>
-              <a:t/>
-            </a:r>
-            <a:endParaRPr b="1" i="1" sz="2400"/>
           </a:p>
         </p:txBody>
       </p:sp>
       <p:pic>
         <p:nvPicPr>
-          <p:cNvPr id="285" name="Google Shape;285;p42"/>
+          <p:cNvPr descr="Image result for java exceptions try catch" id="279" name="Google Shape;279;p42"/>
           <p:cNvPicPr preferRelativeResize="0"/>
           <p:nvPr/>
         </p:nvPicPr>
@@ -20905,13 +20604,13 @@
           <a:blip r:embed="rId3">
             <a:alphaModFix/>
           </a:blip>
-          <a:srcRect b="5536" l="4415" r="3667" t="0"/>
+          <a:srcRect b="0" l="0" r="0" t="0"/>
           <a:stretch/>
         </p:blipFill>
         <p:spPr>
           <a:xfrm>
-            <a:off x="5658394" y="4681533"/>
-            <a:ext cx="5899951" cy="1989233"/>
+            <a:off x="8330267" y="2159411"/>
+            <a:ext cx="3504064" cy="2539177"/>
           </a:xfrm>
           <a:prstGeom prst="rect">
             <a:avLst/>
@@ -20935,7 +20634,7 @@
   <p:cSld>
     <p:spTree>
       <p:nvGrpSpPr>
-        <p:cNvPr id="289" name="Shape 289"/>
+        <p:cNvPr id="283" name="Shape 283"/>
         <p:cNvGrpSpPr/>
         <p:nvPr/>
       </p:nvGrpSpPr>
@@ -20949,7 +20648,7 @@
       </p:grpSpPr>
       <p:sp>
         <p:nvSpPr>
-          <p:cNvPr id="290" name="Google Shape;290;p43"/>
+          <p:cNvPr id="284" name="Google Shape;284;p43"/>
           <p:cNvSpPr txBox="1"/>
           <p:nvPr>
             <p:ph type="title"/>
@@ -20998,20 +20697,15 @@
                 <a:cs typeface="Calibri"/>
                 <a:sym typeface="Calibri"/>
               </a:rPr>
-              <a:t>ExceptionTranslatorAspect</a:t>
-            </a:r>
-            <a:endParaRPr b="1">
-              <a:latin typeface="Calibri"/>
-              <a:ea typeface="Calibri"/>
-              <a:cs typeface="Calibri"/>
-              <a:sym typeface="Calibri"/>
-            </a:endParaRPr>
+              <a:t>ExceptionHandlerAspect1</a:t>
+            </a:r>
+            <a:endParaRPr/>
           </a:p>
         </p:txBody>
       </p:sp>
       <p:sp>
         <p:nvSpPr>
-          <p:cNvPr id="291" name="Google Shape;291;p43"/>
+          <p:cNvPr id="285" name="Google Shape;285;p43"/>
           <p:cNvSpPr txBox="1"/>
           <p:nvPr>
             <p:ph idx="1" type="body"/>
@@ -21019,8 +20713,8 @@
         </p:nvSpPr>
         <p:spPr>
           <a:xfrm>
-            <a:off x="125835" y="1116419"/>
-            <a:ext cx="7407479" cy="5554347"/>
+            <a:off x="400595" y="1010093"/>
+            <a:ext cx="11284586" cy="5660673"/>
           </a:xfrm>
           <a:prstGeom prst="rect">
             <a:avLst/>
@@ -21062,13 +20756,9 @@
             </a:r>
             <a:r>
               <a:rPr b="1" lang="en-US" sz="2400"/>
-              <a:t> noted above.</a:t>
-            </a:r>
-            <a:endParaRPr b="1" sz="2400">
-              <a:solidFill>
-                <a:srgbClr val="FF0000"/>
-              </a:solidFill>
-            </a:endParaRPr>
+              <a:t> exceptions not caught in code, one place to take monitor/handle them.</a:t>
+            </a:r>
+            <a:endParaRPr/>
           </a:p>
           <a:p>
             <a:pPr indent="-228600" lvl="0" marL="228600" rtl="0" algn="l">
@@ -21097,7 +20787,7 @@
             </a:r>
             <a:r>
               <a:rPr b="1" i="1" lang="en-US" sz="2400"/>
-              <a:t>a KeyboardException is thrown  (ESC is pressed)</a:t>
+              <a:t>any exception is thrown but not handled (catched).</a:t>
             </a:r>
             <a:endParaRPr/>
           </a:p>
@@ -21128,20 +20818,12 @@
             </a:r>
             <a:r>
               <a:rPr b="1" i="1" lang="en-US" sz="2400"/>
-              <a:t>Translate 3</a:t>
-            </a:r>
-            <a:r>
-              <a:rPr b="1" baseline="30000" i="1" lang="en-US" sz="2400"/>
-              <a:t>rd</a:t>
-            </a:r>
-            <a:r>
-              <a:rPr b="1" i="1" lang="en-US" sz="2400"/>
-              <a:t> party thrown exception into our application exception.</a:t>
+              <a:t>logs the exception and throws UnhandledException(msg).</a:t>
             </a:r>
             <a:endParaRPr/>
           </a:p>
           <a:p>
-            <a:pPr indent="-228600" lvl="0" marL="228600" rtl="0" algn="l">
+            <a:pPr indent="0" lvl="0" marL="0" rtl="0" algn="l">
               <a:lnSpc>
                 <a:spcPct val="150000"/>
               </a:lnSpc>
@@ -21152,30 +20834,21 @@
                 <a:spcPts val="0"/>
               </a:spcAft>
               <a:buClr>
-                <a:srgbClr val="FF0000"/>
+                <a:schemeClr val="dk1"/>
               </a:buClr>
               <a:buSzPts val="2400"/>
-              <a:buChar char="•"/>
+              <a:buNone/>
             </a:pPr>
             <a:r>
-              <a:rPr b="1" i="1" lang="en-US" sz="2400">
-                <a:solidFill>
-                  <a:srgbClr val="FF0000"/>
-                </a:solidFill>
-              </a:rPr>
-              <a:t>ProceedingJointPoint</a:t>
-            </a:r>
-            <a:r>
-              <a:rPr b="1" i="1" lang="en-US" sz="2400"/>
-              <a:t>: an around advice is a special advice that can control when and if a method (or other join point) is executed. so they require an argument of type PJP, whereas other advices just use JP.</a:t>
-            </a:r>
-            <a:endParaRPr/>
+              <a:t/>
+            </a:r>
+            <a:endParaRPr b="1" sz="2400"/>
           </a:p>
         </p:txBody>
       </p:sp>
       <p:pic>
         <p:nvPicPr>
-          <p:cNvPr id="292" name="Google Shape;292;p43"/>
+          <p:cNvPr id="286" name="Google Shape;286;p43"/>
           <p:cNvPicPr preferRelativeResize="0"/>
           <p:nvPr/>
         </p:nvPicPr>
@@ -21183,13 +20856,13 @@
           <a:blip r:embed="rId3">
             <a:alphaModFix/>
           </a:blip>
-          <a:srcRect b="0" l="4202" r="4131" t="0"/>
+          <a:srcRect b="0" l="0" r="0" t="0"/>
           <a:stretch/>
         </p:blipFill>
         <p:spPr>
           <a:xfrm>
-            <a:off x="7357145" y="868914"/>
-            <a:ext cx="4530056" cy="2285345"/>
+            <a:off x="2318009" y="5547392"/>
+            <a:ext cx="6296599" cy="1224158"/>
           </a:xfrm>
           <a:prstGeom prst="rect">
             <a:avLst/>
@@ -21202,7 +20875,7 @@
       </p:pic>
       <p:pic>
         <p:nvPicPr>
-          <p:cNvPr id="293" name="Google Shape;293;p43"/>
+          <p:cNvPr id="287" name="Google Shape;287;p43"/>
           <p:cNvPicPr preferRelativeResize="0"/>
           <p:nvPr/>
         </p:nvPicPr>
@@ -21210,13 +20883,13 @@
           <a:blip r:embed="rId4">
             <a:alphaModFix/>
           </a:blip>
-          <a:srcRect b="0" l="5305" r="0" t="0"/>
+          <a:srcRect b="0" l="0" r="0" t="0"/>
           <a:stretch/>
         </p:blipFill>
         <p:spPr>
           <a:xfrm>
-            <a:off x="7222921" y="3566964"/>
-            <a:ext cx="4775588" cy="1352372"/>
+            <a:off x="2782654" y="3104883"/>
+            <a:ext cx="5679256" cy="2363990"/>
           </a:xfrm>
           <a:prstGeom prst="rect">
             <a:avLst/>
@@ -21236,6 +20909,231 @@
 </file>
 
 <file path=ppt/slides/slide32.xml><?xml version="1.0" encoding="utf-8"?>
+<p:sld xmlns:a="http://schemas.openxmlformats.org/drawingml/2006/main" xmlns:r="http://schemas.openxmlformats.org/officeDocument/2006/relationships" xmlns:mc="http://schemas.openxmlformats.org/markup-compatibility/2006" xmlns:mv="urn:schemas-microsoft-com:mac:vml" xmlns:p="http://schemas.openxmlformats.org/presentationml/2006/main" xmlns:c="http://schemas.openxmlformats.org/drawingml/2006/chart" xmlns:dgm="http://schemas.openxmlformats.org/drawingml/2006/diagram" xmlns:o="urn:schemas-microsoft-com:office:office" xmlns:v="urn:schemas-microsoft-com:vml" xmlns:pvml="urn:schemas-microsoft-com:office:powerpoint" xmlns:com="http://schemas.openxmlformats.org/drawingml/2006/compatibility" xmlns:p14="http://schemas.microsoft.com/office/powerpoint/2010/main" xmlns:p15="http://schemas.microsoft.com/office/powerpoint/2012/main">
+  <p:cSld>
+    <p:spTree>
+      <p:nvGrpSpPr>
+        <p:cNvPr id="291" name="Shape 291"/>
+        <p:cNvGrpSpPr/>
+        <p:nvPr/>
+      </p:nvGrpSpPr>
+      <p:grpSpPr>
+        <a:xfrm>
+          <a:off x="0" y="0"/>
+          <a:ext cx="0" cy="0"/>
+          <a:chOff x="0" y="0"/>
+          <a:chExt cx="0" cy="0"/>
+        </a:xfrm>
+      </p:grpSpPr>
+      <p:sp>
+        <p:nvSpPr>
+          <p:cNvPr id="292" name="Google Shape;292;p44"/>
+          <p:cNvSpPr txBox="1"/>
+          <p:nvPr>
+            <p:ph type="title"/>
+          </p:nvPr>
+        </p:nvSpPr>
+        <p:spPr>
+          <a:xfrm>
+            <a:off x="400594" y="86450"/>
+            <a:ext cx="10515600" cy="1325563"/>
+          </a:xfrm>
+          <a:prstGeom prst="rect">
+            <a:avLst/>
+          </a:prstGeom>
+          <a:noFill/>
+          <a:ln>
+            <a:noFill/>
+          </a:ln>
+        </p:spPr>
+        <p:txBody>
+          <a:bodyPr anchorCtr="0" anchor="ctr" bIns="45700" lIns="91425" spcFirstLastPara="1" rIns="91425" wrap="square" tIns="45700">
+            <a:noAutofit/>
+          </a:bodyPr>
+          <a:lstStyle/>
+          <a:p>
+            <a:pPr indent="0" lvl="0" marL="0" rtl="0" algn="l">
+              <a:lnSpc>
+                <a:spcPct val="90000"/>
+              </a:lnSpc>
+              <a:spcBef>
+                <a:spcPts val="0"/>
+              </a:spcBef>
+              <a:spcAft>
+                <a:spcPts val="0"/>
+              </a:spcAft>
+              <a:buClr>
+                <a:schemeClr val="dk1"/>
+              </a:buClr>
+              <a:buSzPts val="4400"/>
+              <a:buFont typeface="Calibri"/>
+              <a:buNone/>
+            </a:pPr>
+            <a:r>
+              <a:rPr b="1" lang="en-US">
+                <a:latin typeface="Calibri"/>
+                <a:ea typeface="Calibri"/>
+                <a:cs typeface="Calibri"/>
+                <a:sym typeface="Calibri"/>
+              </a:rPr>
+              <a:t>ExceptionHandlerAspect2</a:t>
+            </a:r>
+            <a:endParaRPr/>
+          </a:p>
+        </p:txBody>
+      </p:sp>
+      <p:sp>
+        <p:nvSpPr>
+          <p:cNvPr id="293" name="Google Shape;293;p44"/>
+          <p:cNvSpPr txBox="1"/>
+          <p:nvPr>
+            <p:ph idx="1" type="body"/>
+          </p:nvPr>
+        </p:nvSpPr>
+        <p:spPr>
+          <a:xfrm>
+            <a:off x="400595" y="1010093"/>
+            <a:ext cx="11284586" cy="5660673"/>
+          </a:xfrm>
+          <a:prstGeom prst="rect">
+            <a:avLst/>
+          </a:prstGeom>
+          <a:noFill/>
+          <a:ln>
+            <a:noFill/>
+          </a:ln>
+        </p:spPr>
+        <p:txBody>
+          <a:bodyPr anchorCtr="0" anchor="t" bIns="45700" lIns="91425" spcFirstLastPara="1" rIns="91425" wrap="square" tIns="45700">
+            <a:noAutofit/>
+          </a:bodyPr>
+          <a:lstStyle/>
+          <a:p>
+            <a:pPr indent="-228600" lvl="0" marL="228600" rtl="0" algn="l">
+              <a:lnSpc>
+                <a:spcPct val="150000"/>
+              </a:lnSpc>
+              <a:spcBef>
+                <a:spcPts val="0"/>
+              </a:spcBef>
+              <a:spcAft>
+                <a:spcPts val="0"/>
+              </a:spcAft>
+              <a:buClr>
+                <a:srgbClr val="FF0000"/>
+              </a:buClr>
+              <a:buSzPts val="2400"/>
+              <a:buChar char="•"/>
+            </a:pPr>
+            <a:r>
+              <a:rPr b="1" lang="en-US" sz="2400">
+                <a:solidFill>
+                  <a:srgbClr val="FF0000"/>
+                </a:solidFill>
+              </a:rPr>
+              <a:t>Concern:</a:t>
+            </a:r>
+            <a:r>
+              <a:rPr b="1" lang="en-US" sz="2400"/>
+              <a:t> exceptions are caught by a specific class over and over again, determine which class catches a specific exception and do something on it without touching the existing codebase.</a:t>
+            </a:r>
+            <a:endParaRPr/>
+          </a:p>
+          <a:p>
+            <a:pPr indent="-228600" lvl="0" marL="228600" rtl="0" algn="l">
+              <a:lnSpc>
+                <a:spcPct val="150000"/>
+              </a:lnSpc>
+              <a:spcBef>
+                <a:spcPts val="1000"/>
+              </a:spcBef>
+              <a:spcAft>
+                <a:spcPts val="0"/>
+              </a:spcAft>
+              <a:buClr>
+                <a:srgbClr val="FF0000"/>
+              </a:buClr>
+              <a:buSzPts val="2400"/>
+              <a:buChar char="•"/>
+            </a:pPr>
+            <a:r>
+              <a:rPr b="1" i="1" lang="en-US" sz="2400">
+                <a:solidFill>
+                  <a:srgbClr val="FF0000"/>
+                </a:solidFill>
+              </a:rPr>
+              <a:t>Pointcut: </a:t>
+            </a:r>
+            <a:r>
+              <a:rPr b="1" i="1" lang="en-US" sz="2400"/>
+              <a:t>exception handled by class X.</a:t>
+            </a:r>
+            <a:endParaRPr/>
+          </a:p>
+          <a:p>
+            <a:pPr indent="-228600" lvl="0" marL="228600" rtl="0" algn="l">
+              <a:lnSpc>
+                <a:spcPct val="150000"/>
+              </a:lnSpc>
+              <a:spcBef>
+                <a:spcPts val="1000"/>
+              </a:spcBef>
+              <a:spcAft>
+                <a:spcPts val="0"/>
+              </a:spcAft>
+              <a:buClr>
+                <a:srgbClr val="FF0000"/>
+              </a:buClr>
+              <a:buSzPts val="2400"/>
+              <a:buChar char="•"/>
+            </a:pPr>
+            <a:r>
+              <a:rPr b="1" i="1" lang="en-US" sz="2400">
+                <a:solidFill>
+                  <a:srgbClr val="FF0000"/>
+                </a:solidFill>
+              </a:rPr>
+              <a:t>Advice: </a:t>
+            </a:r>
+            <a:r>
+              <a:rPr b="1" i="1" lang="en-US" sz="2400"/>
+              <a:t>do Y on that specific case.</a:t>
+            </a:r>
+            <a:endParaRPr/>
+          </a:p>
+          <a:p>
+            <a:pPr indent="0" lvl="0" marL="0" rtl="0" algn="l">
+              <a:lnSpc>
+                <a:spcPct val="150000"/>
+              </a:lnSpc>
+              <a:spcBef>
+                <a:spcPts val="1000"/>
+              </a:spcBef>
+              <a:spcAft>
+                <a:spcPts val="0"/>
+              </a:spcAft>
+              <a:buClr>
+                <a:schemeClr val="dk1"/>
+              </a:buClr>
+              <a:buSzPts val="2400"/>
+              <a:buNone/>
+            </a:pPr>
+            <a:r>
+              <a:t/>
+            </a:r>
+            <a:endParaRPr b="1" sz="2400"/>
+          </a:p>
+        </p:txBody>
+      </p:sp>
+    </p:spTree>
+  </p:cSld>
+  <p:clrMapOvr>
+    <a:masterClrMapping/>
+  </p:clrMapOvr>
+</p:sld>
+</file>
+
+<file path=ppt/slides/slide33.xml><?xml version="1.0" encoding="utf-8"?>
 <p:sld xmlns:a="http://schemas.openxmlformats.org/drawingml/2006/main" xmlns:r="http://schemas.openxmlformats.org/officeDocument/2006/relationships" xmlns:mc="http://schemas.openxmlformats.org/markup-compatibility/2006" xmlns:mv="urn:schemas-microsoft-com:mac:vml" xmlns:p="http://schemas.openxmlformats.org/presentationml/2006/main" xmlns:c="http://schemas.openxmlformats.org/drawingml/2006/chart" xmlns:dgm="http://schemas.openxmlformats.org/drawingml/2006/diagram" xmlns:o="urn:schemas-microsoft-com:office:office" xmlns:v="urn:schemas-microsoft-com:vml" xmlns:pvml="urn:schemas-microsoft-com:office:powerpoint" xmlns:com="http://schemas.openxmlformats.org/drawingml/2006/compatibility" xmlns:p14="http://schemas.microsoft.com/office/powerpoint/2010/main" xmlns:p15="http://schemas.microsoft.com/office/powerpoint/2012/main">
   <p:cSld>
     <p:spTree>
@@ -21254,7 +21152,7 @@
       </p:grpSpPr>
       <p:sp>
         <p:nvSpPr>
-          <p:cNvPr id="298" name="Google Shape;298;p44"/>
+          <p:cNvPr id="298" name="Google Shape;298;p45"/>
           <p:cNvSpPr txBox="1"/>
           <p:nvPr>
             <p:ph type="title"/>
@@ -21303,15 +21201,182 @@
                 <a:cs typeface="Calibri"/>
                 <a:sym typeface="Calibri"/>
               </a:rPr>
-              <a:t>Design Patterns Aspect</a:t>
+              <a:t>ExceptionTranslationAspect, the concern:</a:t>
             </a:r>
             <a:endParaRPr/>
+          </a:p>
+        </p:txBody>
+      </p:sp>
+      <p:sp>
+        <p:nvSpPr>
+          <p:cNvPr id="299" name="Google Shape;299;p45"/>
+          <p:cNvSpPr txBox="1"/>
+          <p:nvPr>
+            <p:ph idx="1" type="body"/>
+          </p:nvPr>
+        </p:nvSpPr>
+        <p:spPr>
+          <a:xfrm>
+            <a:off x="400595" y="1010093"/>
+            <a:ext cx="11284586" cy="5660673"/>
+          </a:xfrm>
+          <a:prstGeom prst="rect">
+            <a:avLst/>
+          </a:prstGeom>
+          <a:noFill/>
+          <a:ln>
+            <a:noFill/>
+          </a:ln>
+        </p:spPr>
+        <p:txBody>
+          <a:bodyPr anchorCtr="0" anchor="t" bIns="45700" lIns="91425" spcFirstLastPara="1" rIns="91425" wrap="square" tIns="45700">
+            <a:noAutofit/>
+          </a:bodyPr>
+          <a:lstStyle/>
+          <a:p>
+            <a:pPr indent="-228600" lvl="0" marL="228600" rtl="0" algn="l">
+              <a:lnSpc>
+                <a:spcPct val="150000"/>
+              </a:lnSpc>
+              <a:spcBef>
+                <a:spcPts val="0"/>
+              </a:spcBef>
+              <a:spcAft>
+                <a:spcPts val="0"/>
+              </a:spcAft>
+              <a:buClr>
+                <a:schemeClr val="dk1"/>
+              </a:buClr>
+              <a:buSzPts val="2400"/>
+              <a:buChar char="•"/>
+            </a:pPr>
+            <a:r>
+              <a:rPr b="1" i="1" lang="en-US" sz="2400"/>
+              <a:t>Assume we use a third-party library (</a:t>
+            </a:r>
+            <a:r>
+              <a:rPr b="1" i="1" lang="en-US" sz="2400">
+                <a:solidFill>
+                  <a:srgbClr val="FF0000"/>
+                </a:solidFill>
+              </a:rPr>
+              <a:t>some ORM library</a:t>
+            </a:r>
+            <a:r>
+              <a:rPr b="1" i="1" lang="en-US" sz="2400"/>
+              <a:t>) which helps us transform RDBMS tables to Java objects. This library throws exceptions (NoTableExistException, RecordException, etc…). We would like to </a:t>
+            </a:r>
+            <a:r>
+              <a:rPr b="1" i="1" lang="en-US" sz="2400">
+                <a:solidFill>
+                  <a:srgbClr val="FF0000"/>
+                </a:solidFill>
+              </a:rPr>
+              <a:t>convert those exceptions to our APPLICATION exceptions: </a:t>
+            </a:r>
+            <a:r>
+              <a:rPr b="1" i="1" lang="en-US" sz="2400"/>
+              <a:t>DataAccessException,  PersistenceLayerException. </a:t>
+            </a:r>
+            <a:endParaRPr/>
+          </a:p>
+          <a:p>
+            <a:pPr indent="-228600" lvl="0" marL="228600" rtl="0" algn="l">
+              <a:lnSpc>
+                <a:spcPct val="150000"/>
+              </a:lnSpc>
+              <a:spcBef>
+                <a:spcPts val="1000"/>
+              </a:spcBef>
+              <a:spcAft>
+                <a:spcPts val="0"/>
+              </a:spcAft>
+              <a:buClr>
+                <a:schemeClr val="dk1"/>
+              </a:buClr>
+              <a:buSzPts val="2400"/>
+              <a:buChar char="•"/>
+            </a:pPr>
+            <a:r>
+              <a:rPr b="1" i="1" lang="en-US" sz="2400"/>
+              <a:t>Lots of code will be </a:t>
+            </a:r>
+            <a:r>
+              <a:rPr b="1" i="1" lang="en-US" sz="2400">
+                <a:solidFill>
+                  <a:srgbClr val="FF0000"/>
+                </a:solidFill>
+              </a:rPr>
+              <a:t>scattered</a:t>
+            </a:r>
+            <a:r>
+              <a:rPr b="1" i="1" lang="en-US" sz="2400"/>
+              <a:t> over our codebase, with </a:t>
+            </a:r>
+            <a:r>
+              <a:rPr b="1" i="1" lang="en-US" sz="2400">
+                <a:solidFill>
+                  <a:srgbClr val="FF0000"/>
+                </a:solidFill>
+              </a:rPr>
+              <a:t>tangled</a:t>
+            </a:r>
+            <a:r>
+              <a:rPr b="1" i="1" lang="en-US" sz="2400"/>
+              <a:t> conversions.</a:t>
+            </a:r>
+            <a:endParaRPr/>
+          </a:p>
+          <a:p>
+            <a:pPr indent="-228600" lvl="0" marL="228600" rtl="0" algn="l">
+              <a:lnSpc>
+                <a:spcPct val="150000"/>
+              </a:lnSpc>
+              <a:spcBef>
+                <a:spcPts val="1000"/>
+              </a:spcBef>
+              <a:spcAft>
+                <a:spcPts val="0"/>
+              </a:spcAft>
+              <a:buClr>
+                <a:schemeClr val="dk1"/>
+              </a:buClr>
+              <a:buSzPts val="2400"/>
+              <a:buChar char="•"/>
+            </a:pPr>
+            <a:r>
+              <a:rPr b="1" i="1" lang="en-US" sz="2400"/>
+              <a:t>This can be taken care separately in an Aspect, making our code more clean and concise.</a:t>
+            </a:r>
+            <a:endParaRPr/>
+          </a:p>
+          <a:p>
+            <a:pPr indent="-76200" lvl="0" marL="228600" rtl="0" algn="l">
+              <a:lnSpc>
+                <a:spcPct val="150000"/>
+              </a:lnSpc>
+              <a:spcBef>
+                <a:spcPts val="1000"/>
+              </a:spcBef>
+              <a:spcAft>
+                <a:spcPts val="0"/>
+              </a:spcAft>
+              <a:buClr>
+                <a:schemeClr val="dk1"/>
+              </a:buClr>
+              <a:buSzPts val="2400"/>
+              <a:buNone/>
+            </a:pPr>
+            <a:r>
+              <a:t/>
+            </a:r>
+            <a:endParaRPr b="1" i="1" sz="2400"/>
           </a:p>
         </p:txBody>
       </p:sp>
       <p:pic>
         <p:nvPicPr>
-          <p:cNvPr descr="Image result for GoF book" id="299" name="Google Shape;299;p44"/>
+          <p:cNvPr id="300" name="Google Shape;300;p45"/>
           <p:cNvPicPr preferRelativeResize="0"/>
           <p:nvPr/>
         </p:nvPicPr>
@@ -21319,13 +21384,13 @@
           <a:blip r:embed="rId3">
             <a:alphaModFix/>
           </a:blip>
-          <a:srcRect b="0" l="0" r="0" t="0"/>
+          <a:srcRect b="5536" l="4415" r="3667" t="0"/>
           <a:stretch/>
         </p:blipFill>
         <p:spPr>
           <a:xfrm>
-            <a:off x="2021748" y="1845577"/>
-            <a:ext cx="6356114" cy="4767085"/>
+            <a:off x="5658394" y="4681533"/>
+            <a:ext cx="5899951" cy="1989233"/>
           </a:xfrm>
           <a:prstGeom prst="rect">
             <a:avLst/>
@@ -21336,59 +21401,6 @@
           </a:ln>
         </p:spPr>
       </p:pic>
-      <p:sp>
-        <p:nvSpPr>
-          <p:cNvPr id="300" name="Google Shape;300;p44"/>
-          <p:cNvSpPr/>
-          <p:nvPr/>
-        </p:nvSpPr>
-        <p:spPr>
-          <a:xfrm>
-            <a:off x="310752" y="1158097"/>
-            <a:ext cx="11570496" cy="507831"/>
-          </a:xfrm>
-          <a:prstGeom prst="rect">
-            <a:avLst/>
-          </a:prstGeom>
-          <a:noFill/>
-          <a:ln>
-            <a:noFill/>
-          </a:ln>
-        </p:spPr>
-        <p:txBody>
-          <a:bodyPr anchorCtr="0" anchor="t" bIns="45700" lIns="91425" spcFirstLastPara="1" rIns="91425" wrap="square" tIns="45700">
-            <a:noAutofit/>
-          </a:bodyPr>
-          <a:lstStyle/>
-          <a:p>
-            <a:pPr indent="0" lvl="0" marL="0" marR="0" rtl="0" algn="l">
-              <a:lnSpc>
-                <a:spcPct val="150000"/>
-              </a:lnSpc>
-              <a:spcBef>
-                <a:spcPts val="0"/>
-              </a:spcBef>
-              <a:spcAft>
-                <a:spcPts val="0"/>
-              </a:spcAft>
-              <a:buNone/>
-            </a:pPr>
-            <a:r>
-              <a:rPr b="1" i="0" lang="en-US" sz="1800" u="none" cap="none" strike="noStrike">
-                <a:solidFill>
-                  <a:schemeClr val="dk1"/>
-                </a:solidFill>
-                <a:latin typeface="Calibri"/>
-                <a:ea typeface="Calibri"/>
-                <a:cs typeface="Calibri"/>
-                <a:sym typeface="Calibri"/>
-              </a:rPr>
-              <a:t>Implementing Factory and Singleton design patterns using Aspects which improves code reusability and composability.</a:t>
-            </a:r>
-            <a:endParaRPr/>
-          </a:p>
-        </p:txBody>
-      </p:sp>
     </p:spTree>
   </p:cSld>
   <p:clrMapOvr>
@@ -21397,7 +21409,7 @@
 </p:sld>
 </file>
 
-<file path=ppt/slides/slide33.xml><?xml version="1.0" encoding="utf-8"?>
+<file path=ppt/slides/slide34.xml><?xml version="1.0" encoding="utf-8"?>
 <p:sld xmlns:a="http://schemas.openxmlformats.org/drawingml/2006/main" xmlns:r="http://schemas.openxmlformats.org/officeDocument/2006/relationships" xmlns:mc="http://schemas.openxmlformats.org/markup-compatibility/2006" xmlns:mv="urn:schemas-microsoft-com:mac:vml" xmlns:p="http://schemas.openxmlformats.org/presentationml/2006/main" xmlns:c="http://schemas.openxmlformats.org/drawingml/2006/chart" xmlns:dgm="http://schemas.openxmlformats.org/drawingml/2006/diagram" xmlns:o="urn:schemas-microsoft-com:office:office" xmlns:v="urn:schemas-microsoft-com:vml" xmlns:pvml="urn:schemas-microsoft-com:office:powerpoint" xmlns:com="http://schemas.openxmlformats.org/drawingml/2006/compatibility" xmlns:p14="http://schemas.microsoft.com/office/powerpoint/2010/main" xmlns:p15="http://schemas.microsoft.com/office/powerpoint/2012/main">
   <p:cSld>
     <p:spTree>
@@ -21416,7 +21428,7 @@
       </p:grpSpPr>
       <p:sp>
         <p:nvSpPr>
-          <p:cNvPr id="305" name="Google Shape;305;p45"/>
+          <p:cNvPr id="305" name="Google Shape;305;p46"/>
           <p:cNvSpPr txBox="1"/>
           <p:nvPr>
             <p:ph type="title"/>
@@ -21424,7 +21436,7 @@
         </p:nvSpPr>
         <p:spPr>
           <a:xfrm>
-            <a:off x="333482" y="80621"/>
+            <a:off x="400594" y="86450"/>
             <a:ext cx="10515600" cy="1325563"/>
           </a:xfrm>
           <a:prstGeom prst="rect">
@@ -21465,7 +21477,176 @@
                 <a:cs typeface="Calibri"/>
                 <a:sym typeface="Calibri"/>
               </a:rPr>
-              <a:t>Design Patterns Aspect</a:t>
+              <a:t>ExceptionTranslatorAspect</a:t>
+            </a:r>
+            <a:endParaRPr b="1">
+              <a:latin typeface="Calibri"/>
+              <a:ea typeface="Calibri"/>
+              <a:cs typeface="Calibri"/>
+              <a:sym typeface="Calibri"/>
+            </a:endParaRPr>
+          </a:p>
+        </p:txBody>
+      </p:sp>
+      <p:sp>
+        <p:nvSpPr>
+          <p:cNvPr id="306" name="Google Shape;306;p46"/>
+          <p:cNvSpPr txBox="1"/>
+          <p:nvPr>
+            <p:ph idx="1" type="body"/>
+          </p:nvPr>
+        </p:nvSpPr>
+        <p:spPr>
+          <a:xfrm>
+            <a:off x="125835" y="1116419"/>
+            <a:ext cx="7407479" cy="5554347"/>
+          </a:xfrm>
+          <a:prstGeom prst="rect">
+            <a:avLst/>
+          </a:prstGeom>
+          <a:noFill/>
+          <a:ln>
+            <a:noFill/>
+          </a:ln>
+        </p:spPr>
+        <p:txBody>
+          <a:bodyPr anchorCtr="0" anchor="t" bIns="45700" lIns="91425" spcFirstLastPara="1" rIns="91425" wrap="square" tIns="45700">
+            <a:noAutofit/>
+          </a:bodyPr>
+          <a:lstStyle/>
+          <a:p>
+            <a:pPr indent="-228600" lvl="0" marL="228600" rtl="0" algn="l">
+              <a:lnSpc>
+                <a:spcPct val="150000"/>
+              </a:lnSpc>
+              <a:spcBef>
+                <a:spcPts val="0"/>
+              </a:spcBef>
+              <a:spcAft>
+                <a:spcPts val="0"/>
+              </a:spcAft>
+              <a:buClr>
+                <a:srgbClr val="FF0000"/>
+              </a:buClr>
+              <a:buSzPts val="2400"/>
+              <a:buChar char="•"/>
+            </a:pPr>
+            <a:r>
+              <a:rPr b="1" lang="en-US" sz="2400">
+                <a:solidFill>
+                  <a:srgbClr val="FF0000"/>
+                </a:solidFill>
+              </a:rPr>
+              <a:t>Concern:</a:t>
+            </a:r>
+            <a:r>
+              <a:rPr b="1" lang="en-US" sz="2400"/>
+              <a:t> noted above.</a:t>
+            </a:r>
+            <a:endParaRPr b="1" sz="2400">
+              <a:solidFill>
+                <a:srgbClr val="FF0000"/>
+              </a:solidFill>
+            </a:endParaRPr>
+          </a:p>
+          <a:p>
+            <a:pPr indent="-228600" lvl="0" marL="228600" rtl="0" algn="l">
+              <a:lnSpc>
+                <a:spcPct val="150000"/>
+              </a:lnSpc>
+              <a:spcBef>
+                <a:spcPts val="1000"/>
+              </a:spcBef>
+              <a:spcAft>
+                <a:spcPts val="0"/>
+              </a:spcAft>
+              <a:buClr>
+                <a:srgbClr val="FF0000"/>
+              </a:buClr>
+              <a:buSzPts val="2400"/>
+              <a:buChar char="•"/>
+            </a:pPr>
+            <a:r>
+              <a:rPr b="1" i="1" lang="en-US" sz="2400">
+                <a:solidFill>
+                  <a:srgbClr val="FF0000"/>
+                </a:solidFill>
+              </a:rPr>
+              <a:t>Pointcut: </a:t>
+            </a:r>
+            <a:r>
+              <a:rPr b="1" i="1" lang="en-US" sz="2400"/>
+              <a:t>a KeyboardException is thrown  (ESC is pressed)</a:t>
+            </a:r>
+            <a:endParaRPr/>
+          </a:p>
+          <a:p>
+            <a:pPr indent="-228600" lvl="0" marL="228600" rtl="0" algn="l">
+              <a:lnSpc>
+                <a:spcPct val="150000"/>
+              </a:lnSpc>
+              <a:spcBef>
+                <a:spcPts val="1000"/>
+              </a:spcBef>
+              <a:spcAft>
+                <a:spcPts val="0"/>
+              </a:spcAft>
+              <a:buClr>
+                <a:srgbClr val="FF0000"/>
+              </a:buClr>
+              <a:buSzPts val="2400"/>
+              <a:buChar char="•"/>
+            </a:pPr>
+            <a:r>
+              <a:rPr b="1" i="1" lang="en-US" sz="2400">
+                <a:solidFill>
+                  <a:srgbClr val="FF0000"/>
+                </a:solidFill>
+              </a:rPr>
+              <a:t>Advice: </a:t>
+            </a:r>
+            <a:r>
+              <a:rPr b="1" i="1" lang="en-US" sz="2400"/>
+              <a:t>Translate 3</a:t>
+            </a:r>
+            <a:r>
+              <a:rPr b="1" baseline="30000" i="1" lang="en-US" sz="2400"/>
+              <a:t>rd</a:t>
+            </a:r>
+            <a:r>
+              <a:rPr b="1" i="1" lang="en-US" sz="2400"/>
+              <a:t> party thrown exception into our application exception.</a:t>
+            </a:r>
+            <a:endParaRPr/>
+          </a:p>
+          <a:p>
+            <a:pPr indent="-228600" lvl="0" marL="228600" rtl="0" algn="l">
+              <a:lnSpc>
+                <a:spcPct val="150000"/>
+              </a:lnSpc>
+              <a:spcBef>
+                <a:spcPts val="1000"/>
+              </a:spcBef>
+              <a:spcAft>
+                <a:spcPts val="0"/>
+              </a:spcAft>
+              <a:buClr>
+                <a:srgbClr val="FF0000"/>
+              </a:buClr>
+              <a:buSzPts val="2400"/>
+              <a:buChar char="•"/>
+            </a:pPr>
+            <a:r>
+              <a:rPr b="1" i="1" lang="en-US" sz="2400">
+                <a:solidFill>
+                  <a:srgbClr val="FF0000"/>
+                </a:solidFill>
+              </a:rPr>
+              <a:t>ProceedingJointPoint</a:t>
+            </a:r>
+            <a:r>
+              <a:rPr b="1" i="1" lang="en-US" sz="2400"/>
+              <a:t>: an around advice is a special advice that can control when and if a method (or other join point) is executed. so they require an argument of type PJP, whereas other advices just use JP.</a:t>
             </a:r>
             <a:endParaRPr/>
           </a:p>
@@ -21473,7 +21654,7 @@
       </p:sp>
       <p:pic>
         <p:nvPicPr>
-          <p:cNvPr id="306" name="Google Shape;306;p45"/>
+          <p:cNvPr id="307" name="Google Shape;307;p46"/>
           <p:cNvPicPr preferRelativeResize="0"/>
           <p:nvPr/>
         </p:nvPicPr>
@@ -21481,13 +21662,40 @@
           <a:blip r:embed="rId3">
             <a:alphaModFix/>
           </a:blip>
-          <a:srcRect b="0" l="0" r="0" t="0"/>
+          <a:srcRect b="0" l="4202" r="4131" t="0"/>
           <a:stretch/>
         </p:blipFill>
         <p:spPr>
           <a:xfrm>
-            <a:off x="2835479" y="1113176"/>
-            <a:ext cx="5935898" cy="5532757"/>
+            <a:off x="7357145" y="868914"/>
+            <a:ext cx="4530056" cy="2285345"/>
+          </a:xfrm>
+          <a:prstGeom prst="rect">
+            <a:avLst/>
+          </a:prstGeom>
+          <a:noFill/>
+          <a:ln>
+            <a:noFill/>
+          </a:ln>
+        </p:spPr>
+      </p:pic>
+      <p:pic>
+        <p:nvPicPr>
+          <p:cNvPr id="308" name="Google Shape;308;p46"/>
+          <p:cNvPicPr preferRelativeResize="0"/>
+          <p:nvPr/>
+        </p:nvPicPr>
+        <p:blipFill rotWithShape="1">
+          <a:blip r:embed="rId4">
+            <a:alphaModFix/>
+          </a:blip>
+          <a:srcRect b="0" l="5305" r="0" t="0"/>
+          <a:stretch/>
+        </p:blipFill>
+        <p:spPr>
+          <a:xfrm>
+            <a:off x="7222921" y="3566964"/>
+            <a:ext cx="4775588" cy="1352372"/>
           </a:xfrm>
           <a:prstGeom prst="rect">
             <a:avLst/>
@@ -21506,12 +21714,12 @@
 </p:sld>
 </file>
 
-<file path=ppt/slides/slide34.xml><?xml version="1.0" encoding="utf-8"?>
+<file path=ppt/slides/slide35.xml><?xml version="1.0" encoding="utf-8"?>
 <p:sld xmlns:a="http://schemas.openxmlformats.org/drawingml/2006/main" xmlns:r="http://schemas.openxmlformats.org/officeDocument/2006/relationships" xmlns:mc="http://schemas.openxmlformats.org/markup-compatibility/2006" xmlns:mv="urn:schemas-microsoft-com:mac:vml" xmlns:p="http://schemas.openxmlformats.org/presentationml/2006/main" xmlns:c="http://schemas.openxmlformats.org/drawingml/2006/chart" xmlns:dgm="http://schemas.openxmlformats.org/drawingml/2006/diagram" xmlns:o="urn:schemas-microsoft-com:office:office" xmlns:v="urn:schemas-microsoft-com:vml" xmlns:pvml="urn:schemas-microsoft-com:office:powerpoint" xmlns:com="http://schemas.openxmlformats.org/drawingml/2006/compatibility" xmlns:p14="http://schemas.microsoft.com/office/powerpoint/2010/main" xmlns:p15="http://schemas.microsoft.com/office/powerpoint/2012/main">
   <p:cSld>
     <p:spTree>
       <p:nvGrpSpPr>
-        <p:cNvPr id="310" name="Shape 310"/>
+        <p:cNvPr id="312" name="Shape 312"/>
         <p:cNvGrpSpPr/>
         <p:nvPr/>
       </p:nvGrpSpPr>
@@ -21525,7 +21733,7 @@
       </p:grpSpPr>
       <p:sp>
         <p:nvSpPr>
-          <p:cNvPr id="311" name="Google Shape;311;p46"/>
+          <p:cNvPr id="313" name="Google Shape;313;p47"/>
           <p:cNvSpPr txBox="1"/>
           <p:nvPr>
             <p:ph type="title"/>
@@ -21533,7 +21741,7 @@
         </p:nvSpPr>
         <p:spPr>
           <a:xfrm>
-            <a:off x="333482" y="80621"/>
+            <a:off x="400594" y="86450"/>
             <a:ext cx="10515600" cy="1325563"/>
           </a:xfrm>
           <a:prstGeom prst="rect">
@@ -21582,7 +21790,7 @@
       </p:sp>
       <p:pic>
         <p:nvPicPr>
-          <p:cNvPr id="312" name="Google Shape;312;p46"/>
+          <p:cNvPr descr="Image result for GoF book" id="314" name="Google Shape;314;p47"/>
           <p:cNvPicPr preferRelativeResize="0"/>
           <p:nvPr/>
         </p:nvPicPr>
@@ -21590,13 +21798,13 @@
           <a:blip r:embed="rId3">
             <a:alphaModFix/>
           </a:blip>
-          <a:srcRect b="0" l="5169" r="5717" t="3663"/>
+          <a:srcRect b="0" l="0" r="0" t="0"/>
           <a:stretch/>
         </p:blipFill>
         <p:spPr>
           <a:xfrm>
-            <a:off x="2810312" y="1015067"/>
-            <a:ext cx="6014906" cy="5762311"/>
+            <a:off x="2021748" y="1845577"/>
+            <a:ext cx="6356114" cy="4767085"/>
           </a:xfrm>
           <a:prstGeom prst="rect">
             <a:avLst/>
@@ -21607,58 +21815,59 @@
           </a:ln>
         </p:spPr>
       </p:pic>
-      <p:cxnSp>
-        <p:nvCxnSpPr>
-          <p:cNvPr id="313" name="Google Shape;313;p46"/>
-          <p:cNvCxnSpPr/>
+      <p:sp>
+        <p:nvSpPr>
+          <p:cNvPr id="315" name="Google Shape;315;p47"/>
+          <p:cNvSpPr/>
           <p:nvPr/>
-        </p:nvCxnSpPr>
-        <p:spPr>
-          <a:xfrm flipH="1" rot="10800000">
-            <a:off x="1711354" y="6126889"/>
-            <a:ext cx="1057013" cy="360727"/>
-          </a:xfrm>
-          <a:prstGeom prst="straightConnector1">
+        </p:nvSpPr>
+        <p:spPr>
+          <a:xfrm>
+            <a:off x="310752" y="1158097"/>
+            <a:ext cx="11570496" cy="507831"/>
+          </a:xfrm>
+          <a:prstGeom prst="rect">
             <a:avLst/>
           </a:prstGeom>
           <a:noFill/>
-          <a:ln cap="flat" cmpd="sng" w="19050">
-            <a:solidFill>
-              <a:schemeClr val="dk1"/>
-            </a:solidFill>
-            <a:prstDash val="solid"/>
-            <a:miter lim="800000"/>
-            <a:headEnd len="sm" w="sm" type="none"/>
-            <a:tailEnd len="med" w="med" type="triangle"/>
+          <a:ln>
+            <a:noFill/>
           </a:ln>
         </p:spPr>
-      </p:cxnSp>
-      <p:cxnSp>
-        <p:nvCxnSpPr>
-          <p:cNvPr id="314" name="Google Shape;314;p46"/>
-          <p:cNvCxnSpPr/>
-          <p:nvPr/>
-        </p:nvCxnSpPr>
-        <p:spPr>
-          <a:xfrm flipH="1" rot="10800000">
-            <a:off x="1325461" y="2646607"/>
-            <a:ext cx="1400961" cy="511728"/>
-          </a:xfrm>
-          <a:prstGeom prst="straightConnector1">
-            <a:avLst/>
-          </a:prstGeom>
-          <a:noFill/>
-          <a:ln cap="flat" cmpd="sng" w="19050">
-            <a:solidFill>
-              <a:schemeClr val="dk1"/>
-            </a:solidFill>
-            <a:prstDash val="solid"/>
-            <a:miter lim="800000"/>
-            <a:headEnd len="sm" w="sm" type="none"/>
-            <a:tailEnd len="med" w="med" type="triangle"/>
-          </a:ln>
-        </p:spPr>
-      </p:cxnSp>
+        <p:txBody>
+          <a:bodyPr anchorCtr="0" anchor="t" bIns="45700" lIns="91425" spcFirstLastPara="1" rIns="91425" wrap="square" tIns="45700">
+            <a:noAutofit/>
+          </a:bodyPr>
+          <a:lstStyle/>
+          <a:p>
+            <a:pPr indent="0" lvl="0" marL="0" marR="0" rtl="0" algn="l">
+              <a:lnSpc>
+                <a:spcPct val="150000"/>
+              </a:lnSpc>
+              <a:spcBef>
+                <a:spcPts val="0"/>
+              </a:spcBef>
+              <a:spcAft>
+                <a:spcPts val="0"/>
+              </a:spcAft>
+              <a:buNone/>
+            </a:pPr>
+            <a:r>
+              <a:rPr b="1" i="0" lang="en-US" sz="1800" u="none" cap="none" strike="noStrike">
+                <a:solidFill>
+                  <a:schemeClr val="dk1"/>
+                </a:solidFill>
+                <a:latin typeface="Calibri"/>
+                <a:ea typeface="Calibri"/>
+                <a:cs typeface="Calibri"/>
+                <a:sym typeface="Calibri"/>
+              </a:rPr>
+              <a:t>Implementing Factory and Singleton design patterns using Aspects which improves code reusability and composability.</a:t>
+            </a:r>
+            <a:endParaRPr/>
+          </a:p>
+        </p:txBody>
+      </p:sp>
     </p:spTree>
   </p:cSld>
   <p:clrMapOvr>
@@ -21667,12 +21876,12 @@
 </p:sld>
 </file>
 
-<file path=ppt/slides/slide35.xml><?xml version="1.0" encoding="utf-8"?>
+<file path=ppt/slides/slide36.xml><?xml version="1.0" encoding="utf-8"?>
 <p:sld xmlns:a="http://schemas.openxmlformats.org/drawingml/2006/main" xmlns:r="http://schemas.openxmlformats.org/officeDocument/2006/relationships" xmlns:mc="http://schemas.openxmlformats.org/markup-compatibility/2006" xmlns:mv="urn:schemas-microsoft-com:mac:vml" xmlns:p="http://schemas.openxmlformats.org/presentationml/2006/main" xmlns:c="http://schemas.openxmlformats.org/drawingml/2006/chart" xmlns:dgm="http://schemas.openxmlformats.org/drawingml/2006/diagram" xmlns:o="urn:schemas-microsoft-com:office:office" xmlns:v="urn:schemas-microsoft-com:vml" xmlns:pvml="urn:schemas-microsoft-com:office:powerpoint" xmlns:com="http://schemas.openxmlformats.org/drawingml/2006/compatibility" xmlns:p14="http://schemas.microsoft.com/office/powerpoint/2010/main" xmlns:p15="http://schemas.microsoft.com/office/powerpoint/2012/main">
   <p:cSld>
     <p:spTree>
       <p:nvGrpSpPr>
-        <p:cNvPr id="318" name="Shape 318"/>
+        <p:cNvPr id="319" name="Shape 319"/>
         <p:cNvGrpSpPr/>
         <p:nvPr/>
       </p:nvGrpSpPr>
@@ -21686,7 +21895,7 @@
       </p:grpSpPr>
       <p:sp>
         <p:nvSpPr>
-          <p:cNvPr id="319" name="Google Shape;319;p47"/>
+          <p:cNvPr id="320" name="Google Shape;320;p48"/>
           <p:cNvSpPr txBox="1"/>
           <p:nvPr>
             <p:ph type="title"/>
@@ -21743,7 +21952,7 @@
       </p:sp>
       <p:pic>
         <p:nvPicPr>
-          <p:cNvPr descr="Related image" id="320" name="Google Shape;320;p47"/>
+          <p:cNvPr id="321" name="Google Shape;321;p48"/>
           <p:cNvPicPr preferRelativeResize="0"/>
           <p:nvPr/>
         </p:nvPicPr>
@@ -21756,8 +21965,8 @@
         </p:blipFill>
         <p:spPr>
           <a:xfrm>
-            <a:off x="4840449" y="2504741"/>
-            <a:ext cx="6544920" cy="3512219"/>
+            <a:off x="2835479" y="1113176"/>
+            <a:ext cx="5935898" cy="5532757"/>
           </a:xfrm>
           <a:prstGeom prst="rect">
             <a:avLst/>
@@ -21768,64 +21977,6 @@
           </a:ln>
         </p:spPr>
       </p:pic>
-      <p:sp>
-        <p:nvSpPr>
-          <p:cNvPr id="321" name="Google Shape;321;p47"/>
-          <p:cNvSpPr txBox="1"/>
-          <p:nvPr/>
-        </p:nvSpPr>
-        <p:spPr>
-          <a:xfrm>
-            <a:off x="7386526" y="1600761"/>
-            <a:ext cx="1807808" cy="709403"/>
-          </a:xfrm>
-          <a:prstGeom prst="rect">
-            <a:avLst/>
-          </a:prstGeom>
-          <a:noFill/>
-          <a:ln>
-            <a:noFill/>
-          </a:ln>
-        </p:spPr>
-        <p:txBody>
-          <a:bodyPr anchorCtr="0" anchor="ctr" bIns="45700" lIns="91425" spcFirstLastPara="1" rIns="91425" wrap="square" tIns="45700">
-            <a:noAutofit/>
-          </a:bodyPr>
-          <a:lstStyle/>
-          <a:p>
-            <a:pPr indent="0" lvl="0" marL="0" marR="0" rtl="0" algn="l">
-              <a:lnSpc>
-                <a:spcPct val="90000"/>
-              </a:lnSpc>
-              <a:spcBef>
-                <a:spcPts val="0"/>
-              </a:spcBef>
-              <a:spcAft>
-                <a:spcPts val="0"/>
-              </a:spcAft>
-              <a:buClr>
-                <a:schemeClr val="dk1"/>
-              </a:buClr>
-              <a:buSzPts val="3200"/>
-              <a:buFont typeface="Calibri"/>
-              <a:buNone/>
-            </a:pPr>
-            <a:r>
-              <a:rPr b="1" i="0" lang="en-US" sz="3200" u="none" cap="none" strike="noStrike">
-                <a:solidFill>
-                  <a:schemeClr val="dk1"/>
-                </a:solidFill>
-                <a:latin typeface="Calibri"/>
-                <a:ea typeface="Calibri"/>
-                <a:cs typeface="Calibri"/>
-                <a:sym typeface="Calibri"/>
-              </a:rPr>
-              <a:t>Singleton</a:t>
-            </a:r>
-            <a:endParaRPr/>
-          </a:p>
-        </p:txBody>
-      </p:sp>
     </p:spTree>
   </p:cSld>
   <p:clrMapOvr>
@@ -21834,7 +21985,7 @@
 </p:sld>
 </file>
 
-<file path=ppt/slides/slide36.xml><?xml version="1.0" encoding="utf-8"?>
+<file path=ppt/slides/slide37.xml><?xml version="1.0" encoding="utf-8"?>
 <p:sld xmlns:a="http://schemas.openxmlformats.org/drawingml/2006/main" xmlns:r="http://schemas.openxmlformats.org/officeDocument/2006/relationships" xmlns:mc="http://schemas.openxmlformats.org/markup-compatibility/2006" xmlns:mv="urn:schemas-microsoft-com:mac:vml" xmlns:p="http://schemas.openxmlformats.org/presentationml/2006/main" xmlns:c="http://schemas.openxmlformats.org/drawingml/2006/chart" xmlns:dgm="http://schemas.openxmlformats.org/drawingml/2006/diagram" xmlns:o="urn:schemas-microsoft-com:office:office" xmlns:v="urn:schemas-microsoft-com:vml" xmlns:pvml="urn:schemas-microsoft-com:office:powerpoint" xmlns:com="http://schemas.openxmlformats.org/drawingml/2006/compatibility" xmlns:p14="http://schemas.microsoft.com/office/powerpoint/2010/main" xmlns:p15="http://schemas.microsoft.com/office/powerpoint/2012/main">
   <p:cSld>
     <p:spTree>
@@ -21853,7 +22004,7 @@
       </p:grpSpPr>
       <p:sp>
         <p:nvSpPr>
-          <p:cNvPr id="326" name="Google Shape;326;p48"/>
+          <p:cNvPr id="326" name="Google Shape;326;p49"/>
           <p:cNvSpPr txBox="1"/>
           <p:nvPr>
             <p:ph type="title"/>
@@ -21861,7 +22012,7 @@
         </p:nvSpPr>
         <p:spPr>
           <a:xfrm>
-            <a:off x="400594" y="86450"/>
+            <a:off x="333482" y="80621"/>
             <a:ext cx="10515600" cy="1325563"/>
           </a:xfrm>
           <a:prstGeom prst="rect">
@@ -21902,24 +22053,29 @@
                 <a:cs typeface="Calibri"/>
                 <a:sym typeface="Calibri"/>
               </a:rPr>
-              <a:t>Singleton, the concern.</a:t>
+              <a:t>Design Patterns Aspect</a:t>
             </a:r>
             <a:endParaRPr/>
           </a:p>
         </p:txBody>
       </p:sp>
-      <p:sp>
-        <p:nvSpPr>
-          <p:cNvPr id="327" name="Google Shape;327;p48"/>
-          <p:cNvSpPr txBox="1"/>
-          <p:nvPr>
-            <p:ph idx="1" type="body"/>
-          </p:nvPr>
-        </p:nvSpPr>
-        <p:spPr>
-          <a:xfrm>
-            <a:off x="125834" y="1116420"/>
-            <a:ext cx="11098635" cy="2683794"/>
+      <p:pic>
+        <p:nvPicPr>
+          <p:cNvPr id="327" name="Google Shape;327;p49"/>
+          <p:cNvPicPr preferRelativeResize="0"/>
+          <p:nvPr/>
+        </p:nvPicPr>
+        <p:blipFill rotWithShape="1">
+          <a:blip r:embed="rId3">
+            <a:alphaModFix/>
+          </a:blip>
+          <a:srcRect b="0" l="5169" r="5717" t="3663"/>
+          <a:stretch/>
+        </p:blipFill>
+        <p:spPr>
+          <a:xfrm>
+            <a:off x="2810312" y="1015067"/>
+            <a:ext cx="6014906" cy="5762311"/>
           </a:xfrm>
           <a:prstGeom prst="rect">
             <a:avLst/>
@@ -21929,99 +22085,59 @@
             <a:noFill/>
           </a:ln>
         </p:spPr>
-        <p:txBody>
-          <a:bodyPr anchorCtr="0" anchor="t" bIns="45700" lIns="91425" spcFirstLastPara="1" rIns="91425" wrap="square" tIns="45700">
-            <a:noAutofit/>
-          </a:bodyPr>
-          <a:lstStyle/>
-          <a:p>
-            <a:pPr indent="-228600" lvl="0" marL="228600" rtl="0" algn="l">
-              <a:lnSpc>
-                <a:spcPct val="150000"/>
-              </a:lnSpc>
-              <a:spcBef>
-                <a:spcPts val="0"/>
-              </a:spcBef>
-              <a:spcAft>
-                <a:spcPts val="0"/>
-              </a:spcAft>
-              <a:buClr>
-                <a:schemeClr val="dk1"/>
-              </a:buClr>
-              <a:buSzPts val="2400"/>
-              <a:buChar char="•"/>
-            </a:pPr>
-            <a:r>
-              <a:rPr b="1" lang="en-US" sz="2400"/>
-              <a:t>Normal OOP style of singleton will consist of writing this code in each of our Singleton instance. In our program – this can be relate to SpaceShipFactory. We can </a:t>
-            </a:r>
-            <a:r>
-              <a:rPr b="1" lang="en-US" sz="2400">
-                <a:solidFill>
-                  <a:srgbClr val="FF0000"/>
-                </a:solidFill>
-              </a:rPr>
-              <a:t>have many singletons </a:t>
-            </a:r>
-            <a:r>
-              <a:rPr b="1" lang="en-US" sz="2400"/>
-              <a:t>in our codebase! Adding this code each time is </a:t>
-            </a:r>
-            <a:r>
-              <a:rPr b="1" lang="en-US" sz="2400">
-                <a:solidFill>
-                  <a:srgbClr val="FF0000"/>
-                </a:solidFill>
-              </a:rPr>
-              <a:t>tangling</a:t>
-            </a:r>
-            <a:r>
-              <a:rPr b="1" lang="en-US" sz="2400"/>
-              <a:t> the class and will be </a:t>
-            </a:r>
-            <a:r>
-              <a:rPr b="1" lang="en-US" sz="2400">
-                <a:solidFill>
-                  <a:srgbClr val="FF0000"/>
-                </a:solidFill>
-              </a:rPr>
-              <a:t>scattered</a:t>
-            </a:r>
-            <a:r>
-              <a:rPr b="1" lang="en-US" sz="2400"/>
-              <a:t> all over our application.</a:t>
-            </a:r>
-            <a:endParaRPr b="1" i="1" sz="2400"/>
-          </a:p>
-        </p:txBody>
-      </p:sp>
-      <p:pic>
-        <p:nvPicPr>
-          <p:cNvPr id="328" name="Google Shape;328;p48"/>
-          <p:cNvPicPr preferRelativeResize="0"/>
+      </p:pic>
+      <p:cxnSp>
+        <p:nvCxnSpPr>
+          <p:cNvPr id="328" name="Google Shape;328;p49"/>
+          <p:cNvCxnSpPr/>
           <p:nvPr/>
-        </p:nvPicPr>
-        <p:blipFill rotWithShape="1">
-          <a:blip r:embed="rId3">
-            <a:alphaModFix/>
-          </a:blip>
-          <a:srcRect b="0" l="0" r="0" t="0"/>
-          <a:stretch/>
-        </p:blipFill>
-        <p:spPr>
-          <a:xfrm>
-            <a:off x="3077119" y="4017555"/>
-            <a:ext cx="5162550" cy="1724025"/>
-          </a:xfrm>
-          <a:prstGeom prst="rect">
+        </p:nvCxnSpPr>
+        <p:spPr>
+          <a:xfrm flipH="1" rot="10800000">
+            <a:off x="1711354" y="6126889"/>
+            <a:ext cx="1057013" cy="360727"/>
+          </a:xfrm>
+          <a:prstGeom prst="straightConnector1">
             <a:avLst/>
           </a:prstGeom>
           <a:noFill/>
-          <a:ln>
-            <a:noFill/>
+          <a:ln cap="flat" cmpd="sng" w="19050">
+            <a:solidFill>
+              <a:schemeClr val="dk1"/>
+            </a:solidFill>
+            <a:prstDash val="solid"/>
+            <a:miter lim="800000"/>
+            <a:headEnd len="sm" w="sm" type="none"/>
+            <a:tailEnd len="med" w="med" type="triangle"/>
           </a:ln>
         </p:spPr>
-      </p:pic>
+      </p:cxnSp>
+      <p:cxnSp>
+        <p:nvCxnSpPr>
+          <p:cNvPr id="329" name="Google Shape;329;p49"/>
+          <p:cNvCxnSpPr/>
+          <p:nvPr/>
+        </p:nvCxnSpPr>
+        <p:spPr>
+          <a:xfrm flipH="1" rot="10800000">
+            <a:off x="1325461" y="2646607"/>
+            <a:ext cx="1400961" cy="511728"/>
+          </a:xfrm>
+          <a:prstGeom prst="straightConnector1">
+            <a:avLst/>
+          </a:prstGeom>
+          <a:noFill/>
+          <a:ln cap="flat" cmpd="sng" w="19050">
+            <a:solidFill>
+              <a:schemeClr val="dk1"/>
+            </a:solidFill>
+            <a:prstDash val="solid"/>
+            <a:miter lim="800000"/>
+            <a:headEnd len="sm" w="sm" type="none"/>
+            <a:tailEnd len="med" w="med" type="triangle"/>
+          </a:ln>
+        </p:spPr>
+      </p:cxnSp>
     </p:spTree>
   </p:cSld>
   <p:clrMapOvr>
@@ -22030,12 +22146,12 @@
 </p:sld>
 </file>
 
-<file path=ppt/slides/slide37.xml><?xml version="1.0" encoding="utf-8"?>
+<file path=ppt/slides/slide38.xml><?xml version="1.0" encoding="utf-8"?>
 <p:sld xmlns:a="http://schemas.openxmlformats.org/drawingml/2006/main" xmlns:r="http://schemas.openxmlformats.org/officeDocument/2006/relationships" xmlns:mc="http://schemas.openxmlformats.org/markup-compatibility/2006" xmlns:mv="urn:schemas-microsoft-com:mac:vml" xmlns:p="http://schemas.openxmlformats.org/presentationml/2006/main" xmlns:c="http://schemas.openxmlformats.org/drawingml/2006/chart" xmlns:dgm="http://schemas.openxmlformats.org/drawingml/2006/diagram" xmlns:o="urn:schemas-microsoft-com:office:office" xmlns:v="urn:schemas-microsoft-com:vml" xmlns:pvml="urn:schemas-microsoft-com:office:powerpoint" xmlns:com="http://schemas.openxmlformats.org/drawingml/2006/compatibility" xmlns:p14="http://schemas.microsoft.com/office/powerpoint/2010/main" xmlns:p15="http://schemas.microsoft.com/office/powerpoint/2012/main">
   <p:cSld>
     <p:spTree>
       <p:nvGrpSpPr>
-        <p:cNvPr id="332" name="Shape 332"/>
+        <p:cNvPr id="333" name="Shape 333"/>
         <p:cNvGrpSpPr/>
         <p:nvPr/>
       </p:nvGrpSpPr>
@@ -22049,7 +22165,7 @@
       </p:grpSpPr>
       <p:sp>
         <p:nvSpPr>
-          <p:cNvPr id="333" name="Google Shape;333;p49"/>
+          <p:cNvPr id="334" name="Google Shape;334;p50"/>
           <p:cNvSpPr txBox="1"/>
           <p:nvPr>
             <p:ph type="title"/>
@@ -22057,7 +22173,7 @@
         </p:nvSpPr>
         <p:spPr>
           <a:xfrm>
-            <a:off x="400594" y="86450"/>
+            <a:off x="333482" y="80621"/>
             <a:ext cx="10515600" cy="1325563"/>
           </a:xfrm>
           <a:prstGeom prst="rect">
@@ -22098,24 +22214,29 @@
                 <a:cs typeface="Calibri"/>
                 <a:sym typeface="Calibri"/>
               </a:rPr>
-              <a:t>Design Pattern Aspect - Singleton</a:t>
+              <a:t>Design Patterns Aspect</a:t>
             </a:r>
             <a:endParaRPr/>
           </a:p>
         </p:txBody>
       </p:sp>
-      <p:sp>
-        <p:nvSpPr>
-          <p:cNvPr id="334" name="Google Shape;334;p49"/>
-          <p:cNvSpPr txBox="1"/>
-          <p:nvPr>
-            <p:ph idx="1" type="body"/>
-          </p:nvPr>
-        </p:nvSpPr>
-        <p:spPr>
-          <a:xfrm>
-            <a:off x="125835" y="1116419"/>
-            <a:ext cx="11434194" cy="3942142"/>
+      <p:pic>
+        <p:nvPicPr>
+          <p:cNvPr descr="Related image" id="335" name="Google Shape;335;p50"/>
+          <p:cNvPicPr preferRelativeResize="0"/>
+          <p:nvPr/>
+        </p:nvPicPr>
+        <p:blipFill rotWithShape="1">
+          <a:blip r:embed="rId3">
+            <a:alphaModFix/>
+          </a:blip>
+          <a:srcRect b="0" l="0" r="0" t="0"/>
+          <a:stretch/>
+        </p:blipFill>
+        <p:spPr>
+          <a:xfrm>
+            <a:off x="4840449" y="2504741"/>
+            <a:ext cx="6544920" cy="3512219"/>
           </a:xfrm>
           <a:prstGeom prst="rect">
             <a:avLst/>
@@ -22125,188 +22246,62 @@
             <a:noFill/>
           </a:ln>
         </p:spPr>
+      </p:pic>
+      <p:sp>
+        <p:nvSpPr>
+          <p:cNvPr id="336" name="Google Shape;336;p50"/>
+          <p:cNvSpPr txBox="1"/>
+          <p:nvPr/>
+        </p:nvSpPr>
+        <p:spPr>
+          <a:xfrm>
+            <a:off x="7386526" y="1600761"/>
+            <a:ext cx="1807808" cy="709403"/>
+          </a:xfrm>
+          <a:prstGeom prst="rect">
+            <a:avLst/>
+          </a:prstGeom>
+          <a:noFill/>
+          <a:ln>
+            <a:noFill/>
+          </a:ln>
+        </p:spPr>
         <p:txBody>
-          <a:bodyPr anchorCtr="0" anchor="t" bIns="45700" lIns="91425" spcFirstLastPara="1" rIns="91425" wrap="square" tIns="45700">
+          <a:bodyPr anchorCtr="0" anchor="ctr" bIns="45700" lIns="91425" spcFirstLastPara="1" rIns="91425" wrap="square" tIns="45700">
             <a:noAutofit/>
           </a:bodyPr>
           <a:lstStyle/>
           <a:p>
-            <a:pPr indent="-228600" lvl="0" marL="228600" rtl="0" algn="l">
-              <a:lnSpc>
-                <a:spcPct val="150000"/>
-              </a:lnSpc>
-              <a:spcBef>
-                <a:spcPts val="0"/>
-              </a:spcBef>
-              <a:spcAft>
-                <a:spcPts val="0"/>
-              </a:spcAft>
-              <a:buClr>
-                <a:srgbClr val="FF0000"/>
-              </a:buClr>
-              <a:buSzPts val="2400"/>
-              <a:buChar char="•"/>
+            <a:pPr indent="0" lvl="0" marL="0" marR="0" rtl="0" algn="l">
+              <a:lnSpc>
+                <a:spcPct val="90000"/>
+              </a:lnSpc>
+              <a:spcBef>
+                <a:spcPts val="0"/>
+              </a:spcBef>
+              <a:spcAft>
+                <a:spcPts val="0"/>
+              </a:spcAft>
+              <a:buClr>
+                <a:schemeClr val="dk1"/>
+              </a:buClr>
+              <a:buSzPts val="3200"/>
+              <a:buFont typeface="Calibri"/>
+              <a:buNone/>
             </a:pPr>
             <a:r>
-              <a:rPr b="1" lang="en-US" sz="2400">
+              <a:rPr b="1" i="0" lang="en-US" sz="3200" u="none" cap="none" strike="noStrike">
                 <a:solidFill>
-                  <a:srgbClr val="FF0000"/>
+                  <a:schemeClr val="dk1"/>
                 </a:solidFill>
+                <a:latin typeface="Calibri"/>
+                <a:ea typeface="Calibri"/>
+                <a:cs typeface="Calibri"/>
+                <a:sym typeface="Calibri"/>
               </a:rPr>
-              <a:t>Concern: </a:t>
-            </a:r>
-            <a:r>
-              <a:rPr b="1" lang="en-US" sz="2400"/>
-              <a:t>adding singleton implementation to each singleton class.</a:t>
-            </a:r>
-            <a:endParaRPr b="1" sz="2400">
-              <a:solidFill>
-                <a:srgbClr val="FF0000"/>
-              </a:solidFill>
-            </a:endParaRPr>
-          </a:p>
-          <a:p>
-            <a:pPr indent="-228600" lvl="0" marL="228600" rtl="0" algn="l">
-              <a:lnSpc>
-                <a:spcPct val="150000"/>
-              </a:lnSpc>
-              <a:spcBef>
-                <a:spcPts val="1000"/>
-              </a:spcBef>
-              <a:spcAft>
-                <a:spcPts val="0"/>
-              </a:spcAft>
-              <a:buClr>
-                <a:srgbClr val="FF0000"/>
-              </a:buClr>
-              <a:buSzPts val="2400"/>
-              <a:buChar char="•"/>
-            </a:pPr>
-            <a:r>
-              <a:rPr b="1" i="1" lang="en-US" sz="2400">
-                <a:solidFill>
-                  <a:srgbClr val="FF0000"/>
-                </a:solidFill>
-              </a:rPr>
-              <a:t>Pointcut:</a:t>
-            </a:r>
-            <a:r>
-              <a:rPr b="1" i="1" lang="en-US" sz="2400"/>
-              <a:t> creation of SpaceWars game instance (.new(..) (only 1x == </a:t>
-            </a:r>
-            <a:r>
-              <a:rPr b="1" i="1" lang="en-US" sz="2400">
-                <a:solidFill>
-                  <a:srgbClr val="FF0000"/>
-                </a:solidFill>
-              </a:rPr>
-              <a:t>singleton</a:t>
-            </a:r>
-            <a:r>
-              <a:rPr b="1" i="1" lang="en-US" sz="2400"/>
-              <a:t>))</a:t>
+              <a:t>Singleton</a:t>
             </a:r>
             <a:endParaRPr/>
-          </a:p>
-          <a:p>
-            <a:pPr indent="-228600" lvl="0" marL="228600" rtl="0" algn="l">
-              <a:lnSpc>
-                <a:spcPct val="150000"/>
-              </a:lnSpc>
-              <a:spcBef>
-                <a:spcPts val="1000"/>
-              </a:spcBef>
-              <a:spcAft>
-                <a:spcPts val="0"/>
-              </a:spcAft>
-              <a:buClr>
-                <a:srgbClr val="FF0000"/>
-              </a:buClr>
-              <a:buSzPts val="2400"/>
-              <a:buChar char="•"/>
-            </a:pPr>
-            <a:r>
-              <a:rPr b="1" i="1" lang="en-US" sz="2400">
-                <a:solidFill>
-                  <a:srgbClr val="FF0000"/>
-                </a:solidFill>
-              </a:rPr>
-              <a:t>Advice: </a:t>
-            </a:r>
-            <a:r>
-              <a:rPr b="1" lang="en-US" sz="2400"/>
-              <a:t>intercepts calls to </a:t>
-            </a:r>
-            <a:r>
-              <a:rPr b="1" lang="en-US" sz="2400">
-                <a:solidFill>
-                  <a:srgbClr val="FF0000"/>
-                </a:solidFill>
-              </a:rPr>
-              <a:t>the constructor of the singleton class</a:t>
-            </a:r>
-            <a:r>
-              <a:rPr b="1" lang="en-US" sz="2400"/>
-              <a:t> and instead of creating a new instance every time, return the instance that was created at the very fist call to the constructor.</a:t>
-            </a:r>
-            <a:endParaRPr/>
-          </a:p>
-          <a:p>
-            <a:pPr indent="-228600" lvl="0" marL="228600" rtl="0" algn="l">
-              <a:lnSpc>
-                <a:spcPct val="150000"/>
-              </a:lnSpc>
-              <a:spcBef>
-                <a:spcPts val="1000"/>
-              </a:spcBef>
-              <a:spcAft>
-                <a:spcPts val="0"/>
-              </a:spcAft>
-              <a:buClr>
-                <a:srgbClr val="FF0000"/>
-              </a:buClr>
-              <a:buSzPts val="2400"/>
-              <a:buChar char="•"/>
-            </a:pPr>
-            <a:r>
-              <a:rPr b="1" lang="en-US" sz="2400">
-                <a:solidFill>
-                  <a:srgbClr val="FF0000"/>
-                </a:solidFill>
-              </a:rPr>
-              <a:t>Result: </a:t>
-            </a:r>
-            <a:r>
-              <a:rPr b="1" lang="en-US" sz="2400"/>
-              <a:t>much less code written, easy to handle and control from the 1x aspect!</a:t>
-            </a:r>
-            <a:endParaRPr b="1" sz="2400">
-              <a:solidFill>
-                <a:srgbClr val="FF0000"/>
-              </a:solidFill>
-            </a:endParaRPr>
-          </a:p>
-          <a:p>
-            <a:pPr indent="-76200" lvl="0" marL="228600" rtl="0" algn="l">
-              <a:lnSpc>
-                <a:spcPct val="150000"/>
-              </a:lnSpc>
-              <a:spcBef>
-                <a:spcPts val="1000"/>
-              </a:spcBef>
-              <a:spcAft>
-                <a:spcPts val="0"/>
-              </a:spcAft>
-              <a:buClr>
-                <a:schemeClr val="dk1"/>
-              </a:buClr>
-              <a:buSzPts val="2400"/>
-              <a:buNone/>
-            </a:pPr>
-            <a:r>
-              <a:t/>
-            </a:r>
-            <a:endParaRPr b="1" i="1" sz="2400"/>
           </a:p>
         </p:txBody>
       </p:sp>
@@ -22318,12 +22313,12 @@
 </p:sld>
 </file>
 
-<file path=ppt/slides/slide38.xml><?xml version="1.0" encoding="utf-8"?>
+<file path=ppt/slides/slide39.xml><?xml version="1.0" encoding="utf-8"?>
 <p:sld xmlns:a="http://schemas.openxmlformats.org/drawingml/2006/main" xmlns:r="http://schemas.openxmlformats.org/officeDocument/2006/relationships" xmlns:mc="http://schemas.openxmlformats.org/markup-compatibility/2006" xmlns:mv="urn:schemas-microsoft-com:mac:vml" xmlns:p="http://schemas.openxmlformats.org/presentationml/2006/main" xmlns:c="http://schemas.openxmlformats.org/drawingml/2006/chart" xmlns:dgm="http://schemas.openxmlformats.org/drawingml/2006/diagram" xmlns:o="urn:schemas-microsoft-com:office:office" xmlns:v="urn:schemas-microsoft-com:vml" xmlns:pvml="urn:schemas-microsoft-com:office:powerpoint" xmlns:com="http://schemas.openxmlformats.org/drawingml/2006/compatibility" xmlns:p14="http://schemas.microsoft.com/office/powerpoint/2010/main" xmlns:p15="http://schemas.microsoft.com/office/powerpoint/2012/main">
   <p:cSld>
     <p:spTree>
       <p:nvGrpSpPr>
-        <p:cNvPr id="338" name="Shape 338"/>
+        <p:cNvPr id="340" name="Shape 340"/>
         <p:cNvGrpSpPr/>
         <p:nvPr/>
       </p:nvGrpSpPr>
@@ -22337,7 +22332,7 @@
       </p:grpSpPr>
       <p:sp>
         <p:nvSpPr>
-          <p:cNvPr id="339" name="Google Shape;339;p50"/>
+          <p:cNvPr id="341" name="Google Shape;341;p51"/>
           <p:cNvSpPr txBox="1"/>
           <p:nvPr>
             <p:ph type="title"/>
@@ -22386,15 +22381,102 @@
                 <a:cs typeface="Calibri"/>
                 <a:sym typeface="Calibri"/>
               </a:rPr>
-              <a:t>Design Pattern Aspect - Singleton</a:t>
+              <a:t>Singleton, the concern.</a:t>
             </a:r>
             <a:endParaRPr/>
+          </a:p>
+        </p:txBody>
+      </p:sp>
+      <p:sp>
+        <p:nvSpPr>
+          <p:cNvPr id="342" name="Google Shape;342;p51"/>
+          <p:cNvSpPr txBox="1"/>
+          <p:nvPr>
+            <p:ph idx="1" type="body"/>
+          </p:nvPr>
+        </p:nvSpPr>
+        <p:spPr>
+          <a:xfrm>
+            <a:off x="125834" y="1116420"/>
+            <a:ext cx="11098635" cy="2683794"/>
+          </a:xfrm>
+          <a:prstGeom prst="rect">
+            <a:avLst/>
+          </a:prstGeom>
+          <a:noFill/>
+          <a:ln>
+            <a:noFill/>
+          </a:ln>
+        </p:spPr>
+        <p:txBody>
+          <a:bodyPr anchorCtr="0" anchor="t" bIns="45700" lIns="91425" spcFirstLastPara="1" rIns="91425" wrap="square" tIns="45700">
+            <a:noAutofit/>
+          </a:bodyPr>
+          <a:lstStyle/>
+          <a:p>
+            <a:pPr indent="-228600" lvl="0" marL="228600" rtl="0" algn="l">
+              <a:lnSpc>
+                <a:spcPct val="150000"/>
+              </a:lnSpc>
+              <a:spcBef>
+                <a:spcPts val="0"/>
+              </a:spcBef>
+              <a:spcAft>
+                <a:spcPts val="0"/>
+              </a:spcAft>
+              <a:buClr>
+                <a:schemeClr val="dk1"/>
+              </a:buClr>
+              <a:buSzPts val="2400"/>
+              <a:buChar char="•"/>
+            </a:pPr>
+            <a:r>
+              <a:rPr b="1" lang="en-US" sz="2400"/>
+              <a:t>Normal OOP style of singleton will consist of writing this code in each of our Singleton instance. In our program – this can be relate to SpaceShipFactory. We can </a:t>
+            </a:r>
+            <a:r>
+              <a:rPr b="1" lang="en-US" sz="2400">
+                <a:solidFill>
+                  <a:srgbClr val="FF0000"/>
+                </a:solidFill>
+              </a:rPr>
+              <a:t>have many singletons </a:t>
+            </a:r>
+            <a:r>
+              <a:rPr b="1" lang="en-US" sz="2400"/>
+              <a:t>in our codebase! Adding this code each time is </a:t>
+            </a:r>
+            <a:r>
+              <a:rPr b="1" lang="en-US" sz="2400">
+                <a:solidFill>
+                  <a:srgbClr val="FF0000"/>
+                </a:solidFill>
+              </a:rPr>
+              <a:t>tangling</a:t>
+            </a:r>
+            <a:r>
+              <a:rPr b="1" lang="en-US" sz="2400"/>
+              <a:t> the class and will be </a:t>
+            </a:r>
+            <a:r>
+              <a:rPr b="1" lang="en-US" sz="2400">
+                <a:solidFill>
+                  <a:srgbClr val="FF0000"/>
+                </a:solidFill>
+              </a:rPr>
+              <a:t>scattered</a:t>
+            </a:r>
+            <a:r>
+              <a:rPr b="1" lang="en-US" sz="2400"/>
+              <a:t> all over our application.</a:t>
+            </a:r>
+            <a:endParaRPr b="1" i="1" sz="2400"/>
           </a:p>
         </p:txBody>
       </p:sp>
       <p:pic>
         <p:nvPicPr>
-          <p:cNvPr id="340" name="Google Shape;340;p50"/>
+          <p:cNvPr id="343" name="Google Shape;343;p51"/>
           <p:cNvPicPr preferRelativeResize="0"/>
           <p:nvPr/>
         </p:nvPicPr>
@@ -22407,144 +22489,8 @@
         </p:blipFill>
         <p:spPr>
           <a:xfrm>
-            <a:off x="2710781" y="1568741"/>
-            <a:ext cx="6156844" cy="4551855"/>
-          </a:xfrm>
-          <a:prstGeom prst="rect">
-            <a:avLst/>
-          </a:prstGeom>
-          <a:noFill/>
-          <a:ln>
-            <a:noFill/>
-          </a:ln>
-        </p:spPr>
-      </p:pic>
-    </p:spTree>
-  </p:cSld>
-  <p:clrMapOvr>
-    <a:masterClrMapping/>
-  </p:clrMapOvr>
-</p:sld>
-</file>
-
-<file path=ppt/slides/slide39.xml><?xml version="1.0" encoding="utf-8"?>
-<p:sld xmlns:a="http://schemas.openxmlformats.org/drawingml/2006/main" xmlns:r="http://schemas.openxmlformats.org/officeDocument/2006/relationships" xmlns:mc="http://schemas.openxmlformats.org/markup-compatibility/2006" xmlns:mv="urn:schemas-microsoft-com:mac:vml" xmlns:p="http://schemas.openxmlformats.org/presentationml/2006/main" xmlns:c="http://schemas.openxmlformats.org/drawingml/2006/chart" xmlns:dgm="http://schemas.openxmlformats.org/drawingml/2006/diagram" xmlns:o="urn:schemas-microsoft-com:office:office" xmlns:v="urn:schemas-microsoft-com:vml" xmlns:pvml="urn:schemas-microsoft-com:office:powerpoint" xmlns:com="http://schemas.openxmlformats.org/drawingml/2006/compatibility" xmlns:p14="http://schemas.microsoft.com/office/powerpoint/2010/main" xmlns:p15="http://schemas.microsoft.com/office/powerpoint/2012/main">
-  <p:cSld>
-    <p:spTree>
-      <p:nvGrpSpPr>
-        <p:cNvPr id="344" name="Shape 344"/>
-        <p:cNvGrpSpPr/>
-        <p:nvPr/>
-      </p:nvGrpSpPr>
-      <p:grpSpPr>
-        <a:xfrm>
-          <a:off x="0" y="0"/>
-          <a:ext cx="0" cy="0"/>
-          <a:chOff x="0" y="0"/>
-          <a:chExt cx="0" cy="0"/>
-        </a:xfrm>
-      </p:grpSpPr>
-      <p:sp>
-        <p:nvSpPr>
-          <p:cNvPr id="345" name="Google Shape;345;p51"/>
-          <p:cNvSpPr txBox="1"/>
-          <p:nvPr>
-            <p:ph type="title"/>
-          </p:nvPr>
-        </p:nvSpPr>
-        <p:spPr>
-          <a:xfrm>
-            <a:off x="400594" y="86450"/>
-            <a:ext cx="10515600" cy="1325563"/>
-          </a:xfrm>
-          <a:prstGeom prst="rect">
-            <a:avLst/>
-          </a:prstGeom>
-          <a:noFill/>
-          <a:ln>
-            <a:noFill/>
-          </a:ln>
-        </p:spPr>
-        <p:txBody>
-          <a:bodyPr anchorCtr="0" anchor="ctr" bIns="45700" lIns="91425" spcFirstLastPara="1" rIns="91425" wrap="square" tIns="45700">
-            <a:noAutofit/>
-          </a:bodyPr>
-          <a:lstStyle/>
-          <a:p>
-            <a:pPr indent="0" lvl="0" marL="0" rtl="0" algn="l">
-              <a:lnSpc>
-                <a:spcPct val="90000"/>
-              </a:lnSpc>
-              <a:spcBef>
-                <a:spcPts val="0"/>
-              </a:spcBef>
-              <a:spcAft>
-                <a:spcPts val="0"/>
-              </a:spcAft>
-              <a:buClr>
-                <a:schemeClr val="dk1"/>
-              </a:buClr>
-              <a:buSzPts val="4400"/>
-              <a:buFont typeface="Calibri"/>
-              <a:buNone/>
-            </a:pPr>
-            <a:r>
-              <a:rPr b="1" lang="en-US">
-                <a:latin typeface="Calibri"/>
-                <a:ea typeface="Calibri"/>
-                <a:cs typeface="Calibri"/>
-                <a:sym typeface="Calibri"/>
-              </a:rPr>
-              <a:t>Design Pattern Aspect - Singleton</a:t>
-            </a:r>
-            <a:endParaRPr/>
-          </a:p>
-        </p:txBody>
-      </p:sp>
-      <p:pic>
-        <p:nvPicPr>
-          <p:cNvPr id="346" name="Google Shape;346;p51"/>
-          <p:cNvPicPr preferRelativeResize="0"/>
-          <p:nvPr/>
-        </p:nvPicPr>
-        <p:blipFill rotWithShape="1">
-          <a:blip r:embed="rId3">
-            <a:alphaModFix/>
-          </a:blip>
-          <a:srcRect b="0" l="0" r="0" t="0"/>
-          <a:stretch/>
-        </p:blipFill>
-        <p:spPr>
-          <a:xfrm>
-            <a:off x="3163741" y="1250353"/>
-            <a:ext cx="5210175" cy="3686175"/>
-          </a:xfrm>
-          <a:prstGeom prst="rect">
-            <a:avLst/>
-          </a:prstGeom>
-          <a:noFill/>
-          <a:ln>
-            <a:noFill/>
-          </a:ln>
-        </p:spPr>
-      </p:pic>
-      <p:pic>
-        <p:nvPicPr>
-          <p:cNvPr id="347" name="Google Shape;347;p51"/>
-          <p:cNvPicPr preferRelativeResize="0"/>
-          <p:nvPr/>
-        </p:nvPicPr>
-        <p:blipFill rotWithShape="1">
-          <a:blip r:embed="rId4">
-            <a:alphaModFix/>
-          </a:blip>
-          <a:srcRect b="0" l="0" r="0" t="0"/>
-          <a:stretch/>
-        </p:blipFill>
-        <p:spPr>
-          <a:xfrm>
-            <a:off x="2501929" y="5143762"/>
-            <a:ext cx="6917260" cy="1395456"/>
+            <a:off x="3077119" y="4017555"/>
+            <a:ext cx="5162550" cy="1724025"/>
           </a:xfrm>
           <a:prstGeom prst="rect">
             <a:avLst/>
@@ -22701,7 +22647,7 @@
   <p:cSld>
     <p:spTree>
       <p:nvGrpSpPr>
-        <p:cNvPr id="351" name="Shape 351"/>
+        <p:cNvPr id="347" name="Shape 347"/>
         <p:cNvGrpSpPr/>
         <p:nvPr/>
       </p:nvGrpSpPr>
@@ -22715,7 +22661,540 @@
       </p:grpSpPr>
       <p:sp>
         <p:nvSpPr>
-          <p:cNvPr id="352" name="Google Shape;352;p52"/>
+          <p:cNvPr id="348" name="Google Shape;348;p52"/>
+          <p:cNvSpPr txBox="1"/>
+          <p:nvPr>
+            <p:ph type="title"/>
+          </p:nvPr>
+        </p:nvSpPr>
+        <p:spPr>
+          <a:xfrm>
+            <a:off x="400594" y="86450"/>
+            <a:ext cx="10515600" cy="1325563"/>
+          </a:xfrm>
+          <a:prstGeom prst="rect">
+            <a:avLst/>
+          </a:prstGeom>
+          <a:noFill/>
+          <a:ln>
+            <a:noFill/>
+          </a:ln>
+        </p:spPr>
+        <p:txBody>
+          <a:bodyPr anchorCtr="0" anchor="ctr" bIns="45700" lIns="91425" spcFirstLastPara="1" rIns="91425" wrap="square" tIns="45700">
+            <a:noAutofit/>
+          </a:bodyPr>
+          <a:lstStyle/>
+          <a:p>
+            <a:pPr indent="0" lvl="0" marL="0" rtl="0" algn="l">
+              <a:lnSpc>
+                <a:spcPct val="90000"/>
+              </a:lnSpc>
+              <a:spcBef>
+                <a:spcPts val="0"/>
+              </a:spcBef>
+              <a:spcAft>
+                <a:spcPts val="0"/>
+              </a:spcAft>
+              <a:buClr>
+                <a:schemeClr val="dk1"/>
+              </a:buClr>
+              <a:buSzPts val="4400"/>
+              <a:buFont typeface="Calibri"/>
+              <a:buNone/>
+            </a:pPr>
+            <a:r>
+              <a:rPr b="1" lang="en-US">
+                <a:latin typeface="Calibri"/>
+                <a:ea typeface="Calibri"/>
+                <a:cs typeface="Calibri"/>
+                <a:sym typeface="Calibri"/>
+              </a:rPr>
+              <a:t>Design Pattern Aspect - Singleton</a:t>
+            </a:r>
+            <a:endParaRPr/>
+          </a:p>
+        </p:txBody>
+      </p:sp>
+      <p:sp>
+        <p:nvSpPr>
+          <p:cNvPr id="349" name="Google Shape;349;p52"/>
+          <p:cNvSpPr txBox="1"/>
+          <p:nvPr>
+            <p:ph idx="1" type="body"/>
+          </p:nvPr>
+        </p:nvSpPr>
+        <p:spPr>
+          <a:xfrm>
+            <a:off x="125835" y="1116419"/>
+            <a:ext cx="11434194" cy="3942142"/>
+          </a:xfrm>
+          <a:prstGeom prst="rect">
+            <a:avLst/>
+          </a:prstGeom>
+          <a:noFill/>
+          <a:ln>
+            <a:noFill/>
+          </a:ln>
+        </p:spPr>
+        <p:txBody>
+          <a:bodyPr anchorCtr="0" anchor="t" bIns="45700" lIns="91425" spcFirstLastPara="1" rIns="91425" wrap="square" tIns="45700">
+            <a:noAutofit/>
+          </a:bodyPr>
+          <a:lstStyle/>
+          <a:p>
+            <a:pPr indent="-228600" lvl="0" marL="228600" rtl="0" algn="l">
+              <a:lnSpc>
+                <a:spcPct val="150000"/>
+              </a:lnSpc>
+              <a:spcBef>
+                <a:spcPts val="0"/>
+              </a:spcBef>
+              <a:spcAft>
+                <a:spcPts val="0"/>
+              </a:spcAft>
+              <a:buClr>
+                <a:srgbClr val="FF0000"/>
+              </a:buClr>
+              <a:buSzPts val="2400"/>
+              <a:buChar char="•"/>
+            </a:pPr>
+            <a:r>
+              <a:rPr b="1" lang="en-US" sz="2400">
+                <a:solidFill>
+                  <a:srgbClr val="FF0000"/>
+                </a:solidFill>
+              </a:rPr>
+              <a:t>Concern: </a:t>
+            </a:r>
+            <a:r>
+              <a:rPr b="1" lang="en-US" sz="2400"/>
+              <a:t>adding singleton implementation to each singleton class.</a:t>
+            </a:r>
+            <a:endParaRPr b="1" sz="2400">
+              <a:solidFill>
+                <a:srgbClr val="FF0000"/>
+              </a:solidFill>
+            </a:endParaRPr>
+          </a:p>
+          <a:p>
+            <a:pPr indent="-228600" lvl="0" marL="228600" rtl="0" algn="l">
+              <a:lnSpc>
+                <a:spcPct val="150000"/>
+              </a:lnSpc>
+              <a:spcBef>
+                <a:spcPts val="1000"/>
+              </a:spcBef>
+              <a:spcAft>
+                <a:spcPts val="0"/>
+              </a:spcAft>
+              <a:buClr>
+                <a:srgbClr val="FF0000"/>
+              </a:buClr>
+              <a:buSzPts val="2400"/>
+              <a:buChar char="•"/>
+            </a:pPr>
+            <a:r>
+              <a:rPr b="1" i="1" lang="en-US" sz="2400">
+                <a:solidFill>
+                  <a:srgbClr val="FF0000"/>
+                </a:solidFill>
+              </a:rPr>
+              <a:t>Pointcut:</a:t>
+            </a:r>
+            <a:r>
+              <a:rPr b="1" i="1" lang="en-US" sz="2400"/>
+              <a:t> creation of SpaceWars game instance (.new(..) (only 1x == </a:t>
+            </a:r>
+            <a:r>
+              <a:rPr b="1" i="1" lang="en-US" sz="2400">
+                <a:solidFill>
+                  <a:srgbClr val="FF0000"/>
+                </a:solidFill>
+              </a:rPr>
+              <a:t>singleton</a:t>
+            </a:r>
+            <a:r>
+              <a:rPr b="1" i="1" lang="en-US" sz="2400"/>
+              <a:t>))</a:t>
+            </a:r>
+            <a:endParaRPr/>
+          </a:p>
+          <a:p>
+            <a:pPr indent="-228600" lvl="0" marL="228600" rtl="0" algn="l">
+              <a:lnSpc>
+                <a:spcPct val="150000"/>
+              </a:lnSpc>
+              <a:spcBef>
+                <a:spcPts val="1000"/>
+              </a:spcBef>
+              <a:spcAft>
+                <a:spcPts val="0"/>
+              </a:spcAft>
+              <a:buClr>
+                <a:srgbClr val="FF0000"/>
+              </a:buClr>
+              <a:buSzPts val="2400"/>
+              <a:buChar char="•"/>
+            </a:pPr>
+            <a:r>
+              <a:rPr b="1" i="1" lang="en-US" sz="2400">
+                <a:solidFill>
+                  <a:srgbClr val="FF0000"/>
+                </a:solidFill>
+              </a:rPr>
+              <a:t>Advice: </a:t>
+            </a:r>
+            <a:r>
+              <a:rPr b="1" lang="en-US" sz="2400"/>
+              <a:t>intercepts calls to </a:t>
+            </a:r>
+            <a:r>
+              <a:rPr b="1" lang="en-US" sz="2400">
+                <a:solidFill>
+                  <a:srgbClr val="FF0000"/>
+                </a:solidFill>
+              </a:rPr>
+              <a:t>the constructor of the singleton class</a:t>
+            </a:r>
+            <a:r>
+              <a:rPr b="1" lang="en-US" sz="2400"/>
+              <a:t> and instead of creating a new instance every time, return the instance that was created at the very fist call to the constructor.</a:t>
+            </a:r>
+            <a:endParaRPr/>
+          </a:p>
+          <a:p>
+            <a:pPr indent="-228600" lvl="0" marL="228600" rtl="0" algn="l">
+              <a:lnSpc>
+                <a:spcPct val="150000"/>
+              </a:lnSpc>
+              <a:spcBef>
+                <a:spcPts val="1000"/>
+              </a:spcBef>
+              <a:spcAft>
+                <a:spcPts val="0"/>
+              </a:spcAft>
+              <a:buClr>
+                <a:srgbClr val="FF0000"/>
+              </a:buClr>
+              <a:buSzPts val="2400"/>
+              <a:buChar char="•"/>
+            </a:pPr>
+            <a:r>
+              <a:rPr b="1" lang="en-US" sz="2400">
+                <a:solidFill>
+                  <a:srgbClr val="FF0000"/>
+                </a:solidFill>
+              </a:rPr>
+              <a:t>Result: </a:t>
+            </a:r>
+            <a:r>
+              <a:rPr b="1" lang="en-US" sz="2400"/>
+              <a:t>much less code written, easy to handle and control from the 1x aspect!</a:t>
+            </a:r>
+            <a:endParaRPr b="1" sz="2400">
+              <a:solidFill>
+                <a:srgbClr val="FF0000"/>
+              </a:solidFill>
+            </a:endParaRPr>
+          </a:p>
+          <a:p>
+            <a:pPr indent="-76200" lvl="0" marL="228600" rtl="0" algn="l">
+              <a:lnSpc>
+                <a:spcPct val="150000"/>
+              </a:lnSpc>
+              <a:spcBef>
+                <a:spcPts val="1000"/>
+              </a:spcBef>
+              <a:spcAft>
+                <a:spcPts val="0"/>
+              </a:spcAft>
+              <a:buClr>
+                <a:schemeClr val="dk1"/>
+              </a:buClr>
+              <a:buSzPts val="2400"/>
+              <a:buNone/>
+            </a:pPr>
+            <a:r>
+              <a:t/>
+            </a:r>
+            <a:endParaRPr b="1" i="1" sz="2400"/>
+          </a:p>
+        </p:txBody>
+      </p:sp>
+    </p:spTree>
+  </p:cSld>
+  <p:clrMapOvr>
+    <a:masterClrMapping/>
+  </p:clrMapOvr>
+</p:sld>
+</file>
+
+<file path=ppt/slides/slide41.xml><?xml version="1.0" encoding="utf-8"?>
+<p:sld xmlns:a="http://schemas.openxmlformats.org/drawingml/2006/main" xmlns:r="http://schemas.openxmlformats.org/officeDocument/2006/relationships" xmlns:mc="http://schemas.openxmlformats.org/markup-compatibility/2006" xmlns:mv="urn:schemas-microsoft-com:mac:vml" xmlns:p="http://schemas.openxmlformats.org/presentationml/2006/main" xmlns:c="http://schemas.openxmlformats.org/drawingml/2006/chart" xmlns:dgm="http://schemas.openxmlformats.org/drawingml/2006/diagram" xmlns:o="urn:schemas-microsoft-com:office:office" xmlns:v="urn:schemas-microsoft-com:vml" xmlns:pvml="urn:schemas-microsoft-com:office:powerpoint" xmlns:com="http://schemas.openxmlformats.org/drawingml/2006/compatibility" xmlns:p14="http://schemas.microsoft.com/office/powerpoint/2010/main" xmlns:p15="http://schemas.microsoft.com/office/powerpoint/2012/main">
+  <p:cSld>
+    <p:spTree>
+      <p:nvGrpSpPr>
+        <p:cNvPr id="353" name="Shape 353"/>
+        <p:cNvGrpSpPr/>
+        <p:nvPr/>
+      </p:nvGrpSpPr>
+      <p:grpSpPr>
+        <a:xfrm>
+          <a:off x="0" y="0"/>
+          <a:ext cx="0" cy="0"/>
+          <a:chOff x="0" y="0"/>
+          <a:chExt cx="0" cy="0"/>
+        </a:xfrm>
+      </p:grpSpPr>
+      <p:sp>
+        <p:nvSpPr>
+          <p:cNvPr id="354" name="Google Shape;354;p53"/>
+          <p:cNvSpPr txBox="1"/>
+          <p:nvPr>
+            <p:ph type="title"/>
+          </p:nvPr>
+        </p:nvSpPr>
+        <p:spPr>
+          <a:xfrm>
+            <a:off x="400594" y="86450"/>
+            <a:ext cx="10515600" cy="1325563"/>
+          </a:xfrm>
+          <a:prstGeom prst="rect">
+            <a:avLst/>
+          </a:prstGeom>
+          <a:noFill/>
+          <a:ln>
+            <a:noFill/>
+          </a:ln>
+        </p:spPr>
+        <p:txBody>
+          <a:bodyPr anchorCtr="0" anchor="ctr" bIns="45700" lIns="91425" spcFirstLastPara="1" rIns="91425" wrap="square" tIns="45700">
+            <a:noAutofit/>
+          </a:bodyPr>
+          <a:lstStyle/>
+          <a:p>
+            <a:pPr indent="0" lvl="0" marL="0" rtl="0" algn="l">
+              <a:lnSpc>
+                <a:spcPct val="90000"/>
+              </a:lnSpc>
+              <a:spcBef>
+                <a:spcPts val="0"/>
+              </a:spcBef>
+              <a:spcAft>
+                <a:spcPts val="0"/>
+              </a:spcAft>
+              <a:buClr>
+                <a:schemeClr val="dk1"/>
+              </a:buClr>
+              <a:buSzPts val="4400"/>
+              <a:buFont typeface="Calibri"/>
+              <a:buNone/>
+            </a:pPr>
+            <a:r>
+              <a:rPr b="1" lang="en-US">
+                <a:latin typeface="Calibri"/>
+                <a:ea typeface="Calibri"/>
+                <a:cs typeface="Calibri"/>
+                <a:sym typeface="Calibri"/>
+              </a:rPr>
+              <a:t>Design Pattern Aspect - Singleton</a:t>
+            </a:r>
+            <a:endParaRPr/>
+          </a:p>
+        </p:txBody>
+      </p:sp>
+      <p:pic>
+        <p:nvPicPr>
+          <p:cNvPr id="355" name="Google Shape;355;p53"/>
+          <p:cNvPicPr preferRelativeResize="0"/>
+          <p:nvPr/>
+        </p:nvPicPr>
+        <p:blipFill rotWithShape="1">
+          <a:blip r:embed="rId3">
+            <a:alphaModFix/>
+          </a:blip>
+          <a:srcRect b="0" l="0" r="0" t="0"/>
+          <a:stretch/>
+        </p:blipFill>
+        <p:spPr>
+          <a:xfrm>
+            <a:off x="2710781" y="1568741"/>
+            <a:ext cx="6156844" cy="4551855"/>
+          </a:xfrm>
+          <a:prstGeom prst="rect">
+            <a:avLst/>
+          </a:prstGeom>
+          <a:noFill/>
+          <a:ln>
+            <a:noFill/>
+          </a:ln>
+        </p:spPr>
+      </p:pic>
+    </p:spTree>
+  </p:cSld>
+  <p:clrMapOvr>
+    <a:masterClrMapping/>
+  </p:clrMapOvr>
+</p:sld>
+</file>
+
+<file path=ppt/slides/slide42.xml><?xml version="1.0" encoding="utf-8"?>
+<p:sld xmlns:a="http://schemas.openxmlformats.org/drawingml/2006/main" xmlns:r="http://schemas.openxmlformats.org/officeDocument/2006/relationships" xmlns:mc="http://schemas.openxmlformats.org/markup-compatibility/2006" xmlns:mv="urn:schemas-microsoft-com:mac:vml" xmlns:p="http://schemas.openxmlformats.org/presentationml/2006/main" xmlns:c="http://schemas.openxmlformats.org/drawingml/2006/chart" xmlns:dgm="http://schemas.openxmlformats.org/drawingml/2006/diagram" xmlns:o="urn:schemas-microsoft-com:office:office" xmlns:v="urn:schemas-microsoft-com:vml" xmlns:pvml="urn:schemas-microsoft-com:office:powerpoint" xmlns:com="http://schemas.openxmlformats.org/drawingml/2006/compatibility" xmlns:p14="http://schemas.microsoft.com/office/powerpoint/2010/main" xmlns:p15="http://schemas.microsoft.com/office/powerpoint/2012/main">
+  <p:cSld>
+    <p:spTree>
+      <p:nvGrpSpPr>
+        <p:cNvPr id="359" name="Shape 359"/>
+        <p:cNvGrpSpPr/>
+        <p:nvPr/>
+      </p:nvGrpSpPr>
+      <p:grpSpPr>
+        <a:xfrm>
+          <a:off x="0" y="0"/>
+          <a:ext cx="0" cy="0"/>
+          <a:chOff x="0" y="0"/>
+          <a:chExt cx="0" cy="0"/>
+        </a:xfrm>
+      </p:grpSpPr>
+      <p:sp>
+        <p:nvSpPr>
+          <p:cNvPr id="360" name="Google Shape;360;p54"/>
+          <p:cNvSpPr txBox="1"/>
+          <p:nvPr>
+            <p:ph type="title"/>
+          </p:nvPr>
+        </p:nvSpPr>
+        <p:spPr>
+          <a:xfrm>
+            <a:off x="400594" y="86450"/>
+            <a:ext cx="10515600" cy="1325563"/>
+          </a:xfrm>
+          <a:prstGeom prst="rect">
+            <a:avLst/>
+          </a:prstGeom>
+          <a:noFill/>
+          <a:ln>
+            <a:noFill/>
+          </a:ln>
+        </p:spPr>
+        <p:txBody>
+          <a:bodyPr anchorCtr="0" anchor="ctr" bIns="45700" lIns="91425" spcFirstLastPara="1" rIns="91425" wrap="square" tIns="45700">
+            <a:noAutofit/>
+          </a:bodyPr>
+          <a:lstStyle/>
+          <a:p>
+            <a:pPr indent="0" lvl="0" marL="0" rtl="0" algn="l">
+              <a:lnSpc>
+                <a:spcPct val="90000"/>
+              </a:lnSpc>
+              <a:spcBef>
+                <a:spcPts val="0"/>
+              </a:spcBef>
+              <a:spcAft>
+                <a:spcPts val="0"/>
+              </a:spcAft>
+              <a:buClr>
+                <a:schemeClr val="dk1"/>
+              </a:buClr>
+              <a:buSzPts val="4400"/>
+              <a:buFont typeface="Calibri"/>
+              <a:buNone/>
+            </a:pPr>
+            <a:r>
+              <a:rPr b="1" lang="en-US">
+                <a:latin typeface="Calibri"/>
+                <a:ea typeface="Calibri"/>
+                <a:cs typeface="Calibri"/>
+                <a:sym typeface="Calibri"/>
+              </a:rPr>
+              <a:t>Design Pattern Aspect - Singleton</a:t>
+            </a:r>
+            <a:endParaRPr/>
+          </a:p>
+        </p:txBody>
+      </p:sp>
+      <p:pic>
+        <p:nvPicPr>
+          <p:cNvPr id="361" name="Google Shape;361;p54"/>
+          <p:cNvPicPr preferRelativeResize="0"/>
+          <p:nvPr/>
+        </p:nvPicPr>
+        <p:blipFill rotWithShape="1">
+          <a:blip r:embed="rId3">
+            <a:alphaModFix/>
+          </a:blip>
+          <a:srcRect b="0" l="0" r="0" t="0"/>
+          <a:stretch/>
+        </p:blipFill>
+        <p:spPr>
+          <a:xfrm>
+            <a:off x="3163741" y="1250353"/>
+            <a:ext cx="5210175" cy="3686175"/>
+          </a:xfrm>
+          <a:prstGeom prst="rect">
+            <a:avLst/>
+          </a:prstGeom>
+          <a:noFill/>
+          <a:ln>
+            <a:noFill/>
+          </a:ln>
+        </p:spPr>
+      </p:pic>
+      <p:pic>
+        <p:nvPicPr>
+          <p:cNvPr id="362" name="Google Shape;362;p54"/>
+          <p:cNvPicPr preferRelativeResize="0"/>
+          <p:nvPr/>
+        </p:nvPicPr>
+        <p:blipFill rotWithShape="1">
+          <a:blip r:embed="rId4">
+            <a:alphaModFix/>
+          </a:blip>
+          <a:srcRect b="0" l="0" r="0" t="0"/>
+          <a:stretch/>
+        </p:blipFill>
+        <p:spPr>
+          <a:xfrm>
+            <a:off x="2501929" y="5143762"/>
+            <a:ext cx="6917260" cy="1395456"/>
+          </a:xfrm>
+          <a:prstGeom prst="rect">
+            <a:avLst/>
+          </a:prstGeom>
+          <a:noFill/>
+          <a:ln>
+            <a:noFill/>
+          </a:ln>
+        </p:spPr>
+      </p:pic>
+    </p:spTree>
+  </p:cSld>
+  <p:clrMapOvr>
+    <a:masterClrMapping/>
+  </p:clrMapOvr>
+</p:sld>
+</file>
+
+<file path=ppt/slides/slide43.xml><?xml version="1.0" encoding="utf-8"?>
+<p:sld xmlns:a="http://schemas.openxmlformats.org/drawingml/2006/main" xmlns:r="http://schemas.openxmlformats.org/officeDocument/2006/relationships" xmlns:mc="http://schemas.openxmlformats.org/markup-compatibility/2006" xmlns:mv="urn:schemas-microsoft-com:mac:vml" xmlns:p="http://schemas.openxmlformats.org/presentationml/2006/main" xmlns:c="http://schemas.openxmlformats.org/drawingml/2006/chart" xmlns:dgm="http://schemas.openxmlformats.org/drawingml/2006/diagram" xmlns:o="urn:schemas-microsoft-com:office:office" xmlns:v="urn:schemas-microsoft-com:vml" xmlns:pvml="urn:schemas-microsoft-com:office:powerpoint" xmlns:com="http://schemas.openxmlformats.org/drawingml/2006/compatibility" xmlns:p14="http://schemas.microsoft.com/office/powerpoint/2010/main" xmlns:p15="http://schemas.microsoft.com/office/powerpoint/2012/main">
+  <p:cSld>
+    <p:spTree>
+      <p:nvGrpSpPr>
+        <p:cNvPr id="366" name="Shape 366"/>
+        <p:cNvGrpSpPr/>
+        <p:nvPr/>
+      </p:nvGrpSpPr>
+      <p:grpSpPr>
+        <a:xfrm>
+          <a:off x="0" y="0"/>
+          <a:ext cx="0" cy="0"/>
+          <a:chOff x="0" y="0"/>
+          <a:chExt cx="0" cy="0"/>
+        </a:xfrm>
+      </p:grpSpPr>
+      <p:sp>
+        <p:nvSpPr>
+          <p:cNvPr id="367" name="Google Shape;367;p55"/>
           <p:cNvSpPr txBox="1"/>
           <p:nvPr>
             <p:ph type="title"/>
@@ -22775,7 +23254,7 @@
       </p:sp>
       <p:sp>
         <p:nvSpPr>
-          <p:cNvPr id="353" name="Google Shape;353;p52"/>
+          <p:cNvPr id="368" name="Google Shape;368;p55"/>
           <p:cNvSpPr txBox="1"/>
           <p:nvPr>
             <p:ph idx="1" type="body"/>

--- a/src/Final Project Presentation.pptx
+++ b/src/Final Project Presentation.pptx
@@ -5,59 +5,63 @@
     <p:sldMasterId id="2147483659" r:id="rId1"/>
   </p:sldMasterIdLst>
   <p:notesMasterIdLst>
-    <p:notesMasterId r:id="rId52"/>
+    <p:notesMasterId r:id="rId56"/>
   </p:notesMasterIdLst>
   <p:sldIdLst>
     <p:sldId id="256" r:id="rId2"/>
-    <p:sldId id="257" r:id="rId3"/>
-    <p:sldId id="258" r:id="rId4"/>
+    <p:sldId id="258" r:id="rId3"/>
+    <p:sldId id="257" r:id="rId4"/>
     <p:sldId id="259" r:id="rId5"/>
     <p:sldId id="260" r:id="rId6"/>
     <p:sldId id="261" r:id="rId7"/>
-    <p:sldId id="262" r:id="rId8"/>
-    <p:sldId id="263" r:id="rId9"/>
-    <p:sldId id="264" r:id="rId10"/>
-    <p:sldId id="265" r:id="rId11"/>
-    <p:sldId id="266" r:id="rId12"/>
-    <p:sldId id="267" r:id="rId13"/>
-    <p:sldId id="268" r:id="rId14"/>
-    <p:sldId id="269" r:id="rId15"/>
-    <p:sldId id="270" r:id="rId16"/>
-    <p:sldId id="290" r:id="rId17"/>
-    <p:sldId id="291" r:id="rId18"/>
-    <p:sldId id="292" r:id="rId19"/>
-    <p:sldId id="293" r:id="rId20"/>
-    <p:sldId id="294" r:id="rId21"/>
-    <p:sldId id="295" r:id="rId22"/>
-    <p:sldId id="296" r:id="rId23"/>
-    <p:sldId id="297" r:id="rId24"/>
-    <p:sldId id="271" r:id="rId25"/>
-    <p:sldId id="272" r:id="rId26"/>
-    <p:sldId id="276" r:id="rId27"/>
-    <p:sldId id="277" r:id="rId28"/>
-    <p:sldId id="278" r:id="rId29"/>
-    <p:sldId id="299" r:id="rId30"/>
-    <p:sldId id="279" r:id="rId31"/>
-    <p:sldId id="280" r:id="rId32"/>
-    <p:sldId id="281" r:id="rId33"/>
-    <p:sldId id="282" r:id="rId34"/>
-    <p:sldId id="300" r:id="rId35"/>
-    <p:sldId id="273" r:id="rId36"/>
-    <p:sldId id="301" r:id="rId37"/>
-    <p:sldId id="274" r:id="rId38"/>
-    <p:sldId id="275" r:id="rId39"/>
-    <p:sldId id="283" r:id="rId40"/>
-    <p:sldId id="284" r:id="rId41"/>
-    <p:sldId id="285" r:id="rId42"/>
-    <p:sldId id="286" r:id="rId43"/>
-    <p:sldId id="303" r:id="rId44"/>
-    <p:sldId id="288" r:id="rId45"/>
-    <p:sldId id="289" r:id="rId46"/>
-    <p:sldId id="302" r:id="rId47"/>
-    <p:sldId id="304" r:id="rId48"/>
-    <p:sldId id="306" r:id="rId49"/>
-    <p:sldId id="305" r:id="rId50"/>
-    <p:sldId id="307" r:id="rId51"/>
+    <p:sldId id="308" r:id="rId8"/>
+    <p:sldId id="262" r:id="rId9"/>
+    <p:sldId id="263" r:id="rId10"/>
+    <p:sldId id="264" r:id="rId11"/>
+    <p:sldId id="265" r:id="rId12"/>
+    <p:sldId id="266" r:id="rId13"/>
+    <p:sldId id="267" r:id="rId14"/>
+    <p:sldId id="268" r:id="rId15"/>
+    <p:sldId id="269" r:id="rId16"/>
+    <p:sldId id="309" r:id="rId17"/>
+    <p:sldId id="311" r:id="rId18"/>
+    <p:sldId id="270" r:id="rId19"/>
+    <p:sldId id="310" r:id="rId20"/>
+    <p:sldId id="290" r:id="rId21"/>
+    <p:sldId id="291" r:id="rId22"/>
+    <p:sldId id="292" r:id="rId23"/>
+    <p:sldId id="293" r:id="rId24"/>
+    <p:sldId id="294" r:id="rId25"/>
+    <p:sldId id="295" r:id="rId26"/>
+    <p:sldId id="296" r:id="rId27"/>
+    <p:sldId id="297" r:id="rId28"/>
+    <p:sldId id="271" r:id="rId29"/>
+    <p:sldId id="272" r:id="rId30"/>
+    <p:sldId id="276" r:id="rId31"/>
+    <p:sldId id="277" r:id="rId32"/>
+    <p:sldId id="278" r:id="rId33"/>
+    <p:sldId id="299" r:id="rId34"/>
+    <p:sldId id="279" r:id="rId35"/>
+    <p:sldId id="280" r:id="rId36"/>
+    <p:sldId id="281" r:id="rId37"/>
+    <p:sldId id="282" r:id="rId38"/>
+    <p:sldId id="300" r:id="rId39"/>
+    <p:sldId id="273" r:id="rId40"/>
+    <p:sldId id="301" r:id="rId41"/>
+    <p:sldId id="274" r:id="rId42"/>
+    <p:sldId id="275" r:id="rId43"/>
+    <p:sldId id="283" r:id="rId44"/>
+    <p:sldId id="284" r:id="rId45"/>
+    <p:sldId id="285" r:id="rId46"/>
+    <p:sldId id="286" r:id="rId47"/>
+    <p:sldId id="303" r:id="rId48"/>
+    <p:sldId id="288" r:id="rId49"/>
+    <p:sldId id="289" r:id="rId50"/>
+    <p:sldId id="302" r:id="rId51"/>
+    <p:sldId id="304" r:id="rId52"/>
+    <p:sldId id="306" r:id="rId53"/>
+    <p:sldId id="305" r:id="rId54"/>
+    <p:sldId id="307" r:id="rId55"/>
   </p:sldIdLst>
   <p:sldSz cx="12192000" cy="6858000"/>
   <p:notesSz cx="6858000" cy="9144000"/>
@@ -908,8 +912,8 @@
         </p:nvSpPr>
         <p:spPr>
           <a:xfrm>
-            <a:off x="1143225" y="685800"/>
-            <a:ext cx="4572225" cy="3429000"/>
+            <a:off x="381000" y="685800"/>
+            <a:ext cx="6096000" cy="3429000"/>
           </a:xfrm>
           <a:custGeom>
             <a:avLst/>
@@ -1220,8 +1224,8 @@
         </p:nvSpPr>
         <p:spPr>
           <a:xfrm>
-            <a:off x="1143225" y="685800"/>
-            <a:ext cx="4572225" cy="3429000"/>
+            <a:off x="381000" y="685800"/>
+            <a:ext cx="6096000" cy="3429000"/>
           </a:xfrm>
           <a:custGeom>
             <a:avLst/>
@@ -1324,8 +1328,8 @@
         </p:nvSpPr>
         <p:spPr>
           <a:xfrm>
-            <a:off x="1143225" y="685800"/>
-            <a:ext cx="4572225" cy="3429000"/>
+            <a:off x="381000" y="685800"/>
+            <a:ext cx="6096000" cy="3429000"/>
           </a:xfrm>
           <a:custGeom>
             <a:avLst/>
@@ -1886,7 +1890,7 @@
   <p:cSld>
     <p:spTree>
       <p:nvGrpSpPr>
-        <p:cNvPr id="1" name="Shape 87"/>
+        <p:cNvPr id="1" name="Shape 93"/>
         <p:cNvGrpSpPr/>
         <p:nvPr/>
       </p:nvGrpSpPr>
@@ -1900,7 +1904,7 @@
       </p:grpSpPr>
       <p:sp>
         <p:nvSpPr>
-          <p:cNvPr id="88" name="Google Shape;88;p2:notes"/>
+          <p:cNvPr id="94" name="Google Shape;94;p3:notes"/>
           <p:cNvSpPr txBox="1">
             <a:spLocks noGrp="1"/>
           </p:cNvSpPr>
@@ -1938,7 +1942,7 @@
       </p:sp>
       <p:sp>
         <p:nvSpPr>
-          <p:cNvPr id="89" name="Google Shape;89;p2:notes"/>
+          <p:cNvPr id="95" name="Google Shape;95;p3:notes"/>
           <p:cNvSpPr>
             <a:spLocks noGrp="1" noRot="1" noChangeAspect="1"/>
           </p:cNvSpPr>
@@ -3030,7 +3034,7 @@
   <p:cSld>
     <p:spTree>
       <p:nvGrpSpPr>
-        <p:cNvPr id="1" name="Shape 93"/>
+        <p:cNvPr id="1" name="Shape 87"/>
         <p:cNvGrpSpPr/>
         <p:nvPr/>
       </p:nvGrpSpPr>
@@ -3044,7 +3048,7 @@
       </p:grpSpPr>
       <p:sp>
         <p:nvSpPr>
-          <p:cNvPr id="94" name="Google Shape;94;p3:notes"/>
+          <p:cNvPr id="88" name="Google Shape;88;p2:notes"/>
           <p:cNvSpPr txBox="1">
             <a:spLocks noGrp="1"/>
           </p:cNvSpPr>
@@ -3082,7 +3086,7 @@
       </p:sp>
       <p:sp>
         <p:nvSpPr>
-          <p:cNvPr id="95" name="Google Shape;95;p3:notes"/>
+          <p:cNvPr id="89" name="Google Shape;89;p2:notes"/>
           <p:cNvSpPr>
             <a:spLocks noGrp="1" noRot="1" noChangeAspect="1"/>
           </p:cNvSpPr>
@@ -4449,8 +4453,8 @@
         </p:nvSpPr>
         <p:spPr>
           <a:xfrm>
-            <a:off x="1143225" y="685800"/>
-            <a:ext cx="4572225" cy="3429000"/>
+            <a:off x="381000" y="685800"/>
+            <a:ext cx="6096000" cy="3429000"/>
           </a:xfrm>
           <a:custGeom>
             <a:avLst/>
@@ -16159,6 +16163,318 @@
   <p:cSld>
     <p:spTree>
       <p:nvGrpSpPr>
+        <p:cNvPr id="1" name="Shape 137"/>
+        <p:cNvGrpSpPr/>
+        <p:nvPr/>
+      </p:nvGrpSpPr>
+      <p:grpSpPr>
+        <a:xfrm>
+          <a:off x="0" y="0"/>
+          <a:ext cx="0" cy="0"/>
+          <a:chOff x="0" y="0"/>
+          <a:chExt cx="0" cy="0"/>
+        </a:xfrm>
+      </p:grpSpPr>
+      <p:sp>
+        <p:nvSpPr>
+          <p:cNvPr id="138" name="Google Shape;138;p21"/>
+          <p:cNvSpPr txBox="1">
+            <a:spLocks noGrp="1"/>
+          </p:cNvSpPr>
+          <p:nvPr>
+            <p:ph type="title"/>
+          </p:nvPr>
+        </p:nvSpPr>
+        <p:spPr>
+          <a:xfrm>
+            <a:off x="400594" y="86450"/>
+            <a:ext cx="10515600" cy="1325563"/>
+          </a:xfrm>
+          <a:prstGeom prst="rect">
+            <a:avLst/>
+          </a:prstGeom>
+          <a:noFill/>
+          <a:ln>
+            <a:noFill/>
+          </a:ln>
+        </p:spPr>
+        <p:txBody>
+          <a:bodyPr spcFirstLastPara="1" wrap="square" lIns="91425" tIns="45700" rIns="91425" bIns="45700" anchor="ctr" anchorCtr="0">
+            <a:noAutofit/>
+          </a:bodyPr>
+          <a:lstStyle/>
+          <a:p>
+            <a:pPr marL="0" lvl="0" indent="0" algn="l" rtl="0">
+              <a:lnSpc>
+                <a:spcPct val="90000"/>
+              </a:lnSpc>
+              <a:spcBef>
+                <a:spcPts val="0"/>
+              </a:spcBef>
+              <a:spcAft>
+                <a:spcPts val="0"/>
+              </a:spcAft>
+              <a:buClr>
+                <a:schemeClr val="dk1"/>
+              </a:buClr>
+              <a:buSzPts val="4400"/>
+              <a:buFont typeface="Calibri"/>
+              <a:buNone/>
+            </a:pPr>
+            <a:r>
+              <a:rPr lang="en-US" b="1" dirty="0">
+                <a:latin typeface="Calibri"/>
+                <a:ea typeface="Calibri"/>
+                <a:cs typeface="Calibri"/>
+                <a:sym typeface="Calibri"/>
+              </a:rPr>
+              <a:t>Spectative Aspects:</a:t>
+            </a:r>
+            <a:endParaRPr dirty="0"/>
+          </a:p>
+        </p:txBody>
+      </p:sp>
+      <p:sp>
+        <p:nvSpPr>
+          <p:cNvPr id="140" name="Google Shape;140;p21"/>
+          <p:cNvSpPr/>
+          <p:nvPr/>
+        </p:nvSpPr>
+        <p:spPr>
+          <a:xfrm>
+            <a:off x="2372203" y="3034593"/>
+            <a:ext cx="1602138" cy="1536585"/>
+          </a:xfrm>
+          <a:prstGeom prst="ellipse">
+            <a:avLst/>
+          </a:prstGeom>
+          <a:solidFill>
+            <a:schemeClr val="dk1"/>
+          </a:solidFill>
+          <a:ln w="12700" cap="flat" cmpd="sng">
+            <a:solidFill>
+              <a:schemeClr val="lt1"/>
+            </a:solidFill>
+            <a:prstDash val="solid"/>
+            <a:miter lim="800000"/>
+            <a:headEnd type="none" w="sm" len="sm"/>
+            <a:tailEnd type="none" w="sm" len="sm"/>
+          </a:ln>
+        </p:spPr>
+        <p:txBody>
+          <a:bodyPr spcFirstLastPara="1" wrap="square" lIns="91425" tIns="45700" rIns="91425" bIns="45700" anchor="ctr" anchorCtr="0">
+            <a:noAutofit/>
+          </a:bodyPr>
+          <a:lstStyle/>
+          <a:p>
+            <a:pPr marL="0" marR="0" lvl="0" indent="0" algn="ctr" rtl="0">
+              <a:spcBef>
+                <a:spcPts val="0"/>
+              </a:spcBef>
+              <a:spcAft>
+                <a:spcPts val="0"/>
+              </a:spcAft>
+              <a:buNone/>
+            </a:pPr>
+            <a:r>
+              <a:rPr lang="en-US" sz="1600" b="1" i="0" u="none" strike="noStrike" cap="none" dirty="0">
+                <a:solidFill>
+                  <a:schemeClr val="lt1"/>
+                </a:solidFill>
+                <a:latin typeface="Calibri"/>
+                <a:ea typeface="Calibri"/>
+                <a:cs typeface="Calibri"/>
+                <a:sym typeface="Calibri"/>
+              </a:rPr>
+              <a:t>Game Logging</a:t>
+            </a:r>
+            <a:endParaRPr dirty="0"/>
+          </a:p>
+          <a:p>
+            <a:pPr marL="0" marR="0" lvl="0" indent="0" algn="ctr" rtl="0">
+              <a:spcBef>
+                <a:spcPts val="0"/>
+              </a:spcBef>
+              <a:spcAft>
+                <a:spcPts val="0"/>
+              </a:spcAft>
+              <a:buNone/>
+            </a:pPr>
+            <a:r>
+              <a:rPr lang="en-US" sz="1600" b="1" i="0" u="none" strike="noStrike" cap="none" dirty="0">
+                <a:solidFill>
+                  <a:schemeClr val="lt1"/>
+                </a:solidFill>
+                <a:latin typeface="Calibri"/>
+                <a:ea typeface="Calibri"/>
+                <a:cs typeface="Calibri"/>
+                <a:sym typeface="Calibri"/>
+              </a:rPr>
+              <a:t>Aspect</a:t>
+            </a:r>
+            <a:endParaRPr dirty="0"/>
+          </a:p>
+        </p:txBody>
+      </p:sp>
+      <p:sp>
+        <p:nvSpPr>
+          <p:cNvPr id="141" name="Google Shape;141;p21"/>
+          <p:cNvSpPr/>
+          <p:nvPr/>
+        </p:nvSpPr>
+        <p:spPr>
+          <a:xfrm>
+            <a:off x="5319615" y="3034593"/>
+            <a:ext cx="1602138" cy="1536585"/>
+          </a:xfrm>
+          <a:prstGeom prst="ellipse">
+            <a:avLst/>
+          </a:prstGeom>
+          <a:solidFill>
+            <a:schemeClr val="dk1"/>
+          </a:solidFill>
+          <a:ln w="12700" cap="flat" cmpd="sng">
+            <a:solidFill>
+              <a:schemeClr val="lt1"/>
+            </a:solidFill>
+            <a:prstDash val="solid"/>
+            <a:miter lim="800000"/>
+            <a:headEnd type="none" w="sm" len="sm"/>
+            <a:tailEnd type="none" w="sm" len="sm"/>
+          </a:ln>
+        </p:spPr>
+        <p:txBody>
+          <a:bodyPr spcFirstLastPara="1" wrap="square" lIns="91425" tIns="45700" rIns="91425" bIns="45700" anchor="ctr" anchorCtr="0">
+            <a:noAutofit/>
+          </a:bodyPr>
+          <a:lstStyle/>
+          <a:p>
+            <a:pPr marL="0" marR="0" lvl="0" indent="0" algn="ctr" rtl="0">
+              <a:spcBef>
+                <a:spcPts val="0"/>
+              </a:spcBef>
+              <a:spcAft>
+                <a:spcPts val="0"/>
+              </a:spcAft>
+              <a:buNone/>
+            </a:pPr>
+            <a:r>
+              <a:rPr lang="en-US" sz="1600" b="1" i="0" u="none" strike="noStrike" cap="none" dirty="0">
+                <a:solidFill>
+                  <a:schemeClr val="lt1"/>
+                </a:solidFill>
+                <a:latin typeface="Calibri"/>
+                <a:ea typeface="Calibri"/>
+                <a:cs typeface="Calibri"/>
+                <a:sym typeface="Calibri"/>
+              </a:rPr>
+              <a:t>Audit</a:t>
+            </a:r>
+            <a:endParaRPr dirty="0"/>
+          </a:p>
+          <a:p>
+            <a:pPr marL="0" marR="0" lvl="0" indent="0" algn="ctr" rtl="0">
+              <a:spcBef>
+                <a:spcPts val="0"/>
+              </a:spcBef>
+              <a:spcAft>
+                <a:spcPts val="0"/>
+              </a:spcAft>
+              <a:buNone/>
+            </a:pPr>
+            <a:r>
+              <a:rPr lang="en-US" sz="1600" b="1" i="0" u="none" strike="noStrike" cap="none" dirty="0">
+                <a:solidFill>
+                  <a:schemeClr val="lt1"/>
+                </a:solidFill>
+                <a:latin typeface="Calibri"/>
+                <a:ea typeface="Calibri"/>
+                <a:cs typeface="Calibri"/>
+                <a:sym typeface="Calibri"/>
+              </a:rPr>
+              <a:t>Aspect</a:t>
+            </a:r>
+            <a:endParaRPr dirty="0"/>
+          </a:p>
+        </p:txBody>
+      </p:sp>
+      <p:sp>
+        <p:nvSpPr>
+          <p:cNvPr id="8" name="Google Shape;272;p41">
+            <a:extLst>
+              <a:ext uri="{FF2B5EF4-FFF2-40B4-BE49-F238E27FC236}">
+                <a16:creationId xmlns:a16="http://schemas.microsoft.com/office/drawing/2014/main" id="{F67A3AC9-0D6F-4E2A-B4C4-EF5FD67452ED}"/>
+              </a:ext>
+            </a:extLst>
+          </p:cNvPr>
+          <p:cNvSpPr/>
+          <p:nvPr/>
+        </p:nvSpPr>
+        <p:spPr>
+          <a:xfrm>
+            <a:off x="8610356" y="3056136"/>
+            <a:ext cx="1602138" cy="1536585"/>
+          </a:xfrm>
+          <a:prstGeom prst="ellipse">
+            <a:avLst/>
+          </a:prstGeom>
+          <a:solidFill>
+            <a:schemeClr val="tx1"/>
+          </a:solidFill>
+          <a:ln w="12700" cap="flat" cmpd="sng">
+            <a:solidFill>
+              <a:schemeClr val="lt1"/>
+            </a:solidFill>
+            <a:prstDash val="solid"/>
+            <a:miter lim="800000"/>
+            <a:headEnd type="none" w="sm" len="sm"/>
+            <a:tailEnd type="none" w="sm" len="sm"/>
+          </a:ln>
+        </p:spPr>
+        <p:txBody>
+          <a:bodyPr spcFirstLastPara="1" wrap="square" lIns="91425" tIns="45700" rIns="91425" bIns="45700" anchor="ctr" anchorCtr="0">
+            <a:noAutofit/>
+          </a:bodyPr>
+          <a:lstStyle/>
+          <a:p>
+            <a:pPr marL="0" marR="0" lvl="0" indent="0" algn="ctr" rtl="0">
+              <a:spcBef>
+                <a:spcPts val="0"/>
+              </a:spcBef>
+              <a:spcAft>
+                <a:spcPts val="0"/>
+              </a:spcAft>
+              <a:buNone/>
+            </a:pPr>
+            <a:r>
+              <a:rPr lang="en-US" sz="1600" b="1" i="0" u="none" strike="noStrike" cap="none" dirty="0">
+                <a:solidFill>
+                  <a:schemeClr val="lt1"/>
+                </a:solidFill>
+                <a:latin typeface="Calibri"/>
+                <a:ea typeface="Calibri"/>
+                <a:cs typeface="Calibri"/>
+                <a:sym typeface="Calibri"/>
+              </a:rPr>
+              <a:t>Singleton Aspect</a:t>
+            </a:r>
+            <a:endParaRPr dirty="0"/>
+          </a:p>
+        </p:txBody>
+      </p:sp>
+    </p:spTree>
+  </p:cSld>
+  <p:clrMapOvr>
+    <a:masterClrMapping/>
+  </p:clrMapOvr>
+</p:sld>
+</file>
+
+<file path=ppt/slides/slide11.xml><?xml version="1.0" encoding="utf-8"?>
+<p:sld xmlns:a="http://schemas.openxmlformats.org/drawingml/2006/main" xmlns:r="http://schemas.openxmlformats.org/officeDocument/2006/relationships" xmlns:p="http://schemas.openxmlformats.org/presentationml/2006/main">
+  <p:cSld>
+    <p:spTree>
+      <p:nvGrpSpPr>
         <p:cNvPr id="1" name="Shape 145"/>
         <p:cNvGrpSpPr/>
         <p:nvPr/>
@@ -16276,11 +16592,19 @@
               <a:buChar char="•"/>
             </a:pPr>
             <a:r>
-              <a:rPr lang="en-US" sz="2200" b="1" i="1"/>
-              <a:t>Assume we have an ‘HelloWorld’ program, which has 8x LoC, in our app - </a:t>
-            </a:r>
-            <a:r>
-              <a:rPr lang="en-US" sz="2200" b="1" i="1">
+              <a:rPr lang="en-US" sz="2200" b="1" i="1" dirty="0"/>
+              <a:t>Assume we have an ‘HelloWorld’ program, simple OOP </a:t>
+            </a:r>
+            <a:r>
+              <a:rPr lang="en-US" sz="2200" b="1" i="1" dirty="0" err="1"/>
+              <a:t>impl</a:t>
+            </a:r>
+            <a:r>
+              <a:rPr lang="en-US" sz="2200" b="1" i="1" dirty="0"/>
+              <a:t> will : have 8x LoC, in our app - </a:t>
+            </a:r>
+            <a:r>
+              <a:rPr lang="en-US" sz="2200" b="1" i="1" dirty="0">
                 <a:solidFill>
                   <a:srgbClr val="FF0000"/>
                 </a:solidFill>
@@ -16288,11 +16612,11 @@
               <a:t>50% are log related! </a:t>
             </a:r>
             <a:r>
-              <a:rPr lang="en-US" sz="2200" b="1" i="1"/>
+              <a:rPr lang="en-US" sz="2200" b="1" i="1" dirty="0"/>
               <a:t>Assuming the ‘print’ option can be a database access or something more crucial – it can reduce the quality of our code. Logging is </a:t>
             </a:r>
             <a:r>
-              <a:rPr lang="en-US" sz="2200" b="1" i="1">
+              <a:rPr lang="en-US" sz="2200" b="1" i="1" dirty="0">
                 <a:solidFill>
                   <a:srgbClr val="FF0000"/>
                 </a:solidFill>
@@ -16300,11 +16624,11 @@
               <a:t>tangled up </a:t>
             </a:r>
             <a:r>
-              <a:rPr lang="en-US" sz="2200" b="1" i="1"/>
+              <a:rPr lang="en-US" sz="2200" b="1" i="1" dirty="0"/>
               <a:t>with the primary goal of this class (to print!). It has nothing to do with it. Removing it (or expressing it in a different way) can </a:t>
             </a:r>
             <a:r>
-              <a:rPr lang="en-US" sz="2200" b="1" i="1">
+              <a:rPr lang="en-US" sz="2200" b="1" i="1" dirty="0">
                 <a:solidFill>
                   <a:srgbClr val="FF0000"/>
                 </a:solidFill>
@@ -16312,10 +16636,10 @@
               <a:t>make our code much more clear </a:t>
             </a:r>
             <a:r>
-              <a:rPr lang="en-US" sz="2200" b="1" i="1"/>
+              <a:rPr lang="en-US" sz="2200" b="1" i="1" dirty="0"/>
               <a:t>(and cut it by half..).</a:t>
             </a:r>
-            <a:endParaRPr/>
+            <a:endParaRPr dirty="0"/>
           </a:p>
           <a:p>
             <a:pPr marL="228600" lvl="0" indent="-228600" algn="l" rtl="0">
@@ -16335,11 +16659,19 @@
               <a:buChar char="•"/>
             </a:pPr>
             <a:r>
-              <a:rPr lang="en-US" sz="2200" b="1" i="1"/>
-              <a:t>Now assume we have a system with a lot of loggings, and one day Raz decides to change “entering” method into “debug”. His change commit will be terrible (HUGE!!), the logging is </a:t>
-            </a:r>
-            <a:r>
-              <a:rPr lang="en-US" sz="2200" b="1" i="1">
+              <a:rPr lang="en-US" sz="2200" b="1" i="1" dirty="0"/>
+              <a:t>Now assume we have a system with a lot of loggings, and one day </a:t>
+            </a:r>
+            <a:r>
+              <a:rPr lang="en-US" sz="2200" b="1" i="1" dirty="0" err="1"/>
+              <a:t>Raz</a:t>
+            </a:r>
+            <a:r>
+              <a:rPr lang="en-US" sz="2200" b="1" i="1" dirty="0"/>
+              <a:t> decides to change “entering” method into “debug”. His change commit will be terrible (HUGE!!), the logging is </a:t>
+            </a:r>
+            <a:r>
+              <a:rPr lang="en-US" sz="2200" b="1" i="1" dirty="0">
                 <a:solidFill>
                   <a:srgbClr val="FF0000"/>
                 </a:solidFill>
@@ -16347,10 +16679,10 @@
               <a:t>scattered all over the codebase</a:t>
             </a:r>
             <a:r>
-              <a:rPr lang="en-US" sz="2200" b="1" i="1"/>
+              <a:rPr lang="en-US" sz="2200" b="1" i="1" dirty="0"/>
               <a:t>. </a:t>
             </a:r>
-            <a:endParaRPr/>
+            <a:endParaRPr dirty="0"/>
           </a:p>
           <a:p>
             <a:pPr marL="0" lvl="0" indent="0" algn="l" rtl="0">
@@ -16370,11 +16702,11 @@
               <a:buNone/>
             </a:pPr>
             <a:r>
-              <a:rPr lang="en-US" sz="2200" b="1" i="1"/>
+              <a:rPr lang="en-US" sz="2200" b="1" i="1" dirty="0"/>
               <a:t>   and will require to</a:t>
             </a:r>
             <a:r>
-              <a:rPr lang="en-US" sz="2200" b="1" i="1">
+              <a:rPr lang="en-US" sz="2200" b="1" i="1" dirty="0">
                 <a:solidFill>
                   <a:srgbClr val="FF0000"/>
                 </a:solidFill>
@@ -16382,10 +16714,10 @@
               <a:t> perform many code changes</a:t>
             </a:r>
             <a:r>
-              <a:rPr lang="en-US" sz="2200" b="1" i="1"/>
+              <a:rPr lang="en-US" sz="2200" b="1" i="1" dirty="0"/>
               <a:t>.</a:t>
             </a:r>
-            <a:endParaRPr sz="2200" b="1"/>
+            <a:endParaRPr sz="2200" b="1" dirty="0"/>
           </a:p>
         </p:txBody>
       </p:sp>
@@ -16404,8 +16736,8 @@
         </p:blipFill>
         <p:spPr>
           <a:xfrm>
-            <a:off x="6847369" y="4897757"/>
-            <a:ext cx="5039834" cy="1935662"/>
+            <a:off x="6968971" y="4897757"/>
+            <a:ext cx="4918232" cy="1742740"/>
           </a:xfrm>
           <a:prstGeom prst="rect">
             <a:avLst/>
@@ -16424,7 +16756,7 @@
 </p:sld>
 </file>
 
-<file path=ppt/slides/slide11.xml><?xml version="1.0" encoding="utf-8"?>
+<file path=ppt/slides/slide12.xml><?xml version="1.0" encoding="utf-8"?>
 <p:sld xmlns:a="http://schemas.openxmlformats.org/drawingml/2006/main" xmlns:r="http://schemas.openxmlformats.org/officeDocument/2006/relationships" xmlns:p="http://schemas.openxmlformats.org/presentationml/2006/main">
   <p:cSld>
     <p:spTree>
@@ -16784,7 +17116,7 @@
 </p:sld>
 </file>
 
-<file path=ppt/slides/slide12.xml><?xml version="1.0" encoding="utf-8"?>
+<file path=ppt/slides/slide13.xml><?xml version="1.0" encoding="utf-8"?>
 <p:sld xmlns:a="http://schemas.openxmlformats.org/drawingml/2006/main" xmlns:r="http://schemas.openxmlformats.org/officeDocument/2006/relationships" xmlns:p="http://schemas.openxmlformats.org/presentationml/2006/main">
   <p:cSld>
     <p:spTree>
@@ -16881,8 +17213,8 @@
         </p:blipFill>
         <p:spPr>
           <a:xfrm>
-            <a:off x="3258105" y="1035339"/>
-            <a:ext cx="4749554" cy="5653583"/>
+            <a:off x="3329125" y="1119878"/>
+            <a:ext cx="4678533" cy="5569044"/>
           </a:xfrm>
           <a:prstGeom prst="rect">
             <a:avLst/>
@@ -16897,7 +17229,7 @@
 </p:sld>
 </file>
 
-<file path=ppt/slides/slide13.xml><?xml version="1.0" encoding="utf-8"?>
+<file path=ppt/slides/slide14.xml><?xml version="1.0" encoding="utf-8"?>
 <p:sld xmlns:a="http://schemas.openxmlformats.org/drawingml/2006/main" xmlns:r="http://schemas.openxmlformats.org/officeDocument/2006/relationships" xmlns:p="http://schemas.openxmlformats.org/presentationml/2006/main">
   <p:cSld>
     <p:spTree>
@@ -17019,7 +17351,7 @@
               <a:buChar char="•"/>
             </a:pPr>
             <a:r>
-              <a:rPr lang="en-US" b="1">
+              <a:rPr lang="en-US" b="1" dirty="0">
                 <a:solidFill>
                   <a:srgbClr val="FF0000"/>
                 </a:solidFill>
@@ -17027,10 +17359,10 @@
               <a:t>Concern:</a:t>
             </a:r>
             <a:r>
-              <a:rPr lang="en-US" b="1"/>
+              <a:rPr lang="en-US" b="1" dirty="0"/>
               <a:t> noted above</a:t>
             </a:r>
-            <a:endParaRPr b="1">
+            <a:endParaRPr b="1" dirty="0">
               <a:solidFill>
                 <a:srgbClr val="FF0000"/>
               </a:solidFill>
@@ -17054,14 +17386,14 @@
               <a:buChar char="•"/>
             </a:pPr>
             <a:r>
-              <a:rPr lang="en-US" b="1">
+              <a:rPr lang="en-US" b="1" dirty="0">
                 <a:solidFill>
                   <a:srgbClr val="FF0000"/>
                 </a:solidFill>
               </a:rPr>
               <a:t>Pointcut: </a:t>
             </a:r>
-            <a:endParaRPr/>
+            <a:endParaRPr dirty="0"/>
           </a:p>
           <a:p>
             <a:pPr marL="685800" lvl="1" indent="-228600" algn="l" rtl="0">
@@ -17081,14 +17413,14 @@
               <a:buChar char="•"/>
             </a:pPr>
             <a:r>
-              <a:rPr lang="en-US" b="1" u="sng"/>
+              <a:rPr lang="en-US" b="1" u="sng" dirty="0"/>
               <a:t>Game analysis - </a:t>
             </a:r>
             <a:r>
-              <a:rPr lang="en-US" b="1"/>
+              <a:rPr lang="en-US" b="1" dirty="0"/>
               <a:t> total time game took, total shots made, total collisions.</a:t>
             </a:r>
-            <a:endParaRPr b="1" u="sng"/>
+            <a:endParaRPr b="1" u="sng" dirty="0"/>
           </a:p>
           <a:p>
             <a:pPr marL="685800" lvl="1" indent="-228600" algn="l" rtl="0">
@@ -17108,34 +17440,54 @@
               <a:buChar char="•"/>
             </a:pPr>
             <a:r>
-              <a:rPr lang="en-US" b="1" u="sng"/>
+              <a:rPr lang="en-US" b="1" u="sng" dirty="0"/>
               <a:t>Main game events </a:t>
             </a:r>
             <a:r>
-              <a:rPr lang="en-US" b="1"/>
-              <a:t>– use custom annotation - @Loggable annotation to use in methods that do not conform with wildcard pattern. Log them to file and print to STDOUT to inform player.</a:t>
-            </a:r>
-            <a:endParaRPr/>
-          </a:p>
-          <a:p>
-            <a:pPr marL="228600" lvl="0" indent="-228600" algn="l" rtl="0">
+              <a:rPr lang="en-US" b="1" dirty="0"/>
+              <a:t>– use custom annotation - </a:t>
+            </a:r>
+            <a:r>
+              <a:rPr lang="en-US" b="1" dirty="0">
+                <a:solidFill>
+                  <a:srgbClr val="FF0000"/>
+                </a:solidFill>
+              </a:rPr>
+              <a:t>@</a:t>
+            </a:r>
+            <a:r>
+              <a:rPr lang="en-US" b="1" dirty="0" err="1">
+                <a:solidFill>
+                  <a:srgbClr val="FF0000"/>
+                </a:solidFill>
+              </a:rPr>
+              <a:t>Loggable</a:t>
+            </a:r>
+            <a:r>
+              <a:rPr lang="en-US" b="1" dirty="0">
+                <a:solidFill>
+                  <a:srgbClr val="FF0000"/>
+                </a:solidFill>
+              </a:rPr>
+              <a:t> </a:t>
+            </a:r>
+            <a:r>
+              <a:rPr lang="en-US" b="1" dirty="0"/>
+              <a:t>annotation to use in methods that do not conform with wildcard pattern. </a:t>
+            </a:r>
+          </a:p>
+          <a:p>
+            <a:pPr marL="228600" indent="-228600">
               <a:lnSpc>
                 <a:spcPct val="150000"/>
               </a:lnSpc>
               <a:spcBef>
-                <a:spcPts val="1000"/>
-              </a:spcBef>
-              <a:spcAft>
-                <a:spcPts val="0"/>
-              </a:spcAft>
-              <a:buClr>
-                <a:srgbClr val="FF0000"/>
-              </a:buClr>
-              <a:buSzPts val="2800"/>
-              <a:buChar char="•"/>
+                <a:spcPts val="500"/>
+              </a:spcBef>
+              <a:buSzPts val="2400"/>
             </a:pPr>
             <a:r>
-              <a:rPr lang="en-US" b="1">
+              <a:rPr lang="en-US" b="1" dirty="0">
                 <a:solidFill>
                   <a:srgbClr val="FF0000"/>
                 </a:solidFill>
@@ -17143,10 +17495,10 @@
               <a:t>Advice: </a:t>
             </a:r>
             <a:r>
-              <a:rPr lang="en-US" b="1"/>
+              <a:rPr lang="en-US" b="1" dirty="0"/>
               <a:t>Log code into logs/app.log file depends on annotation in runtime.</a:t>
             </a:r>
-            <a:endParaRPr/>
+            <a:endParaRPr dirty="0"/>
           </a:p>
         </p:txBody>
       </p:sp>
@@ -17158,7 +17510,7 @@
 </p:sld>
 </file>
 
-<file path=ppt/slides/slide14.xml><?xml version="1.0" encoding="utf-8"?>
+<file path=ppt/slides/slide15.xml><?xml version="1.0" encoding="utf-8"?>
 <p:sld xmlns:a="http://schemas.openxmlformats.org/drawingml/2006/main" xmlns:r="http://schemas.openxmlformats.org/officeDocument/2006/relationships" xmlns:p="http://schemas.openxmlformats.org/presentationml/2006/main">
   <p:cSld>
     <p:spTree>
@@ -17420,7 +17772,156 @@
 </p:sld>
 </file>
 
-<file path=ppt/slides/slide15.xml><?xml version="1.0" encoding="utf-8"?>
+<file path=ppt/slides/slide16.xml><?xml version="1.0" encoding="utf-8"?>
+<p:sld xmlns:a="http://schemas.openxmlformats.org/drawingml/2006/main" xmlns:r="http://schemas.openxmlformats.org/officeDocument/2006/relationships" xmlns:p="http://schemas.openxmlformats.org/presentationml/2006/main">
+  <p:cSld>
+    <p:spTree>
+      <p:nvGrpSpPr>
+        <p:cNvPr id="1" name=""/>
+        <p:cNvGrpSpPr/>
+        <p:nvPr/>
+      </p:nvGrpSpPr>
+      <p:grpSpPr>
+        <a:xfrm>
+          <a:off x="0" y="0"/>
+          <a:ext cx="0" cy="0"/>
+          <a:chOff x="0" y="0"/>
+          <a:chExt cx="0" cy="0"/>
+        </a:xfrm>
+      </p:grpSpPr>
+      <p:pic>
+        <p:nvPicPr>
+          <p:cNvPr id="4" name="Picture 3">
+            <a:extLst>
+              <a:ext uri="{FF2B5EF4-FFF2-40B4-BE49-F238E27FC236}">
+                <a16:creationId xmlns:a16="http://schemas.microsoft.com/office/drawing/2014/main" id="{E801D502-4C7E-4201-AB52-18BF07E95AF7}"/>
+              </a:ext>
+            </a:extLst>
+          </p:cNvPr>
+          <p:cNvPicPr>
+            <a:picLocks noChangeAspect="1"/>
+          </p:cNvPicPr>
+          <p:nvPr/>
+        </p:nvPicPr>
+        <p:blipFill>
+          <a:blip r:embed="rId2"/>
+          <a:stretch>
+            <a:fillRect/>
+          </a:stretch>
+        </p:blipFill>
+        <p:spPr>
+          <a:xfrm>
+            <a:off x="2954119" y="190870"/>
+            <a:ext cx="5632180" cy="6476260"/>
+          </a:xfrm>
+          <a:prstGeom prst="rect">
+            <a:avLst/>
+          </a:prstGeom>
+        </p:spPr>
+      </p:pic>
+    </p:spTree>
+    <p:extLst>
+      <p:ext uri="{BB962C8B-B14F-4D97-AF65-F5344CB8AC3E}">
+        <p14:creationId xmlns:p14="http://schemas.microsoft.com/office/powerpoint/2010/main" val="1609076348"/>
+      </p:ext>
+    </p:extLst>
+  </p:cSld>
+  <p:clrMapOvr>
+    <a:masterClrMapping/>
+  </p:clrMapOvr>
+</p:sld>
+</file>
+
+<file path=ppt/slides/slide17.xml><?xml version="1.0" encoding="utf-8"?>
+<p:sld xmlns:a="http://schemas.openxmlformats.org/drawingml/2006/main" xmlns:r="http://schemas.openxmlformats.org/officeDocument/2006/relationships" xmlns:p="http://schemas.openxmlformats.org/presentationml/2006/main">
+  <p:cSld>
+    <p:spTree>
+      <p:nvGrpSpPr>
+        <p:cNvPr id="1" name=""/>
+        <p:cNvGrpSpPr/>
+        <p:nvPr/>
+      </p:nvGrpSpPr>
+      <p:grpSpPr>
+        <a:xfrm>
+          <a:off x="0" y="0"/>
+          <a:ext cx="0" cy="0"/>
+          <a:chOff x="0" y="0"/>
+          <a:chExt cx="0" cy="0"/>
+        </a:xfrm>
+      </p:grpSpPr>
+      <p:pic>
+        <p:nvPicPr>
+          <p:cNvPr id="4" name="Picture 3">
+            <a:extLst>
+              <a:ext uri="{FF2B5EF4-FFF2-40B4-BE49-F238E27FC236}">
+                <a16:creationId xmlns:a16="http://schemas.microsoft.com/office/drawing/2014/main" id="{26ABD717-6EBA-4ED5-B15A-85A2410E0806}"/>
+              </a:ext>
+            </a:extLst>
+          </p:cNvPr>
+          <p:cNvPicPr>
+            <a:picLocks noChangeAspect="1"/>
+          </p:cNvPicPr>
+          <p:nvPr/>
+        </p:nvPicPr>
+        <p:blipFill>
+          <a:blip r:embed="rId2"/>
+          <a:stretch>
+            <a:fillRect/>
+          </a:stretch>
+        </p:blipFill>
+        <p:spPr>
+          <a:xfrm>
+            <a:off x="3568823" y="3127617"/>
+            <a:ext cx="4145871" cy="3441582"/>
+          </a:xfrm>
+          <a:prstGeom prst="rect">
+            <a:avLst/>
+          </a:prstGeom>
+        </p:spPr>
+      </p:pic>
+      <p:pic>
+        <p:nvPicPr>
+          <p:cNvPr id="5" name="Picture 4">
+            <a:extLst>
+              <a:ext uri="{FF2B5EF4-FFF2-40B4-BE49-F238E27FC236}">
+                <a16:creationId xmlns:a16="http://schemas.microsoft.com/office/drawing/2014/main" id="{1ABA047B-B30E-499A-A73B-07448F27022D}"/>
+              </a:ext>
+            </a:extLst>
+          </p:cNvPr>
+          <p:cNvPicPr>
+            <a:picLocks noChangeAspect="1"/>
+          </p:cNvPicPr>
+          <p:nvPr/>
+        </p:nvPicPr>
+        <p:blipFill rotWithShape="1">
+          <a:blip r:embed="rId3"/>
+          <a:srcRect b="17129"/>
+          <a:stretch/>
+        </p:blipFill>
+        <p:spPr>
+          <a:xfrm>
+            <a:off x="2778424" y="404211"/>
+            <a:ext cx="5708911" cy="2170313"/>
+          </a:xfrm>
+          <a:prstGeom prst="rect">
+            <a:avLst/>
+          </a:prstGeom>
+        </p:spPr>
+      </p:pic>
+    </p:spTree>
+    <p:extLst>
+      <p:ext uri="{BB962C8B-B14F-4D97-AF65-F5344CB8AC3E}">
+        <p14:creationId xmlns:p14="http://schemas.microsoft.com/office/powerpoint/2010/main" val="1866400758"/>
+      </p:ext>
+    </p:extLst>
+  </p:cSld>
+  <p:clrMapOvr>
+    <a:masterClrMapping/>
+  </p:clrMapOvr>
+</p:sld>
+</file>
+
+<file path=ppt/slides/slide18.xml><?xml version="1.0" encoding="utf-8"?>
 <p:sld xmlns:a="http://schemas.openxmlformats.org/drawingml/2006/main" xmlns:r="http://schemas.openxmlformats.org/officeDocument/2006/relationships" xmlns:p="http://schemas.openxmlformats.org/presentationml/2006/main">
   <p:cSld>
     <p:spTree>
@@ -17551,7 +18052,15 @@
                   <a:srgbClr val="FF0000"/>
                 </a:solidFill>
               </a:rPr>
-              <a:t>important</a:t>
+              <a:t>important </a:t>
+            </a:r>
+            <a:r>
+              <a:rPr lang="en-US" b="1" u="sng" dirty="0">
+                <a:solidFill>
+                  <a:srgbClr val="FF0000"/>
+                </a:solidFill>
+              </a:rPr>
+              <a:t>events</a:t>
             </a:r>
             <a:r>
               <a:rPr lang="en-US" b="1" dirty="0"/>
@@ -17690,7 +18199,15 @@
             </a:r>
             <a:r>
               <a:rPr lang="en-US" b="1" dirty="0"/>
-              <a:t>(after).</a:t>
+              <a:t>(using </a:t>
+            </a:r>
+            <a:r>
+              <a:rPr lang="en-US" b="1" dirty="0" err="1"/>
+              <a:t>wildCard</a:t>
+            </a:r>
+            <a:r>
+              <a:rPr lang="en-US" b="1" dirty="0"/>
+              <a:t>).</a:t>
             </a:r>
             <a:endParaRPr b="1" u="sng" dirty="0"/>
           </a:p>
@@ -17770,7 +18287,363 @@
 </p:sld>
 </file>
 
-<file path=ppt/slides/slide16.xml><?xml version="1.0" encoding="utf-8"?>
+<file path=ppt/slides/slide19.xml><?xml version="1.0" encoding="utf-8"?>
+<p:sld xmlns:a="http://schemas.openxmlformats.org/drawingml/2006/main" xmlns:r="http://schemas.openxmlformats.org/officeDocument/2006/relationships" xmlns:p="http://schemas.openxmlformats.org/presentationml/2006/main">
+  <p:cSld>
+    <p:spTree>
+      <p:nvGrpSpPr>
+        <p:cNvPr id="1" name=""/>
+        <p:cNvGrpSpPr/>
+        <p:nvPr/>
+      </p:nvGrpSpPr>
+      <p:grpSpPr>
+        <a:xfrm>
+          <a:off x="0" y="0"/>
+          <a:ext cx="0" cy="0"/>
+          <a:chOff x="0" y="0"/>
+          <a:chExt cx="0" cy="0"/>
+        </a:xfrm>
+      </p:grpSpPr>
+      <p:pic>
+        <p:nvPicPr>
+          <p:cNvPr id="4" name="Picture 3">
+            <a:extLst>
+              <a:ext uri="{FF2B5EF4-FFF2-40B4-BE49-F238E27FC236}">
+                <a16:creationId xmlns:a16="http://schemas.microsoft.com/office/drawing/2014/main" id="{569F5DFC-BFFE-41A4-A7EA-5C2B0FDECDD8}"/>
+              </a:ext>
+            </a:extLst>
+          </p:cNvPr>
+          <p:cNvPicPr>
+            <a:picLocks noChangeAspect="1"/>
+          </p:cNvPicPr>
+          <p:nvPr/>
+        </p:nvPicPr>
+        <p:blipFill>
+          <a:blip r:embed="rId2"/>
+          <a:stretch>
+            <a:fillRect/>
+          </a:stretch>
+        </p:blipFill>
+        <p:spPr>
+          <a:xfrm>
+            <a:off x="1996711" y="571546"/>
+            <a:ext cx="7733336" cy="2752725"/>
+          </a:xfrm>
+          <a:prstGeom prst="rect">
+            <a:avLst/>
+          </a:prstGeom>
+        </p:spPr>
+      </p:pic>
+      <p:pic>
+        <p:nvPicPr>
+          <p:cNvPr id="5" name="Picture 4">
+            <a:extLst>
+              <a:ext uri="{FF2B5EF4-FFF2-40B4-BE49-F238E27FC236}">
+                <a16:creationId xmlns:a16="http://schemas.microsoft.com/office/drawing/2014/main" id="{C0443C0F-2740-461A-8D80-69C789B305E2}"/>
+              </a:ext>
+            </a:extLst>
+          </p:cNvPr>
+          <p:cNvPicPr>
+            <a:picLocks noChangeAspect="1"/>
+          </p:cNvPicPr>
+          <p:nvPr/>
+        </p:nvPicPr>
+        <p:blipFill>
+          <a:blip r:embed="rId3"/>
+          <a:stretch>
+            <a:fillRect/>
+          </a:stretch>
+        </p:blipFill>
+        <p:spPr>
+          <a:xfrm>
+            <a:off x="2456245" y="3799643"/>
+            <a:ext cx="6973505" cy="2834519"/>
+          </a:xfrm>
+          <a:prstGeom prst="rect">
+            <a:avLst/>
+          </a:prstGeom>
+        </p:spPr>
+      </p:pic>
+    </p:spTree>
+    <p:extLst>
+      <p:ext uri="{BB962C8B-B14F-4D97-AF65-F5344CB8AC3E}">
+        <p14:creationId xmlns:p14="http://schemas.microsoft.com/office/powerpoint/2010/main" val="747683740"/>
+      </p:ext>
+    </p:extLst>
+  </p:cSld>
+  <p:clrMapOvr>
+    <a:masterClrMapping/>
+  </p:clrMapOvr>
+</p:sld>
+</file>
+
+<file path=ppt/slides/slide2.xml><?xml version="1.0" encoding="utf-8"?>
+<p:sld xmlns:a="http://schemas.openxmlformats.org/drawingml/2006/main" xmlns:r="http://schemas.openxmlformats.org/officeDocument/2006/relationships" xmlns:p="http://schemas.openxmlformats.org/presentationml/2006/main">
+  <p:cSld>
+    <p:spTree>
+      <p:nvGrpSpPr>
+        <p:cNvPr id="1" name="Shape 96"/>
+        <p:cNvGrpSpPr/>
+        <p:nvPr/>
+      </p:nvGrpSpPr>
+      <p:grpSpPr>
+        <a:xfrm>
+          <a:off x="0" y="0"/>
+          <a:ext cx="0" cy="0"/>
+          <a:chOff x="0" y="0"/>
+          <a:chExt cx="0" cy="0"/>
+        </a:xfrm>
+      </p:grpSpPr>
+      <p:sp>
+        <p:nvSpPr>
+          <p:cNvPr id="97" name="Google Shape;97;p15"/>
+          <p:cNvSpPr txBox="1">
+            <a:spLocks noGrp="1"/>
+          </p:cNvSpPr>
+          <p:nvPr>
+            <p:ph type="title"/>
+          </p:nvPr>
+        </p:nvSpPr>
+        <p:spPr>
+          <a:xfrm>
+            <a:off x="400594" y="86450"/>
+            <a:ext cx="10515600" cy="1325563"/>
+          </a:xfrm>
+          <a:prstGeom prst="rect">
+            <a:avLst/>
+          </a:prstGeom>
+          <a:noFill/>
+          <a:ln>
+            <a:noFill/>
+          </a:ln>
+        </p:spPr>
+        <p:txBody>
+          <a:bodyPr spcFirstLastPara="1" wrap="square" lIns="91425" tIns="45700" rIns="91425" bIns="45700" anchor="ctr" anchorCtr="0">
+            <a:noAutofit/>
+          </a:bodyPr>
+          <a:lstStyle/>
+          <a:p>
+            <a:pPr marL="0" lvl="0" indent="0" algn="l" rtl="0">
+              <a:lnSpc>
+                <a:spcPct val="90000"/>
+              </a:lnSpc>
+              <a:spcBef>
+                <a:spcPts val="0"/>
+              </a:spcBef>
+              <a:spcAft>
+                <a:spcPts val="0"/>
+              </a:spcAft>
+              <a:buClr>
+                <a:schemeClr val="dk1"/>
+              </a:buClr>
+              <a:buSzPts val="4400"/>
+              <a:buFont typeface="Calibri"/>
+              <a:buNone/>
+            </a:pPr>
+            <a:r>
+              <a:rPr lang="en-US" b="1">
+                <a:latin typeface="Calibri"/>
+                <a:ea typeface="Calibri"/>
+                <a:cs typeface="Calibri"/>
+                <a:sym typeface="Calibri"/>
+              </a:rPr>
+              <a:t>Base class: SpaceWars</a:t>
+            </a:r>
+            <a:endParaRPr b="1">
+              <a:latin typeface="Calibri"/>
+              <a:ea typeface="Calibri"/>
+              <a:cs typeface="Calibri"/>
+              <a:sym typeface="Calibri"/>
+            </a:endParaRPr>
+          </a:p>
+        </p:txBody>
+      </p:sp>
+      <p:sp>
+        <p:nvSpPr>
+          <p:cNvPr id="98" name="Google Shape;98;p15"/>
+          <p:cNvSpPr txBox="1">
+            <a:spLocks noGrp="1"/>
+          </p:cNvSpPr>
+          <p:nvPr>
+            <p:ph type="body" idx="1"/>
+          </p:nvPr>
+        </p:nvSpPr>
+        <p:spPr>
+          <a:xfrm>
+            <a:off x="400594" y="1201783"/>
+            <a:ext cx="11495315" cy="5468983"/>
+          </a:xfrm>
+          <a:prstGeom prst="rect">
+            <a:avLst/>
+          </a:prstGeom>
+          <a:noFill/>
+          <a:ln>
+            <a:noFill/>
+          </a:ln>
+        </p:spPr>
+        <p:txBody>
+          <a:bodyPr spcFirstLastPara="1" wrap="square" lIns="91425" tIns="45700" rIns="91425" bIns="45700" anchor="t" anchorCtr="0">
+            <a:noAutofit/>
+          </a:bodyPr>
+          <a:lstStyle/>
+          <a:p>
+            <a:pPr marL="228600" lvl="0" indent="-228600" algn="l" rtl="0">
+              <a:lnSpc>
+                <a:spcPct val="150000"/>
+              </a:lnSpc>
+              <a:spcBef>
+                <a:spcPts val="0"/>
+              </a:spcBef>
+              <a:spcAft>
+                <a:spcPts val="0"/>
+              </a:spcAft>
+              <a:buClr>
+                <a:schemeClr val="dk1"/>
+              </a:buClr>
+              <a:buSzPts val="2800"/>
+              <a:buChar char="•"/>
+            </a:pPr>
+            <a:r>
+              <a:rPr lang="en-US" b="1" i="1" dirty="0"/>
+              <a:t>Space Wars</a:t>
+            </a:r>
+            <a:r>
+              <a:rPr lang="en-US" dirty="0"/>
+              <a:t> </a:t>
+            </a:r>
+            <a:r>
+              <a:rPr lang="en-US" b="1" i="1" dirty="0"/>
+              <a:t>is a 1977 vector graphics </a:t>
+            </a:r>
+            <a:r>
+              <a:rPr lang="en-US" b="1" i="1" dirty="0">
+                <a:solidFill>
+                  <a:srgbClr val="FF0000"/>
+                </a:solidFill>
+              </a:rPr>
+              <a:t>arcade game</a:t>
+            </a:r>
+            <a:r>
+              <a:rPr lang="en-US" b="1" i="1" dirty="0"/>
+              <a:t> </a:t>
+            </a:r>
+            <a:r>
+              <a:rPr lang="en-US" b="1" i="1" dirty="0" err="1"/>
+              <a:t>Spacewar</a:t>
+            </a:r>
+            <a:r>
+              <a:rPr lang="en-US" b="1" i="1" dirty="0"/>
+              <a:t>!. </a:t>
+            </a:r>
+            <a:endParaRPr dirty="0"/>
+          </a:p>
+          <a:p>
+            <a:pPr marL="228600" lvl="0" indent="-228600" algn="l" rtl="0">
+              <a:lnSpc>
+                <a:spcPct val="150000"/>
+              </a:lnSpc>
+              <a:spcBef>
+                <a:spcPts val="1000"/>
+              </a:spcBef>
+              <a:spcAft>
+                <a:spcPts val="0"/>
+              </a:spcAft>
+              <a:buClr>
+                <a:schemeClr val="dk1"/>
+              </a:buClr>
+              <a:buSzPts val="2800"/>
+              <a:buChar char="•"/>
+            </a:pPr>
+            <a:r>
+              <a:rPr lang="en-US" b="1" dirty="0"/>
+              <a:t>We will use the version written by us in OOP course.</a:t>
+            </a:r>
+            <a:endParaRPr dirty="0"/>
+          </a:p>
+          <a:p>
+            <a:pPr marL="228600" lvl="0" indent="-50800" algn="l" rtl="0">
+              <a:lnSpc>
+                <a:spcPct val="150000"/>
+              </a:lnSpc>
+              <a:spcBef>
+                <a:spcPts val="1000"/>
+              </a:spcBef>
+              <a:spcAft>
+                <a:spcPts val="0"/>
+              </a:spcAft>
+              <a:buClr>
+                <a:schemeClr val="dk1"/>
+              </a:buClr>
+              <a:buSzPts val="2800"/>
+              <a:buNone/>
+            </a:pPr>
+            <a:endParaRPr b="1" dirty="0"/>
+          </a:p>
+        </p:txBody>
+      </p:sp>
+      <p:pic>
+        <p:nvPicPr>
+          <p:cNvPr id="99" name="Google Shape;99;p15"/>
+          <p:cNvPicPr preferRelativeResize="0"/>
+          <p:nvPr/>
+        </p:nvPicPr>
+        <p:blipFill rotWithShape="1">
+          <a:blip r:embed="rId3">
+            <a:alphaModFix/>
+          </a:blip>
+          <a:srcRect/>
+          <a:stretch/>
+        </p:blipFill>
+        <p:spPr>
+          <a:xfrm>
+            <a:off x="7590408" y="3384602"/>
+            <a:ext cx="3223537" cy="3122730"/>
+          </a:xfrm>
+          <a:prstGeom prst="rect">
+            <a:avLst/>
+          </a:prstGeom>
+          <a:noFill/>
+          <a:ln>
+            <a:noFill/>
+          </a:ln>
+        </p:spPr>
+      </p:pic>
+      <p:pic>
+        <p:nvPicPr>
+          <p:cNvPr id="100" name="Google Shape;100;p15" descr="Image result for SpaceWars"/>
+          <p:cNvPicPr preferRelativeResize="0"/>
+          <p:nvPr/>
+        </p:nvPicPr>
+        <p:blipFill rotWithShape="1">
+          <a:blip r:embed="rId4">
+            <a:alphaModFix/>
+          </a:blip>
+          <a:srcRect/>
+          <a:stretch/>
+        </p:blipFill>
+        <p:spPr>
+          <a:xfrm>
+            <a:off x="680722" y="3775046"/>
+            <a:ext cx="4500248" cy="2200121"/>
+          </a:xfrm>
+          <a:prstGeom prst="rect">
+            <a:avLst/>
+          </a:prstGeom>
+          <a:noFill/>
+          <a:ln>
+            <a:noFill/>
+          </a:ln>
+        </p:spPr>
+      </p:pic>
+    </p:spTree>
+  </p:cSld>
+  <p:clrMapOvr>
+    <a:masterClrMapping/>
+  </p:clrMapOvr>
+</p:sld>
+</file>
+
+<file path=ppt/slides/slide20.xml><?xml version="1.0" encoding="utf-8"?>
 <p:sld xmlns:a="http://schemas.openxmlformats.org/drawingml/2006/main" xmlns:r="http://schemas.openxmlformats.org/officeDocument/2006/relationships" xmlns:p="http://schemas.openxmlformats.org/presentationml/2006/main">
   <p:cSld>
     <p:spTree>
@@ -17840,7 +18713,7 @@
                 <a:cs typeface="Calibri"/>
                 <a:sym typeface="Calibri"/>
               </a:rPr>
-              <a:t>Design Patterns Aspect</a:t>
+              <a:t>Design Patterns</a:t>
             </a:r>
             <a:endParaRPr dirty="0"/>
           </a:p>
@@ -17934,7 +18807,7 @@
 </p:sld>
 </file>
 
-<file path=ppt/slides/slide17.xml><?xml version="1.0" encoding="utf-8"?>
+<file path=ppt/slides/slide21.xml><?xml version="1.0" encoding="utf-8"?>
 <p:sld xmlns:a="http://schemas.openxmlformats.org/drawingml/2006/main" xmlns:r="http://schemas.openxmlformats.org/officeDocument/2006/relationships" xmlns:p="http://schemas.openxmlformats.org/presentationml/2006/main">
   <p:cSld>
     <p:spTree>
@@ -18045,7 +18918,7 @@
 </p:sld>
 </file>
 
-<file path=ppt/slides/slide18.xml><?xml version="1.0" encoding="utf-8"?>
+<file path=ppt/slides/slide22.xml><?xml version="1.0" encoding="utf-8"?>
 <p:sld xmlns:a="http://schemas.openxmlformats.org/drawingml/2006/main" xmlns:r="http://schemas.openxmlformats.org/officeDocument/2006/relationships" xmlns:p="http://schemas.openxmlformats.org/presentationml/2006/main">
   <p:cSld>
     <p:spTree>
@@ -18182,7 +19055,7 @@
 </p:sld>
 </file>
 
-<file path=ppt/slides/slide19.xml><?xml version="1.0" encoding="utf-8"?>
+<file path=ppt/slides/slide23.xml><?xml version="1.0" encoding="utf-8"?>
 <p:sld xmlns:a="http://schemas.openxmlformats.org/drawingml/2006/main" xmlns:r="http://schemas.openxmlformats.org/officeDocument/2006/relationships" xmlns:p="http://schemas.openxmlformats.org/presentationml/2006/main">
   <p:cSld>
     <p:spTree>
@@ -18234,7 +19107,7 @@
         </p:nvSpPr>
         <p:spPr>
           <a:xfrm>
-            <a:off x="4980709" y="645731"/>
+            <a:off x="4971831" y="423789"/>
             <a:ext cx="1807808" cy="709403"/>
           </a:xfrm>
           <a:prstGeom prst="rect">
@@ -18298,7 +19171,7 @@
         </p:nvSpPr>
         <p:spPr>
           <a:xfrm>
-            <a:off x="2892398" y="1355134"/>
+            <a:off x="2892398" y="1246902"/>
             <a:ext cx="6096000" cy="707886"/>
           </a:xfrm>
           <a:prstGeom prst="rect">
@@ -18329,7 +19202,1148 @@
 </p:sld>
 </file>
 
-<file path=ppt/slides/slide2.xml><?xml version="1.0" encoding="utf-8"?>
+<file path=ppt/slides/slide24.xml><?xml version="1.0" encoding="utf-8"?>
+<p:sld xmlns:a="http://schemas.openxmlformats.org/drawingml/2006/main" xmlns:r="http://schemas.openxmlformats.org/officeDocument/2006/relationships" xmlns:p="http://schemas.openxmlformats.org/presentationml/2006/main">
+  <p:cSld>
+    <p:spTree>
+      <p:nvGrpSpPr>
+        <p:cNvPr id="1" name="Shape 340"/>
+        <p:cNvGrpSpPr/>
+        <p:nvPr/>
+      </p:nvGrpSpPr>
+      <p:grpSpPr>
+        <a:xfrm>
+          <a:off x="0" y="0"/>
+          <a:ext cx="0" cy="0"/>
+          <a:chOff x="0" y="0"/>
+          <a:chExt cx="0" cy="0"/>
+        </a:xfrm>
+      </p:grpSpPr>
+      <p:sp>
+        <p:nvSpPr>
+          <p:cNvPr id="341" name="Google Shape;341;p51"/>
+          <p:cNvSpPr txBox="1">
+            <a:spLocks noGrp="1"/>
+          </p:cNvSpPr>
+          <p:nvPr>
+            <p:ph type="title"/>
+          </p:nvPr>
+        </p:nvSpPr>
+        <p:spPr>
+          <a:xfrm>
+            <a:off x="400594" y="86450"/>
+            <a:ext cx="10515600" cy="1325563"/>
+          </a:xfrm>
+          <a:prstGeom prst="rect">
+            <a:avLst/>
+          </a:prstGeom>
+          <a:noFill/>
+          <a:ln>
+            <a:noFill/>
+          </a:ln>
+        </p:spPr>
+        <p:txBody>
+          <a:bodyPr spcFirstLastPara="1" wrap="square" lIns="91425" tIns="45700" rIns="91425" bIns="45700" anchor="ctr" anchorCtr="0">
+            <a:noAutofit/>
+          </a:bodyPr>
+          <a:lstStyle/>
+          <a:p>
+            <a:pPr marL="0" lvl="0" indent="0" algn="l" rtl="0">
+              <a:lnSpc>
+                <a:spcPct val="90000"/>
+              </a:lnSpc>
+              <a:spcBef>
+                <a:spcPts val="0"/>
+              </a:spcBef>
+              <a:spcAft>
+                <a:spcPts val="0"/>
+              </a:spcAft>
+              <a:buClr>
+                <a:schemeClr val="dk1"/>
+              </a:buClr>
+              <a:buSzPts val="4400"/>
+              <a:buFont typeface="Calibri"/>
+              <a:buNone/>
+            </a:pPr>
+            <a:r>
+              <a:rPr lang="en-US" b="1" dirty="0">
+                <a:latin typeface="Calibri"/>
+                <a:ea typeface="Calibri"/>
+                <a:cs typeface="Calibri"/>
+                <a:sym typeface="Calibri"/>
+              </a:rPr>
+              <a:t>Singleton, the concern.</a:t>
+            </a:r>
+            <a:endParaRPr dirty="0"/>
+          </a:p>
+        </p:txBody>
+      </p:sp>
+      <p:sp>
+        <p:nvSpPr>
+          <p:cNvPr id="342" name="Google Shape;342;p51"/>
+          <p:cNvSpPr txBox="1">
+            <a:spLocks noGrp="1"/>
+          </p:cNvSpPr>
+          <p:nvPr>
+            <p:ph type="body" idx="1"/>
+          </p:nvPr>
+        </p:nvSpPr>
+        <p:spPr>
+          <a:xfrm>
+            <a:off x="125834" y="1116420"/>
+            <a:ext cx="11098635" cy="2683794"/>
+          </a:xfrm>
+          <a:prstGeom prst="rect">
+            <a:avLst/>
+          </a:prstGeom>
+          <a:noFill/>
+          <a:ln>
+            <a:noFill/>
+          </a:ln>
+        </p:spPr>
+        <p:txBody>
+          <a:bodyPr spcFirstLastPara="1" wrap="square" lIns="91425" tIns="45700" rIns="91425" bIns="45700" anchor="t" anchorCtr="0">
+            <a:noAutofit/>
+          </a:bodyPr>
+          <a:lstStyle/>
+          <a:p>
+            <a:pPr marL="228600" lvl="0" indent="-228600" algn="l" rtl="0">
+              <a:lnSpc>
+                <a:spcPct val="150000"/>
+              </a:lnSpc>
+              <a:spcBef>
+                <a:spcPts val="0"/>
+              </a:spcBef>
+              <a:spcAft>
+                <a:spcPts val="0"/>
+              </a:spcAft>
+              <a:buClr>
+                <a:schemeClr val="dk1"/>
+              </a:buClr>
+              <a:buSzPts val="2400"/>
+              <a:buChar char="•"/>
+            </a:pPr>
+            <a:r>
+              <a:rPr lang="en-US" sz="2400" b="1" dirty="0"/>
+              <a:t>Normal OOP style of singleton will consist of writing this code in each of our Singleton instance. In our program – this can be relate to </a:t>
+            </a:r>
+            <a:r>
+              <a:rPr lang="en-US" sz="2400" b="1" dirty="0" err="1"/>
+              <a:t>SpaceShipFactory</a:t>
+            </a:r>
+            <a:r>
+              <a:rPr lang="en-US" sz="2400" b="1" dirty="0"/>
+              <a:t>. We can </a:t>
+            </a:r>
+            <a:r>
+              <a:rPr lang="en-US" sz="2400" b="1" dirty="0">
+                <a:solidFill>
+                  <a:srgbClr val="FF0000"/>
+                </a:solidFill>
+              </a:rPr>
+              <a:t>have many singletons </a:t>
+            </a:r>
+            <a:r>
+              <a:rPr lang="en-US" sz="2400" b="1" dirty="0"/>
+              <a:t>in our codebase! Adding this code each time is </a:t>
+            </a:r>
+            <a:r>
+              <a:rPr lang="en-US" sz="2400" b="1" dirty="0">
+                <a:solidFill>
+                  <a:srgbClr val="FF0000"/>
+                </a:solidFill>
+              </a:rPr>
+              <a:t>tangling</a:t>
+            </a:r>
+            <a:r>
+              <a:rPr lang="en-US" sz="2400" b="1" dirty="0"/>
+              <a:t> the class and will be </a:t>
+            </a:r>
+            <a:r>
+              <a:rPr lang="en-US" sz="2400" b="1" dirty="0">
+                <a:solidFill>
+                  <a:srgbClr val="FF0000"/>
+                </a:solidFill>
+              </a:rPr>
+              <a:t>scattered</a:t>
+            </a:r>
+            <a:r>
+              <a:rPr lang="en-US" sz="2400" b="1" dirty="0"/>
+              <a:t> all over our application.</a:t>
+            </a:r>
+            <a:endParaRPr sz="2400" b="1" i="1" dirty="0"/>
+          </a:p>
+        </p:txBody>
+      </p:sp>
+      <p:pic>
+        <p:nvPicPr>
+          <p:cNvPr id="343" name="Google Shape;343;p51"/>
+          <p:cNvPicPr preferRelativeResize="0"/>
+          <p:nvPr/>
+        </p:nvPicPr>
+        <p:blipFill rotWithShape="1">
+          <a:blip r:embed="rId3">
+            <a:alphaModFix/>
+          </a:blip>
+          <a:srcRect/>
+          <a:stretch/>
+        </p:blipFill>
+        <p:spPr>
+          <a:xfrm>
+            <a:off x="3107183" y="4017555"/>
+            <a:ext cx="5132485" cy="1724025"/>
+          </a:xfrm>
+          <a:prstGeom prst="rect">
+            <a:avLst/>
+          </a:prstGeom>
+          <a:noFill/>
+          <a:ln>
+            <a:noFill/>
+          </a:ln>
+        </p:spPr>
+      </p:pic>
+    </p:spTree>
+  </p:cSld>
+  <p:clrMapOvr>
+    <a:masterClrMapping/>
+  </p:clrMapOvr>
+</p:sld>
+</file>
+
+<file path=ppt/slides/slide25.xml><?xml version="1.0" encoding="utf-8"?>
+<p:sld xmlns:a="http://schemas.openxmlformats.org/drawingml/2006/main" xmlns:r="http://schemas.openxmlformats.org/officeDocument/2006/relationships" xmlns:p="http://schemas.openxmlformats.org/presentationml/2006/main">
+  <p:cSld>
+    <p:spTree>
+      <p:nvGrpSpPr>
+        <p:cNvPr id="1" name="Shape 347"/>
+        <p:cNvGrpSpPr/>
+        <p:nvPr/>
+      </p:nvGrpSpPr>
+      <p:grpSpPr>
+        <a:xfrm>
+          <a:off x="0" y="0"/>
+          <a:ext cx="0" cy="0"/>
+          <a:chOff x="0" y="0"/>
+          <a:chExt cx="0" cy="0"/>
+        </a:xfrm>
+      </p:grpSpPr>
+      <p:sp>
+        <p:nvSpPr>
+          <p:cNvPr id="348" name="Google Shape;348;p52"/>
+          <p:cNvSpPr txBox="1">
+            <a:spLocks noGrp="1"/>
+          </p:cNvSpPr>
+          <p:nvPr>
+            <p:ph type="title"/>
+          </p:nvPr>
+        </p:nvSpPr>
+        <p:spPr>
+          <a:xfrm>
+            <a:off x="400594" y="86450"/>
+            <a:ext cx="10515600" cy="1325563"/>
+          </a:xfrm>
+          <a:prstGeom prst="rect">
+            <a:avLst/>
+          </a:prstGeom>
+          <a:noFill/>
+          <a:ln>
+            <a:noFill/>
+          </a:ln>
+        </p:spPr>
+        <p:txBody>
+          <a:bodyPr spcFirstLastPara="1" wrap="square" lIns="91425" tIns="45700" rIns="91425" bIns="45700" anchor="ctr" anchorCtr="0">
+            <a:noAutofit/>
+          </a:bodyPr>
+          <a:lstStyle/>
+          <a:p>
+            <a:pPr marL="0" lvl="0" indent="0" algn="l" rtl="0">
+              <a:lnSpc>
+                <a:spcPct val="90000"/>
+              </a:lnSpc>
+              <a:spcBef>
+                <a:spcPts val="0"/>
+              </a:spcBef>
+              <a:spcAft>
+                <a:spcPts val="0"/>
+              </a:spcAft>
+              <a:buClr>
+                <a:schemeClr val="dk1"/>
+              </a:buClr>
+              <a:buSzPts val="4400"/>
+              <a:buFont typeface="Calibri"/>
+              <a:buNone/>
+            </a:pPr>
+            <a:r>
+              <a:rPr lang="en-US" b="1">
+                <a:latin typeface="Calibri"/>
+                <a:ea typeface="Calibri"/>
+                <a:cs typeface="Calibri"/>
+                <a:sym typeface="Calibri"/>
+              </a:rPr>
+              <a:t>Design Pattern Aspect - Singleton</a:t>
+            </a:r>
+            <a:endParaRPr/>
+          </a:p>
+        </p:txBody>
+      </p:sp>
+      <p:sp>
+        <p:nvSpPr>
+          <p:cNvPr id="349" name="Google Shape;349;p52"/>
+          <p:cNvSpPr txBox="1">
+            <a:spLocks noGrp="1"/>
+          </p:cNvSpPr>
+          <p:nvPr>
+            <p:ph type="body" idx="1"/>
+          </p:nvPr>
+        </p:nvSpPr>
+        <p:spPr>
+          <a:xfrm>
+            <a:off x="125835" y="1196321"/>
+            <a:ext cx="11434194" cy="3942142"/>
+          </a:xfrm>
+          <a:prstGeom prst="rect">
+            <a:avLst/>
+          </a:prstGeom>
+          <a:noFill/>
+          <a:ln>
+            <a:noFill/>
+          </a:ln>
+        </p:spPr>
+        <p:txBody>
+          <a:bodyPr spcFirstLastPara="1" wrap="square" lIns="91425" tIns="45700" rIns="91425" bIns="45700" anchor="t" anchorCtr="0">
+            <a:noAutofit/>
+          </a:bodyPr>
+          <a:lstStyle/>
+          <a:p>
+            <a:pPr marL="228600" lvl="0" indent="-228600" algn="l" rtl="0">
+              <a:lnSpc>
+                <a:spcPct val="150000"/>
+              </a:lnSpc>
+              <a:spcBef>
+                <a:spcPts val="0"/>
+              </a:spcBef>
+              <a:spcAft>
+                <a:spcPts val="0"/>
+              </a:spcAft>
+              <a:buClr>
+                <a:srgbClr val="FF0000"/>
+              </a:buClr>
+              <a:buSzPts val="2400"/>
+              <a:buChar char="•"/>
+            </a:pPr>
+            <a:r>
+              <a:rPr lang="en-US" sz="2400" b="1" dirty="0">
+                <a:solidFill>
+                  <a:srgbClr val="FF0000"/>
+                </a:solidFill>
+              </a:rPr>
+              <a:t>Concern: </a:t>
+            </a:r>
+            <a:r>
+              <a:rPr lang="en-US" sz="2400" b="1" dirty="0"/>
+              <a:t>adding singleton implementation to each singleton class.</a:t>
+            </a:r>
+            <a:endParaRPr sz="2400" b="1" dirty="0">
+              <a:solidFill>
+                <a:srgbClr val="FF0000"/>
+              </a:solidFill>
+            </a:endParaRPr>
+          </a:p>
+          <a:p>
+            <a:pPr marL="228600" lvl="0" indent="-228600" algn="l" rtl="0">
+              <a:lnSpc>
+                <a:spcPct val="150000"/>
+              </a:lnSpc>
+              <a:spcBef>
+                <a:spcPts val="1000"/>
+              </a:spcBef>
+              <a:spcAft>
+                <a:spcPts val="0"/>
+              </a:spcAft>
+              <a:buClr>
+                <a:srgbClr val="FF0000"/>
+              </a:buClr>
+              <a:buSzPts val="2400"/>
+              <a:buChar char="•"/>
+            </a:pPr>
+            <a:r>
+              <a:rPr lang="en-US" sz="2400" b="1" i="1" dirty="0">
+                <a:solidFill>
+                  <a:srgbClr val="FF0000"/>
+                </a:solidFill>
+              </a:rPr>
+              <a:t>Pointcut:</a:t>
+            </a:r>
+            <a:r>
+              <a:rPr lang="en-US" sz="2400" b="1" i="1" dirty="0"/>
+              <a:t> creation of </a:t>
+            </a:r>
+            <a:r>
+              <a:rPr lang="en-US" sz="2400" b="1" i="1" dirty="0" err="1"/>
+              <a:t>SpaceWars</a:t>
+            </a:r>
+            <a:r>
+              <a:rPr lang="en-US" sz="2400" b="1" i="1" dirty="0"/>
+              <a:t> game instance (.new(..) (only 1x == </a:t>
+            </a:r>
+            <a:r>
+              <a:rPr lang="en-US" sz="2400" b="1" i="1" dirty="0">
+                <a:solidFill>
+                  <a:srgbClr val="FF0000"/>
+                </a:solidFill>
+              </a:rPr>
+              <a:t>singleton</a:t>
+            </a:r>
+            <a:r>
+              <a:rPr lang="en-US" sz="2400" b="1" i="1" dirty="0"/>
+              <a:t>))</a:t>
+            </a:r>
+            <a:endParaRPr dirty="0"/>
+          </a:p>
+          <a:p>
+            <a:pPr marL="228600" lvl="0" indent="-228600" algn="l" rtl="0">
+              <a:lnSpc>
+                <a:spcPct val="150000"/>
+              </a:lnSpc>
+              <a:spcBef>
+                <a:spcPts val="1000"/>
+              </a:spcBef>
+              <a:spcAft>
+                <a:spcPts val="0"/>
+              </a:spcAft>
+              <a:buClr>
+                <a:srgbClr val="FF0000"/>
+              </a:buClr>
+              <a:buSzPts val="2400"/>
+              <a:buChar char="•"/>
+            </a:pPr>
+            <a:r>
+              <a:rPr lang="en-US" sz="2400" b="1" i="1" dirty="0">
+                <a:solidFill>
+                  <a:srgbClr val="FF0000"/>
+                </a:solidFill>
+              </a:rPr>
+              <a:t>Advice: </a:t>
+            </a:r>
+            <a:r>
+              <a:rPr lang="en-US" sz="2400" b="1" dirty="0"/>
+              <a:t>intercepts calls to </a:t>
+            </a:r>
+            <a:r>
+              <a:rPr lang="en-US" sz="2400" b="1" dirty="0">
+                <a:solidFill>
+                  <a:srgbClr val="FF0000"/>
+                </a:solidFill>
+              </a:rPr>
+              <a:t>the constructor of the singleton class</a:t>
+            </a:r>
+            <a:r>
+              <a:rPr lang="en-US" sz="2400" b="1" dirty="0"/>
+              <a:t> and instead of creating a new instance every time, return the instance that was created at the very fist call to the constructor.</a:t>
+            </a:r>
+            <a:endParaRPr dirty="0"/>
+          </a:p>
+          <a:p>
+            <a:pPr marL="228600" lvl="0" indent="-228600" algn="l" rtl="0">
+              <a:lnSpc>
+                <a:spcPct val="150000"/>
+              </a:lnSpc>
+              <a:spcBef>
+                <a:spcPts val="1000"/>
+              </a:spcBef>
+              <a:spcAft>
+                <a:spcPts val="0"/>
+              </a:spcAft>
+              <a:buClr>
+                <a:srgbClr val="FF0000"/>
+              </a:buClr>
+              <a:buSzPts val="2400"/>
+              <a:buChar char="•"/>
+            </a:pPr>
+            <a:r>
+              <a:rPr lang="en-US" sz="2400" b="1" dirty="0">
+                <a:solidFill>
+                  <a:srgbClr val="FF0000"/>
+                </a:solidFill>
+              </a:rPr>
+              <a:t>Result: </a:t>
+            </a:r>
+            <a:r>
+              <a:rPr lang="en-US" sz="2400" b="1" dirty="0">
+                <a:solidFill>
+                  <a:schemeClr val="tx1"/>
+                </a:solidFill>
+              </a:rPr>
+              <a:t>1) </a:t>
+            </a:r>
+            <a:r>
+              <a:rPr lang="en-US" sz="2400" b="1" dirty="0"/>
+              <a:t>much less code written, easy to handle and control from the 1x aspect!  2) </a:t>
+            </a:r>
+            <a:r>
+              <a:rPr lang="en-US" sz="2400" b="1" dirty="0">
+                <a:solidFill>
+                  <a:srgbClr val="FF0000"/>
+                </a:solidFill>
+              </a:rPr>
+              <a:t>flexibility</a:t>
+            </a:r>
+            <a:r>
+              <a:rPr lang="en-US" sz="2400" b="1" dirty="0"/>
+              <a:t> – using annotations @Singleton as an example</a:t>
+            </a:r>
+          </a:p>
+          <a:p>
+            <a:pPr marL="0" lvl="0" indent="0" algn="l" rtl="0">
+              <a:lnSpc>
+                <a:spcPct val="150000"/>
+              </a:lnSpc>
+              <a:spcBef>
+                <a:spcPts val="1000"/>
+              </a:spcBef>
+              <a:spcAft>
+                <a:spcPts val="0"/>
+              </a:spcAft>
+              <a:buClr>
+                <a:srgbClr val="FF0000"/>
+              </a:buClr>
+              <a:buSzPts val="2400"/>
+              <a:buNone/>
+            </a:pPr>
+            <a:endParaRPr sz="2400" b="1" dirty="0">
+              <a:solidFill>
+                <a:srgbClr val="FF0000"/>
+              </a:solidFill>
+            </a:endParaRPr>
+          </a:p>
+          <a:p>
+            <a:pPr marL="228600" lvl="0" indent="-76200" algn="l" rtl="0">
+              <a:lnSpc>
+                <a:spcPct val="150000"/>
+              </a:lnSpc>
+              <a:spcBef>
+                <a:spcPts val="1000"/>
+              </a:spcBef>
+              <a:spcAft>
+                <a:spcPts val="0"/>
+              </a:spcAft>
+              <a:buClr>
+                <a:schemeClr val="dk1"/>
+              </a:buClr>
+              <a:buSzPts val="2400"/>
+              <a:buNone/>
+            </a:pPr>
+            <a:endParaRPr sz="2400" b="1" i="1" dirty="0"/>
+          </a:p>
+        </p:txBody>
+      </p:sp>
+    </p:spTree>
+  </p:cSld>
+  <p:clrMapOvr>
+    <a:masterClrMapping/>
+  </p:clrMapOvr>
+</p:sld>
+</file>
+
+<file path=ppt/slides/slide26.xml><?xml version="1.0" encoding="utf-8"?>
+<p:sld xmlns:a="http://schemas.openxmlformats.org/drawingml/2006/main" xmlns:r="http://schemas.openxmlformats.org/officeDocument/2006/relationships" xmlns:p="http://schemas.openxmlformats.org/presentationml/2006/main">
+  <p:cSld>
+    <p:spTree>
+      <p:nvGrpSpPr>
+        <p:cNvPr id="1" name="Shape 353"/>
+        <p:cNvGrpSpPr/>
+        <p:nvPr/>
+      </p:nvGrpSpPr>
+      <p:grpSpPr>
+        <a:xfrm>
+          <a:off x="0" y="0"/>
+          <a:ext cx="0" cy="0"/>
+          <a:chOff x="0" y="0"/>
+          <a:chExt cx="0" cy="0"/>
+        </a:xfrm>
+      </p:grpSpPr>
+      <p:sp>
+        <p:nvSpPr>
+          <p:cNvPr id="354" name="Google Shape;354;p53"/>
+          <p:cNvSpPr txBox="1">
+            <a:spLocks noGrp="1"/>
+          </p:cNvSpPr>
+          <p:nvPr>
+            <p:ph type="title"/>
+          </p:nvPr>
+        </p:nvSpPr>
+        <p:spPr>
+          <a:xfrm>
+            <a:off x="400594" y="86450"/>
+            <a:ext cx="10515600" cy="1325563"/>
+          </a:xfrm>
+          <a:prstGeom prst="rect">
+            <a:avLst/>
+          </a:prstGeom>
+          <a:noFill/>
+          <a:ln>
+            <a:noFill/>
+          </a:ln>
+        </p:spPr>
+        <p:txBody>
+          <a:bodyPr spcFirstLastPara="1" wrap="square" lIns="91425" tIns="45700" rIns="91425" bIns="45700" anchor="ctr" anchorCtr="0">
+            <a:noAutofit/>
+          </a:bodyPr>
+          <a:lstStyle/>
+          <a:p>
+            <a:pPr marL="0" lvl="0" indent="0" algn="l" rtl="0">
+              <a:lnSpc>
+                <a:spcPct val="90000"/>
+              </a:lnSpc>
+              <a:spcBef>
+                <a:spcPts val="0"/>
+              </a:spcBef>
+              <a:spcAft>
+                <a:spcPts val="0"/>
+              </a:spcAft>
+              <a:buClr>
+                <a:schemeClr val="dk1"/>
+              </a:buClr>
+              <a:buSzPts val="4400"/>
+              <a:buFont typeface="Calibri"/>
+              <a:buNone/>
+            </a:pPr>
+            <a:r>
+              <a:rPr lang="en-US" b="1">
+                <a:latin typeface="Calibri"/>
+                <a:ea typeface="Calibri"/>
+                <a:cs typeface="Calibri"/>
+                <a:sym typeface="Calibri"/>
+              </a:rPr>
+              <a:t>Design Pattern Aspect - Singleton</a:t>
+            </a:r>
+            <a:endParaRPr/>
+          </a:p>
+        </p:txBody>
+      </p:sp>
+      <p:pic>
+        <p:nvPicPr>
+          <p:cNvPr id="355" name="Google Shape;355;p53"/>
+          <p:cNvPicPr preferRelativeResize="0"/>
+          <p:nvPr/>
+        </p:nvPicPr>
+        <p:blipFill rotWithShape="1">
+          <a:blip r:embed="rId3">
+            <a:alphaModFix/>
+          </a:blip>
+          <a:srcRect/>
+          <a:stretch/>
+        </p:blipFill>
+        <p:spPr>
+          <a:xfrm>
+            <a:off x="2707688" y="1313895"/>
+            <a:ext cx="6809173" cy="4927107"/>
+          </a:xfrm>
+          <a:prstGeom prst="rect">
+            <a:avLst/>
+          </a:prstGeom>
+          <a:noFill/>
+          <a:ln>
+            <a:noFill/>
+          </a:ln>
+        </p:spPr>
+      </p:pic>
+    </p:spTree>
+  </p:cSld>
+  <p:clrMapOvr>
+    <a:masterClrMapping/>
+  </p:clrMapOvr>
+</p:sld>
+</file>
+
+<file path=ppt/slides/slide27.xml><?xml version="1.0" encoding="utf-8"?>
+<p:sld xmlns:a="http://schemas.openxmlformats.org/drawingml/2006/main" xmlns:r="http://schemas.openxmlformats.org/officeDocument/2006/relationships" xmlns:p="http://schemas.openxmlformats.org/presentationml/2006/main">
+  <p:cSld>
+    <p:spTree>
+      <p:nvGrpSpPr>
+        <p:cNvPr id="1" name="Shape 359"/>
+        <p:cNvGrpSpPr/>
+        <p:nvPr/>
+      </p:nvGrpSpPr>
+      <p:grpSpPr>
+        <a:xfrm>
+          <a:off x="0" y="0"/>
+          <a:ext cx="0" cy="0"/>
+          <a:chOff x="0" y="0"/>
+          <a:chExt cx="0" cy="0"/>
+        </a:xfrm>
+      </p:grpSpPr>
+      <p:sp>
+        <p:nvSpPr>
+          <p:cNvPr id="360" name="Google Shape;360;p54"/>
+          <p:cNvSpPr txBox="1">
+            <a:spLocks noGrp="1"/>
+          </p:cNvSpPr>
+          <p:nvPr>
+            <p:ph type="title"/>
+          </p:nvPr>
+        </p:nvSpPr>
+        <p:spPr>
+          <a:xfrm>
+            <a:off x="400594" y="86450"/>
+            <a:ext cx="10515600" cy="1325563"/>
+          </a:xfrm>
+          <a:prstGeom prst="rect">
+            <a:avLst/>
+          </a:prstGeom>
+          <a:noFill/>
+          <a:ln>
+            <a:noFill/>
+          </a:ln>
+        </p:spPr>
+        <p:txBody>
+          <a:bodyPr spcFirstLastPara="1" wrap="square" lIns="91425" tIns="45700" rIns="91425" bIns="45700" anchor="ctr" anchorCtr="0">
+            <a:noAutofit/>
+          </a:bodyPr>
+          <a:lstStyle/>
+          <a:p>
+            <a:pPr marL="0" lvl="0" indent="0" algn="l" rtl="0">
+              <a:lnSpc>
+                <a:spcPct val="90000"/>
+              </a:lnSpc>
+              <a:spcBef>
+                <a:spcPts val="0"/>
+              </a:spcBef>
+              <a:spcAft>
+                <a:spcPts val="0"/>
+              </a:spcAft>
+              <a:buClr>
+                <a:schemeClr val="dk1"/>
+              </a:buClr>
+              <a:buSzPts val="4400"/>
+              <a:buFont typeface="Calibri"/>
+              <a:buNone/>
+            </a:pPr>
+            <a:r>
+              <a:rPr lang="en-US" b="1">
+                <a:latin typeface="Calibri"/>
+                <a:ea typeface="Calibri"/>
+                <a:cs typeface="Calibri"/>
+                <a:sym typeface="Calibri"/>
+              </a:rPr>
+              <a:t>Design Pattern Aspect - Singleton</a:t>
+            </a:r>
+            <a:endParaRPr/>
+          </a:p>
+        </p:txBody>
+      </p:sp>
+      <p:pic>
+        <p:nvPicPr>
+          <p:cNvPr id="361" name="Google Shape;361;p54"/>
+          <p:cNvPicPr preferRelativeResize="0"/>
+          <p:nvPr/>
+        </p:nvPicPr>
+        <p:blipFill rotWithShape="1">
+          <a:blip r:embed="rId3">
+            <a:alphaModFix/>
+          </a:blip>
+          <a:srcRect/>
+          <a:stretch/>
+        </p:blipFill>
+        <p:spPr>
+          <a:xfrm>
+            <a:off x="3163741" y="1250353"/>
+            <a:ext cx="5210175" cy="3686175"/>
+          </a:xfrm>
+          <a:prstGeom prst="rect">
+            <a:avLst/>
+          </a:prstGeom>
+          <a:noFill/>
+          <a:ln>
+            <a:noFill/>
+          </a:ln>
+        </p:spPr>
+      </p:pic>
+      <p:pic>
+        <p:nvPicPr>
+          <p:cNvPr id="362" name="Google Shape;362;p54"/>
+          <p:cNvPicPr preferRelativeResize="0"/>
+          <p:nvPr/>
+        </p:nvPicPr>
+        <p:blipFill rotWithShape="1">
+          <a:blip r:embed="rId4">
+            <a:alphaModFix/>
+          </a:blip>
+          <a:srcRect/>
+          <a:stretch/>
+        </p:blipFill>
+        <p:spPr>
+          <a:xfrm>
+            <a:off x="2501929" y="5143762"/>
+            <a:ext cx="6917260" cy="1395456"/>
+          </a:xfrm>
+          <a:prstGeom prst="rect">
+            <a:avLst/>
+          </a:prstGeom>
+          <a:noFill/>
+          <a:ln>
+            <a:noFill/>
+          </a:ln>
+        </p:spPr>
+      </p:pic>
+    </p:spTree>
+  </p:cSld>
+  <p:clrMapOvr>
+    <a:masterClrMapping/>
+  </p:clrMapOvr>
+</p:sld>
+</file>
+
+<file path=ppt/slides/slide28.xml><?xml version="1.0" encoding="utf-8"?>
+<p:sld xmlns:a="http://schemas.openxmlformats.org/drawingml/2006/main" xmlns:r="http://schemas.openxmlformats.org/officeDocument/2006/relationships" xmlns:p="http://schemas.openxmlformats.org/presentationml/2006/main">
+  <p:cSld>
+    <p:spTree>
+      <p:nvGrpSpPr>
+        <p:cNvPr id="1" name="Shape 184"/>
+        <p:cNvGrpSpPr/>
+        <p:nvPr/>
+      </p:nvGrpSpPr>
+      <p:grpSpPr>
+        <a:xfrm>
+          <a:off x="0" y="0"/>
+          <a:ext cx="0" cy="0"/>
+          <a:chOff x="0" y="0"/>
+          <a:chExt cx="0" cy="0"/>
+        </a:xfrm>
+      </p:grpSpPr>
+      <p:sp>
+        <p:nvSpPr>
+          <p:cNvPr id="185" name="Google Shape;185;p28"/>
+          <p:cNvSpPr txBox="1"/>
+          <p:nvPr/>
+        </p:nvSpPr>
+        <p:spPr>
+          <a:xfrm>
+            <a:off x="3848087" y="2334074"/>
+            <a:ext cx="4495826" cy="1754326"/>
+          </a:xfrm>
+          <a:prstGeom prst="rect">
+            <a:avLst/>
+          </a:prstGeom>
+          <a:solidFill>
+            <a:schemeClr val="dk1"/>
+          </a:solidFill>
+          <a:ln w="9525" cap="flat" cmpd="sng">
+            <a:solidFill>
+              <a:schemeClr val="dk1"/>
+            </a:solidFill>
+            <a:prstDash val="solid"/>
+            <a:round/>
+            <a:headEnd type="none" w="sm" len="sm"/>
+            <a:tailEnd type="none" w="sm" len="sm"/>
+          </a:ln>
+        </p:spPr>
+        <p:txBody>
+          <a:bodyPr spcFirstLastPara="1" wrap="square" lIns="91425" tIns="45700" rIns="91425" bIns="45700" anchor="t" anchorCtr="0">
+            <a:noAutofit/>
+          </a:bodyPr>
+          <a:lstStyle/>
+          <a:p>
+            <a:pPr marL="0" marR="0" lvl="0" indent="0" algn="ctr" rtl="0">
+              <a:spcBef>
+                <a:spcPts val="0"/>
+              </a:spcBef>
+              <a:spcAft>
+                <a:spcPts val="0"/>
+              </a:spcAft>
+              <a:buNone/>
+            </a:pPr>
+            <a:r>
+              <a:rPr lang="en-US" sz="5400" b="1" i="0" u="none" strike="noStrike" cap="none">
+                <a:solidFill>
+                  <a:schemeClr val="lt1"/>
+                </a:solidFill>
+                <a:latin typeface="Calibri"/>
+                <a:ea typeface="Calibri"/>
+                <a:cs typeface="Calibri"/>
+                <a:sym typeface="Calibri"/>
+              </a:rPr>
+              <a:t>Regulative Aspects</a:t>
+            </a:r>
+            <a:endParaRPr sz="4800" b="1" i="0" u="none" strike="noStrike" cap="none">
+              <a:solidFill>
+                <a:schemeClr val="lt1"/>
+              </a:solidFill>
+              <a:latin typeface="Calibri"/>
+              <a:ea typeface="Calibri"/>
+              <a:cs typeface="Calibri"/>
+              <a:sym typeface="Calibri"/>
+            </a:endParaRPr>
+          </a:p>
+        </p:txBody>
+      </p:sp>
+    </p:spTree>
+  </p:cSld>
+  <p:clrMapOvr>
+    <a:masterClrMapping/>
+  </p:clrMapOvr>
+</p:sld>
+</file>
+
+<file path=ppt/slides/slide29.xml><?xml version="1.0" encoding="utf-8"?>
+<p:sld xmlns:a="http://schemas.openxmlformats.org/drawingml/2006/main" xmlns:r="http://schemas.openxmlformats.org/officeDocument/2006/relationships" xmlns:p="http://schemas.openxmlformats.org/presentationml/2006/main">
+  <p:cSld>
+    <p:spTree>
+      <p:nvGrpSpPr>
+        <p:cNvPr id="1" name="Shape 189"/>
+        <p:cNvGrpSpPr/>
+        <p:nvPr/>
+      </p:nvGrpSpPr>
+      <p:grpSpPr>
+        <a:xfrm>
+          <a:off x="0" y="0"/>
+          <a:ext cx="0" cy="0"/>
+          <a:chOff x="0" y="0"/>
+          <a:chExt cx="0" cy="0"/>
+        </a:xfrm>
+      </p:grpSpPr>
+      <p:sp>
+        <p:nvSpPr>
+          <p:cNvPr id="190" name="Google Shape;190;p29"/>
+          <p:cNvSpPr txBox="1">
+            <a:spLocks noGrp="1"/>
+          </p:cNvSpPr>
+          <p:nvPr>
+            <p:ph type="title"/>
+          </p:nvPr>
+        </p:nvSpPr>
+        <p:spPr>
+          <a:xfrm>
+            <a:off x="400594" y="86450"/>
+            <a:ext cx="10515600" cy="1325563"/>
+          </a:xfrm>
+          <a:prstGeom prst="rect">
+            <a:avLst/>
+          </a:prstGeom>
+          <a:noFill/>
+          <a:ln>
+            <a:noFill/>
+          </a:ln>
+        </p:spPr>
+        <p:txBody>
+          <a:bodyPr spcFirstLastPara="1" wrap="square" lIns="91425" tIns="45700" rIns="91425" bIns="45700" anchor="ctr" anchorCtr="0">
+            <a:noAutofit/>
+          </a:bodyPr>
+          <a:lstStyle/>
+          <a:p>
+            <a:pPr marL="0" lvl="0" indent="0" algn="l" rtl="0">
+              <a:lnSpc>
+                <a:spcPct val="90000"/>
+              </a:lnSpc>
+              <a:spcBef>
+                <a:spcPts val="0"/>
+              </a:spcBef>
+              <a:spcAft>
+                <a:spcPts val="0"/>
+              </a:spcAft>
+              <a:buClr>
+                <a:schemeClr val="dk1"/>
+              </a:buClr>
+              <a:buSzPts val="4400"/>
+              <a:buFont typeface="Calibri"/>
+              <a:buNone/>
+            </a:pPr>
+            <a:r>
+              <a:rPr lang="en-US" b="1">
+                <a:latin typeface="Calibri"/>
+                <a:ea typeface="Calibri"/>
+                <a:cs typeface="Calibri"/>
+                <a:sym typeface="Calibri"/>
+              </a:rPr>
+              <a:t>Regulative Aspects:</a:t>
+            </a:r>
+            <a:endParaRPr/>
+          </a:p>
+        </p:txBody>
+      </p:sp>
+      <p:sp>
+        <p:nvSpPr>
+          <p:cNvPr id="193" name="Google Shape;193;p29"/>
+          <p:cNvSpPr/>
+          <p:nvPr/>
+        </p:nvSpPr>
+        <p:spPr>
+          <a:xfrm>
+            <a:off x="1388764" y="3158454"/>
+            <a:ext cx="1661139" cy="1468072"/>
+          </a:xfrm>
+          <a:prstGeom prst="ellipse">
+            <a:avLst/>
+          </a:prstGeom>
+          <a:solidFill>
+            <a:srgbClr val="002060"/>
+          </a:solidFill>
+          <a:ln w="12700" cap="flat" cmpd="sng">
+            <a:solidFill>
+              <a:schemeClr val="lt1"/>
+            </a:solidFill>
+            <a:prstDash val="solid"/>
+            <a:miter lim="800000"/>
+            <a:headEnd type="none" w="sm" len="sm"/>
+            <a:tailEnd type="none" w="sm" len="sm"/>
+          </a:ln>
+        </p:spPr>
+        <p:txBody>
+          <a:bodyPr spcFirstLastPara="1" wrap="square" lIns="91425" tIns="45700" rIns="91425" bIns="45700" anchor="ctr" anchorCtr="0">
+            <a:noAutofit/>
+          </a:bodyPr>
+          <a:lstStyle/>
+          <a:p>
+            <a:pPr marL="0" marR="0" lvl="0" indent="0" algn="ctr" rtl="0">
+              <a:spcBef>
+                <a:spcPts val="0"/>
+              </a:spcBef>
+              <a:spcAft>
+                <a:spcPts val="0"/>
+              </a:spcAft>
+              <a:buNone/>
+            </a:pPr>
+            <a:r>
+              <a:rPr lang="en-US" sz="1600" b="1" i="0" u="none" strike="noStrike" cap="none">
+                <a:solidFill>
+                  <a:schemeClr val="lt1"/>
+                </a:solidFill>
+                <a:latin typeface="Calibri"/>
+                <a:ea typeface="Calibri"/>
+                <a:cs typeface="Calibri"/>
+                <a:sym typeface="Calibri"/>
+              </a:rPr>
+              <a:t>Auth Aspect</a:t>
+            </a:r>
+            <a:endParaRPr/>
+          </a:p>
+        </p:txBody>
+      </p:sp>
+      <p:sp>
+        <p:nvSpPr>
+          <p:cNvPr id="194" name="Google Shape;194;p29"/>
+          <p:cNvSpPr/>
+          <p:nvPr/>
+        </p:nvSpPr>
+        <p:spPr>
+          <a:xfrm>
+            <a:off x="5018878" y="3124196"/>
+            <a:ext cx="1602138" cy="1536585"/>
+          </a:xfrm>
+          <a:prstGeom prst="ellipse">
+            <a:avLst/>
+          </a:prstGeom>
+          <a:solidFill>
+            <a:srgbClr val="002060"/>
+          </a:solidFill>
+          <a:ln w="12700" cap="flat" cmpd="sng">
+            <a:solidFill>
+              <a:schemeClr val="lt1"/>
+            </a:solidFill>
+            <a:prstDash val="solid"/>
+            <a:miter lim="800000"/>
+            <a:headEnd type="none" w="sm" len="sm"/>
+            <a:tailEnd type="none" w="sm" len="sm"/>
+          </a:ln>
+        </p:spPr>
+        <p:txBody>
+          <a:bodyPr spcFirstLastPara="1" wrap="square" lIns="91425" tIns="45700" rIns="91425" bIns="45700" anchor="ctr" anchorCtr="0">
+            <a:noAutofit/>
+          </a:bodyPr>
+          <a:lstStyle/>
+          <a:p>
+            <a:pPr marL="0" marR="0" lvl="0" indent="0" algn="ctr" rtl="0">
+              <a:spcBef>
+                <a:spcPts val="0"/>
+              </a:spcBef>
+              <a:spcAft>
+                <a:spcPts val="0"/>
+              </a:spcAft>
+              <a:buNone/>
+            </a:pPr>
+            <a:r>
+              <a:rPr lang="en-US" sz="1600" b="1" i="0" u="none" strike="noStrike" cap="none">
+                <a:solidFill>
+                  <a:schemeClr val="lt1"/>
+                </a:solidFill>
+                <a:latin typeface="Calibri"/>
+                <a:ea typeface="Calibri"/>
+                <a:cs typeface="Calibri"/>
+                <a:sym typeface="Calibri"/>
+              </a:rPr>
+              <a:t>UI Aspect</a:t>
+            </a:r>
+            <a:endParaRPr/>
+          </a:p>
+        </p:txBody>
+      </p:sp>
+      <p:sp>
+        <p:nvSpPr>
+          <p:cNvPr id="195" name="Google Shape;195;p29"/>
+          <p:cNvSpPr/>
+          <p:nvPr/>
+        </p:nvSpPr>
+        <p:spPr>
+          <a:xfrm>
+            <a:off x="8227699" y="3124196"/>
+            <a:ext cx="1484573" cy="1468073"/>
+          </a:xfrm>
+          <a:prstGeom prst="ellipse">
+            <a:avLst/>
+          </a:prstGeom>
+          <a:solidFill>
+            <a:srgbClr val="002060"/>
+          </a:solidFill>
+          <a:ln w="12700" cap="flat" cmpd="sng">
+            <a:solidFill>
+              <a:schemeClr val="lt1"/>
+            </a:solidFill>
+            <a:prstDash val="solid"/>
+            <a:miter lim="800000"/>
+            <a:headEnd type="none" w="sm" len="sm"/>
+            <a:tailEnd type="none" w="sm" len="sm"/>
+          </a:ln>
+        </p:spPr>
+        <p:txBody>
+          <a:bodyPr spcFirstLastPara="1" wrap="square" lIns="91425" tIns="45700" rIns="91425" bIns="45700" anchor="ctr" anchorCtr="0">
+            <a:noAutofit/>
+          </a:bodyPr>
+          <a:lstStyle/>
+          <a:p>
+            <a:pPr marL="0" marR="0" lvl="0" indent="0" algn="ctr" rtl="0">
+              <a:spcBef>
+                <a:spcPts val="0"/>
+              </a:spcBef>
+              <a:spcAft>
+                <a:spcPts val="0"/>
+              </a:spcAft>
+              <a:buNone/>
+            </a:pPr>
+            <a:r>
+              <a:rPr lang="en-US" sz="1600" b="1" i="0" u="none" strike="noStrike" cap="none">
+                <a:solidFill>
+                  <a:schemeClr val="lt1"/>
+                </a:solidFill>
+                <a:latin typeface="Calibri"/>
+                <a:ea typeface="Calibri"/>
+                <a:cs typeface="Calibri"/>
+                <a:sym typeface="Calibri"/>
+              </a:rPr>
+              <a:t>Validator Aspect</a:t>
+            </a:r>
+            <a:endParaRPr/>
+          </a:p>
+        </p:txBody>
+      </p:sp>
+    </p:spTree>
+  </p:cSld>
+  <p:clrMapOvr>
+    <a:masterClrMapping/>
+  </p:clrMapOvr>
+</p:sld>
+</file>
+
+<file path=ppt/slides/slide3.xml><?xml version="1.0" encoding="utf-8"?>
 <p:sld xmlns:a="http://schemas.openxmlformats.org/drawingml/2006/main" xmlns:r="http://schemas.openxmlformats.org/officeDocument/2006/relationships" xmlns:p="http://schemas.openxmlformats.org/presentationml/2006/main">
   <p:cSld>
     <p:spTree>
@@ -18625,1148 +20639,7 @@
 </p:sld>
 </file>
 
-<file path=ppt/slides/slide20.xml><?xml version="1.0" encoding="utf-8"?>
-<p:sld xmlns:a="http://schemas.openxmlformats.org/drawingml/2006/main" xmlns:r="http://schemas.openxmlformats.org/officeDocument/2006/relationships" xmlns:p="http://schemas.openxmlformats.org/presentationml/2006/main">
-  <p:cSld>
-    <p:spTree>
-      <p:nvGrpSpPr>
-        <p:cNvPr id="1" name="Shape 340"/>
-        <p:cNvGrpSpPr/>
-        <p:nvPr/>
-      </p:nvGrpSpPr>
-      <p:grpSpPr>
-        <a:xfrm>
-          <a:off x="0" y="0"/>
-          <a:ext cx="0" cy="0"/>
-          <a:chOff x="0" y="0"/>
-          <a:chExt cx="0" cy="0"/>
-        </a:xfrm>
-      </p:grpSpPr>
-      <p:sp>
-        <p:nvSpPr>
-          <p:cNvPr id="341" name="Google Shape;341;p51"/>
-          <p:cNvSpPr txBox="1">
-            <a:spLocks noGrp="1"/>
-          </p:cNvSpPr>
-          <p:nvPr>
-            <p:ph type="title"/>
-          </p:nvPr>
-        </p:nvSpPr>
-        <p:spPr>
-          <a:xfrm>
-            <a:off x="400594" y="86450"/>
-            <a:ext cx="10515600" cy="1325563"/>
-          </a:xfrm>
-          <a:prstGeom prst="rect">
-            <a:avLst/>
-          </a:prstGeom>
-          <a:noFill/>
-          <a:ln>
-            <a:noFill/>
-          </a:ln>
-        </p:spPr>
-        <p:txBody>
-          <a:bodyPr spcFirstLastPara="1" wrap="square" lIns="91425" tIns="45700" rIns="91425" bIns="45700" anchor="ctr" anchorCtr="0">
-            <a:noAutofit/>
-          </a:bodyPr>
-          <a:lstStyle/>
-          <a:p>
-            <a:pPr marL="0" lvl="0" indent="0" algn="l" rtl="0">
-              <a:lnSpc>
-                <a:spcPct val="90000"/>
-              </a:lnSpc>
-              <a:spcBef>
-                <a:spcPts val="0"/>
-              </a:spcBef>
-              <a:spcAft>
-                <a:spcPts val="0"/>
-              </a:spcAft>
-              <a:buClr>
-                <a:schemeClr val="dk1"/>
-              </a:buClr>
-              <a:buSzPts val="4400"/>
-              <a:buFont typeface="Calibri"/>
-              <a:buNone/>
-            </a:pPr>
-            <a:r>
-              <a:rPr lang="en-US" b="1" dirty="0">
-                <a:latin typeface="Calibri"/>
-                <a:ea typeface="Calibri"/>
-                <a:cs typeface="Calibri"/>
-                <a:sym typeface="Calibri"/>
-              </a:rPr>
-              <a:t>Singleton, the concern.</a:t>
-            </a:r>
-            <a:endParaRPr dirty="0"/>
-          </a:p>
-        </p:txBody>
-      </p:sp>
-      <p:sp>
-        <p:nvSpPr>
-          <p:cNvPr id="342" name="Google Shape;342;p51"/>
-          <p:cNvSpPr txBox="1">
-            <a:spLocks noGrp="1"/>
-          </p:cNvSpPr>
-          <p:nvPr>
-            <p:ph type="body" idx="1"/>
-          </p:nvPr>
-        </p:nvSpPr>
-        <p:spPr>
-          <a:xfrm>
-            <a:off x="125834" y="1116420"/>
-            <a:ext cx="11098635" cy="2683794"/>
-          </a:xfrm>
-          <a:prstGeom prst="rect">
-            <a:avLst/>
-          </a:prstGeom>
-          <a:noFill/>
-          <a:ln>
-            <a:noFill/>
-          </a:ln>
-        </p:spPr>
-        <p:txBody>
-          <a:bodyPr spcFirstLastPara="1" wrap="square" lIns="91425" tIns="45700" rIns="91425" bIns="45700" anchor="t" anchorCtr="0">
-            <a:noAutofit/>
-          </a:bodyPr>
-          <a:lstStyle/>
-          <a:p>
-            <a:pPr marL="228600" lvl="0" indent="-228600" algn="l" rtl="0">
-              <a:lnSpc>
-                <a:spcPct val="150000"/>
-              </a:lnSpc>
-              <a:spcBef>
-                <a:spcPts val="0"/>
-              </a:spcBef>
-              <a:spcAft>
-                <a:spcPts val="0"/>
-              </a:spcAft>
-              <a:buClr>
-                <a:schemeClr val="dk1"/>
-              </a:buClr>
-              <a:buSzPts val="2400"/>
-              <a:buChar char="•"/>
-            </a:pPr>
-            <a:r>
-              <a:rPr lang="en-US" sz="2400" b="1" dirty="0"/>
-              <a:t>Normal OOP style of singleton will consist of writing this code in each of our Singleton instance. In our program – this can be relate to </a:t>
-            </a:r>
-            <a:r>
-              <a:rPr lang="en-US" sz="2400" b="1" dirty="0" err="1"/>
-              <a:t>SpaceShipFactory</a:t>
-            </a:r>
-            <a:r>
-              <a:rPr lang="en-US" sz="2400" b="1" dirty="0"/>
-              <a:t>. We can </a:t>
-            </a:r>
-            <a:r>
-              <a:rPr lang="en-US" sz="2400" b="1" dirty="0">
-                <a:solidFill>
-                  <a:srgbClr val="FF0000"/>
-                </a:solidFill>
-              </a:rPr>
-              <a:t>have many singletons </a:t>
-            </a:r>
-            <a:r>
-              <a:rPr lang="en-US" sz="2400" b="1" dirty="0"/>
-              <a:t>in our codebase! Adding this code each time is </a:t>
-            </a:r>
-            <a:r>
-              <a:rPr lang="en-US" sz="2400" b="1" dirty="0">
-                <a:solidFill>
-                  <a:srgbClr val="FF0000"/>
-                </a:solidFill>
-              </a:rPr>
-              <a:t>tangling</a:t>
-            </a:r>
-            <a:r>
-              <a:rPr lang="en-US" sz="2400" b="1" dirty="0"/>
-              <a:t> the class and will be </a:t>
-            </a:r>
-            <a:r>
-              <a:rPr lang="en-US" sz="2400" b="1" dirty="0">
-                <a:solidFill>
-                  <a:srgbClr val="FF0000"/>
-                </a:solidFill>
-              </a:rPr>
-              <a:t>scattered</a:t>
-            </a:r>
-            <a:r>
-              <a:rPr lang="en-US" sz="2400" b="1" dirty="0"/>
-              <a:t> all over our application.</a:t>
-            </a:r>
-            <a:endParaRPr sz="2400" b="1" i="1" dirty="0"/>
-          </a:p>
-        </p:txBody>
-      </p:sp>
-      <p:pic>
-        <p:nvPicPr>
-          <p:cNvPr id="343" name="Google Shape;343;p51"/>
-          <p:cNvPicPr preferRelativeResize="0"/>
-          <p:nvPr/>
-        </p:nvPicPr>
-        <p:blipFill rotWithShape="1">
-          <a:blip r:embed="rId3">
-            <a:alphaModFix/>
-          </a:blip>
-          <a:srcRect/>
-          <a:stretch/>
-        </p:blipFill>
-        <p:spPr>
-          <a:xfrm>
-            <a:off x="3107183" y="4017555"/>
-            <a:ext cx="5132485" cy="1724025"/>
-          </a:xfrm>
-          <a:prstGeom prst="rect">
-            <a:avLst/>
-          </a:prstGeom>
-          <a:noFill/>
-          <a:ln>
-            <a:noFill/>
-          </a:ln>
-        </p:spPr>
-      </p:pic>
-    </p:spTree>
-  </p:cSld>
-  <p:clrMapOvr>
-    <a:masterClrMapping/>
-  </p:clrMapOvr>
-</p:sld>
-</file>
-
-<file path=ppt/slides/slide21.xml><?xml version="1.0" encoding="utf-8"?>
-<p:sld xmlns:a="http://schemas.openxmlformats.org/drawingml/2006/main" xmlns:r="http://schemas.openxmlformats.org/officeDocument/2006/relationships" xmlns:p="http://schemas.openxmlformats.org/presentationml/2006/main">
-  <p:cSld>
-    <p:spTree>
-      <p:nvGrpSpPr>
-        <p:cNvPr id="1" name="Shape 347"/>
-        <p:cNvGrpSpPr/>
-        <p:nvPr/>
-      </p:nvGrpSpPr>
-      <p:grpSpPr>
-        <a:xfrm>
-          <a:off x="0" y="0"/>
-          <a:ext cx="0" cy="0"/>
-          <a:chOff x="0" y="0"/>
-          <a:chExt cx="0" cy="0"/>
-        </a:xfrm>
-      </p:grpSpPr>
-      <p:sp>
-        <p:nvSpPr>
-          <p:cNvPr id="348" name="Google Shape;348;p52"/>
-          <p:cNvSpPr txBox="1">
-            <a:spLocks noGrp="1"/>
-          </p:cNvSpPr>
-          <p:nvPr>
-            <p:ph type="title"/>
-          </p:nvPr>
-        </p:nvSpPr>
-        <p:spPr>
-          <a:xfrm>
-            <a:off x="400594" y="86450"/>
-            <a:ext cx="10515600" cy="1325563"/>
-          </a:xfrm>
-          <a:prstGeom prst="rect">
-            <a:avLst/>
-          </a:prstGeom>
-          <a:noFill/>
-          <a:ln>
-            <a:noFill/>
-          </a:ln>
-        </p:spPr>
-        <p:txBody>
-          <a:bodyPr spcFirstLastPara="1" wrap="square" lIns="91425" tIns="45700" rIns="91425" bIns="45700" anchor="ctr" anchorCtr="0">
-            <a:noAutofit/>
-          </a:bodyPr>
-          <a:lstStyle/>
-          <a:p>
-            <a:pPr marL="0" lvl="0" indent="0" algn="l" rtl="0">
-              <a:lnSpc>
-                <a:spcPct val="90000"/>
-              </a:lnSpc>
-              <a:spcBef>
-                <a:spcPts val="0"/>
-              </a:spcBef>
-              <a:spcAft>
-                <a:spcPts val="0"/>
-              </a:spcAft>
-              <a:buClr>
-                <a:schemeClr val="dk1"/>
-              </a:buClr>
-              <a:buSzPts val="4400"/>
-              <a:buFont typeface="Calibri"/>
-              <a:buNone/>
-            </a:pPr>
-            <a:r>
-              <a:rPr lang="en-US" b="1">
-                <a:latin typeface="Calibri"/>
-                <a:ea typeface="Calibri"/>
-                <a:cs typeface="Calibri"/>
-                <a:sym typeface="Calibri"/>
-              </a:rPr>
-              <a:t>Design Pattern Aspect - Singleton</a:t>
-            </a:r>
-            <a:endParaRPr/>
-          </a:p>
-        </p:txBody>
-      </p:sp>
-      <p:sp>
-        <p:nvSpPr>
-          <p:cNvPr id="349" name="Google Shape;349;p52"/>
-          <p:cNvSpPr txBox="1">
-            <a:spLocks noGrp="1"/>
-          </p:cNvSpPr>
-          <p:nvPr>
-            <p:ph type="body" idx="1"/>
-          </p:nvPr>
-        </p:nvSpPr>
-        <p:spPr>
-          <a:xfrm>
-            <a:off x="125835" y="1196321"/>
-            <a:ext cx="11434194" cy="3942142"/>
-          </a:xfrm>
-          <a:prstGeom prst="rect">
-            <a:avLst/>
-          </a:prstGeom>
-          <a:noFill/>
-          <a:ln>
-            <a:noFill/>
-          </a:ln>
-        </p:spPr>
-        <p:txBody>
-          <a:bodyPr spcFirstLastPara="1" wrap="square" lIns="91425" tIns="45700" rIns="91425" bIns="45700" anchor="t" anchorCtr="0">
-            <a:noAutofit/>
-          </a:bodyPr>
-          <a:lstStyle/>
-          <a:p>
-            <a:pPr marL="228600" lvl="0" indent="-228600" algn="l" rtl="0">
-              <a:lnSpc>
-                <a:spcPct val="150000"/>
-              </a:lnSpc>
-              <a:spcBef>
-                <a:spcPts val="0"/>
-              </a:spcBef>
-              <a:spcAft>
-                <a:spcPts val="0"/>
-              </a:spcAft>
-              <a:buClr>
-                <a:srgbClr val="FF0000"/>
-              </a:buClr>
-              <a:buSzPts val="2400"/>
-              <a:buChar char="•"/>
-            </a:pPr>
-            <a:r>
-              <a:rPr lang="en-US" sz="2400" b="1" dirty="0">
-                <a:solidFill>
-                  <a:srgbClr val="FF0000"/>
-                </a:solidFill>
-              </a:rPr>
-              <a:t>Concern: </a:t>
-            </a:r>
-            <a:r>
-              <a:rPr lang="en-US" sz="2400" b="1" dirty="0"/>
-              <a:t>adding singleton implementation to each singleton class.</a:t>
-            </a:r>
-            <a:endParaRPr sz="2400" b="1" dirty="0">
-              <a:solidFill>
-                <a:srgbClr val="FF0000"/>
-              </a:solidFill>
-            </a:endParaRPr>
-          </a:p>
-          <a:p>
-            <a:pPr marL="228600" lvl="0" indent="-228600" algn="l" rtl="0">
-              <a:lnSpc>
-                <a:spcPct val="150000"/>
-              </a:lnSpc>
-              <a:spcBef>
-                <a:spcPts val="1000"/>
-              </a:spcBef>
-              <a:spcAft>
-                <a:spcPts val="0"/>
-              </a:spcAft>
-              <a:buClr>
-                <a:srgbClr val="FF0000"/>
-              </a:buClr>
-              <a:buSzPts val="2400"/>
-              <a:buChar char="•"/>
-            </a:pPr>
-            <a:r>
-              <a:rPr lang="en-US" sz="2400" b="1" i="1" dirty="0">
-                <a:solidFill>
-                  <a:srgbClr val="FF0000"/>
-                </a:solidFill>
-              </a:rPr>
-              <a:t>Pointcut:</a:t>
-            </a:r>
-            <a:r>
-              <a:rPr lang="en-US" sz="2400" b="1" i="1" dirty="0"/>
-              <a:t> creation of </a:t>
-            </a:r>
-            <a:r>
-              <a:rPr lang="en-US" sz="2400" b="1" i="1" dirty="0" err="1"/>
-              <a:t>SpaceWars</a:t>
-            </a:r>
-            <a:r>
-              <a:rPr lang="en-US" sz="2400" b="1" i="1" dirty="0"/>
-              <a:t> game instance (.new(..) (only 1x == </a:t>
-            </a:r>
-            <a:r>
-              <a:rPr lang="en-US" sz="2400" b="1" i="1" dirty="0">
-                <a:solidFill>
-                  <a:srgbClr val="FF0000"/>
-                </a:solidFill>
-              </a:rPr>
-              <a:t>singleton</a:t>
-            </a:r>
-            <a:r>
-              <a:rPr lang="en-US" sz="2400" b="1" i="1" dirty="0"/>
-              <a:t>))</a:t>
-            </a:r>
-            <a:endParaRPr dirty="0"/>
-          </a:p>
-          <a:p>
-            <a:pPr marL="228600" lvl="0" indent="-228600" algn="l" rtl="0">
-              <a:lnSpc>
-                <a:spcPct val="150000"/>
-              </a:lnSpc>
-              <a:spcBef>
-                <a:spcPts val="1000"/>
-              </a:spcBef>
-              <a:spcAft>
-                <a:spcPts val="0"/>
-              </a:spcAft>
-              <a:buClr>
-                <a:srgbClr val="FF0000"/>
-              </a:buClr>
-              <a:buSzPts val="2400"/>
-              <a:buChar char="•"/>
-            </a:pPr>
-            <a:r>
-              <a:rPr lang="en-US" sz="2400" b="1" i="1" dirty="0">
-                <a:solidFill>
-                  <a:srgbClr val="FF0000"/>
-                </a:solidFill>
-              </a:rPr>
-              <a:t>Advice: </a:t>
-            </a:r>
-            <a:r>
-              <a:rPr lang="en-US" sz="2400" b="1" dirty="0"/>
-              <a:t>intercepts calls to </a:t>
-            </a:r>
-            <a:r>
-              <a:rPr lang="en-US" sz="2400" b="1" dirty="0">
-                <a:solidFill>
-                  <a:srgbClr val="FF0000"/>
-                </a:solidFill>
-              </a:rPr>
-              <a:t>the constructor of the singleton class</a:t>
-            </a:r>
-            <a:r>
-              <a:rPr lang="en-US" sz="2400" b="1" dirty="0"/>
-              <a:t> and instead of creating a new instance every time, return the instance that was created at the very fist call to the constructor.</a:t>
-            </a:r>
-            <a:endParaRPr dirty="0"/>
-          </a:p>
-          <a:p>
-            <a:pPr marL="228600" lvl="0" indent="-228600" algn="l" rtl="0">
-              <a:lnSpc>
-                <a:spcPct val="150000"/>
-              </a:lnSpc>
-              <a:spcBef>
-                <a:spcPts val="1000"/>
-              </a:spcBef>
-              <a:spcAft>
-                <a:spcPts val="0"/>
-              </a:spcAft>
-              <a:buClr>
-                <a:srgbClr val="FF0000"/>
-              </a:buClr>
-              <a:buSzPts val="2400"/>
-              <a:buChar char="•"/>
-            </a:pPr>
-            <a:r>
-              <a:rPr lang="en-US" sz="2400" b="1" dirty="0">
-                <a:solidFill>
-                  <a:srgbClr val="FF0000"/>
-                </a:solidFill>
-              </a:rPr>
-              <a:t>Result: </a:t>
-            </a:r>
-            <a:r>
-              <a:rPr lang="en-US" sz="2400" b="1" dirty="0">
-                <a:solidFill>
-                  <a:schemeClr val="tx1"/>
-                </a:solidFill>
-              </a:rPr>
-              <a:t>1) </a:t>
-            </a:r>
-            <a:r>
-              <a:rPr lang="en-US" sz="2400" b="1" dirty="0"/>
-              <a:t>much less code written, easy to handle and control from the 1x aspect!  2) </a:t>
-            </a:r>
-            <a:r>
-              <a:rPr lang="en-US" sz="2400" b="1" dirty="0">
-                <a:solidFill>
-                  <a:srgbClr val="FF0000"/>
-                </a:solidFill>
-              </a:rPr>
-              <a:t>flexibility</a:t>
-            </a:r>
-            <a:r>
-              <a:rPr lang="en-US" sz="2400" b="1" dirty="0"/>
-              <a:t> – using annotations @Singleton as an example</a:t>
-            </a:r>
-          </a:p>
-          <a:p>
-            <a:pPr marL="0" lvl="0" indent="0" algn="l" rtl="0">
-              <a:lnSpc>
-                <a:spcPct val="150000"/>
-              </a:lnSpc>
-              <a:spcBef>
-                <a:spcPts val="1000"/>
-              </a:spcBef>
-              <a:spcAft>
-                <a:spcPts val="0"/>
-              </a:spcAft>
-              <a:buClr>
-                <a:srgbClr val="FF0000"/>
-              </a:buClr>
-              <a:buSzPts val="2400"/>
-              <a:buNone/>
-            </a:pPr>
-            <a:endParaRPr sz="2400" b="1" dirty="0">
-              <a:solidFill>
-                <a:srgbClr val="FF0000"/>
-              </a:solidFill>
-            </a:endParaRPr>
-          </a:p>
-          <a:p>
-            <a:pPr marL="228600" lvl="0" indent="-76200" algn="l" rtl="0">
-              <a:lnSpc>
-                <a:spcPct val="150000"/>
-              </a:lnSpc>
-              <a:spcBef>
-                <a:spcPts val="1000"/>
-              </a:spcBef>
-              <a:spcAft>
-                <a:spcPts val="0"/>
-              </a:spcAft>
-              <a:buClr>
-                <a:schemeClr val="dk1"/>
-              </a:buClr>
-              <a:buSzPts val="2400"/>
-              <a:buNone/>
-            </a:pPr>
-            <a:endParaRPr sz="2400" b="1" i="1" dirty="0"/>
-          </a:p>
-        </p:txBody>
-      </p:sp>
-    </p:spTree>
-  </p:cSld>
-  <p:clrMapOvr>
-    <a:masterClrMapping/>
-  </p:clrMapOvr>
-</p:sld>
-</file>
-
-<file path=ppt/slides/slide22.xml><?xml version="1.0" encoding="utf-8"?>
-<p:sld xmlns:a="http://schemas.openxmlformats.org/drawingml/2006/main" xmlns:r="http://schemas.openxmlformats.org/officeDocument/2006/relationships" xmlns:p="http://schemas.openxmlformats.org/presentationml/2006/main">
-  <p:cSld>
-    <p:spTree>
-      <p:nvGrpSpPr>
-        <p:cNvPr id="1" name="Shape 353"/>
-        <p:cNvGrpSpPr/>
-        <p:nvPr/>
-      </p:nvGrpSpPr>
-      <p:grpSpPr>
-        <a:xfrm>
-          <a:off x="0" y="0"/>
-          <a:ext cx="0" cy="0"/>
-          <a:chOff x="0" y="0"/>
-          <a:chExt cx="0" cy="0"/>
-        </a:xfrm>
-      </p:grpSpPr>
-      <p:sp>
-        <p:nvSpPr>
-          <p:cNvPr id="354" name="Google Shape;354;p53"/>
-          <p:cNvSpPr txBox="1">
-            <a:spLocks noGrp="1"/>
-          </p:cNvSpPr>
-          <p:nvPr>
-            <p:ph type="title"/>
-          </p:nvPr>
-        </p:nvSpPr>
-        <p:spPr>
-          <a:xfrm>
-            <a:off x="400594" y="86450"/>
-            <a:ext cx="10515600" cy="1325563"/>
-          </a:xfrm>
-          <a:prstGeom prst="rect">
-            <a:avLst/>
-          </a:prstGeom>
-          <a:noFill/>
-          <a:ln>
-            <a:noFill/>
-          </a:ln>
-        </p:spPr>
-        <p:txBody>
-          <a:bodyPr spcFirstLastPara="1" wrap="square" lIns="91425" tIns="45700" rIns="91425" bIns="45700" anchor="ctr" anchorCtr="0">
-            <a:noAutofit/>
-          </a:bodyPr>
-          <a:lstStyle/>
-          <a:p>
-            <a:pPr marL="0" lvl="0" indent="0" algn="l" rtl="0">
-              <a:lnSpc>
-                <a:spcPct val="90000"/>
-              </a:lnSpc>
-              <a:spcBef>
-                <a:spcPts val="0"/>
-              </a:spcBef>
-              <a:spcAft>
-                <a:spcPts val="0"/>
-              </a:spcAft>
-              <a:buClr>
-                <a:schemeClr val="dk1"/>
-              </a:buClr>
-              <a:buSzPts val="4400"/>
-              <a:buFont typeface="Calibri"/>
-              <a:buNone/>
-            </a:pPr>
-            <a:r>
-              <a:rPr lang="en-US" b="1">
-                <a:latin typeface="Calibri"/>
-                <a:ea typeface="Calibri"/>
-                <a:cs typeface="Calibri"/>
-                <a:sym typeface="Calibri"/>
-              </a:rPr>
-              <a:t>Design Pattern Aspect - Singleton</a:t>
-            </a:r>
-            <a:endParaRPr/>
-          </a:p>
-        </p:txBody>
-      </p:sp>
-      <p:pic>
-        <p:nvPicPr>
-          <p:cNvPr id="355" name="Google Shape;355;p53"/>
-          <p:cNvPicPr preferRelativeResize="0"/>
-          <p:nvPr/>
-        </p:nvPicPr>
-        <p:blipFill rotWithShape="1">
-          <a:blip r:embed="rId3">
-            <a:alphaModFix/>
-          </a:blip>
-          <a:srcRect/>
-          <a:stretch/>
-        </p:blipFill>
-        <p:spPr>
-          <a:xfrm>
-            <a:off x="2707688" y="1313895"/>
-            <a:ext cx="6809173" cy="4927107"/>
-          </a:xfrm>
-          <a:prstGeom prst="rect">
-            <a:avLst/>
-          </a:prstGeom>
-          <a:noFill/>
-          <a:ln>
-            <a:noFill/>
-          </a:ln>
-        </p:spPr>
-      </p:pic>
-    </p:spTree>
-  </p:cSld>
-  <p:clrMapOvr>
-    <a:masterClrMapping/>
-  </p:clrMapOvr>
-</p:sld>
-</file>
-
-<file path=ppt/slides/slide23.xml><?xml version="1.0" encoding="utf-8"?>
-<p:sld xmlns:a="http://schemas.openxmlformats.org/drawingml/2006/main" xmlns:r="http://schemas.openxmlformats.org/officeDocument/2006/relationships" xmlns:p="http://schemas.openxmlformats.org/presentationml/2006/main">
-  <p:cSld>
-    <p:spTree>
-      <p:nvGrpSpPr>
-        <p:cNvPr id="1" name="Shape 359"/>
-        <p:cNvGrpSpPr/>
-        <p:nvPr/>
-      </p:nvGrpSpPr>
-      <p:grpSpPr>
-        <a:xfrm>
-          <a:off x="0" y="0"/>
-          <a:ext cx="0" cy="0"/>
-          <a:chOff x="0" y="0"/>
-          <a:chExt cx="0" cy="0"/>
-        </a:xfrm>
-      </p:grpSpPr>
-      <p:sp>
-        <p:nvSpPr>
-          <p:cNvPr id="360" name="Google Shape;360;p54"/>
-          <p:cNvSpPr txBox="1">
-            <a:spLocks noGrp="1"/>
-          </p:cNvSpPr>
-          <p:nvPr>
-            <p:ph type="title"/>
-          </p:nvPr>
-        </p:nvSpPr>
-        <p:spPr>
-          <a:xfrm>
-            <a:off x="400594" y="86450"/>
-            <a:ext cx="10515600" cy="1325563"/>
-          </a:xfrm>
-          <a:prstGeom prst="rect">
-            <a:avLst/>
-          </a:prstGeom>
-          <a:noFill/>
-          <a:ln>
-            <a:noFill/>
-          </a:ln>
-        </p:spPr>
-        <p:txBody>
-          <a:bodyPr spcFirstLastPara="1" wrap="square" lIns="91425" tIns="45700" rIns="91425" bIns="45700" anchor="ctr" anchorCtr="0">
-            <a:noAutofit/>
-          </a:bodyPr>
-          <a:lstStyle/>
-          <a:p>
-            <a:pPr marL="0" lvl="0" indent="0" algn="l" rtl="0">
-              <a:lnSpc>
-                <a:spcPct val="90000"/>
-              </a:lnSpc>
-              <a:spcBef>
-                <a:spcPts val="0"/>
-              </a:spcBef>
-              <a:spcAft>
-                <a:spcPts val="0"/>
-              </a:spcAft>
-              <a:buClr>
-                <a:schemeClr val="dk1"/>
-              </a:buClr>
-              <a:buSzPts val="4400"/>
-              <a:buFont typeface="Calibri"/>
-              <a:buNone/>
-            </a:pPr>
-            <a:r>
-              <a:rPr lang="en-US" b="1">
-                <a:latin typeface="Calibri"/>
-                <a:ea typeface="Calibri"/>
-                <a:cs typeface="Calibri"/>
-                <a:sym typeface="Calibri"/>
-              </a:rPr>
-              <a:t>Design Pattern Aspect - Singleton</a:t>
-            </a:r>
-            <a:endParaRPr/>
-          </a:p>
-        </p:txBody>
-      </p:sp>
-      <p:pic>
-        <p:nvPicPr>
-          <p:cNvPr id="361" name="Google Shape;361;p54"/>
-          <p:cNvPicPr preferRelativeResize="0"/>
-          <p:nvPr/>
-        </p:nvPicPr>
-        <p:blipFill rotWithShape="1">
-          <a:blip r:embed="rId3">
-            <a:alphaModFix/>
-          </a:blip>
-          <a:srcRect/>
-          <a:stretch/>
-        </p:blipFill>
-        <p:spPr>
-          <a:xfrm>
-            <a:off x="3163741" y="1250353"/>
-            <a:ext cx="5210175" cy="3686175"/>
-          </a:xfrm>
-          <a:prstGeom prst="rect">
-            <a:avLst/>
-          </a:prstGeom>
-          <a:noFill/>
-          <a:ln>
-            <a:noFill/>
-          </a:ln>
-        </p:spPr>
-      </p:pic>
-      <p:pic>
-        <p:nvPicPr>
-          <p:cNvPr id="362" name="Google Shape;362;p54"/>
-          <p:cNvPicPr preferRelativeResize="0"/>
-          <p:nvPr/>
-        </p:nvPicPr>
-        <p:blipFill rotWithShape="1">
-          <a:blip r:embed="rId4">
-            <a:alphaModFix/>
-          </a:blip>
-          <a:srcRect/>
-          <a:stretch/>
-        </p:blipFill>
-        <p:spPr>
-          <a:xfrm>
-            <a:off x="2501929" y="5143762"/>
-            <a:ext cx="6917260" cy="1395456"/>
-          </a:xfrm>
-          <a:prstGeom prst="rect">
-            <a:avLst/>
-          </a:prstGeom>
-          <a:noFill/>
-          <a:ln>
-            <a:noFill/>
-          </a:ln>
-        </p:spPr>
-      </p:pic>
-    </p:spTree>
-  </p:cSld>
-  <p:clrMapOvr>
-    <a:masterClrMapping/>
-  </p:clrMapOvr>
-</p:sld>
-</file>
-
-<file path=ppt/slides/slide24.xml><?xml version="1.0" encoding="utf-8"?>
-<p:sld xmlns:a="http://schemas.openxmlformats.org/drawingml/2006/main" xmlns:r="http://schemas.openxmlformats.org/officeDocument/2006/relationships" xmlns:p="http://schemas.openxmlformats.org/presentationml/2006/main">
-  <p:cSld>
-    <p:spTree>
-      <p:nvGrpSpPr>
-        <p:cNvPr id="1" name="Shape 184"/>
-        <p:cNvGrpSpPr/>
-        <p:nvPr/>
-      </p:nvGrpSpPr>
-      <p:grpSpPr>
-        <a:xfrm>
-          <a:off x="0" y="0"/>
-          <a:ext cx="0" cy="0"/>
-          <a:chOff x="0" y="0"/>
-          <a:chExt cx="0" cy="0"/>
-        </a:xfrm>
-      </p:grpSpPr>
-      <p:sp>
-        <p:nvSpPr>
-          <p:cNvPr id="185" name="Google Shape;185;p28"/>
-          <p:cNvSpPr txBox="1"/>
-          <p:nvPr/>
-        </p:nvSpPr>
-        <p:spPr>
-          <a:xfrm>
-            <a:off x="3848087" y="2334074"/>
-            <a:ext cx="4495826" cy="1754326"/>
-          </a:xfrm>
-          <a:prstGeom prst="rect">
-            <a:avLst/>
-          </a:prstGeom>
-          <a:solidFill>
-            <a:schemeClr val="dk1"/>
-          </a:solidFill>
-          <a:ln w="9525" cap="flat" cmpd="sng">
-            <a:solidFill>
-              <a:schemeClr val="dk1"/>
-            </a:solidFill>
-            <a:prstDash val="solid"/>
-            <a:round/>
-            <a:headEnd type="none" w="sm" len="sm"/>
-            <a:tailEnd type="none" w="sm" len="sm"/>
-          </a:ln>
-        </p:spPr>
-        <p:txBody>
-          <a:bodyPr spcFirstLastPara="1" wrap="square" lIns="91425" tIns="45700" rIns="91425" bIns="45700" anchor="t" anchorCtr="0">
-            <a:noAutofit/>
-          </a:bodyPr>
-          <a:lstStyle/>
-          <a:p>
-            <a:pPr marL="0" marR="0" lvl="0" indent="0" algn="ctr" rtl="0">
-              <a:spcBef>
-                <a:spcPts val="0"/>
-              </a:spcBef>
-              <a:spcAft>
-                <a:spcPts val="0"/>
-              </a:spcAft>
-              <a:buNone/>
-            </a:pPr>
-            <a:r>
-              <a:rPr lang="en-US" sz="5400" b="1" i="0" u="none" strike="noStrike" cap="none">
-                <a:solidFill>
-                  <a:schemeClr val="lt1"/>
-                </a:solidFill>
-                <a:latin typeface="Calibri"/>
-                <a:ea typeface="Calibri"/>
-                <a:cs typeface="Calibri"/>
-                <a:sym typeface="Calibri"/>
-              </a:rPr>
-              <a:t>Regulative Aspects</a:t>
-            </a:r>
-            <a:endParaRPr sz="4800" b="1" i="0" u="none" strike="noStrike" cap="none">
-              <a:solidFill>
-                <a:schemeClr val="lt1"/>
-              </a:solidFill>
-              <a:latin typeface="Calibri"/>
-              <a:ea typeface="Calibri"/>
-              <a:cs typeface="Calibri"/>
-              <a:sym typeface="Calibri"/>
-            </a:endParaRPr>
-          </a:p>
-        </p:txBody>
-      </p:sp>
-    </p:spTree>
-  </p:cSld>
-  <p:clrMapOvr>
-    <a:masterClrMapping/>
-  </p:clrMapOvr>
-</p:sld>
-</file>
-
-<file path=ppt/slides/slide25.xml><?xml version="1.0" encoding="utf-8"?>
-<p:sld xmlns:a="http://schemas.openxmlformats.org/drawingml/2006/main" xmlns:r="http://schemas.openxmlformats.org/officeDocument/2006/relationships" xmlns:p="http://schemas.openxmlformats.org/presentationml/2006/main">
-  <p:cSld>
-    <p:spTree>
-      <p:nvGrpSpPr>
-        <p:cNvPr id="1" name="Shape 189"/>
-        <p:cNvGrpSpPr/>
-        <p:nvPr/>
-      </p:nvGrpSpPr>
-      <p:grpSpPr>
-        <a:xfrm>
-          <a:off x="0" y="0"/>
-          <a:ext cx="0" cy="0"/>
-          <a:chOff x="0" y="0"/>
-          <a:chExt cx="0" cy="0"/>
-        </a:xfrm>
-      </p:grpSpPr>
-      <p:sp>
-        <p:nvSpPr>
-          <p:cNvPr id="190" name="Google Shape;190;p29"/>
-          <p:cNvSpPr txBox="1">
-            <a:spLocks noGrp="1"/>
-          </p:cNvSpPr>
-          <p:nvPr>
-            <p:ph type="title"/>
-          </p:nvPr>
-        </p:nvSpPr>
-        <p:spPr>
-          <a:xfrm>
-            <a:off x="400594" y="86450"/>
-            <a:ext cx="10515600" cy="1325563"/>
-          </a:xfrm>
-          <a:prstGeom prst="rect">
-            <a:avLst/>
-          </a:prstGeom>
-          <a:noFill/>
-          <a:ln>
-            <a:noFill/>
-          </a:ln>
-        </p:spPr>
-        <p:txBody>
-          <a:bodyPr spcFirstLastPara="1" wrap="square" lIns="91425" tIns="45700" rIns="91425" bIns="45700" anchor="ctr" anchorCtr="0">
-            <a:noAutofit/>
-          </a:bodyPr>
-          <a:lstStyle/>
-          <a:p>
-            <a:pPr marL="0" lvl="0" indent="0" algn="l" rtl="0">
-              <a:lnSpc>
-                <a:spcPct val="90000"/>
-              </a:lnSpc>
-              <a:spcBef>
-                <a:spcPts val="0"/>
-              </a:spcBef>
-              <a:spcAft>
-                <a:spcPts val="0"/>
-              </a:spcAft>
-              <a:buClr>
-                <a:schemeClr val="dk1"/>
-              </a:buClr>
-              <a:buSzPts val="4400"/>
-              <a:buFont typeface="Calibri"/>
-              <a:buNone/>
-            </a:pPr>
-            <a:r>
-              <a:rPr lang="en-US" b="1">
-                <a:latin typeface="Calibri"/>
-                <a:ea typeface="Calibri"/>
-                <a:cs typeface="Calibri"/>
-                <a:sym typeface="Calibri"/>
-              </a:rPr>
-              <a:t>Regulative Aspects:</a:t>
-            </a:r>
-            <a:endParaRPr/>
-          </a:p>
-        </p:txBody>
-      </p:sp>
-      <p:sp>
-        <p:nvSpPr>
-          <p:cNvPr id="193" name="Google Shape;193;p29"/>
-          <p:cNvSpPr/>
-          <p:nvPr/>
-        </p:nvSpPr>
-        <p:spPr>
-          <a:xfrm>
-            <a:off x="1388764" y="3158454"/>
-            <a:ext cx="1661139" cy="1468072"/>
-          </a:xfrm>
-          <a:prstGeom prst="ellipse">
-            <a:avLst/>
-          </a:prstGeom>
-          <a:solidFill>
-            <a:srgbClr val="002060"/>
-          </a:solidFill>
-          <a:ln w="12700" cap="flat" cmpd="sng">
-            <a:solidFill>
-              <a:schemeClr val="lt1"/>
-            </a:solidFill>
-            <a:prstDash val="solid"/>
-            <a:miter lim="800000"/>
-            <a:headEnd type="none" w="sm" len="sm"/>
-            <a:tailEnd type="none" w="sm" len="sm"/>
-          </a:ln>
-        </p:spPr>
-        <p:txBody>
-          <a:bodyPr spcFirstLastPara="1" wrap="square" lIns="91425" tIns="45700" rIns="91425" bIns="45700" anchor="ctr" anchorCtr="0">
-            <a:noAutofit/>
-          </a:bodyPr>
-          <a:lstStyle/>
-          <a:p>
-            <a:pPr marL="0" marR="0" lvl="0" indent="0" algn="ctr" rtl="0">
-              <a:spcBef>
-                <a:spcPts val="0"/>
-              </a:spcBef>
-              <a:spcAft>
-                <a:spcPts val="0"/>
-              </a:spcAft>
-              <a:buNone/>
-            </a:pPr>
-            <a:r>
-              <a:rPr lang="en-US" sz="1600" b="1" i="0" u="none" strike="noStrike" cap="none">
-                <a:solidFill>
-                  <a:schemeClr val="lt1"/>
-                </a:solidFill>
-                <a:latin typeface="Calibri"/>
-                <a:ea typeface="Calibri"/>
-                <a:cs typeface="Calibri"/>
-                <a:sym typeface="Calibri"/>
-              </a:rPr>
-              <a:t>Auth Aspect</a:t>
-            </a:r>
-            <a:endParaRPr/>
-          </a:p>
-        </p:txBody>
-      </p:sp>
-      <p:sp>
-        <p:nvSpPr>
-          <p:cNvPr id="194" name="Google Shape;194;p29"/>
-          <p:cNvSpPr/>
-          <p:nvPr/>
-        </p:nvSpPr>
-        <p:spPr>
-          <a:xfrm>
-            <a:off x="5018878" y="3124196"/>
-            <a:ext cx="1602138" cy="1536585"/>
-          </a:xfrm>
-          <a:prstGeom prst="ellipse">
-            <a:avLst/>
-          </a:prstGeom>
-          <a:solidFill>
-            <a:srgbClr val="002060"/>
-          </a:solidFill>
-          <a:ln w="12700" cap="flat" cmpd="sng">
-            <a:solidFill>
-              <a:schemeClr val="lt1"/>
-            </a:solidFill>
-            <a:prstDash val="solid"/>
-            <a:miter lim="800000"/>
-            <a:headEnd type="none" w="sm" len="sm"/>
-            <a:tailEnd type="none" w="sm" len="sm"/>
-          </a:ln>
-        </p:spPr>
-        <p:txBody>
-          <a:bodyPr spcFirstLastPara="1" wrap="square" lIns="91425" tIns="45700" rIns="91425" bIns="45700" anchor="ctr" anchorCtr="0">
-            <a:noAutofit/>
-          </a:bodyPr>
-          <a:lstStyle/>
-          <a:p>
-            <a:pPr marL="0" marR="0" lvl="0" indent="0" algn="ctr" rtl="0">
-              <a:spcBef>
-                <a:spcPts val="0"/>
-              </a:spcBef>
-              <a:spcAft>
-                <a:spcPts val="0"/>
-              </a:spcAft>
-              <a:buNone/>
-            </a:pPr>
-            <a:r>
-              <a:rPr lang="en-US" sz="1600" b="1" i="0" u="none" strike="noStrike" cap="none">
-                <a:solidFill>
-                  <a:schemeClr val="lt1"/>
-                </a:solidFill>
-                <a:latin typeface="Calibri"/>
-                <a:ea typeface="Calibri"/>
-                <a:cs typeface="Calibri"/>
-                <a:sym typeface="Calibri"/>
-              </a:rPr>
-              <a:t>UI Aspect</a:t>
-            </a:r>
-            <a:endParaRPr/>
-          </a:p>
-        </p:txBody>
-      </p:sp>
-      <p:sp>
-        <p:nvSpPr>
-          <p:cNvPr id="195" name="Google Shape;195;p29"/>
-          <p:cNvSpPr/>
-          <p:nvPr/>
-        </p:nvSpPr>
-        <p:spPr>
-          <a:xfrm>
-            <a:off x="8227699" y="3124196"/>
-            <a:ext cx="1484573" cy="1468073"/>
-          </a:xfrm>
-          <a:prstGeom prst="ellipse">
-            <a:avLst/>
-          </a:prstGeom>
-          <a:solidFill>
-            <a:srgbClr val="002060"/>
-          </a:solidFill>
-          <a:ln w="12700" cap="flat" cmpd="sng">
-            <a:solidFill>
-              <a:schemeClr val="lt1"/>
-            </a:solidFill>
-            <a:prstDash val="solid"/>
-            <a:miter lim="800000"/>
-            <a:headEnd type="none" w="sm" len="sm"/>
-            <a:tailEnd type="none" w="sm" len="sm"/>
-          </a:ln>
-        </p:spPr>
-        <p:txBody>
-          <a:bodyPr spcFirstLastPara="1" wrap="square" lIns="91425" tIns="45700" rIns="91425" bIns="45700" anchor="ctr" anchorCtr="0">
-            <a:noAutofit/>
-          </a:bodyPr>
-          <a:lstStyle/>
-          <a:p>
-            <a:pPr marL="0" marR="0" lvl="0" indent="0" algn="ctr" rtl="0">
-              <a:spcBef>
-                <a:spcPts val="0"/>
-              </a:spcBef>
-              <a:spcAft>
-                <a:spcPts val="0"/>
-              </a:spcAft>
-              <a:buNone/>
-            </a:pPr>
-            <a:r>
-              <a:rPr lang="en-US" sz="1600" b="1" i="0" u="none" strike="noStrike" cap="none">
-                <a:solidFill>
-                  <a:schemeClr val="lt1"/>
-                </a:solidFill>
-                <a:latin typeface="Calibri"/>
-                <a:ea typeface="Calibri"/>
-                <a:cs typeface="Calibri"/>
-                <a:sym typeface="Calibri"/>
-              </a:rPr>
-              <a:t>Validator Aspect</a:t>
-            </a:r>
-            <a:endParaRPr/>
-          </a:p>
-        </p:txBody>
-      </p:sp>
-    </p:spTree>
-  </p:cSld>
-  <p:clrMapOvr>
-    <a:masterClrMapping/>
-  </p:clrMapOvr>
-</p:sld>
-</file>
-
-<file path=ppt/slides/slide26.xml><?xml version="1.0" encoding="utf-8"?>
+<file path=ppt/slides/slide30.xml><?xml version="1.0" encoding="utf-8"?>
 <p:sld xmlns:a="http://schemas.openxmlformats.org/drawingml/2006/main" xmlns:r="http://schemas.openxmlformats.org/officeDocument/2006/relationships" xmlns:p="http://schemas.openxmlformats.org/presentationml/2006/main">
   <p:cSld>
     <p:spTree>
@@ -19968,7 +20841,7 @@
 </p:sld>
 </file>
 
-<file path=ppt/slides/slide27.xml><?xml version="1.0" encoding="utf-8"?>
+<file path=ppt/slides/slide31.xml><?xml version="1.0" encoding="utf-8"?>
 <p:sld xmlns:a="http://schemas.openxmlformats.org/drawingml/2006/main" xmlns:r="http://schemas.openxmlformats.org/officeDocument/2006/relationships" xmlns:p="http://schemas.openxmlformats.org/presentationml/2006/main">
   <p:cSld>
     <p:spTree>
@@ -20277,7 +21150,7 @@
 </p:sld>
 </file>
 
-<file path=ppt/slides/slide28.xml><?xml version="1.0" encoding="utf-8"?>
+<file path=ppt/slides/slide32.xml><?xml version="1.0" encoding="utf-8"?>
 <p:sld xmlns:a="http://schemas.openxmlformats.org/drawingml/2006/main" xmlns:r="http://schemas.openxmlformats.org/officeDocument/2006/relationships" xmlns:p="http://schemas.openxmlformats.org/presentationml/2006/main">
   <p:cSld>
     <p:spTree>
@@ -20330,7 +21203,7 @@
 </p:sld>
 </file>
 
-<file path=ppt/slides/slide29.xml><?xml version="1.0" encoding="utf-8"?>
+<file path=ppt/slides/slide33.xml><?xml version="1.0" encoding="utf-8"?>
 <p:sld xmlns:a="http://schemas.openxmlformats.org/drawingml/2006/main" xmlns:r="http://schemas.openxmlformats.org/officeDocument/2006/relationships" xmlns:p="http://schemas.openxmlformats.org/presentationml/2006/main">
   <p:cSld>
     <p:spTree>
@@ -20390,253 +21263,7 @@
 </p:sld>
 </file>
 
-<file path=ppt/slides/slide3.xml><?xml version="1.0" encoding="utf-8"?>
-<p:sld xmlns:a="http://schemas.openxmlformats.org/drawingml/2006/main" xmlns:r="http://schemas.openxmlformats.org/officeDocument/2006/relationships" xmlns:p="http://schemas.openxmlformats.org/presentationml/2006/main">
-  <p:cSld>
-    <p:spTree>
-      <p:nvGrpSpPr>
-        <p:cNvPr id="1" name="Shape 96"/>
-        <p:cNvGrpSpPr/>
-        <p:nvPr/>
-      </p:nvGrpSpPr>
-      <p:grpSpPr>
-        <a:xfrm>
-          <a:off x="0" y="0"/>
-          <a:ext cx="0" cy="0"/>
-          <a:chOff x="0" y="0"/>
-          <a:chExt cx="0" cy="0"/>
-        </a:xfrm>
-      </p:grpSpPr>
-      <p:sp>
-        <p:nvSpPr>
-          <p:cNvPr id="97" name="Google Shape;97;p15"/>
-          <p:cNvSpPr txBox="1">
-            <a:spLocks noGrp="1"/>
-          </p:cNvSpPr>
-          <p:nvPr>
-            <p:ph type="title"/>
-          </p:nvPr>
-        </p:nvSpPr>
-        <p:spPr>
-          <a:xfrm>
-            <a:off x="400594" y="86450"/>
-            <a:ext cx="10515600" cy="1325563"/>
-          </a:xfrm>
-          <a:prstGeom prst="rect">
-            <a:avLst/>
-          </a:prstGeom>
-          <a:noFill/>
-          <a:ln>
-            <a:noFill/>
-          </a:ln>
-        </p:spPr>
-        <p:txBody>
-          <a:bodyPr spcFirstLastPara="1" wrap="square" lIns="91425" tIns="45700" rIns="91425" bIns="45700" anchor="ctr" anchorCtr="0">
-            <a:noAutofit/>
-          </a:bodyPr>
-          <a:lstStyle/>
-          <a:p>
-            <a:pPr marL="0" lvl="0" indent="0" algn="l" rtl="0">
-              <a:lnSpc>
-                <a:spcPct val="90000"/>
-              </a:lnSpc>
-              <a:spcBef>
-                <a:spcPts val="0"/>
-              </a:spcBef>
-              <a:spcAft>
-                <a:spcPts val="0"/>
-              </a:spcAft>
-              <a:buClr>
-                <a:schemeClr val="dk1"/>
-              </a:buClr>
-              <a:buSzPts val="4400"/>
-              <a:buFont typeface="Calibri"/>
-              <a:buNone/>
-            </a:pPr>
-            <a:r>
-              <a:rPr lang="en-US" b="1">
-                <a:latin typeface="Calibri"/>
-                <a:ea typeface="Calibri"/>
-                <a:cs typeface="Calibri"/>
-                <a:sym typeface="Calibri"/>
-              </a:rPr>
-              <a:t>Base class: SpaceWars</a:t>
-            </a:r>
-            <a:endParaRPr b="1">
-              <a:latin typeface="Calibri"/>
-              <a:ea typeface="Calibri"/>
-              <a:cs typeface="Calibri"/>
-              <a:sym typeface="Calibri"/>
-            </a:endParaRPr>
-          </a:p>
-        </p:txBody>
-      </p:sp>
-      <p:sp>
-        <p:nvSpPr>
-          <p:cNvPr id="98" name="Google Shape;98;p15"/>
-          <p:cNvSpPr txBox="1">
-            <a:spLocks noGrp="1"/>
-          </p:cNvSpPr>
-          <p:nvPr>
-            <p:ph type="body" idx="1"/>
-          </p:nvPr>
-        </p:nvSpPr>
-        <p:spPr>
-          <a:xfrm>
-            <a:off x="400594" y="1201783"/>
-            <a:ext cx="11495315" cy="5468983"/>
-          </a:xfrm>
-          <a:prstGeom prst="rect">
-            <a:avLst/>
-          </a:prstGeom>
-          <a:noFill/>
-          <a:ln>
-            <a:noFill/>
-          </a:ln>
-        </p:spPr>
-        <p:txBody>
-          <a:bodyPr spcFirstLastPara="1" wrap="square" lIns="91425" tIns="45700" rIns="91425" bIns="45700" anchor="t" anchorCtr="0">
-            <a:noAutofit/>
-          </a:bodyPr>
-          <a:lstStyle/>
-          <a:p>
-            <a:pPr marL="228600" lvl="0" indent="-228600" algn="l" rtl="0">
-              <a:lnSpc>
-                <a:spcPct val="150000"/>
-              </a:lnSpc>
-              <a:spcBef>
-                <a:spcPts val="0"/>
-              </a:spcBef>
-              <a:spcAft>
-                <a:spcPts val="0"/>
-              </a:spcAft>
-              <a:buClr>
-                <a:schemeClr val="dk1"/>
-              </a:buClr>
-              <a:buSzPts val="2800"/>
-              <a:buChar char="•"/>
-            </a:pPr>
-            <a:r>
-              <a:rPr lang="en-US" b="1" i="1"/>
-              <a:t>Space Wars</a:t>
-            </a:r>
-            <a:r>
-              <a:rPr lang="en-US"/>
-              <a:t> </a:t>
-            </a:r>
-            <a:r>
-              <a:rPr lang="en-US" b="1" i="1"/>
-              <a:t>is a 1977 vector graphics arcade game based on the 1962PDP-1 program Spacewar!. </a:t>
-            </a:r>
-            <a:endParaRPr/>
-          </a:p>
-          <a:p>
-            <a:pPr marL="228600" lvl="0" indent="-228600" algn="l" rtl="0">
-              <a:lnSpc>
-                <a:spcPct val="150000"/>
-              </a:lnSpc>
-              <a:spcBef>
-                <a:spcPts val="1000"/>
-              </a:spcBef>
-              <a:spcAft>
-                <a:spcPts val="0"/>
-              </a:spcAft>
-              <a:buClr>
-                <a:schemeClr val="dk1"/>
-              </a:buClr>
-              <a:buSzPts val="2800"/>
-              <a:buChar char="•"/>
-            </a:pPr>
-            <a:r>
-              <a:rPr lang="en-US" b="1"/>
-              <a:t>We will use the version written by us in OOP course.</a:t>
-            </a:r>
-            <a:endParaRPr/>
-          </a:p>
-          <a:p>
-            <a:pPr marL="228600" lvl="0" indent="-50800" algn="l" rtl="0">
-              <a:lnSpc>
-                <a:spcPct val="150000"/>
-              </a:lnSpc>
-              <a:spcBef>
-                <a:spcPts val="1000"/>
-              </a:spcBef>
-              <a:spcAft>
-                <a:spcPts val="0"/>
-              </a:spcAft>
-              <a:buClr>
-                <a:schemeClr val="dk1"/>
-              </a:buClr>
-              <a:buSzPts val="2800"/>
-              <a:buNone/>
-            </a:pPr>
-            <a:endParaRPr b="1"/>
-          </a:p>
-        </p:txBody>
-      </p:sp>
-      <p:pic>
-        <p:nvPicPr>
-          <p:cNvPr id="99" name="Google Shape;99;p15"/>
-          <p:cNvPicPr preferRelativeResize="0"/>
-          <p:nvPr/>
-        </p:nvPicPr>
-        <p:blipFill rotWithShape="1">
-          <a:blip r:embed="rId3">
-            <a:alphaModFix/>
-          </a:blip>
-          <a:srcRect/>
-          <a:stretch/>
-        </p:blipFill>
-        <p:spPr>
-          <a:xfrm>
-            <a:off x="7590408" y="3384602"/>
-            <a:ext cx="3223537" cy="3122730"/>
-          </a:xfrm>
-          <a:prstGeom prst="rect">
-            <a:avLst/>
-          </a:prstGeom>
-          <a:noFill/>
-          <a:ln>
-            <a:noFill/>
-          </a:ln>
-        </p:spPr>
-      </p:pic>
-      <p:pic>
-        <p:nvPicPr>
-          <p:cNvPr id="100" name="Google Shape;100;p15" descr="Image result for SpaceWars"/>
-          <p:cNvPicPr preferRelativeResize="0"/>
-          <p:nvPr/>
-        </p:nvPicPr>
-        <p:blipFill rotWithShape="1">
-          <a:blip r:embed="rId4">
-            <a:alphaModFix/>
-          </a:blip>
-          <a:srcRect/>
-          <a:stretch/>
-        </p:blipFill>
-        <p:spPr>
-          <a:xfrm>
-            <a:off x="680722" y="3775046"/>
-            <a:ext cx="4500248" cy="2200121"/>
-          </a:xfrm>
-          <a:prstGeom prst="rect">
-            <a:avLst/>
-          </a:prstGeom>
-          <a:noFill/>
-          <a:ln>
-            <a:noFill/>
-          </a:ln>
-        </p:spPr>
-      </p:pic>
-    </p:spTree>
-  </p:cSld>
-  <p:clrMapOvr>
-    <a:masterClrMapping/>
-  </p:clrMapOvr>
-</p:sld>
-</file>
-
-<file path=ppt/slides/slide30.xml><?xml version="1.0" encoding="utf-8"?>
+<file path=ppt/slides/slide34.xml><?xml version="1.0" encoding="utf-8"?>
 <p:sld xmlns:a="http://schemas.openxmlformats.org/drawingml/2006/main" xmlns:r="http://schemas.openxmlformats.org/officeDocument/2006/relationships" xmlns:p="http://schemas.openxmlformats.org/presentationml/2006/main">
   <p:cSld>
     <p:spTree>
@@ -20856,7 +21483,7 @@
 </p:sld>
 </file>
 
-<file path=ppt/slides/slide31.xml><?xml version="1.0" encoding="utf-8"?>
+<file path=ppt/slides/slide35.xml><?xml version="1.0" encoding="utf-8"?>
 <p:sld xmlns:a="http://schemas.openxmlformats.org/drawingml/2006/main" xmlns:r="http://schemas.openxmlformats.org/officeDocument/2006/relationships" xmlns:p="http://schemas.openxmlformats.org/presentationml/2006/main">
   <p:cSld>
     <p:spTree>
@@ -21263,7 +21890,7 @@
 </p:sld>
 </file>
 
-<file path=ppt/slides/slide32.xml><?xml version="1.0" encoding="utf-8"?>
+<file path=ppt/slides/slide36.xml><?xml version="1.0" encoding="utf-8"?>
 <p:sld xmlns:a="http://schemas.openxmlformats.org/drawingml/2006/main" xmlns:r="http://schemas.openxmlformats.org/officeDocument/2006/relationships" xmlns:p="http://schemas.openxmlformats.org/presentationml/2006/main">
   <p:cSld>
     <p:spTree>
@@ -21316,7 +21943,7 @@
 </p:sld>
 </file>
 
-<file path=ppt/slides/slide33.xml><?xml version="1.0" encoding="utf-8"?>
+<file path=ppt/slides/slide37.xml><?xml version="1.0" encoding="utf-8"?>
 <p:sld xmlns:a="http://schemas.openxmlformats.org/drawingml/2006/main" xmlns:r="http://schemas.openxmlformats.org/officeDocument/2006/relationships" xmlns:p="http://schemas.openxmlformats.org/presentationml/2006/main">
   <p:cSld>
     <p:spTree>
@@ -21369,7 +21996,7 @@
 </p:sld>
 </file>
 
-<file path=ppt/slides/slide34.xml><?xml version="1.0" encoding="utf-8"?>
+<file path=ppt/slides/slide38.xml><?xml version="1.0" encoding="utf-8"?>
 <p:sld xmlns:a="http://schemas.openxmlformats.org/drawingml/2006/main" xmlns:r="http://schemas.openxmlformats.org/officeDocument/2006/relationships" xmlns:p="http://schemas.openxmlformats.org/presentationml/2006/main">
   <p:cSld>
     <p:spTree>
@@ -21494,7 +22121,7 @@
 </p:sld>
 </file>
 
-<file path=ppt/slides/slide35.xml><?xml version="1.0" encoding="utf-8"?>
+<file path=ppt/slides/slide39.xml><?xml version="1.0" encoding="utf-8"?>
 <p:sld xmlns:a="http://schemas.openxmlformats.org/drawingml/2006/main" xmlns:r="http://schemas.openxmlformats.org/officeDocument/2006/relationships" xmlns:p="http://schemas.openxmlformats.org/presentationml/2006/main">
   <p:cSld>
     <p:spTree>
@@ -21523,7 +22150,7 @@
         </p:nvSpPr>
         <p:spPr>
           <a:xfrm>
-            <a:off x="400594" y="86450"/>
+            <a:off x="100669" y="47847"/>
             <a:ext cx="10515600" cy="1325563"/>
           </a:xfrm>
           <a:prstGeom prst="rect">
@@ -21629,7 +22256,23 @@
                   <a:schemeClr val="tx1"/>
                 </a:solidFill>
               </a:rPr>
-              <a:t>– checking each time.</a:t>
+              <a:t>– checking  method </a:t>
+            </a:r>
+            <a:r>
+              <a:rPr lang="en-US" sz="2590" b="1" dirty="0" err="1">
+                <a:solidFill>
+                  <a:schemeClr val="tx1"/>
+                </a:solidFill>
+              </a:rPr>
+              <a:t>params</a:t>
+            </a:r>
+            <a:r>
+              <a:rPr lang="en-US" sz="2590" b="1" dirty="0">
+                <a:solidFill>
+                  <a:schemeClr val="tx1"/>
+                </a:solidFill>
+              </a:rPr>
+              <a:t> each time.</a:t>
             </a:r>
           </a:p>
           <a:p>
@@ -21801,879 +22444,6 @@
           </a:prstGeom>
         </p:spPr>
       </p:pic>
-    </p:spTree>
-  </p:cSld>
-  <p:clrMapOvr>
-    <a:masterClrMapping/>
-  </p:clrMapOvr>
-</p:sld>
-</file>
-
-<file path=ppt/slides/slide36.xml><?xml version="1.0" encoding="utf-8"?>
-<p:sld xmlns:a="http://schemas.openxmlformats.org/drawingml/2006/main" xmlns:r="http://schemas.openxmlformats.org/officeDocument/2006/relationships" xmlns:p="http://schemas.openxmlformats.org/presentationml/2006/main">
-  <p:cSld>
-    <p:spTree>
-      <p:nvGrpSpPr>
-        <p:cNvPr id="1" name="Shape 199"/>
-        <p:cNvGrpSpPr/>
-        <p:nvPr/>
-      </p:nvGrpSpPr>
-      <p:grpSpPr>
-        <a:xfrm>
-          <a:off x="0" y="0"/>
-          <a:ext cx="0" cy="0"/>
-          <a:chOff x="0" y="0"/>
-          <a:chExt cx="0" cy="0"/>
-        </a:xfrm>
-      </p:grpSpPr>
-      <p:sp>
-        <p:nvSpPr>
-          <p:cNvPr id="200" name="Google Shape;200;p30"/>
-          <p:cNvSpPr txBox="1">
-            <a:spLocks noGrp="1"/>
-          </p:cNvSpPr>
-          <p:nvPr>
-            <p:ph type="title"/>
-          </p:nvPr>
-        </p:nvSpPr>
-        <p:spPr>
-          <a:xfrm>
-            <a:off x="400594" y="86450"/>
-            <a:ext cx="10515600" cy="1325563"/>
-          </a:xfrm>
-          <a:prstGeom prst="rect">
-            <a:avLst/>
-          </a:prstGeom>
-          <a:noFill/>
-          <a:ln>
-            <a:noFill/>
-          </a:ln>
-        </p:spPr>
-        <p:txBody>
-          <a:bodyPr spcFirstLastPara="1" wrap="square" lIns="91425" tIns="45700" rIns="91425" bIns="45700" anchor="ctr" anchorCtr="0">
-            <a:noAutofit/>
-          </a:bodyPr>
-          <a:lstStyle/>
-          <a:p>
-            <a:pPr marL="0" lvl="0" indent="0" algn="l" rtl="0">
-              <a:lnSpc>
-                <a:spcPct val="90000"/>
-              </a:lnSpc>
-              <a:spcBef>
-                <a:spcPts val="0"/>
-              </a:spcBef>
-              <a:spcAft>
-                <a:spcPts val="0"/>
-              </a:spcAft>
-              <a:buClr>
-                <a:schemeClr val="dk1"/>
-              </a:buClr>
-              <a:buSzPts val="4400"/>
-              <a:buFont typeface="Calibri"/>
-              <a:buNone/>
-            </a:pPr>
-            <a:r>
-              <a:rPr lang="en-US" b="1" dirty="0">
-                <a:latin typeface="Calibri"/>
-                <a:ea typeface="Calibri"/>
-                <a:cs typeface="Calibri"/>
-                <a:sym typeface="Calibri"/>
-              </a:rPr>
-              <a:t>Validator Aspect, the concern:</a:t>
-            </a:r>
-            <a:endParaRPr dirty="0"/>
-          </a:p>
-        </p:txBody>
-      </p:sp>
-      <p:sp>
-        <p:nvSpPr>
-          <p:cNvPr id="201" name="Google Shape;201;p30"/>
-          <p:cNvSpPr txBox="1">
-            <a:spLocks noGrp="1"/>
-          </p:cNvSpPr>
-          <p:nvPr>
-            <p:ph type="body" idx="1"/>
-          </p:nvPr>
-        </p:nvSpPr>
-        <p:spPr>
-          <a:xfrm>
-            <a:off x="100669" y="1305017"/>
-            <a:ext cx="6724548" cy="5188062"/>
-          </a:xfrm>
-          <a:prstGeom prst="rect">
-            <a:avLst/>
-          </a:prstGeom>
-          <a:noFill/>
-          <a:ln>
-            <a:noFill/>
-          </a:ln>
-        </p:spPr>
-        <p:txBody>
-          <a:bodyPr spcFirstLastPara="1" wrap="square" lIns="91425" tIns="45700" rIns="91425" bIns="45700" anchor="t" anchorCtr="0">
-            <a:noAutofit/>
-          </a:bodyPr>
-          <a:lstStyle/>
-          <a:p>
-            <a:pPr marL="228600" lvl="0" indent="-228600" algn="l" rtl="0">
-              <a:lnSpc>
-                <a:spcPct val="150000"/>
-              </a:lnSpc>
-              <a:spcBef>
-                <a:spcPts val="1000"/>
-              </a:spcBef>
-              <a:spcAft>
-                <a:spcPts val="0"/>
-              </a:spcAft>
-              <a:buClr>
-                <a:srgbClr val="FF0000"/>
-              </a:buClr>
-              <a:buSzPts val="2590"/>
-              <a:buChar char="•"/>
-            </a:pPr>
-            <a:r>
-              <a:rPr lang="en-US" sz="2590" b="1" dirty="0">
-                <a:solidFill>
-                  <a:srgbClr val="FF0000"/>
-                </a:solidFill>
-              </a:rPr>
-              <a:t>Another variant </a:t>
-            </a:r>
-            <a:r>
-              <a:rPr lang="en-US" sz="2590" b="1" dirty="0"/>
-              <a:t>- using annotations with smart packages (Spring validation, Lombok).</a:t>
-            </a:r>
-            <a:endParaRPr dirty="0"/>
-          </a:p>
-          <a:p>
-            <a:pPr marL="228600" lvl="0" indent="-228600" algn="l" rtl="0">
-              <a:lnSpc>
-                <a:spcPct val="150000"/>
-              </a:lnSpc>
-              <a:spcBef>
-                <a:spcPts val="1000"/>
-              </a:spcBef>
-              <a:spcAft>
-                <a:spcPts val="0"/>
-              </a:spcAft>
-              <a:buClr>
-                <a:schemeClr val="dk1"/>
-              </a:buClr>
-              <a:buSzPts val="2590"/>
-              <a:buChar char="•"/>
-            </a:pPr>
-            <a:r>
-              <a:rPr lang="en-US" sz="2590" b="1" dirty="0"/>
-              <a:t>Lots of code unrelated to the main logic of the method (</a:t>
-            </a:r>
-            <a:r>
-              <a:rPr lang="en-US" sz="2590" b="1" dirty="0">
-                <a:solidFill>
-                  <a:srgbClr val="FF0000"/>
-                </a:solidFill>
-              </a:rPr>
-              <a:t>tangling</a:t>
-            </a:r>
-            <a:r>
-              <a:rPr lang="en-US" sz="2590" b="1" dirty="0"/>
-              <a:t>). Better way to </a:t>
-            </a:r>
-            <a:r>
-              <a:rPr lang="en-US" sz="2590" b="1" dirty="0">
-                <a:solidFill>
-                  <a:srgbClr val="FF0000"/>
-                </a:solidFill>
-              </a:rPr>
-              <a:t>separate whole system validation</a:t>
-            </a:r>
-            <a:r>
-              <a:rPr lang="en-US" sz="2590" b="1" dirty="0"/>
-              <a:t> from the logic.</a:t>
-            </a:r>
-            <a:endParaRPr dirty="0"/>
-          </a:p>
-          <a:p>
-            <a:pPr marL="228600" lvl="0" indent="-228600" algn="l" rtl="0">
-              <a:lnSpc>
-                <a:spcPct val="150000"/>
-              </a:lnSpc>
-              <a:spcBef>
-                <a:spcPts val="1000"/>
-              </a:spcBef>
-              <a:spcAft>
-                <a:spcPts val="0"/>
-              </a:spcAft>
-              <a:buClr>
-                <a:srgbClr val="FF0000"/>
-              </a:buClr>
-              <a:buSzPts val="2590"/>
-              <a:buChar char="•"/>
-            </a:pPr>
-            <a:endParaRPr lang="en-US" sz="2590" b="1" dirty="0">
-              <a:solidFill>
-                <a:srgbClr val="FF0000"/>
-              </a:solidFill>
-            </a:endParaRPr>
-          </a:p>
-          <a:p>
-            <a:pPr marL="228600" lvl="0" indent="-228600" algn="l" rtl="0">
-              <a:lnSpc>
-                <a:spcPct val="150000"/>
-              </a:lnSpc>
-              <a:spcBef>
-                <a:spcPts val="1000"/>
-              </a:spcBef>
-              <a:spcAft>
-                <a:spcPts val="0"/>
-              </a:spcAft>
-              <a:buClr>
-                <a:srgbClr val="FF0000"/>
-              </a:buClr>
-              <a:buSzPts val="2590"/>
-              <a:buChar char="•"/>
-            </a:pPr>
-            <a:r>
-              <a:rPr lang="en-US" sz="2590" b="1" dirty="0">
-                <a:solidFill>
-                  <a:srgbClr val="FF0000"/>
-                </a:solidFill>
-              </a:rPr>
-              <a:t>Lets do it </a:t>
-            </a:r>
-            <a:r>
-              <a:rPr lang="en-US" sz="2590" b="1" dirty="0"/>
-              <a:t>AspectJ Way!</a:t>
-            </a:r>
-            <a:endParaRPr dirty="0"/>
-          </a:p>
-          <a:p>
-            <a:pPr marL="228600" lvl="0" indent="-64135" algn="l" rtl="0">
-              <a:lnSpc>
-                <a:spcPct val="150000"/>
-              </a:lnSpc>
-              <a:spcBef>
-                <a:spcPts val="1000"/>
-              </a:spcBef>
-              <a:spcAft>
-                <a:spcPts val="0"/>
-              </a:spcAft>
-              <a:buClr>
-                <a:schemeClr val="dk1"/>
-              </a:buClr>
-              <a:buSzPts val="2590"/>
-              <a:buNone/>
-            </a:pPr>
-            <a:endParaRPr sz="2590" b="1" dirty="0"/>
-          </a:p>
-        </p:txBody>
-      </p:sp>
-      <p:pic>
-        <p:nvPicPr>
-          <p:cNvPr id="204" name="Google Shape;204;p30" descr="https://www.baeldung.com/wp-content/uploads/2018/11/nonnul-annotation.png"/>
-          <p:cNvPicPr preferRelativeResize="0"/>
-          <p:nvPr/>
-        </p:nvPicPr>
-        <p:blipFill rotWithShape="1">
-          <a:blip r:embed="rId3">
-            <a:alphaModFix/>
-          </a:blip>
-          <a:srcRect l="22153" r="22075"/>
-          <a:stretch/>
-        </p:blipFill>
-        <p:spPr>
-          <a:xfrm>
-            <a:off x="7767587" y="1566358"/>
-            <a:ext cx="3672904" cy="1968298"/>
-          </a:xfrm>
-          <a:prstGeom prst="rect">
-            <a:avLst/>
-          </a:prstGeom>
-          <a:noFill/>
-          <a:ln>
-            <a:noFill/>
-          </a:ln>
-        </p:spPr>
-      </p:pic>
-      <p:pic>
-        <p:nvPicPr>
-          <p:cNvPr id="205" name="Google Shape;205;p30"/>
-          <p:cNvPicPr preferRelativeResize="0"/>
-          <p:nvPr/>
-        </p:nvPicPr>
-        <p:blipFill rotWithShape="1">
-          <a:blip r:embed="rId4">
-            <a:alphaModFix/>
-          </a:blip>
-          <a:srcRect r="52889"/>
-          <a:stretch/>
-        </p:blipFill>
-        <p:spPr>
-          <a:xfrm>
-            <a:off x="7288568" y="4157661"/>
-            <a:ext cx="4151924" cy="2260894"/>
-          </a:xfrm>
-          <a:prstGeom prst="rect">
-            <a:avLst/>
-          </a:prstGeom>
-          <a:noFill/>
-          <a:ln>
-            <a:noFill/>
-          </a:ln>
-        </p:spPr>
-      </p:pic>
-      <p:sp>
-        <p:nvSpPr>
-          <p:cNvPr id="8" name="Google Shape;203;p30">
-            <a:extLst>
-              <a:ext uri="{FF2B5EF4-FFF2-40B4-BE49-F238E27FC236}">
-                <a16:creationId xmlns:a16="http://schemas.microsoft.com/office/drawing/2014/main" id="{B1B42403-2435-42FC-A8F4-0558097CBFD5}"/>
-              </a:ext>
-            </a:extLst>
-          </p:cNvPr>
-          <p:cNvSpPr/>
-          <p:nvPr/>
-        </p:nvSpPr>
-        <p:spPr>
-          <a:xfrm>
-            <a:off x="8474897" y="1126511"/>
-            <a:ext cx="1782091" cy="337609"/>
-          </a:xfrm>
-          <a:prstGeom prst="rect">
-            <a:avLst/>
-          </a:prstGeom>
-          <a:noFill/>
-          <a:ln>
-            <a:noFill/>
-          </a:ln>
-        </p:spPr>
-        <p:txBody>
-          <a:bodyPr spcFirstLastPara="1" wrap="square" lIns="91425" tIns="45700" rIns="91425" bIns="45700" anchor="t" anchorCtr="0">
-            <a:noAutofit/>
-          </a:bodyPr>
-          <a:lstStyle/>
-          <a:p>
-            <a:pPr marL="0" marR="0" lvl="0" indent="0" algn="l" rtl="0">
-              <a:lnSpc>
-                <a:spcPct val="150000"/>
-              </a:lnSpc>
-              <a:spcBef>
-                <a:spcPts val="0"/>
-              </a:spcBef>
-              <a:spcAft>
-                <a:spcPts val="0"/>
-              </a:spcAft>
-              <a:buNone/>
-            </a:pPr>
-            <a:r>
-              <a:rPr lang="en-US" sz="1200" b="1" i="0" u="none" strike="noStrike" cap="none" dirty="0">
-                <a:solidFill>
-                  <a:schemeClr val="dk1"/>
-                </a:solidFill>
-                <a:latin typeface="Calibri"/>
-                <a:ea typeface="Calibri"/>
-                <a:cs typeface="Calibri"/>
-                <a:sym typeface="Calibri"/>
-              </a:rPr>
-              <a:t>Validation using spring</a:t>
-            </a:r>
-            <a:endParaRPr sz="900" dirty="0"/>
-          </a:p>
-        </p:txBody>
-      </p:sp>
-      <p:sp>
-        <p:nvSpPr>
-          <p:cNvPr id="9" name="Google Shape;203;p30">
-            <a:extLst>
-              <a:ext uri="{FF2B5EF4-FFF2-40B4-BE49-F238E27FC236}">
-                <a16:creationId xmlns:a16="http://schemas.microsoft.com/office/drawing/2014/main" id="{5DC3A113-2046-4687-BCDF-68EEB302B937}"/>
-              </a:ext>
-            </a:extLst>
-          </p:cNvPr>
-          <p:cNvSpPr/>
-          <p:nvPr/>
-        </p:nvSpPr>
-        <p:spPr>
-          <a:xfrm>
-            <a:off x="8627297" y="3820052"/>
-            <a:ext cx="1782091" cy="337609"/>
-          </a:xfrm>
-          <a:prstGeom prst="rect">
-            <a:avLst/>
-          </a:prstGeom>
-          <a:noFill/>
-          <a:ln>
-            <a:noFill/>
-          </a:ln>
-        </p:spPr>
-        <p:txBody>
-          <a:bodyPr spcFirstLastPara="1" wrap="square" lIns="91425" tIns="45700" rIns="91425" bIns="45700" anchor="t" anchorCtr="0">
-            <a:noAutofit/>
-          </a:bodyPr>
-          <a:lstStyle/>
-          <a:p>
-            <a:pPr marL="0" marR="0" lvl="0" indent="0" algn="l" rtl="0">
-              <a:lnSpc>
-                <a:spcPct val="150000"/>
-              </a:lnSpc>
-              <a:spcBef>
-                <a:spcPts val="0"/>
-              </a:spcBef>
-              <a:spcAft>
-                <a:spcPts val="0"/>
-              </a:spcAft>
-              <a:buNone/>
-            </a:pPr>
-            <a:r>
-              <a:rPr lang="en-US" sz="1200" b="1" i="0" u="none" strike="noStrike" cap="none" dirty="0">
-                <a:solidFill>
-                  <a:schemeClr val="dk1"/>
-                </a:solidFill>
-                <a:latin typeface="Calibri"/>
-                <a:ea typeface="Calibri"/>
-                <a:cs typeface="Calibri"/>
-                <a:sym typeface="Calibri"/>
-              </a:rPr>
-              <a:t>Validation using Lombok</a:t>
-            </a:r>
-            <a:endParaRPr sz="900" dirty="0"/>
-          </a:p>
-        </p:txBody>
-      </p:sp>
-    </p:spTree>
-    <p:extLst>
-      <p:ext uri="{BB962C8B-B14F-4D97-AF65-F5344CB8AC3E}">
-        <p14:creationId xmlns:p14="http://schemas.microsoft.com/office/powerpoint/2010/main" val="546579293"/>
-      </p:ext>
-    </p:extLst>
-  </p:cSld>
-  <p:clrMapOvr>
-    <a:masterClrMapping/>
-  </p:clrMapOvr>
-</p:sld>
-</file>
-
-<file path=ppt/slides/slide37.xml><?xml version="1.0" encoding="utf-8"?>
-<p:sld xmlns:a="http://schemas.openxmlformats.org/drawingml/2006/main" xmlns:r="http://schemas.openxmlformats.org/officeDocument/2006/relationships" xmlns:p="http://schemas.openxmlformats.org/presentationml/2006/main">
-  <p:cSld>
-    <p:spTree>
-      <p:nvGrpSpPr>
-        <p:cNvPr id="1" name="Shape 209"/>
-        <p:cNvGrpSpPr/>
-        <p:nvPr/>
-      </p:nvGrpSpPr>
-      <p:grpSpPr>
-        <a:xfrm>
-          <a:off x="0" y="0"/>
-          <a:ext cx="0" cy="0"/>
-          <a:chOff x="0" y="0"/>
-          <a:chExt cx="0" cy="0"/>
-        </a:xfrm>
-      </p:grpSpPr>
-      <p:sp>
-        <p:nvSpPr>
-          <p:cNvPr id="210" name="Google Shape;210;p31"/>
-          <p:cNvSpPr txBox="1">
-            <a:spLocks noGrp="1"/>
-          </p:cNvSpPr>
-          <p:nvPr>
-            <p:ph type="title"/>
-          </p:nvPr>
-        </p:nvSpPr>
-        <p:spPr>
-          <a:xfrm>
-            <a:off x="400594" y="86450"/>
-            <a:ext cx="10515600" cy="1325563"/>
-          </a:xfrm>
-          <a:prstGeom prst="rect">
-            <a:avLst/>
-          </a:prstGeom>
-          <a:noFill/>
-          <a:ln>
-            <a:noFill/>
-          </a:ln>
-        </p:spPr>
-        <p:txBody>
-          <a:bodyPr spcFirstLastPara="1" wrap="square" lIns="91425" tIns="45700" rIns="91425" bIns="45700" anchor="ctr" anchorCtr="0">
-            <a:noAutofit/>
-          </a:bodyPr>
-          <a:lstStyle/>
-          <a:p>
-            <a:pPr marL="0" lvl="0" indent="0" algn="l" rtl="0">
-              <a:lnSpc>
-                <a:spcPct val="90000"/>
-              </a:lnSpc>
-              <a:spcBef>
-                <a:spcPts val="0"/>
-              </a:spcBef>
-              <a:spcAft>
-                <a:spcPts val="0"/>
-              </a:spcAft>
-              <a:buClr>
-                <a:schemeClr val="dk1"/>
-              </a:buClr>
-              <a:buSzPts val="4400"/>
-              <a:buFont typeface="Calibri"/>
-              <a:buNone/>
-            </a:pPr>
-            <a:r>
-              <a:rPr lang="en-US" b="1">
-                <a:latin typeface="Calibri"/>
-                <a:ea typeface="Calibri"/>
-                <a:cs typeface="Calibri"/>
-                <a:sym typeface="Calibri"/>
-              </a:rPr>
-              <a:t>Validator Aspect:</a:t>
-            </a:r>
-            <a:endParaRPr/>
-          </a:p>
-        </p:txBody>
-      </p:sp>
-      <p:sp>
-        <p:nvSpPr>
-          <p:cNvPr id="211" name="Google Shape;211;p31"/>
-          <p:cNvSpPr txBox="1">
-            <a:spLocks noGrp="1"/>
-          </p:cNvSpPr>
-          <p:nvPr>
-            <p:ph type="body" idx="1"/>
-          </p:nvPr>
-        </p:nvSpPr>
-        <p:spPr>
-          <a:xfrm>
-            <a:off x="400594" y="1201783"/>
-            <a:ext cx="11495315" cy="5468983"/>
-          </a:xfrm>
-          <a:prstGeom prst="rect">
-            <a:avLst/>
-          </a:prstGeom>
-          <a:noFill/>
-          <a:ln>
-            <a:noFill/>
-          </a:ln>
-        </p:spPr>
-        <p:txBody>
-          <a:bodyPr spcFirstLastPara="1" wrap="square" lIns="91425" tIns="45700" rIns="91425" bIns="45700" anchor="t" anchorCtr="0">
-            <a:noAutofit/>
-          </a:bodyPr>
-          <a:lstStyle/>
-          <a:p>
-            <a:pPr marL="0" lvl="0" indent="0" algn="l" rtl="0">
-              <a:lnSpc>
-                <a:spcPct val="150000"/>
-              </a:lnSpc>
-              <a:spcBef>
-                <a:spcPts val="0"/>
-              </a:spcBef>
-              <a:spcAft>
-                <a:spcPts val="0"/>
-              </a:spcAft>
-              <a:buClr>
-                <a:schemeClr val="dk1"/>
-              </a:buClr>
-              <a:buSzPts val="2800"/>
-              <a:buNone/>
-            </a:pPr>
-            <a:r>
-              <a:rPr lang="en-US" b="1" dirty="0"/>
-              <a:t>Validate all parameters passed to methods in our codebase.</a:t>
-            </a:r>
-            <a:endParaRPr dirty="0"/>
-          </a:p>
-          <a:p>
-            <a:pPr marL="228600" lvl="0" indent="-228600" algn="l" rtl="0">
-              <a:lnSpc>
-                <a:spcPct val="150000"/>
-              </a:lnSpc>
-              <a:spcBef>
-                <a:spcPts val="1000"/>
-              </a:spcBef>
-              <a:spcAft>
-                <a:spcPts val="0"/>
-              </a:spcAft>
-              <a:buClr>
-                <a:srgbClr val="FF0000"/>
-              </a:buClr>
-              <a:buSzPts val="2800"/>
-              <a:buChar char="•"/>
-            </a:pPr>
-            <a:r>
-              <a:rPr lang="en-US" b="1" dirty="0">
-                <a:solidFill>
-                  <a:srgbClr val="FF0000"/>
-                </a:solidFill>
-              </a:rPr>
-              <a:t>Concern: </a:t>
-            </a:r>
-            <a:r>
-              <a:rPr lang="en-US" b="1" dirty="0"/>
-              <a:t>validation of methods.</a:t>
-            </a:r>
-            <a:endParaRPr b="1" dirty="0">
-              <a:solidFill>
-                <a:srgbClr val="FF0000"/>
-              </a:solidFill>
-            </a:endParaRPr>
-          </a:p>
-          <a:p>
-            <a:pPr marL="228600" lvl="0" indent="-228600" algn="l" rtl="0">
-              <a:lnSpc>
-                <a:spcPct val="150000"/>
-              </a:lnSpc>
-              <a:spcBef>
-                <a:spcPts val="1000"/>
-              </a:spcBef>
-              <a:spcAft>
-                <a:spcPts val="0"/>
-              </a:spcAft>
-              <a:buClr>
-                <a:srgbClr val="FF0000"/>
-              </a:buClr>
-              <a:buSzPts val="2800"/>
-              <a:buChar char="•"/>
-            </a:pPr>
-            <a:r>
-              <a:rPr lang="en-US" b="1" dirty="0">
-                <a:solidFill>
-                  <a:srgbClr val="FF0000"/>
-                </a:solidFill>
-              </a:rPr>
-              <a:t>Pointcut: </a:t>
-            </a:r>
-            <a:r>
-              <a:rPr lang="en-US" b="1" dirty="0"/>
-              <a:t>validate game launch parameters (which player we want to play).</a:t>
-            </a:r>
-            <a:endParaRPr b="1" dirty="0">
-              <a:solidFill>
-                <a:srgbClr val="FF0000"/>
-              </a:solidFill>
-            </a:endParaRPr>
-          </a:p>
-          <a:p>
-            <a:pPr marL="228600" lvl="0" indent="-228600" algn="l" rtl="0">
-              <a:lnSpc>
-                <a:spcPct val="150000"/>
-              </a:lnSpc>
-              <a:spcBef>
-                <a:spcPts val="1000"/>
-              </a:spcBef>
-              <a:spcAft>
-                <a:spcPts val="0"/>
-              </a:spcAft>
-              <a:buClr>
-                <a:srgbClr val="FF0000"/>
-              </a:buClr>
-              <a:buSzPts val="2800"/>
-              <a:buChar char="•"/>
-            </a:pPr>
-            <a:r>
-              <a:rPr lang="en-US" b="1" dirty="0">
-                <a:solidFill>
-                  <a:srgbClr val="FF0000"/>
-                </a:solidFill>
-              </a:rPr>
-              <a:t>Advice: </a:t>
-            </a:r>
-            <a:r>
-              <a:rPr lang="en-US" b="1" dirty="0"/>
-              <a:t>throw an exception if parameters does not match pattern.</a:t>
-            </a:r>
-            <a:endParaRPr b="1" dirty="0">
-              <a:solidFill>
-                <a:srgbClr val="FF0000"/>
-              </a:solidFill>
-            </a:endParaRPr>
-          </a:p>
-          <a:p>
-            <a:pPr marL="228600" lvl="0" indent="-50800" algn="l" rtl="0">
-              <a:lnSpc>
-                <a:spcPct val="150000"/>
-              </a:lnSpc>
-              <a:spcBef>
-                <a:spcPts val="1000"/>
-              </a:spcBef>
-              <a:spcAft>
-                <a:spcPts val="0"/>
-              </a:spcAft>
-              <a:buClr>
-                <a:schemeClr val="dk1"/>
-              </a:buClr>
-              <a:buSzPts val="2800"/>
-              <a:buNone/>
-            </a:pPr>
-            <a:endParaRPr b="1" dirty="0"/>
-          </a:p>
-        </p:txBody>
-      </p:sp>
-    </p:spTree>
-  </p:cSld>
-  <p:clrMapOvr>
-    <a:masterClrMapping/>
-  </p:clrMapOvr>
-</p:sld>
-</file>
-
-<file path=ppt/slides/slide38.xml><?xml version="1.0" encoding="utf-8"?>
-<p:sld xmlns:a="http://schemas.openxmlformats.org/drawingml/2006/main" xmlns:r="http://schemas.openxmlformats.org/officeDocument/2006/relationships" xmlns:p="http://schemas.openxmlformats.org/presentationml/2006/main">
-  <p:cSld>
-    <p:spTree>
-      <p:nvGrpSpPr>
-        <p:cNvPr id="1" name="Shape 215"/>
-        <p:cNvGrpSpPr/>
-        <p:nvPr/>
-      </p:nvGrpSpPr>
-      <p:grpSpPr>
-        <a:xfrm>
-          <a:off x="0" y="0"/>
-          <a:ext cx="0" cy="0"/>
-          <a:chOff x="0" y="0"/>
-          <a:chExt cx="0" cy="0"/>
-        </a:xfrm>
-      </p:grpSpPr>
-      <p:pic>
-        <p:nvPicPr>
-          <p:cNvPr id="216" name="Google Shape;216;p32"/>
-          <p:cNvPicPr preferRelativeResize="0"/>
-          <p:nvPr/>
-        </p:nvPicPr>
-        <p:blipFill rotWithShape="1">
-          <a:blip r:embed="rId3">
-            <a:alphaModFix/>
-          </a:blip>
-          <a:srcRect/>
-          <a:stretch/>
-        </p:blipFill>
-        <p:spPr>
-          <a:xfrm>
-            <a:off x="2332138" y="5009012"/>
-            <a:ext cx="7925237" cy="1583372"/>
-          </a:xfrm>
-          <a:prstGeom prst="rect">
-            <a:avLst/>
-          </a:prstGeom>
-          <a:noFill/>
-          <a:ln>
-            <a:noFill/>
-          </a:ln>
-        </p:spPr>
-      </p:pic>
-      <p:pic>
-        <p:nvPicPr>
-          <p:cNvPr id="217" name="Google Shape;217;p32"/>
-          <p:cNvPicPr preferRelativeResize="0"/>
-          <p:nvPr/>
-        </p:nvPicPr>
-        <p:blipFill rotWithShape="1">
-          <a:blip r:embed="rId4">
-            <a:alphaModFix/>
-          </a:blip>
-          <a:srcRect l="6103" b="2535"/>
-          <a:stretch/>
-        </p:blipFill>
-        <p:spPr>
-          <a:xfrm>
-            <a:off x="3027286" y="150205"/>
-            <a:ext cx="5637320" cy="4776901"/>
-          </a:xfrm>
-          <a:prstGeom prst="rect">
-            <a:avLst/>
-          </a:prstGeom>
-          <a:noFill/>
-          <a:ln>
-            <a:noFill/>
-          </a:ln>
-        </p:spPr>
-      </p:pic>
-    </p:spTree>
-  </p:cSld>
-  <p:clrMapOvr>
-    <a:masterClrMapping/>
-  </p:clrMapOvr>
-</p:sld>
-</file>
-
-<file path=ppt/slides/slide39.xml><?xml version="1.0" encoding="utf-8"?>
-<p:sld xmlns:a="http://schemas.openxmlformats.org/drawingml/2006/main" xmlns:r="http://schemas.openxmlformats.org/officeDocument/2006/relationships" xmlns:p="http://schemas.openxmlformats.org/presentationml/2006/main">
-  <p:cSld>
-    <p:spTree>
-      <p:nvGrpSpPr>
-        <p:cNvPr id="1" name="Shape 262"/>
-        <p:cNvGrpSpPr/>
-        <p:nvPr/>
-      </p:nvGrpSpPr>
-      <p:grpSpPr>
-        <a:xfrm>
-          <a:off x="0" y="0"/>
-          <a:ext cx="0" cy="0"/>
-          <a:chOff x="0" y="0"/>
-          <a:chExt cx="0" cy="0"/>
-        </a:xfrm>
-      </p:grpSpPr>
-      <p:sp>
-        <p:nvSpPr>
-          <p:cNvPr id="263" name="Google Shape;263;p40"/>
-          <p:cNvSpPr txBox="1"/>
-          <p:nvPr/>
-        </p:nvSpPr>
-        <p:spPr>
-          <a:xfrm>
-            <a:off x="3848087" y="2334074"/>
-            <a:ext cx="4495826" cy="1754326"/>
-          </a:xfrm>
-          <a:prstGeom prst="rect">
-            <a:avLst/>
-          </a:prstGeom>
-          <a:solidFill>
-            <a:schemeClr val="dk1"/>
-          </a:solidFill>
-          <a:ln w="9525" cap="flat" cmpd="sng">
-            <a:solidFill>
-              <a:schemeClr val="dk1"/>
-            </a:solidFill>
-            <a:prstDash val="solid"/>
-            <a:round/>
-            <a:headEnd type="none" w="sm" len="sm"/>
-            <a:tailEnd type="none" w="sm" len="sm"/>
-          </a:ln>
-        </p:spPr>
-        <p:txBody>
-          <a:bodyPr spcFirstLastPara="1" wrap="square" lIns="91425" tIns="45700" rIns="91425" bIns="45700" anchor="t" anchorCtr="0">
-            <a:noAutofit/>
-          </a:bodyPr>
-          <a:lstStyle/>
-          <a:p>
-            <a:pPr marL="0" marR="0" lvl="0" indent="0" algn="ctr" rtl="0">
-              <a:spcBef>
-                <a:spcPts val="0"/>
-              </a:spcBef>
-              <a:spcAft>
-                <a:spcPts val="0"/>
-              </a:spcAft>
-              <a:buNone/>
-            </a:pPr>
-            <a:r>
-              <a:rPr lang="en-US" sz="5400" b="1" i="0" u="none" strike="noStrike" cap="none">
-                <a:solidFill>
-                  <a:schemeClr val="lt1"/>
-                </a:solidFill>
-                <a:latin typeface="Calibri"/>
-                <a:ea typeface="Calibri"/>
-                <a:cs typeface="Calibri"/>
-                <a:sym typeface="Calibri"/>
-              </a:rPr>
-              <a:t>Invasive Aspects</a:t>
-            </a:r>
-            <a:endParaRPr sz="4800" b="1" i="0" u="none" strike="noStrike" cap="none">
-              <a:solidFill>
-                <a:schemeClr val="lt1"/>
-              </a:solidFill>
-              <a:latin typeface="Calibri"/>
-              <a:ea typeface="Calibri"/>
-              <a:cs typeface="Calibri"/>
-              <a:sym typeface="Calibri"/>
-            </a:endParaRPr>
-          </a:p>
-        </p:txBody>
-      </p:sp>
     </p:spTree>
   </p:cSld>
   <p:clrMapOvr>
@@ -23387,8 +23157,8 @@
         </p:nvCxnSpPr>
         <p:spPr>
           <a:xfrm flipH="1" flipV="1">
-            <a:off x="6837703" y="3775973"/>
-            <a:ext cx="332731" cy="772717"/>
+            <a:off x="6865522" y="3728284"/>
+            <a:ext cx="304913" cy="820407"/>
           </a:xfrm>
           <a:prstGeom prst="straightConnector1">
             <a:avLst/>
@@ -23796,6 +23566,891 @@
   <p:cSld>
     <p:spTree>
       <p:nvGrpSpPr>
+        <p:cNvPr id="1" name="Shape 199"/>
+        <p:cNvGrpSpPr/>
+        <p:nvPr/>
+      </p:nvGrpSpPr>
+      <p:grpSpPr>
+        <a:xfrm>
+          <a:off x="0" y="0"/>
+          <a:ext cx="0" cy="0"/>
+          <a:chOff x="0" y="0"/>
+          <a:chExt cx="0" cy="0"/>
+        </a:xfrm>
+      </p:grpSpPr>
+      <p:sp>
+        <p:nvSpPr>
+          <p:cNvPr id="200" name="Google Shape;200;p30"/>
+          <p:cNvSpPr txBox="1">
+            <a:spLocks noGrp="1"/>
+          </p:cNvSpPr>
+          <p:nvPr>
+            <p:ph type="title"/>
+          </p:nvPr>
+        </p:nvSpPr>
+        <p:spPr>
+          <a:xfrm>
+            <a:off x="100669" y="71990"/>
+            <a:ext cx="10515600" cy="1325563"/>
+          </a:xfrm>
+          <a:prstGeom prst="rect">
+            <a:avLst/>
+          </a:prstGeom>
+          <a:noFill/>
+          <a:ln>
+            <a:noFill/>
+          </a:ln>
+        </p:spPr>
+        <p:txBody>
+          <a:bodyPr spcFirstLastPara="1" wrap="square" lIns="91425" tIns="45700" rIns="91425" bIns="45700" anchor="ctr" anchorCtr="0">
+            <a:noAutofit/>
+          </a:bodyPr>
+          <a:lstStyle/>
+          <a:p>
+            <a:pPr marL="0" lvl="0" indent="0" algn="l" rtl="0">
+              <a:lnSpc>
+                <a:spcPct val="90000"/>
+              </a:lnSpc>
+              <a:spcBef>
+                <a:spcPts val="0"/>
+              </a:spcBef>
+              <a:spcAft>
+                <a:spcPts val="0"/>
+              </a:spcAft>
+              <a:buClr>
+                <a:schemeClr val="dk1"/>
+              </a:buClr>
+              <a:buSzPts val="4400"/>
+              <a:buFont typeface="Calibri"/>
+              <a:buNone/>
+            </a:pPr>
+            <a:r>
+              <a:rPr lang="en-US" b="1" dirty="0">
+                <a:latin typeface="Calibri"/>
+                <a:ea typeface="Calibri"/>
+                <a:cs typeface="Calibri"/>
+                <a:sym typeface="Calibri"/>
+              </a:rPr>
+              <a:t>Validator Aspect, the concern:</a:t>
+            </a:r>
+            <a:endParaRPr dirty="0"/>
+          </a:p>
+        </p:txBody>
+      </p:sp>
+      <p:sp>
+        <p:nvSpPr>
+          <p:cNvPr id="201" name="Google Shape;201;p30"/>
+          <p:cNvSpPr txBox="1">
+            <a:spLocks noGrp="1"/>
+          </p:cNvSpPr>
+          <p:nvPr>
+            <p:ph type="body" idx="1"/>
+          </p:nvPr>
+        </p:nvSpPr>
+        <p:spPr>
+          <a:xfrm>
+            <a:off x="100669" y="1305017"/>
+            <a:ext cx="7125754" cy="5188062"/>
+          </a:xfrm>
+          <a:prstGeom prst="rect">
+            <a:avLst/>
+          </a:prstGeom>
+          <a:noFill/>
+          <a:ln>
+            <a:noFill/>
+          </a:ln>
+        </p:spPr>
+        <p:txBody>
+          <a:bodyPr spcFirstLastPara="1" wrap="square" lIns="91425" tIns="45700" rIns="91425" bIns="45700" anchor="t" anchorCtr="0">
+            <a:noAutofit/>
+          </a:bodyPr>
+          <a:lstStyle/>
+          <a:p>
+            <a:pPr marL="228600" lvl="0" indent="-228600" algn="l" rtl="0">
+              <a:lnSpc>
+                <a:spcPct val="150000"/>
+              </a:lnSpc>
+              <a:spcBef>
+                <a:spcPts val="1000"/>
+              </a:spcBef>
+              <a:spcAft>
+                <a:spcPts val="0"/>
+              </a:spcAft>
+              <a:buClr>
+                <a:srgbClr val="FF0000"/>
+              </a:buClr>
+              <a:buSzPts val="2590"/>
+              <a:buChar char="•"/>
+            </a:pPr>
+            <a:r>
+              <a:rPr lang="en-US" sz="2590" b="1" dirty="0">
+                <a:solidFill>
+                  <a:srgbClr val="FF0000"/>
+                </a:solidFill>
+              </a:rPr>
+              <a:t>Another variant </a:t>
+            </a:r>
+            <a:r>
+              <a:rPr lang="en-US" sz="2590" b="1" dirty="0"/>
+              <a:t>- using </a:t>
+            </a:r>
+            <a:r>
+              <a:rPr lang="en-US" sz="2590" b="1" dirty="0">
+                <a:solidFill>
+                  <a:srgbClr val="FF0000"/>
+                </a:solidFill>
+              </a:rPr>
+              <a:t>annotations</a:t>
+            </a:r>
+            <a:r>
+              <a:rPr lang="en-US" sz="2590" b="1" dirty="0"/>
+              <a:t> with smart packages (Spring validation, Lombok).</a:t>
+            </a:r>
+            <a:endParaRPr dirty="0"/>
+          </a:p>
+          <a:p>
+            <a:pPr marL="228600" lvl="0" indent="-228600" algn="l" rtl="0">
+              <a:lnSpc>
+                <a:spcPct val="150000"/>
+              </a:lnSpc>
+              <a:spcBef>
+                <a:spcPts val="1000"/>
+              </a:spcBef>
+              <a:spcAft>
+                <a:spcPts val="0"/>
+              </a:spcAft>
+              <a:buClr>
+                <a:schemeClr val="dk1"/>
+              </a:buClr>
+              <a:buSzPts val="2590"/>
+              <a:buChar char="•"/>
+            </a:pPr>
+            <a:r>
+              <a:rPr lang="en-US" sz="2590" b="1" dirty="0"/>
+              <a:t>Lots of code unrelated to the main logic of the method (</a:t>
+            </a:r>
+            <a:r>
+              <a:rPr lang="en-US" sz="2590" b="1" dirty="0">
+                <a:solidFill>
+                  <a:srgbClr val="FF0000"/>
+                </a:solidFill>
+              </a:rPr>
+              <a:t>tangling</a:t>
+            </a:r>
+            <a:r>
+              <a:rPr lang="en-US" sz="2590" b="1" dirty="0"/>
+              <a:t>). Better way to </a:t>
+            </a:r>
+            <a:r>
+              <a:rPr lang="en-US" sz="2590" b="1" dirty="0">
+                <a:solidFill>
+                  <a:srgbClr val="FF0000"/>
+                </a:solidFill>
+              </a:rPr>
+              <a:t>separate whole system validation</a:t>
+            </a:r>
+            <a:r>
+              <a:rPr lang="en-US" sz="2590" b="1" dirty="0"/>
+              <a:t> from the logic.</a:t>
+            </a:r>
+            <a:endParaRPr dirty="0"/>
+          </a:p>
+          <a:p>
+            <a:pPr marL="228600" lvl="0" indent="-228600" algn="l" rtl="0">
+              <a:lnSpc>
+                <a:spcPct val="150000"/>
+              </a:lnSpc>
+              <a:spcBef>
+                <a:spcPts val="1000"/>
+              </a:spcBef>
+              <a:spcAft>
+                <a:spcPts val="0"/>
+              </a:spcAft>
+              <a:buClr>
+                <a:srgbClr val="FF0000"/>
+              </a:buClr>
+              <a:buSzPts val="2590"/>
+              <a:buChar char="•"/>
+            </a:pPr>
+            <a:endParaRPr lang="en-US" sz="2590" b="1" dirty="0">
+              <a:solidFill>
+                <a:srgbClr val="FF0000"/>
+              </a:solidFill>
+            </a:endParaRPr>
+          </a:p>
+          <a:p>
+            <a:pPr marL="228600" lvl="0" indent="-228600" algn="l" rtl="0">
+              <a:lnSpc>
+                <a:spcPct val="150000"/>
+              </a:lnSpc>
+              <a:spcBef>
+                <a:spcPts val="1000"/>
+              </a:spcBef>
+              <a:spcAft>
+                <a:spcPts val="0"/>
+              </a:spcAft>
+              <a:buClr>
+                <a:srgbClr val="FF0000"/>
+              </a:buClr>
+              <a:buSzPts val="2590"/>
+              <a:buChar char="•"/>
+            </a:pPr>
+            <a:r>
+              <a:rPr lang="en-US" sz="2590" b="1" dirty="0">
+                <a:solidFill>
+                  <a:srgbClr val="FF0000"/>
+                </a:solidFill>
+              </a:rPr>
+              <a:t>Lets do it </a:t>
+            </a:r>
+            <a:r>
+              <a:rPr lang="en-US" sz="2590" b="1" dirty="0"/>
+              <a:t>AspectJ Way!</a:t>
+            </a:r>
+            <a:endParaRPr dirty="0"/>
+          </a:p>
+          <a:p>
+            <a:pPr marL="228600" lvl="0" indent="-64135" algn="l" rtl="0">
+              <a:lnSpc>
+                <a:spcPct val="150000"/>
+              </a:lnSpc>
+              <a:spcBef>
+                <a:spcPts val="1000"/>
+              </a:spcBef>
+              <a:spcAft>
+                <a:spcPts val="0"/>
+              </a:spcAft>
+              <a:buClr>
+                <a:schemeClr val="dk1"/>
+              </a:buClr>
+              <a:buSzPts val="2590"/>
+              <a:buNone/>
+            </a:pPr>
+            <a:endParaRPr sz="2590" b="1" dirty="0"/>
+          </a:p>
+        </p:txBody>
+      </p:sp>
+      <p:pic>
+        <p:nvPicPr>
+          <p:cNvPr id="204" name="Google Shape;204;p30" descr="https://www.baeldung.com/wp-content/uploads/2018/11/nonnul-annotation.png"/>
+          <p:cNvPicPr preferRelativeResize="0"/>
+          <p:nvPr/>
+        </p:nvPicPr>
+        <p:blipFill rotWithShape="1">
+          <a:blip r:embed="rId3">
+            <a:alphaModFix/>
+          </a:blip>
+          <a:srcRect l="22153" r="22075"/>
+          <a:stretch/>
+        </p:blipFill>
+        <p:spPr>
+          <a:xfrm>
+            <a:off x="7767587" y="1566358"/>
+            <a:ext cx="3672904" cy="1968298"/>
+          </a:xfrm>
+          <a:prstGeom prst="rect">
+            <a:avLst/>
+          </a:prstGeom>
+          <a:noFill/>
+          <a:ln>
+            <a:noFill/>
+          </a:ln>
+        </p:spPr>
+      </p:pic>
+      <p:pic>
+        <p:nvPicPr>
+          <p:cNvPr id="205" name="Google Shape;205;p30"/>
+          <p:cNvPicPr preferRelativeResize="0"/>
+          <p:nvPr/>
+        </p:nvPicPr>
+        <p:blipFill rotWithShape="1">
+          <a:blip r:embed="rId4">
+            <a:alphaModFix/>
+          </a:blip>
+          <a:srcRect r="52889"/>
+          <a:stretch/>
+        </p:blipFill>
+        <p:spPr>
+          <a:xfrm>
+            <a:off x="7288568" y="4157661"/>
+            <a:ext cx="4151924" cy="2260894"/>
+          </a:xfrm>
+          <a:prstGeom prst="rect">
+            <a:avLst/>
+          </a:prstGeom>
+          <a:noFill/>
+          <a:ln>
+            <a:noFill/>
+          </a:ln>
+        </p:spPr>
+      </p:pic>
+      <p:sp>
+        <p:nvSpPr>
+          <p:cNvPr id="8" name="Google Shape;203;p30">
+            <a:extLst>
+              <a:ext uri="{FF2B5EF4-FFF2-40B4-BE49-F238E27FC236}">
+                <a16:creationId xmlns:a16="http://schemas.microsoft.com/office/drawing/2014/main" id="{B1B42403-2435-42FC-A8F4-0558097CBFD5}"/>
+              </a:ext>
+            </a:extLst>
+          </p:cNvPr>
+          <p:cNvSpPr/>
+          <p:nvPr/>
+        </p:nvSpPr>
+        <p:spPr>
+          <a:xfrm>
+            <a:off x="8474897" y="1126511"/>
+            <a:ext cx="1782091" cy="337609"/>
+          </a:xfrm>
+          <a:prstGeom prst="rect">
+            <a:avLst/>
+          </a:prstGeom>
+          <a:noFill/>
+          <a:ln>
+            <a:noFill/>
+          </a:ln>
+        </p:spPr>
+        <p:txBody>
+          <a:bodyPr spcFirstLastPara="1" wrap="square" lIns="91425" tIns="45700" rIns="91425" bIns="45700" anchor="t" anchorCtr="0">
+            <a:noAutofit/>
+          </a:bodyPr>
+          <a:lstStyle/>
+          <a:p>
+            <a:pPr marL="0" marR="0" lvl="0" indent="0" algn="l" rtl="0">
+              <a:lnSpc>
+                <a:spcPct val="150000"/>
+              </a:lnSpc>
+              <a:spcBef>
+                <a:spcPts val="0"/>
+              </a:spcBef>
+              <a:spcAft>
+                <a:spcPts val="0"/>
+              </a:spcAft>
+              <a:buNone/>
+            </a:pPr>
+            <a:r>
+              <a:rPr lang="en-US" sz="1200" b="1" i="0" u="none" strike="noStrike" cap="none" dirty="0">
+                <a:solidFill>
+                  <a:schemeClr val="dk1"/>
+                </a:solidFill>
+                <a:latin typeface="Calibri"/>
+                <a:ea typeface="Calibri"/>
+                <a:cs typeface="Calibri"/>
+                <a:sym typeface="Calibri"/>
+              </a:rPr>
+              <a:t>Validation using spring</a:t>
+            </a:r>
+            <a:endParaRPr sz="900" dirty="0"/>
+          </a:p>
+        </p:txBody>
+      </p:sp>
+      <p:sp>
+        <p:nvSpPr>
+          <p:cNvPr id="9" name="Google Shape;203;p30">
+            <a:extLst>
+              <a:ext uri="{FF2B5EF4-FFF2-40B4-BE49-F238E27FC236}">
+                <a16:creationId xmlns:a16="http://schemas.microsoft.com/office/drawing/2014/main" id="{5DC3A113-2046-4687-BCDF-68EEB302B937}"/>
+              </a:ext>
+            </a:extLst>
+          </p:cNvPr>
+          <p:cNvSpPr/>
+          <p:nvPr/>
+        </p:nvSpPr>
+        <p:spPr>
+          <a:xfrm>
+            <a:off x="8627297" y="3820052"/>
+            <a:ext cx="1782091" cy="337609"/>
+          </a:xfrm>
+          <a:prstGeom prst="rect">
+            <a:avLst/>
+          </a:prstGeom>
+          <a:noFill/>
+          <a:ln>
+            <a:noFill/>
+          </a:ln>
+        </p:spPr>
+        <p:txBody>
+          <a:bodyPr spcFirstLastPara="1" wrap="square" lIns="91425" tIns="45700" rIns="91425" bIns="45700" anchor="t" anchorCtr="0">
+            <a:noAutofit/>
+          </a:bodyPr>
+          <a:lstStyle/>
+          <a:p>
+            <a:pPr marL="0" marR="0" lvl="0" indent="0" algn="l" rtl="0">
+              <a:lnSpc>
+                <a:spcPct val="150000"/>
+              </a:lnSpc>
+              <a:spcBef>
+                <a:spcPts val="0"/>
+              </a:spcBef>
+              <a:spcAft>
+                <a:spcPts val="0"/>
+              </a:spcAft>
+              <a:buNone/>
+            </a:pPr>
+            <a:r>
+              <a:rPr lang="en-US" sz="1200" b="1" i="0" u="none" strike="noStrike" cap="none" dirty="0">
+                <a:solidFill>
+                  <a:schemeClr val="dk1"/>
+                </a:solidFill>
+                <a:latin typeface="Calibri"/>
+                <a:ea typeface="Calibri"/>
+                <a:cs typeface="Calibri"/>
+                <a:sym typeface="Calibri"/>
+              </a:rPr>
+              <a:t>Validation using Lombok</a:t>
+            </a:r>
+            <a:endParaRPr sz="900" dirty="0"/>
+          </a:p>
+        </p:txBody>
+      </p:sp>
+    </p:spTree>
+    <p:extLst>
+      <p:ext uri="{BB962C8B-B14F-4D97-AF65-F5344CB8AC3E}">
+        <p14:creationId xmlns:p14="http://schemas.microsoft.com/office/powerpoint/2010/main" val="546579293"/>
+      </p:ext>
+    </p:extLst>
+  </p:cSld>
+  <p:clrMapOvr>
+    <a:masterClrMapping/>
+  </p:clrMapOvr>
+</p:sld>
+</file>
+
+<file path=ppt/slides/slide41.xml><?xml version="1.0" encoding="utf-8"?>
+<p:sld xmlns:a="http://schemas.openxmlformats.org/drawingml/2006/main" xmlns:r="http://schemas.openxmlformats.org/officeDocument/2006/relationships" xmlns:p="http://schemas.openxmlformats.org/presentationml/2006/main">
+  <p:cSld>
+    <p:spTree>
+      <p:nvGrpSpPr>
+        <p:cNvPr id="1" name="Shape 209"/>
+        <p:cNvGrpSpPr/>
+        <p:nvPr/>
+      </p:nvGrpSpPr>
+      <p:grpSpPr>
+        <a:xfrm>
+          <a:off x="0" y="0"/>
+          <a:ext cx="0" cy="0"/>
+          <a:chOff x="0" y="0"/>
+          <a:chExt cx="0" cy="0"/>
+        </a:xfrm>
+      </p:grpSpPr>
+      <p:sp>
+        <p:nvSpPr>
+          <p:cNvPr id="210" name="Google Shape;210;p31"/>
+          <p:cNvSpPr txBox="1">
+            <a:spLocks noGrp="1"/>
+          </p:cNvSpPr>
+          <p:nvPr>
+            <p:ph type="title"/>
+          </p:nvPr>
+        </p:nvSpPr>
+        <p:spPr>
+          <a:xfrm>
+            <a:off x="400594" y="86450"/>
+            <a:ext cx="10515600" cy="1325563"/>
+          </a:xfrm>
+          <a:prstGeom prst="rect">
+            <a:avLst/>
+          </a:prstGeom>
+          <a:noFill/>
+          <a:ln>
+            <a:noFill/>
+          </a:ln>
+        </p:spPr>
+        <p:txBody>
+          <a:bodyPr spcFirstLastPara="1" wrap="square" lIns="91425" tIns="45700" rIns="91425" bIns="45700" anchor="ctr" anchorCtr="0">
+            <a:noAutofit/>
+          </a:bodyPr>
+          <a:lstStyle/>
+          <a:p>
+            <a:pPr marL="0" lvl="0" indent="0" algn="l" rtl="0">
+              <a:lnSpc>
+                <a:spcPct val="90000"/>
+              </a:lnSpc>
+              <a:spcBef>
+                <a:spcPts val="0"/>
+              </a:spcBef>
+              <a:spcAft>
+                <a:spcPts val="0"/>
+              </a:spcAft>
+              <a:buClr>
+                <a:schemeClr val="dk1"/>
+              </a:buClr>
+              <a:buSzPts val="4400"/>
+              <a:buFont typeface="Calibri"/>
+              <a:buNone/>
+            </a:pPr>
+            <a:r>
+              <a:rPr lang="en-US" b="1">
+                <a:latin typeface="Calibri"/>
+                <a:ea typeface="Calibri"/>
+                <a:cs typeface="Calibri"/>
+                <a:sym typeface="Calibri"/>
+              </a:rPr>
+              <a:t>Validator Aspect:</a:t>
+            </a:r>
+            <a:endParaRPr/>
+          </a:p>
+        </p:txBody>
+      </p:sp>
+      <p:sp>
+        <p:nvSpPr>
+          <p:cNvPr id="211" name="Google Shape;211;p31"/>
+          <p:cNvSpPr txBox="1">
+            <a:spLocks noGrp="1"/>
+          </p:cNvSpPr>
+          <p:nvPr>
+            <p:ph type="body" idx="1"/>
+          </p:nvPr>
+        </p:nvSpPr>
+        <p:spPr>
+          <a:xfrm>
+            <a:off x="400594" y="1201783"/>
+            <a:ext cx="11495315" cy="5468983"/>
+          </a:xfrm>
+          <a:prstGeom prst="rect">
+            <a:avLst/>
+          </a:prstGeom>
+          <a:noFill/>
+          <a:ln>
+            <a:noFill/>
+          </a:ln>
+        </p:spPr>
+        <p:txBody>
+          <a:bodyPr spcFirstLastPara="1" wrap="square" lIns="91425" tIns="45700" rIns="91425" bIns="45700" anchor="t" anchorCtr="0">
+            <a:noAutofit/>
+          </a:bodyPr>
+          <a:lstStyle/>
+          <a:p>
+            <a:pPr marL="0" lvl="0" indent="0" algn="l" rtl="0">
+              <a:lnSpc>
+                <a:spcPct val="150000"/>
+              </a:lnSpc>
+              <a:spcBef>
+                <a:spcPts val="0"/>
+              </a:spcBef>
+              <a:spcAft>
+                <a:spcPts val="0"/>
+              </a:spcAft>
+              <a:buClr>
+                <a:schemeClr val="dk1"/>
+              </a:buClr>
+              <a:buSzPts val="2800"/>
+              <a:buNone/>
+            </a:pPr>
+            <a:r>
+              <a:rPr lang="en-US" b="1" dirty="0"/>
+              <a:t>Validate all parameters passed to methods in our codebase.</a:t>
+            </a:r>
+            <a:endParaRPr dirty="0"/>
+          </a:p>
+          <a:p>
+            <a:pPr marL="228600" lvl="0" indent="-228600" algn="l" rtl="0">
+              <a:lnSpc>
+                <a:spcPct val="150000"/>
+              </a:lnSpc>
+              <a:spcBef>
+                <a:spcPts val="1000"/>
+              </a:spcBef>
+              <a:spcAft>
+                <a:spcPts val="0"/>
+              </a:spcAft>
+              <a:buClr>
+                <a:srgbClr val="FF0000"/>
+              </a:buClr>
+              <a:buSzPts val="2800"/>
+              <a:buChar char="•"/>
+            </a:pPr>
+            <a:r>
+              <a:rPr lang="en-US" b="1" dirty="0">
+                <a:solidFill>
+                  <a:srgbClr val="FF0000"/>
+                </a:solidFill>
+              </a:rPr>
+              <a:t>Concern: </a:t>
+            </a:r>
+            <a:r>
+              <a:rPr lang="en-US" b="1" dirty="0"/>
+              <a:t>validation of methods.</a:t>
+            </a:r>
+            <a:endParaRPr b="1" dirty="0">
+              <a:solidFill>
+                <a:srgbClr val="FF0000"/>
+              </a:solidFill>
+            </a:endParaRPr>
+          </a:p>
+          <a:p>
+            <a:pPr marL="228600" lvl="0" indent="-228600" algn="l" rtl="0">
+              <a:lnSpc>
+                <a:spcPct val="150000"/>
+              </a:lnSpc>
+              <a:spcBef>
+                <a:spcPts val="1000"/>
+              </a:spcBef>
+              <a:spcAft>
+                <a:spcPts val="0"/>
+              </a:spcAft>
+              <a:buClr>
+                <a:srgbClr val="FF0000"/>
+              </a:buClr>
+              <a:buSzPts val="2800"/>
+              <a:buChar char="•"/>
+            </a:pPr>
+            <a:r>
+              <a:rPr lang="en-US" b="1" dirty="0">
+                <a:solidFill>
+                  <a:srgbClr val="FF0000"/>
+                </a:solidFill>
+              </a:rPr>
+              <a:t>Pointcut: </a:t>
+            </a:r>
+            <a:r>
+              <a:rPr lang="en-US" b="1" dirty="0"/>
+              <a:t>validate game launch parameters (which player we want to play).</a:t>
+            </a:r>
+            <a:endParaRPr b="1" dirty="0">
+              <a:solidFill>
+                <a:srgbClr val="FF0000"/>
+              </a:solidFill>
+            </a:endParaRPr>
+          </a:p>
+          <a:p>
+            <a:pPr marL="228600" lvl="0" indent="-228600" algn="l" rtl="0">
+              <a:lnSpc>
+                <a:spcPct val="150000"/>
+              </a:lnSpc>
+              <a:spcBef>
+                <a:spcPts val="1000"/>
+              </a:spcBef>
+              <a:spcAft>
+                <a:spcPts val="0"/>
+              </a:spcAft>
+              <a:buClr>
+                <a:srgbClr val="FF0000"/>
+              </a:buClr>
+              <a:buSzPts val="2800"/>
+              <a:buChar char="•"/>
+            </a:pPr>
+            <a:r>
+              <a:rPr lang="en-US" b="1" dirty="0">
+                <a:solidFill>
+                  <a:srgbClr val="FF0000"/>
+                </a:solidFill>
+              </a:rPr>
+              <a:t>Advice: </a:t>
+            </a:r>
+            <a:r>
+              <a:rPr lang="en-US" b="1" dirty="0"/>
+              <a:t>throw an exception if parameters does not match pattern.</a:t>
+            </a:r>
+            <a:endParaRPr b="1" dirty="0">
+              <a:solidFill>
+                <a:srgbClr val="FF0000"/>
+              </a:solidFill>
+            </a:endParaRPr>
+          </a:p>
+          <a:p>
+            <a:pPr marL="228600" lvl="0" indent="-50800" algn="l" rtl="0">
+              <a:lnSpc>
+                <a:spcPct val="150000"/>
+              </a:lnSpc>
+              <a:spcBef>
+                <a:spcPts val="1000"/>
+              </a:spcBef>
+              <a:spcAft>
+                <a:spcPts val="0"/>
+              </a:spcAft>
+              <a:buClr>
+                <a:schemeClr val="dk1"/>
+              </a:buClr>
+              <a:buSzPts val="2800"/>
+              <a:buNone/>
+            </a:pPr>
+            <a:endParaRPr b="1" dirty="0"/>
+          </a:p>
+        </p:txBody>
+      </p:sp>
+    </p:spTree>
+  </p:cSld>
+  <p:clrMapOvr>
+    <a:masterClrMapping/>
+  </p:clrMapOvr>
+</p:sld>
+</file>
+
+<file path=ppt/slides/slide42.xml><?xml version="1.0" encoding="utf-8"?>
+<p:sld xmlns:a="http://schemas.openxmlformats.org/drawingml/2006/main" xmlns:r="http://schemas.openxmlformats.org/officeDocument/2006/relationships" xmlns:p="http://schemas.openxmlformats.org/presentationml/2006/main">
+  <p:cSld>
+    <p:spTree>
+      <p:nvGrpSpPr>
+        <p:cNvPr id="1" name="Shape 215"/>
+        <p:cNvGrpSpPr/>
+        <p:nvPr/>
+      </p:nvGrpSpPr>
+      <p:grpSpPr>
+        <a:xfrm>
+          <a:off x="0" y="0"/>
+          <a:ext cx="0" cy="0"/>
+          <a:chOff x="0" y="0"/>
+          <a:chExt cx="0" cy="0"/>
+        </a:xfrm>
+      </p:grpSpPr>
+      <p:pic>
+        <p:nvPicPr>
+          <p:cNvPr id="216" name="Google Shape;216;p32"/>
+          <p:cNvPicPr preferRelativeResize="0"/>
+          <p:nvPr/>
+        </p:nvPicPr>
+        <p:blipFill rotWithShape="1">
+          <a:blip r:embed="rId3">
+            <a:alphaModFix/>
+          </a:blip>
+          <a:srcRect/>
+          <a:stretch/>
+        </p:blipFill>
+        <p:spPr>
+          <a:xfrm>
+            <a:off x="2290438" y="4935984"/>
+            <a:ext cx="8002447" cy="1656400"/>
+          </a:xfrm>
+          <a:prstGeom prst="rect">
+            <a:avLst/>
+          </a:prstGeom>
+          <a:noFill/>
+          <a:ln>
+            <a:noFill/>
+          </a:ln>
+        </p:spPr>
+      </p:pic>
+      <p:pic>
+        <p:nvPicPr>
+          <p:cNvPr id="217" name="Google Shape;217;p32"/>
+          <p:cNvPicPr preferRelativeResize="0"/>
+          <p:nvPr/>
+        </p:nvPicPr>
+        <p:blipFill rotWithShape="1">
+          <a:blip r:embed="rId4">
+            <a:alphaModFix/>
+          </a:blip>
+          <a:srcRect l="6103" b="2535"/>
+          <a:stretch/>
+        </p:blipFill>
+        <p:spPr>
+          <a:xfrm>
+            <a:off x="3124940" y="150206"/>
+            <a:ext cx="5539666" cy="4705880"/>
+          </a:xfrm>
+          <a:prstGeom prst="rect">
+            <a:avLst/>
+          </a:prstGeom>
+          <a:noFill/>
+          <a:ln>
+            <a:noFill/>
+          </a:ln>
+        </p:spPr>
+      </p:pic>
+    </p:spTree>
+  </p:cSld>
+  <p:clrMapOvr>
+    <a:masterClrMapping/>
+  </p:clrMapOvr>
+</p:sld>
+</file>
+
+<file path=ppt/slides/slide43.xml><?xml version="1.0" encoding="utf-8"?>
+<p:sld xmlns:a="http://schemas.openxmlformats.org/drawingml/2006/main" xmlns:r="http://schemas.openxmlformats.org/officeDocument/2006/relationships" xmlns:p="http://schemas.openxmlformats.org/presentationml/2006/main">
+  <p:cSld>
+    <p:spTree>
+      <p:nvGrpSpPr>
+        <p:cNvPr id="1" name="Shape 262"/>
+        <p:cNvGrpSpPr/>
+        <p:nvPr/>
+      </p:nvGrpSpPr>
+      <p:grpSpPr>
+        <a:xfrm>
+          <a:off x="0" y="0"/>
+          <a:ext cx="0" cy="0"/>
+          <a:chOff x="0" y="0"/>
+          <a:chExt cx="0" cy="0"/>
+        </a:xfrm>
+      </p:grpSpPr>
+      <p:sp>
+        <p:nvSpPr>
+          <p:cNvPr id="263" name="Google Shape;263;p40"/>
+          <p:cNvSpPr txBox="1"/>
+          <p:nvPr/>
+        </p:nvSpPr>
+        <p:spPr>
+          <a:xfrm>
+            <a:off x="3848087" y="2334074"/>
+            <a:ext cx="4495826" cy="1754326"/>
+          </a:xfrm>
+          <a:prstGeom prst="rect">
+            <a:avLst/>
+          </a:prstGeom>
+          <a:solidFill>
+            <a:schemeClr val="dk1"/>
+          </a:solidFill>
+          <a:ln w="9525" cap="flat" cmpd="sng">
+            <a:solidFill>
+              <a:schemeClr val="dk1"/>
+            </a:solidFill>
+            <a:prstDash val="solid"/>
+            <a:round/>
+            <a:headEnd type="none" w="sm" len="sm"/>
+            <a:tailEnd type="none" w="sm" len="sm"/>
+          </a:ln>
+        </p:spPr>
+        <p:txBody>
+          <a:bodyPr spcFirstLastPara="1" wrap="square" lIns="91425" tIns="45700" rIns="91425" bIns="45700" anchor="t" anchorCtr="0">
+            <a:noAutofit/>
+          </a:bodyPr>
+          <a:lstStyle/>
+          <a:p>
+            <a:pPr marL="0" marR="0" lvl="0" indent="0" algn="ctr" rtl="0">
+              <a:spcBef>
+                <a:spcPts val="0"/>
+              </a:spcBef>
+              <a:spcAft>
+                <a:spcPts val="0"/>
+              </a:spcAft>
+              <a:buNone/>
+            </a:pPr>
+            <a:r>
+              <a:rPr lang="en-US" sz="5400" b="1" i="0" u="none" strike="noStrike" cap="none">
+                <a:solidFill>
+                  <a:schemeClr val="lt1"/>
+                </a:solidFill>
+                <a:latin typeface="Calibri"/>
+                <a:ea typeface="Calibri"/>
+                <a:cs typeface="Calibri"/>
+                <a:sym typeface="Calibri"/>
+              </a:rPr>
+              <a:t>Invasive Aspects</a:t>
+            </a:r>
+            <a:endParaRPr sz="4800" b="1" i="0" u="none" strike="noStrike" cap="none">
+              <a:solidFill>
+                <a:schemeClr val="lt1"/>
+              </a:solidFill>
+              <a:latin typeface="Calibri"/>
+              <a:ea typeface="Calibri"/>
+              <a:cs typeface="Calibri"/>
+              <a:sym typeface="Calibri"/>
+            </a:endParaRPr>
+          </a:p>
+        </p:txBody>
+      </p:sp>
+    </p:spTree>
+  </p:cSld>
+  <p:clrMapOvr>
+    <a:masterClrMapping/>
+  </p:clrMapOvr>
+</p:sld>
+</file>
+
+<file path=ppt/slides/slide44.xml><?xml version="1.0" encoding="utf-8"?>
+<p:sld xmlns:a="http://schemas.openxmlformats.org/drawingml/2006/main" xmlns:r="http://schemas.openxmlformats.org/officeDocument/2006/relationships" xmlns:p="http://schemas.openxmlformats.org/presentationml/2006/main">
+  <p:cSld>
+    <p:spTree>
+      <p:nvGrpSpPr>
         <p:cNvPr id="1" name="Shape 267"/>
         <p:cNvGrpSpPr/>
         <p:nvPr/>
@@ -24071,7 +24726,7 @@
 </p:sld>
 </file>
 
-<file path=ppt/slides/slide41.xml><?xml version="1.0" encoding="utf-8"?>
+<file path=ppt/slides/slide45.xml><?xml version="1.0" encoding="utf-8"?>
 <p:sld xmlns:a="http://schemas.openxmlformats.org/drawingml/2006/main" xmlns:r="http://schemas.openxmlformats.org/officeDocument/2006/relationships" xmlns:p="http://schemas.openxmlformats.org/presentationml/2006/main">
   <p:cSld>
     <p:spTree>
@@ -24306,7 +24961,7 @@
 </p:sld>
 </file>
 
-<file path=ppt/slides/slide42.xml><?xml version="1.0" encoding="utf-8"?>
+<file path=ppt/slides/slide46.xml><?xml version="1.0" encoding="utf-8"?>
 <p:sld xmlns:a="http://schemas.openxmlformats.org/drawingml/2006/main" xmlns:r="http://schemas.openxmlformats.org/officeDocument/2006/relationships" xmlns:p="http://schemas.openxmlformats.org/presentationml/2006/main">
   <p:cSld>
     <p:spTree>
@@ -24507,25 +25162,53 @@
             </a:r>
             <a:r>
               <a:rPr lang="en-US" sz="2400" b="1" i="1" dirty="0"/>
-              <a:t>logs the exception and throws </a:t>
-            </a:r>
-            <a:r>
-              <a:rPr lang="en-US" sz="2400" b="1" i="1" dirty="0" err="1"/>
+              <a:t>logs the exception and </a:t>
+            </a:r>
+            <a:r>
+              <a:rPr lang="en-US" sz="2400" b="1" i="1" dirty="0">
+                <a:solidFill>
+                  <a:srgbClr val="FF0000"/>
+                </a:solidFill>
+              </a:rPr>
+              <a:t>throws </a:t>
+            </a:r>
+            <a:r>
+              <a:rPr lang="en-US" sz="2400" b="1" i="1" dirty="0" err="1">
+                <a:solidFill>
+                  <a:srgbClr val="FF0000"/>
+                </a:solidFill>
+              </a:rPr>
               <a:t>UnhandledException</a:t>
             </a:r>
             <a:r>
-              <a:rPr lang="en-US" sz="2400" b="1" i="1" dirty="0"/>
+              <a:rPr lang="en-US" sz="2400" b="1" i="1" dirty="0">
+                <a:solidFill>
+                  <a:srgbClr val="FF0000"/>
+                </a:solidFill>
+              </a:rPr>
               <a:t>(</a:t>
             </a:r>
             <a:r>
-              <a:rPr lang="en-US" sz="2400" b="1" i="1" dirty="0" err="1"/>
+              <a:rPr lang="en-US" sz="2400" b="1" i="1" dirty="0" err="1">
+                <a:solidFill>
+                  <a:srgbClr val="FF0000"/>
+                </a:solidFill>
+              </a:rPr>
               <a:t>msg</a:t>
             </a:r>
             <a:r>
-              <a:rPr lang="en-US" sz="2400" b="1" i="1" dirty="0"/>
+              <a:rPr lang="en-US" sz="2400" b="1" i="1" dirty="0">
+                <a:solidFill>
+                  <a:srgbClr val="FF0000"/>
+                </a:solidFill>
+              </a:rPr>
               <a:t>).</a:t>
             </a:r>
-            <a:endParaRPr dirty="0"/>
+            <a:endParaRPr dirty="0">
+              <a:solidFill>
+                <a:srgbClr val="FF0000"/>
+              </a:solidFill>
+            </a:endParaRPr>
           </a:p>
           <a:p>
             <a:pPr marL="0" lvl="0" indent="0" algn="l" rtl="0">
@@ -24616,7 +25299,7 @@
 </p:sld>
 </file>
 
-<file path=ppt/slides/slide43.xml><?xml version="1.0" encoding="utf-8"?>
+<file path=ppt/slides/slide47.xml><?xml version="1.0" encoding="utf-8"?>
 <p:sld xmlns:a="http://schemas.openxmlformats.org/drawingml/2006/main" xmlns:r="http://schemas.openxmlformats.org/officeDocument/2006/relationships" xmlns:p="http://schemas.openxmlformats.org/presentationml/2006/main">
   <p:cSld>
     <p:spTree>
@@ -24654,8 +25337,8 @@
         </p:blipFill>
         <p:spPr>
           <a:xfrm>
-            <a:off x="2424542" y="4810040"/>
-            <a:ext cx="6968033" cy="1590760"/>
+            <a:off x="2272684" y="4651899"/>
+            <a:ext cx="7119892" cy="1748901"/>
           </a:xfrm>
           <a:prstGeom prst="rect">
             <a:avLst/>
@@ -24668,35 +25351,62 @@
       </p:pic>
       <p:pic>
         <p:nvPicPr>
-          <p:cNvPr id="5" name="Google Shape;287;p43">
+          <p:cNvPr id="2" name="Picture 1">
             <a:extLst>
               <a:ext uri="{FF2B5EF4-FFF2-40B4-BE49-F238E27FC236}">
-                <a16:creationId xmlns:a16="http://schemas.microsoft.com/office/drawing/2014/main" id="{44C94263-1299-4607-969C-D8DAE751B511}"/>
+                <a16:creationId xmlns:a16="http://schemas.microsoft.com/office/drawing/2014/main" id="{36856F20-BE81-4B48-BA43-268C82177874}"/>
               </a:ext>
             </a:extLst>
           </p:cNvPr>
-          <p:cNvPicPr preferRelativeResize="0"/>
+          <p:cNvPicPr>
+            <a:picLocks noChangeAspect="1"/>
+          </p:cNvPicPr>
           <p:nvPr/>
         </p:nvPicPr>
-        <p:blipFill rotWithShape="1">
-          <a:blip r:embed="rId3">
-            <a:alphaModFix/>
-          </a:blip>
-          <a:srcRect/>
-          <a:stretch/>
+        <p:blipFill>
+          <a:blip r:embed="rId3"/>
+          <a:stretch>
+            <a:fillRect/>
+          </a:stretch>
         </p:blipFill>
         <p:spPr>
           <a:xfrm>
-            <a:off x="2291377" y="457200"/>
-            <a:ext cx="7101198" cy="3866224"/>
+            <a:off x="2424542" y="695048"/>
+            <a:ext cx="7229475" cy="3124200"/>
           </a:xfrm>
           <a:prstGeom prst="rect">
             <a:avLst/>
           </a:prstGeom>
-          <a:noFill/>
-          <a:ln>
-            <a:noFill/>
-          </a:ln>
+        </p:spPr>
+      </p:pic>
+      <p:pic>
+        <p:nvPicPr>
+          <p:cNvPr id="6" name="Picture 5">
+            <a:extLst>
+              <a:ext uri="{FF2B5EF4-FFF2-40B4-BE49-F238E27FC236}">
+                <a16:creationId xmlns:a16="http://schemas.microsoft.com/office/drawing/2014/main" id="{731AAB2B-75E3-4F37-8D2C-7AE65704B44B}"/>
+              </a:ext>
+            </a:extLst>
+          </p:cNvPr>
+          <p:cNvPicPr>
+            <a:picLocks noChangeAspect="1"/>
+          </p:cNvPicPr>
+          <p:nvPr/>
+        </p:nvPicPr>
+        <p:blipFill>
+          <a:blip r:embed="rId4"/>
+          <a:stretch>
+            <a:fillRect/>
+          </a:stretch>
+        </p:blipFill>
+        <p:spPr>
+          <a:xfrm rot="1367842">
+            <a:off x="9459380" y="4307265"/>
+            <a:ext cx="2698164" cy="888807"/>
+          </a:xfrm>
+          <a:prstGeom prst="rect">
+            <a:avLst/>
+          </a:prstGeom>
         </p:spPr>
       </p:pic>
     </p:spTree>
@@ -24712,7 +25422,7 @@
 </p:sld>
 </file>
 
-<file path=ppt/slides/slide44.xml><?xml version="1.0" encoding="utf-8"?>
+<file path=ppt/slides/slide48.xml><?xml version="1.0" encoding="utf-8"?>
 <p:sld xmlns:a="http://schemas.openxmlformats.org/drawingml/2006/main" xmlns:r="http://schemas.openxmlformats.org/officeDocument/2006/relationships" xmlns:p="http://schemas.openxmlformats.org/presentationml/2006/main">
   <p:cSld>
     <p:spTree>
@@ -24776,15 +25486,24 @@
               <a:buNone/>
             </a:pPr>
             <a:r>
-              <a:rPr lang="en-US" b="1">
+              <a:rPr lang="en-US" b="1" dirty="0" err="1">
                 <a:latin typeface="Calibri"/>
                 <a:ea typeface="Calibri"/>
                 <a:cs typeface="Calibri"/>
                 <a:sym typeface="Calibri"/>
               </a:rPr>
-              <a:t>ExceptionTranslationAspect, the concern:</a:t>
-            </a:r>
-            <a:endParaRPr/>
+              <a:t>ExceptionTranslation</a:t>
+            </a:r>
+            <a:r>
+              <a:rPr lang="en-US" b="1" dirty="0">
+                <a:latin typeface="Calibri"/>
+                <a:ea typeface="Calibri"/>
+                <a:cs typeface="Calibri"/>
+                <a:sym typeface="Calibri"/>
+              </a:rPr>
+              <a:t> Aspect, the concern:</a:t>
+            </a:r>
+            <a:endParaRPr dirty="0"/>
           </a:p>
         </p:txBody>
       </p:sp>
@@ -24982,837 +25701,6 @@
         </p:spPr>
       </p:pic>
     </p:spTree>
-  </p:cSld>
-  <p:clrMapOvr>
-    <a:masterClrMapping/>
-  </p:clrMapOvr>
-</p:sld>
-</file>
-
-<file path=ppt/slides/slide45.xml><?xml version="1.0" encoding="utf-8"?>
-<p:sld xmlns:a="http://schemas.openxmlformats.org/drawingml/2006/main" xmlns:r="http://schemas.openxmlformats.org/officeDocument/2006/relationships" xmlns:p="http://schemas.openxmlformats.org/presentationml/2006/main">
-  <p:cSld>
-    <p:spTree>
-      <p:nvGrpSpPr>
-        <p:cNvPr id="1" name="Shape 304"/>
-        <p:cNvGrpSpPr/>
-        <p:nvPr/>
-      </p:nvGrpSpPr>
-      <p:grpSpPr>
-        <a:xfrm>
-          <a:off x="0" y="0"/>
-          <a:ext cx="0" cy="0"/>
-          <a:chOff x="0" y="0"/>
-          <a:chExt cx="0" cy="0"/>
-        </a:xfrm>
-      </p:grpSpPr>
-      <p:sp>
-        <p:nvSpPr>
-          <p:cNvPr id="305" name="Google Shape;305;p46"/>
-          <p:cNvSpPr txBox="1">
-            <a:spLocks noGrp="1"/>
-          </p:cNvSpPr>
-          <p:nvPr>
-            <p:ph type="title"/>
-          </p:nvPr>
-        </p:nvSpPr>
-        <p:spPr>
-          <a:xfrm>
-            <a:off x="400594" y="86450"/>
-            <a:ext cx="10515600" cy="1325563"/>
-          </a:xfrm>
-          <a:prstGeom prst="rect">
-            <a:avLst/>
-          </a:prstGeom>
-          <a:noFill/>
-          <a:ln>
-            <a:noFill/>
-          </a:ln>
-        </p:spPr>
-        <p:txBody>
-          <a:bodyPr spcFirstLastPara="1" wrap="square" lIns="91425" tIns="45700" rIns="91425" bIns="45700" anchor="ctr" anchorCtr="0">
-            <a:noAutofit/>
-          </a:bodyPr>
-          <a:lstStyle/>
-          <a:p>
-            <a:pPr marL="0" lvl="0" indent="0" algn="l" rtl="0">
-              <a:lnSpc>
-                <a:spcPct val="90000"/>
-              </a:lnSpc>
-              <a:spcBef>
-                <a:spcPts val="0"/>
-              </a:spcBef>
-              <a:spcAft>
-                <a:spcPts val="0"/>
-              </a:spcAft>
-              <a:buClr>
-                <a:schemeClr val="dk1"/>
-              </a:buClr>
-              <a:buSzPts val="4400"/>
-              <a:buFont typeface="Calibri"/>
-              <a:buNone/>
-            </a:pPr>
-            <a:r>
-              <a:rPr lang="en-US" b="1">
-                <a:latin typeface="Calibri"/>
-                <a:ea typeface="Calibri"/>
-                <a:cs typeface="Calibri"/>
-                <a:sym typeface="Calibri"/>
-              </a:rPr>
-              <a:t>ExceptionTranslatorAspect</a:t>
-            </a:r>
-            <a:endParaRPr b="1">
-              <a:latin typeface="Calibri"/>
-              <a:ea typeface="Calibri"/>
-              <a:cs typeface="Calibri"/>
-              <a:sym typeface="Calibri"/>
-            </a:endParaRPr>
-          </a:p>
-        </p:txBody>
-      </p:sp>
-      <p:sp>
-        <p:nvSpPr>
-          <p:cNvPr id="306" name="Google Shape;306;p46"/>
-          <p:cNvSpPr txBox="1">
-            <a:spLocks noGrp="1"/>
-          </p:cNvSpPr>
-          <p:nvPr>
-            <p:ph type="body" idx="1"/>
-          </p:nvPr>
-        </p:nvSpPr>
-        <p:spPr>
-          <a:xfrm>
-            <a:off x="125835" y="1116419"/>
-            <a:ext cx="10515600" cy="5554347"/>
-          </a:xfrm>
-          <a:prstGeom prst="rect">
-            <a:avLst/>
-          </a:prstGeom>
-          <a:noFill/>
-          <a:ln>
-            <a:noFill/>
-          </a:ln>
-        </p:spPr>
-        <p:txBody>
-          <a:bodyPr spcFirstLastPara="1" wrap="square" lIns="91425" tIns="45700" rIns="91425" bIns="45700" anchor="t" anchorCtr="0">
-            <a:noAutofit/>
-          </a:bodyPr>
-          <a:lstStyle/>
-          <a:p>
-            <a:pPr marL="228600" lvl="0" indent="-228600" algn="l" rtl="0">
-              <a:lnSpc>
-                <a:spcPct val="150000"/>
-              </a:lnSpc>
-              <a:spcBef>
-                <a:spcPts val="0"/>
-              </a:spcBef>
-              <a:spcAft>
-                <a:spcPts val="0"/>
-              </a:spcAft>
-              <a:buClr>
-                <a:srgbClr val="FF0000"/>
-              </a:buClr>
-              <a:buSzPts val="2400"/>
-              <a:buChar char="•"/>
-            </a:pPr>
-            <a:r>
-              <a:rPr lang="en-US" sz="2400" b="1" dirty="0">
-                <a:solidFill>
-                  <a:srgbClr val="FF0000"/>
-                </a:solidFill>
-              </a:rPr>
-              <a:t>Concern:</a:t>
-            </a:r>
-            <a:r>
-              <a:rPr lang="en-US" sz="2400" b="1" dirty="0"/>
-              <a:t> noted above.</a:t>
-            </a:r>
-            <a:endParaRPr sz="2400" b="1" dirty="0">
-              <a:solidFill>
-                <a:srgbClr val="FF0000"/>
-              </a:solidFill>
-            </a:endParaRPr>
-          </a:p>
-          <a:p>
-            <a:pPr marL="228600" lvl="0" indent="-228600" algn="l" rtl="0">
-              <a:lnSpc>
-                <a:spcPct val="150000"/>
-              </a:lnSpc>
-              <a:spcBef>
-                <a:spcPts val="1000"/>
-              </a:spcBef>
-              <a:spcAft>
-                <a:spcPts val="0"/>
-              </a:spcAft>
-              <a:buClr>
-                <a:srgbClr val="FF0000"/>
-              </a:buClr>
-              <a:buSzPts val="2400"/>
-              <a:buChar char="•"/>
-            </a:pPr>
-            <a:r>
-              <a:rPr lang="en-US" sz="2400" b="1" i="1" dirty="0">
-                <a:solidFill>
-                  <a:srgbClr val="FF0000"/>
-                </a:solidFill>
-              </a:rPr>
-              <a:t>Pointcut: </a:t>
-            </a:r>
-            <a:r>
-              <a:rPr lang="en-US" sz="2400" b="1" i="1" dirty="0"/>
-              <a:t>a </a:t>
-            </a:r>
-            <a:r>
-              <a:rPr lang="en-US" sz="2400" b="1" i="1" dirty="0" err="1"/>
-              <a:t>KeyboardException</a:t>
-            </a:r>
-            <a:r>
-              <a:rPr lang="en-US" sz="2400" b="1" i="1" dirty="0"/>
-              <a:t> is thrown  (ESC is pressed)</a:t>
-            </a:r>
-            <a:endParaRPr dirty="0"/>
-          </a:p>
-          <a:p>
-            <a:pPr marL="228600" lvl="0" indent="-228600" algn="l" rtl="0">
-              <a:lnSpc>
-                <a:spcPct val="150000"/>
-              </a:lnSpc>
-              <a:spcBef>
-                <a:spcPts val="1000"/>
-              </a:spcBef>
-              <a:spcAft>
-                <a:spcPts val="0"/>
-              </a:spcAft>
-              <a:buClr>
-                <a:srgbClr val="FF0000"/>
-              </a:buClr>
-              <a:buSzPts val="2400"/>
-              <a:buChar char="•"/>
-            </a:pPr>
-            <a:r>
-              <a:rPr lang="en-US" sz="2400" b="1" i="1" dirty="0">
-                <a:solidFill>
-                  <a:srgbClr val="FF0000"/>
-                </a:solidFill>
-              </a:rPr>
-              <a:t>Advice: </a:t>
-            </a:r>
-            <a:r>
-              <a:rPr lang="en-US" sz="2400" b="1" i="1" dirty="0"/>
-              <a:t>Translate 3</a:t>
-            </a:r>
-            <a:r>
-              <a:rPr lang="en-US" sz="2400" b="1" i="1" baseline="30000" dirty="0"/>
-              <a:t>rd</a:t>
-            </a:r>
-            <a:r>
-              <a:rPr lang="en-US" sz="2400" b="1" i="1" dirty="0"/>
-              <a:t> party thrown exception into our application exception.</a:t>
-            </a:r>
-            <a:endParaRPr dirty="0"/>
-          </a:p>
-          <a:p>
-            <a:pPr marL="228600" lvl="0" indent="-228600" algn="l" rtl="0">
-              <a:lnSpc>
-                <a:spcPct val="150000"/>
-              </a:lnSpc>
-              <a:spcBef>
-                <a:spcPts val="1000"/>
-              </a:spcBef>
-              <a:spcAft>
-                <a:spcPts val="0"/>
-              </a:spcAft>
-              <a:buClr>
-                <a:srgbClr val="FF0000"/>
-              </a:buClr>
-              <a:buSzPts val="2400"/>
-              <a:buChar char="•"/>
-            </a:pPr>
-            <a:r>
-              <a:rPr lang="en-US" sz="2400" b="1" i="1" dirty="0" err="1">
-                <a:solidFill>
-                  <a:srgbClr val="FF0000"/>
-                </a:solidFill>
-              </a:rPr>
-              <a:t>ProceedingJointPoint</a:t>
-            </a:r>
-            <a:r>
-              <a:rPr lang="en-US" sz="2400" b="1" i="1" dirty="0"/>
-              <a:t>: an around advice is a special advice that can control when and if a method (or other join point) is executed. so they require an argument of type PJP, whereas other advices just use JP.</a:t>
-            </a:r>
-            <a:endParaRPr dirty="0"/>
-          </a:p>
-        </p:txBody>
-      </p:sp>
-    </p:spTree>
-  </p:cSld>
-  <p:clrMapOvr>
-    <a:masterClrMapping/>
-  </p:clrMapOvr>
-</p:sld>
-</file>
-
-<file path=ppt/slides/slide46.xml><?xml version="1.0" encoding="utf-8"?>
-<p:sld xmlns:a="http://schemas.openxmlformats.org/drawingml/2006/main" xmlns:r="http://schemas.openxmlformats.org/officeDocument/2006/relationships" xmlns:p="http://schemas.openxmlformats.org/presentationml/2006/main">
-  <p:cSld>
-    <p:spTree>
-      <p:nvGrpSpPr>
-        <p:cNvPr id="1" name="Shape 304"/>
-        <p:cNvGrpSpPr/>
-        <p:nvPr/>
-      </p:nvGrpSpPr>
-      <p:grpSpPr>
-        <a:xfrm>
-          <a:off x="0" y="0"/>
-          <a:ext cx="0" cy="0"/>
-          <a:chOff x="0" y="0"/>
-          <a:chExt cx="0" cy="0"/>
-        </a:xfrm>
-      </p:grpSpPr>
-      <p:sp>
-        <p:nvSpPr>
-          <p:cNvPr id="305" name="Google Shape;305;p46"/>
-          <p:cNvSpPr txBox="1">
-            <a:spLocks noGrp="1"/>
-          </p:cNvSpPr>
-          <p:nvPr>
-            <p:ph type="title"/>
-          </p:nvPr>
-        </p:nvSpPr>
-        <p:spPr>
-          <a:xfrm>
-            <a:off x="400594" y="86450"/>
-            <a:ext cx="10515600" cy="1325563"/>
-          </a:xfrm>
-          <a:prstGeom prst="rect">
-            <a:avLst/>
-          </a:prstGeom>
-          <a:noFill/>
-          <a:ln>
-            <a:noFill/>
-          </a:ln>
-        </p:spPr>
-        <p:txBody>
-          <a:bodyPr spcFirstLastPara="1" wrap="square" lIns="91425" tIns="45700" rIns="91425" bIns="45700" anchor="ctr" anchorCtr="0">
-            <a:noAutofit/>
-          </a:bodyPr>
-          <a:lstStyle/>
-          <a:p>
-            <a:pPr marL="0" lvl="0" indent="0" algn="l" rtl="0">
-              <a:lnSpc>
-                <a:spcPct val="90000"/>
-              </a:lnSpc>
-              <a:spcBef>
-                <a:spcPts val="0"/>
-              </a:spcBef>
-              <a:spcAft>
-                <a:spcPts val="0"/>
-              </a:spcAft>
-              <a:buClr>
-                <a:schemeClr val="dk1"/>
-              </a:buClr>
-              <a:buSzPts val="4400"/>
-              <a:buFont typeface="Calibri"/>
-              <a:buNone/>
-            </a:pPr>
-            <a:r>
-              <a:rPr lang="en-US" b="1">
-                <a:latin typeface="Calibri"/>
-                <a:ea typeface="Calibri"/>
-                <a:cs typeface="Calibri"/>
-                <a:sym typeface="Calibri"/>
-              </a:rPr>
-              <a:t>ExceptionTranslatorAspect</a:t>
-            </a:r>
-            <a:endParaRPr b="1">
-              <a:latin typeface="Calibri"/>
-              <a:ea typeface="Calibri"/>
-              <a:cs typeface="Calibri"/>
-              <a:sym typeface="Calibri"/>
-            </a:endParaRPr>
-          </a:p>
-        </p:txBody>
-      </p:sp>
-      <p:pic>
-        <p:nvPicPr>
-          <p:cNvPr id="6" name="Google Shape;307;p46">
-            <a:extLst>
-              <a:ext uri="{FF2B5EF4-FFF2-40B4-BE49-F238E27FC236}">
-                <a16:creationId xmlns:a16="http://schemas.microsoft.com/office/drawing/2014/main" id="{997DB6BF-8FAB-4DDB-92B3-4145B1C7D8E0}"/>
-              </a:ext>
-            </a:extLst>
-          </p:cNvPr>
-          <p:cNvPicPr preferRelativeResize="0"/>
-          <p:nvPr/>
-        </p:nvPicPr>
-        <p:blipFill rotWithShape="1">
-          <a:blip r:embed="rId3">
-            <a:alphaModFix/>
-          </a:blip>
-          <a:srcRect l="4202" r="4131"/>
-          <a:stretch/>
-        </p:blipFill>
-        <p:spPr>
-          <a:xfrm>
-            <a:off x="2606532" y="1100831"/>
-            <a:ext cx="6430935" cy="3293616"/>
-          </a:xfrm>
-          <a:prstGeom prst="rect">
-            <a:avLst/>
-          </a:prstGeom>
-          <a:noFill/>
-          <a:ln>
-            <a:noFill/>
-          </a:ln>
-        </p:spPr>
-      </p:pic>
-      <p:pic>
-        <p:nvPicPr>
-          <p:cNvPr id="7" name="Google Shape;308;p46">
-            <a:extLst>
-              <a:ext uri="{FF2B5EF4-FFF2-40B4-BE49-F238E27FC236}">
-                <a16:creationId xmlns:a16="http://schemas.microsoft.com/office/drawing/2014/main" id="{B9033C1E-DF3D-48B4-8739-8C8B4F7A65BE}"/>
-              </a:ext>
-            </a:extLst>
-          </p:cNvPr>
-          <p:cNvPicPr preferRelativeResize="0"/>
-          <p:nvPr/>
-        </p:nvPicPr>
-        <p:blipFill rotWithShape="1">
-          <a:blip r:embed="rId4">
-            <a:alphaModFix/>
-          </a:blip>
-          <a:srcRect l="5305"/>
-          <a:stretch/>
-        </p:blipFill>
-        <p:spPr>
-          <a:xfrm>
-            <a:off x="2606532" y="4593298"/>
-            <a:ext cx="6235626" cy="1972702"/>
-          </a:xfrm>
-          <a:prstGeom prst="rect">
-            <a:avLst/>
-          </a:prstGeom>
-          <a:noFill/>
-          <a:ln>
-            <a:noFill/>
-          </a:ln>
-        </p:spPr>
-      </p:pic>
-    </p:spTree>
-    <p:extLst>
-      <p:ext uri="{BB962C8B-B14F-4D97-AF65-F5344CB8AC3E}">
-        <p14:creationId xmlns:p14="http://schemas.microsoft.com/office/powerpoint/2010/main" val="1530736439"/>
-      </p:ext>
-    </p:extLst>
-  </p:cSld>
-  <p:clrMapOvr>
-    <a:masterClrMapping/>
-  </p:clrMapOvr>
-</p:sld>
-</file>
-
-<file path=ppt/slides/slide47.xml><?xml version="1.0" encoding="utf-8"?>
-<p:sld xmlns:a="http://schemas.openxmlformats.org/drawingml/2006/main" xmlns:r="http://schemas.openxmlformats.org/officeDocument/2006/relationships" xmlns:p="http://schemas.openxmlformats.org/presentationml/2006/main">
-  <p:cSld>
-    <p:spTree>
-      <p:nvGrpSpPr>
-        <p:cNvPr id="1" name="Shape 304"/>
-        <p:cNvGrpSpPr/>
-        <p:nvPr/>
-      </p:nvGrpSpPr>
-      <p:grpSpPr>
-        <a:xfrm>
-          <a:off x="0" y="0"/>
-          <a:ext cx="0" cy="0"/>
-          <a:chOff x="0" y="0"/>
-          <a:chExt cx="0" cy="0"/>
-        </a:xfrm>
-      </p:grpSpPr>
-      <p:sp>
-        <p:nvSpPr>
-          <p:cNvPr id="305" name="Google Shape;305;p46"/>
-          <p:cNvSpPr txBox="1">
-            <a:spLocks noGrp="1"/>
-          </p:cNvSpPr>
-          <p:nvPr>
-            <p:ph type="title"/>
-          </p:nvPr>
-        </p:nvSpPr>
-        <p:spPr>
-          <a:xfrm>
-            <a:off x="400594" y="86450"/>
-            <a:ext cx="10515600" cy="1325563"/>
-          </a:xfrm>
-          <a:prstGeom prst="rect">
-            <a:avLst/>
-          </a:prstGeom>
-          <a:noFill/>
-          <a:ln>
-            <a:noFill/>
-          </a:ln>
-        </p:spPr>
-        <p:txBody>
-          <a:bodyPr spcFirstLastPara="1" wrap="square" lIns="91425" tIns="45700" rIns="91425" bIns="45700" anchor="ctr" anchorCtr="0">
-            <a:noAutofit/>
-          </a:bodyPr>
-          <a:lstStyle/>
-          <a:p>
-            <a:pPr marL="0" lvl="0" indent="0" algn="l" rtl="0">
-              <a:lnSpc>
-                <a:spcPct val="90000"/>
-              </a:lnSpc>
-              <a:spcBef>
-                <a:spcPts val="0"/>
-              </a:spcBef>
-              <a:spcAft>
-                <a:spcPts val="0"/>
-              </a:spcAft>
-              <a:buClr>
-                <a:schemeClr val="dk1"/>
-              </a:buClr>
-              <a:buSzPts val="4400"/>
-              <a:buFont typeface="Calibri"/>
-              <a:buNone/>
-            </a:pPr>
-            <a:r>
-              <a:rPr lang="en-US" b="1" dirty="0" err="1">
-                <a:latin typeface="Calibri"/>
-                <a:ea typeface="Calibri"/>
-                <a:cs typeface="Calibri"/>
-                <a:sym typeface="Calibri"/>
-              </a:rPr>
-              <a:t>FunctionalityAdderAspect</a:t>
-            </a:r>
-            <a:endParaRPr b="1" dirty="0">
-              <a:latin typeface="Calibri"/>
-              <a:ea typeface="Calibri"/>
-              <a:cs typeface="Calibri"/>
-              <a:sym typeface="Calibri"/>
-            </a:endParaRPr>
-          </a:p>
-        </p:txBody>
-      </p:sp>
-      <p:sp>
-        <p:nvSpPr>
-          <p:cNvPr id="306" name="Google Shape;306;p46"/>
-          <p:cNvSpPr txBox="1">
-            <a:spLocks noGrp="1"/>
-          </p:cNvSpPr>
-          <p:nvPr>
-            <p:ph type="body" idx="1"/>
-          </p:nvPr>
-        </p:nvSpPr>
-        <p:spPr>
-          <a:xfrm>
-            <a:off x="125835" y="1116419"/>
-            <a:ext cx="10515600" cy="5554347"/>
-          </a:xfrm>
-          <a:prstGeom prst="rect">
-            <a:avLst/>
-          </a:prstGeom>
-          <a:noFill/>
-          <a:ln>
-            <a:noFill/>
-          </a:ln>
-        </p:spPr>
-        <p:txBody>
-          <a:bodyPr spcFirstLastPara="1" wrap="square" lIns="91425" tIns="45700" rIns="91425" bIns="45700" anchor="t" anchorCtr="0">
-            <a:noAutofit/>
-          </a:bodyPr>
-          <a:lstStyle/>
-          <a:p>
-            <a:pPr marL="228600" lvl="0" indent="-228600" algn="l" rtl="0">
-              <a:lnSpc>
-                <a:spcPct val="150000"/>
-              </a:lnSpc>
-              <a:spcBef>
-                <a:spcPts val="0"/>
-              </a:spcBef>
-              <a:spcAft>
-                <a:spcPts val="0"/>
-              </a:spcAft>
-              <a:buClr>
-                <a:srgbClr val="FF0000"/>
-              </a:buClr>
-              <a:buSzPts val="2400"/>
-              <a:buChar char="•"/>
-            </a:pPr>
-            <a:r>
-              <a:rPr lang="en-US" b="1" dirty="0">
-                <a:solidFill>
-                  <a:srgbClr val="FF0000"/>
-                </a:solidFill>
-              </a:rPr>
-              <a:t>Concern:</a:t>
-            </a:r>
-            <a:r>
-              <a:rPr lang="en-US" b="1" dirty="0"/>
-              <a:t> Assume we want to add some functionality to our code, Serialization for example, or Printability. Those are interfaces with default implementations (by java or by ourselves). We want those to be added only for 1x month without touching existing code, as our client wants this for short-term period. Instead of writing new interfaces or changing existing code, lets change our objects hierarchy with aspects!</a:t>
-            </a:r>
-            <a:endParaRPr b="1" dirty="0">
-              <a:solidFill>
-                <a:srgbClr val="FF0000"/>
-              </a:solidFill>
-            </a:endParaRPr>
-          </a:p>
-        </p:txBody>
-      </p:sp>
-    </p:spTree>
-    <p:extLst>
-      <p:ext uri="{BB962C8B-B14F-4D97-AF65-F5344CB8AC3E}">
-        <p14:creationId xmlns:p14="http://schemas.microsoft.com/office/powerpoint/2010/main" val="1816212354"/>
-      </p:ext>
-    </p:extLst>
-  </p:cSld>
-  <p:clrMapOvr>
-    <a:masterClrMapping/>
-  </p:clrMapOvr>
-</p:sld>
-</file>
-
-<file path=ppt/slides/slide48.xml><?xml version="1.0" encoding="utf-8"?>
-<p:sld xmlns:a="http://schemas.openxmlformats.org/drawingml/2006/main" xmlns:r="http://schemas.openxmlformats.org/officeDocument/2006/relationships" xmlns:p="http://schemas.openxmlformats.org/presentationml/2006/main">
-  <p:cSld>
-    <p:spTree>
-      <p:nvGrpSpPr>
-        <p:cNvPr id="1" name="Shape 304"/>
-        <p:cNvGrpSpPr/>
-        <p:nvPr/>
-      </p:nvGrpSpPr>
-      <p:grpSpPr>
-        <a:xfrm>
-          <a:off x="0" y="0"/>
-          <a:ext cx="0" cy="0"/>
-          <a:chOff x="0" y="0"/>
-          <a:chExt cx="0" cy="0"/>
-        </a:xfrm>
-      </p:grpSpPr>
-      <p:sp>
-        <p:nvSpPr>
-          <p:cNvPr id="305" name="Google Shape;305;p46"/>
-          <p:cNvSpPr txBox="1">
-            <a:spLocks noGrp="1"/>
-          </p:cNvSpPr>
-          <p:nvPr>
-            <p:ph type="title"/>
-          </p:nvPr>
-        </p:nvSpPr>
-        <p:spPr>
-          <a:xfrm>
-            <a:off x="400594" y="86450"/>
-            <a:ext cx="10515600" cy="1325563"/>
-          </a:xfrm>
-          <a:prstGeom prst="rect">
-            <a:avLst/>
-          </a:prstGeom>
-          <a:noFill/>
-          <a:ln>
-            <a:noFill/>
-          </a:ln>
-        </p:spPr>
-        <p:txBody>
-          <a:bodyPr spcFirstLastPara="1" wrap="square" lIns="91425" tIns="45700" rIns="91425" bIns="45700" anchor="ctr" anchorCtr="0">
-            <a:noAutofit/>
-          </a:bodyPr>
-          <a:lstStyle/>
-          <a:p>
-            <a:pPr marL="0" lvl="0" indent="0" algn="l" rtl="0">
-              <a:lnSpc>
-                <a:spcPct val="90000"/>
-              </a:lnSpc>
-              <a:spcBef>
-                <a:spcPts val="0"/>
-              </a:spcBef>
-              <a:spcAft>
-                <a:spcPts val="0"/>
-              </a:spcAft>
-              <a:buClr>
-                <a:schemeClr val="dk1"/>
-              </a:buClr>
-              <a:buSzPts val="4400"/>
-              <a:buFont typeface="Calibri"/>
-              <a:buNone/>
-            </a:pPr>
-            <a:r>
-              <a:rPr lang="en-US" b="1" dirty="0" err="1">
-                <a:latin typeface="Calibri"/>
-                <a:ea typeface="Calibri"/>
-                <a:cs typeface="Calibri"/>
-                <a:sym typeface="Calibri"/>
-              </a:rPr>
-              <a:t>FunctionalityAdderAspect</a:t>
-            </a:r>
-            <a:endParaRPr b="1" dirty="0">
-              <a:latin typeface="Calibri"/>
-              <a:ea typeface="Calibri"/>
-              <a:cs typeface="Calibri"/>
-              <a:sym typeface="Calibri"/>
-            </a:endParaRPr>
-          </a:p>
-        </p:txBody>
-      </p:sp>
-      <p:sp>
-        <p:nvSpPr>
-          <p:cNvPr id="306" name="Google Shape;306;p46"/>
-          <p:cNvSpPr txBox="1">
-            <a:spLocks noGrp="1"/>
-          </p:cNvSpPr>
-          <p:nvPr>
-            <p:ph type="body" idx="1"/>
-          </p:nvPr>
-        </p:nvSpPr>
-        <p:spPr>
-          <a:xfrm>
-            <a:off x="125835" y="1116419"/>
-            <a:ext cx="10515600" cy="5554347"/>
-          </a:xfrm>
-          <a:prstGeom prst="rect">
-            <a:avLst/>
-          </a:prstGeom>
-          <a:noFill/>
-          <a:ln>
-            <a:noFill/>
-          </a:ln>
-        </p:spPr>
-        <p:txBody>
-          <a:bodyPr spcFirstLastPara="1" wrap="square" lIns="91425" tIns="45700" rIns="91425" bIns="45700" anchor="t" anchorCtr="0">
-            <a:noAutofit/>
-          </a:bodyPr>
-          <a:lstStyle/>
-          <a:p>
-            <a:pPr marL="228600" lvl="0" indent="-228600" algn="l" rtl="0">
-              <a:lnSpc>
-                <a:spcPct val="150000"/>
-              </a:lnSpc>
-              <a:spcBef>
-                <a:spcPts val="1000"/>
-              </a:spcBef>
-              <a:spcAft>
-                <a:spcPts val="0"/>
-              </a:spcAft>
-              <a:buClr>
-                <a:srgbClr val="FF0000"/>
-              </a:buClr>
-              <a:buSzPts val="2400"/>
-              <a:buChar char="•"/>
-            </a:pPr>
-            <a:r>
-              <a:rPr lang="en-US" b="1" i="1" dirty="0">
-                <a:solidFill>
-                  <a:srgbClr val="FF0000"/>
-                </a:solidFill>
-              </a:rPr>
-              <a:t>Pointcut: </a:t>
-            </a:r>
-            <a:r>
-              <a:rPr lang="en-US" b="1" i="1" dirty="0">
-                <a:solidFill>
-                  <a:schemeClr val="tx1"/>
-                </a:solidFill>
-              </a:rPr>
-              <a:t>we use ITD &gt; @</a:t>
-            </a:r>
-            <a:r>
-              <a:rPr lang="en-US" b="1" i="1" dirty="0" err="1">
-                <a:solidFill>
-                  <a:schemeClr val="tx1"/>
-                </a:solidFill>
-              </a:rPr>
-              <a:t>DeclareParents</a:t>
-            </a:r>
-            <a:r>
-              <a:rPr lang="en-US" b="1" i="1" dirty="0">
-                <a:solidFill>
-                  <a:schemeClr val="tx1"/>
-                </a:solidFill>
-              </a:rPr>
-              <a:t> </a:t>
-            </a:r>
-          </a:p>
-          <a:p>
-            <a:pPr marL="228600" lvl="0" indent="-228600" algn="l" rtl="0">
-              <a:lnSpc>
-                <a:spcPct val="150000"/>
-              </a:lnSpc>
-              <a:spcBef>
-                <a:spcPts val="1000"/>
-              </a:spcBef>
-              <a:spcAft>
-                <a:spcPts val="0"/>
-              </a:spcAft>
-              <a:buClr>
-                <a:srgbClr val="FF0000"/>
-              </a:buClr>
-              <a:buSzPts val="2400"/>
-              <a:buChar char="•"/>
-            </a:pPr>
-            <a:r>
-              <a:rPr lang="en-US" b="1" i="1" dirty="0">
-                <a:solidFill>
-                  <a:srgbClr val="FF0000"/>
-                </a:solidFill>
-              </a:rPr>
-              <a:t>Advice: </a:t>
-            </a:r>
-            <a:r>
-              <a:rPr lang="en-US" b="1" i="1" dirty="0">
-                <a:solidFill>
-                  <a:schemeClr val="tx1"/>
-                </a:solidFill>
-              </a:rPr>
-              <a:t>none</a:t>
-            </a:r>
-            <a:endParaRPr dirty="0"/>
-          </a:p>
-          <a:p>
-            <a:pPr marL="228600" lvl="0" indent="-228600">
-              <a:lnSpc>
-                <a:spcPct val="150000"/>
-              </a:lnSpc>
-              <a:buClr>
-                <a:srgbClr val="FF0000"/>
-              </a:buClr>
-              <a:buSzPts val="2400"/>
-            </a:pPr>
-            <a:r>
-              <a:rPr lang="en-US" b="1" i="1" dirty="0">
-                <a:solidFill>
-                  <a:srgbClr val="FF0000"/>
-                </a:solidFill>
-              </a:rPr>
-              <a:t>Inter-type declarations, </a:t>
-            </a:r>
-            <a:r>
-              <a:rPr lang="en-US" b="1" i="1" dirty="0" err="1">
-                <a:solidFill>
-                  <a:srgbClr val="FF0000"/>
-                </a:solidFill>
-              </a:rPr>
-              <a:t>DeclareParents</a:t>
-            </a:r>
-            <a:r>
-              <a:rPr lang="en-US" b="1" i="1" dirty="0">
-                <a:solidFill>
-                  <a:schemeClr val="tx1"/>
-                </a:solidFill>
-              </a:rPr>
-              <a:t>:  Inter-type declarations in AspectJ are declarations that cut across classes and their hierarchies. They may declare members that cut across multiple classes, or change the inheritance relationship between classes. Unlike advice, which operates primarily dynamically, introduction operates statically, at compile-time.</a:t>
-            </a:r>
-            <a:endParaRPr b="1" i="1" dirty="0">
-              <a:solidFill>
-                <a:schemeClr val="tx1"/>
-              </a:solidFill>
-            </a:endParaRPr>
-          </a:p>
-        </p:txBody>
-      </p:sp>
-    </p:spTree>
-    <p:extLst>
-      <p:ext uri="{BB962C8B-B14F-4D97-AF65-F5344CB8AC3E}">
-        <p14:creationId xmlns:p14="http://schemas.microsoft.com/office/powerpoint/2010/main" val="1192889742"/>
-      </p:ext>
-    </p:extLst>
   </p:cSld>
   <p:clrMapOvr>
     <a:masterClrMapping/>
@@ -25884,15 +25772,15 @@
               <a:buNone/>
             </a:pPr>
             <a:r>
-              <a:rPr lang="en-US" b="1" dirty="0" err="1">
+              <a:rPr lang="en-US" b="1">
                 <a:latin typeface="Calibri"/>
                 <a:ea typeface="Calibri"/>
                 <a:cs typeface="Calibri"/>
                 <a:sym typeface="Calibri"/>
               </a:rPr>
-              <a:t>FunctionalityAdderAspect</a:t>
-            </a:r>
-            <a:endParaRPr b="1" dirty="0">
+              <a:t>ExceptionTranslatorAspect</a:t>
+            </a:r>
+            <a:endParaRPr b="1">
               <a:latin typeface="Calibri"/>
               <a:ea typeface="Calibri"/>
               <a:cs typeface="Calibri"/>
@@ -25901,159 +25789,181 @@
           </a:p>
         </p:txBody>
       </p:sp>
-      <p:pic>
-        <p:nvPicPr>
-          <p:cNvPr id="4" name="Picture 3">
-            <a:extLst>
-              <a:ext uri="{FF2B5EF4-FFF2-40B4-BE49-F238E27FC236}">
-                <a16:creationId xmlns:a16="http://schemas.microsoft.com/office/drawing/2014/main" id="{E3B3D206-9302-41A2-BD6A-93F2F2E69D21}"/>
-              </a:ext>
-            </a:extLst>
-          </p:cNvPr>
-          <p:cNvPicPr>
-            <a:picLocks noChangeAspect="1"/>
-          </p:cNvPicPr>
-          <p:nvPr/>
-        </p:nvPicPr>
-        <p:blipFill>
-          <a:blip r:embed="rId3"/>
-          <a:stretch>
-            <a:fillRect/>
-          </a:stretch>
-        </p:blipFill>
-        <p:spPr>
-          <a:xfrm>
-            <a:off x="2627790" y="1340779"/>
-            <a:ext cx="7951052" cy="2410964"/>
-          </a:xfrm>
-          <a:prstGeom prst="rect">
-            <a:avLst/>
-          </a:prstGeom>
-        </p:spPr>
-      </p:pic>
       <p:sp>
         <p:nvSpPr>
-          <p:cNvPr id="7" name="Rectangle 6">
-            <a:extLst>
-              <a:ext uri="{FF2B5EF4-FFF2-40B4-BE49-F238E27FC236}">
-                <a16:creationId xmlns:a16="http://schemas.microsoft.com/office/drawing/2014/main" id="{3ACA1D28-864E-4461-9828-C2FA2481AD5A}"/>
-              </a:ext>
-            </a:extLst>
-          </p:cNvPr>
-          <p:cNvSpPr/>
-          <p:nvPr/>
+          <p:cNvPr id="306" name="Google Shape;306;p46"/>
+          <p:cNvSpPr txBox="1">
+            <a:spLocks noGrp="1"/>
+          </p:cNvSpPr>
+          <p:nvPr>
+            <p:ph type="body" idx="1"/>
+          </p:nvPr>
         </p:nvSpPr>
         <p:spPr>
           <a:xfrm>
-            <a:off x="2728210" y="4028704"/>
-            <a:ext cx="7495082" cy="707886"/>
+            <a:off x="125835" y="1116419"/>
+            <a:ext cx="10515600" cy="5554347"/>
           </a:xfrm>
           <a:prstGeom prst="rect">
             <a:avLst/>
           </a:prstGeom>
+          <a:noFill/>
+          <a:ln>
+            <a:noFill/>
+          </a:ln>
         </p:spPr>
         <p:txBody>
-          <a:bodyPr wrap="square">
-            <a:spAutoFit/>
+          <a:bodyPr spcFirstLastPara="1" wrap="square" lIns="91425" tIns="45700" rIns="91425" bIns="45700" anchor="t" anchorCtr="0">
+            <a:noAutofit/>
           </a:bodyPr>
           <a:lstStyle/>
           <a:p>
-            <a:r>
-              <a:rPr lang="en-US" sz="2000" b="1" dirty="0">
-                <a:latin typeface="Roboto"/>
+            <a:pPr marL="228600" lvl="0" indent="-228600" algn="l" rtl="0">
+              <a:lnSpc>
+                <a:spcPct val="150000"/>
+              </a:lnSpc>
+              <a:spcBef>
+                <a:spcPts val="0"/>
+              </a:spcBef>
+              <a:spcAft>
+                <a:spcPts val="0"/>
+              </a:spcAft>
+              <a:buClr>
+                <a:srgbClr val="FF0000"/>
+              </a:buClr>
+              <a:buSzPts val="2400"/>
+              <a:buChar char="•"/>
+            </a:pPr>
+            <a:r>
+              <a:rPr lang="en-US" sz="2400" b="1" dirty="0">
+                <a:solidFill>
+                  <a:srgbClr val="FF0000"/>
+                </a:solidFill>
               </a:rPr>
-              <a:t>Adding serialization option to none-serialized classes. </a:t>
-            </a:r>
-          </a:p>
-          <a:p>
-            <a:r>
-              <a:rPr lang="en-US" sz="2000" b="1" dirty="0">
-                <a:latin typeface="Roboto"/>
+              <a:t>Concern:</a:t>
+            </a:r>
+            <a:r>
+              <a:rPr lang="en-US" sz="2400" b="1" dirty="0"/>
+              <a:t> noted above.</a:t>
+            </a:r>
+            <a:endParaRPr sz="2400" b="1" dirty="0">
+              <a:solidFill>
+                <a:srgbClr val="FF0000"/>
+              </a:solidFill>
+            </a:endParaRPr>
+          </a:p>
+          <a:p>
+            <a:pPr marL="228600" lvl="0" indent="-228600" algn="l" rtl="0">
+              <a:lnSpc>
+                <a:spcPct val="150000"/>
+              </a:lnSpc>
+              <a:spcBef>
+                <a:spcPts val="1000"/>
+              </a:spcBef>
+              <a:spcAft>
+                <a:spcPts val="0"/>
+              </a:spcAft>
+              <a:buClr>
+                <a:srgbClr val="FF0000"/>
+              </a:buClr>
+              <a:buSzPts val="2400"/>
+              <a:buChar char="•"/>
+            </a:pPr>
+            <a:r>
+              <a:rPr lang="en-US" sz="2400" b="1" i="1" dirty="0">
+                <a:solidFill>
+                  <a:srgbClr val="FF0000"/>
+                </a:solidFill>
               </a:rPr>
-              <a:t>Adding playing option with default </a:t>
-            </a:r>
-            <a:r>
-              <a:rPr lang="en-US" sz="2000" b="1" dirty="0" err="1">
-                <a:latin typeface="Roboto"/>
+              <a:t>Pointcut: </a:t>
+            </a:r>
+            <a:r>
+              <a:rPr lang="en-US" sz="2400" b="1" i="1" dirty="0"/>
+              <a:t>a </a:t>
+            </a:r>
+            <a:r>
+              <a:rPr lang="en-US" sz="2400" b="1" i="1" dirty="0" err="1"/>
+              <a:t>KeyboardException</a:t>
+            </a:r>
+            <a:r>
+              <a:rPr lang="en-US" sz="2400" b="1" i="1" dirty="0"/>
+              <a:t> is thrown  (ESC is pressed)</a:t>
+            </a:r>
+            <a:endParaRPr dirty="0"/>
+          </a:p>
+          <a:p>
+            <a:pPr marL="228600" lvl="0" indent="-228600" algn="l" rtl="0">
+              <a:lnSpc>
+                <a:spcPct val="150000"/>
+              </a:lnSpc>
+              <a:spcBef>
+                <a:spcPts val="1000"/>
+              </a:spcBef>
+              <a:spcAft>
+                <a:spcPts val="0"/>
+              </a:spcAft>
+              <a:buClr>
+                <a:srgbClr val="FF0000"/>
+              </a:buClr>
+              <a:buSzPts val="2400"/>
+              <a:buChar char="•"/>
+            </a:pPr>
+            <a:r>
+              <a:rPr lang="en-US" sz="2400" b="1" i="1" dirty="0">
+                <a:solidFill>
+                  <a:srgbClr val="FF0000"/>
+                </a:solidFill>
               </a:rPr>
-              <a:t>impl</a:t>
-            </a:r>
-            <a:r>
-              <a:rPr lang="en-US" sz="2000" b="1" dirty="0">
-                <a:latin typeface="Roboto"/>
+              <a:t>Advice: </a:t>
+            </a:r>
+            <a:r>
+              <a:rPr lang="en-US" sz="2400" b="1" i="1" dirty="0"/>
+              <a:t>Translate 3</a:t>
+            </a:r>
+            <a:r>
+              <a:rPr lang="en-US" sz="2400" b="1" i="1" baseline="30000" dirty="0"/>
+              <a:t>rd</a:t>
+            </a:r>
+            <a:r>
+              <a:rPr lang="en-US" sz="2400" b="1" i="1" dirty="0"/>
+              <a:t> party thrown exception into our application exception.</a:t>
+            </a:r>
+            <a:endParaRPr dirty="0"/>
+          </a:p>
+          <a:p>
+            <a:pPr marL="228600" lvl="0" indent="-228600" algn="l" rtl="0">
+              <a:lnSpc>
+                <a:spcPct val="150000"/>
+              </a:lnSpc>
+              <a:spcBef>
+                <a:spcPts val="1000"/>
+              </a:spcBef>
+              <a:spcAft>
+                <a:spcPts val="0"/>
+              </a:spcAft>
+              <a:buClr>
+                <a:srgbClr val="FF0000"/>
+              </a:buClr>
+              <a:buSzPts val="2400"/>
+              <a:buChar char="•"/>
+            </a:pPr>
+            <a:r>
+              <a:rPr lang="en-US" sz="2400" b="1" i="1" dirty="0" err="1">
+                <a:solidFill>
+                  <a:srgbClr val="FF0000"/>
+                </a:solidFill>
               </a:rPr>
-              <a:t>!</a:t>
-            </a:r>
-            <a:endParaRPr lang="en-US" sz="2000" b="1" dirty="0"/>
+              <a:t>ProceedingJointPoint</a:t>
+            </a:r>
+            <a:r>
+              <a:rPr lang="en-US" sz="2400" b="1" i="1" dirty="0"/>
+              <a:t>: an around advice is a special advice that can control when and if a method (or other join point) is executed. so they require an argument of type PJP, whereas other advices just use JP.</a:t>
+            </a:r>
+            <a:endParaRPr dirty="0"/>
           </a:p>
         </p:txBody>
       </p:sp>
-      <p:pic>
-        <p:nvPicPr>
-          <p:cNvPr id="6" name="Picture 5">
-            <a:extLst>
-              <a:ext uri="{FF2B5EF4-FFF2-40B4-BE49-F238E27FC236}">
-                <a16:creationId xmlns:a16="http://schemas.microsoft.com/office/drawing/2014/main" id="{779B280B-6569-4790-8B54-67898EBE69D1}"/>
-              </a:ext>
-            </a:extLst>
-          </p:cNvPr>
-          <p:cNvPicPr>
-            <a:picLocks noChangeAspect="1"/>
-          </p:cNvPicPr>
-          <p:nvPr/>
-        </p:nvPicPr>
-        <p:blipFill>
-          <a:blip r:embed="rId4"/>
-          <a:stretch>
-            <a:fillRect/>
-          </a:stretch>
-        </p:blipFill>
-        <p:spPr>
-          <a:xfrm>
-            <a:off x="1189608" y="5092463"/>
-            <a:ext cx="5686974" cy="1417112"/>
-          </a:xfrm>
-          <a:prstGeom prst="rect">
-            <a:avLst/>
-          </a:prstGeom>
-        </p:spPr>
-      </p:pic>
-      <p:pic>
-        <p:nvPicPr>
-          <p:cNvPr id="8" name="Picture 7">
-            <a:extLst>
-              <a:ext uri="{FF2B5EF4-FFF2-40B4-BE49-F238E27FC236}">
-                <a16:creationId xmlns:a16="http://schemas.microsoft.com/office/drawing/2014/main" id="{03AA1903-60D1-493E-ABBA-BB4E164CA522}"/>
-              </a:ext>
-            </a:extLst>
-          </p:cNvPr>
-          <p:cNvPicPr>
-            <a:picLocks noChangeAspect="1"/>
-          </p:cNvPicPr>
-          <p:nvPr/>
-        </p:nvPicPr>
-        <p:blipFill>
-          <a:blip r:embed="rId5"/>
-          <a:stretch>
-            <a:fillRect/>
-          </a:stretch>
-        </p:blipFill>
-        <p:spPr>
-          <a:xfrm>
-            <a:off x="7608332" y="5290513"/>
-            <a:ext cx="3555436" cy="1020347"/>
-          </a:xfrm>
-          <a:prstGeom prst="rect">
-            <a:avLst/>
-          </a:prstGeom>
-        </p:spPr>
-      </p:pic>
     </p:spTree>
-    <p:extLst>
-      <p:ext uri="{BB962C8B-B14F-4D97-AF65-F5344CB8AC3E}">
-        <p14:creationId xmlns:p14="http://schemas.microsoft.com/office/powerpoint/2010/main" val="2886232897"/>
-      </p:ext>
-    </p:extLst>
   </p:cSld>
   <p:clrMapOvr>
     <a:masterClrMapping/>
@@ -26481,6 +26391,18 @@
               </a:rPr>
               <a:t>Design Pattern</a:t>
             </a:r>
+            <a:r>
+              <a:rPr lang="en-US" b="1" dirty="0">
+                <a:solidFill>
+                  <a:schemeClr val="lt1"/>
+                </a:solidFill>
+                <a:latin typeface="Calibri"/>
+                <a:ea typeface="Calibri"/>
+                <a:cs typeface="Calibri"/>
+                <a:sym typeface="Calibri"/>
+              </a:rPr>
+              <a:t>s</a:t>
+            </a:r>
             <a:endParaRPr dirty="0"/>
           </a:p>
         </p:txBody>
@@ -26532,6 +26454,851 @@
 </file>
 
 <file path=ppt/slides/slide50.xml><?xml version="1.0" encoding="utf-8"?>
+<p:sld xmlns:a="http://schemas.openxmlformats.org/drawingml/2006/main" xmlns:r="http://schemas.openxmlformats.org/officeDocument/2006/relationships" xmlns:p="http://schemas.openxmlformats.org/presentationml/2006/main">
+  <p:cSld>
+    <p:spTree>
+      <p:nvGrpSpPr>
+        <p:cNvPr id="1" name="Shape 304"/>
+        <p:cNvGrpSpPr/>
+        <p:nvPr/>
+      </p:nvGrpSpPr>
+      <p:grpSpPr>
+        <a:xfrm>
+          <a:off x="0" y="0"/>
+          <a:ext cx="0" cy="0"/>
+          <a:chOff x="0" y="0"/>
+          <a:chExt cx="0" cy="0"/>
+        </a:xfrm>
+      </p:grpSpPr>
+      <p:sp>
+        <p:nvSpPr>
+          <p:cNvPr id="305" name="Google Shape;305;p46"/>
+          <p:cNvSpPr txBox="1">
+            <a:spLocks noGrp="1"/>
+          </p:cNvSpPr>
+          <p:nvPr>
+            <p:ph type="title"/>
+          </p:nvPr>
+        </p:nvSpPr>
+        <p:spPr>
+          <a:xfrm>
+            <a:off x="400594" y="86450"/>
+            <a:ext cx="10515600" cy="1325563"/>
+          </a:xfrm>
+          <a:prstGeom prst="rect">
+            <a:avLst/>
+          </a:prstGeom>
+          <a:noFill/>
+          <a:ln>
+            <a:noFill/>
+          </a:ln>
+        </p:spPr>
+        <p:txBody>
+          <a:bodyPr spcFirstLastPara="1" wrap="square" lIns="91425" tIns="45700" rIns="91425" bIns="45700" anchor="ctr" anchorCtr="0">
+            <a:noAutofit/>
+          </a:bodyPr>
+          <a:lstStyle/>
+          <a:p>
+            <a:pPr marL="0" lvl="0" indent="0" algn="l" rtl="0">
+              <a:lnSpc>
+                <a:spcPct val="90000"/>
+              </a:lnSpc>
+              <a:spcBef>
+                <a:spcPts val="0"/>
+              </a:spcBef>
+              <a:spcAft>
+                <a:spcPts val="0"/>
+              </a:spcAft>
+              <a:buClr>
+                <a:schemeClr val="dk1"/>
+              </a:buClr>
+              <a:buSzPts val="4400"/>
+              <a:buFont typeface="Calibri"/>
+              <a:buNone/>
+            </a:pPr>
+            <a:r>
+              <a:rPr lang="en-US" b="1" dirty="0" err="1">
+                <a:latin typeface="Calibri"/>
+                <a:ea typeface="Calibri"/>
+                <a:cs typeface="Calibri"/>
+                <a:sym typeface="Calibri"/>
+              </a:rPr>
+              <a:t>ExceptionTranslator</a:t>
+            </a:r>
+            <a:r>
+              <a:rPr lang="en-US" b="1" dirty="0">
+                <a:latin typeface="Calibri"/>
+                <a:ea typeface="Calibri"/>
+                <a:cs typeface="Calibri"/>
+                <a:sym typeface="Calibri"/>
+              </a:rPr>
+              <a:t> Aspect</a:t>
+            </a:r>
+            <a:endParaRPr b="1" dirty="0">
+              <a:latin typeface="Calibri"/>
+              <a:ea typeface="Calibri"/>
+              <a:cs typeface="Calibri"/>
+              <a:sym typeface="Calibri"/>
+            </a:endParaRPr>
+          </a:p>
+        </p:txBody>
+      </p:sp>
+      <p:pic>
+        <p:nvPicPr>
+          <p:cNvPr id="6" name="Google Shape;307;p46">
+            <a:extLst>
+              <a:ext uri="{FF2B5EF4-FFF2-40B4-BE49-F238E27FC236}">
+                <a16:creationId xmlns:a16="http://schemas.microsoft.com/office/drawing/2014/main" id="{997DB6BF-8FAB-4DDB-92B3-4145B1C7D8E0}"/>
+              </a:ext>
+            </a:extLst>
+          </p:cNvPr>
+          <p:cNvPicPr preferRelativeResize="0"/>
+          <p:nvPr/>
+        </p:nvPicPr>
+        <p:blipFill rotWithShape="1">
+          <a:blip r:embed="rId3">
+            <a:alphaModFix/>
+          </a:blip>
+          <a:srcRect l="4202" r="4131"/>
+          <a:stretch/>
+        </p:blipFill>
+        <p:spPr>
+          <a:xfrm>
+            <a:off x="2606532" y="1100831"/>
+            <a:ext cx="6430935" cy="3293616"/>
+          </a:xfrm>
+          <a:prstGeom prst="rect">
+            <a:avLst/>
+          </a:prstGeom>
+          <a:noFill/>
+          <a:ln>
+            <a:noFill/>
+          </a:ln>
+        </p:spPr>
+      </p:pic>
+      <p:pic>
+        <p:nvPicPr>
+          <p:cNvPr id="7" name="Google Shape;308;p46">
+            <a:extLst>
+              <a:ext uri="{FF2B5EF4-FFF2-40B4-BE49-F238E27FC236}">
+                <a16:creationId xmlns:a16="http://schemas.microsoft.com/office/drawing/2014/main" id="{B9033C1E-DF3D-48B4-8739-8C8B4F7A65BE}"/>
+              </a:ext>
+            </a:extLst>
+          </p:cNvPr>
+          <p:cNvPicPr preferRelativeResize="0"/>
+          <p:nvPr/>
+        </p:nvPicPr>
+        <p:blipFill rotWithShape="1">
+          <a:blip r:embed="rId4">
+            <a:alphaModFix/>
+          </a:blip>
+          <a:srcRect l="5305"/>
+          <a:stretch/>
+        </p:blipFill>
+        <p:spPr>
+          <a:xfrm>
+            <a:off x="2606532" y="4593298"/>
+            <a:ext cx="6235626" cy="1972702"/>
+          </a:xfrm>
+          <a:prstGeom prst="rect">
+            <a:avLst/>
+          </a:prstGeom>
+          <a:noFill/>
+          <a:ln>
+            <a:noFill/>
+          </a:ln>
+        </p:spPr>
+      </p:pic>
+    </p:spTree>
+    <p:extLst>
+      <p:ext uri="{BB962C8B-B14F-4D97-AF65-F5344CB8AC3E}">
+        <p14:creationId xmlns:p14="http://schemas.microsoft.com/office/powerpoint/2010/main" val="1530736439"/>
+      </p:ext>
+    </p:extLst>
+  </p:cSld>
+  <p:clrMapOvr>
+    <a:masterClrMapping/>
+  </p:clrMapOvr>
+</p:sld>
+</file>
+
+<file path=ppt/slides/slide51.xml><?xml version="1.0" encoding="utf-8"?>
+<p:sld xmlns:a="http://schemas.openxmlformats.org/drawingml/2006/main" xmlns:r="http://schemas.openxmlformats.org/officeDocument/2006/relationships" xmlns:p="http://schemas.openxmlformats.org/presentationml/2006/main">
+  <p:cSld>
+    <p:spTree>
+      <p:nvGrpSpPr>
+        <p:cNvPr id="1" name="Shape 304"/>
+        <p:cNvGrpSpPr/>
+        <p:nvPr/>
+      </p:nvGrpSpPr>
+      <p:grpSpPr>
+        <a:xfrm>
+          <a:off x="0" y="0"/>
+          <a:ext cx="0" cy="0"/>
+          <a:chOff x="0" y="0"/>
+          <a:chExt cx="0" cy="0"/>
+        </a:xfrm>
+      </p:grpSpPr>
+      <p:sp>
+        <p:nvSpPr>
+          <p:cNvPr id="305" name="Google Shape;305;p46"/>
+          <p:cNvSpPr txBox="1">
+            <a:spLocks noGrp="1"/>
+          </p:cNvSpPr>
+          <p:nvPr>
+            <p:ph type="title"/>
+          </p:nvPr>
+        </p:nvSpPr>
+        <p:spPr>
+          <a:xfrm>
+            <a:off x="400594" y="86450"/>
+            <a:ext cx="10515600" cy="1325563"/>
+          </a:xfrm>
+          <a:prstGeom prst="rect">
+            <a:avLst/>
+          </a:prstGeom>
+          <a:noFill/>
+          <a:ln>
+            <a:noFill/>
+          </a:ln>
+        </p:spPr>
+        <p:txBody>
+          <a:bodyPr spcFirstLastPara="1" wrap="square" lIns="91425" tIns="45700" rIns="91425" bIns="45700" anchor="ctr" anchorCtr="0">
+            <a:noAutofit/>
+          </a:bodyPr>
+          <a:lstStyle/>
+          <a:p>
+            <a:pPr marL="0" lvl="0" indent="0" algn="l" rtl="0">
+              <a:lnSpc>
+                <a:spcPct val="90000"/>
+              </a:lnSpc>
+              <a:spcBef>
+                <a:spcPts val="0"/>
+              </a:spcBef>
+              <a:spcAft>
+                <a:spcPts val="0"/>
+              </a:spcAft>
+              <a:buClr>
+                <a:schemeClr val="dk1"/>
+              </a:buClr>
+              <a:buSzPts val="4400"/>
+              <a:buFont typeface="Calibri"/>
+              <a:buNone/>
+            </a:pPr>
+            <a:r>
+              <a:rPr lang="en-US" b="1" dirty="0" err="1">
+                <a:latin typeface="Calibri"/>
+                <a:ea typeface="Calibri"/>
+                <a:cs typeface="Calibri"/>
+                <a:sym typeface="Calibri"/>
+              </a:rPr>
+              <a:t>FunctionalityAdder</a:t>
+            </a:r>
+            <a:r>
+              <a:rPr lang="en-US" b="1" dirty="0">
+                <a:latin typeface="Calibri"/>
+                <a:ea typeface="Calibri"/>
+                <a:cs typeface="Calibri"/>
+                <a:sym typeface="Calibri"/>
+              </a:rPr>
+              <a:t> Aspect</a:t>
+            </a:r>
+            <a:endParaRPr b="1" dirty="0">
+              <a:latin typeface="Calibri"/>
+              <a:ea typeface="Calibri"/>
+              <a:cs typeface="Calibri"/>
+              <a:sym typeface="Calibri"/>
+            </a:endParaRPr>
+          </a:p>
+        </p:txBody>
+      </p:sp>
+      <p:sp>
+        <p:nvSpPr>
+          <p:cNvPr id="306" name="Google Shape;306;p46"/>
+          <p:cNvSpPr txBox="1">
+            <a:spLocks noGrp="1"/>
+          </p:cNvSpPr>
+          <p:nvPr>
+            <p:ph type="body" idx="1"/>
+          </p:nvPr>
+        </p:nvSpPr>
+        <p:spPr>
+          <a:xfrm>
+            <a:off x="125835" y="1116419"/>
+            <a:ext cx="10515600" cy="5554347"/>
+          </a:xfrm>
+          <a:prstGeom prst="rect">
+            <a:avLst/>
+          </a:prstGeom>
+          <a:noFill/>
+          <a:ln>
+            <a:noFill/>
+          </a:ln>
+        </p:spPr>
+        <p:txBody>
+          <a:bodyPr spcFirstLastPara="1" wrap="square" lIns="91425" tIns="45700" rIns="91425" bIns="45700" anchor="t" anchorCtr="0">
+            <a:noAutofit/>
+          </a:bodyPr>
+          <a:lstStyle/>
+          <a:p>
+            <a:pPr marL="228600" lvl="0" indent="-228600" algn="l" rtl="0">
+              <a:lnSpc>
+                <a:spcPct val="150000"/>
+              </a:lnSpc>
+              <a:spcBef>
+                <a:spcPts val="0"/>
+              </a:spcBef>
+              <a:spcAft>
+                <a:spcPts val="0"/>
+              </a:spcAft>
+              <a:buClr>
+                <a:srgbClr val="FF0000"/>
+              </a:buClr>
+              <a:buSzPts val="2400"/>
+              <a:buChar char="•"/>
+            </a:pPr>
+            <a:r>
+              <a:rPr lang="en-US" b="1" dirty="0">
+                <a:solidFill>
+                  <a:srgbClr val="FF0000"/>
+                </a:solidFill>
+              </a:rPr>
+              <a:t>Concern:</a:t>
+            </a:r>
+            <a:r>
+              <a:rPr lang="en-US" b="1" dirty="0"/>
+              <a:t> Assume we want to add some functionality to our code, Serialization for example, or Printability. Those are interfaces with default implementations (by java or by ourselves). We want those to be added only for 1x month without touching existing code, as our client wants this for short-term period. Instead of writing new interfaces or changing existing code, lets change our objects hierarchy with aspects!</a:t>
+            </a:r>
+            <a:endParaRPr b="1" dirty="0">
+              <a:solidFill>
+                <a:srgbClr val="FF0000"/>
+              </a:solidFill>
+            </a:endParaRPr>
+          </a:p>
+        </p:txBody>
+      </p:sp>
+    </p:spTree>
+    <p:extLst>
+      <p:ext uri="{BB962C8B-B14F-4D97-AF65-F5344CB8AC3E}">
+        <p14:creationId xmlns:p14="http://schemas.microsoft.com/office/powerpoint/2010/main" val="1816212354"/>
+      </p:ext>
+    </p:extLst>
+  </p:cSld>
+  <p:clrMapOvr>
+    <a:masterClrMapping/>
+  </p:clrMapOvr>
+</p:sld>
+</file>
+
+<file path=ppt/slides/slide52.xml><?xml version="1.0" encoding="utf-8"?>
+<p:sld xmlns:a="http://schemas.openxmlformats.org/drawingml/2006/main" xmlns:r="http://schemas.openxmlformats.org/officeDocument/2006/relationships" xmlns:p="http://schemas.openxmlformats.org/presentationml/2006/main">
+  <p:cSld>
+    <p:spTree>
+      <p:nvGrpSpPr>
+        <p:cNvPr id="1" name="Shape 304"/>
+        <p:cNvGrpSpPr/>
+        <p:nvPr/>
+      </p:nvGrpSpPr>
+      <p:grpSpPr>
+        <a:xfrm>
+          <a:off x="0" y="0"/>
+          <a:ext cx="0" cy="0"/>
+          <a:chOff x="0" y="0"/>
+          <a:chExt cx="0" cy="0"/>
+        </a:xfrm>
+      </p:grpSpPr>
+      <p:sp>
+        <p:nvSpPr>
+          <p:cNvPr id="305" name="Google Shape;305;p46"/>
+          <p:cNvSpPr txBox="1">
+            <a:spLocks noGrp="1"/>
+          </p:cNvSpPr>
+          <p:nvPr>
+            <p:ph type="title"/>
+          </p:nvPr>
+        </p:nvSpPr>
+        <p:spPr>
+          <a:xfrm>
+            <a:off x="400594" y="86450"/>
+            <a:ext cx="10515600" cy="1325563"/>
+          </a:xfrm>
+          <a:prstGeom prst="rect">
+            <a:avLst/>
+          </a:prstGeom>
+          <a:noFill/>
+          <a:ln>
+            <a:noFill/>
+          </a:ln>
+        </p:spPr>
+        <p:txBody>
+          <a:bodyPr spcFirstLastPara="1" wrap="square" lIns="91425" tIns="45700" rIns="91425" bIns="45700" anchor="ctr" anchorCtr="0">
+            <a:noAutofit/>
+          </a:bodyPr>
+          <a:lstStyle/>
+          <a:p>
+            <a:pPr marL="0" lvl="0" indent="0" algn="l" rtl="0">
+              <a:lnSpc>
+                <a:spcPct val="90000"/>
+              </a:lnSpc>
+              <a:spcBef>
+                <a:spcPts val="0"/>
+              </a:spcBef>
+              <a:spcAft>
+                <a:spcPts val="0"/>
+              </a:spcAft>
+              <a:buClr>
+                <a:schemeClr val="dk1"/>
+              </a:buClr>
+              <a:buSzPts val="4400"/>
+              <a:buFont typeface="Calibri"/>
+              <a:buNone/>
+            </a:pPr>
+            <a:r>
+              <a:rPr lang="en-US" b="1" dirty="0" err="1">
+                <a:latin typeface="Calibri"/>
+                <a:ea typeface="Calibri"/>
+                <a:cs typeface="Calibri"/>
+                <a:sym typeface="Calibri"/>
+              </a:rPr>
+              <a:t>FunctionalityAdder</a:t>
+            </a:r>
+            <a:r>
+              <a:rPr lang="en-US" b="1" dirty="0">
+                <a:latin typeface="Calibri"/>
+                <a:ea typeface="Calibri"/>
+                <a:cs typeface="Calibri"/>
+                <a:sym typeface="Calibri"/>
+              </a:rPr>
+              <a:t> Aspect</a:t>
+            </a:r>
+            <a:endParaRPr b="1" dirty="0">
+              <a:latin typeface="Calibri"/>
+              <a:ea typeface="Calibri"/>
+              <a:cs typeface="Calibri"/>
+              <a:sym typeface="Calibri"/>
+            </a:endParaRPr>
+          </a:p>
+        </p:txBody>
+      </p:sp>
+      <p:sp>
+        <p:nvSpPr>
+          <p:cNvPr id="306" name="Google Shape;306;p46"/>
+          <p:cNvSpPr txBox="1">
+            <a:spLocks noGrp="1"/>
+          </p:cNvSpPr>
+          <p:nvPr>
+            <p:ph type="body" idx="1"/>
+          </p:nvPr>
+        </p:nvSpPr>
+        <p:spPr>
+          <a:xfrm>
+            <a:off x="125835" y="1116419"/>
+            <a:ext cx="10515600" cy="5554347"/>
+          </a:xfrm>
+          <a:prstGeom prst="rect">
+            <a:avLst/>
+          </a:prstGeom>
+          <a:noFill/>
+          <a:ln>
+            <a:noFill/>
+          </a:ln>
+        </p:spPr>
+        <p:txBody>
+          <a:bodyPr spcFirstLastPara="1" wrap="square" lIns="91425" tIns="45700" rIns="91425" bIns="45700" anchor="t" anchorCtr="0">
+            <a:noAutofit/>
+          </a:bodyPr>
+          <a:lstStyle/>
+          <a:p>
+            <a:pPr marL="228600" lvl="0" indent="-228600" algn="l" rtl="0">
+              <a:lnSpc>
+                <a:spcPct val="150000"/>
+              </a:lnSpc>
+              <a:spcBef>
+                <a:spcPts val="1000"/>
+              </a:spcBef>
+              <a:spcAft>
+                <a:spcPts val="0"/>
+              </a:spcAft>
+              <a:buClr>
+                <a:srgbClr val="FF0000"/>
+              </a:buClr>
+              <a:buSzPts val="2400"/>
+              <a:buChar char="•"/>
+            </a:pPr>
+            <a:r>
+              <a:rPr lang="en-US" b="1" i="1" dirty="0">
+                <a:solidFill>
+                  <a:srgbClr val="FF0000"/>
+                </a:solidFill>
+              </a:rPr>
+              <a:t>Pointcut: </a:t>
+            </a:r>
+            <a:r>
+              <a:rPr lang="en-US" b="1" i="1" dirty="0">
+                <a:solidFill>
+                  <a:schemeClr val="tx1"/>
+                </a:solidFill>
+              </a:rPr>
+              <a:t>we use ITD &gt; @</a:t>
+            </a:r>
+            <a:r>
+              <a:rPr lang="en-US" b="1" i="1" dirty="0" err="1">
+                <a:solidFill>
+                  <a:schemeClr val="tx1"/>
+                </a:solidFill>
+              </a:rPr>
+              <a:t>DeclareParents</a:t>
+            </a:r>
+            <a:r>
+              <a:rPr lang="en-US" b="1" i="1" dirty="0">
+                <a:solidFill>
+                  <a:schemeClr val="tx1"/>
+                </a:solidFill>
+              </a:rPr>
+              <a:t> </a:t>
+            </a:r>
+          </a:p>
+          <a:p>
+            <a:pPr marL="228600" lvl="0" indent="-228600" algn="l" rtl="0">
+              <a:lnSpc>
+                <a:spcPct val="150000"/>
+              </a:lnSpc>
+              <a:spcBef>
+                <a:spcPts val="1000"/>
+              </a:spcBef>
+              <a:spcAft>
+                <a:spcPts val="0"/>
+              </a:spcAft>
+              <a:buClr>
+                <a:srgbClr val="FF0000"/>
+              </a:buClr>
+              <a:buSzPts val="2400"/>
+              <a:buChar char="•"/>
+            </a:pPr>
+            <a:r>
+              <a:rPr lang="en-US" b="1" i="1" dirty="0">
+                <a:solidFill>
+                  <a:srgbClr val="FF0000"/>
+                </a:solidFill>
+              </a:rPr>
+              <a:t>Advice: </a:t>
+            </a:r>
+            <a:r>
+              <a:rPr lang="en-US" b="1" i="1" dirty="0">
+                <a:solidFill>
+                  <a:schemeClr val="tx1"/>
+                </a:solidFill>
+              </a:rPr>
+              <a:t>none</a:t>
+            </a:r>
+            <a:endParaRPr dirty="0"/>
+          </a:p>
+          <a:p>
+            <a:pPr marL="228600" lvl="0" indent="-228600">
+              <a:lnSpc>
+                <a:spcPct val="150000"/>
+              </a:lnSpc>
+              <a:buClr>
+                <a:srgbClr val="FF0000"/>
+              </a:buClr>
+              <a:buSzPts val="2400"/>
+            </a:pPr>
+            <a:r>
+              <a:rPr lang="en-US" b="1" i="1" dirty="0">
+                <a:solidFill>
+                  <a:srgbClr val="FF0000"/>
+                </a:solidFill>
+              </a:rPr>
+              <a:t>Inter-type declarations, </a:t>
+            </a:r>
+            <a:r>
+              <a:rPr lang="en-US" b="1" i="1" dirty="0" err="1">
+                <a:solidFill>
+                  <a:srgbClr val="FF0000"/>
+                </a:solidFill>
+              </a:rPr>
+              <a:t>DeclareParents</a:t>
+            </a:r>
+            <a:r>
+              <a:rPr lang="en-US" b="1" i="1" dirty="0">
+                <a:solidFill>
+                  <a:schemeClr val="tx1"/>
+                </a:solidFill>
+              </a:rPr>
+              <a:t>:  Inter-type declarations in AspectJ are declarations that cut across classes and their hierarchies. They may declare members that cut across multiple classes, or change the inheritance relationship between classes. Unlike advice, which operates primarily dynamically, introduction operates statically, at compile-time.</a:t>
+            </a:r>
+            <a:endParaRPr b="1" i="1" dirty="0">
+              <a:solidFill>
+                <a:schemeClr val="tx1"/>
+              </a:solidFill>
+            </a:endParaRPr>
+          </a:p>
+        </p:txBody>
+      </p:sp>
+    </p:spTree>
+    <p:extLst>
+      <p:ext uri="{BB962C8B-B14F-4D97-AF65-F5344CB8AC3E}">
+        <p14:creationId xmlns:p14="http://schemas.microsoft.com/office/powerpoint/2010/main" val="1192889742"/>
+      </p:ext>
+    </p:extLst>
+  </p:cSld>
+  <p:clrMapOvr>
+    <a:masterClrMapping/>
+  </p:clrMapOvr>
+</p:sld>
+</file>
+
+<file path=ppt/slides/slide53.xml><?xml version="1.0" encoding="utf-8"?>
+<p:sld xmlns:a="http://schemas.openxmlformats.org/drawingml/2006/main" xmlns:r="http://schemas.openxmlformats.org/officeDocument/2006/relationships" xmlns:p="http://schemas.openxmlformats.org/presentationml/2006/main">
+  <p:cSld>
+    <p:spTree>
+      <p:nvGrpSpPr>
+        <p:cNvPr id="1" name="Shape 304"/>
+        <p:cNvGrpSpPr/>
+        <p:nvPr/>
+      </p:nvGrpSpPr>
+      <p:grpSpPr>
+        <a:xfrm>
+          <a:off x="0" y="0"/>
+          <a:ext cx="0" cy="0"/>
+          <a:chOff x="0" y="0"/>
+          <a:chExt cx="0" cy="0"/>
+        </a:xfrm>
+      </p:grpSpPr>
+      <p:sp>
+        <p:nvSpPr>
+          <p:cNvPr id="305" name="Google Shape;305;p46"/>
+          <p:cNvSpPr txBox="1">
+            <a:spLocks noGrp="1"/>
+          </p:cNvSpPr>
+          <p:nvPr>
+            <p:ph type="title"/>
+          </p:nvPr>
+        </p:nvSpPr>
+        <p:spPr>
+          <a:xfrm>
+            <a:off x="400594" y="86450"/>
+            <a:ext cx="10515600" cy="1325563"/>
+          </a:xfrm>
+          <a:prstGeom prst="rect">
+            <a:avLst/>
+          </a:prstGeom>
+          <a:noFill/>
+          <a:ln>
+            <a:noFill/>
+          </a:ln>
+        </p:spPr>
+        <p:txBody>
+          <a:bodyPr spcFirstLastPara="1" wrap="square" lIns="91425" tIns="45700" rIns="91425" bIns="45700" anchor="ctr" anchorCtr="0">
+            <a:noAutofit/>
+          </a:bodyPr>
+          <a:lstStyle/>
+          <a:p>
+            <a:pPr marL="0" lvl="0" indent="0" algn="l" rtl="0">
+              <a:lnSpc>
+                <a:spcPct val="90000"/>
+              </a:lnSpc>
+              <a:spcBef>
+                <a:spcPts val="0"/>
+              </a:spcBef>
+              <a:spcAft>
+                <a:spcPts val="0"/>
+              </a:spcAft>
+              <a:buClr>
+                <a:schemeClr val="dk1"/>
+              </a:buClr>
+              <a:buSzPts val="4400"/>
+              <a:buFont typeface="Calibri"/>
+              <a:buNone/>
+            </a:pPr>
+            <a:r>
+              <a:rPr lang="en-US" b="1" dirty="0" err="1">
+                <a:latin typeface="Calibri"/>
+                <a:ea typeface="Calibri"/>
+                <a:cs typeface="Calibri"/>
+                <a:sym typeface="Calibri"/>
+              </a:rPr>
+              <a:t>FunctionalityAdder</a:t>
+            </a:r>
+            <a:r>
+              <a:rPr lang="en-US" b="1" dirty="0">
+                <a:latin typeface="Calibri"/>
+                <a:ea typeface="Calibri"/>
+                <a:cs typeface="Calibri"/>
+                <a:sym typeface="Calibri"/>
+              </a:rPr>
+              <a:t> Aspect</a:t>
+            </a:r>
+            <a:endParaRPr b="1" dirty="0">
+              <a:latin typeface="Calibri"/>
+              <a:ea typeface="Calibri"/>
+              <a:cs typeface="Calibri"/>
+              <a:sym typeface="Calibri"/>
+            </a:endParaRPr>
+          </a:p>
+        </p:txBody>
+      </p:sp>
+      <p:pic>
+        <p:nvPicPr>
+          <p:cNvPr id="4" name="Picture 3">
+            <a:extLst>
+              <a:ext uri="{FF2B5EF4-FFF2-40B4-BE49-F238E27FC236}">
+                <a16:creationId xmlns:a16="http://schemas.microsoft.com/office/drawing/2014/main" id="{E3B3D206-9302-41A2-BD6A-93F2F2E69D21}"/>
+              </a:ext>
+            </a:extLst>
+          </p:cNvPr>
+          <p:cNvPicPr>
+            <a:picLocks noChangeAspect="1"/>
+          </p:cNvPicPr>
+          <p:nvPr/>
+        </p:nvPicPr>
+        <p:blipFill>
+          <a:blip r:embed="rId3"/>
+          <a:stretch>
+            <a:fillRect/>
+          </a:stretch>
+        </p:blipFill>
+        <p:spPr>
+          <a:xfrm>
+            <a:off x="2627791" y="1695635"/>
+            <a:ext cx="6780782" cy="2056108"/>
+          </a:xfrm>
+          <a:prstGeom prst="rect">
+            <a:avLst/>
+          </a:prstGeom>
+        </p:spPr>
+      </p:pic>
+      <p:sp>
+        <p:nvSpPr>
+          <p:cNvPr id="7" name="Rectangle 6">
+            <a:extLst>
+              <a:ext uri="{FF2B5EF4-FFF2-40B4-BE49-F238E27FC236}">
+                <a16:creationId xmlns:a16="http://schemas.microsoft.com/office/drawing/2014/main" id="{3ACA1D28-864E-4461-9828-C2FA2481AD5A}"/>
+              </a:ext>
+            </a:extLst>
+          </p:cNvPr>
+          <p:cNvSpPr/>
+          <p:nvPr/>
+        </p:nvSpPr>
+        <p:spPr>
+          <a:xfrm>
+            <a:off x="2627791" y="3813242"/>
+            <a:ext cx="7495082" cy="707886"/>
+          </a:xfrm>
+          <a:prstGeom prst="rect">
+            <a:avLst/>
+          </a:prstGeom>
+        </p:spPr>
+        <p:txBody>
+          <a:bodyPr wrap="square">
+            <a:spAutoFit/>
+          </a:bodyPr>
+          <a:lstStyle/>
+          <a:p>
+            <a:r>
+              <a:rPr lang="en-US" sz="2000" b="1" dirty="0">
+                <a:latin typeface="Roboto"/>
+              </a:rPr>
+              <a:t>Adding serialization option to none-serialized classes. </a:t>
+            </a:r>
+          </a:p>
+          <a:p>
+            <a:r>
+              <a:rPr lang="en-US" sz="2000" b="1" dirty="0">
+                <a:latin typeface="Roboto"/>
+              </a:rPr>
+              <a:t>Adding playing option with default </a:t>
+            </a:r>
+            <a:r>
+              <a:rPr lang="en-US" sz="2000" b="1" dirty="0" err="1">
+                <a:latin typeface="Roboto"/>
+              </a:rPr>
+              <a:t>impl</a:t>
+            </a:r>
+            <a:r>
+              <a:rPr lang="en-US" sz="2000" b="1" dirty="0">
+                <a:latin typeface="Roboto"/>
+              </a:rPr>
+              <a:t>!</a:t>
+            </a:r>
+            <a:endParaRPr lang="en-US" sz="2000" b="1" dirty="0"/>
+          </a:p>
+        </p:txBody>
+      </p:sp>
+      <p:pic>
+        <p:nvPicPr>
+          <p:cNvPr id="6" name="Picture 5">
+            <a:extLst>
+              <a:ext uri="{FF2B5EF4-FFF2-40B4-BE49-F238E27FC236}">
+                <a16:creationId xmlns:a16="http://schemas.microsoft.com/office/drawing/2014/main" id="{779B280B-6569-4790-8B54-67898EBE69D1}"/>
+              </a:ext>
+            </a:extLst>
+          </p:cNvPr>
+          <p:cNvPicPr>
+            <a:picLocks noChangeAspect="1"/>
+          </p:cNvPicPr>
+          <p:nvPr/>
+        </p:nvPicPr>
+        <p:blipFill>
+          <a:blip r:embed="rId4"/>
+          <a:stretch>
+            <a:fillRect/>
+          </a:stretch>
+        </p:blipFill>
+        <p:spPr>
+          <a:xfrm>
+            <a:off x="1189608" y="5092463"/>
+            <a:ext cx="5686974" cy="1417112"/>
+          </a:xfrm>
+          <a:prstGeom prst="rect">
+            <a:avLst/>
+          </a:prstGeom>
+        </p:spPr>
+      </p:pic>
+      <p:pic>
+        <p:nvPicPr>
+          <p:cNvPr id="8" name="Picture 7">
+            <a:extLst>
+              <a:ext uri="{FF2B5EF4-FFF2-40B4-BE49-F238E27FC236}">
+                <a16:creationId xmlns:a16="http://schemas.microsoft.com/office/drawing/2014/main" id="{03AA1903-60D1-493E-ABBA-BB4E164CA522}"/>
+              </a:ext>
+            </a:extLst>
+          </p:cNvPr>
+          <p:cNvPicPr>
+            <a:picLocks noChangeAspect="1"/>
+          </p:cNvPicPr>
+          <p:nvPr/>
+        </p:nvPicPr>
+        <p:blipFill>
+          <a:blip r:embed="rId5"/>
+          <a:stretch>
+            <a:fillRect/>
+          </a:stretch>
+        </p:blipFill>
+        <p:spPr>
+          <a:xfrm>
+            <a:off x="7608332" y="5290513"/>
+            <a:ext cx="3555436" cy="1020347"/>
+          </a:xfrm>
+          <a:prstGeom prst="rect">
+            <a:avLst/>
+          </a:prstGeom>
+        </p:spPr>
+      </p:pic>
+    </p:spTree>
+    <p:extLst>
+      <p:ext uri="{BB962C8B-B14F-4D97-AF65-F5344CB8AC3E}">
+        <p14:creationId xmlns:p14="http://schemas.microsoft.com/office/powerpoint/2010/main" val="2886232897"/>
+      </p:ext>
+    </p:extLst>
+  </p:cSld>
+  <p:clrMapOvr>
+    <a:masterClrMapping/>
+  </p:clrMapOvr>
+</p:sld>
+</file>
+
+<file path=ppt/slides/slide54.xml><?xml version="1.0" encoding="utf-8"?>
 <p:sld xmlns:a="http://schemas.openxmlformats.org/drawingml/2006/main" xmlns:r="http://schemas.openxmlformats.org/officeDocument/2006/relationships" xmlns:p="http://schemas.openxmlformats.org/presentationml/2006/main">
   <p:cSld>
     <p:spTree>
@@ -26691,7 +27458,7 @@
                 <a:cs typeface="Calibri"/>
                 <a:sym typeface="Calibri"/>
               </a:rPr>
-              <a:t>Our main Aspects:</a:t>
+              <a:t>Our main Aspects: 9x aspects</a:t>
             </a:r>
             <a:endParaRPr dirty="0"/>
           </a:p>
@@ -26709,8 +27476,8 @@
         </p:nvSpPr>
         <p:spPr>
           <a:xfrm>
-            <a:off x="260060" y="772357"/>
-            <a:ext cx="11635850" cy="5999193"/>
+            <a:off x="260060" y="825626"/>
+            <a:ext cx="11635850" cy="5912526"/>
           </a:xfrm>
           <a:prstGeom prst="rect">
             <a:avLst/>
@@ -26802,7 +27569,19 @@
             </a:pPr>
             <a:r>
               <a:rPr lang="en-US" sz="1700" b="1" dirty="0"/>
-              <a:t>Audit Aspect - logs game events using method signature, for auditing (security) and data analysis.</a:t>
+              <a:t>Audit Aspect – monitors and logs game events using </a:t>
+            </a:r>
+            <a:r>
+              <a:rPr lang="en-US" sz="1700" b="1" dirty="0">
+                <a:solidFill>
+                  <a:schemeClr val="tx1"/>
+                </a:solidFill>
+              </a:rPr>
+              <a:t>wildcard &amp;&amp; annotation</a:t>
+            </a:r>
+            <a:r>
+              <a:rPr lang="en-US" sz="1700" b="1" dirty="0"/>
+              <a:t>, for auditing (security) and data analysis.</a:t>
             </a:r>
           </a:p>
           <a:p>
@@ -27035,6 +27814,236 @@
 </file>
 
 <file path=ppt/slides/slide7.xml><?xml version="1.0" encoding="utf-8"?>
+<p:sld xmlns:a="http://schemas.openxmlformats.org/drawingml/2006/main" xmlns:r="http://schemas.openxmlformats.org/officeDocument/2006/relationships" xmlns:p="http://schemas.openxmlformats.org/presentationml/2006/main">
+  <p:cSld>
+    <p:spTree>
+      <p:nvGrpSpPr>
+        <p:cNvPr id="1" name=""/>
+        <p:cNvGrpSpPr/>
+        <p:nvPr/>
+      </p:nvGrpSpPr>
+      <p:grpSpPr>
+        <a:xfrm>
+          <a:off x="0" y="0"/>
+          <a:ext cx="0" cy="0"/>
+          <a:chOff x="0" y="0"/>
+          <a:chExt cx="0" cy="0"/>
+        </a:xfrm>
+      </p:grpSpPr>
+      <p:pic>
+        <p:nvPicPr>
+          <p:cNvPr id="4" name="Picture 3">
+            <a:extLst>
+              <a:ext uri="{FF2B5EF4-FFF2-40B4-BE49-F238E27FC236}">
+                <a16:creationId xmlns:a16="http://schemas.microsoft.com/office/drawing/2014/main" id="{C06227D8-7916-4ECD-9DC4-6998648CCA5A}"/>
+              </a:ext>
+            </a:extLst>
+          </p:cNvPr>
+          <p:cNvPicPr>
+            <a:picLocks noChangeAspect="1"/>
+          </p:cNvPicPr>
+          <p:nvPr/>
+        </p:nvPicPr>
+        <p:blipFill rotWithShape="1">
+          <a:blip r:embed="rId2"/>
+          <a:srcRect r="79311"/>
+          <a:stretch/>
+        </p:blipFill>
+        <p:spPr>
+          <a:xfrm>
+            <a:off x="1529408" y="246355"/>
+            <a:ext cx="2545441" cy="6365289"/>
+          </a:xfrm>
+          <a:prstGeom prst="rect">
+            <a:avLst/>
+          </a:prstGeom>
+        </p:spPr>
+      </p:pic>
+      <p:sp>
+        <p:nvSpPr>
+          <p:cNvPr id="5" name="Google Shape;315;p47">
+            <a:extLst>
+              <a:ext uri="{FF2B5EF4-FFF2-40B4-BE49-F238E27FC236}">
+                <a16:creationId xmlns:a16="http://schemas.microsoft.com/office/drawing/2014/main" id="{67FD0D37-6EC2-422C-A803-7BA338008970}"/>
+              </a:ext>
+            </a:extLst>
+          </p:cNvPr>
+          <p:cNvSpPr/>
+          <p:nvPr/>
+        </p:nvSpPr>
+        <p:spPr>
+          <a:xfrm>
+            <a:off x="5264458" y="1985018"/>
+            <a:ext cx="1926455" cy="1335231"/>
+          </a:xfrm>
+          <a:prstGeom prst="rect">
+            <a:avLst/>
+          </a:prstGeom>
+          <a:noFill/>
+          <a:ln>
+            <a:solidFill>
+              <a:schemeClr val="tx1"/>
+            </a:solidFill>
+          </a:ln>
+        </p:spPr>
+        <p:txBody>
+          <a:bodyPr spcFirstLastPara="1" wrap="square" lIns="91425" tIns="45700" rIns="91425" bIns="45700" anchor="t" anchorCtr="0">
+            <a:noAutofit/>
+          </a:bodyPr>
+          <a:lstStyle/>
+          <a:p>
+            <a:pPr marR="0" lvl="0" algn="ctr" rtl="0">
+              <a:lnSpc>
+                <a:spcPct val="150000"/>
+              </a:lnSpc>
+              <a:spcBef>
+                <a:spcPts val="0"/>
+              </a:spcBef>
+              <a:spcAft>
+                <a:spcPts val="0"/>
+              </a:spcAft>
+            </a:pPr>
+            <a:r>
+              <a:rPr lang="en-US" sz="1050" b="1" dirty="0">
+                <a:solidFill>
+                  <a:schemeClr val="dk1"/>
+                </a:solidFill>
+                <a:latin typeface="Calibri"/>
+                <a:ea typeface="Calibri"/>
+                <a:cs typeface="Calibri"/>
+                <a:sym typeface="Calibri"/>
+              </a:rPr>
+              <a:t>9x Aspect classes</a:t>
+            </a:r>
+          </a:p>
+          <a:p>
+            <a:pPr marR="0" lvl="0" algn="ctr" rtl="0">
+              <a:lnSpc>
+                <a:spcPct val="150000"/>
+              </a:lnSpc>
+              <a:spcBef>
+                <a:spcPts val="0"/>
+              </a:spcBef>
+              <a:spcAft>
+                <a:spcPts val="0"/>
+              </a:spcAft>
+            </a:pPr>
+            <a:r>
+              <a:rPr lang="en-US" sz="1050" b="1" dirty="0">
+                <a:solidFill>
+                  <a:schemeClr val="dk1"/>
+                </a:solidFill>
+                <a:latin typeface="Calibri"/>
+                <a:cs typeface="Calibri"/>
+                <a:sym typeface="Calibri"/>
+              </a:rPr>
+              <a:t>1x xml </a:t>
+            </a:r>
+          </a:p>
+          <a:p>
+            <a:pPr marR="0" lvl="0" algn="ctr" rtl="0">
+              <a:lnSpc>
+                <a:spcPct val="150000"/>
+              </a:lnSpc>
+              <a:spcBef>
+                <a:spcPts val="0"/>
+              </a:spcBef>
+              <a:spcAft>
+                <a:spcPts val="0"/>
+              </a:spcAft>
+            </a:pPr>
+            <a:r>
+              <a:rPr lang="en-US" sz="1050" b="1" dirty="0">
+                <a:solidFill>
+                  <a:schemeClr val="dk1"/>
+                </a:solidFill>
+                <a:latin typeface="Calibri"/>
+                <a:cs typeface="Calibri"/>
+                <a:sym typeface="Calibri"/>
+              </a:rPr>
+              <a:t>3x exceptions</a:t>
+            </a:r>
+          </a:p>
+          <a:p>
+            <a:pPr marR="0" lvl="0" algn="ctr" rtl="0">
+              <a:lnSpc>
+                <a:spcPct val="150000"/>
+              </a:lnSpc>
+              <a:spcBef>
+                <a:spcPts val="0"/>
+              </a:spcBef>
+              <a:spcAft>
+                <a:spcPts val="0"/>
+              </a:spcAft>
+            </a:pPr>
+            <a:r>
+              <a:rPr lang="en-US" sz="1050" b="1" dirty="0">
+                <a:solidFill>
+                  <a:schemeClr val="dk1"/>
+                </a:solidFill>
+                <a:latin typeface="Calibri"/>
+                <a:cs typeface="Calibri"/>
+                <a:sym typeface="Calibri"/>
+              </a:rPr>
+              <a:t>1x annotation</a:t>
+            </a:r>
+            <a:endParaRPr lang="he-IL" sz="1050" b="1" dirty="0">
+              <a:solidFill>
+                <a:schemeClr val="dk1"/>
+              </a:solidFill>
+              <a:latin typeface="Calibri"/>
+              <a:cs typeface="Calibri"/>
+              <a:sym typeface="Calibri"/>
+            </a:endParaRPr>
+          </a:p>
+          <a:p>
+            <a:pPr marR="0" lvl="0" algn="ctr" rtl="0">
+              <a:lnSpc>
+                <a:spcPct val="150000"/>
+              </a:lnSpc>
+              <a:spcBef>
+                <a:spcPts val="0"/>
+              </a:spcBef>
+              <a:spcAft>
+                <a:spcPts val="0"/>
+              </a:spcAft>
+            </a:pPr>
+            <a:r>
+              <a:rPr lang="en-US" sz="1050" b="1" dirty="0">
+                <a:solidFill>
+                  <a:schemeClr val="dk1"/>
+                </a:solidFill>
+                <a:latin typeface="Calibri"/>
+                <a:cs typeface="Calibri"/>
+                <a:sym typeface="Calibri"/>
+              </a:rPr>
+              <a:t>6x Test related</a:t>
+            </a:r>
+            <a:endParaRPr lang="he-IL" sz="1050" b="1" dirty="0">
+              <a:solidFill>
+                <a:schemeClr val="dk1"/>
+              </a:solidFill>
+              <a:latin typeface="Calibri"/>
+              <a:cs typeface="Calibri"/>
+              <a:sym typeface="Calibri"/>
+            </a:endParaRPr>
+          </a:p>
+        </p:txBody>
+      </p:sp>
+    </p:spTree>
+    <p:extLst>
+      <p:ext uri="{BB962C8B-B14F-4D97-AF65-F5344CB8AC3E}">
+        <p14:creationId xmlns:p14="http://schemas.microsoft.com/office/powerpoint/2010/main" val="2312821087"/>
+      </p:ext>
+    </p:extLst>
+  </p:cSld>
+  <p:clrMapOvr>
+    <a:masterClrMapping/>
+  </p:clrMapOvr>
+</p:sld>
+</file>
+
+<file path=ppt/slides/slide8.xml><?xml version="1.0" encoding="utf-8"?>
 <p:sld xmlns:a="http://schemas.openxmlformats.org/drawingml/2006/main" xmlns:r="http://schemas.openxmlformats.org/officeDocument/2006/relationships" xmlns:p="http://schemas.openxmlformats.org/presentationml/2006/main">
   <p:cSld>
     <p:spTree>
@@ -27125,7 +28134,7 @@
 </p:sld>
 </file>
 
-<file path=ppt/slides/slide8.xml><?xml version="1.0" encoding="utf-8"?>
+<file path=ppt/slides/slide9.xml><?xml version="1.0" encoding="utf-8"?>
 <p:sld xmlns:a="http://schemas.openxmlformats.org/drawingml/2006/main" xmlns:r="http://schemas.openxmlformats.org/officeDocument/2006/relationships" xmlns:p="http://schemas.openxmlformats.org/presentationml/2006/main">
   <p:cSld>
     <p:spTree>
@@ -27205,318 +28214,6 @@
               <a:cs typeface="Calibri"/>
               <a:sym typeface="Calibri"/>
             </a:endParaRPr>
-          </a:p>
-        </p:txBody>
-      </p:sp>
-    </p:spTree>
-  </p:cSld>
-  <p:clrMapOvr>
-    <a:masterClrMapping/>
-  </p:clrMapOvr>
-</p:sld>
-</file>
-
-<file path=ppt/slides/slide9.xml><?xml version="1.0" encoding="utf-8"?>
-<p:sld xmlns:a="http://schemas.openxmlformats.org/drawingml/2006/main" xmlns:r="http://schemas.openxmlformats.org/officeDocument/2006/relationships" xmlns:p="http://schemas.openxmlformats.org/presentationml/2006/main">
-  <p:cSld>
-    <p:spTree>
-      <p:nvGrpSpPr>
-        <p:cNvPr id="1" name="Shape 137"/>
-        <p:cNvGrpSpPr/>
-        <p:nvPr/>
-      </p:nvGrpSpPr>
-      <p:grpSpPr>
-        <a:xfrm>
-          <a:off x="0" y="0"/>
-          <a:ext cx="0" cy="0"/>
-          <a:chOff x="0" y="0"/>
-          <a:chExt cx="0" cy="0"/>
-        </a:xfrm>
-      </p:grpSpPr>
-      <p:sp>
-        <p:nvSpPr>
-          <p:cNvPr id="138" name="Google Shape;138;p21"/>
-          <p:cNvSpPr txBox="1">
-            <a:spLocks noGrp="1"/>
-          </p:cNvSpPr>
-          <p:nvPr>
-            <p:ph type="title"/>
-          </p:nvPr>
-        </p:nvSpPr>
-        <p:spPr>
-          <a:xfrm>
-            <a:off x="400594" y="86450"/>
-            <a:ext cx="10515600" cy="1325563"/>
-          </a:xfrm>
-          <a:prstGeom prst="rect">
-            <a:avLst/>
-          </a:prstGeom>
-          <a:noFill/>
-          <a:ln>
-            <a:noFill/>
-          </a:ln>
-        </p:spPr>
-        <p:txBody>
-          <a:bodyPr spcFirstLastPara="1" wrap="square" lIns="91425" tIns="45700" rIns="91425" bIns="45700" anchor="ctr" anchorCtr="0">
-            <a:noAutofit/>
-          </a:bodyPr>
-          <a:lstStyle/>
-          <a:p>
-            <a:pPr marL="0" lvl="0" indent="0" algn="l" rtl="0">
-              <a:lnSpc>
-                <a:spcPct val="90000"/>
-              </a:lnSpc>
-              <a:spcBef>
-                <a:spcPts val="0"/>
-              </a:spcBef>
-              <a:spcAft>
-                <a:spcPts val="0"/>
-              </a:spcAft>
-              <a:buClr>
-                <a:schemeClr val="dk1"/>
-              </a:buClr>
-              <a:buSzPts val="4400"/>
-              <a:buFont typeface="Calibri"/>
-              <a:buNone/>
-            </a:pPr>
-            <a:r>
-              <a:rPr lang="en-US" b="1" dirty="0">
-                <a:latin typeface="Calibri"/>
-                <a:ea typeface="Calibri"/>
-                <a:cs typeface="Calibri"/>
-                <a:sym typeface="Calibri"/>
-              </a:rPr>
-              <a:t>Spectative Aspects:</a:t>
-            </a:r>
-            <a:endParaRPr dirty="0"/>
-          </a:p>
-        </p:txBody>
-      </p:sp>
-      <p:sp>
-        <p:nvSpPr>
-          <p:cNvPr id="140" name="Google Shape;140;p21"/>
-          <p:cNvSpPr/>
-          <p:nvPr/>
-        </p:nvSpPr>
-        <p:spPr>
-          <a:xfrm>
-            <a:off x="2372203" y="3034593"/>
-            <a:ext cx="1602138" cy="1536585"/>
-          </a:xfrm>
-          <a:prstGeom prst="ellipse">
-            <a:avLst/>
-          </a:prstGeom>
-          <a:solidFill>
-            <a:schemeClr val="dk1"/>
-          </a:solidFill>
-          <a:ln w="12700" cap="flat" cmpd="sng">
-            <a:solidFill>
-              <a:schemeClr val="lt1"/>
-            </a:solidFill>
-            <a:prstDash val="solid"/>
-            <a:miter lim="800000"/>
-            <a:headEnd type="none" w="sm" len="sm"/>
-            <a:tailEnd type="none" w="sm" len="sm"/>
-          </a:ln>
-        </p:spPr>
-        <p:txBody>
-          <a:bodyPr spcFirstLastPara="1" wrap="square" lIns="91425" tIns="45700" rIns="91425" bIns="45700" anchor="ctr" anchorCtr="0">
-            <a:noAutofit/>
-          </a:bodyPr>
-          <a:lstStyle/>
-          <a:p>
-            <a:pPr marL="0" marR="0" lvl="0" indent="0" algn="ctr" rtl="0">
-              <a:spcBef>
-                <a:spcPts val="0"/>
-              </a:spcBef>
-              <a:spcAft>
-                <a:spcPts val="0"/>
-              </a:spcAft>
-              <a:buNone/>
-            </a:pPr>
-            <a:r>
-              <a:rPr lang="en-US" sz="1600" b="1" i="0" u="none" strike="noStrike" cap="none" dirty="0">
-                <a:solidFill>
-                  <a:schemeClr val="lt1"/>
-                </a:solidFill>
-                <a:latin typeface="Calibri"/>
-                <a:ea typeface="Calibri"/>
-                <a:cs typeface="Calibri"/>
-                <a:sym typeface="Calibri"/>
-              </a:rPr>
-              <a:t>Game Logging</a:t>
-            </a:r>
-            <a:endParaRPr dirty="0"/>
-          </a:p>
-          <a:p>
-            <a:pPr marL="0" marR="0" lvl="0" indent="0" algn="ctr" rtl="0">
-              <a:spcBef>
-                <a:spcPts val="0"/>
-              </a:spcBef>
-              <a:spcAft>
-                <a:spcPts val="0"/>
-              </a:spcAft>
-              <a:buNone/>
-            </a:pPr>
-            <a:r>
-              <a:rPr lang="en-US" sz="1600" b="1" i="0" u="none" strike="noStrike" cap="none" dirty="0">
-                <a:solidFill>
-                  <a:schemeClr val="lt1"/>
-                </a:solidFill>
-                <a:latin typeface="Calibri"/>
-                <a:ea typeface="Calibri"/>
-                <a:cs typeface="Calibri"/>
-                <a:sym typeface="Calibri"/>
-              </a:rPr>
-              <a:t>Aspect</a:t>
-            </a:r>
-            <a:endParaRPr dirty="0"/>
-          </a:p>
-        </p:txBody>
-      </p:sp>
-      <p:sp>
-        <p:nvSpPr>
-          <p:cNvPr id="141" name="Google Shape;141;p21"/>
-          <p:cNvSpPr/>
-          <p:nvPr/>
-        </p:nvSpPr>
-        <p:spPr>
-          <a:xfrm>
-            <a:off x="5319615" y="3034593"/>
-            <a:ext cx="1602138" cy="1536585"/>
-          </a:xfrm>
-          <a:prstGeom prst="ellipse">
-            <a:avLst/>
-          </a:prstGeom>
-          <a:solidFill>
-            <a:schemeClr val="dk1"/>
-          </a:solidFill>
-          <a:ln w="12700" cap="flat" cmpd="sng">
-            <a:solidFill>
-              <a:schemeClr val="lt1"/>
-            </a:solidFill>
-            <a:prstDash val="solid"/>
-            <a:miter lim="800000"/>
-            <a:headEnd type="none" w="sm" len="sm"/>
-            <a:tailEnd type="none" w="sm" len="sm"/>
-          </a:ln>
-        </p:spPr>
-        <p:txBody>
-          <a:bodyPr spcFirstLastPara="1" wrap="square" lIns="91425" tIns="45700" rIns="91425" bIns="45700" anchor="ctr" anchorCtr="0">
-            <a:noAutofit/>
-          </a:bodyPr>
-          <a:lstStyle/>
-          <a:p>
-            <a:pPr marL="0" marR="0" lvl="0" indent="0" algn="ctr" rtl="0">
-              <a:spcBef>
-                <a:spcPts val="0"/>
-              </a:spcBef>
-              <a:spcAft>
-                <a:spcPts val="0"/>
-              </a:spcAft>
-              <a:buNone/>
-            </a:pPr>
-            <a:r>
-              <a:rPr lang="en-US" sz="1600" b="1" i="0" u="none" strike="noStrike" cap="none" dirty="0">
-                <a:solidFill>
-                  <a:schemeClr val="lt1"/>
-                </a:solidFill>
-                <a:latin typeface="Calibri"/>
-                <a:ea typeface="Calibri"/>
-                <a:cs typeface="Calibri"/>
-                <a:sym typeface="Calibri"/>
-              </a:rPr>
-              <a:t>Audit</a:t>
-            </a:r>
-            <a:endParaRPr dirty="0"/>
-          </a:p>
-          <a:p>
-            <a:pPr marL="0" marR="0" lvl="0" indent="0" algn="ctr" rtl="0">
-              <a:spcBef>
-                <a:spcPts val="0"/>
-              </a:spcBef>
-              <a:spcAft>
-                <a:spcPts val="0"/>
-              </a:spcAft>
-              <a:buNone/>
-            </a:pPr>
-            <a:r>
-              <a:rPr lang="en-US" sz="1600" b="1" i="0" u="none" strike="noStrike" cap="none" dirty="0">
-                <a:solidFill>
-                  <a:schemeClr val="lt1"/>
-                </a:solidFill>
-                <a:latin typeface="Calibri"/>
-                <a:ea typeface="Calibri"/>
-                <a:cs typeface="Calibri"/>
-                <a:sym typeface="Calibri"/>
-              </a:rPr>
-              <a:t>Aspect</a:t>
-            </a:r>
-            <a:endParaRPr dirty="0"/>
-          </a:p>
-        </p:txBody>
-      </p:sp>
-      <p:sp>
-        <p:nvSpPr>
-          <p:cNvPr id="8" name="Google Shape;272;p41">
-            <a:extLst>
-              <a:ext uri="{FF2B5EF4-FFF2-40B4-BE49-F238E27FC236}">
-                <a16:creationId xmlns:a16="http://schemas.microsoft.com/office/drawing/2014/main" id="{F67A3AC9-0D6F-4E2A-B4C4-EF5FD67452ED}"/>
-              </a:ext>
-            </a:extLst>
-          </p:cNvPr>
-          <p:cNvSpPr/>
-          <p:nvPr/>
-        </p:nvSpPr>
-        <p:spPr>
-          <a:xfrm>
-            <a:off x="8610356" y="3056136"/>
-            <a:ext cx="1602138" cy="1536585"/>
-          </a:xfrm>
-          <a:prstGeom prst="ellipse">
-            <a:avLst/>
-          </a:prstGeom>
-          <a:solidFill>
-            <a:schemeClr val="tx1"/>
-          </a:solidFill>
-          <a:ln w="12700" cap="flat" cmpd="sng">
-            <a:solidFill>
-              <a:schemeClr val="lt1"/>
-            </a:solidFill>
-            <a:prstDash val="solid"/>
-            <a:miter lim="800000"/>
-            <a:headEnd type="none" w="sm" len="sm"/>
-            <a:tailEnd type="none" w="sm" len="sm"/>
-          </a:ln>
-        </p:spPr>
-        <p:txBody>
-          <a:bodyPr spcFirstLastPara="1" wrap="square" lIns="91425" tIns="45700" rIns="91425" bIns="45700" anchor="ctr" anchorCtr="0">
-            <a:noAutofit/>
-          </a:bodyPr>
-          <a:lstStyle/>
-          <a:p>
-            <a:pPr marL="0" marR="0" lvl="0" indent="0" algn="ctr" rtl="0">
-              <a:spcBef>
-                <a:spcPts val="0"/>
-              </a:spcBef>
-              <a:spcAft>
-                <a:spcPts val="0"/>
-              </a:spcAft>
-              <a:buNone/>
-            </a:pPr>
-            <a:r>
-              <a:rPr lang="en-US" sz="1600" b="1" i="0" u="none" strike="noStrike" cap="none" dirty="0">
-                <a:solidFill>
-                  <a:schemeClr val="lt1"/>
-                </a:solidFill>
-                <a:latin typeface="Calibri"/>
-                <a:ea typeface="Calibri"/>
-                <a:cs typeface="Calibri"/>
-                <a:sym typeface="Calibri"/>
-              </a:rPr>
-              <a:t>Singleton Aspect</a:t>
-            </a:r>
-            <a:endParaRPr dirty="0"/>
           </a:p>
         </p:txBody>
       </p:sp>
